--- a/talks/ZI Conference Talk V2.pptx
+++ b/talks/ZI Conference Talk V2.pptx
@@ -5,7 +5,7 @@
     <p:sldMasterId id="2147483648" r:id="rId1"/>
   </p:sldMasterIdLst>
   <p:notesMasterIdLst>
-    <p:notesMasterId r:id="rId28"/>
+    <p:notesMasterId r:id="rId30"/>
   </p:notesMasterIdLst>
   <p:sldIdLst>
     <p:sldId id="286" r:id="rId2"/>
@@ -17,23 +17,25 @@
     <p:sldId id="474" r:id="rId8"/>
     <p:sldId id="476" r:id="rId9"/>
     <p:sldId id="469" r:id="rId10"/>
-    <p:sldId id="468" r:id="rId11"/>
-    <p:sldId id="479" r:id="rId12"/>
-    <p:sldId id="477" r:id="rId13"/>
-    <p:sldId id="478" r:id="rId14"/>
-    <p:sldId id="480" r:id="rId15"/>
-    <p:sldId id="494" r:id="rId16"/>
-    <p:sldId id="491" r:id="rId17"/>
-    <p:sldId id="485" r:id="rId18"/>
-    <p:sldId id="496" r:id="rId19"/>
-    <p:sldId id="493" r:id="rId20"/>
-    <p:sldId id="498" r:id="rId21"/>
-    <p:sldId id="499" r:id="rId22"/>
-    <p:sldId id="487" r:id="rId23"/>
-    <p:sldId id="500" r:id="rId24"/>
-    <p:sldId id="497" r:id="rId25"/>
-    <p:sldId id="488" r:id="rId26"/>
-    <p:sldId id="357" r:id="rId27"/>
+    <p:sldId id="504" r:id="rId11"/>
+    <p:sldId id="502" r:id="rId12"/>
+    <p:sldId id="503" r:id="rId13"/>
+    <p:sldId id="479" r:id="rId14"/>
+    <p:sldId id="477" r:id="rId15"/>
+    <p:sldId id="478" r:id="rId16"/>
+    <p:sldId id="480" r:id="rId17"/>
+    <p:sldId id="494" r:id="rId18"/>
+    <p:sldId id="491" r:id="rId19"/>
+    <p:sldId id="485" r:id="rId20"/>
+    <p:sldId id="496" r:id="rId21"/>
+    <p:sldId id="493" r:id="rId22"/>
+    <p:sldId id="498" r:id="rId23"/>
+    <p:sldId id="499" r:id="rId24"/>
+    <p:sldId id="487" r:id="rId25"/>
+    <p:sldId id="500" r:id="rId26"/>
+    <p:sldId id="497" r:id="rId27"/>
+    <p:sldId id="488" r:id="rId28"/>
+    <p:sldId id="357" r:id="rId29"/>
   </p:sldIdLst>
   <p:sldSz cx="12192000" cy="6858000"/>
   <p:notesSz cx="6858000" cy="9144000"/>
@@ -4737,14 +4739,558 @@
 <file path=ppt/slides/slide10.xml><?xml version="1.0" encoding="utf-8"?>
 <p:sld xmlns:a="http://schemas.openxmlformats.org/drawingml/2006/main" xmlns:r="http://schemas.openxmlformats.org/officeDocument/2006/relationships" xmlns:p="http://schemas.openxmlformats.org/presentationml/2006/main">
   <p:cSld>
-    <p:bg>
-      <p:bgPr>
-        <a:solidFill>
-          <a:schemeClr val="bg1"/>
-        </a:solidFill>
-        <a:effectLst/>
-      </p:bgPr>
-    </p:bg>
+    <p:spTree>
+      <p:nvGrpSpPr>
+        <p:cNvPr id="1" name=""/>
+        <p:cNvGrpSpPr/>
+        <p:nvPr/>
+      </p:nvGrpSpPr>
+      <p:grpSpPr>
+        <a:xfrm>
+          <a:off x="0" y="0"/>
+          <a:ext cx="0" cy="0"/>
+          <a:chOff x="0" y="0"/>
+          <a:chExt cx="0" cy="0"/>
+        </a:xfrm>
+      </p:grpSpPr>
+      <p:pic>
+        <p:nvPicPr>
+          <p:cNvPr id="5122" name="Picture 2">
+            <a:extLst>
+              <a:ext uri="{FF2B5EF4-FFF2-40B4-BE49-F238E27FC236}">
+                <a16:creationId xmlns:a16="http://schemas.microsoft.com/office/drawing/2014/main" id="{D42A1E65-F369-4CE2-9FF4-FF1188549391}"/>
+              </a:ext>
+            </a:extLst>
+          </p:cNvPr>
+          <p:cNvPicPr>
+            <a:picLocks noChangeAspect="1" noChangeArrowheads="1"/>
+          </p:cNvPicPr>
+          <p:nvPr/>
+        </p:nvPicPr>
+        <p:blipFill>
+          <a:blip r:embed="rId2">
+            <a:extLst>
+              <a:ext uri="{28A0092B-C50C-407E-A947-70E740481C1C}">
+                <a14:useLocalDpi xmlns:a14="http://schemas.microsoft.com/office/drawing/2010/main" val="0"/>
+              </a:ext>
+            </a:extLst>
+          </a:blip>
+          <a:srcRect/>
+          <a:stretch>
+            <a:fillRect/>
+          </a:stretch>
+        </p:blipFill>
+        <p:spPr bwMode="auto">
+          <a:xfrm>
+            <a:off x="346017" y="1993433"/>
+            <a:ext cx="5100876" cy="4505325"/>
+          </a:xfrm>
+          <a:prstGeom prst="rect">
+            <a:avLst/>
+          </a:prstGeom>
+          <a:noFill/>
+          <a:extLst>
+            <a:ext uri="{909E8E84-426E-40DD-AFC4-6F175D3DCCD1}">
+              <a14:hiddenFill xmlns:a14="http://schemas.microsoft.com/office/drawing/2010/main">
+                <a:solidFill>
+                  <a:srgbClr val="FFFFFF"/>
+                </a:solidFill>
+              </a14:hiddenFill>
+            </a:ext>
+          </a:extLst>
+        </p:spPr>
+      </p:pic>
+      <p:sp>
+        <p:nvSpPr>
+          <p:cNvPr id="2" name="Rectangle 3">
+            <a:extLst>
+              <a:ext uri="{FF2B5EF4-FFF2-40B4-BE49-F238E27FC236}">
+                <a16:creationId xmlns:a16="http://schemas.microsoft.com/office/drawing/2014/main" id="{1D3B9B93-00A7-43E1-9F88-3BCDBCBAAE59}"/>
+              </a:ext>
+            </a:extLst>
+          </p:cNvPr>
+          <p:cNvSpPr>
+            <a:spLocks noChangeArrowheads="1"/>
+          </p:cNvSpPr>
+          <p:nvPr/>
+        </p:nvSpPr>
+        <p:spPr bwMode="auto">
+          <a:xfrm>
+            <a:off x="5654040" y="54441"/>
+            <a:ext cx="6537960" cy="1938992"/>
+          </a:xfrm>
+          <a:prstGeom prst="rect">
+            <a:avLst/>
+          </a:prstGeom>
+          <a:noFill/>
+          <a:ln>
+            <a:noFill/>
+          </a:ln>
+          <a:effectLst/>
+          <a:extLst>
+            <a:ext uri="{909E8E84-426E-40DD-AFC4-6F175D3DCCD1}">
+              <a14:hiddenFill xmlns:a14="http://schemas.microsoft.com/office/drawing/2010/main">
+                <a:solidFill>
+                  <a:schemeClr val="accent1"/>
+                </a:solidFill>
+              </a14:hiddenFill>
+            </a:ext>
+            <a:ext uri="{91240B29-F687-4F45-9708-019B960494DF}">
+              <a14:hiddenLine xmlns:a14="http://schemas.microsoft.com/office/drawing/2010/main" w="9525">
+                <a:solidFill>
+                  <a:schemeClr val="tx1"/>
+                </a:solidFill>
+                <a:miter lim="800000"/>
+                <a:headEnd/>
+                <a:tailEnd/>
+              </a14:hiddenLine>
+            </a:ext>
+            <a:ext uri="{AF507438-7753-43E0-B8FC-AC1667EBCBE1}">
+              <a14:hiddenEffects xmlns:a14="http://schemas.microsoft.com/office/drawing/2010/main">
+                <a:effectLst>
+                  <a:outerShdw dist="35921" dir="2700000" algn="ctr" rotWithShape="0">
+                    <a:schemeClr val="bg2"/>
+                  </a:outerShdw>
+                </a:effectLst>
+              </a14:hiddenEffects>
+            </a:ext>
+          </a:extLst>
+        </p:spPr>
+        <p:txBody>
+          <a:bodyPr vert="horz" wrap="square" lIns="91440" tIns="45720" rIns="91440" bIns="45720" numCol="1" anchor="ctr" anchorCtr="0" compatLnSpc="1">
+            <a:prstTxWarp prst="textNoShape">
+              <a:avLst/>
+            </a:prstTxWarp>
+            <a:spAutoFit/>
+          </a:bodyPr>
+          <a:lstStyle/>
+          <a:p>
+            <a:pPr marL="0" marR="0" lvl="0" indent="0" algn="l" defTabSz="914400" rtl="0" eaLnBrk="0" fontAlgn="base" latinLnBrk="0" hangingPunct="0">
+              <a:lnSpc>
+                <a:spcPct val="100000"/>
+              </a:lnSpc>
+              <a:spcBef>
+                <a:spcPct val="0"/>
+              </a:spcBef>
+              <a:spcAft>
+                <a:spcPct val="0"/>
+              </a:spcAft>
+              <a:buClrTx/>
+              <a:buSzTx/>
+              <a:buFontTx/>
+              <a:buNone/>
+              <a:tabLst/>
+            </a:pPr>
+            <a:r>
+              <a:rPr kumimoji="0" lang="en-US" altLang="en-US" sz="2400" b="0" i="0" u="none" strike="noStrike" cap="none" normalizeH="0" baseline="0" dirty="0">
+                <a:ln>
+                  <a:noFill/>
+                </a:ln>
+                <a:solidFill>
+                  <a:schemeClr val="tx1"/>
+                </a:solidFill>
+                <a:effectLst/>
+              </a:rPr>
+              <a:t>equilibrium price range is 398 to 403 </a:t>
+            </a:r>
+          </a:p>
+          <a:p>
+            <a:pPr marL="0" marR="0" lvl="0" indent="0" algn="l" defTabSz="914400" rtl="0" eaLnBrk="0" fontAlgn="base" latinLnBrk="0" hangingPunct="0">
+              <a:lnSpc>
+                <a:spcPct val="100000"/>
+              </a:lnSpc>
+              <a:spcBef>
+                <a:spcPct val="0"/>
+              </a:spcBef>
+              <a:spcAft>
+                <a:spcPct val="0"/>
+              </a:spcAft>
+              <a:buClrTx/>
+              <a:buSzTx/>
+              <a:buFontTx/>
+              <a:buNone/>
+              <a:tabLst/>
+            </a:pPr>
+            <a:r>
+              <a:rPr kumimoji="0" lang="en-US" altLang="en-US" sz="2400" b="0" i="0" u="none" strike="noStrike" cap="none" normalizeH="0" baseline="0" dirty="0">
+                <a:ln>
+                  <a:noFill/>
+                </a:ln>
+                <a:solidFill>
+                  <a:schemeClr val="tx1"/>
+                </a:solidFill>
+                <a:effectLst/>
+              </a:rPr>
+              <a:t>average price = 404.84 </a:t>
+            </a:r>
+          </a:p>
+          <a:p>
+            <a:pPr eaLnBrk="0" fontAlgn="base" hangingPunct="0">
+              <a:spcBef>
+                <a:spcPct val="0"/>
+              </a:spcBef>
+              <a:spcAft>
+                <a:spcPct val="0"/>
+              </a:spcAft>
+            </a:pPr>
+            <a:r>
+              <a:rPr kumimoji="0" lang="en-US" altLang="en-US" sz="2400" b="0" i="0" u="none" strike="noStrike" cap="none" normalizeH="0" baseline="0" dirty="0">
+                <a:ln>
+                  <a:noFill/>
+                </a:ln>
+                <a:solidFill>
+                  <a:schemeClr val="tx1"/>
+                </a:solidFill>
+                <a:effectLst/>
+              </a:rPr>
+              <a:t>eq expected contracts = 48,  actual contracts = 31 actual surplus = 7283</a:t>
+            </a:r>
+            <a:r>
+              <a:rPr kumimoji="0" lang="en-US" altLang="en-US" sz="2000" b="0" i="0" u="none" strike="noStrike" cap="none" normalizeH="0" baseline="0" dirty="0">
+                <a:ln>
+                  <a:noFill/>
+                </a:ln>
+                <a:solidFill>
+                  <a:schemeClr val="tx1"/>
+                </a:solidFill>
+                <a:effectLst/>
+              </a:rPr>
+              <a:t> , </a:t>
+            </a:r>
+            <a:r>
+              <a:rPr kumimoji="0" lang="en-US" altLang="en-US" sz="2400" b="0" i="0" u="none" strike="noStrike" cap="none" normalizeH="0" baseline="0" dirty="0">
+                <a:ln>
+                  <a:noFill/>
+                </a:ln>
+                <a:solidFill>
+                  <a:schemeClr val="tx1"/>
+                </a:solidFill>
+                <a:effectLst/>
+              </a:rPr>
+              <a:t>maximum surplus = 8890 </a:t>
+            </a:r>
+          </a:p>
+          <a:p>
+            <a:pPr marL="0" marR="0" lvl="0" indent="0" algn="l" defTabSz="914400" rtl="0" eaLnBrk="0" fontAlgn="base" latinLnBrk="0" hangingPunct="0">
+              <a:lnSpc>
+                <a:spcPct val="100000"/>
+              </a:lnSpc>
+              <a:spcBef>
+                <a:spcPct val="0"/>
+              </a:spcBef>
+              <a:spcAft>
+                <a:spcPct val="0"/>
+              </a:spcAft>
+              <a:buClrTx/>
+              <a:buSzTx/>
+              <a:buFontTx/>
+              <a:buNone/>
+              <a:tabLst/>
+            </a:pPr>
+            <a:r>
+              <a:rPr kumimoji="0" lang="en-US" altLang="en-US" sz="2400" b="0" i="0" u="none" strike="noStrike" cap="none" normalizeH="0" baseline="0" dirty="0">
+                <a:ln>
+                  <a:noFill/>
+                </a:ln>
+                <a:solidFill>
+                  <a:schemeClr val="tx1"/>
+                </a:solidFill>
+                <a:effectLst/>
+              </a:rPr>
+              <a:t>efficiency = 81.92%. </a:t>
+            </a:r>
+          </a:p>
+        </p:txBody>
+      </p:sp>
+      <p:pic>
+        <p:nvPicPr>
+          <p:cNvPr id="5127" name="Picture 7">
+            <a:extLst>
+              <a:ext uri="{FF2B5EF4-FFF2-40B4-BE49-F238E27FC236}">
+                <a16:creationId xmlns:a16="http://schemas.microsoft.com/office/drawing/2014/main" id="{93FEFD1F-1423-444F-B760-E41486C074C5}"/>
+              </a:ext>
+            </a:extLst>
+          </p:cNvPr>
+          <p:cNvPicPr>
+            <a:picLocks noChangeAspect="1" noChangeArrowheads="1"/>
+          </p:cNvPicPr>
+          <p:nvPr/>
+        </p:nvPicPr>
+        <p:blipFill>
+          <a:blip r:embed="rId3">
+            <a:extLst>
+              <a:ext uri="{28A0092B-C50C-407E-A947-70E740481C1C}">
+                <a14:useLocalDpi xmlns:a14="http://schemas.microsoft.com/office/drawing/2010/main" val="0"/>
+              </a:ext>
+            </a:extLst>
+          </a:blip>
+          <a:srcRect/>
+          <a:stretch>
+            <a:fillRect/>
+          </a:stretch>
+        </p:blipFill>
+        <p:spPr bwMode="auto">
+          <a:xfrm>
+            <a:off x="5784533" y="2085976"/>
+            <a:ext cx="5294947" cy="4399284"/>
+          </a:xfrm>
+          <a:prstGeom prst="rect">
+            <a:avLst/>
+          </a:prstGeom>
+          <a:noFill/>
+          <a:extLst>
+            <a:ext uri="{909E8E84-426E-40DD-AFC4-6F175D3DCCD1}">
+              <a14:hiddenFill xmlns:a14="http://schemas.microsoft.com/office/drawing/2010/main">
+                <a:solidFill>
+                  <a:srgbClr val="FFFFFF"/>
+                </a:solidFill>
+              </a14:hiddenFill>
+            </a:ext>
+          </a:extLst>
+        </p:spPr>
+      </p:pic>
+      <p:sp>
+        <p:nvSpPr>
+          <p:cNvPr id="7" name="TextBox 3">
+            <a:extLst>
+              <a:ext uri="{FF2B5EF4-FFF2-40B4-BE49-F238E27FC236}">
+                <a16:creationId xmlns:a16="http://schemas.microsoft.com/office/drawing/2014/main" id="{42036D43-8BE9-4A85-9064-09869E0FB47B}"/>
+              </a:ext>
+            </a:extLst>
+          </p:cNvPr>
+          <p:cNvSpPr txBox="1">
+            <a:spLocks noChangeArrowheads="1"/>
+          </p:cNvSpPr>
+          <p:nvPr/>
+        </p:nvSpPr>
+        <p:spPr bwMode="auto">
+          <a:xfrm>
+            <a:off x="577273" y="372740"/>
+            <a:ext cx="4133272" cy="1323439"/>
+          </a:xfrm>
+          <a:prstGeom prst="rect">
+            <a:avLst/>
+          </a:prstGeom>
+          <a:noFill/>
+          <a:ln>
+            <a:noFill/>
+          </a:ln>
+          <a:extLst>
+            <a:ext uri="{909E8E84-426E-40DD-AFC4-6F175D3DCCD1}">
+              <a14:hiddenFill xmlns:a14="http://schemas.microsoft.com/office/drawing/2010/main">
+                <a:solidFill>
+                  <a:srgbClr val="FFFFFF"/>
+                </a:solidFill>
+              </a14:hiddenFill>
+            </a:ext>
+            <a:ext uri="{91240B29-F687-4F45-9708-019B960494DF}">
+              <a14:hiddenLine xmlns:a14="http://schemas.microsoft.com/office/drawing/2010/main" w="9525">
+                <a:solidFill>
+                  <a:srgbClr val="000000"/>
+                </a:solidFill>
+                <a:miter lim="800000"/>
+                <a:headEnd/>
+                <a:tailEnd/>
+              </a14:hiddenLine>
+            </a:ext>
+          </a:extLst>
+        </p:spPr>
+        <p:txBody>
+          <a:bodyPr wrap="square">
+            <a:spAutoFit/>
+          </a:bodyPr>
+          <a:lstStyle>
+            <a:lvl1pPr>
+              <a:lnSpc>
+                <a:spcPct val="90000"/>
+              </a:lnSpc>
+              <a:spcBef>
+                <a:spcPts val="1000"/>
+              </a:spcBef>
+              <a:buFont typeface="Arial" panose="020B0604020202020204" pitchFamily="34" charset="0"/>
+              <a:buChar char="•"/>
+              <a:defRPr sz="2800">
+                <a:solidFill>
+                  <a:schemeClr val="tx1"/>
+                </a:solidFill>
+                <a:latin typeface="Calibri" panose="020F0502020204030204" pitchFamily="34" charset="0"/>
+              </a:defRPr>
+            </a:lvl1pPr>
+            <a:lvl2pPr marL="742950" indent="-285750">
+              <a:lnSpc>
+                <a:spcPct val="90000"/>
+              </a:lnSpc>
+              <a:spcBef>
+                <a:spcPts val="500"/>
+              </a:spcBef>
+              <a:buFont typeface="Arial" panose="020B0604020202020204" pitchFamily="34" charset="0"/>
+              <a:buChar char="•"/>
+              <a:defRPr sz="2400">
+                <a:solidFill>
+                  <a:schemeClr val="tx1"/>
+                </a:solidFill>
+                <a:latin typeface="Calibri" panose="020F0502020204030204" pitchFamily="34" charset="0"/>
+              </a:defRPr>
+            </a:lvl2pPr>
+            <a:lvl3pPr marL="1143000" indent="-228600">
+              <a:lnSpc>
+                <a:spcPct val="90000"/>
+              </a:lnSpc>
+              <a:spcBef>
+                <a:spcPts val="500"/>
+              </a:spcBef>
+              <a:buFont typeface="Arial" panose="020B0604020202020204" pitchFamily="34" charset="0"/>
+              <a:buChar char="•"/>
+              <a:defRPr sz="2000">
+                <a:solidFill>
+                  <a:schemeClr val="tx1"/>
+                </a:solidFill>
+                <a:latin typeface="Calibri" panose="020F0502020204030204" pitchFamily="34" charset="0"/>
+              </a:defRPr>
+            </a:lvl3pPr>
+            <a:lvl4pPr marL="1600200" indent="-228600">
+              <a:lnSpc>
+                <a:spcPct val="90000"/>
+              </a:lnSpc>
+              <a:spcBef>
+                <a:spcPts val="500"/>
+              </a:spcBef>
+              <a:buFont typeface="Arial" panose="020B0604020202020204" pitchFamily="34" charset="0"/>
+              <a:buChar char="•"/>
+              <a:defRPr>
+                <a:solidFill>
+                  <a:schemeClr val="tx1"/>
+                </a:solidFill>
+                <a:latin typeface="Calibri" panose="020F0502020204030204" pitchFamily="34" charset="0"/>
+              </a:defRPr>
+            </a:lvl4pPr>
+            <a:lvl5pPr marL="2057400" indent="-228600">
+              <a:lnSpc>
+                <a:spcPct val="90000"/>
+              </a:lnSpc>
+              <a:spcBef>
+                <a:spcPts val="500"/>
+              </a:spcBef>
+              <a:buFont typeface="Arial" panose="020B0604020202020204" pitchFamily="34" charset="0"/>
+              <a:buChar char="•"/>
+              <a:defRPr>
+                <a:solidFill>
+                  <a:schemeClr val="tx1"/>
+                </a:solidFill>
+                <a:latin typeface="Calibri" panose="020F0502020204030204" pitchFamily="34" charset="0"/>
+              </a:defRPr>
+            </a:lvl5pPr>
+            <a:lvl6pPr marL="2514600" indent="-228600" eaLnBrk="0" fontAlgn="base" hangingPunct="0">
+              <a:lnSpc>
+                <a:spcPct val="90000"/>
+              </a:lnSpc>
+              <a:spcBef>
+                <a:spcPts val="500"/>
+              </a:spcBef>
+              <a:spcAft>
+                <a:spcPct val="0"/>
+              </a:spcAft>
+              <a:buFont typeface="Arial" panose="020B0604020202020204" pitchFamily="34" charset="0"/>
+              <a:buChar char="•"/>
+              <a:defRPr>
+                <a:solidFill>
+                  <a:schemeClr val="tx1"/>
+                </a:solidFill>
+                <a:latin typeface="Calibri" panose="020F0502020204030204" pitchFamily="34" charset="0"/>
+              </a:defRPr>
+            </a:lvl6pPr>
+            <a:lvl7pPr marL="2971800" indent="-228600" eaLnBrk="0" fontAlgn="base" hangingPunct="0">
+              <a:lnSpc>
+                <a:spcPct val="90000"/>
+              </a:lnSpc>
+              <a:spcBef>
+                <a:spcPts val="500"/>
+              </a:spcBef>
+              <a:spcAft>
+                <a:spcPct val="0"/>
+              </a:spcAft>
+              <a:buFont typeface="Arial" panose="020B0604020202020204" pitchFamily="34" charset="0"/>
+              <a:buChar char="•"/>
+              <a:defRPr>
+                <a:solidFill>
+                  <a:schemeClr val="tx1"/>
+                </a:solidFill>
+                <a:latin typeface="Calibri" panose="020F0502020204030204" pitchFamily="34" charset="0"/>
+              </a:defRPr>
+            </a:lvl7pPr>
+            <a:lvl8pPr marL="3429000" indent="-228600" eaLnBrk="0" fontAlgn="base" hangingPunct="0">
+              <a:lnSpc>
+                <a:spcPct val="90000"/>
+              </a:lnSpc>
+              <a:spcBef>
+                <a:spcPts val="500"/>
+              </a:spcBef>
+              <a:spcAft>
+                <a:spcPct val="0"/>
+              </a:spcAft>
+              <a:buFont typeface="Arial" panose="020B0604020202020204" pitchFamily="34" charset="0"/>
+              <a:buChar char="•"/>
+              <a:defRPr>
+                <a:solidFill>
+                  <a:schemeClr val="tx1"/>
+                </a:solidFill>
+                <a:latin typeface="Calibri" panose="020F0502020204030204" pitchFamily="34" charset="0"/>
+              </a:defRPr>
+            </a:lvl8pPr>
+            <a:lvl9pPr marL="3886200" indent="-228600" eaLnBrk="0" fontAlgn="base" hangingPunct="0">
+              <a:lnSpc>
+                <a:spcPct val="90000"/>
+              </a:lnSpc>
+              <a:spcBef>
+                <a:spcPts val="500"/>
+              </a:spcBef>
+              <a:spcAft>
+                <a:spcPct val="0"/>
+              </a:spcAft>
+              <a:buFont typeface="Arial" panose="020B0604020202020204" pitchFamily="34" charset="0"/>
+              <a:buChar char="•"/>
+              <a:defRPr>
+                <a:solidFill>
+                  <a:schemeClr val="tx1"/>
+                </a:solidFill>
+                <a:latin typeface="Calibri" panose="020F0502020204030204" pitchFamily="34" charset="0"/>
+              </a:defRPr>
+            </a:lvl9pPr>
+          </a:lstStyle>
+          <a:p>
+            <a:pPr algn="ctr" eaLnBrk="1" hangingPunct="1">
+              <a:lnSpc>
+                <a:spcPct val="100000"/>
+              </a:lnSpc>
+              <a:spcBef>
+                <a:spcPct val="0"/>
+              </a:spcBef>
+              <a:buFontTx/>
+              <a:buNone/>
+            </a:pPr>
+            <a:r>
+              <a:rPr lang="en-US" altLang="en-US" sz="4000" dirty="0"/>
+              <a:t>One Period ZID Simulation Results</a:t>
+            </a:r>
+          </a:p>
+        </p:txBody>
+      </p:sp>
+    </p:spTree>
+    <p:extLst>
+      <p:ext uri="{BB962C8B-B14F-4D97-AF65-F5344CB8AC3E}">
+        <p14:creationId xmlns:p14="http://schemas.microsoft.com/office/powerpoint/2010/main" val="1500317684"/>
+      </p:ext>
+    </p:extLst>
+  </p:cSld>
+  <p:clrMapOvr>
+    <a:masterClrMapping/>
+  </p:clrMapOvr>
+</p:sld>
+</file>
+
+<file path=ppt/slides/slide11.xml><?xml version="1.0" encoding="utf-8"?>
+<p:sld xmlns:a="http://schemas.openxmlformats.org/drawingml/2006/main" xmlns:r="http://schemas.openxmlformats.org/officeDocument/2006/relationships" xmlns:p="http://schemas.openxmlformats.org/presentationml/2006/main">
+  <p:cSld>
     <p:spTree>
       <p:nvGrpSpPr>
         <p:cNvPr id="1" name=""/>
@@ -4761,372 +5307,370 @@
       </p:grpSpPr>
       <p:sp>
         <p:nvSpPr>
-          <p:cNvPr id="14" name="Rectangle 13">
+          <p:cNvPr id="2" name="TextBox 1">
             <a:extLst>
               <a:ext uri="{FF2B5EF4-FFF2-40B4-BE49-F238E27FC236}">
-                <a16:creationId xmlns:a16="http://schemas.microsoft.com/office/drawing/2014/main" id="{9527FCEA-6143-4C5E-8C45-8AC9237ADE89}"/>
-              </a:ext>
-              <a:ext uri="{C183D7F6-B498-43B3-948B-1728B52AA6E4}">
-                <adec:decorative xmlns:adec="http://schemas.microsoft.com/office/drawing/2017/decorative" val="1"/>
+                <a16:creationId xmlns:a16="http://schemas.microsoft.com/office/drawing/2014/main" id="{1468F06C-1BDB-4A50-B292-8EBB7D5E0A72}"/>
               </a:ext>
             </a:extLst>
           </p:cNvPr>
-          <p:cNvSpPr>
-            <a:spLocks noGrp="1" noRot="1" noChangeAspect="1" noMove="1" noResize="1" noEditPoints="1" noAdjustHandles="1" noChangeArrowheads="1" noChangeShapeType="1" noTextEdit="1"/>
-          </p:cNvSpPr>
-          <p:nvPr>
-            <p:extLst>
-              <p:ext uri="{386F3935-93C4-4BCD-93E2-E3B085C9AB24}">
-                <p16:designElem xmlns:p16="http://schemas.microsoft.com/office/powerpoint/2015/main" val="1"/>
-              </p:ext>
-            </p:extLst>
-          </p:nvPr>
+          <p:cNvSpPr txBox="1"/>
+          <p:nvPr/>
         </p:nvSpPr>
         <p:spPr>
           <a:xfrm>
-            <a:off x="0" y="0"/>
-            <a:ext cx="12192000" cy="6858000"/>
+            <a:off x="1456460" y="1449202"/>
+            <a:ext cx="9279079" cy="3785652"/>
           </a:xfrm>
           <a:prstGeom prst="rect">
             <a:avLst/>
           </a:prstGeom>
-          <a:solidFill>
-            <a:schemeClr val="tx1">
-              <a:lumMod val="50000"/>
-              <a:lumOff val="50000"/>
-              <a:alpha val="30000"/>
-            </a:schemeClr>
-          </a:solidFill>
-          <a:ln>
-            <a:noFill/>
-          </a:ln>
+          <a:noFill/>
+        </p:spPr>
+        <p:txBody>
+          <a:bodyPr wrap="none" rtlCol="0">
+            <a:spAutoFit/>
+          </a:bodyPr>
+          <a:lstStyle/>
+          <a:p>
+            <a:r>
+              <a:rPr lang="en-US" sz="2400" dirty="0"/>
+              <a:t>ZID(TRADER):</a:t>
+            </a:r>
+          </a:p>
+          <a:p>
+            <a:endParaRPr lang="en-US" sz="2400" dirty="0"/>
+          </a:p>
+          <a:p>
+            <a:r>
+              <a:rPr lang="en-US" sz="2400" dirty="0"/>
+              <a:t>    MOVE       -&gt;  (dx, </a:t>
+            </a:r>
+            <a:r>
+              <a:rPr lang="en-US" sz="2400" dirty="0" err="1"/>
+              <a:t>dy</a:t>
+            </a:r>
+            <a:r>
+              <a:rPr lang="en-US" sz="2400" dirty="0"/>
+              <a:t>) where dx ~ {-1, 0, +1}, and </a:t>
+            </a:r>
+            <a:r>
+              <a:rPr lang="en-US" sz="2400" dirty="0" err="1"/>
+              <a:t>dy</a:t>
+            </a:r>
+            <a:r>
+              <a:rPr lang="en-US" sz="2400" dirty="0"/>
+              <a:t> ~ {-1, 0, +1}</a:t>
+            </a:r>
+          </a:p>
+          <a:p>
+            <a:r>
+              <a:rPr lang="en-US" sz="2400" dirty="0"/>
+              <a:t>    BID, ASK   -&gt; uniform random budget constrained offer</a:t>
+            </a:r>
+          </a:p>
+          <a:p>
+            <a:r>
+              <a:rPr lang="en-US" sz="2400" dirty="0"/>
+              <a:t>    BUY, SELL -&gt; uniform random budget constrained willingness to accept</a:t>
+            </a:r>
+          </a:p>
+          <a:p>
+            <a:r>
+              <a:rPr lang="en-US" sz="2400" dirty="0"/>
+              <a:t>                      -&gt; uniform random choice of offer </a:t>
+            </a:r>
+          </a:p>
+          <a:p>
+            <a:r>
+              <a:rPr lang="en-US" sz="2400" dirty="0"/>
+              <a:t>ZIDP(ZID):</a:t>
+            </a:r>
+          </a:p>
+          <a:p>
+            <a:endParaRPr lang="en-US" sz="2400" dirty="0"/>
+          </a:p>
+          <a:p>
+            <a:r>
+              <a:rPr lang="en-US" sz="2400" dirty="0"/>
+              <a:t>     BUY, SELL -&gt; uniform random budget constrained willingness to accept</a:t>
+            </a:r>
+          </a:p>
+          <a:p>
+            <a:r>
+              <a:rPr lang="en-US" sz="2400" dirty="0"/>
+              <a:t>  	          -&gt; picks best remaining offer</a:t>
+            </a:r>
+          </a:p>
+        </p:txBody>
+      </p:sp>
+      <p:cxnSp>
+        <p:nvCxnSpPr>
+          <p:cNvPr id="3" name="Straight Connector 2">
+            <a:extLst>
+              <a:ext uri="{FF2B5EF4-FFF2-40B4-BE49-F238E27FC236}">
+                <a16:creationId xmlns:a16="http://schemas.microsoft.com/office/drawing/2014/main" id="{D5EE545B-CA65-4FA5-87D8-B74376B76665}"/>
+              </a:ext>
+            </a:extLst>
+          </p:cNvPr>
+          <p:cNvCxnSpPr/>
+          <p:nvPr/>
+        </p:nvCxnSpPr>
+        <p:spPr>
+          <a:xfrm>
+            <a:off x="1208405" y="143143"/>
+            <a:ext cx="0" cy="690562"/>
+          </a:xfrm>
+          <a:prstGeom prst="line">
+            <a:avLst/>
+          </a:prstGeom>
+          <a:ln w="28575"/>
         </p:spPr>
         <p:style>
-          <a:lnRef idx="2">
-            <a:schemeClr val="accent1">
-              <a:shade val="50000"/>
-            </a:schemeClr>
+          <a:lnRef idx="1">
+            <a:schemeClr val="accent1"/>
           </a:lnRef>
-          <a:fillRef idx="1">
+          <a:fillRef idx="0">
             <a:schemeClr val="accent1"/>
           </a:fillRef>
           <a:effectRef idx="0">
             <a:schemeClr val="accent1"/>
           </a:effectRef>
           <a:fontRef idx="minor">
-            <a:schemeClr val="lt1"/>
+            <a:schemeClr val="tx1"/>
           </a:fontRef>
         </p:style>
-        <p:txBody>
-          <a:bodyPr rtlCol="0" anchor="ctr"/>
-          <a:lstStyle/>
-          <a:p>
-            <a:pPr algn="ctr"/>
-            <a:endParaRPr lang="en-US"/>
-          </a:p>
-        </p:txBody>
-      </p:sp>
+      </p:cxnSp>
       <p:sp>
         <p:nvSpPr>
-          <p:cNvPr id="16" name="Rectangle 15">
+          <p:cNvPr id="4" name="TextBox 3">
             <a:extLst>
               <a:ext uri="{FF2B5EF4-FFF2-40B4-BE49-F238E27FC236}">
-                <a16:creationId xmlns:a16="http://schemas.microsoft.com/office/drawing/2014/main" id="{1A9F23AD-7A55-49F3-A3EC-743F47F36B0E}"/>
-              </a:ext>
-              <a:ext uri="{C183D7F6-B498-43B3-948B-1728B52AA6E4}">
-                <adec:decorative xmlns:adec="http://schemas.microsoft.com/office/drawing/2017/decorative" val="1"/>
+                <a16:creationId xmlns:a16="http://schemas.microsoft.com/office/drawing/2014/main" id="{2D727924-724E-4B89-9902-18CB6C7D0DCC}"/>
               </a:ext>
             </a:extLst>
           </p:cNvPr>
-          <p:cNvSpPr>
-            <a:spLocks noGrp="1" noRot="1" noChangeAspect="1" noMove="1" noResize="1" noEditPoints="1" noAdjustHandles="1" noChangeArrowheads="1" noChangeShapeType="1" noTextEdit="1"/>
+          <p:cNvSpPr txBox="1">
+            <a:spLocks noChangeArrowheads="1"/>
           </p:cNvSpPr>
-          <p:nvPr>
-            <p:extLst>
-              <p:ext uri="{386F3935-93C4-4BCD-93E2-E3B085C9AB24}">
-                <p16:designElem xmlns:p16="http://schemas.microsoft.com/office/powerpoint/2015/main" val="1"/>
-              </p:ext>
-            </p:extLst>
-          </p:nvPr>
+          <p:nvPr/>
         </p:nvSpPr>
-        <p:spPr>
+        <p:spPr bwMode="auto">
           <a:xfrm>
-            <a:off x="477012" y="487090"/>
-            <a:ext cx="6741849" cy="5897880"/>
+            <a:off x="1402080" y="125680"/>
+            <a:ext cx="5970609" cy="707886"/>
           </a:xfrm>
           <a:prstGeom prst="rect">
             <a:avLst/>
           </a:prstGeom>
-          <a:solidFill>
-            <a:srgbClr val="FFFFFF"/>
-          </a:solidFill>
-          <a:ln w="19050">
-            <a:solidFill>
-              <a:schemeClr val="tx1">
-                <a:lumMod val="50000"/>
-                <a:lumOff val="50000"/>
-                <a:alpha val="80000"/>
-              </a:schemeClr>
-            </a:solidFill>
+          <a:noFill/>
+          <a:ln>
+            <a:noFill/>
           </a:ln>
+          <a:extLst>
+            <a:ext uri="{909E8E84-426E-40DD-AFC4-6F175D3DCCD1}">
+              <a14:hiddenFill xmlns:a14="http://schemas.microsoft.com/office/drawing/2010/main">
+                <a:solidFill>
+                  <a:srgbClr val="FFFFFF"/>
+                </a:solidFill>
+              </a14:hiddenFill>
+            </a:ext>
+            <a:ext uri="{91240B29-F687-4F45-9708-019B960494DF}">
+              <a14:hiddenLine xmlns:a14="http://schemas.microsoft.com/office/drawing/2010/main" w="9525">
+                <a:solidFill>
+                  <a:srgbClr val="000000"/>
+                </a:solidFill>
+                <a:miter lim="800000"/>
+                <a:headEnd/>
+                <a:tailEnd/>
+              </a14:hiddenLine>
+            </a:ext>
+          </a:extLst>
         </p:spPr>
-        <p:style>
-          <a:lnRef idx="2">
-            <a:schemeClr val="accent1">
-              <a:shade val="50000"/>
-            </a:schemeClr>
-          </a:lnRef>
-          <a:fillRef idx="1">
-            <a:schemeClr val="accent1"/>
-          </a:fillRef>
-          <a:effectRef idx="0">
-            <a:schemeClr val="accent1"/>
-          </a:effectRef>
-          <a:fontRef idx="minor">
-            <a:schemeClr val="lt1"/>
-          </a:fontRef>
-        </p:style>
         <p:txBody>
-          <a:bodyPr rtlCol="0" anchor="ctr"/>
-          <a:lstStyle/>
-          <a:p>
-            <a:pPr algn="ctr"/>
-            <a:endParaRPr lang="en-US"/>
+          <a:bodyPr wrap="none">
+            <a:spAutoFit/>
+          </a:bodyPr>
+          <a:lstStyle>
+            <a:lvl1pPr>
+              <a:lnSpc>
+                <a:spcPct val="90000"/>
+              </a:lnSpc>
+              <a:spcBef>
+                <a:spcPts val="1000"/>
+              </a:spcBef>
+              <a:buFont typeface="Arial" panose="020B0604020202020204" pitchFamily="34" charset="0"/>
+              <a:buChar char="•"/>
+              <a:defRPr sz="2800">
+                <a:solidFill>
+                  <a:schemeClr val="tx1"/>
+                </a:solidFill>
+                <a:latin typeface="Calibri" panose="020F0502020204030204" pitchFamily="34" charset="0"/>
+              </a:defRPr>
+            </a:lvl1pPr>
+            <a:lvl2pPr marL="742950" indent="-285750">
+              <a:lnSpc>
+                <a:spcPct val="90000"/>
+              </a:lnSpc>
+              <a:spcBef>
+                <a:spcPts val="500"/>
+              </a:spcBef>
+              <a:buFont typeface="Arial" panose="020B0604020202020204" pitchFamily="34" charset="0"/>
+              <a:buChar char="•"/>
+              <a:defRPr sz="2400">
+                <a:solidFill>
+                  <a:schemeClr val="tx1"/>
+                </a:solidFill>
+                <a:latin typeface="Calibri" panose="020F0502020204030204" pitchFamily="34" charset="0"/>
+              </a:defRPr>
+            </a:lvl2pPr>
+            <a:lvl3pPr marL="1143000" indent="-228600">
+              <a:lnSpc>
+                <a:spcPct val="90000"/>
+              </a:lnSpc>
+              <a:spcBef>
+                <a:spcPts val="500"/>
+              </a:spcBef>
+              <a:buFont typeface="Arial" panose="020B0604020202020204" pitchFamily="34" charset="0"/>
+              <a:buChar char="•"/>
+              <a:defRPr sz="2000">
+                <a:solidFill>
+                  <a:schemeClr val="tx1"/>
+                </a:solidFill>
+                <a:latin typeface="Calibri" panose="020F0502020204030204" pitchFamily="34" charset="0"/>
+              </a:defRPr>
+            </a:lvl3pPr>
+            <a:lvl4pPr marL="1600200" indent="-228600">
+              <a:lnSpc>
+                <a:spcPct val="90000"/>
+              </a:lnSpc>
+              <a:spcBef>
+                <a:spcPts val="500"/>
+              </a:spcBef>
+              <a:buFont typeface="Arial" panose="020B0604020202020204" pitchFamily="34" charset="0"/>
+              <a:buChar char="•"/>
+              <a:defRPr>
+                <a:solidFill>
+                  <a:schemeClr val="tx1"/>
+                </a:solidFill>
+                <a:latin typeface="Calibri" panose="020F0502020204030204" pitchFamily="34" charset="0"/>
+              </a:defRPr>
+            </a:lvl4pPr>
+            <a:lvl5pPr marL="2057400" indent="-228600">
+              <a:lnSpc>
+                <a:spcPct val="90000"/>
+              </a:lnSpc>
+              <a:spcBef>
+                <a:spcPts val="500"/>
+              </a:spcBef>
+              <a:buFont typeface="Arial" panose="020B0604020202020204" pitchFamily="34" charset="0"/>
+              <a:buChar char="•"/>
+              <a:defRPr>
+                <a:solidFill>
+                  <a:schemeClr val="tx1"/>
+                </a:solidFill>
+                <a:latin typeface="Calibri" panose="020F0502020204030204" pitchFamily="34" charset="0"/>
+              </a:defRPr>
+            </a:lvl5pPr>
+            <a:lvl6pPr marL="2514600" indent="-228600" eaLnBrk="0" fontAlgn="base" hangingPunct="0">
+              <a:lnSpc>
+                <a:spcPct val="90000"/>
+              </a:lnSpc>
+              <a:spcBef>
+                <a:spcPts val="500"/>
+              </a:spcBef>
+              <a:spcAft>
+                <a:spcPct val="0"/>
+              </a:spcAft>
+              <a:buFont typeface="Arial" panose="020B0604020202020204" pitchFamily="34" charset="0"/>
+              <a:buChar char="•"/>
+              <a:defRPr>
+                <a:solidFill>
+                  <a:schemeClr val="tx1"/>
+                </a:solidFill>
+                <a:latin typeface="Calibri" panose="020F0502020204030204" pitchFamily="34" charset="0"/>
+              </a:defRPr>
+            </a:lvl6pPr>
+            <a:lvl7pPr marL="2971800" indent="-228600" eaLnBrk="0" fontAlgn="base" hangingPunct="0">
+              <a:lnSpc>
+                <a:spcPct val="90000"/>
+              </a:lnSpc>
+              <a:spcBef>
+                <a:spcPts val="500"/>
+              </a:spcBef>
+              <a:spcAft>
+                <a:spcPct val="0"/>
+              </a:spcAft>
+              <a:buFont typeface="Arial" panose="020B0604020202020204" pitchFamily="34" charset="0"/>
+              <a:buChar char="•"/>
+              <a:defRPr>
+                <a:solidFill>
+                  <a:schemeClr val="tx1"/>
+                </a:solidFill>
+                <a:latin typeface="Calibri" panose="020F0502020204030204" pitchFamily="34" charset="0"/>
+              </a:defRPr>
+            </a:lvl7pPr>
+            <a:lvl8pPr marL="3429000" indent="-228600" eaLnBrk="0" fontAlgn="base" hangingPunct="0">
+              <a:lnSpc>
+                <a:spcPct val="90000"/>
+              </a:lnSpc>
+              <a:spcBef>
+                <a:spcPts val="500"/>
+              </a:spcBef>
+              <a:spcAft>
+                <a:spcPct val="0"/>
+              </a:spcAft>
+              <a:buFont typeface="Arial" panose="020B0604020202020204" pitchFamily="34" charset="0"/>
+              <a:buChar char="•"/>
+              <a:defRPr>
+                <a:solidFill>
+                  <a:schemeClr val="tx1"/>
+                </a:solidFill>
+                <a:latin typeface="Calibri" panose="020F0502020204030204" pitchFamily="34" charset="0"/>
+              </a:defRPr>
+            </a:lvl8pPr>
+            <a:lvl9pPr marL="3886200" indent="-228600" eaLnBrk="0" fontAlgn="base" hangingPunct="0">
+              <a:lnSpc>
+                <a:spcPct val="90000"/>
+              </a:lnSpc>
+              <a:spcBef>
+                <a:spcPts val="500"/>
+              </a:spcBef>
+              <a:spcAft>
+                <a:spcPct val="0"/>
+              </a:spcAft>
+              <a:buFont typeface="Arial" panose="020B0604020202020204" pitchFamily="34" charset="0"/>
+              <a:buChar char="•"/>
+              <a:defRPr>
+                <a:solidFill>
+                  <a:schemeClr val="tx1"/>
+                </a:solidFill>
+                <a:latin typeface="Calibri" panose="020F0502020204030204" pitchFamily="34" charset="0"/>
+              </a:defRPr>
+            </a:lvl9pPr>
+          </a:lstStyle>
+          <a:p>
+            <a:pPr eaLnBrk="1" hangingPunct="1">
+              <a:lnSpc>
+                <a:spcPct val="100000"/>
+              </a:lnSpc>
+              <a:spcBef>
+                <a:spcPct val="0"/>
+              </a:spcBef>
+              <a:buFontTx/>
+              <a:buNone/>
+            </a:pPr>
+            <a:r>
+              <a:rPr lang="en-US" altLang="en-US" sz="4000" dirty="0"/>
+              <a:t>Comparing Agent Strategies</a:t>
+            </a:r>
           </a:p>
         </p:txBody>
       </p:sp>
-      <p:pic>
-        <p:nvPicPr>
-          <p:cNvPr id="5" name="Picture 4" descr="Table&#10;&#10;Description automatically generated">
-            <a:extLst>
-              <a:ext uri="{FF2B5EF4-FFF2-40B4-BE49-F238E27FC236}">
-                <a16:creationId xmlns:a16="http://schemas.microsoft.com/office/drawing/2014/main" id="{7514B9E1-1964-46C5-B1B2-DCB4A19F1628}"/>
-              </a:ext>
-            </a:extLst>
-          </p:cNvPr>
-          <p:cNvPicPr>
-            <a:picLocks noChangeAspect="1"/>
-          </p:cNvPicPr>
-          <p:nvPr/>
-        </p:nvPicPr>
-        <p:blipFill>
-          <a:blip r:embed="rId2"/>
-          <a:stretch>
-            <a:fillRect/>
-          </a:stretch>
-        </p:blipFill>
-        <p:spPr>
-          <a:xfrm>
-            <a:off x="895030" y="650497"/>
-            <a:ext cx="5902384" cy="5571066"/>
-          </a:xfrm>
-          <a:prstGeom prst="rect">
-            <a:avLst/>
-          </a:prstGeom>
-        </p:spPr>
-      </p:pic>
-      <p:sp>
-        <p:nvSpPr>
-          <p:cNvPr id="28" name="Rectangle 17">
-            <a:extLst>
-              <a:ext uri="{FF2B5EF4-FFF2-40B4-BE49-F238E27FC236}">
-                <a16:creationId xmlns:a16="http://schemas.microsoft.com/office/drawing/2014/main" id="{D7D9F91F-72C9-4DB9-ABD0-A8180D8262D5}"/>
-              </a:ext>
-              <a:ext uri="{C183D7F6-B498-43B3-948B-1728B52AA6E4}">
-                <adec:decorative xmlns:adec="http://schemas.microsoft.com/office/drawing/2017/decorative" val="1"/>
-              </a:ext>
-            </a:extLst>
-          </p:cNvPr>
-          <p:cNvSpPr>
-            <a:spLocks noGrp="1" noRot="1" noChangeAspect="1" noMove="1" noResize="1" noEditPoints="1" noAdjustHandles="1" noChangeArrowheads="1" noChangeShapeType="1" noTextEdit="1"/>
-          </p:cNvSpPr>
-          <p:nvPr>
-            <p:extLst>
-              <p:ext uri="{386F3935-93C4-4BCD-93E2-E3B085C9AB24}">
-                <p16:designElem xmlns:p16="http://schemas.microsoft.com/office/powerpoint/2015/main" val="1"/>
-              </p:ext>
-            </p:extLst>
-          </p:nvPr>
-        </p:nvSpPr>
-        <p:spPr>
-          <a:xfrm>
-            <a:off x="7534655" y="480060"/>
-            <a:ext cx="4180332" cy="2788074"/>
-          </a:xfrm>
-          <a:prstGeom prst="rect">
-            <a:avLst/>
-          </a:prstGeom>
-          <a:solidFill>
-            <a:srgbClr val="FFFFFF"/>
-          </a:solidFill>
-          <a:ln w="19050">
-            <a:solidFill>
-              <a:schemeClr val="tx1">
-                <a:lumMod val="50000"/>
-                <a:lumOff val="50000"/>
-                <a:alpha val="80000"/>
-              </a:schemeClr>
-            </a:solidFill>
-          </a:ln>
-        </p:spPr>
-        <p:style>
-          <a:lnRef idx="2">
-            <a:schemeClr val="accent1">
-              <a:shade val="50000"/>
-            </a:schemeClr>
-          </a:lnRef>
-          <a:fillRef idx="1">
-            <a:schemeClr val="accent1"/>
-          </a:fillRef>
-          <a:effectRef idx="0">
-            <a:schemeClr val="accent1"/>
-          </a:effectRef>
-          <a:fontRef idx="minor">
-            <a:schemeClr val="lt1"/>
-          </a:fontRef>
-        </p:style>
-        <p:txBody>
-          <a:bodyPr rtlCol="0" anchor="ctr"/>
-          <a:lstStyle/>
-          <a:p>
-            <a:pPr algn="ctr"/>
-            <a:endParaRPr lang="en-US"/>
-          </a:p>
-        </p:txBody>
-      </p:sp>
-      <p:pic>
-        <p:nvPicPr>
-          <p:cNvPr id="7" name="Picture 6" descr="Chart&#10;&#10;Description automatically generated">
-            <a:extLst>
-              <a:ext uri="{FF2B5EF4-FFF2-40B4-BE49-F238E27FC236}">
-                <a16:creationId xmlns:a16="http://schemas.microsoft.com/office/drawing/2014/main" id="{49CE5193-F8AA-4037-A3B3-1A6808E222D9}"/>
-              </a:ext>
-            </a:extLst>
-          </p:cNvPr>
-          <p:cNvPicPr>
-            <a:picLocks noChangeAspect="1"/>
-          </p:cNvPicPr>
-          <p:nvPr/>
-        </p:nvPicPr>
-        <p:blipFill>
-          <a:blip r:embed="rId3"/>
-          <a:stretch>
-            <a:fillRect/>
-          </a:stretch>
-        </p:blipFill>
-        <p:spPr>
-          <a:xfrm>
-            <a:off x="7933480" y="643467"/>
-            <a:ext cx="3379730" cy="2475653"/>
-          </a:xfrm>
-          <a:prstGeom prst="rect">
-            <a:avLst/>
-          </a:prstGeom>
-        </p:spPr>
-      </p:pic>
-      <p:sp>
-        <p:nvSpPr>
-          <p:cNvPr id="29" name="Rectangle 19">
-            <a:extLst>
-              <a:ext uri="{FF2B5EF4-FFF2-40B4-BE49-F238E27FC236}">
-                <a16:creationId xmlns:a16="http://schemas.microsoft.com/office/drawing/2014/main" id="{BE016956-CE9F-4946-8834-A8BC3529D0F6}"/>
-              </a:ext>
-              <a:ext uri="{C183D7F6-B498-43B3-948B-1728B52AA6E4}">
-                <adec:decorative xmlns:adec="http://schemas.microsoft.com/office/drawing/2017/decorative" val="1"/>
-              </a:ext>
-            </a:extLst>
-          </p:cNvPr>
-          <p:cNvSpPr>
-            <a:spLocks noGrp="1" noRot="1" noChangeAspect="1" noMove="1" noResize="1" noEditPoints="1" noAdjustHandles="1" noChangeArrowheads="1" noChangeShapeType="1" noTextEdit="1"/>
-          </p:cNvSpPr>
-          <p:nvPr>
-            <p:extLst>
-              <p:ext uri="{386F3935-93C4-4BCD-93E2-E3B085C9AB24}">
-                <p16:designElem xmlns:p16="http://schemas.microsoft.com/office/powerpoint/2015/main" val="1"/>
-              </p:ext>
-            </p:extLst>
-          </p:nvPr>
-        </p:nvSpPr>
-        <p:spPr>
-          <a:xfrm>
-            <a:off x="7534655" y="3603670"/>
-            <a:ext cx="4180332" cy="2788074"/>
-          </a:xfrm>
-          <a:prstGeom prst="rect">
-            <a:avLst/>
-          </a:prstGeom>
-          <a:solidFill>
-            <a:srgbClr val="FFFFFF"/>
-          </a:solidFill>
-          <a:ln w="19050">
-            <a:solidFill>
-              <a:schemeClr val="tx1">
-                <a:lumMod val="50000"/>
-                <a:lumOff val="50000"/>
-                <a:alpha val="80000"/>
-              </a:schemeClr>
-            </a:solidFill>
-          </a:ln>
-        </p:spPr>
-        <p:style>
-          <a:lnRef idx="2">
-            <a:schemeClr val="accent1">
-              <a:shade val="50000"/>
-            </a:schemeClr>
-          </a:lnRef>
-          <a:fillRef idx="1">
-            <a:schemeClr val="accent1"/>
-          </a:fillRef>
-          <a:effectRef idx="0">
-            <a:schemeClr val="accent1"/>
-          </a:effectRef>
-          <a:fontRef idx="minor">
-            <a:schemeClr val="lt1"/>
-          </a:fontRef>
-        </p:style>
-        <p:txBody>
-          <a:bodyPr rtlCol="0" anchor="ctr"/>
-          <a:lstStyle/>
-          <a:p>
-            <a:pPr algn="ctr"/>
-            <a:endParaRPr lang="en-US"/>
-          </a:p>
-        </p:txBody>
-      </p:sp>
-      <p:pic>
-        <p:nvPicPr>
-          <p:cNvPr id="9" name="Picture 8" descr="Text, letter&#10;&#10;Description automatically generated">
-            <a:extLst>
-              <a:ext uri="{FF2B5EF4-FFF2-40B4-BE49-F238E27FC236}">
-                <a16:creationId xmlns:a16="http://schemas.microsoft.com/office/drawing/2014/main" id="{DC0C7DD1-57A3-4089-B22D-888424EED031}"/>
-              </a:ext>
-            </a:extLst>
-          </p:cNvPr>
-          <p:cNvPicPr>
-            <a:picLocks noChangeAspect="1"/>
-          </p:cNvPicPr>
-          <p:nvPr/>
-        </p:nvPicPr>
-        <p:blipFill>
-          <a:blip r:embed="rId4"/>
-          <a:stretch>
-            <a:fillRect/>
-          </a:stretch>
-        </p:blipFill>
-        <p:spPr>
-          <a:xfrm>
-            <a:off x="7695873" y="4545052"/>
-            <a:ext cx="3854945" cy="877914"/>
-          </a:xfrm>
-          <a:prstGeom prst="rect">
-            <a:avLst/>
-          </a:prstGeom>
-        </p:spPr>
-      </p:pic>
     </p:spTree>
     <p:extLst>
       <p:ext uri="{BB962C8B-B14F-4D97-AF65-F5344CB8AC3E}">
-        <p14:creationId xmlns:p14="http://schemas.microsoft.com/office/powerpoint/2010/main" val="3865324868"/>
+        <p14:creationId xmlns:p14="http://schemas.microsoft.com/office/powerpoint/2010/main" val="1087110098"/>
       </p:ext>
     </p:extLst>
   </p:cSld>
@@ -5136,7 +5680,794 @@
 </p:sld>
 </file>
 
-<file path=ppt/slides/slide11.xml><?xml version="1.0" encoding="utf-8"?>
+<file path=ppt/slides/slide12.xml><?xml version="1.0" encoding="utf-8"?>
+<p:sld xmlns:a="http://schemas.openxmlformats.org/drawingml/2006/main" xmlns:r="http://schemas.openxmlformats.org/officeDocument/2006/relationships" xmlns:p="http://schemas.openxmlformats.org/presentationml/2006/main">
+  <p:cSld>
+    <p:spTree>
+      <p:nvGrpSpPr>
+        <p:cNvPr id="1" name=""/>
+        <p:cNvGrpSpPr/>
+        <p:nvPr/>
+      </p:nvGrpSpPr>
+      <p:grpSpPr>
+        <a:xfrm>
+          <a:off x="0" y="0"/>
+          <a:ext cx="0" cy="0"/>
+          <a:chOff x="0" y="0"/>
+          <a:chExt cx="0" cy="0"/>
+        </a:xfrm>
+      </p:grpSpPr>
+      <p:cxnSp>
+        <p:nvCxnSpPr>
+          <p:cNvPr id="2" name="Straight Connector 1">
+            <a:extLst>
+              <a:ext uri="{FF2B5EF4-FFF2-40B4-BE49-F238E27FC236}">
+                <a16:creationId xmlns:a16="http://schemas.microsoft.com/office/drawing/2014/main" id="{20B0A28F-496F-4222-8926-688914462E74}"/>
+              </a:ext>
+            </a:extLst>
+          </p:cNvPr>
+          <p:cNvCxnSpPr/>
+          <p:nvPr/>
+        </p:nvCxnSpPr>
+        <p:spPr>
+          <a:xfrm>
+            <a:off x="1533525" y="373063"/>
+            <a:ext cx="0" cy="690562"/>
+          </a:xfrm>
+          <a:prstGeom prst="line">
+            <a:avLst/>
+          </a:prstGeom>
+          <a:ln w="28575"/>
+        </p:spPr>
+        <p:style>
+          <a:lnRef idx="1">
+            <a:schemeClr val="accent1"/>
+          </a:lnRef>
+          <a:fillRef idx="0">
+            <a:schemeClr val="accent1"/>
+          </a:fillRef>
+          <a:effectRef idx="0">
+            <a:schemeClr val="accent1"/>
+          </a:effectRef>
+          <a:fontRef idx="minor">
+            <a:schemeClr val="tx1"/>
+          </a:fontRef>
+        </p:style>
+      </p:cxnSp>
+      <p:sp>
+        <p:nvSpPr>
+          <p:cNvPr id="3" name="TextBox 3">
+            <a:extLst>
+              <a:ext uri="{FF2B5EF4-FFF2-40B4-BE49-F238E27FC236}">
+                <a16:creationId xmlns:a16="http://schemas.microsoft.com/office/drawing/2014/main" id="{44B7A177-7B2F-4180-9B42-9DCC62E4F4A9}"/>
+              </a:ext>
+            </a:extLst>
+          </p:cNvPr>
+          <p:cNvSpPr txBox="1">
+            <a:spLocks noChangeArrowheads="1"/>
+          </p:cNvSpPr>
+          <p:nvPr/>
+        </p:nvSpPr>
+        <p:spPr bwMode="auto">
+          <a:xfrm>
+            <a:off x="1727200" y="355600"/>
+            <a:ext cx="4844018" cy="707886"/>
+          </a:xfrm>
+          <a:prstGeom prst="rect">
+            <a:avLst/>
+          </a:prstGeom>
+          <a:noFill/>
+          <a:ln>
+            <a:noFill/>
+          </a:ln>
+          <a:extLst>
+            <a:ext uri="{909E8E84-426E-40DD-AFC4-6F175D3DCCD1}">
+              <a14:hiddenFill xmlns:a14="http://schemas.microsoft.com/office/drawing/2010/main">
+                <a:solidFill>
+                  <a:srgbClr val="FFFFFF"/>
+                </a:solidFill>
+              </a14:hiddenFill>
+            </a:ext>
+            <a:ext uri="{91240B29-F687-4F45-9708-019B960494DF}">
+              <a14:hiddenLine xmlns:a14="http://schemas.microsoft.com/office/drawing/2010/main" w="9525">
+                <a:solidFill>
+                  <a:srgbClr val="000000"/>
+                </a:solidFill>
+                <a:miter lim="800000"/>
+                <a:headEnd/>
+                <a:tailEnd/>
+              </a14:hiddenLine>
+            </a:ext>
+          </a:extLst>
+        </p:spPr>
+        <p:txBody>
+          <a:bodyPr wrap="none">
+            <a:spAutoFit/>
+          </a:bodyPr>
+          <a:lstStyle>
+            <a:lvl1pPr>
+              <a:lnSpc>
+                <a:spcPct val="90000"/>
+              </a:lnSpc>
+              <a:spcBef>
+                <a:spcPts val="1000"/>
+              </a:spcBef>
+              <a:buFont typeface="Arial" panose="020B0604020202020204" pitchFamily="34" charset="0"/>
+              <a:buChar char="•"/>
+              <a:defRPr sz="2800">
+                <a:solidFill>
+                  <a:schemeClr val="tx1"/>
+                </a:solidFill>
+                <a:latin typeface="Calibri" panose="020F0502020204030204" pitchFamily="34" charset="0"/>
+              </a:defRPr>
+            </a:lvl1pPr>
+            <a:lvl2pPr marL="742950" indent="-285750">
+              <a:lnSpc>
+                <a:spcPct val="90000"/>
+              </a:lnSpc>
+              <a:spcBef>
+                <a:spcPts val="500"/>
+              </a:spcBef>
+              <a:buFont typeface="Arial" panose="020B0604020202020204" pitchFamily="34" charset="0"/>
+              <a:buChar char="•"/>
+              <a:defRPr sz="2400">
+                <a:solidFill>
+                  <a:schemeClr val="tx1"/>
+                </a:solidFill>
+                <a:latin typeface="Calibri" panose="020F0502020204030204" pitchFamily="34" charset="0"/>
+              </a:defRPr>
+            </a:lvl2pPr>
+            <a:lvl3pPr marL="1143000" indent="-228600">
+              <a:lnSpc>
+                <a:spcPct val="90000"/>
+              </a:lnSpc>
+              <a:spcBef>
+                <a:spcPts val="500"/>
+              </a:spcBef>
+              <a:buFont typeface="Arial" panose="020B0604020202020204" pitchFamily="34" charset="0"/>
+              <a:buChar char="•"/>
+              <a:defRPr sz="2000">
+                <a:solidFill>
+                  <a:schemeClr val="tx1"/>
+                </a:solidFill>
+                <a:latin typeface="Calibri" panose="020F0502020204030204" pitchFamily="34" charset="0"/>
+              </a:defRPr>
+            </a:lvl3pPr>
+            <a:lvl4pPr marL="1600200" indent="-228600">
+              <a:lnSpc>
+                <a:spcPct val="90000"/>
+              </a:lnSpc>
+              <a:spcBef>
+                <a:spcPts val="500"/>
+              </a:spcBef>
+              <a:buFont typeface="Arial" panose="020B0604020202020204" pitchFamily="34" charset="0"/>
+              <a:buChar char="•"/>
+              <a:defRPr>
+                <a:solidFill>
+                  <a:schemeClr val="tx1"/>
+                </a:solidFill>
+                <a:latin typeface="Calibri" panose="020F0502020204030204" pitchFamily="34" charset="0"/>
+              </a:defRPr>
+            </a:lvl4pPr>
+            <a:lvl5pPr marL="2057400" indent="-228600">
+              <a:lnSpc>
+                <a:spcPct val="90000"/>
+              </a:lnSpc>
+              <a:spcBef>
+                <a:spcPts val="500"/>
+              </a:spcBef>
+              <a:buFont typeface="Arial" panose="020B0604020202020204" pitchFamily="34" charset="0"/>
+              <a:buChar char="•"/>
+              <a:defRPr>
+                <a:solidFill>
+                  <a:schemeClr val="tx1"/>
+                </a:solidFill>
+                <a:latin typeface="Calibri" panose="020F0502020204030204" pitchFamily="34" charset="0"/>
+              </a:defRPr>
+            </a:lvl5pPr>
+            <a:lvl6pPr marL="2514600" indent="-228600" eaLnBrk="0" fontAlgn="base" hangingPunct="0">
+              <a:lnSpc>
+                <a:spcPct val="90000"/>
+              </a:lnSpc>
+              <a:spcBef>
+                <a:spcPts val="500"/>
+              </a:spcBef>
+              <a:spcAft>
+                <a:spcPct val="0"/>
+              </a:spcAft>
+              <a:buFont typeface="Arial" panose="020B0604020202020204" pitchFamily="34" charset="0"/>
+              <a:buChar char="•"/>
+              <a:defRPr>
+                <a:solidFill>
+                  <a:schemeClr val="tx1"/>
+                </a:solidFill>
+                <a:latin typeface="Calibri" panose="020F0502020204030204" pitchFamily="34" charset="0"/>
+              </a:defRPr>
+            </a:lvl6pPr>
+            <a:lvl7pPr marL="2971800" indent="-228600" eaLnBrk="0" fontAlgn="base" hangingPunct="0">
+              <a:lnSpc>
+                <a:spcPct val="90000"/>
+              </a:lnSpc>
+              <a:spcBef>
+                <a:spcPts val="500"/>
+              </a:spcBef>
+              <a:spcAft>
+                <a:spcPct val="0"/>
+              </a:spcAft>
+              <a:buFont typeface="Arial" panose="020B0604020202020204" pitchFamily="34" charset="0"/>
+              <a:buChar char="•"/>
+              <a:defRPr>
+                <a:solidFill>
+                  <a:schemeClr val="tx1"/>
+                </a:solidFill>
+                <a:latin typeface="Calibri" panose="020F0502020204030204" pitchFamily="34" charset="0"/>
+              </a:defRPr>
+            </a:lvl7pPr>
+            <a:lvl8pPr marL="3429000" indent="-228600" eaLnBrk="0" fontAlgn="base" hangingPunct="0">
+              <a:lnSpc>
+                <a:spcPct val="90000"/>
+              </a:lnSpc>
+              <a:spcBef>
+                <a:spcPts val="500"/>
+              </a:spcBef>
+              <a:spcAft>
+                <a:spcPct val="0"/>
+              </a:spcAft>
+              <a:buFont typeface="Arial" panose="020B0604020202020204" pitchFamily="34" charset="0"/>
+              <a:buChar char="•"/>
+              <a:defRPr>
+                <a:solidFill>
+                  <a:schemeClr val="tx1"/>
+                </a:solidFill>
+                <a:latin typeface="Calibri" panose="020F0502020204030204" pitchFamily="34" charset="0"/>
+              </a:defRPr>
+            </a:lvl8pPr>
+            <a:lvl9pPr marL="3886200" indent="-228600" eaLnBrk="0" fontAlgn="base" hangingPunct="0">
+              <a:lnSpc>
+                <a:spcPct val="90000"/>
+              </a:lnSpc>
+              <a:spcBef>
+                <a:spcPts val="500"/>
+              </a:spcBef>
+              <a:spcAft>
+                <a:spcPct val="0"/>
+              </a:spcAft>
+              <a:buFont typeface="Arial" panose="020B0604020202020204" pitchFamily="34" charset="0"/>
+              <a:buChar char="•"/>
+              <a:defRPr>
+                <a:solidFill>
+                  <a:schemeClr val="tx1"/>
+                </a:solidFill>
+                <a:latin typeface="Calibri" panose="020F0502020204030204" pitchFamily="34" charset="0"/>
+              </a:defRPr>
+            </a:lvl9pPr>
+          </a:lstStyle>
+          <a:p>
+            <a:pPr eaLnBrk="1" hangingPunct="1">
+              <a:lnSpc>
+                <a:spcPct val="100000"/>
+              </a:lnSpc>
+              <a:spcBef>
+                <a:spcPct val="0"/>
+              </a:spcBef>
+              <a:buFontTx/>
+              <a:buNone/>
+            </a:pPr>
+            <a:r>
+              <a:rPr lang="en-US" altLang="en-US" sz="4000" dirty="0"/>
+              <a:t>One Period Simulation</a:t>
+            </a:r>
+          </a:p>
+        </p:txBody>
+      </p:sp>
+      <p:pic>
+        <p:nvPicPr>
+          <p:cNvPr id="7" name="Picture 7">
+            <a:extLst>
+              <a:ext uri="{FF2B5EF4-FFF2-40B4-BE49-F238E27FC236}">
+                <a16:creationId xmlns:a16="http://schemas.microsoft.com/office/drawing/2014/main" id="{FD3F3BF5-E465-4251-BAAD-4181BD590962}"/>
+              </a:ext>
+            </a:extLst>
+          </p:cNvPr>
+          <p:cNvPicPr>
+            <a:picLocks noChangeAspect="1" noChangeArrowheads="1"/>
+          </p:cNvPicPr>
+          <p:nvPr/>
+        </p:nvPicPr>
+        <p:blipFill>
+          <a:blip r:embed="rId2">
+            <a:extLst>
+              <a:ext uri="{28A0092B-C50C-407E-A947-70E740481C1C}">
+                <a14:useLocalDpi xmlns:a14="http://schemas.microsoft.com/office/drawing/2010/main" val="0"/>
+              </a:ext>
+            </a:extLst>
+          </a:blip>
+          <a:srcRect/>
+          <a:stretch>
+            <a:fillRect/>
+          </a:stretch>
+        </p:blipFill>
+        <p:spPr bwMode="auto">
+          <a:xfrm>
+            <a:off x="252414" y="1339216"/>
+            <a:ext cx="4532946" cy="3766179"/>
+          </a:xfrm>
+          <a:prstGeom prst="rect">
+            <a:avLst/>
+          </a:prstGeom>
+          <a:noFill/>
+          <a:extLst>
+            <a:ext uri="{909E8E84-426E-40DD-AFC4-6F175D3DCCD1}">
+              <a14:hiddenFill xmlns:a14="http://schemas.microsoft.com/office/drawing/2010/main">
+                <a:solidFill>
+                  <a:srgbClr val="FFFFFF"/>
+                </a:solidFill>
+              </a14:hiddenFill>
+            </a:ext>
+          </a:extLst>
+        </p:spPr>
+      </p:pic>
+      <p:sp>
+        <p:nvSpPr>
+          <p:cNvPr id="8" name="Rectangle 3">
+            <a:extLst>
+              <a:ext uri="{FF2B5EF4-FFF2-40B4-BE49-F238E27FC236}">
+                <a16:creationId xmlns:a16="http://schemas.microsoft.com/office/drawing/2014/main" id="{F89D2C55-3546-4E9B-94FE-156EC00905C0}"/>
+              </a:ext>
+            </a:extLst>
+          </p:cNvPr>
+          <p:cNvSpPr>
+            <a:spLocks noChangeArrowheads="1"/>
+          </p:cNvSpPr>
+          <p:nvPr/>
+        </p:nvSpPr>
+        <p:spPr bwMode="auto">
+          <a:xfrm>
+            <a:off x="597131" y="5042734"/>
+            <a:ext cx="4848132" cy="1477328"/>
+          </a:xfrm>
+          <a:prstGeom prst="rect">
+            <a:avLst/>
+          </a:prstGeom>
+          <a:noFill/>
+          <a:ln>
+            <a:noFill/>
+          </a:ln>
+          <a:effectLst/>
+          <a:extLst>
+            <a:ext uri="{909E8E84-426E-40DD-AFC4-6F175D3DCCD1}">
+              <a14:hiddenFill xmlns:a14="http://schemas.microsoft.com/office/drawing/2010/main">
+                <a:solidFill>
+                  <a:schemeClr val="accent1"/>
+                </a:solidFill>
+              </a14:hiddenFill>
+            </a:ext>
+            <a:ext uri="{91240B29-F687-4F45-9708-019B960494DF}">
+              <a14:hiddenLine xmlns:a14="http://schemas.microsoft.com/office/drawing/2010/main" w="9525">
+                <a:solidFill>
+                  <a:schemeClr val="tx1"/>
+                </a:solidFill>
+                <a:miter lim="800000"/>
+                <a:headEnd/>
+                <a:tailEnd/>
+              </a14:hiddenLine>
+            </a:ext>
+            <a:ext uri="{AF507438-7753-43E0-B8FC-AC1667EBCBE1}">
+              <a14:hiddenEffects xmlns:a14="http://schemas.microsoft.com/office/drawing/2010/main">
+                <a:effectLst>
+                  <a:outerShdw dist="35921" dir="2700000" algn="ctr" rotWithShape="0">
+                    <a:schemeClr val="bg2"/>
+                  </a:outerShdw>
+                </a:effectLst>
+              </a14:hiddenEffects>
+            </a:ext>
+          </a:extLst>
+        </p:spPr>
+        <p:txBody>
+          <a:bodyPr vert="horz" wrap="square" lIns="91440" tIns="45720" rIns="91440" bIns="45720" numCol="1" anchor="ctr" anchorCtr="0" compatLnSpc="1">
+            <a:prstTxWarp prst="textNoShape">
+              <a:avLst/>
+            </a:prstTxWarp>
+            <a:spAutoFit/>
+          </a:bodyPr>
+          <a:lstStyle/>
+          <a:p>
+            <a:pPr marL="0" marR="0" lvl="0" indent="0" algn="l" defTabSz="914400" rtl="0" eaLnBrk="0" fontAlgn="base" latinLnBrk="0" hangingPunct="0">
+              <a:lnSpc>
+                <a:spcPct val="100000"/>
+              </a:lnSpc>
+              <a:spcBef>
+                <a:spcPct val="0"/>
+              </a:spcBef>
+              <a:spcAft>
+                <a:spcPct val="0"/>
+              </a:spcAft>
+              <a:buClrTx/>
+              <a:buSzTx/>
+              <a:buFontTx/>
+              <a:buNone/>
+              <a:tabLst/>
+            </a:pPr>
+            <a:r>
+              <a:rPr kumimoji="0" lang="en-US" altLang="en-US" b="0" i="0" u="none" strike="noStrike" cap="none" normalizeH="0" baseline="0" dirty="0">
+                <a:ln>
+                  <a:noFill/>
+                </a:ln>
+                <a:solidFill>
+                  <a:schemeClr val="tx1"/>
+                </a:solidFill>
+                <a:effectLst/>
+              </a:rPr>
+              <a:t>equilibrium price range is 398 to 403 </a:t>
+            </a:r>
+          </a:p>
+          <a:p>
+            <a:pPr marL="0" marR="0" lvl="0" indent="0" algn="l" defTabSz="914400" rtl="0" eaLnBrk="0" fontAlgn="base" latinLnBrk="0" hangingPunct="0">
+              <a:lnSpc>
+                <a:spcPct val="100000"/>
+              </a:lnSpc>
+              <a:spcBef>
+                <a:spcPct val="0"/>
+              </a:spcBef>
+              <a:spcAft>
+                <a:spcPct val="0"/>
+              </a:spcAft>
+              <a:buClrTx/>
+              <a:buSzTx/>
+              <a:buFontTx/>
+              <a:buNone/>
+              <a:tabLst/>
+            </a:pPr>
+            <a:r>
+              <a:rPr kumimoji="0" lang="en-US" altLang="en-US" b="0" i="0" u="none" strike="noStrike" cap="none" normalizeH="0" baseline="0" dirty="0">
+                <a:ln>
+                  <a:noFill/>
+                </a:ln>
+                <a:solidFill>
+                  <a:schemeClr val="tx1"/>
+                </a:solidFill>
+                <a:effectLst/>
+              </a:rPr>
+              <a:t>average price = 404.84 </a:t>
+            </a:r>
+          </a:p>
+          <a:p>
+            <a:pPr eaLnBrk="0" fontAlgn="base" hangingPunct="0">
+              <a:spcBef>
+                <a:spcPct val="0"/>
+              </a:spcBef>
+              <a:spcAft>
+                <a:spcPct val="0"/>
+              </a:spcAft>
+            </a:pPr>
+            <a:r>
+              <a:rPr kumimoji="0" lang="en-US" altLang="en-US" b="0" i="0" u="none" strike="noStrike" cap="none" normalizeH="0" baseline="0" dirty="0">
+                <a:ln>
+                  <a:noFill/>
+                </a:ln>
+                <a:solidFill>
+                  <a:schemeClr val="tx1"/>
+                </a:solidFill>
+                <a:effectLst/>
+              </a:rPr>
+              <a:t>eq expected contracts = 48,  actual contracts = 31 </a:t>
+            </a:r>
+          </a:p>
+          <a:p>
+            <a:pPr eaLnBrk="0" fontAlgn="base" hangingPunct="0">
+              <a:spcBef>
+                <a:spcPct val="0"/>
+              </a:spcBef>
+              <a:spcAft>
+                <a:spcPct val="0"/>
+              </a:spcAft>
+            </a:pPr>
+            <a:r>
+              <a:rPr kumimoji="0" lang="en-US" altLang="en-US" b="0" i="0" u="none" strike="noStrike" cap="none" normalizeH="0" baseline="0" dirty="0">
+                <a:ln>
+                  <a:noFill/>
+                </a:ln>
+                <a:solidFill>
+                  <a:schemeClr val="tx1"/>
+                </a:solidFill>
+                <a:effectLst/>
+              </a:rPr>
+              <a:t>actual surplus = 7283 , maximum surplus = 8890 </a:t>
+            </a:r>
+          </a:p>
+          <a:p>
+            <a:pPr marL="0" marR="0" lvl="0" indent="0" algn="l" defTabSz="914400" rtl="0" eaLnBrk="0" fontAlgn="base" latinLnBrk="0" hangingPunct="0">
+              <a:lnSpc>
+                <a:spcPct val="100000"/>
+              </a:lnSpc>
+              <a:spcBef>
+                <a:spcPct val="0"/>
+              </a:spcBef>
+              <a:spcAft>
+                <a:spcPct val="0"/>
+              </a:spcAft>
+              <a:buClrTx/>
+              <a:buSzTx/>
+              <a:buFontTx/>
+              <a:buNone/>
+              <a:tabLst/>
+            </a:pPr>
+            <a:r>
+              <a:rPr kumimoji="0" lang="en-US" altLang="en-US" b="0" i="0" u="none" strike="noStrike" cap="none" normalizeH="0" baseline="0" dirty="0">
+                <a:ln>
+                  <a:noFill/>
+                </a:ln>
+                <a:solidFill>
+                  <a:schemeClr val="tx1"/>
+                </a:solidFill>
+                <a:effectLst/>
+              </a:rPr>
+              <a:t>efficiency = 81.92%. </a:t>
+            </a:r>
+          </a:p>
+        </p:txBody>
+      </p:sp>
+      <p:pic>
+        <p:nvPicPr>
+          <p:cNvPr id="4100" name="Picture 4">
+            <a:extLst>
+              <a:ext uri="{FF2B5EF4-FFF2-40B4-BE49-F238E27FC236}">
+                <a16:creationId xmlns:a16="http://schemas.microsoft.com/office/drawing/2014/main" id="{7C67486C-D202-47BC-BA00-9B45DA665533}"/>
+              </a:ext>
+            </a:extLst>
+          </p:cNvPr>
+          <p:cNvPicPr>
+            <a:picLocks noChangeAspect="1" noChangeArrowheads="1"/>
+          </p:cNvPicPr>
+          <p:nvPr/>
+        </p:nvPicPr>
+        <p:blipFill>
+          <a:blip r:embed="rId3">
+            <a:extLst>
+              <a:ext uri="{28A0092B-C50C-407E-A947-70E740481C1C}">
+                <a14:useLocalDpi xmlns:a14="http://schemas.microsoft.com/office/drawing/2010/main" val="0"/>
+              </a:ext>
+            </a:extLst>
+          </a:blip>
+          <a:srcRect/>
+          <a:stretch>
+            <a:fillRect/>
+          </a:stretch>
+        </p:blipFill>
+        <p:spPr bwMode="auto">
+          <a:xfrm>
+            <a:off x="5516110" y="1353004"/>
+            <a:ext cx="4568780" cy="3752391"/>
+          </a:xfrm>
+          <a:prstGeom prst="rect">
+            <a:avLst/>
+          </a:prstGeom>
+          <a:noFill/>
+          <a:extLst>
+            <a:ext uri="{909E8E84-426E-40DD-AFC4-6F175D3DCCD1}">
+              <a14:hiddenFill xmlns:a14="http://schemas.microsoft.com/office/drawing/2010/main">
+                <a:solidFill>
+                  <a:srgbClr val="FFFFFF"/>
+                </a:solidFill>
+              </a14:hiddenFill>
+            </a:ext>
+          </a:extLst>
+        </p:spPr>
+      </p:pic>
+      <p:sp>
+        <p:nvSpPr>
+          <p:cNvPr id="10" name="Rectangle 3">
+            <a:extLst>
+              <a:ext uri="{FF2B5EF4-FFF2-40B4-BE49-F238E27FC236}">
+                <a16:creationId xmlns:a16="http://schemas.microsoft.com/office/drawing/2014/main" id="{7048DB7C-B7DC-4B25-B0CC-9B14622BD819}"/>
+              </a:ext>
+            </a:extLst>
+          </p:cNvPr>
+          <p:cNvSpPr>
+            <a:spLocks noChangeArrowheads="1"/>
+          </p:cNvSpPr>
+          <p:nvPr/>
+        </p:nvSpPr>
+        <p:spPr bwMode="auto">
+          <a:xfrm>
+            <a:off x="5789980" y="5025072"/>
+            <a:ext cx="4848132" cy="1477328"/>
+          </a:xfrm>
+          <a:prstGeom prst="rect">
+            <a:avLst/>
+          </a:prstGeom>
+          <a:noFill/>
+          <a:ln>
+            <a:noFill/>
+          </a:ln>
+          <a:effectLst/>
+          <a:extLst>
+            <a:ext uri="{909E8E84-426E-40DD-AFC4-6F175D3DCCD1}">
+              <a14:hiddenFill xmlns:a14="http://schemas.microsoft.com/office/drawing/2010/main">
+                <a:solidFill>
+                  <a:schemeClr val="accent1"/>
+                </a:solidFill>
+              </a14:hiddenFill>
+            </a:ext>
+            <a:ext uri="{91240B29-F687-4F45-9708-019B960494DF}">
+              <a14:hiddenLine xmlns:a14="http://schemas.microsoft.com/office/drawing/2010/main" w="9525">
+                <a:solidFill>
+                  <a:schemeClr val="tx1"/>
+                </a:solidFill>
+                <a:miter lim="800000"/>
+                <a:headEnd/>
+                <a:tailEnd/>
+              </a14:hiddenLine>
+            </a:ext>
+            <a:ext uri="{AF507438-7753-43E0-B8FC-AC1667EBCBE1}">
+              <a14:hiddenEffects xmlns:a14="http://schemas.microsoft.com/office/drawing/2010/main">
+                <a:effectLst>
+                  <a:outerShdw dist="35921" dir="2700000" algn="ctr" rotWithShape="0">
+                    <a:schemeClr val="bg2"/>
+                  </a:outerShdw>
+                </a:effectLst>
+              </a14:hiddenEffects>
+            </a:ext>
+          </a:extLst>
+        </p:spPr>
+        <p:txBody>
+          <a:bodyPr vert="horz" wrap="square" lIns="91440" tIns="45720" rIns="91440" bIns="45720" numCol="1" anchor="ctr" anchorCtr="0" compatLnSpc="1">
+            <a:prstTxWarp prst="textNoShape">
+              <a:avLst/>
+            </a:prstTxWarp>
+            <a:spAutoFit/>
+          </a:bodyPr>
+          <a:lstStyle/>
+          <a:p>
+            <a:pPr marL="0" marR="0" lvl="0" indent="0" algn="l" defTabSz="914400" rtl="0" eaLnBrk="0" fontAlgn="base" latinLnBrk="0" hangingPunct="0">
+              <a:lnSpc>
+                <a:spcPct val="100000"/>
+              </a:lnSpc>
+              <a:spcBef>
+                <a:spcPct val="0"/>
+              </a:spcBef>
+              <a:spcAft>
+                <a:spcPct val="0"/>
+              </a:spcAft>
+              <a:buClrTx/>
+              <a:buSzTx/>
+              <a:buFontTx/>
+              <a:buNone/>
+              <a:tabLst/>
+            </a:pPr>
+            <a:r>
+              <a:rPr kumimoji="0" lang="en-US" altLang="en-US" b="0" i="0" u="none" strike="noStrike" cap="none" normalizeH="0" baseline="0" dirty="0">
+                <a:ln>
+                  <a:noFill/>
+                </a:ln>
+                <a:solidFill>
+                  <a:schemeClr val="tx1"/>
+                </a:solidFill>
+                <a:effectLst/>
+              </a:rPr>
+              <a:t>equilibrium price range is 388 to 391 </a:t>
+            </a:r>
+          </a:p>
+          <a:p>
+            <a:pPr marL="0" marR="0" lvl="0" indent="0" algn="l" defTabSz="914400" rtl="0" eaLnBrk="0" fontAlgn="base" latinLnBrk="0" hangingPunct="0">
+              <a:lnSpc>
+                <a:spcPct val="100000"/>
+              </a:lnSpc>
+              <a:spcBef>
+                <a:spcPct val="0"/>
+              </a:spcBef>
+              <a:spcAft>
+                <a:spcPct val="0"/>
+              </a:spcAft>
+              <a:buClrTx/>
+              <a:buSzTx/>
+              <a:buFontTx/>
+              <a:buNone/>
+              <a:tabLst/>
+            </a:pPr>
+            <a:r>
+              <a:rPr kumimoji="0" lang="en-US" altLang="en-US" b="0" i="0" u="none" strike="noStrike" cap="none" normalizeH="0" baseline="0" dirty="0">
+                <a:ln>
+                  <a:noFill/>
+                </a:ln>
+                <a:solidFill>
+                  <a:schemeClr val="tx1"/>
+                </a:solidFill>
+                <a:effectLst/>
+              </a:rPr>
+              <a:t>average price = 383.46 </a:t>
+            </a:r>
+          </a:p>
+          <a:p>
+            <a:pPr eaLnBrk="0" fontAlgn="base" hangingPunct="0">
+              <a:spcBef>
+                <a:spcPct val="0"/>
+              </a:spcBef>
+              <a:spcAft>
+                <a:spcPct val="0"/>
+              </a:spcAft>
+            </a:pPr>
+            <a:r>
+              <a:rPr kumimoji="0" lang="en-US" altLang="en-US" b="0" i="0" u="none" strike="noStrike" cap="none" normalizeH="0" baseline="0" dirty="0">
+                <a:ln>
+                  <a:noFill/>
+                </a:ln>
+                <a:solidFill>
+                  <a:schemeClr val="tx1"/>
+                </a:solidFill>
+                <a:effectLst/>
+              </a:rPr>
+              <a:t>eq expected contracts = 55,  actual contracts = 46 </a:t>
+            </a:r>
+          </a:p>
+          <a:p>
+            <a:pPr eaLnBrk="0" fontAlgn="base" hangingPunct="0">
+              <a:spcBef>
+                <a:spcPct val="0"/>
+              </a:spcBef>
+              <a:spcAft>
+                <a:spcPct val="0"/>
+              </a:spcAft>
+            </a:pPr>
+            <a:r>
+              <a:rPr kumimoji="0" lang="en-US" altLang="en-US" b="0" i="0" u="none" strike="noStrike" cap="none" normalizeH="0" baseline="0" dirty="0">
+                <a:ln>
+                  <a:noFill/>
+                </a:ln>
+                <a:solidFill>
+                  <a:schemeClr val="tx1"/>
+                </a:solidFill>
+                <a:effectLst/>
+              </a:rPr>
+              <a:t>actual surplus = 9387 , maximum surplus = 9887 </a:t>
+            </a:r>
+          </a:p>
+          <a:p>
+            <a:pPr marL="0" marR="0" lvl="0" indent="0" algn="l" defTabSz="914400" rtl="0" eaLnBrk="0" fontAlgn="base" latinLnBrk="0" hangingPunct="0">
+              <a:lnSpc>
+                <a:spcPct val="100000"/>
+              </a:lnSpc>
+              <a:spcBef>
+                <a:spcPct val="0"/>
+              </a:spcBef>
+              <a:spcAft>
+                <a:spcPct val="0"/>
+              </a:spcAft>
+              <a:buClrTx/>
+              <a:buSzTx/>
+              <a:buFontTx/>
+              <a:buNone/>
+              <a:tabLst/>
+            </a:pPr>
+            <a:r>
+              <a:rPr kumimoji="0" lang="en-US" altLang="en-US" b="0" i="0" u="none" strike="noStrike" cap="none" normalizeH="0" baseline="0" dirty="0">
+                <a:ln>
+                  <a:noFill/>
+                </a:ln>
+                <a:solidFill>
+                  <a:schemeClr val="tx1"/>
+                </a:solidFill>
+                <a:effectLst/>
+              </a:rPr>
+              <a:t>efficiency = 94.94%. </a:t>
+            </a:r>
+          </a:p>
+        </p:txBody>
+      </p:sp>
+    </p:spTree>
+    <p:extLst>
+      <p:ext uri="{BB962C8B-B14F-4D97-AF65-F5344CB8AC3E}">
+        <p14:creationId xmlns:p14="http://schemas.microsoft.com/office/powerpoint/2010/main" val="614353200"/>
+      </p:ext>
+    </p:extLst>
+  </p:cSld>
+  <p:clrMapOvr>
+    <a:masterClrMapping/>
+  </p:clrMapOvr>
+</p:sld>
+</file>
+
+<file path=ppt/slides/slide13.xml><?xml version="1.0" encoding="utf-8"?>
 <p:sld xmlns:a="http://schemas.openxmlformats.org/drawingml/2006/main" xmlns:r="http://schemas.openxmlformats.org/officeDocument/2006/relationships" xmlns:p="http://schemas.openxmlformats.org/presentationml/2006/main">
   <p:cSld>
     <p:spTree>
@@ -5429,7 +6760,7 @@
 </p:sld>
 </file>
 
-<file path=ppt/slides/slide12.xml><?xml version="1.0" encoding="utf-8"?>
+<file path=ppt/slides/slide14.xml><?xml version="1.0" encoding="utf-8"?>
 <p:sld xmlns:a="http://schemas.openxmlformats.org/drawingml/2006/main" xmlns:r="http://schemas.openxmlformats.org/officeDocument/2006/relationships" xmlns:p="http://schemas.openxmlformats.org/presentationml/2006/main">
   <p:cSld>
     <p:bg>
@@ -6204,7 +7535,7 @@
 </p:sld>
 </file>
 
-<file path=ppt/slides/slide13.xml><?xml version="1.0" encoding="utf-8"?>
+<file path=ppt/slides/slide15.xml><?xml version="1.0" encoding="utf-8"?>
 <p:sld xmlns:a="http://schemas.openxmlformats.org/drawingml/2006/main" xmlns:r="http://schemas.openxmlformats.org/officeDocument/2006/relationships" xmlns:p="http://schemas.openxmlformats.org/presentationml/2006/main">
   <p:cSld>
     <p:bg>
@@ -6988,7 +8319,7 @@
 </p:sld>
 </file>
 
-<file path=ppt/slides/slide14.xml><?xml version="1.0" encoding="utf-8"?>
+<file path=ppt/slides/slide16.xml><?xml version="1.0" encoding="utf-8"?>
 <p:sld xmlns:a="http://schemas.openxmlformats.org/drawingml/2006/main" xmlns:r="http://schemas.openxmlformats.org/officeDocument/2006/relationships" xmlns:p="http://schemas.openxmlformats.org/presentationml/2006/main">
   <p:cSld>
     <p:bg>
@@ -7772,7 +9103,7 @@
 </p:sld>
 </file>
 
-<file path=ppt/slides/slide15.xml><?xml version="1.0" encoding="utf-8"?>
+<file path=ppt/slides/slide17.xml><?xml version="1.0" encoding="utf-8"?>
 <p:sld xmlns:a="http://schemas.openxmlformats.org/drawingml/2006/main" xmlns:r="http://schemas.openxmlformats.org/officeDocument/2006/relationships" xmlns:p="http://schemas.openxmlformats.org/presentationml/2006/main">
   <p:cSld>
     <p:spTree>
@@ -8191,7 +9522,7 @@
 </p:sld>
 </file>
 
-<file path=ppt/slides/slide16.xml><?xml version="1.0" encoding="utf-8"?>
+<file path=ppt/slides/slide18.xml><?xml version="1.0" encoding="utf-8"?>
 <p:sld xmlns:a="http://schemas.openxmlformats.org/drawingml/2006/main" xmlns:r="http://schemas.openxmlformats.org/officeDocument/2006/relationships" xmlns:p="http://schemas.openxmlformats.org/presentationml/2006/main">
   <p:cSld>
     <p:spTree>
@@ -9131,7 +10462,7 @@
 </p:sld>
 </file>
 
-<file path=ppt/slides/slide17.xml><?xml version="1.0" encoding="utf-8"?>
+<file path=ppt/slides/slide19.xml><?xml version="1.0" encoding="utf-8"?>
 <p:sld xmlns:a="http://schemas.openxmlformats.org/drawingml/2006/main" xmlns:r="http://schemas.openxmlformats.org/officeDocument/2006/relationships" xmlns:p="http://schemas.openxmlformats.org/presentationml/2006/main">
   <p:cSld>
     <p:bg>
@@ -9856,1132 +11187,6 @@
     <p:extLst>
       <p:ext uri="{BB962C8B-B14F-4D97-AF65-F5344CB8AC3E}">
         <p14:creationId xmlns:p14="http://schemas.microsoft.com/office/powerpoint/2010/main" val="2131540716"/>
-      </p:ext>
-    </p:extLst>
-  </p:cSld>
-  <p:clrMapOvr>
-    <a:overrideClrMapping bg1="dk1" tx1="lt1" bg2="dk2" tx2="lt2" accent1="accent1" accent2="accent2" accent3="accent3" accent4="accent4" accent5="accent5" accent6="accent6" hlink="hlink" folHlink="folHlink"/>
-  </p:clrMapOvr>
-</p:sld>
-</file>
-
-<file path=ppt/slides/slide18.xml><?xml version="1.0" encoding="utf-8"?>
-<p:sld xmlns:a="http://schemas.openxmlformats.org/drawingml/2006/main" xmlns:r="http://schemas.openxmlformats.org/officeDocument/2006/relationships" xmlns:p="http://schemas.openxmlformats.org/presentationml/2006/main">
-  <p:cSld>
-    <p:spTree>
-      <p:nvGrpSpPr>
-        <p:cNvPr id="1" name=""/>
-        <p:cNvGrpSpPr/>
-        <p:nvPr/>
-      </p:nvGrpSpPr>
-      <p:grpSpPr>
-        <a:xfrm>
-          <a:off x="0" y="0"/>
-          <a:ext cx="0" cy="0"/>
-          <a:chOff x="0" y="0"/>
-          <a:chExt cx="0" cy="0"/>
-        </a:xfrm>
-      </p:grpSpPr>
-      <p:sp>
-        <p:nvSpPr>
-          <p:cNvPr id="2" name="TextBox 1">
-            <a:extLst>
-              <a:ext uri="{FF2B5EF4-FFF2-40B4-BE49-F238E27FC236}">
-                <a16:creationId xmlns:a16="http://schemas.microsoft.com/office/drawing/2014/main" id="{1468F06C-1BDB-4A50-B292-8EBB7D5E0A72}"/>
-              </a:ext>
-            </a:extLst>
-          </p:cNvPr>
-          <p:cNvSpPr txBox="1"/>
-          <p:nvPr/>
-        </p:nvSpPr>
-        <p:spPr>
-          <a:xfrm>
-            <a:off x="1456460" y="1449202"/>
-            <a:ext cx="9279079" cy="3785652"/>
-          </a:xfrm>
-          <a:prstGeom prst="rect">
-            <a:avLst/>
-          </a:prstGeom>
-          <a:noFill/>
-        </p:spPr>
-        <p:txBody>
-          <a:bodyPr wrap="none" rtlCol="0">
-            <a:spAutoFit/>
-          </a:bodyPr>
-          <a:lstStyle/>
-          <a:p>
-            <a:r>
-              <a:rPr lang="en-US" sz="2400" dirty="0"/>
-              <a:t>ZID(TRADER):</a:t>
-            </a:r>
-          </a:p>
-          <a:p>
-            <a:endParaRPr lang="en-US" sz="2400" dirty="0"/>
-          </a:p>
-          <a:p>
-            <a:r>
-              <a:rPr lang="en-US" sz="2400" dirty="0"/>
-              <a:t>    MOVE       -&gt;  (dx, </a:t>
-            </a:r>
-            <a:r>
-              <a:rPr lang="en-US" sz="2400" dirty="0" err="1"/>
-              <a:t>dy</a:t>
-            </a:r>
-            <a:r>
-              <a:rPr lang="en-US" sz="2400" dirty="0"/>
-              <a:t>) where dx ~ {-1, 0, +1}, and </a:t>
-            </a:r>
-            <a:r>
-              <a:rPr lang="en-US" sz="2400" dirty="0" err="1"/>
-              <a:t>dy</a:t>
-            </a:r>
-            <a:r>
-              <a:rPr lang="en-US" sz="2400" dirty="0"/>
-              <a:t> ~ {-1, 0, +1}</a:t>
-            </a:r>
-          </a:p>
-          <a:p>
-            <a:r>
-              <a:rPr lang="en-US" sz="2400" dirty="0"/>
-              <a:t>    BID, ASK   -&gt; uniform random budget constrained offer</a:t>
-            </a:r>
-          </a:p>
-          <a:p>
-            <a:r>
-              <a:rPr lang="en-US" sz="2400" dirty="0"/>
-              <a:t>    BUY, SELL -&gt; uniform random budget constrained willingness to accept</a:t>
-            </a:r>
-          </a:p>
-          <a:p>
-            <a:r>
-              <a:rPr lang="en-US" sz="2400" dirty="0"/>
-              <a:t>                      -&gt; uniform random choice of offer </a:t>
-            </a:r>
-          </a:p>
-          <a:p>
-            <a:r>
-              <a:rPr lang="en-US" sz="2400" dirty="0"/>
-              <a:t>ZIDP(ZID):</a:t>
-            </a:r>
-          </a:p>
-          <a:p>
-            <a:endParaRPr lang="en-US" sz="2400" dirty="0"/>
-          </a:p>
-          <a:p>
-            <a:r>
-              <a:rPr lang="en-US" sz="2400" dirty="0"/>
-              <a:t>     BUY, SELL -&gt; uniform random budget constrained willingness to accept</a:t>
-            </a:r>
-          </a:p>
-          <a:p>
-            <a:r>
-              <a:rPr lang="en-US" sz="2400" dirty="0"/>
-              <a:t>  	          -&gt; picks best remaining offer</a:t>
-            </a:r>
-          </a:p>
-        </p:txBody>
-      </p:sp>
-      <p:cxnSp>
-        <p:nvCxnSpPr>
-          <p:cNvPr id="3" name="Straight Connector 2">
-            <a:extLst>
-              <a:ext uri="{FF2B5EF4-FFF2-40B4-BE49-F238E27FC236}">
-                <a16:creationId xmlns:a16="http://schemas.microsoft.com/office/drawing/2014/main" id="{D5EE545B-CA65-4FA5-87D8-B74376B76665}"/>
-              </a:ext>
-            </a:extLst>
-          </p:cNvPr>
-          <p:cNvCxnSpPr/>
-          <p:nvPr/>
-        </p:nvCxnSpPr>
-        <p:spPr>
-          <a:xfrm>
-            <a:off x="1208405" y="143143"/>
-            <a:ext cx="0" cy="690562"/>
-          </a:xfrm>
-          <a:prstGeom prst="line">
-            <a:avLst/>
-          </a:prstGeom>
-          <a:ln w="28575"/>
-        </p:spPr>
-        <p:style>
-          <a:lnRef idx="1">
-            <a:schemeClr val="accent1"/>
-          </a:lnRef>
-          <a:fillRef idx="0">
-            <a:schemeClr val="accent1"/>
-          </a:fillRef>
-          <a:effectRef idx="0">
-            <a:schemeClr val="accent1"/>
-          </a:effectRef>
-          <a:fontRef idx="minor">
-            <a:schemeClr val="tx1"/>
-          </a:fontRef>
-        </p:style>
-      </p:cxnSp>
-      <p:sp>
-        <p:nvSpPr>
-          <p:cNvPr id="4" name="TextBox 3">
-            <a:extLst>
-              <a:ext uri="{FF2B5EF4-FFF2-40B4-BE49-F238E27FC236}">
-                <a16:creationId xmlns:a16="http://schemas.microsoft.com/office/drawing/2014/main" id="{2D727924-724E-4B89-9902-18CB6C7D0DCC}"/>
-              </a:ext>
-            </a:extLst>
-          </p:cNvPr>
-          <p:cNvSpPr txBox="1">
-            <a:spLocks noChangeArrowheads="1"/>
-          </p:cNvSpPr>
-          <p:nvPr/>
-        </p:nvSpPr>
-        <p:spPr bwMode="auto">
-          <a:xfrm>
-            <a:off x="1402080" y="125680"/>
-            <a:ext cx="5970609" cy="707886"/>
-          </a:xfrm>
-          <a:prstGeom prst="rect">
-            <a:avLst/>
-          </a:prstGeom>
-          <a:noFill/>
-          <a:ln>
-            <a:noFill/>
-          </a:ln>
-          <a:extLst>
-            <a:ext uri="{909E8E84-426E-40DD-AFC4-6F175D3DCCD1}">
-              <a14:hiddenFill xmlns:a14="http://schemas.microsoft.com/office/drawing/2010/main">
-                <a:solidFill>
-                  <a:srgbClr val="FFFFFF"/>
-                </a:solidFill>
-              </a14:hiddenFill>
-            </a:ext>
-            <a:ext uri="{91240B29-F687-4F45-9708-019B960494DF}">
-              <a14:hiddenLine xmlns:a14="http://schemas.microsoft.com/office/drawing/2010/main" w="9525">
-                <a:solidFill>
-                  <a:srgbClr val="000000"/>
-                </a:solidFill>
-                <a:miter lim="800000"/>
-                <a:headEnd/>
-                <a:tailEnd/>
-              </a14:hiddenLine>
-            </a:ext>
-          </a:extLst>
-        </p:spPr>
-        <p:txBody>
-          <a:bodyPr wrap="none">
-            <a:spAutoFit/>
-          </a:bodyPr>
-          <a:lstStyle>
-            <a:lvl1pPr>
-              <a:lnSpc>
-                <a:spcPct val="90000"/>
-              </a:lnSpc>
-              <a:spcBef>
-                <a:spcPts val="1000"/>
-              </a:spcBef>
-              <a:buFont typeface="Arial" panose="020B0604020202020204" pitchFamily="34" charset="0"/>
-              <a:buChar char="•"/>
-              <a:defRPr sz="2800">
-                <a:solidFill>
-                  <a:schemeClr val="tx1"/>
-                </a:solidFill>
-                <a:latin typeface="Calibri" panose="020F0502020204030204" pitchFamily="34" charset="0"/>
-              </a:defRPr>
-            </a:lvl1pPr>
-            <a:lvl2pPr marL="742950" indent="-285750">
-              <a:lnSpc>
-                <a:spcPct val="90000"/>
-              </a:lnSpc>
-              <a:spcBef>
-                <a:spcPts val="500"/>
-              </a:spcBef>
-              <a:buFont typeface="Arial" panose="020B0604020202020204" pitchFamily="34" charset="0"/>
-              <a:buChar char="•"/>
-              <a:defRPr sz="2400">
-                <a:solidFill>
-                  <a:schemeClr val="tx1"/>
-                </a:solidFill>
-                <a:latin typeface="Calibri" panose="020F0502020204030204" pitchFamily="34" charset="0"/>
-              </a:defRPr>
-            </a:lvl2pPr>
-            <a:lvl3pPr marL="1143000" indent="-228600">
-              <a:lnSpc>
-                <a:spcPct val="90000"/>
-              </a:lnSpc>
-              <a:spcBef>
-                <a:spcPts val="500"/>
-              </a:spcBef>
-              <a:buFont typeface="Arial" panose="020B0604020202020204" pitchFamily="34" charset="0"/>
-              <a:buChar char="•"/>
-              <a:defRPr sz="2000">
-                <a:solidFill>
-                  <a:schemeClr val="tx1"/>
-                </a:solidFill>
-                <a:latin typeface="Calibri" panose="020F0502020204030204" pitchFamily="34" charset="0"/>
-              </a:defRPr>
-            </a:lvl3pPr>
-            <a:lvl4pPr marL="1600200" indent="-228600">
-              <a:lnSpc>
-                <a:spcPct val="90000"/>
-              </a:lnSpc>
-              <a:spcBef>
-                <a:spcPts val="500"/>
-              </a:spcBef>
-              <a:buFont typeface="Arial" panose="020B0604020202020204" pitchFamily="34" charset="0"/>
-              <a:buChar char="•"/>
-              <a:defRPr>
-                <a:solidFill>
-                  <a:schemeClr val="tx1"/>
-                </a:solidFill>
-                <a:latin typeface="Calibri" panose="020F0502020204030204" pitchFamily="34" charset="0"/>
-              </a:defRPr>
-            </a:lvl4pPr>
-            <a:lvl5pPr marL="2057400" indent="-228600">
-              <a:lnSpc>
-                <a:spcPct val="90000"/>
-              </a:lnSpc>
-              <a:spcBef>
-                <a:spcPts val="500"/>
-              </a:spcBef>
-              <a:buFont typeface="Arial" panose="020B0604020202020204" pitchFamily="34" charset="0"/>
-              <a:buChar char="•"/>
-              <a:defRPr>
-                <a:solidFill>
-                  <a:schemeClr val="tx1"/>
-                </a:solidFill>
-                <a:latin typeface="Calibri" panose="020F0502020204030204" pitchFamily="34" charset="0"/>
-              </a:defRPr>
-            </a:lvl5pPr>
-            <a:lvl6pPr marL="2514600" indent="-228600" eaLnBrk="0" fontAlgn="base" hangingPunct="0">
-              <a:lnSpc>
-                <a:spcPct val="90000"/>
-              </a:lnSpc>
-              <a:spcBef>
-                <a:spcPts val="500"/>
-              </a:spcBef>
-              <a:spcAft>
-                <a:spcPct val="0"/>
-              </a:spcAft>
-              <a:buFont typeface="Arial" panose="020B0604020202020204" pitchFamily="34" charset="0"/>
-              <a:buChar char="•"/>
-              <a:defRPr>
-                <a:solidFill>
-                  <a:schemeClr val="tx1"/>
-                </a:solidFill>
-                <a:latin typeface="Calibri" panose="020F0502020204030204" pitchFamily="34" charset="0"/>
-              </a:defRPr>
-            </a:lvl6pPr>
-            <a:lvl7pPr marL="2971800" indent="-228600" eaLnBrk="0" fontAlgn="base" hangingPunct="0">
-              <a:lnSpc>
-                <a:spcPct val="90000"/>
-              </a:lnSpc>
-              <a:spcBef>
-                <a:spcPts val="500"/>
-              </a:spcBef>
-              <a:spcAft>
-                <a:spcPct val="0"/>
-              </a:spcAft>
-              <a:buFont typeface="Arial" panose="020B0604020202020204" pitchFamily="34" charset="0"/>
-              <a:buChar char="•"/>
-              <a:defRPr>
-                <a:solidFill>
-                  <a:schemeClr val="tx1"/>
-                </a:solidFill>
-                <a:latin typeface="Calibri" panose="020F0502020204030204" pitchFamily="34" charset="0"/>
-              </a:defRPr>
-            </a:lvl7pPr>
-            <a:lvl8pPr marL="3429000" indent="-228600" eaLnBrk="0" fontAlgn="base" hangingPunct="0">
-              <a:lnSpc>
-                <a:spcPct val="90000"/>
-              </a:lnSpc>
-              <a:spcBef>
-                <a:spcPts val="500"/>
-              </a:spcBef>
-              <a:spcAft>
-                <a:spcPct val="0"/>
-              </a:spcAft>
-              <a:buFont typeface="Arial" panose="020B0604020202020204" pitchFamily="34" charset="0"/>
-              <a:buChar char="•"/>
-              <a:defRPr>
-                <a:solidFill>
-                  <a:schemeClr val="tx1"/>
-                </a:solidFill>
-                <a:latin typeface="Calibri" panose="020F0502020204030204" pitchFamily="34" charset="0"/>
-              </a:defRPr>
-            </a:lvl8pPr>
-            <a:lvl9pPr marL="3886200" indent="-228600" eaLnBrk="0" fontAlgn="base" hangingPunct="0">
-              <a:lnSpc>
-                <a:spcPct val="90000"/>
-              </a:lnSpc>
-              <a:spcBef>
-                <a:spcPts val="500"/>
-              </a:spcBef>
-              <a:spcAft>
-                <a:spcPct val="0"/>
-              </a:spcAft>
-              <a:buFont typeface="Arial" panose="020B0604020202020204" pitchFamily="34" charset="0"/>
-              <a:buChar char="•"/>
-              <a:defRPr>
-                <a:solidFill>
-                  <a:schemeClr val="tx1"/>
-                </a:solidFill>
-                <a:latin typeface="Calibri" panose="020F0502020204030204" pitchFamily="34" charset="0"/>
-              </a:defRPr>
-            </a:lvl9pPr>
-          </a:lstStyle>
-          <a:p>
-            <a:pPr eaLnBrk="1" hangingPunct="1">
-              <a:lnSpc>
-                <a:spcPct val="100000"/>
-              </a:lnSpc>
-              <a:spcBef>
-                <a:spcPct val="0"/>
-              </a:spcBef>
-              <a:buFontTx/>
-              <a:buNone/>
-            </a:pPr>
-            <a:r>
-              <a:rPr lang="en-US" altLang="en-US" sz="4000" dirty="0"/>
-              <a:t>Comparing Agent Strategies</a:t>
-            </a:r>
-          </a:p>
-        </p:txBody>
-      </p:sp>
-    </p:spTree>
-    <p:extLst>
-      <p:ext uri="{BB962C8B-B14F-4D97-AF65-F5344CB8AC3E}">
-        <p14:creationId xmlns:p14="http://schemas.microsoft.com/office/powerpoint/2010/main" val="23695304"/>
-      </p:ext>
-    </p:extLst>
-  </p:cSld>
-  <p:clrMapOvr>
-    <a:masterClrMapping/>
-  </p:clrMapOvr>
-</p:sld>
-</file>
-
-<file path=ppt/slides/slide19.xml><?xml version="1.0" encoding="utf-8"?>
-<p:sld xmlns:a="http://schemas.openxmlformats.org/drawingml/2006/main" xmlns:r="http://schemas.openxmlformats.org/officeDocument/2006/relationships" xmlns:p="http://schemas.openxmlformats.org/presentationml/2006/main">
-  <p:cSld>
-    <p:bg>
-      <p:bgPr>
-        <a:solidFill>
-          <a:schemeClr val="bg1"/>
-        </a:solidFill>
-        <a:effectLst/>
-      </p:bgPr>
-    </p:bg>
-    <p:spTree>
-      <p:nvGrpSpPr>
-        <p:cNvPr id="1" name=""/>
-        <p:cNvGrpSpPr/>
-        <p:nvPr/>
-      </p:nvGrpSpPr>
-      <p:grpSpPr>
-        <a:xfrm>
-          <a:off x="0" y="0"/>
-          <a:ext cx="0" cy="0"/>
-          <a:chOff x="0" y="0"/>
-          <a:chExt cx="0" cy="0"/>
-        </a:xfrm>
-      </p:grpSpPr>
-      <p:sp>
-        <p:nvSpPr>
-          <p:cNvPr id="71" name="Rectangle 70">
-            <a:extLst>
-              <a:ext uri="{FF2B5EF4-FFF2-40B4-BE49-F238E27FC236}">
-                <a16:creationId xmlns:a16="http://schemas.microsoft.com/office/drawing/2014/main" id="{68A4132F-DEC6-4332-A00C-A11AD4519B6C}"/>
-              </a:ext>
-              <a:ext uri="{C183D7F6-B498-43B3-948B-1728B52AA6E4}">
-                <adec:decorative xmlns:adec="http://schemas.microsoft.com/office/drawing/2017/decorative" val="1"/>
-              </a:ext>
-            </a:extLst>
-          </p:cNvPr>
-          <p:cNvSpPr>
-            <a:spLocks noGrp="1" noRot="1" noChangeAspect="1" noMove="1" noResize="1" noEditPoints="1" noAdjustHandles="1" noChangeArrowheads="1" noChangeShapeType="1" noTextEdit="1"/>
-          </p:cNvSpPr>
-          <p:nvPr>
-            <p:extLst>
-              <p:ext uri="{386F3935-93C4-4BCD-93E2-E3B085C9AB24}">
-                <p16:designElem xmlns:p16="http://schemas.microsoft.com/office/powerpoint/2015/main" val="1"/>
-              </p:ext>
-            </p:extLst>
-          </p:nvPr>
-        </p:nvSpPr>
-        <p:spPr>
-          <a:xfrm>
-            <a:off x="3048" y="0"/>
-            <a:ext cx="12188952" cy="6858000"/>
-          </a:xfrm>
-          <a:prstGeom prst="rect">
-            <a:avLst/>
-          </a:prstGeom>
-          <a:solidFill>
-            <a:schemeClr val="tx1"/>
-          </a:solidFill>
-          <a:ln>
-            <a:noFill/>
-          </a:ln>
-        </p:spPr>
-        <p:style>
-          <a:lnRef idx="2">
-            <a:schemeClr val="accent1">
-              <a:shade val="50000"/>
-            </a:schemeClr>
-          </a:lnRef>
-          <a:fillRef idx="1">
-            <a:schemeClr val="accent1"/>
-          </a:fillRef>
-          <a:effectRef idx="0">
-            <a:schemeClr val="accent1"/>
-          </a:effectRef>
-          <a:fontRef idx="minor">
-            <a:schemeClr val="lt1"/>
-          </a:fontRef>
-        </p:style>
-        <p:txBody>
-          <a:bodyPr rtlCol="0" anchor="ctr"/>
-          <a:lstStyle/>
-          <a:p>
-            <a:pPr algn="ctr"/>
-            <a:endParaRPr lang="en-US"/>
-          </a:p>
-        </p:txBody>
-      </p:sp>
-      <p:sp>
-        <p:nvSpPr>
-          <p:cNvPr id="73" name="Freeform: Shape 72">
-            <a:extLst>
-              <a:ext uri="{FF2B5EF4-FFF2-40B4-BE49-F238E27FC236}">
-                <a16:creationId xmlns:a16="http://schemas.microsoft.com/office/drawing/2014/main" id="{9B38642C-62C4-4E31-A5D3-BB1DD8CA3942}"/>
-              </a:ext>
-              <a:ext uri="{C183D7F6-B498-43B3-948B-1728B52AA6E4}">
-                <adec:decorative xmlns:adec="http://schemas.microsoft.com/office/drawing/2017/decorative" val="1"/>
-              </a:ext>
-            </a:extLst>
-          </p:cNvPr>
-          <p:cNvSpPr>
-            <a:spLocks noGrp="1" noRot="1" noChangeAspect="1" noMove="1" noResize="1" noEditPoints="1" noAdjustHandles="1" noChangeArrowheads="1" noChangeShapeType="1" noTextEdit="1"/>
-          </p:cNvSpPr>
-          <p:nvPr>
-            <p:extLst>
-              <p:ext uri="{386F3935-93C4-4BCD-93E2-E3B085C9AB24}">
-                <p16:designElem xmlns:p16="http://schemas.microsoft.com/office/powerpoint/2015/main" val="1"/>
-              </p:ext>
-            </p:extLst>
-          </p:nvPr>
-        </p:nvSpPr>
-        <p:spPr>
-          <a:xfrm>
-            <a:off x="0" y="0"/>
-            <a:ext cx="8663583" cy="6858478"/>
-          </a:xfrm>
-          <a:custGeom>
-            <a:avLst/>
-            <a:gdLst>
-              <a:gd name="connsiteX0" fmla="*/ 0 w 8663583"/>
-              <a:gd name="connsiteY0" fmla="*/ 0 h 6858478"/>
-              <a:gd name="connsiteX1" fmla="*/ 480486 w 8663583"/>
-              <a:gd name="connsiteY1" fmla="*/ 0 h 6858478"/>
-              <a:gd name="connsiteX2" fmla="*/ 4415403 w 8663583"/>
-              <a:gd name="connsiteY2" fmla="*/ 0 h 6858478"/>
-              <a:gd name="connsiteX3" fmla="*/ 5481631 w 8663583"/>
-              <a:gd name="connsiteY3" fmla="*/ 0 h 6858478"/>
-              <a:gd name="connsiteX4" fmla="*/ 5487208 w 8663583"/>
-              <a:gd name="connsiteY4" fmla="*/ 0 h 6858478"/>
-              <a:gd name="connsiteX5" fmla="*/ 8663583 w 8663583"/>
-              <a:gd name="connsiteY5" fmla="*/ 6858478 h 6858478"/>
-              <a:gd name="connsiteX6" fmla="*/ 1239028 w 8663583"/>
-              <a:gd name="connsiteY6" fmla="*/ 6858478 h 6858478"/>
-              <a:gd name="connsiteX7" fmla="*/ 1239288 w 8663583"/>
-              <a:gd name="connsiteY7" fmla="*/ 6857916 h 6858478"/>
-              <a:gd name="connsiteX8" fmla="*/ 480486 w 8663583"/>
-              <a:gd name="connsiteY8" fmla="*/ 6857916 h 6858478"/>
-              <a:gd name="connsiteX9" fmla="*/ 480486 w 8663583"/>
-              <a:gd name="connsiteY9" fmla="*/ 6858000 h 6858478"/>
-              <a:gd name="connsiteX10" fmla="*/ 0 w 8663583"/>
-              <a:gd name="connsiteY10" fmla="*/ 6858000 h 6858478"/>
-            </a:gdLst>
-            <a:ahLst/>
-            <a:cxnLst>
-              <a:cxn ang="0">
-                <a:pos x="connsiteX0" y="connsiteY0"/>
-              </a:cxn>
-              <a:cxn ang="0">
-                <a:pos x="connsiteX1" y="connsiteY1"/>
-              </a:cxn>
-              <a:cxn ang="0">
-                <a:pos x="connsiteX2" y="connsiteY2"/>
-              </a:cxn>
-              <a:cxn ang="0">
-                <a:pos x="connsiteX3" y="connsiteY3"/>
-              </a:cxn>
-              <a:cxn ang="0">
-                <a:pos x="connsiteX4" y="connsiteY4"/>
-              </a:cxn>
-              <a:cxn ang="0">
-                <a:pos x="connsiteX5" y="connsiteY5"/>
-              </a:cxn>
-              <a:cxn ang="0">
-                <a:pos x="connsiteX6" y="connsiteY6"/>
-              </a:cxn>
-              <a:cxn ang="0">
-                <a:pos x="connsiteX7" y="connsiteY7"/>
-              </a:cxn>
-              <a:cxn ang="0">
-                <a:pos x="connsiteX8" y="connsiteY8"/>
-              </a:cxn>
-              <a:cxn ang="0">
-                <a:pos x="connsiteX9" y="connsiteY9"/>
-              </a:cxn>
-              <a:cxn ang="0">
-                <a:pos x="connsiteX10" y="connsiteY10"/>
-              </a:cxn>
-            </a:cxnLst>
-            <a:rect l="l" t="t" r="r" b="b"/>
-            <a:pathLst>
-              <a:path w="8663583" h="6858478">
-                <a:moveTo>
-                  <a:pt x="0" y="0"/>
-                </a:moveTo>
-                <a:lnTo>
-                  <a:pt x="480486" y="0"/>
-                </a:lnTo>
-                <a:lnTo>
-                  <a:pt x="4415403" y="0"/>
-                </a:lnTo>
-                <a:lnTo>
-                  <a:pt x="5481631" y="0"/>
-                </a:lnTo>
-                <a:lnTo>
-                  <a:pt x="5487208" y="0"/>
-                </a:lnTo>
-                <a:lnTo>
-                  <a:pt x="8663583" y="6858478"/>
-                </a:lnTo>
-                <a:lnTo>
-                  <a:pt x="1239028" y="6858478"/>
-                </a:lnTo>
-                <a:lnTo>
-                  <a:pt x="1239288" y="6857916"/>
-                </a:lnTo>
-                <a:lnTo>
-                  <a:pt x="480486" y="6857916"/>
-                </a:lnTo>
-                <a:lnTo>
-                  <a:pt x="480486" y="6858000"/>
-                </a:lnTo>
-                <a:lnTo>
-                  <a:pt x="0" y="6858000"/>
-                </a:lnTo>
-                <a:close/>
-              </a:path>
-            </a:pathLst>
-          </a:custGeom>
-          <a:solidFill>
-            <a:schemeClr val="bg1">
-              <a:lumMod val="85000"/>
-              <a:lumOff val="15000"/>
-              <a:alpha val="70000"/>
-            </a:schemeClr>
-          </a:solidFill>
-          <a:ln>
-            <a:noFill/>
-          </a:ln>
-        </p:spPr>
-        <p:style>
-          <a:lnRef idx="2">
-            <a:schemeClr val="accent1">
-              <a:shade val="50000"/>
-            </a:schemeClr>
-          </a:lnRef>
-          <a:fillRef idx="1">
-            <a:schemeClr val="accent1"/>
-          </a:fillRef>
-          <a:effectRef idx="0">
-            <a:schemeClr val="accent1"/>
-          </a:effectRef>
-          <a:fontRef idx="minor">
-            <a:schemeClr val="lt1"/>
-          </a:fontRef>
-        </p:style>
-        <p:txBody>
-          <a:bodyPr wrap="square" rtlCol="0" anchor="ctr">
-            <a:noAutofit/>
-          </a:bodyPr>
-          <a:lstStyle/>
-          <a:p>
-            <a:pPr algn="ctr"/>
-            <a:endParaRPr lang="en-US"/>
-          </a:p>
-        </p:txBody>
-      </p:sp>
-      <p:sp>
-        <p:nvSpPr>
-          <p:cNvPr id="75" name="Freeform: Shape 74">
-            <a:extLst>
-              <a:ext uri="{FF2B5EF4-FFF2-40B4-BE49-F238E27FC236}">
-                <a16:creationId xmlns:a16="http://schemas.microsoft.com/office/drawing/2014/main" id="{A9F66240-8C38-4069-A5C9-2D3FCD97EDAD}"/>
-              </a:ext>
-              <a:ext uri="{C183D7F6-B498-43B3-948B-1728B52AA6E4}">
-                <adec:decorative xmlns:adec="http://schemas.microsoft.com/office/drawing/2017/decorative" val="1"/>
-              </a:ext>
-            </a:extLst>
-          </p:cNvPr>
-          <p:cNvSpPr>
-            <a:spLocks noGrp="1" noRot="1" noChangeAspect="1" noMove="1" noResize="1" noEditPoints="1" noAdjustHandles="1" noChangeArrowheads="1" noChangeShapeType="1" noTextEdit="1"/>
-          </p:cNvSpPr>
-          <p:nvPr>
-            <p:extLst>
-              <p:ext uri="{386F3935-93C4-4BCD-93E2-E3B085C9AB24}">
-                <p16:designElem xmlns:p16="http://schemas.microsoft.com/office/powerpoint/2015/main" val="1"/>
-              </p:ext>
-            </p:extLst>
-          </p:nvPr>
-        </p:nvSpPr>
-        <p:spPr>
-          <a:xfrm>
-            <a:off x="0" y="0"/>
-            <a:ext cx="8234957" cy="6858478"/>
-          </a:xfrm>
-          <a:custGeom>
-            <a:avLst/>
-            <a:gdLst>
-              <a:gd name="connsiteX0" fmla="*/ 156905 w 8234957"/>
-              <a:gd name="connsiteY0" fmla="*/ 0 h 6858478"/>
-              <a:gd name="connsiteX1" fmla="*/ 3986777 w 8234957"/>
-              <a:gd name="connsiteY1" fmla="*/ 0 h 6858478"/>
-              <a:gd name="connsiteX2" fmla="*/ 5053005 w 8234957"/>
-              <a:gd name="connsiteY2" fmla="*/ 0 h 6858478"/>
-              <a:gd name="connsiteX3" fmla="*/ 5058582 w 8234957"/>
-              <a:gd name="connsiteY3" fmla="*/ 0 h 6858478"/>
-              <a:gd name="connsiteX4" fmla="*/ 8234957 w 8234957"/>
-              <a:gd name="connsiteY4" fmla="*/ 6858478 h 6858478"/>
-              <a:gd name="connsiteX5" fmla="*/ 810402 w 8234957"/>
-              <a:gd name="connsiteY5" fmla="*/ 6858478 h 6858478"/>
-              <a:gd name="connsiteX6" fmla="*/ 810662 w 8234957"/>
-              <a:gd name="connsiteY6" fmla="*/ 6857916 h 6858478"/>
-              <a:gd name="connsiteX7" fmla="*/ 156905 w 8234957"/>
-              <a:gd name="connsiteY7" fmla="*/ 6857916 h 6858478"/>
-              <a:gd name="connsiteX8" fmla="*/ 156905 w 8234957"/>
-              <a:gd name="connsiteY8" fmla="*/ 6858478 h 6858478"/>
-              <a:gd name="connsiteX9" fmla="*/ 0 w 8234957"/>
-              <a:gd name="connsiteY9" fmla="*/ 6858478 h 6858478"/>
-              <a:gd name="connsiteX10" fmla="*/ 0 w 8234957"/>
-              <a:gd name="connsiteY10" fmla="*/ 479 h 6858478"/>
-              <a:gd name="connsiteX11" fmla="*/ 156905 w 8234957"/>
-              <a:gd name="connsiteY11" fmla="*/ 479 h 6858478"/>
-            </a:gdLst>
-            <a:ahLst/>
-            <a:cxnLst>
-              <a:cxn ang="0">
-                <a:pos x="connsiteX0" y="connsiteY0"/>
-              </a:cxn>
-              <a:cxn ang="0">
-                <a:pos x="connsiteX1" y="connsiteY1"/>
-              </a:cxn>
-              <a:cxn ang="0">
-                <a:pos x="connsiteX2" y="connsiteY2"/>
-              </a:cxn>
-              <a:cxn ang="0">
-                <a:pos x="connsiteX3" y="connsiteY3"/>
-              </a:cxn>
-              <a:cxn ang="0">
-                <a:pos x="connsiteX4" y="connsiteY4"/>
-              </a:cxn>
-              <a:cxn ang="0">
-                <a:pos x="connsiteX5" y="connsiteY5"/>
-              </a:cxn>
-              <a:cxn ang="0">
-                <a:pos x="connsiteX6" y="connsiteY6"/>
-              </a:cxn>
-              <a:cxn ang="0">
-                <a:pos x="connsiteX7" y="connsiteY7"/>
-              </a:cxn>
-              <a:cxn ang="0">
-                <a:pos x="connsiteX8" y="connsiteY8"/>
-              </a:cxn>
-              <a:cxn ang="0">
-                <a:pos x="connsiteX9" y="connsiteY9"/>
-              </a:cxn>
-              <a:cxn ang="0">
-                <a:pos x="connsiteX10" y="connsiteY10"/>
-              </a:cxn>
-              <a:cxn ang="0">
-                <a:pos x="connsiteX11" y="connsiteY11"/>
-              </a:cxn>
-            </a:cxnLst>
-            <a:rect l="l" t="t" r="r" b="b"/>
-            <a:pathLst>
-              <a:path w="8234957" h="6858478">
-                <a:moveTo>
-                  <a:pt x="156905" y="0"/>
-                </a:moveTo>
-                <a:lnTo>
-                  <a:pt x="3986777" y="0"/>
-                </a:lnTo>
-                <a:lnTo>
-                  <a:pt x="5053005" y="0"/>
-                </a:lnTo>
-                <a:lnTo>
-                  <a:pt x="5058582" y="0"/>
-                </a:lnTo>
-                <a:lnTo>
-                  <a:pt x="8234957" y="6858478"/>
-                </a:lnTo>
-                <a:lnTo>
-                  <a:pt x="810402" y="6858478"/>
-                </a:lnTo>
-                <a:lnTo>
-                  <a:pt x="810662" y="6857916"/>
-                </a:lnTo>
-                <a:lnTo>
-                  <a:pt x="156905" y="6857916"/>
-                </a:lnTo>
-                <a:lnTo>
-                  <a:pt x="156905" y="6858478"/>
-                </a:lnTo>
-                <a:lnTo>
-                  <a:pt x="0" y="6858478"/>
-                </a:lnTo>
-                <a:lnTo>
-                  <a:pt x="0" y="479"/>
-                </a:lnTo>
-                <a:lnTo>
-                  <a:pt x="156905" y="479"/>
-                </a:lnTo>
-                <a:close/>
-              </a:path>
-            </a:pathLst>
-          </a:custGeom>
-          <a:solidFill>
-            <a:schemeClr val="bg1">
-              <a:lumMod val="85000"/>
-              <a:lumOff val="15000"/>
-            </a:schemeClr>
-          </a:solidFill>
-          <a:ln>
-            <a:noFill/>
-          </a:ln>
-        </p:spPr>
-        <p:style>
-          <a:lnRef idx="2">
-            <a:schemeClr val="accent1">
-              <a:shade val="50000"/>
-            </a:schemeClr>
-          </a:lnRef>
-          <a:fillRef idx="1">
-            <a:schemeClr val="accent1"/>
-          </a:fillRef>
-          <a:effectRef idx="0">
-            <a:schemeClr val="accent1"/>
-          </a:effectRef>
-          <a:fontRef idx="minor">
-            <a:schemeClr val="lt1"/>
-          </a:fontRef>
-        </p:style>
-        <p:txBody>
-          <a:bodyPr wrap="square" rtlCol="0" anchor="ctr">
-            <a:noAutofit/>
-          </a:bodyPr>
-          <a:lstStyle/>
-          <a:p>
-            <a:pPr algn="ctr"/>
-            <a:endParaRPr lang="en-US"/>
-          </a:p>
-        </p:txBody>
-      </p:sp>
-      <p:sp>
-        <p:nvSpPr>
-          <p:cNvPr id="3" name="TextBox 2">
-            <a:extLst>
-              <a:ext uri="{FF2B5EF4-FFF2-40B4-BE49-F238E27FC236}">
-                <a16:creationId xmlns:a16="http://schemas.microsoft.com/office/drawing/2014/main" id="{426B6423-DB43-4D45-BB8B-E5487B743FE5}"/>
-              </a:ext>
-            </a:extLst>
-          </p:cNvPr>
-          <p:cNvSpPr txBox="1"/>
-          <p:nvPr/>
-        </p:nvSpPr>
-        <p:spPr>
-          <a:xfrm>
-            <a:off x="715196" y="2226983"/>
-            <a:ext cx="5076090" cy="4151376"/>
-          </a:xfrm>
-          <a:prstGeom prst="rect">
-            <a:avLst/>
-          </a:prstGeom>
-        </p:spPr>
-        <p:txBody>
-          <a:bodyPr vert="horz" lIns="91440" tIns="45720" rIns="91440" bIns="45720" rtlCol="0">
-            <a:normAutofit/>
-          </a:bodyPr>
-          <a:lstStyle/>
-          <a:p>
-            <a:pPr indent="-228600">
-              <a:lnSpc>
-                <a:spcPct val="90000"/>
-              </a:lnSpc>
-              <a:spcAft>
-                <a:spcPts val="600"/>
-              </a:spcAft>
-              <a:buFont typeface="Arial" panose="020B0604020202020204" pitchFamily="34" charset="0"/>
-              <a:buChar char="•"/>
-            </a:pPr>
-            <a:r>
-              <a:rPr lang="en-US" sz="2000" dirty="0" err="1"/>
-              <a:t>num_trials</a:t>
-            </a:r>
-            <a:r>
-              <a:rPr lang="en-US" sz="2000" dirty="0"/>
-              <a:t> = 100</a:t>
-            </a:r>
-          </a:p>
-          <a:p>
-            <a:pPr indent="-228600">
-              <a:lnSpc>
-                <a:spcPct val="90000"/>
-              </a:lnSpc>
-              <a:spcAft>
-                <a:spcPts val="600"/>
-              </a:spcAft>
-              <a:buFont typeface="Arial" panose="020B0604020202020204" pitchFamily="34" charset="0"/>
-              <a:buChar char="•"/>
-            </a:pPr>
-            <a:r>
-              <a:rPr lang="en-US" sz="2000" dirty="0" err="1"/>
-              <a:t>num_periods</a:t>
-            </a:r>
-            <a:r>
-              <a:rPr lang="en-US" sz="2000" dirty="0"/>
-              <a:t> = 7</a:t>
-            </a:r>
-          </a:p>
-          <a:p>
-            <a:pPr indent="-228600">
-              <a:lnSpc>
-                <a:spcPct val="90000"/>
-              </a:lnSpc>
-              <a:spcAft>
-                <a:spcPts val="600"/>
-              </a:spcAft>
-              <a:buFont typeface="Arial" panose="020B0604020202020204" pitchFamily="34" charset="0"/>
-              <a:buChar char="•"/>
-            </a:pPr>
-            <a:r>
-              <a:rPr lang="en-US" sz="2000" dirty="0" err="1"/>
-              <a:t>num_weeks</a:t>
-            </a:r>
-            <a:r>
-              <a:rPr lang="en-US" sz="2000" dirty="0"/>
-              <a:t> = 50</a:t>
-            </a:r>
-          </a:p>
-          <a:p>
-            <a:pPr indent="-228600">
-              <a:lnSpc>
-                <a:spcPct val="90000"/>
-              </a:lnSpc>
-              <a:spcAft>
-                <a:spcPts val="600"/>
-              </a:spcAft>
-              <a:buFont typeface="Arial" panose="020B0604020202020204" pitchFamily="34" charset="0"/>
-              <a:buChar char="•"/>
-            </a:pPr>
-            <a:r>
-              <a:rPr lang="en-US" sz="2000" dirty="0" err="1"/>
-              <a:t>num_rounds</a:t>
-            </a:r>
-            <a:r>
-              <a:rPr lang="en-US" sz="2000" dirty="0"/>
-              <a:t> = 5</a:t>
-            </a:r>
-          </a:p>
-          <a:p>
-            <a:pPr indent="-228600">
-              <a:lnSpc>
-                <a:spcPct val="90000"/>
-              </a:lnSpc>
-              <a:spcAft>
-                <a:spcPts val="600"/>
-              </a:spcAft>
-              <a:buFont typeface="Arial" panose="020B0604020202020204" pitchFamily="34" charset="0"/>
-              <a:buChar char="•"/>
-            </a:pPr>
-            <a:r>
-              <a:rPr lang="en-US" sz="2000" dirty="0" err="1"/>
-              <a:t>grid_size</a:t>
-            </a:r>
-            <a:r>
-              <a:rPr lang="en-US" sz="2000" dirty="0"/>
-              <a:t> = 15</a:t>
-            </a:r>
-          </a:p>
-          <a:p>
-            <a:pPr indent="-228600">
-              <a:lnSpc>
-                <a:spcPct val="90000"/>
-              </a:lnSpc>
-              <a:spcAft>
-                <a:spcPts val="600"/>
-              </a:spcAft>
-              <a:buFont typeface="Arial" panose="020B0604020202020204" pitchFamily="34" charset="0"/>
-              <a:buChar char="•"/>
-            </a:pPr>
-            <a:r>
-              <a:rPr lang="en-US" sz="2000" dirty="0" err="1"/>
-              <a:t>num_traders</a:t>
-            </a:r>
-            <a:r>
-              <a:rPr lang="en-US" sz="2000" dirty="0"/>
-              <a:t> = 20</a:t>
-            </a:r>
-          </a:p>
-          <a:p>
-            <a:pPr indent="-228600">
-              <a:lnSpc>
-                <a:spcPct val="90000"/>
-              </a:lnSpc>
-              <a:spcAft>
-                <a:spcPts val="600"/>
-              </a:spcAft>
-              <a:buFont typeface="Arial" panose="020B0604020202020204" pitchFamily="34" charset="0"/>
-              <a:buChar char="•"/>
-            </a:pPr>
-            <a:r>
-              <a:rPr lang="en-US" sz="2000" dirty="0" err="1"/>
-              <a:t>num_units</a:t>
-            </a:r>
-            <a:r>
-              <a:rPr lang="en-US" sz="2000" dirty="0"/>
-              <a:t> = 8</a:t>
-            </a:r>
-          </a:p>
-          <a:p>
-            <a:pPr indent="-228600">
-              <a:lnSpc>
-                <a:spcPct val="90000"/>
-              </a:lnSpc>
-              <a:spcAft>
-                <a:spcPts val="600"/>
-              </a:spcAft>
-              <a:buFont typeface="Arial" panose="020B0604020202020204" pitchFamily="34" charset="0"/>
-              <a:buChar char="•"/>
-            </a:pPr>
-            <a:r>
-              <a:rPr lang="en-US" sz="2000" dirty="0" err="1"/>
-              <a:t>lower_bound</a:t>
-            </a:r>
-            <a:r>
-              <a:rPr lang="en-US" sz="2000" dirty="0"/>
-              <a:t> = 200 </a:t>
-            </a:r>
-          </a:p>
-          <a:p>
-            <a:pPr indent="-228600">
-              <a:lnSpc>
-                <a:spcPct val="90000"/>
-              </a:lnSpc>
-              <a:spcAft>
-                <a:spcPts val="600"/>
-              </a:spcAft>
-              <a:buFont typeface="Arial" panose="020B0604020202020204" pitchFamily="34" charset="0"/>
-              <a:buChar char="•"/>
-            </a:pPr>
-            <a:r>
-              <a:rPr lang="en-US" sz="2000" dirty="0" err="1"/>
-              <a:t>upper_bound</a:t>
-            </a:r>
-            <a:r>
-              <a:rPr lang="en-US" sz="2000" dirty="0"/>
-              <a:t> = 600</a:t>
-            </a:r>
-          </a:p>
-        </p:txBody>
-      </p:sp>
-      <p:sp>
-        <p:nvSpPr>
-          <p:cNvPr id="8" name="TextBox 7">
-            <a:extLst>
-              <a:ext uri="{FF2B5EF4-FFF2-40B4-BE49-F238E27FC236}">
-                <a16:creationId xmlns:a16="http://schemas.microsoft.com/office/drawing/2014/main" id="{1E7B805A-341E-4F9B-A482-5E5F4DFC7618}"/>
-              </a:ext>
-            </a:extLst>
-          </p:cNvPr>
-          <p:cNvSpPr txBox="1"/>
-          <p:nvPr/>
-        </p:nvSpPr>
-        <p:spPr>
-          <a:xfrm>
-            <a:off x="558791" y="1101012"/>
-            <a:ext cx="3123868" cy="369332"/>
-          </a:xfrm>
-          <a:prstGeom prst="rect">
-            <a:avLst/>
-          </a:prstGeom>
-          <a:noFill/>
-        </p:spPr>
-        <p:txBody>
-          <a:bodyPr wrap="none" rtlCol="0">
-            <a:spAutoFit/>
-          </a:bodyPr>
-          <a:lstStyle/>
-          <a:p>
-            <a:r>
-              <a:rPr lang="en-US" dirty="0"/>
-              <a:t>Compare efficiency of ZID, ZIDP</a:t>
-            </a:r>
-          </a:p>
-        </p:txBody>
-      </p:sp>
-      <p:pic>
-        <p:nvPicPr>
-          <p:cNvPr id="3074" name="Picture 2">
-            <a:extLst>
-              <a:ext uri="{FF2B5EF4-FFF2-40B4-BE49-F238E27FC236}">
-                <a16:creationId xmlns:a16="http://schemas.microsoft.com/office/drawing/2014/main" id="{82445BB9-BF34-4ACC-AE83-12B418CE18C7}"/>
-              </a:ext>
-            </a:extLst>
-          </p:cNvPr>
-          <p:cNvPicPr>
-            <a:picLocks noChangeAspect="1" noChangeArrowheads="1"/>
-          </p:cNvPicPr>
-          <p:nvPr/>
-        </p:nvPicPr>
-        <p:blipFill>
-          <a:blip r:embed="rId2">
-            <a:extLst>
-              <a:ext uri="{28A0092B-C50C-407E-A947-70E740481C1C}">
-                <a14:useLocalDpi xmlns:a14="http://schemas.microsoft.com/office/drawing/2010/main" val="0"/>
-              </a:ext>
-            </a:extLst>
-          </a:blip>
-          <a:srcRect/>
-          <a:stretch>
-            <a:fillRect/>
-          </a:stretch>
-        </p:blipFill>
-        <p:spPr bwMode="auto">
-          <a:xfrm>
-            <a:off x="7056624" y="83322"/>
-            <a:ext cx="4906776" cy="3990738"/>
-          </a:xfrm>
-          <a:prstGeom prst="rect">
-            <a:avLst/>
-          </a:prstGeom>
-          <a:noFill/>
-          <a:extLst>
-            <a:ext uri="{909E8E84-426E-40DD-AFC4-6F175D3DCCD1}">
-              <a14:hiddenFill xmlns:a14="http://schemas.microsoft.com/office/drawing/2010/main">
-                <a:solidFill>
-                  <a:srgbClr val="FFFFFF"/>
-                </a:solidFill>
-              </a14:hiddenFill>
-            </a:ext>
-          </a:extLst>
-        </p:spPr>
-      </p:pic>
-    </p:spTree>
-    <p:extLst>
-      <p:ext uri="{BB962C8B-B14F-4D97-AF65-F5344CB8AC3E}">
-        <p14:creationId xmlns:p14="http://schemas.microsoft.com/office/powerpoint/2010/main" val="1851767812"/>
       </p:ext>
     </p:extLst>
   </p:cSld>
@@ -15178,6 +15383,398 @@
 <file path=ppt/slides/slide20.xml><?xml version="1.0" encoding="utf-8"?>
 <p:sld xmlns:a="http://schemas.openxmlformats.org/drawingml/2006/main" xmlns:r="http://schemas.openxmlformats.org/officeDocument/2006/relationships" xmlns:p="http://schemas.openxmlformats.org/presentationml/2006/main">
   <p:cSld>
+    <p:spTree>
+      <p:nvGrpSpPr>
+        <p:cNvPr id="1" name=""/>
+        <p:cNvGrpSpPr/>
+        <p:nvPr/>
+      </p:nvGrpSpPr>
+      <p:grpSpPr>
+        <a:xfrm>
+          <a:off x="0" y="0"/>
+          <a:ext cx="0" cy="0"/>
+          <a:chOff x="0" y="0"/>
+          <a:chExt cx="0" cy="0"/>
+        </a:xfrm>
+      </p:grpSpPr>
+      <p:sp>
+        <p:nvSpPr>
+          <p:cNvPr id="2" name="TextBox 1">
+            <a:extLst>
+              <a:ext uri="{FF2B5EF4-FFF2-40B4-BE49-F238E27FC236}">
+                <a16:creationId xmlns:a16="http://schemas.microsoft.com/office/drawing/2014/main" id="{1468F06C-1BDB-4A50-B292-8EBB7D5E0A72}"/>
+              </a:ext>
+            </a:extLst>
+          </p:cNvPr>
+          <p:cNvSpPr txBox="1"/>
+          <p:nvPr/>
+        </p:nvSpPr>
+        <p:spPr>
+          <a:xfrm>
+            <a:off x="1456460" y="1449202"/>
+            <a:ext cx="9279079" cy="3785652"/>
+          </a:xfrm>
+          <a:prstGeom prst="rect">
+            <a:avLst/>
+          </a:prstGeom>
+          <a:noFill/>
+        </p:spPr>
+        <p:txBody>
+          <a:bodyPr wrap="none" rtlCol="0">
+            <a:spAutoFit/>
+          </a:bodyPr>
+          <a:lstStyle/>
+          <a:p>
+            <a:r>
+              <a:rPr lang="en-US" sz="2400" dirty="0"/>
+              <a:t>ZID(TRADER):</a:t>
+            </a:r>
+          </a:p>
+          <a:p>
+            <a:endParaRPr lang="en-US" sz="2400" dirty="0"/>
+          </a:p>
+          <a:p>
+            <a:r>
+              <a:rPr lang="en-US" sz="2400" dirty="0"/>
+              <a:t>    MOVE       -&gt;  (dx, </a:t>
+            </a:r>
+            <a:r>
+              <a:rPr lang="en-US" sz="2400" dirty="0" err="1"/>
+              <a:t>dy</a:t>
+            </a:r>
+            <a:r>
+              <a:rPr lang="en-US" sz="2400" dirty="0"/>
+              <a:t>) where dx ~ {-1, 0, +1}, and </a:t>
+            </a:r>
+            <a:r>
+              <a:rPr lang="en-US" sz="2400" dirty="0" err="1"/>
+              <a:t>dy</a:t>
+            </a:r>
+            <a:r>
+              <a:rPr lang="en-US" sz="2400" dirty="0"/>
+              <a:t> ~ {-1, 0, +1}</a:t>
+            </a:r>
+          </a:p>
+          <a:p>
+            <a:r>
+              <a:rPr lang="en-US" sz="2400" dirty="0"/>
+              <a:t>    BID, ASK   -&gt; uniform random budget constrained offer</a:t>
+            </a:r>
+          </a:p>
+          <a:p>
+            <a:r>
+              <a:rPr lang="en-US" sz="2400" dirty="0"/>
+              <a:t>    BUY, SELL -&gt; uniform random budget constrained willingness to accept</a:t>
+            </a:r>
+          </a:p>
+          <a:p>
+            <a:r>
+              <a:rPr lang="en-US" sz="2400" dirty="0"/>
+              <a:t>                      -&gt; uniform random choice of offer </a:t>
+            </a:r>
+          </a:p>
+          <a:p>
+            <a:r>
+              <a:rPr lang="en-US" sz="2400" dirty="0"/>
+              <a:t>ZIDP(ZID):</a:t>
+            </a:r>
+          </a:p>
+          <a:p>
+            <a:endParaRPr lang="en-US" sz="2400" dirty="0"/>
+          </a:p>
+          <a:p>
+            <a:r>
+              <a:rPr lang="en-US" sz="2400" dirty="0"/>
+              <a:t>     BUY, SELL -&gt; uniform random budget constrained willingness to accept</a:t>
+            </a:r>
+          </a:p>
+          <a:p>
+            <a:r>
+              <a:rPr lang="en-US" sz="2400" dirty="0"/>
+              <a:t>  	          -&gt; picks best remaining offer</a:t>
+            </a:r>
+          </a:p>
+        </p:txBody>
+      </p:sp>
+      <p:cxnSp>
+        <p:nvCxnSpPr>
+          <p:cNvPr id="3" name="Straight Connector 2">
+            <a:extLst>
+              <a:ext uri="{FF2B5EF4-FFF2-40B4-BE49-F238E27FC236}">
+                <a16:creationId xmlns:a16="http://schemas.microsoft.com/office/drawing/2014/main" id="{D5EE545B-CA65-4FA5-87D8-B74376B76665}"/>
+              </a:ext>
+            </a:extLst>
+          </p:cNvPr>
+          <p:cNvCxnSpPr/>
+          <p:nvPr/>
+        </p:nvCxnSpPr>
+        <p:spPr>
+          <a:xfrm>
+            <a:off x="1208405" y="143143"/>
+            <a:ext cx="0" cy="690562"/>
+          </a:xfrm>
+          <a:prstGeom prst="line">
+            <a:avLst/>
+          </a:prstGeom>
+          <a:ln w="28575"/>
+        </p:spPr>
+        <p:style>
+          <a:lnRef idx="1">
+            <a:schemeClr val="accent1"/>
+          </a:lnRef>
+          <a:fillRef idx="0">
+            <a:schemeClr val="accent1"/>
+          </a:fillRef>
+          <a:effectRef idx="0">
+            <a:schemeClr val="accent1"/>
+          </a:effectRef>
+          <a:fontRef idx="minor">
+            <a:schemeClr val="tx1"/>
+          </a:fontRef>
+        </p:style>
+      </p:cxnSp>
+      <p:sp>
+        <p:nvSpPr>
+          <p:cNvPr id="4" name="TextBox 3">
+            <a:extLst>
+              <a:ext uri="{FF2B5EF4-FFF2-40B4-BE49-F238E27FC236}">
+                <a16:creationId xmlns:a16="http://schemas.microsoft.com/office/drawing/2014/main" id="{2D727924-724E-4B89-9902-18CB6C7D0DCC}"/>
+              </a:ext>
+            </a:extLst>
+          </p:cNvPr>
+          <p:cNvSpPr txBox="1">
+            <a:spLocks noChangeArrowheads="1"/>
+          </p:cNvSpPr>
+          <p:nvPr/>
+        </p:nvSpPr>
+        <p:spPr bwMode="auto">
+          <a:xfrm>
+            <a:off x="1402080" y="125680"/>
+            <a:ext cx="5970609" cy="707886"/>
+          </a:xfrm>
+          <a:prstGeom prst="rect">
+            <a:avLst/>
+          </a:prstGeom>
+          <a:noFill/>
+          <a:ln>
+            <a:noFill/>
+          </a:ln>
+          <a:extLst>
+            <a:ext uri="{909E8E84-426E-40DD-AFC4-6F175D3DCCD1}">
+              <a14:hiddenFill xmlns:a14="http://schemas.microsoft.com/office/drawing/2010/main">
+                <a:solidFill>
+                  <a:srgbClr val="FFFFFF"/>
+                </a:solidFill>
+              </a14:hiddenFill>
+            </a:ext>
+            <a:ext uri="{91240B29-F687-4F45-9708-019B960494DF}">
+              <a14:hiddenLine xmlns:a14="http://schemas.microsoft.com/office/drawing/2010/main" w="9525">
+                <a:solidFill>
+                  <a:srgbClr val="000000"/>
+                </a:solidFill>
+                <a:miter lim="800000"/>
+                <a:headEnd/>
+                <a:tailEnd/>
+              </a14:hiddenLine>
+            </a:ext>
+          </a:extLst>
+        </p:spPr>
+        <p:txBody>
+          <a:bodyPr wrap="none">
+            <a:spAutoFit/>
+          </a:bodyPr>
+          <a:lstStyle>
+            <a:lvl1pPr>
+              <a:lnSpc>
+                <a:spcPct val="90000"/>
+              </a:lnSpc>
+              <a:spcBef>
+                <a:spcPts val="1000"/>
+              </a:spcBef>
+              <a:buFont typeface="Arial" panose="020B0604020202020204" pitchFamily="34" charset="0"/>
+              <a:buChar char="•"/>
+              <a:defRPr sz="2800">
+                <a:solidFill>
+                  <a:schemeClr val="tx1"/>
+                </a:solidFill>
+                <a:latin typeface="Calibri" panose="020F0502020204030204" pitchFamily="34" charset="0"/>
+              </a:defRPr>
+            </a:lvl1pPr>
+            <a:lvl2pPr marL="742950" indent="-285750">
+              <a:lnSpc>
+                <a:spcPct val="90000"/>
+              </a:lnSpc>
+              <a:spcBef>
+                <a:spcPts val="500"/>
+              </a:spcBef>
+              <a:buFont typeface="Arial" panose="020B0604020202020204" pitchFamily="34" charset="0"/>
+              <a:buChar char="•"/>
+              <a:defRPr sz="2400">
+                <a:solidFill>
+                  <a:schemeClr val="tx1"/>
+                </a:solidFill>
+                <a:latin typeface="Calibri" panose="020F0502020204030204" pitchFamily="34" charset="0"/>
+              </a:defRPr>
+            </a:lvl2pPr>
+            <a:lvl3pPr marL="1143000" indent="-228600">
+              <a:lnSpc>
+                <a:spcPct val="90000"/>
+              </a:lnSpc>
+              <a:spcBef>
+                <a:spcPts val="500"/>
+              </a:spcBef>
+              <a:buFont typeface="Arial" panose="020B0604020202020204" pitchFamily="34" charset="0"/>
+              <a:buChar char="•"/>
+              <a:defRPr sz="2000">
+                <a:solidFill>
+                  <a:schemeClr val="tx1"/>
+                </a:solidFill>
+                <a:latin typeface="Calibri" panose="020F0502020204030204" pitchFamily="34" charset="0"/>
+              </a:defRPr>
+            </a:lvl3pPr>
+            <a:lvl4pPr marL="1600200" indent="-228600">
+              <a:lnSpc>
+                <a:spcPct val="90000"/>
+              </a:lnSpc>
+              <a:spcBef>
+                <a:spcPts val="500"/>
+              </a:spcBef>
+              <a:buFont typeface="Arial" panose="020B0604020202020204" pitchFamily="34" charset="0"/>
+              <a:buChar char="•"/>
+              <a:defRPr>
+                <a:solidFill>
+                  <a:schemeClr val="tx1"/>
+                </a:solidFill>
+                <a:latin typeface="Calibri" panose="020F0502020204030204" pitchFamily="34" charset="0"/>
+              </a:defRPr>
+            </a:lvl4pPr>
+            <a:lvl5pPr marL="2057400" indent="-228600">
+              <a:lnSpc>
+                <a:spcPct val="90000"/>
+              </a:lnSpc>
+              <a:spcBef>
+                <a:spcPts val="500"/>
+              </a:spcBef>
+              <a:buFont typeface="Arial" panose="020B0604020202020204" pitchFamily="34" charset="0"/>
+              <a:buChar char="•"/>
+              <a:defRPr>
+                <a:solidFill>
+                  <a:schemeClr val="tx1"/>
+                </a:solidFill>
+                <a:latin typeface="Calibri" panose="020F0502020204030204" pitchFamily="34" charset="0"/>
+              </a:defRPr>
+            </a:lvl5pPr>
+            <a:lvl6pPr marL="2514600" indent="-228600" eaLnBrk="0" fontAlgn="base" hangingPunct="0">
+              <a:lnSpc>
+                <a:spcPct val="90000"/>
+              </a:lnSpc>
+              <a:spcBef>
+                <a:spcPts val="500"/>
+              </a:spcBef>
+              <a:spcAft>
+                <a:spcPct val="0"/>
+              </a:spcAft>
+              <a:buFont typeface="Arial" panose="020B0604020202020204" pitchFamily="34" charset="0"/>
+              <a:buChar char="•"/>
+              <a:defRPr>
+                <a:solidFill>
+                  <a:schemeClr val="tx1"/>
+                </a:solidFill>
+                <a:latin typeface="Calibri" panose="020F0502020204030204" pitchFamily="34" charset="0"/>
+              </a:defRPr>
+            </a:lvl6pPr>
+            <a:lvl7pPr marL="2971800" indent="-228600" eaLnBrk="0" fontAlgn="base" hangingPunct="0">
+              <a:lnSpc>
+                <a:spcPct val="90000"/>
+              </a:lnSpc>
+              <a:spcBef>
+                <a:spcPts val="500"/>
+              </a:spcBef>
+              <a:spcAft>
+                <a:spcPct val="0"/>
+              </a:spcAft>
+              <a:buFont typeface="Arial" panose="020B0604020202020204" pitchFamily="34" charset="0"/>
+              <a:buChar char="•"/>
+              <a:defRPr>
+                <a:solidFill>
+                  <a:schemeClr val="tx1"/>
+                </a:solidFill>
+                <a:latin typeface="Calibri" panose="020F0502020204030204" pitchFamily="34" charset="0"/>
+              </a:defRPr>
+            </a:lvl7pPr>
+            <a:lvl8pPr marL="3429000" indent="-228600" eaLnBrk="0" fontAlgn="base" hangingPunct="0">
+              <a:lnSpc>
+                <a:spcPct val="90000"/>
+              </a:lnSpc>
+              <a:spcBef>
+                <a:spcPts val="500"/>
+              </a:spcBef>
+              <a:spcAft>
+                <a:spcPct val="0"/>
+              </a:spcAft>
+              <a:buFont typeface="Arial" panose="020B0604020202020204" pitchFamily="34" charset="0"/>
+              <a:buChar char="•"/>
+              <a:defRPr>
+                <a:solidFill>
+                  <a:schemeClr val="tx1"/>
+                </a:solidFill>
+                <a:latin typeface="Calibri" panose="020F0502020204030204" pitchFamily="34" charset="0"/>
+              </a:defRPr>
+            </a:lvl8pPr>
+            <a:lvl9pPr marL="3886200" indent="-228600" eaLnBrk="0" fontAlgn="base" hangingPunct="0">
+              <a:lnSpc>
+                <a:spcPct val="90000"/>
+              </a:lnSpc>
+              <a:spcBef>
+                <a:spcPts val="500"/>
+              </a:spcBef>
+              <a:spcAft>
+                <a:spcPct val="0"/>
+              </a:spcAft>
+              <a:buFont typeface="Arial" panose="020B0604020202020204" pitchFamily="34" charset="0"/>
+              <a:buChar char="•"/>
+              <a:defRPr>
+                <a:solidFill>
+                  <a:schemeClr val="tx1"/>
+                </a:solidFill>
+                <a:latin typeface="Calibri" panose="020F0502020204030204" pitchFamily="34" charset="0"/>
+              </a:defRPr>
+            </a:lvl9pPr>
+          </a:lstStyle>
+          <a:p>
+            <a:pPr eaLnBrk="1" hangingPunct="1">
+              <a:lnSpc>
+                <a:spcPct val="100000"/>
+              </a:lnSpc>
+              <a:spcBef>
+                <a:spcPct val="0"/>
+              </a:spcBef>
+              <a:buFontTx/>
+              <a:buNone/>
+            </a:pPr>
+            <a:r>
+              <a:rPr lang="en-US" altLang="en-US" sz="4000" dirty="0"/>
+              <a:t>Comparing Agent Strategies</a:t>
+            </a:r>
+          </a:p>
+        </p:txBody>
+      </p:sp>
+    </p:spTree>
+    <p:extLst>
+      <p:ext uri="{BB962C8B-B14F-4D97-AF65-F5344CB8AC3E}">
+        <p14:creationId xmlns:p14="http://schemas.microsoft.com/office/powerpoint/2010/main" val="23695304"/>
+      </p:ext>
+    </p:extLst>
+  </p:cSld>
+  <p:clrMapOvr>
+    <a:masterClrMapping/>
+  </p:clrMapOvr>
+</p:sld>
+</file>
+
+<file path=ppt/slides/slide21.xml><?xml version="1.0" encoding="utf-8"?>
+<p:sld xmlns:a="http://schemas.openxmlformats.org/drawingml/2006/main" xmlns:r="http://schemas.openxmlformats.org/officeDocument/2006/relationships" xmlns:p="http://schemas.openxmlformats.org/presentationml/2006/main">
+  <p:cSld>
     <p:bg>
       <p:bgPr>
         <a:solidFill>
@@ -15620,7 +16217,7 @@
         </p:nvSpPr>
         <p:spPr>
           <a:xfrm>
-            <a:off x="1065965" y="2226983"/>
+            <a:off x="715196" y="2226983"/>
             <a:ext cx="5076090" cy="4151376"/>
           </a:xfrm>
           <a:prstGeom prst="rect">
@@ -15649,7 +16246,7 @@
             </a:r>
             <a:r>
               <a:rPr lang="en-US" sz="2000" dirty="0"/>
-              <a:t> = 500</a:t>
+              <a:t> = 100</a:t>
             </a:r>
           </a:p>
           <a:p>
@@ -15828,8 +16425,8 @@
         </p:nvSpPr>
         <p:spPr>
           <a:xfrm>
-            <a:off x="477511" y="1562676"/>
-            <a:ext cx="4041876" cy="369332"/>
+            <a:off x="558791" y="1101012"/>
+            <a:ext cx="3123868" cy="369332"/>
           </a:xfrm>
           <a:prstGeom prst="rect">
             <a:avLst/>
@@ -15844,17 +16441,17 @@
           <a:p>
             <a:r>
               <a:rPr lang="en-US" dirty="0"/>
-              <a:t>Compare Surplus 50%  ZID, and 50% ZIDP</a:t>
+              <a:t>Compare efficiency of ZID, ZIDP</a:t>
             </a:r>
           </a:p>
         </p:txBody>
       </p:sp>
       <p:pic>
         <p:nvPicPr>
-          <p:cNvPr id="4098" name="Picture 2">
+          <p:cNvPr id="3074" name="Picture 2">
             <a:extLst>
               <a:ext uri="{FF2B5EF4-FFF2-40B4-BE49-F238E27FC236}">
-                <a16:creationId xmlns:a16="http://schemas.microsoft.com/office/drawing/2014/main" id="{B53FC8E7-4725-452A-9554-A28E44B6EDD6}"/>
+                <a16:creationId xmlns:a16="http://schemas.microsoft.com/office/drawing/2014/main" id="{82445BB9-BF34-4ACC-AE83-12B418CE18C7}"/>
               </a:ext>
             </a:extLst>
           </p:cNvPr>
@@ -15878,8 +16475,8 @@
         </p:blipFill>
         <p:spPr bwMode="auto">
           <a:xfrm>
-            <a:off x="6908758" y="237231"/>
-            <a:ext cx="4805731" cy="3827776"/>
+            <a:off x="7056624" y="83322"/>
+            <a:ext cx="4906776" cy="3990738"/>
           </a:xfrm>
           <a:prstGeom prst="rect">
             <a:avLst/>
@@ -15899,452 +16496,12 @@
     </p:spTree>
     <p:extLst>
       <p:ext uri="{BB962C8B-B14F-4D97-AF65-F5344CB8AC3E}">
-        <p14:creationId xmlns:p14="http://schemas.microsoft.com/office/powerpoint/2010/main" val="3354474471"/>
+        <p14:creationId xmlns:p14="http://schemas.microsoft.com/office/powerpoint/2010/main" val="1851767812"/>
       </p:ext>
     </p:extLst>
   </p:cSld>
   <p:clrMapOvr>
     <a:overrideClrMapping bg1="dk1" tx1="lt1" bg2="dk2" tx2="lt2" accent1="accent1" accent2="accent2" accent3="accent3" accent4="accent4" accent5="accent5" accent6="accent6" hlink="hlink" folHlink="folHlink"/>
-  </p:clrMapOvr>
-</p:sld>
-</file>
-
-<file path=ppt/slides/slide21.xml><?xml version="1.0" encoding="utf-8"?>
-<p:sld xmlns:a="http://schemas.openxmlformats.org/drawingml/2006/main" xmlns:r="http://schemas.openxmlformats.org/officeDocument/2006/relationships" xmlns:p="http://schemas.openxmlformats.org/presentationml/2006/main">
-  <p:cSld>
-    <p:spTree>
-      <p:nvGrpSpPr>
-        <p:cNvPr id="1" name=""/>
-        <p:cNvGrpSpPr/>
-        <p:nvPr/>
-      </p:nvGrpSpPr>
-      <p:grpSpPr>
-        <a:xfrm>
-          <a:off x="0" y="0"/>
-          <a:ext cx="0" cy="0"/>
-          <a:chOff x="0" y="0"/>
-          <a:chExt cx="0" cy="0"/>
-        </a:xfrm>
-      </p:grpSpPr>
-      <p:sp>
-        <p:nvSpPr>
-          <p:cNvPr id="4" name="TextBox 3">
-            <a:extLst>
-              <a:ext uri="{FF2B5EF4-FFF2-40B4-BE49-F238E27FC236}">
-                <a16:creationId xmlns:a16="http://schemas.microsoft.com/office/drawing/2014/main" id="{EA4472BF-0F9C-4520-BA65-EFFD53AE59AA}"/>
-              </a:ext>
-            </a:extLst>
-          </p:cNvPr>
-          <p:cNvSpPr txBox="1"/>
-          <p:nvPr/>
-        </p:nvSpPr>
-        <p:spPr>
-          <a:xfrm>
-            <a:off x="1402080" y="1177597"/>
-            <a:ext cx="9567876" cy="5262979"/>
-          </a:xfrm>
-          <a:prstGeom prst="rect">
-            <a:avLst/>
-          </a:prstGeom>
-          <a:noFill/>
-        </p:spPr>
-        <p:txBody>
-          <a:bodyPr wrap="none" rtlCol="0">
-            <a:spAutoFit/>
-          </a:bodyPr>
-          <a:lstStyle/>
-          <a:p>
-            <a:r>
-              <a:rPr lang="en-US" sz="2400" dirty="0"/>
-              <a:t>ZID(TRADER):</a:t>
-            </a:r>
-          </a:p>
-          <a:p>
-            <a:r>
-              <a:rPr lang="en-US" sz="2400" dirty="0"/>
-              <a:t>    MOVE       -&gt;  (dx, </a:t>
-            </a:r>
-            <a:r>
-              <a:rPr lang="en-US" sz="2400" dirty="0" err="1"/>
-              <a:t>dy</a:t>
-            </a:r>
-            <a:r>
-              <a:rPr lang="en-US" sz="2400" dirty="0"/>
-              <a:t>) where dx ~ {-1, 0, +1}, and </a:t>
-            </a:r>
-            <a:r>
-              <a:rPr lang="en-US" sz="2400" dirty="0" err="1"/>
-              <a:t>dy</a:t>
-            </a:r>
-            <a:r>
-              <a:rPr lang="en-US" sz="2400" dirty="0"/>
-              <a:t> ~ {-1, 0, +1}</a:t>
-            </a:r>
-          </a:p>
-          <a:p>
-            <a:r>
-              <a:rPr lang="en-US" sz="2400" dirty="0"/>
-              <a:t>    BID, ASK   -&gt; uniform random budget constrained offer</a:t>
-            </a:r>
-          </a:p>
-          <a:p>
-            <a:r>
-              <a:rPr lang="en-US" sz="2400" dirty="0"/>
-              <a:t>    BUY, SELL -&gt; uniform random budget constrained willingness to accept</a:t>
-            </a:r>
-          </a:p>
-          <a:p>
-            <a:r>
-              <a:rPr lang="en-US" sz="2400" dirty="0"/>
-              <a:t>                      -&gt; uniform random choice of offer </a:t>
-            </a:r>
-          </a:p>
-          <a:p>
-            <a:r>
-              <a:rPr lang="en-US" sz="2400" dirty="0"/>
-              <a:t>ZIDP(ZID):</a:t>
-            </a:r>
-          </a:p>
-          <a:p>
-            <a:r>
-              <a:rPr lang="en-US" sz="2400" dirty="0"/>
-              <a:t>     BUY, SELL -&gt; uniform random budget constrained willingness to accept</a:t>
-            </a:r>
-          </a:p>
-          <a:p>
-            <a:r>
-              <a:rPr lang="en-US" sz="2400" dirty="0"/>
-              <a:t>  	          -&gt; picks best remaining offer</a:t>
-            </a:r>
-          </a:p>
-          <a:p>
-            <a:r>
-              <a:rPr lang="en-US" sz="2400" dirty="0"/>
-              <a:t>ZIDA(ZID):</a:t>
-            </a:r>
-          </a:p>
-          <a:p>
-            <a:r>
-              <a:rPr lang="en-US" sz="2400" dirty="0"/>
-              <a:t>      MOVE     -&gt; if contract at point -&gt; don’t move (dx, </a:t>
-            </a:r>
-            <a:r>
-              <a:rPr lang="en-US" sz="2400" dirty="0" err="1"/>
-              <a:t>dy</a:t>
-            </a:r>
-            <a:r>
-              <a:rPr lang="en-US" sz="2400" dirty="0"/>
-              <a:t>) = (0, 0)</a:t>
-            </a:r>
-          </a:p>
-          <a:p>
-            <a:r>
-              <a:rPr lang="en-US" sz="2400" dirty="0"/>
-              <a:t> 	         -&gt; otherwise, (dx, </a:t>
-            </a:r>
-            <a:r>
-              <a:rPr lang="en-US" sz="2400" dirty="0" err="1"/>
-              <a:t>dy</a:t>
-            </a:r>
-            <a:r>
-              <a:rPr lang="en-US" sz="2400" dirty="0"/>
-              <a:t>) where dx ~ {-1, 0, +1}, and </a:t>
-            </a:r>
-            <a:r>
-              <a:rPr lang="en-US" sz="2400" dirty="0" err="1"/>
-              <a:t>dy</a:t>
-            </a:r>
-            <a:r>
-              <a:rPr lang="en-US" sz="2400" dirty="0"/>
-              <a:t> ~ {-1, 0, +1}</a:t>
-            </a:r>
-          </a:p>
-          <a:p>
-            <a:endParaRPr lang="en-US" sz="2400" dirty="0"/>
-          </a:p>
-          <a:p>
-            <a:r>
-              <a:rPr lang="en-US" sz="2400" dirty="0"/>
-              <a:t>ZIDPA(ZIDP, ZIDA)</a:t>
-            </a:r>
-          </a:p>
-          <a:p>
-            <a:endParaRPr lang="en-US" sz="2400" dirty="0"/>
-          </a:p>
-        </p:txBody>
-      </p:sp>
-      <p:cxnSp>
-        <p:nvCxnSpPr>
-          <p:cNvPr id="5" name="Straight Connector 4">
-            <a:extLst>
-              <a:ext uri="{FF2B5EF4-FFF2-40B4-BE49-F238E27FC236}">
-                <a16:creationId xmlns:a16="http://schemas.microsoft.com/office/drawing/2014/main" id="{C9F23B88-0368-4FA5-86C4-F39BFD5A2D90}"/>
-              </a:ext>
-            </a:extLst>
-          </p:cNvPr>
-          <p:cNvCxnSpPr/>
-          <p:nvPr/>
-        </p:nvCxnSpPr>
-        <p:spPr>
-          <a:xfrm>
-            <a:off x="1208405" y="143143"/>
-            <a:ext cx="0" cy="690562"/>
-          </a:xfrm>
-          <a:prstGeom prst="line">
-            <a:avLst/>
-          </a:prstGeom>
-          <a:ln w="28575"/>
-        </p:spPr>
-        <p:style>
-          <a:lnRef idx="1">
-            <a:schemeClr val="accent1"/>
-          </a:lnRef>
-          <a:fillRef idx="0">
-            <a:schemeClr val="accent1"/>
-          </a:fillRef>
-          <a:effectRef idx="0">
-            <a:schemeClr val="accent1"/>
-          </a:effectRef>
-          <a:fontRef idx="minor">
-            <a:schemeClr val="tx1"/>
-          </a:fontRef>
-        </p:style>
-      </p:cxnSp>
-      <p:sp>
-        <p:nvSpPr>
-          <p:cNvPr id="6" name="TextBox 3">
-            <a:extLst>
-              <a:ext uri="{FF2B5EF4-FFF2-40B4-BE49-F238E27FC236}">
-                <a16:creationId xmlns:a16="http://schemas.microsoft.com/office/drawing/2014/main" id="{4B65775E-8EF1-42F1-B7FC-EF34276B5B0D}"/>
-              </a:ext>
-            </a:extLst>
-          </p:cNvPr>
-          <p:cNvSpPr txBox="1">
-            <a:spLocks noChangeArrowheads="1"/>
-          </p:cNvSpPr>
-          <p:nvPr/>
-        </p:nvSpPr>
-        <p:spPr bwMode="auto">
-          <a:xfrm>
-            <a:off x="1402080" y="125680"/>
-            <a:ext cx="5970609" cy="707886"/>
-          </a:xfrm>
-          <a:prstGeom prst="rect">
-            <a:avLst/>
-          </a:prstGeom>
-          <a:noFill/>
-          <a:ln>
-            <a:noFill/>
-          </a:ln>
-          <a:extLst>
-            <a:ext uri="{909E8E84-426E-40DD-AFC4-6F175D3DCCD1}">
-              <a14:hiddenFill xmlns:a14="http://schemas.microsoft.com/office/drawing/2010/main">
-                <a:solidFill>
-                  <a:srgbClr val="FFFFFF"/>
-                </a:solidFill>
-              </a14:hiddenFill>
-            </a:ext>
-            <a:ext uri="{91240B29-F687-4F45-9708-019B960494DF}">
-              <a14:hiddenLine xmlns:a14="http://schemas.microsoft.com/office/drawing/2010/main" w="9525">
-                <a:solidFill>
-                  <a:srgbClr val="000000"/>
-                </a:solidFill>
-                <a:miter lim="800000"/>
-                <a:headEnd/>
-                <a:tailEnd/>
-              </a14:hiddenLine>
-            </a:ext>
-          </a:extLst>
-        </p:spPr>
-        <p:txBody>
-          <a:bodyPr wrap="none">
-            <a:spAutoFit/>
-          </a:bodyPr>
-          <a:lstStyle>
-            <a:lvl1pPr>
-              <a:lnSpc>
-                <a:spcPct val="90000"/>
-              </a:lnSpc>
-              <a:spcBef>
-                <a:spcPts val="1000"/>
-              </a:spcBef>
-              <a:buFont typeface="Arial" panose="020B0604020202020204" pitchFamily="34" charset="0"/>
-              <a:buChar char="•"/>
-              <a:defRPr sz="2800">
-                <a:solidFill>
-                  <a:schemeClr val="tx1"/>
-                </a:solidFill>
-                <a:latin typeface="Calibri" panose="020F0502020204030204" pitchFamily="34" charset="0"/>
-              </a:defRPr>
-            </a:lvl1pPr>
-            <a:lvl2pPr marL="742950" indent="-285750">
-              <a:lnSpc>
-                <a:spcPct val="90000"/>
-              </a:lnSpc>
-              <a:spcBef>
-                <a:spcPts val="500"/>
-              </a:spcBef>
-              <a:buFont typeface="Arial" panose="020B0604020202020204" pitchFamily="34" charset="0"/>
-              <a:buChar char="•"/>
-              <a:defRPr sz="2400">
-                <a:solidFill>
-                  <a:schemeClr val="tx1"/>
-                </a:solidFill>
-                <a:latin typeface="Calibri" panose="020F0502020204030204" pitchFamily="34" charset="0"/>
-              </a:defRPr>
-            </a:lvl2pPr>
-            <a:lvl3pPr marL="1143000" indent="-228600">
-              <a:lnSpc>
-                <a:spcPct val="90000"/>
-              </a:lnSpc>
-              <a:spcBef>
-                <a:spcPts val="500"/>
-              </a:spcBef>
-              <a:buFont typeface="Arial" panose="020B0604020202020204" pitchFamily="34" charset="0"/>
-              <a:buChar char="•"/>
-              <a:defRPr sz="2000">
-                <a:solidFill>
-                  <a:schemeClr val="tx1"/>
-                </a:solidFill>
-                <a:latin typeface="Calibri" panose="020F0502020204030204" pitchFamily="34" charset="0"/>
-              </a:defRPr>
-            </a:lvl3pPr>
-            <a:lvl4pPr marL="1600200" indent="-228600">
-              <a:lnSpc>
-                <a:spcPct val="90000"/>
-              </a:lnSpc>
-              <a:spcBef>
-                <a:spcPts val="500"/>
-              </a:spcBef>
-              <a:buFont typeface="Arial" panose="020B0604020202020204" pitchFamily="34" charset="0"/>
-              <a:buChar char="•"/>
-              <a:defRPr>
-                <a:solidFill>
-                  <a:schemeClr val="tx1"/>
-                </a:solidFill>
-                <a:latin typeface="Calibri" panose="020F0502020204030204" pitchFamily="34" charset="0"/>
-              </a:defRPr>
-            </a:lvl4pPr>
-            <a:lvl5pPr marL="2057400" indent="-228600">
-              <a:lnSpc>
-                <a:spcPct val="90000"/>
-              </a:lnSpc>
-              <a:spcBef>
-                <a:spcPts val="500"/>
-              </a:spcBef>
-              <a:buFont typeface="Arial" panose="020B0604020202020204" pitchFamily="34" charset="0"/>
-              <a:buChar char="•"/>
-              <a:defRPr>
-                <a:solidFill>
-                  <a:schemeClr val="tx1"/>
-                </a:solidFill>
-                <a:latin typeface="Calibri" panose="020F0502020204030204" pitchFamily="34" charset="0"/>
-              </a:defRPr>
-            </a:lvl5pPr>
-            <a:lvl6pPr marL="2514600" indent="-228600" eaLnBrk="0" fontAlgn="base" hangingPunct="0">
-              <a:lnSpc>
-                <a:spcPct val="90000"/>
-              </a:lnSpc>
-              <a:spcBef>
-                <a:spcPts val="500"/>
-              </a:spcBef>
-              <a:spcAft>
-                <a:spcPct val="0"/>
-              </a:spcAft>
-              <a:buFont typeface="Arial" panose="020B0604020202020204" pitchFamily="34" charset="0"/>
-              <a:buChar char="•"/>
-              <a:defRPr>
-                <a:solidFill>
-                  <a:schemeClr val="tx1"/>
-                </a:solidFill>
-                <a:latin typeface="Calibri" panose="020F0502020204030204" pitchFamily="34" charset="0"/>
-              </a:defRPr>
-            </a:lvl6pPr>
-            <a:lvl7pPr marL="2971800" indent="-228600" eaLnBrk="0" fontAlgn="base" hangingPunct="0">
-              <a:lnSpc>
-                <a:spcPct val="90000"/>
-              </a:lnSpc>
-              <a:spcBef>
-                <a:spcPts val="500"/>
-              </a:spcBef>
-              <a:spcAft>
-                <a:spcPct val="0"/>
-              </a:spcAft>
-              <a:buFont typeface="Arial" panose="020B0604020202020204" pitchFamily="34" charset="0"/>
-              <a:buChar char="•"/>
-              <a:defRPr>
-                <a:solidFill>
-                  <a:schemeClr val="tx1"/>
-                </a:solidFill>
-                <a:latin typeface="Calibri" panose="020F0502020204030204" pitchFamily="34" charset="0"/>
-              </a:defRPr>
-            </a:lvl7pPr>
-            <a:lvl8pPr marL="3429000" indent="-228600" eaLnBrk="0" fontAlgn="base" hangingPunct="0">
-              <a:lnSpc>
-                <a:spcPct val="90000"/>
-              </a:lnSpc>
-              <a:spcBef>
-                <a:spcPts val="500"/>
-              </a:spcBef>
-              <a:spcAft>
-                <a:spcPct val="0"/>
-              </a:spcAft>
-              <a:buFont typeface="Arial" panose="020B0604020202020204" pitchFamily="34" charset="0"/>
-              <a:buChar char="•"/>
-              <a:defRPr>
-                <a:solidFill>
-                  <a:schemeClr val="tx1"/>
-                </a:solidFill>
-                <a:latin typeface="Calibri" panose="020F0502020204030204" pitchFamily="34" charset="0"/>
-              </a:defRPr>
-            </a:lvl8pPr>
-            <a:lvl9pPr marL="3886200" indent="-228600" eaLnBrk="0" fontAlgn="base" hangingPunct="0">
-              <a:lnSpc>
-                <a:spcPct val="90000"/>
-              </a:lnSpc>
-              <a:spcBef>
-                <a:spcPts val="500"/>
-              </a:spcBef>
-              <a:spcAft>
-                <a:spcPct val="0"/>
-              </a:spcAft>
-              <a:buFont typeface="Arial" panose="020B0604020202020204" pitchFamily="34" charset="0"/>
-              <a:buChar char="•"/>
-              <a:defRPr>
-                <a:solidFill>
-                  <a:schemeClr val="tx1"/>
-                </a:solidFill>
-                <a:latin typeface="Calibri" panose="020F0502020204030204" pitchFamily="34" charset="0"/>
-              </a:defRPr>
-            </a:lvl9pPr>
-          </a:lstStyle>
-          <a:p>
-            <a:pPr eaLnBrk="1" hangingPunct="1">
-              <a:lnSpc>
-                <a:spcPct val="100000"/>
-              </a:lnSpc>
-              <a:spcBef>
-                <a:spcPct val="0"/>
-              </a:spcBef>
-              <a:buFontTx/>
-              <a:buNone/>
-            </a:pPr>
-            <a:r>
-              <a:rPr lang="en-US" altLang="en-US" sz="4000" dirty="0"/>
-              <a:t>Comparing Agent Strategies</a:t>
-            </a:r>
-          </a:p>
-        </p:txBody>
-      </p:sp>
-    </p:spTree>
-    <p:extLst>
-      <p:ext uri="{BB962C8B-B14F-4D97-AF65-F5344CB8AC3E}">
-        <p14:creationId xmlns:p14="http://schemas.microsoft.com/office/powerpoint/2010/main" val="1716797533"/>
-      </p:ext>
-    </p:extLst>
-  </p:cSld>
-  <p:clrMapOvr>
-    <a:masterClrMapping/>
   </p:clrMapOvr>
 </p:sld>
 </file>
@@ -17003,7 +17160,7 @@
         <p:spPr>
           <a:xfrm>
             <a:off x="477511" y="1562676"/>
-            <a:ext cx="4304448" cy="369332"/>
+            <a:ext cx="4041876" cy="369332"/>
           </a:xfrm>
           <a:prstGeom prst="rect">
             <a:avLst/>
@@ -17018,17 +17175,17 @@
           <a:p>
             <a:r>
               <a:rPr lang="en-US" dirty="0"/>
-              <a:t>Compare Surplus 50%  ZIDA, and 50% ZIDPA</a:t>
+              <a:t>Compare Surplus 50%  ZID, and 50% ZIDP</a:t>
             </a:r>
           </a:p>
         </p:txBody>
       </p:sp>
       <p:pic>
         <p:nvPicPr>
-          <p:cNvPr id="6150" name="Picture 6">
+          <p:cNvPr id="4098" name="Picture 2">
             <a:extLst>
               <a:ext uri="{FF2B5EF4-FFF2-40B4-BE49-F238E27FC236}">
-                <a16:creationId xmlns:a16="http://schemas.microsoft.com/office/drawing/2014/main" id="{D21A56DF-8583-44B0-8DF4-4AB99C11A7A4}"/>
+                <a16:creationId xmlns:a16="http://schemas.microsoft.com/office/drawing/2014/main" id="{B53FC8E7-4725-452A-9554-A28E44B6EDD6}"/>
               </a:ext>
             </a:extLst>
           </p:cNvPr>
@@ -17052,8 +17209,8 @@
         </p:blipFill>
         <p:spPr bwMode="auto">
           <a:xfrm>
-            <a:off x="7049694" y="213773"/>
-            <a:ext cx="4823815" cy="3842180"/>
+            <a:off x="6908758" y="237231"/>
+            <a:ext cx="4805731" cy="3827776"/>
           </a:xfrm>
           <a:prstGeom prst="rect">
             <a:avLst/>
@@ -17073,7 +17230,7 @@
     </p:spTree>
     <p:extLst>
       <p:ext uri="{BB962C8B-B14F-4D97-AF65-F5344CB8AC3E}">
-        <p14:creationId xmlns:p14="http://schemas.microsoft.com/office/powerpoint/2010/main" val="350802237"/>
+        <p14:creationId xmlns:p14="http://schemas.microsoft.com/office/powerpoint/2010/main" val="3354474471"/>
       </p:ext>
     </p:extLst>
   </p:cSld>
@@ -17114,8 +17271,8 @@
         </p:nvSpPr>
         <p:spPr>
           <a:xfrm>
-            <a:off x="1539443" y="833566"/>
-            <a:ext cx="9636805" cy="5632311"/>
+            <a:off x="1402080" y="1177597"/>
+            <a:ext cx="9567876" cy="5262979"/>
           </a:xfrm>
           <a:prstGeom prst="rect">
             <a:avLst/>
@@ -17192,32 +17349,15 @@
             </a:r>
           </a:p>
           <a:p>
-            <a:endParaRPr lang="en-US" sz="2400" dirty="0"/>
-          </a:p>
-          <a:p>
             <a:r>
               <a:rPr lang="en-US" sz="2400" dirty="0"/>
-              <a:t>ZIDPR(ZIDP)</a:t>
+              <a:t>ZIDA(ZID):</a:t>
             </a:r>
           </a:p>
           <a:p>
             <a:r>
               <a:rPr lang="en-US" sz="2400" dirty="0"/>
-              <a:t>       MOVE     -&gt; </a:t>
-            </a:r>
-            <a:r>
-              <a:rPr lang="en-US" sz="2400" dirty="0" err="1"/>
-              <a:t>num_agents</a:t>
-            </a:r>
-            <a:r>
-              <a:rPr lang="en-US" sz="2400" dirty="0"/>
-              <a:t> at point &gt; 2:</a:t>
-            </a:r>
-          </a:p>
-          <a:p>
-            <a:r>
-              <a:rPr lang="en-US" sz="2400" dirty="0"/>
-              <a:t>		 	(dx, </a:t>
+              <a:t>      MOVE     -&gt; if contract at point -&gt; don’t move (dx, </a:t>
             </a:r>
             <a:r>
               <a:rPr lang="en-US" sz="2400" dirty="0" err="1"/>
@@ -17225,7 +17365,13 @@
             </a:r>
             <a:r>
               <a:rPr lang="en-US" sz="2400" dirty="0"/>
-              <a:t>) where dx ~ {-1,  +1} and </a:t>
+              <a:t>) = (0, 0)</a:t>
+            </a:r>
+          </a:p>
+          <a:p>
+            <a:r>
+              <a:rPr lang="en-US" sz="2400" dirty="0"/>
+              <a:t> 	         -&gt; otherwise, (dx, </a:t>
             </a:r>
             <a:r>
               <a:rPr lang="en-US" sz="2400" dirty="0" err="1"/>
@@ -17233,13 +17379,7 @@
             </a:r>
             <a:r>
               <a:rPr lang="en-US" sz="2400" dirty="0"/>
-              <a:t> ~ {-1,  +1}</a:t>
-            </a:r>
-          </a:p>
-          <a:p>
-            <a:r>
-              <a:rPr lang="en-US" sz="2400" dirty="0"/>
-              <a:t>	          -&gt; otherwise, (dx, </a:t>
+              <a:t>) where dx ~ {-1, 0, +1}, and </a:t>
             </a:r>
             <a:r>
               <a:rPr lang="en-US" sz="2400" dirty="0" err="1"/>
@@ -17247,19 +17387,17 @@
             </a:r>
             <a:r>
               <a:rPr lang="en-US" sz="2400" dirty="0"/>
-              <a:t>) where dx ~ {-1, 0, +1}, and </a:t>
-            </a:r>
-            <a:r>
-              <a:rPr lang="en-US" sz="2400" dirty="0" err="1"/>
-              <a:t>dy</a:t>
-            </a:r>
+              <a:t> ~ {-1, 0, +1}</a:t>
+            </a:r>
+          </a:p>
+          <a:p>
+            <a:endParaRPr lang="en-US" sz="2400" dirty="0"/>
+          </a:p>
+          <a:p>
             <a:r>
               <a:rPr lang="en-US" sz="2400" dirty="0"/>
-              <a:t> ~ {-1, 0, +1}</a:t>
-            </a:r>
-          </a:p>
-          <a:p>
-            <a:endParaRPr lang="en-US" sz="2400" dirty="0"/>
+              <a:t>ZIDPA(ZIDP, ZIDA)</a:t>
+            </a:r>
           </a:p>
           <a:p>
             <a:endParaRPr lang="en-US" sz="2400" dirty="0"/>
@@ -17532,7 +17670,7 @@
     </p:spTree>
     <p:extLst>
       <p:ext uri="{BB962C8B-B14F-4D97-AF65-F5344CB8AC3E}">
-        <p14:creationId xmlns:p14="http://schemas.microsoft.com/office/powerpoint/2010/main" val="3926151893"/>
+        <p14:creationId xmlns:p14="http://schemas.microsoft.com/office/powerpoint/2010/main" val="1716797533"/>
       </p:ext>
     </p:extLst>
   </p:cSld>
@@ -17987,7 +18125,7 @@
         </p:nvSpPr>
         <p:spPr>
           <a:xfrm>
-            <a:off x="715196" y="2226983"/>
+            <a:off x="1065965" y="2226983"/>
             <a:ext cx="5076090" cy="4151376"/>
           </a:xfrm>
           <a:prstGeom prst="rect">
@@ -18016,7 +18154,7 @@
             </a:r>
             <a:r>
               <a:rPr lang="en-US" sz="2000" dirty="0"/>
-              <a:t> = 100</a:t>
+              <a:t> = 500</a:t>
             </a:r>
           </a:p>
           <a:p>
@@ -18195,8 +18333,8 @@
         </p:nvSpPr>
         <p:spPr>
           <a:xfrm>
-            <a:off x="558791" y="1101012"/>
-            <a:ext cx="4767074" cy="369332"/>
+            <a:off x="477511" y="1562676"/>
+            <a:ext cx="4304448" cy="369332"/>
           </a:xfrm>
           <a:prstGeom prst="rect">
             <a:avLst/>
@@ -18211,17 +18349,17 @@
           <a:p>
             <a:r>
               <a:rPr lang="en-US" dirty="0"/>
-              <a:t>Compare efficiency of ZID, ZIDP,  ZIDA, and ZIDPR</a:t>
+              <a:t>Compare Surplus 50%  ZIDA, and 50% ZIDPA</a:t>
             </a:r>
           </a:p>
         </p:txBody>
       </p:sp>
       <p:pic>
         <p:nvPicPr>
-          <p:cNvPr id="5124" name="Picture 4">
+          <p:cNvPr id="6150" name="Picture 6">
             <a:extLst>
               <a:ext uri="{FF2B5EF4-FFF2-40B4-BE49-F238E27FC236}">
-                <a16:creationId xmlns:a16="http://schemas.microsoft.com/office/drawing/2014/main" id="{F3E9EFAD-15CA-4EC7-9500-0CA2A5C2F1C1}"/>
+                <a16:creationId xmlns:a16="http://schemas.microsoft.com/office/drawing/2014/main" id="{D21A56DF-8583-44B0-8DF4-4AB99C11A7A4}"/>
               </a:ext>
             </a:extLst>
           </p:cNvPr>
@@ -18245,8 +18383,8 @@
         </p:blipFill>
         <p:spPr bwMode="auto">
           <a:xfrm>
-            <a:off x="7008272" y="194679"/>
-            <a:ext cx="4803253" cy="3906542"/>
+            <a:off x="7049694" y="213773"/>
+            <a:ext cx="4823815" cy="3842180"/>
           </a:xfrm>
           <a:prstGeom prst="rect">
             <a:avLst/>
@@ -18266,7 +18404,7 @@
     </p:spTree>
     <p:extLst>
       <p:ext uri="{BB962C8B-B14F-4D97-AF65-F5344CB8AC3E}">
-        <p14:creationId xmlns:p14="http://schemas.microsoft.com/office/powerpoint/2010/main" val="1748389431"/>
+        <p14:creationId xmlns:p14="http://schemas.microsoft.com/office/powerpoint/2010/main" val="350802237"/>
       </p:ext>
     </p:extLst>
   </p:cSld>
@@ -18277,6 +18415,465 @@
 </file>
 
 <file path=ppt/slides/slide25.xml><?xml version="1.0" encoding="utf-8"?>
+<p:sld xmlns:a="http://schemas.openxmlformats.org/drawingml/2006/main" xmlns:r="http://schemas.openxmlformats.org/officeDocument/2006/relationships" xmlns:p="http://schemas.openxmlformats.org/presentationml/2006/main">
+  <p:cSld>
+    <p:spTree>
+      <p:nvGrpSpPr>
+        <p:cNvPr id="1" name=""/>
+        <p:cNvGrpSpPr/>
+        <p:nvPr/>
+      </p:nvGrpSpPr>
+      <p:grpSpPr>
+        <a:xfrm>
+          <a:off x="0" y="0"/>
+          <a:ext cx="0" cy="0"/>
+          <a:chOff x="0" y="0"/>
+          <a:chExt cx="0" cy="0"/>
+        </a:xfrm>
+      </p:grpSpPr>
+      <p:sp>
+        <p:nvSpPr>
+          <p:cNvPr id="4" name="TextBox 3">
+            <a:extLst>
+              <a:ext uri="{FF2B5EF4-FFF2-40B4-BE49-F238E27FC236}">
+                <a16:creationId xmlns:a16="http://schemas.microsoft.com/office/drawing/2014/main" id="{EA4472BF-0F9C-4520-BA65-EFFD53AE59AA}"/>
+              </a:ext>
+            </a:extLst>
+          </p:cNvPr>
+          <p:cNvSpPr txBox="1"/>
+          <p:nvPr/>
+        </p:nvSpPr>
+        <p:spPr>
+          <a:xfrm>
+            <a:off x="1539443" y="833566"/>
+            <a:ext cx="9636805" cy="5632311"/>
+          </a:xfrm>
+          <a:prstGeom prst="rect">
+            <a:avLst/>
+          </a:prstGeom>
+          <a:noFill/>
+        </p:spPr>
+        <p:txBody>
+          <a:bodyPr wrap="none" rtlCol="0">
+            <a:spAutoFit/>
+          </a:bodyPr>
+          <a:lstStyle/>
+          <a:p>
+            <a:r>
+              <a:rPr lang="en-US" sz="2400" dirty="0"/>
+              <a:t>ZID(TRADER):</a:t>
+            </a:r>
+          </a:p>
+          <a:p>
+            <a:r>
+              <a:rPr lang="en-US" sz="2400" dirty="0"/>
+              <a:t>    MOVE       -&gt;  (dx, </a:t>
+            </a:r>
+            <a:r>
+              <a:rPr lang="en-US" sz="2400" dirty="0" err="1"/>
+              <a:t>dy</a:t>
+            </a:r>
+            <a:r>
+              <a:rPr lang="en-US" sz="2400" dirty="0"/>
+              <a:t>) where dx ~ {-1, 0, +1}, and </a:t>
+            </a:r>
+            <a:r>
+              <a:rPr lang="en-US" sz="2400" dirty="0" err="1"/>
+              <a:t>dy</a:t>
+            </a:r>
+            <a:r>
+              <a:rPr lang="en-US" sz="2400" dirty="0"/>
+              <a:t> ~ {-1, 0, +1}</a:t>
+            </a:r>
+          </a:p>
+          <a:p>
+            <a:r>
+              <a:rPr lang="en-US" sz="2400" dirty="0"/>
+              <a:t>    BID, ASK   -&gt; uniform random budget constrained offer</a:t>
+            </a:r>
+          </a:p>
+          <a:p>
+            <a:r>
+              <a:rPr lang="en-US" sz="2400" dirty="0"/>
+              <a:t>    BUY, SELL -&gt; uniform random budget constrained willingness to accept</a:t>
+            </a:r>
+          </a:p>
+          <a:p>
+            <a:r>
+              <a:rPr lang="en-US" sz="2400" dirty="0"/>
+              <a:t>                      -&gt; uniform random choice of offer </a:t>
+            </a:r>
+          </a:p>
+          <a:p>
+            <a:r>
+              <a:rPr lang="en-US" sz="2400" dirty="0"/>
+              <a:t>ZIDP(ZID):</a:t>
+            </a:r>
+          </a:p>
+          <a:p>
+            <a:r>
+              <a:rPr lang="en-US" sz="2400" dirty="0"/>
+              <a:t>     BUY, SELL -&gt; uniform random budget constrained willingness to accept</a:t>
+            </a:r>
+          </a:p>
+          <a:p>
+            <a:r>
+              <a:rPr lang="en-US" sz="2400" dirty="0"/>
+              <a:t>  	          -&gt; picks best remaining offer</a:t>
+            </a:r>
+          </a:p>
+          <a:p>
+            <a:endParaRPr lang="en-US" sz="2400" dirty="0"/>
+          </a:p>
+          <a:p>
+            <a:r>
+              <a:rPr lang="en-US" sz="2400" dirty="0"/>
+              <a:t>ZIDPR(ZIDP)</a:t>
+            </a:r>
+          </a:p>
+          <a:p>
+            <a:r>
+              <a:rPr lang="en-US" sz="2400" dirty="0"/>
+              <a:t>       MOVE     -&gt; </a:t>
+            </a:r>
+            <a:r>
+              <a:rPr lang="en-US" sz="2400" dirty="0" err="1"/>
+              <a:t>num_agents</a:t>
+            </a:r>
+            <a:r>
+              <a:rPr lang="en-US" sz="2400" dirty="0"/>
+              <a:t> at point &gt; 2:</a:t>
+            </a:r>
+          </a:p>
+          <a:p>
+            <a:r>
+              <a:rPr lang="en-US" sz="2400" dirty="0"/>
+              <a:t>		 	(dx, </a:t>
+            </a:r>
+            <a:r>
+              <a:rPr lang="en-US" sz="2400" dirty="0" err="1"/>
+              <a:t>dy</a:t>
+            </a:r>
+            <a:r>
+              <a:rPr lang="en-US" sz="2400" dirty="0"/>
+              <a:t>) where dx ~ {-1,  +1} and </a:t>
+            </a:r>
+            <a:r>
+              <a:rPr lang="en-US" sz="2400" dirty="0" err="1"/>
+              <a:t>dy</a:t>
+            </a:r>
+            <a:r>
+              <a:rPr lang="en-US" sz="2400" dirty="0"/>
+              <a:t> ~ {-1,  +1}</a:t>
+            </a:r>
+          </a:p>
+          <a:p>
+            <a:r>
+              <a:rPr lang="en-US" sz="2400" dirty="0"/>
+              <a:t>	          -&gt; otherwise, (dx, </a:t>
+            </a:r>
+            <a:r>
+              <a:rPr lang="en-US" sz="2400" dirty="0" err="1"/>
+              <a:t>dy</a:t>
+            </a:r>
+            <a:r>
+              <a:rPr lang="en-US" sz="2400" dirty="0"/>
+              <a:t>) where dx ~ {-1, 0, +1}, and </a:t>
+            </a:r>
+            <a:r>
+              <a:rPr lang="en-US" sz="2400" dirty="0" err="1"/>
+              <a:t>dy</a:t>
+            </a:r>
+            <a:r>
+              <a:rPr lang="en-US" sz="2400" dirty="0"/>
+              <a:t> ~ {-1, 0, +1}</a:t>
+            </a:r>
+          </a:p>
+          <a:p>
+            <a:endParaRPr lang="en-US" sz="2400" dirty="0"/>
+          </a:p>
+          <a:p>
+            <a:endParaRPr lang="en-US" sz="2400" dirty="0"/>
+          </a:p>
+        </p:txBody>
+      </p:sp>
+      <p:cxnSp>
+        <p:nvCxnSpPr>
+          <p:cNvPr id="5" name="Straight Connector 4">
+            <a:extLst>
+              <a:ext uri="{FF2B5EF4-FFF2-40B4-BE49-F238E27FC236}">
+                <a16:creationId xmlns:a16="http://schemas.microsoft.com/office/drawing/2014/main" id="{C9F23B88-0368-4FA5-86C4-F39BFD5A2D90}"/>
+              </a:ext>
+            </a:extLst>
+          </p:cNvPr>
+          <p:cNvCxnSpPr/>
+          <p:nvPr/>
+        </p:nvCxnSpPr>
+        <p:spPr>
+          <a:xfrm>
+            <a:off x="1208405" y="143143"/>
+            <a:ext cx="0" cy="690562"/>
+          </a:xfrm>
+          <a:prstGeom prst="line">
+            <a:avLst/>
+          </a:prstGeom>
+          <a:ln w="28575"/>
+        </p:spPr>
+        <p:style>
+          <a:lnRef idx="1">
+            <a:schemeClr val="accent1"/>
+          </a:lnRef>
+          <a:fillRef idx="0">
+            <a:schemeClr val="accent1"/>
+          </a:fillRef>
+          <a:effectRef idx="0">
+            <a:schemeClr val="accent1"/>
+          </a:effectRef>
+          <a:fontRef idx="minor">
+            <a:schemeClr val="tx1"/>
+          </a:fontRef>
+        </p:style>
+      </p:cxnSp>
+      <p:sp>
+        <p:nvSpPr>
+          <p:cNvPr id="6" name="TextBox 3">
+            <a:extLst>
+              <a:ext uri="{FF2B5EF4-FFF2-40B4-BE49-F238E27FC236}">
+                <a16:creationId xmlns:a16="http://schemas.microsoft.com/office/drawing/2014/main" id="{4B65775E-8EF1-42F1-B7FC-EF34276B5B0D}"/>
+              </a:ext>
+            </a:extLst>
+          </p:cNvPr>
+          <p:cNvSpPr txBox="1">
+            <a:spLocks noChangeArrowheads="1"/>
+          </p:cNvSpPr>
+          <p:nvPr/>
+        </p:nvSpPr>
+        <p:spPr bwMode="auto">
+          <a:xfrm>
+            <a:off x="1402080" y="125680"/>
+            <a:ext cx="5970609" cy="707886"/>
+          </a:xfrm>
+          <a:prstGeom prst="rect">
+            <a:avLst/>
+          </a:prstGeom>
+          <a:noFill/>
+          <a:ln>
+            <a:noFill/>
+          </a:ln>
+          <a:extLst>
+            <a:ext uri="{909E8E84-426E-40DD-AFC4-6F175D3DCCD1}">
+              <a14:hiddenFill xmlns:a14="http://schemas.microsoft.com/office/drawing/2010/main">
+                <a:solidFill>
+                  <a:srgbClr val="FFFFFF"/>
+                </a:solidFill>
+              </a14:hiddenFill>
+            </a:ext>
+            <a:ext uri="{91240B29-F687-4F45-9708-019B960494DF}">
+              <a14:hiddenLine xmlns:a14="http://schemas.microsoft.com/office/drawing/2010/main" w="9525">
+                <a:solidFill>
+                  <a:srgbClr val="000000"/>
+                </a:solidFill>
+                <a:miter lim="800000"/>
+                <a:headEnd/>
+                <a:tailEnd/>
+              </a14:hiddenLine>
+            </a:ext>
+          </a:extLst>
+        </p:spPr>
+        <p:txBody>
+          <a:bodyPr wrap="none">
+            <a:spAutoFit/>
+          </a:bodyPr>
+          <a:lstStyle>
+            <a:lvl1pPr>
+              <a:lnSpc>
+                <a:spcPct val="90000"/>
+              </a:lnSpc>
+              <a:spcBef>
+                <a:spcPts val="1000"/>
+              </a:spcBef>
+              <a:buFont typeface="Arial" panose="020B0604020202020204" pitchFamily="34" charset="0"/>
+              <a:buChar char="•"/>
+              <a:defRPr sz="2800">
+                <a:solidFill>
+                  <a:schemeClr val="tx1"/>
+                </a:solidFill>
+                <a:latin typeface="Calibri" panose="020F0502020204030204" pitchFamily="34" charset="0"/>
+              </a:defRPr>
+            </a:lvl1pPr>
+            <a:lvl2pPr marL="742950" indent="-285750">
+              <a:lnSpc>
+                <a:spcPct val="90000"/>
+              </a:lnSpc>
+              <a:spcBef>
+                <a:spcPts val="500"/>
+              </a:spcBef>
+              <a:buFont typeface="Arial" panose="020B0604020202020204" pitchFamily="34" charset="0"/>
+              <a:buChar char="•"/>
+              <a:defRPr sz="2400">
+                <a:solidFill>
+                  <a:schemeClr val="tx1"/>
+                </a:solidFill>
+                <a:latin typeface="Calibri" panose="020F0502020204030204" pitchFamily="34" charset="0"/>
+              </a:defRPr>
+            </a:lvl2pPr>
+            <a:lvl3pPr marL="1143000" indent="-228600">
+              <a:lnSpc>
+                <a:spcPct val="90000"/>
+              </a:lnSpc>
+              <a:spcBef>
+                <a:spcPts val="500"/>
+              </a:spcBef>
+              <a:buFont typeface="Arial" panose="020B0604020202020204" pitchFamily="34" charset="0"/>
+              <a:buChar char="•"/>
+              <a:defRPr sz="2000">
+                <a:solidFill>
+                  <a:schemeClr val="tx1"/>
+                </a:solidFill>
+                <a:latin typeface="Calibri" panose="020F0502020204030204" pitchFamily="34" charset="0"/>
+              </a:defRPr>
+            </a:lvl3pPr>
+            <a:lvl4pPr marL="1600200" indent="-228600">
+              <a:lnSpc>
+                <a:spcPct val="90000"/>
+              </a:lnSpc>
+              <a:spcBef>
+                <a:spcPts val="500"/>
+              </a:spcBef>
+              <a:buFont typeface="Arial" panose="020B0604020202020204" pitchFamily="34" charset="0"/>
+              <a:buChar char="•"/>
+              <a:defRPr>
+                <a:solidFill>
+                  <a:schemeClr val="tx1"/>
+                </a:solidFill>
+                <a:latin typeface="Calibri" panose="020F0502020204030204" pitchFamily="34" charset="0"/>
+              </a:defRPr>
+            </a:lvl4pPr>
+            <a:lvl5pPr marL="2057400" indent="-228600">
+              <a:lnSpc>
+                <a:spcPct val="90000"/>
+              </a:lnSpc>
+              <a:spcBef>
+                <a:spcPts val="500"/>
+              </a:spcBef>
+              <a:buFont typeface="Arial" panose="020B0604020202020204" pitchFamily="34" charset="0"/>
+              <a:buChar char="•"/>
+              <a:defRPr>
+                <a:solidFill>
+                  <a:schemeClr val="tx1"/>
+                </a:solidFill>
+                <a:latin typeface="Calibri" panose="020F0502020204030204" pitchFamily="34" charset="0"/>
+              </a:defRPr>
+            </a:lvl5pPr>
+            <a:lvl6pPr marL="2514600" indent="-228600" eaLnBrk="0" fontAlgn="base" hangingPunct="0">
+              <a:lnSpc>
+                <a:spcPct val="90000"/>
+              </a:lnSpc>
+              <a:spcBef>
+                <a:spcPts val="500"/>
+              </a:spcBef>
+              <a:spcAft>
+                <a:spcPct val="0"/>
+              </a:spcAft>
+              <a:buFont typeface="Arial" panose="020B0604020202020204" pitchFamily="34" charset="0"/>
+              <a:buChar char="•"/>
+              <a:defRPr>
+                <a:solidFill>
+                  <a:schemeClr val="tx1"/>
+                </a:solidFill>
+                <a:latin typeface="Calibri" panose="020F0502020204030204" pitchFamily="34" charset="0"/>
+              </a:defRPr>
+            </a:lvl6pPr>
+            <a:lvl7pPr marL="2971800" indent="-228600" eaLnBrk="0" fontAlgn="base" hangingPunct="0">
+              <a:lnSpc>
+                <a:spcPct val="90000"/>
+              </a:lnSpc>
+              <a:spcBef>
+                <a:spcPts val="500"/>
+              </a:spcBef>
+              <a:spcAft>
+                <a:spcPct val="0"/>
+              </a:spcAft>
+              <a:buFont typeface="Arial" panose="020B0604020202020204" pitchFamily="34" charset="0"/>
+              <a:buChar char="•"/>
+              <a:defRPr>
+                <a:solidFill>
+                  <a:schemeClr val="tx1"/>
+                </a:solidFill>
+                <a:latin typeface="Calibri" panose="020F0502020204030204" pitchFamily="34" charset="0"/>
+              </a:defRPr>
+            </a:lvl7pPr>
+            <a:lvl8pPr marL="3429000" indent="-228600" eaLnBrk="0" fontAlgn="base" hangingPunct="0">
+              <a:lnSpc>
+                <a:spcPct val="90000"/>
+              </a:lnSpc>
+              <a:spcBef>
+                <a:spcPts val="500"/>
+              </a:spcBef>
+              <a:spcAft>
+                <a:spcPct val="0"/>
+              </a:spcAft>
+              <a:buFont typeface="Arial" panose="020B0604020202020204" pitchFamily="34" charset="0"/>
+              <a:buChar char="•"/>
+              <a:defRPr>
+                <a:solidFill>
+                  <a:schemeClr val="tx1"/>
+                </a:solidFill>
+                <a:latin typeface="Calibri" panose="020F0502020204030204" pitchFamily="34" charset="0"/>
+              </a:defRPr>
+            </a:lvl8pPr>
+            <a:lvl9pPr marL="3886200" indent="-228600" eaLnBrk="0" fontAlgn="base" hangingPunct="0">
+              <a:lnSpc>
+                <a:spcPct val="90000"/>
+              </a:lnSpc>
+              <a:spcBef>
+                <a:spcPts val="500"/>
+              </a:spcBef>
+              <a:spcAft>
+                <a:spcPct val="0"/>
+              </a:spcAft>
+              <a:buFont typeface="Arial" panose="020B0604020202020204" pitchFamily="34" charset="0"/>
+              <a:buChar char="•"/>
+              <a:defRPr>
+                <a:solidFill>
+                  <a:schemeClr val="tx1"/>
+                </a:solidFill>
+                <a:latin typeface="Calibri" panose="020F0502020204030204" pitchFamily="34" charset="0"/>
+              </a:defRPr>
+            </a:lvl9pPr>
+          </a:lstStyle>
+          <a:p>
+            <a:pPr eaLnBrk="1" hangingPunct="1">
+              <a:lnSpc>
+                <a:spcPct val="100000"/>
+              </a:lnSpc>
+              <a:spcBef>
+                <a:spcPct val="0"/>
+              </a:spcBef>
+              <a:buFontTx/>
+              <a:buNone/>
+            </a:pPr>
+            <a:r>
+              <a:rPr lang="en-US" altLang="en-US" sz="4000" dirty="0"/>
+              <a:t>Comparing Agent Strategies</a:t>
+            </a:r>
+          </a:p>
+        </p:txBody>
+      </p:sp>
+    </p:spTree>
+    <p:extLst>
+      <p:ext uri="{BB962C8B-B14F-4D97-AF65-F5344CB8AC3E}">
+        <p14:creationId xmlns:p14="http://schemas.microsoft.com/office/powerpoint/2010/main" val="3926151893"/>
+      </p:ext>
+    </p:extLst>
+  </p:cSld>
+  <p:clrMapOvr>
+    <a:masterClrMapping/>
+  </p:clrMapOvr>
+</p:sld>
+</file>
+
+<file path=ppt/slides/slide26.xml><?xml version="1.0" encoding="utf-8"?>
 <p:sld xmlns:a="http://schemas.openxmlformats.org/drawingml/2006/main" xmlns:r="http://schemas.openxmlformats.org/officeDocument/2006/relationships" xmlns:p="http://schemas.openxmlformats.org/presentationml/2006/main">
   <p:cSld>
     <p:bg>
@@ -18721,6 +19318,740 @@
         </p:nvSpPr>
         <p:spPr>
           <a:xfrm>
+            <a:off x="715196" y="2226983"/>
+            <a:ext cx="5076090" cy="4151376"/>
+          </a:xfrm>
+          <a:prstGeom prst="rect">
+            <a:avLst/>
+          </a:prstGeom>
+        </p:spPr>
+        <p:txBody>
+          <a:bodyPr vert="horz" lIns="91440" tIns="45720" rIns="91440" bIns="45720" rtlCol="0">
+            <a:normAutofit/>
+          </a:bodyPr>
+          <a:lstStyle/>
+          <a:p>
+            <a:pPr indent="-228600">
+              <a:lnSpc>
+                <a:spcPct val="90000"/>
+              </a:lnSpc>
+              <a:spcAft>
+                <a:spcPts val="600"/>
+              </a:spcAft>
+              <a:buFont typeface="Arial" panose="020B0604020202020204" pitchFamily="34" charset="0"/>
+              <a:buChar char="•"/>
+            </a:pPr>
+            <a:r>
+              <a:rPr lang="en-US" sz="2000" dirty="0" err="1"/>
+              <a:t>num_trials</a:t>
+            </a:r>
+            <a:r>
+              <a:rPr lang="en-US" sz="2000" dirty="0"/>
+              <a:t> = 100</a:t>
+            </a:r>
+          </a:p>
+          <a:p>
+            <a:pPr indent="-228600">
+              <a:lnSpc>
+                <a:spcPct val="90000"/>
+              </a:lnSpc>
+              <a:spcAft>
+                <a:spcPts val="600"/>
+              </a:spcAft>
+              <a:buFont typeface="Arial" panose="020B0604020202020204" pitchFamily="34" charset="0"/>
+              <a:buChar char="•"/>
+            </a:pPr>
+            <a:r>
+              <a:rPr lang="en-US" sz="2000" dirty="0" err="1"/>
+              <a:t>num_periods</a:t>
+            </a:r>
+            <a:r>
+              <a:rPr lang="en-US" sz="2000" dirty="0"/>
+              <a:t> = 7</a:t>
+            </a:r>
+          </a:p>
+          <a:p>
+            <a:pPr indent="-228600">
+              <a:lnSpc>
+                <a:spcPct val="90000"/>
+              </a:lnSpc>
+              <a:spcAft>
+                <a:spcPts val="600"/>
+              </a:spcAft>
+              <a:buFont typeface="Arial" panose="020B0604020202020204" pitchFamily="34" charset="0"/>
+              <a:buChar char="•"/>
+            </a:pPr>
+            <a:r>
+              <a:rPr lang="en-US" sz="2000" dirty="0" err="1"/>
+              <a:t>num_weeks</a:t>
+            </a:r>
+            <a:r>
+              <a:rPr lang="en-US" sz="2000" dirty="0"/>
+              <a:t> = 50</a:t>
+            </a:r>
+          </a:p>
+          <a:p>
+            <a:pPr indent="-228600">
+              <a:lnSpc>
+                <a:spcPct val="90000"/>
+              </a:lnSpc>
+              <a:spcAft>
+                <a:spcPts val="600"/>
+              </a:spcAft>
+              <a:buFont typeface="Arial" panose="020B0604020202020204" pitchFamily="34" charset="0"/>
+              <a:buChar char="•"/>
+            </a:pPr>
+            <a:r>
+              <a:rPr lang="en-US" sz="2000" dirty="0" err="1"/>
+              <a:t>num_rounds</a:t>
+            </a:r>
+            <a:r>
+              <a:rPr lang="en-US" sz="2000" dirty="0"/>
+              <a:t> = 5</a:t>
+            </a:r>
+          </a:p>
+          <a:p>
+            <a:pPr indent="-228600">
+              <a:lnSpc>
+                <a:spcPct val="90000"/>
+              </a:lnSpc>
+              <a:spcAft>
+                <a:spcPts val="600"/>
+              </a:spcAft>
+              <a:buFont typeface="Arial" panose="020B0604020202020204" pitchFamily="34" charset="0"/>
+              <a:buChar char="•"/>
+            </a:pPr>
+            <a:r>
+              <a:rPr lang="en-US" sz="2000" dirty="0" err="1"/>
+              <a:t>grid_size</a:t>
+            </a:r>
+            <a:r>
+              <a:rPr lang="en-US" sz="2000" dirty="0"/>
+              <a:t> = 15</a:t>
+            </a:r>
+          </a:p>
+          <a:p>
+            <a:pPr indent="-228600">
+              <a:lnSpc>
+                <a:spcPct val="90000"/>
+              </a:lnSpc>
+              <a:spcAft>
+                <a:spcPts val="600"/>
+              </a:spcAft>
+              <a:buFont typeface="Arial" panose="020B0604020202020204" pitchFamily="34" charset="0"/>
+              <a:buChar char="•"/>
+            </a:pPr>
+            <a:r>
+              <a:rPr lang="en-US" sz="2000" dirty="0" err="1"/>
+              <a:t>num_traders</a:t>
+            </a:r>
+            <a:r>
+              <a:rPr lang="en-US" sz="2000" dirty="0"/>
+              <a:t> = 20</a:t>
+            </a:r>
+          </a:p>
+          <a:p>
+            <a:pPr indent="-228600">
+              <a:lnSpc>
+                <a:spcPct val="90000"/>
+              </a:lnSpc>
+              <a:spcAft>
+                <a:spcPts val="600"/>
+              </a:spcAft>
+              <a:buFont typeface="Arial" panose="020B0604020202020204" pitchFamily="34" charset="0"/>
+              <a:buChar char="•"/>
+            </a:pPr>
+            <a:r>
+              <a:rPr lang="en-US" sz="2000" dirty="0" err="1"/>
+              <a:t>num_units</a:t>
+            </a:r>
+            <a:r>
+              <a:rPr lang="en-US" sz="2000" dirty="0"/>
+              <a:t> = 8</a:t>
+            </a:r>
+          </a:p>
+          <a:p>
+            <a:pPr indent="-228600">
+              <a:lnSpc>
+                <a:spcPct val="90000"/>
+              </a:lnSpc>
+              <a:spcAft>
+                <a:spcPts val="600"/>
+              </a:spcAft>
+              <a:buFont typeface="Arial" panose="020B0604020202020204" pitchFamily="34" charset="0"/>
+              <a:buChar char="•"/>
+            </a:pPr>
+            <a:r>
+              <a:rPr lang="en-US" sz="2000" dirty="0" err="1"/>
+              <a:t>lower_bound</a:t>
+            </a:r>
+            <a:r>
+              <a:rPr lang="en-US" sz="2000" dirty="0"/>
+              <a:t> = 200 </a:t>
+            </a:r>
+          </a:p>
+          <a:p>
+            <a:pPr indent="-228600">
+              <a:lnSpc>
+                <a:spcPct val="90000"/>
+              </a:lnSpc>
+              <a:spcAft>
+                <a:spcPts val="600"/>
+              </a:spcAft>
+              <a:buFont typeface="Arial" panose="020B0604020202020204" pitchFamily="34" charset="0"/>
+              <a:buChar char="•"/>
+            </a:pPr>
+            <a:r>
+              <a:rPr lang="en-US" sz="2000" dirty="0" err="1"/>
+              <a:t>upper_bound</a:t>
+            </a:r>
+            <a:r>
+              <a:rPr lang="en-US" sz="2000" dirty="0"/>
+              <a:t> = 600</a:t>
+            </a:r>
+          </a:p>
+        </p:txBody>
+      </p:sp>
+      <p:sp>
+        <p:nvSpPr>
+          <p:cNvPr id="8" name="TextBox 7">
+            <a:extLst>
+              <a:ext uri="{FF2B5EF4-FFF2-40B4-BE49-F238E27FC236}">
+                <a16:creationId xmlns:a16="http://schemas.microsoft.com/office/drawing/2014/main" id="{1E7B805A-341E-4F9B-A482-5E5F4DFC7618}"/>
+              </a:ext>
+            </a:extLst>
+          </p:cNvPr>
+          <p:cNvSpPr txBox="1"/>
+          <p:nvPr/>
+        </p:nvSpPr>
+        <p:spPr>
+          <a:xfrm>
+            <a:off x="558791" y="1101012"/>
+            <a:ext cx="4767074" cy="369332"/>
+          </a:xfrm>
+          <a:prstGeom prst="rect">
+            <a:avLst/>
+          </a:prstGeom>
+          <a:noFill/>
+        </p:spPr>
+        <p:txBody>
+          <a:bodyPr wrap="none" rtlCol="0">
+            <a:spAutoFit/>
+          </a:bodyPr>
+          <a:lstStyle/>
+          <a:p>
+            <a:r>
+              <a:rPr lang="en-US" dirty="0"/>
+              <a:t>Compare efficiency of ZID, ZIDP,  ZIDA, and ZIDPR</a:t>
+            </a:r>
+          </a:p>
+        </p:txBody>
+      </p:sp>
+      <p:pic>
+        <p:nvPicPr>
+          <p:cNvPr id="5124" name="Picture 4">
+            <a:extLst>
+              <a:ext uri="{FF2B5EF4-FFF2-40B4-BE49-F238E27FC236}">
+                <a16:creationId xmlns:a16="http://schemas.microsoft.com/office/drawing/2014/main" id="{F3E9EFAD-15CA-4EC7-9500-0CA2A5C2F1C1}"/>
+              </a:ext>
+            </a:extLst>
+          </p:cNvPr>
+          <p:cNvPicPr>
+            <a:picLocks noChangeAspect="1" noChangeArrowheads="1"/>
+          </p:cNvPicPr>
+          <p:nvPr/>
+        </p:nvPicPr>
+        <p:blipFill>
+          <a:blip r:embed="rId2">
+            <a:extLst>
+              <a:ext uri="{28A0092B-C50C-407E-A947-70E740481C1C}">
+                <a14:useLocalDpi xmlns:a14="http://schemas.microsoft.com/office/drawing/2010/main" val="0"/>
+              </a:ext>
+            </a:extLst>
+          </a:blip>
+          <a:srcRect/>
+          <a:stretch>
+            <a:fillRect/>
+          </a:stretch>
+        </p:blipFill>
+        <p:spPr bwMode="auto">
+          <a:xfrm>
+            <a:off x="7008272" y="194679"/>
+            <a:ext cx="4803253" cy="3906542"/>
+          </a:xfrm>
+          <a:prstGeom prst="rect">
+            <a:avLst/>
+          </a:prstGeom>
+          <a:noFill/>
+          <a:extLst>
+            <a:ext uri="{909E8E84-426E-40DD-AFC4-6F175D3DCCD1}">
+              <a14:hiddenFill xmlns:a14="http://schemas.microsoft.com/office/drawing/2010/main">
+                <a:solidFill>
+                  <a:srgbClr val="FFFFFF"/>
+                </a:solidFill>
+              </a14:hiddenFill>
+            </a:ext>
+          </a:extLst>
+        </p:spPr>
+      </p:pic>
+    </p:spTree>
+    <p:extLst>
+      <p:ext uri="{BB962C8B-B14F-4D97-AF65-F5344CB8AC3E}">
+        <p14:creationId xmlns:p14="http://schemas.microsoft.com/office/powerpoint/2010/main" val="1748389431"/>
+      </p:ext>
+    </p:extLst>
+  </p:cSld>
+  <p:clrMapOvr>
+    <a:overrideClrMapping bg1="dk1" tx1="lt1" bg2="dk2" tx2="lt2" accent1="accent1" accent2="accent2" accent3="accent3" accent4="accent4" accent5="accent5" accent6="accent6" hlink="hlink" folHlink="folHlink"/>
+  </p:clrMapOvr>
+</p:sld>
+</file>
+
+<file path=ppt/slides/slide27.xml><?xml version="1.0" encoding="utf-8"?>
+<p:sld xmlns:a="http://schemas.openxmlformats.org/drawingml/2006/main" xmlns:r="http://schemas.openxmlformats.org/officeDocument/2006/relationships" xmlns:p="http://schemas.openxmlformats.org/presentationml/2006/main">
+  <p:cSld>
+    <p:bg>
+      <p:bgPr>
+        <a:solidFill>
+          <a:schemeClr val="bg1"/>
+        </a:solidFill>
+        <a:effectLst/>
+      </p:bgPr>
+    </p:bg>
+    <p:spTree>
+      <p:nvGrpSpPr>
+        <p:cNvPr id="1" name=""/>
+        <p:cNvGrpSpPr/>
+        <p:nvPr/>
+      </p:nvGrpSpPr>
+      <p:grpSpPr>
+        <a:xfrm>
+          <a:off x="0" y="0"/>
+          <a:ext cx="0" cy="0"/>
+          <a:chOff x="0" y="0"/>
+          <a:chExt cx="0" cy="0"/>
+        </a:xfrm>
+      </p:grpSpPr>
+      <p:sp>
+        <p:nvSpPr>
+          <p:cNvPr id="71" name="Rectangle 70">
+            <a:extLst>
+              <a:ext uri="{FF2B5EF4-FFF2-40B4-BE49-F238E27FC236}">
+                <a16:creationId xmlns:a16="http://schemas.microsoft.com/office/drawing/2014/main" id="{68A4132F-DEC6-4332-A00C-A11AD4519B6C}"/>
+              </a:ext>
+              <a:ext uri="{C183D7F6-B498-43B3-948B-1728B52AA6E4}">
+                <adec:decorative xmlns:adec="http://schemas.microsoft.com/office/drawing/2017/decorative" val="1"/>
+              </a:ext>
+            </a:extLst>
+          </p:cNvPr>
+          <p:cNvSpPr>
+            <a:spLocks noGrp="1" noRot="1" noChangeAspect="1" noMove="1" noResize="1" noEditPoints="1" noAdjustHandles="1" noChangeArrowheads="1" noChangeShapeType="1" noTextEdit="1"/>
+          </p:cNvSpPr>
+          <p:nvPr>
+            <p:extLst>
+              <p:ext uri="{386F3935-93C4-4BCD-93E2-E3B085C9AB24}">
+                <p16:designElem xmlns:p16="http://schemas.microsoft.com/office/powerpoint/2015/main" val="1"/>
+              </p:ext>
+            </p:extLst>
+          </p:nvPr>
+        </p:nvSpPr>
+        <p:spPr>
+          <a:xfrm>
+            <a:off x="3048" y="0"/>
+            <a:ext cx="12188952" cy="6858000"/>
+          </a:xfrm>
+          <a:prstGeom prst="rect">
+            <a:avLst/>
+          </a:prstGeom>
+          <a:solidFill>
+            <a:schemeClr val="tx1"/>
+          </a:solidFill>
+          <a:ln>
+            <a:noFill/>
+          </a:ln>
+        </p:spPr>
+        <p:style>
+          <a:lnRef idx="2">
+            <a:schemeClr val="accent1">
+              <a:shade val="50000"/>
+            </a:schemeClr>
+          </a:lnRef>
+          <a:fillRef idx="1">
+            <a:schemeClr val="accent1"/>
+          </a:fillRef>
+          <a:effectRef idx="0">
+            <a:schemeClr val="accent1"/>
+          </a:effectRef>
+          <a:fontRef idx="minor">
+            <a:schemeClr val="lt1"/>
+          </a:fontRef>
+        </p:style>
+        <p:txBody>
+          <a:bodyPr rtlCol="0" anchor="ctr"/>
+          <a:lstStyle/>
+          <a:p>
+            <a:pPr algn="ctr"/>
+            <a:endParaRPr lang="en-US"/>
+          </a:p>
+        </p:txBody>
+      </p:sp>
+      <p:sp>
+        <p:nvSpPr>
+          <p:cNvPr id="73" name="Freeform: Shape 72">
+            <a:extLst>
+              <a:ext uri="{FF2B5EF4-FFF2-40B4-BE49-F238E27FC236}">
+                <a16:creationId xmlns:a16="http://schemas.microsoft.com/office/drawing/2014/main" id="{9B38642C-62C4-4E31-A5D3-BB1DD8CA3942}"/>
+              </a:ext>
+              <a:ext uri="{C183D7F6-B498-43B3-948B-1728B52AA6E4}">
+                <adec:decorative xmlns:adec="http://schemas.microsoft.com/office/drawing/2017/decorative" val="1"/>
+              </a:ext>
+            </a:extLst>
+          </p:cNvPr>
+          <p:cNvSpPr>
+            <a:spLocks noGrp="1" noRot="1" noChangeAspect="1" noMove="1" noResize="1" noEditPoints="1" noAdjustHandles="1" noChangeArrowheads="1" noChangeShapeType="1" noTextEdit="1"/>
+          </p:cNvSpPr>
+          <p:nvPr>
+            <p:extLst>
+              <p:ext uri="{386F3935-93C4-4BCD-93E2-E3B085C9AB24}">
+                <p16:designElem xmlns:p16="http://schemas.microsoft.com/office/powerpoint/2015/main" val="1"/>
+              </p:ext>
+            </p:extLst>
+          </p:nvPr>
+        </p:nvSpPr>
+        <p:spPr>
+          <a:xfrm>
+            <a:off x="0" y="0"/>
+            <a:ext cx="8663583" cy="6858478"/>
+          </a:xfrm>
+          <a:custGeom>
+            <a:avLst/>
+            <a:gdLst>
+              <a:gd name="connsiteX0" fmla="*/ 0 w 8663583"/>
+              <a:gd name="connsiteY0" fmla="*/ 0 h 6858478"/>
+              <a:gd name="connsiteX1" fmla="*/ 480486 w 8663583"/>
+              <a:gd name="connsiteY1" fmla="*/ 0 h 6858478"/>
+              <a:gd name="connsiteX2" fmla="*/ 4415403 w 8663583"/>
+              <a:gd name="connsiteY2" fmla="*/ 0 h 6858478"/>
+              <a:gd name="connsiteX3" fmla="*/ 5481631 w 8663583"/>
+              <a:gd name="connsiteY3" fmla="*/ 0 h 6858478"/>
+              <a:gd name="connsiteX4" fmla="*/ 5487208 w 8663583"/>
+              <a:gd name="connsiteY4" fmla="*/ 0 h 6858478"/>
+              <a:gd name="connsiteX5" fmla="*/ 8663583 w 8663583"/>
+              <a:gd name="connsiteY5" fmla="*/ 6858478 h 6858478"/>
+              <a:gd name="connsiteX6" fmla="*/ 1239028 w 8663583"/>
+              <a:gd name="connsiteY6" fmla="*/ 6858478 h 6858478"/>
+              <a:gd name="connsiteX7" fmla="*/ 1239288 w 8663583"/>
+              <a:gd name="connsiteY7" fmla="*/ 6857916 h 6858478"/>
+              <a:gd name="connsiteX8" fmla="*/ 480486 w 8663583"/>
+              <a:gd name="connsiteY8" fmla="*/ 6857916 h 6858478"/>
+              <a:gd name="connsiteX9" fmla="*/ 480486 w 8663583"/>
+              <a:gd name="connsiteY9" fmla="*/ 6858000 h 6858478"/>
+              <a:gd name="connsiteX10" fmla="*/ 0 w 8663583"/>
+              <a:gd name="connsiteY10" fmla="*/ 6858000 h 6858478"/>
+            </a:gdLst>
+            <a:ahLst/>
+            <a:cxnLst>
+              <a:cxn ang="0">
+                <a:pos x="connsiteX0" y="connsiteY0"/>
+              </a:cxn>
+              <a:cxn ang="0">
+                <a:pos x="connsiteX1" y="connsiteY1"/>
+              </a:cxn>
+              <a:cxn ang="0">
+                <a:pos x="connsiteX2" y="connsiteY2"/>
+              </a:cxn>
+              <a:cxn ang="0">
+                <a:pos x="connsiteX3" y="connsiteY3"/>
+              </a:cxn>
+              <a:cxn ang="0">
+                <a:pos x="connsiteX4" y="connsiteY4"/>
+              </a:cxn>
+              <a:cxn ang="0">
+                <a:pos x="connsiteX5" y="connsiteY5"/>
+              </a:cxn>
+              <a:cxn ang="0">
+                <a:pos x="connsiteX6" y="connsiteY6"/>
+              </a:cxn>
+              <a:cxn ang="0">
+                <a:pos x="connsiteX7" y="connsiteY7"/>
+              </a:cxn>
+              <a:cxn ang="0">
+                <a:pos x="connsiteX8" y="connsiteY8"/>
+              </a:cxn>
+              <a:cxn ang="0">
+                <a:pos x="connsiteX9" y="connsiteY9"/>
+              </a:cxn>
+              <a:cxn ang="0">
+                <a:pos x="connsiteX10" y="connsiteY10"/>
+              </a:cxn>
+            </a:cxnLst>
+            <a:rect l="l" t="t" r="r" b="b"/>
+            <a:pathLst>
+              <a:path w="8663583" h="6858478">
+                <a:moveTo>
+                  <a:pt x="0" y="0"/>
+                </a:moveTo>
+                <a:lnTo>
+                  <a:pt x="480486" y="0"/>
+                </a:lnTo>
+                <a:lnTo>
+                  <a:pt x="4415403" y="0"/>
+                </a:lnTo>
+                <a:lnTo>
+                  <a:pt x="5481631" y="0"/>
+                </a:lnTo>
+                <a:lnTo>
+                  <a:pt x="5487208" y="0"/>
+                </a:lnTo>
+                <a:lnTo>
+                  <a:pt x="8663583" y="6858478"/>
+                </a:lnTo>
+                <a:lnTo>
+                  <a:pt x="1239028" y="6858478"/>
+                </a:lnTo>
+                <a:lnTo>
+                  <a:pt x="1239288" y="6857916"/>
+                </a:lnTo>
+                <a:lnTo>
+                  <a:pt x="480486" y="6857916"/>
+                </a:lnTo>
+                <a:lnTo>
+                  <a:pt x="480486" y="6858000"/>
+                </a:lnTo>
+                <a:lnTo>
+                  <a:pt x="0" y="6858000"/>
+                </a:lnTo>
+                <a:close/>
+              </a:path>
+            </a:pathLst>
+          </a:custGeom>
+          <a:solidFill>
+            <a:schemeClr val="bg1">
+              <a:lumMod val="85000"/>
+              <a:lumOff val="15000"/>
+              <a:alpha val="70000"/>
+            </a:schemeClr>
+          </a:solidFill>
+          <a:ln>
+            <a:noFill/>
+          </a:ln>
+        </p:spPr>
+        <p:style>
+          <a:lnRef idx="2">
+            <a:schemeClr val="accent1">
+              <a:shade val="50000"/>
+            </a:schemeClr>
+          </a:lnRef>
+          <a:fillRef idx="1">
+            <a:schemeClr val="accent1"/>
+          </a:fillRef>
+          <a:effectRef idx="0">
+            <a:schemeClr val="accent1"/>
+          </a:effectRef>
+          <a:fontRef idx="minor">
+            <a:schemeClr val="lt1"/>
+          </a:fontRef>
+        </p:style>
+        <p:txBody>
+          <a:bodyPr wrap="square" rtlCol="0" anchor="ctr">
+            <a:noAutofit/>
+          </a:bodyPr>
+          <a:lstStyle/>
+          <a:p>
+            <a:pPr algn="ctr"/>
+            <a:endParaRPr lang="en-US"/>
+          </a:p>
+        </p:txBody>
+      </p:sp>
+      <p:sp>
+        <p:nvSpPr>
+          <p:cNvPr id="75" name="Freeform: Shape 74">
+            <a:extLst>
+              <a:ext uri="{FF2B5EF4-FFF2-40B4-BE49-F238E27FC236}">
+                <a16:creationId xmlns:a16="http://schemas.microsoft.com/office/drawing/2014/main" id="{A9F66240-8C38-4069-A5C9-2D3FCD97EDAD}"/>
+              </a:ext>
+              <a:ext uri="{C183D7F6-B498-43B3-948B-1728B52AA6E4}">
+                <adec:decorative xmlns:adec="http://schemas.microsoft.com/office/drawing/2017/decorative" val="1"/>
+              </a:ext>
+            </a:extLst>
+          </p:cNvPr>
+          <p:cNvSpPr>
+            <a:spLocks noGrp="1" noRot="1" noChangeAspect="1" noMove="1" noResize="1" noEditPoints="1" noAdjustHandles="1" noChangeArrowheads="1" noChangeShapeType="1" noTextEdit="1"/>
+          </p:cNvSpPr>
+          <p:nvPr>
+            <p:extLst>
+              <p:ext uri="{386F3935-93C4-4BCD-93E2-E3B085C9AB24}">
+                <p16:designElem xmlns:p16="http://schemas.microsoft.com/office/powerpoint/2015/main" val="1"/>
+              </p:ext>
+            </p:extLst>
+          </p:nvPr>
+        </p:nvSpPr>
+        <p:spPr>
+          <a:xfrm>
+            <a:off x="0" y="0"/>
+            <a:ext cx="8234957" cy="6858478"/>
+          </a:xfrm>
+          <a:custGeom>
+            <a:avLst/>
+            <a:gdLst>
+              <a:gd name="connsiteX0" fmla="*/ 156905 w 8234957"/>
+              <a:gd name="connsiteY0" fmla="*/ 0 h 6858478"/>
+              <a:gd name="connsiteX1" fmla="*/ 3986777 w 8234957"/>
+              <a:gd name="connsiteY1" fmla="*/ 0 h 6858478"/>
+              <a:gd name="connsiteX2" fmla="*/ 5053005 w 8234957"/>
+              <a:gd name="connsiteY2" fmla="*/ 0 h 6858478"/>
+              <a:gd name="connsiteX3" fmla="*/ 5058582 w 8234957"/>
+              <a:gd name="connsiteY3" fmla="*/ 0 h 6858478"/>
+              <a:gd name="connsiteX4" fmla="*/ 8234957 w 8234957"/>
+              <a:gd name="connsiteY4" fmla="*/ 6858478 h 6858478"/>
+              <a:gd name="connsiteX5" fmla="*/ 810402 w 8234957"/>
+              <a:gd name="connsiteY5" fmla="*/ 6858478 h 6858478"/>
+              <a:gd name="connsiteX6" fmla="*/ 810662 w 8234957"/>
+              <a:gd name="connsiteY6" fmla="*/ 6857916 h 6858478"/>
+              <a:gd name="connsiteX7" fmla="*/ 156905 w 8234957"/>
+              <a:gd name="connsiteY7" fmla="*/ 6857916 h 6858478"/>
+              <a:gd name="connsiteX8" fmla="*/ 156905 w 8234957"/>
+              <a:gd name="connsiteY8" fmla="*/ 6858478 h 6858478"/>
+              <a:gd name="connsiteX9" fmla="*/ 0 w 8234957"/>
+              <a:gd name="connsiteY9" fmla="*/ 6858478 h 6858478"/>
+              <a:gd name="connsiteX10" fmla="*/ 0 w 8234957"/>
+              <a:gd name="connsiteY10" fmla="*/ 479 h 6858478"/>
+              <a:gd name="connsiteX11" fmla="*/ 156905 w 8234957"/>
+              <a:gd name="connsiteY11" fmla="*/ 479 h 6858478"/>
+            </a:gdLst>
+            <a:ahLst/>
+            <a:cxnLst>
+              <a:cxn ang="0">
+                <a:pos x="connsiteX0" y="connsiteY0"/>
+              </a:cxn>
+              <a:cxn ang="0">
+                <a:pos x="connsiteX1" y="connsiteY1"/>
+              </a:cxn>
+              <a:cxn ang="0">
+                <a:pos x="connsiteX2" y="connsiteY2"/>
+              </a:cxn>
+              <a:cxn ang="0">
+                <a:pos x="connsiteX3" y="connsiteY3"/>
+              </a:cxn>
+              <a:cxn ang="0">
+                <a:pos x="connsiteX4" y="connsiteY4"/>
+              </a:cxn>
+              <a:cxn ang="0">
+                <a:pos x="connsiteX5" y="connsiteY5"/>
+              </a:cxn>
+              <a:cxn ang="0">
+                <a:pos x="connsiteX6" y="connsiteY6"/>
+              </a:cxn>
+              <a:cxn ang="0">
+                <a:pos x="connsiteX7" y="connsiteY7"/>
+              </a:cxn>
+              <a:cxn ang="0">
+                <a:pos x="connsiteX8" y="connsiteY8"/>
+              </a:cxn>
+              <a:cxn ang="0">
+                <a:pos x="connsiteX9" y="connsiteY9"/>
+              </a:cxn>
+              <a:cxn ang="0">
+                <a:pos x="connsiteX10" y="connsiteY10"/>
+              </a:cxn>
+              <a:cxn ang="0">
+                <a:pos x="connsiteX11" y="connsiteY11"/>
+              </a:cxn>
+            </a:cxnLst>
+            <a:rect l="l" t="t" r="r" b="b"/>
+            <a:pathLst>
+              <a:path w="8234957" h="6858478">
+                <a:moveTo>
+                  <a:pt x="156905" y="0"/>
+                </a:moveTo>
+                <a:lnTo>
+                  <a:pt x="3986777" y="0"/>
+                </a:lnTo>
+                <a:lnTo>
+                  <a:pt x="5053005" y="0"/>
+                </a:lnTo>
+                <a:lnTo>
+                  <a:pt x="5058582" y="0"/>
+                </a:lnTo>
+                <a:lnTo>
+                  <a:pt x="8234957" y="6858478"/>
+                </a:lnTo>
+                <a:lnTo>
+                  <a:pt x="810402" y="6858478"/>
+                </a:lnTo>
+                <a:lnTo>
+                  <a:pt x="810662" y="6857916"/>
+                </a:lnTo>
+                <a:lnTo>
+                  <a:pt x="156905" y="6857916"/>
+                </a:lnTo>
+                <a:lnTo>
+                  <a:pt x="156905" y="6858478"/>
+                </a:lnTo>
+                <a:lnTo>
+                  <a:pt x="0" y="6858478"/>
+                </a:lnTo>
+                <a:lnTo>
+                  <a:pt x="0" y="479"/>
+                </a:lnTo>
+                <a:lnTo>
+                  <a:pt x="156905" y="479"/>
+                </a:lnTo>
+                <a:close/>
+              </a:path>
+            </a:pathLst>
+          </a:custGeom>
+          <a:solidFill>
+            <a:schemeClr val="bg1">
+              <a:lumMod val="85000"/>
+              <a:lumOff val="15000"/>
+            </a:schemeClr>
+          </a:solidFill>
+          <a:ln>
+            <a:noFill/>
+          </a:ln>
+        </p:spPr>
+        <p:style>
+          <a:lnRef idx="2">
+            <a:schemeClr val="accent1">
+              <a:shade val="50000"/>
+            </a:schemeClr>
+          </a:lnRef>
+          <a:fillRef idx="1">
+            <a:schemeClr val="accent1"/>
+          </a:fillRef>
+          <a:effectRef idx="0">
+            <a:schemeClr val="accent1"/>
+          </a:effectRef>
+          <a:fontRef idx="minor">
+            <a:schemeClr val="lt1"/>
+          </a:fontRef>
+        </p:style>
+        <p:txBody>
+          <a:bodyPr wrap="square" rtlCol="0" anchor="ctr">
+            <a:noAutofit/>
+          </a:bodyPr>
+          <a:lstStyle/>
+          <a:p>
+            <a:pPr algn="ctr"/>
+            <a:endParaRPr lang="en-US"/>
+          </a:p>
+        </p:txBody>
+      </p:sp>
+      <p:sp>
+        <p:nvSpPr>
+          <p:cNvPr id="3" name="TextBox 2">
+            <a:extLst>
+              <a:ext uri="{FF2B5EF4-FFF2-40B4-BE49-F238E27FC236}">
+                <a16:creationId xmlns:a16="http://schemas.microsoft.com/office/drawing/2014/main" id="{426B6423-DB43-4D45-BB8B-E5487B743FE5}"/>
+              </a:ext>
+            </a:extLst>
+          </p:cNvPr>
+          <p:cNvSpPr txBox="1"/>
+          <p:nvPr/>
+        </p:nvSpPr>
+        <p:spPr>
+          <a:xfrm>
             <a:off x="1065965" y="2226983"/>
             <a:ext cx="5076090" cy="4151376"/>
           </a:xfrm>
@@ -19010,7 +20341,7 @@
 </p:sld>
 </file>
 
-<file path=ppt/slides/slide26.xml><?xml version="1.0" encoding="utf-8"?>
+<file path=ppt/slides/slide28.xml><?xml version="1.0" encoding="utf-8"?>
 <p:sld xmlns:a="http://schemas.openxmlformats.org/drawingml/2006/main" xmlns:r="http://schemas.openxmlformats.org/officeDocument/2006/relationships" xmlns:p="http://schemas.openxmlformats.org/presentationml/2006/main">
   <p:cSld>
     <p:spTree>
@@ -23060,11 +24391,11 @@
             </a:pPr>
             <a:r>
               <a:rPr lang="en-US" sz="2000" dirty="0" err="1"/>
-              <a:t>num_traders</a:t>
+              <a:t>num_rounds</a:t>
             </a:r>
             <a:r>
               <a:rPr lang="en-US" sz="2000" dirty="0"/>
-              <a:t> = 8   </a:t>
+              <a:t> = 10 </a:t>
             </a:r>
           </a:p>
           <a:p>
@@ -23080,11 +24411,11 @@
             </a:pPr>
             <a:r>
               <a:rPr lang="en-US" sz="2000" dirty="0" err="1"/>
-              <a:t>num_units</a:t>
+              <a:t>num_traders</a:t>
             </a:r>
             <a:r>
               <a:rPr lang="en-US" sz="2000" dirty="0"/>
-              <a:t> = 6    </a:t>
+              <a:t> = 20   </a:t>
             </a:r>
           </a:p>
           <a:p>
@@ -23100,11 +24431,11 @@
             </a:pPr>
             <a:r>
               <a:rPr lang="en-US" sz="2000" dirty="0" err="1"/>
-              <a:t>lower_bound</a:t>
+              <a:t>num_units</a:t>
             </a:r>
             <a:r>
               <a:rPr lang="en-US" sz="2000" dirty="0"/>
-              <a:t> = 200 </a:t>
+              <a:t> = 8   </a:t>
             </a:r>
           </a:p>
           <a:p>
@@ -23120,75 +24451,477 @@
             </a:pPr>
             <a:r>
               <a:rPr lang="en-US" sz="2000" dirty="0" err="1"/>
+              <a:t>lower_bound</a:t>
+            </a:r>
+            <a:r>
+              <a:rPr lang="en-US" sz="2000" dirty="0"/>
+              <a:t> = 200 </a:t>
+            </a:r>
+          </a:p>
+          <a:p>
+            <a:pPr indent="-228600">
+              <a:lnSpc>
+                <a:spcPct val="90000"/>
+              </a:lnSpc>
+              <a:spcAft>
+                <a:spcPts val="600"/>
+              </a:spcAft>
+              <a:buFont typeface="Arial" panose="020B0604020202020204" pitchFamily="34" charset="0"/>
+              <a:buChar char="•"/>
+            </a:pPr>
+            <a:r>
+              <a:rPr lang="en-US" sz="2000" dirty="0" err="1"/>
               <a:t>upper_bound</a:t>
             </a:r>
             <a:r>
               <a:rPr lang="en-US" sz="2000" dirty="0"/>
               <a:t> = 600 </a:t>
             </a:r>
+          </a:p>
+        </p:txBody>
+      </p:sp>
+      <p:sp>
+        <p:nvSpPr>
+          <p:cNvPr id="2" name="Rectangle 3">
+            <a:extLst>
+              <a:ext uri="{FF2B5EF4-FFF2-40B4-BE49-F238E27FC236}">
+                <a16:creationId xmlns:a16="http://schemas.microsoft.com/office/drawing/2014/main" id="{4D255444-1857-47B6-B193-1EF071340378}"/>
+              </a:ext>
+            </a:extLst>
+          </p:cNvPr>
+          <p:cNvSpPr>
+            <a:spLocks noChangeArrowheads="1"/>
+          </p:cNvSpPr>
+          <p:nvPr/>
+        </p:nvSpPr>
+        <p:spPr bwMode="auto">
+          <a:xfrm>
+            <a:off x="7822194" y="809688"/>
+            <a:ext cx="3739081" cy="1015663"/>
+          </a:xfrm>
+          <a:prstGeom prst="rect">
+            <a:avLst/>
+          </a:prstGeom>
+          <a:noFill/>
+          <a:ln>
+            <a:noFill/>
+          </a:ln>
+          <a:effectLst/>
+          <a:extLst>
+            <a:ext uri="{909E8E84-426E-40DD-AFC4-6F175D3DCCD1}">
+              <a14:hiddenFill xmlns:a14="http://schemas.microsoft.com/office/drawing/2010/main">
+                <a:solidFill>
+                  <a:schemeClr val="accent1"/>
+                </a:solidFill>
+              </a14:hiddenFill>
+            </a:ext>
+            <a:ext uri="{91240B29-F687-4F45-9708-019B960494DF}">
+              <a14:hiddenLine xmlns:a14="http://schemas.microsoft.com/office/drawing/2010/main" w="9525">
+                <a:solidFill>
+                  <a:schemeClr val="tx1"/>
+                </a:solidFill>
+                <a:miter lim="800000"/>
+                <a:headEnd/>
+                <a:tailEnd/>
+              </a14:hiddenLine>
+            </a:ext>
+            <a:ext uri="{AF507438-7753-43E0-B8FC-AC1667EBCBE1}">
+              <a14:hiddenEffects xmlns:a14="http://schemas.microsoft.com/office/drawing/2010/main">
+                <a:effectLst>
+                  <a:outerShdw dist="35921" dir="2700000" algn="ctr" rotWithShape="0">
+                    <a:schemeClr val="bg2"/>
+                  </a:outerShdw>
+                </a:effectLst>
+              </a14:hiddenEffects>
+            </a:ext>
+          </a:extLst>
+        </p:spPr>
+        <p:txBody>
+          <a:bodyPr vert="horz" wrap="square" lIns="91440" tIns="45720" rIns="91440" bIns="45720" numCol="1" anchor="ctr" anchorCtr="0" compatLnSpc="1">
+            <a:prstTxWarp prst="textNoShape">
+              <a:avLst/>
+            </a:prstTxWarp>
+            <a:spAutoFit/>
+          </a:bodyPr>
+          <a:lstStyle/>
+          <a:p>
+            <a:pPr marL="0" marR="0" lvl="0" indent="0" algn="l" defTabSz="914400" rtl="0" eaLnBrk="0" fontAlgn="base" latinLnBrk="0" hangingPunct="0">
+              <a:lnSpc>
+                <a:spcPct val="100000"/>
+              </a:lnSpc>
+              <a:spcBef>
+                <a:spcPct val="0"/>
+              </a:spcBef>
+              <a:spcAft>
+                <a:spcPct val="0"/>
+              </a:spcAft>
+              <a:buClrTx/>
+              <a:buSzTx/>
+              <a:buFontTx/>
+              <a:buNone/>
+              <a:tabLst/>
+            </a:pPr>
+            <a:r>
+              <a:rPr kumimoji="0" lang="en-US" altLang="en-US" sz="2000" b="0" i="0" u="none" strike="noStrike" cap="none" normalizeH="0" baseline="0" dirty="0">
+                <a:ln>
+                  <a:noFill/>
+                </a:ln>
+                <a:solidFill>
+                  <a:schemeClr val="bg1"/>
+                </a:solidFill>
+                <a:effectLst/>
+                <a:latin typeface="Arial Unicode MS"/>
+              </a:rPr>
+              <a:t>equilibrium price = 388 - 391 </a:t>
+            </a:r>
+          </a:p>
+          <a:p>
+            <a:pPr marL="0" marR="0" lvl="0" indent="0" algn="l" defTabSz="914400" rtl="0" eaLnBrk="0" fontAlgn="base" latinLnBrk="0" hangingPunct="0">
+              <a:lnSpc>
+                <a:spcPct val="100000"/>
+              </a:lnSpc>
+              <a:spcBef>
+                <a:spcPct val="0"/>
+              </a:spcBef>
+              <a:spcAft>
+                <a:spcPct val="0"/>
+              </a:spcAft>
+              <a:buClrTx/>
+              <a:buSzTx/>
+              <a:buFontTx/>
+              <a:buNone/>
+              <a:tabLst/>
+            </a:pPr>
+            <a:r>
+              <a:rPr kumimoji="0" lang="en-US" altLang="en-US" sz="2000" b="0" i="0" u="none" strike="noStrike" cap="none" normalizeH="0" baseline="0" dirty="0">
+                <a:ln>
+                  <a:noFill/>
+                </a:ln>
+                <a:solidFill>
+                  <a:schemeClr val="bg1"/>
+                </a:solidFill>
+                <a:effectLst/>
+                <a:latin typeface="Arial Unicode MS"/>
+              </a:rPr>
+              <a:t>equilibrium quantity = 55 </a:t>
+            </a:r>
+          </a:p>
+          <a:p>
+            <a:pPr marL="0" marR="0" lvl="0" indent="0" algn="l" defTabSz="914400" rtl="0" eaLnBrk="0" fontAlgn="base" latinLnBrk="0" hangingPunct="0">
+              <a:lnSpc>
+                <a:spcPct val="100000"/>
+              </a:lnSpc>
+              <a:spcBef>
+                <a:spcPct val="0"/>
+              </a:spcBef>
+              <a:spcAft>
+                <a:spcPct val="0"/>
+              </a:spcAft>
+              <a:buClrTx/>
+              <a:buSzTx/>
+              <a:buFontTx/>
+              <a:buNone/>
+              <a:tabLst/>
+            </a:pPr>
+            <a:r>
+              <a:rPr kumimoji="0" lang="en-US" altLang="en-US" sz="2000" b="0" i="0" u="none" strike="noStrike" cap="none" normalizeH="0" baseline="0" dirty="0">
+                <a:ln>
+                  <a:noFill/>
+                </a:ln>
+                <a:solidFill>
+                  <a:schemeClr val="bg1"/>
+                </a:solidFill>
+                <a:effectLst/>
+                <a:latin typeface="Arial Unicode MS"/>
+              </a:rPr>
+              <a:t>maximum surplus = 9887 </a:t>
+            </a:r>
+            <a:endParaRPr kumimoji="0" lang="en-US" altLang="en-US" sz="2000" b="0" i="0" u="none" strike="noStrike" cap="none" normalizeH="0" baseline="0" dirty="0">
+              <a:ln>
+                <a:noFill/>
+              </a:ln>
+              <a:solidFill>
+                <a:schemeClr val="bg1"/>
+              </a:solidFill>
+              <a:effectLst/>
+              <a:latin typeface="Arial" panose="020B0604020202020204" pitchFamily="34" charset="0"/>
+            </a:endParaRPr>
           </a:p>
         </p:txBody>
       </p:sp>
       <p:pic>
         <p:nvPicPr>
-          <p:cNvPr id="13" name="Picture 12" descr="Text&#10;&#10;Description automatically generated">
+          <p:cNvPr id="1029" name="Picture 5">
             <a:extLst>
               <a:ext uri="{FF2B5EF4-FFF2-40B4-BE49-F238E27FC236}">
-                <a16:creationId xmlns:a16="http://schemas.microsoft.com/office/drawing/2014/main" id="{0E03DFF8-63F9-46D0-BA10-22D8254F8617}"/>
+                <a16:creationId xmlns:a16="http://schemas.microsoft.com/office/drawing/2014/main" id="{236ED0B5-15A0-42DB-826B-245AF1E7DA19}"/>
               </a:ext>
             </a:extLst>
           </p:cNvPr>
           <p:cNvPicPr>
-            <a:picLocks noChangeAspect="1"/>
+            <a:picLocks noChangeAspect="1" noChangeArrowheads="1"/>
           </p:cNvPicPr>
           <p:nvPr/>
         </p:nvPicPr>
         <p:blipFill>
-          <a:blip r:embed="rId2"/>
+          <a:blip r:embed="rId2">
+            <a:extLst>
+              <a:ext uri="{28A0092B-C50C-407E-A947-70E740481C1C}">
+                <a14:useLocalDpi xmlns:a14="http://schemas.microsoft.com/office/drawing/2010/main" val="0"/>
+              </a:ext>
+            </a:extLst>
+          </a:blip>
+          <a:srcRect/>
           <a:stretch>
             <a:fillRect/>
           </a:stretch>
         </p:blipFill>
-        <p:spPr>
+        <p:spPr bwMode="auto">
           <a:xfrm>
-            <a:off x="7583141" y="1139723"/>
-            <a:ext cx="3936488" cy="862656"/>
+            <a:off x="6096000" y="2352675"/>
+            <a:ext cx="5905500" cy="4505325"/>
           </a:xfrm>
           <a:prstGeom prst="rect">
             <a:avLst/>
           </a:prstGeom>
+          <a:noFill/>
+          <a:extLst>
+            <a:ext uri="{909E8E84-426E-40DD-AFC4-6F175D3DCCD1}">
+              <a14:hiddenFill xmlns:a14="http://schemas.microsoft.com/office/drawing/2010/main">
+                <a:solidFill>
+                  <a:srgbClr val="FFFFFF"/>
+                </a:solidFill>
+              </a14:hiddenFill>
+            </a:ext>
+          </a:extLst>
         </p:spPr>
       </p:pic>
-      <p:pic>
-        <p:nvPicPr>
-          <p:cNvPr id="9" name="Picture 8" descr="Chart, line chart&#10;&#10;Description automatically generated">
+      <p:sp>
+        <p:nvSpPr>
+          <p:cNvPr id="15" name="TextBox 3">
             <a:extLst>
               <a:ext uri="{FF2B5EF4-FFF2-40B4-BE49-F238E27FC236}">
-                <a16:creationId xmlns:a16="http://schemas.microsoft.com/office/drawing/2014/main" id="{D405C4A1-45ED-4DE4-80E1-4F2581CC7E57}"/>
+                <a16:creationId xmlns:a16="http://schemas.microsoft.com/office/drawing/2014/main" id="{048EBB94-31CC-4F48-B70E-B62B3DBFE942}"/>
               </a:ext>
             </a:extLst>
           </p:cNvPr>
-          <p:cNvPicPr>
-            <a:picLocks noChangeAspect="1"/>
-          </p:cNvPicPr>
+          <p:cNvSpPr txBox="1">
+            <a:spLocks noChangeArrowheads="1"/>
+          </p:cNvSpPr>
           <p:nvPr/>
-        </p:nvPicPr>
-        <p:blipFill>
-          <a:blip r:embed="rId3"/>
-          <a:stretch>
-            <a:fillRect/>
-          </a:stretch>
-        </p:blipFill>
-        <p:spPr>
+        </p:nvSpPr>
+        <p:spPr bwMode="auto">
           <a:xfrm>
-            <a:off x="7116033" y="2994128"/>
-            <a:ext cx="4403595" cy="3170589"/>
+            <a:off x="1366982" y="251093"/>
+            <a:ext cx="3426691" cy="1323439"/>
           </a:xfrm>
           <a:prstGeom prst="rect">
             <a:avLst/>
           </a:prstGeom>
+          <a:noFill/>
+          <a:ln>
+            <a:noFill/>
+          </a:ln>
+          <a:extLst>
+            <a:ext uri="{909E8E84-426E-40DD-AFC4-6F175D3DCCD1}">
+              <a14:hiddenFill xmlns:a14="http://schemas.microsoft.com/office/drawing/2010/main">
+                <a:solidFill>
+                  <a:srgbClr val="FFFFFF"/>
+                </a:solidFill>
+              </a14:hiddenFill>
+            </a:ext>
+            <a:ext uri="{91240B29-F687-4F45-9708-019B960494DF}">
+              <a14:hiddenLine xmlns:a14="http://schemas.microsoft.com/office/drawing/2010/main" w="9525">
+                <a:solidFill>
+                  <a:srgbClr val="000000"/>
+                </a:solidFill>
+                <a:miter lim="800000"/>
+                <a:headEnd/>
+                <a:tailEnd/>
+              </a14:hiddenLine>
+            </a:ext>
+          </a:extLst>
         </p:spPr>
-      </p:pic>
+        <p:txBody>
+          <a:bodyPr wrap="square">
+            <a:spAutoFit/>
+          </a:bodyPr>
+          <a:lstStyle>
+            <a:lvl1pPr>
+              <a:lnSpc>
+                <a:spcPct val="90000"/>
+              </a:lnSpc>
+              <a:spcBef>
+                <a:spcPts val="1000"/>
+              </a:spcBef>
+              <a:buFont typeface="Arial" panose="020B0604020202020204" pitchFamily="34" charset="0"/>
+              <a:buChar char="•"/>
+              <a:defRPr sz="2800">
+                <a:solidFill>
+                  <a:schemeClr val="tx1"/>
+                </a:solidFill>
+                <a:latin typeface="Calibri" panose="020F0502020204030204" pitchFamily="34" charset="0"/>
+              </a:defRPr>
+            </a:lvl1pPr>
+            <a:lvl2pPr marL="742950" indent="-285750">
+              <a:lnSpc>
+                <a:spcPct val="90000"/>
+              </a:lnSpc>
+              <a:spcBef>
+                <a:spcPts val="500"/>
+              </a:spcBef>
+              <a:buFont typeface="Arial" panose="020B0604020202020204" pitchFamily="34" charset="0"/>
+              <a:buChar char="•"/>
+              <a:defRPr sz="2400">
+                <a:solidFill>
+                  <a:schemeClr val="tx1"/>
+                </a:solidFill>
+                <a:latin typeface="Calibri" panose="020F0502020204030204" pitchFamily="34" charset="0"/>
+              </a:defRPr>
+            </a:lvl2pPr>
+            <a:lvl3pPr marL="1143000" indent="-228600">
+              <a:lnSpc>
+                <a:spcPct val="90000"/>
+              </a:lnSpc>
+              <a:spcBef>
+                <a:spcPts val="500"/>
+              </a:spcBef>
+              <a:buFont typeface="Arial" panose="020B0604020202020204" pitchFamily="34" charset="0"/>
+              <a:buChar char="•"/>
+              <a:defRPr sz="2000">
+                <a:solidFill>
+                  <a:schemeClr val="tx1"/>
+                </a:solidFill>
+                <a:latin typeface="Calibri" panose="020F0502020204030204" pitchFamily="34" charset="0"/>
+              </a:defRPr>
+            </a:lvl3pPr>
+            <a:lvl4pPr marL="1600200" indent="-228600">
+              <a:lnSpc>
+                <a:spcPct val="90000"/>
+              </a:lnSpc>
+              <a:spcBef>
+                <a:spcPts val="500"/>
+              </a:spcBef>
+              <a:buFont typeface="Arial" panose="020B0604020202020204" pitchFamily="34" charset="0"/>
+              <a:buChar char="•"/>
+              <a:defRPr>
+                <a:solidFill>
+                  <a:schemeClr val="tx1"/>
+                </a:solidFill>
+                <a:latin typeface="Calibri" panose="020F0502020204030204" pitchFamily="34" charset="0"/>
+              </a:defRPr>
+            </a:lvl4pPr>
+            <a:lvl5pPr marL="2057400" indent="-228600">
+              <a:lnSpc>
+                <a:spcPct val="90000"/>
+              </a:lnSpc>
+              <a:spcBef>
+                <a:spcPts val="500"/>
+              </a:spcBef>
+              <a:buFont typeface="Arial" panose="020B0604020202020204" pitchFamily="34" charset="0"/>
+              <a:buChar char="•"/>
+              <a:defRPr>
+                <a:solidFill>
+                  <a:schemeClr val="tx1"/>
+                </a:solidFill>
+                <a:latin typeface="Calibri" panose="020F0502020204030204" pitchFamily="34" charset="0"/>
+              </a:defRPr>
+            </a:lvl5pPr>
+            <a:lvl6pPr marL="2514600" indent="-228600" eaLnBrk="0" fontAlgn="base" hangingPunct="0">
+              <a:lnSpc>
+                <a:spcPct val="90000"/>
+              </a:lnSpc>
+              <a:spcBef>
+                <a:spcPts val="500"/>
+              </a:spcBef>
+              <a:spcAft>
+                <a:spcPct val="0"/>
+              </a:spcAft>
+              <a:buFont typeface="Arial" panose="020B0604020202020204" pitchFamily="34" charset="0"/>
+              <a:buChar char="•"/>
+              <a:defRPr>
+                <a:solidFill>
+                  <a:schemeClr val="tx1"/>
+                </a:solidFill>
+                <a:latin typeface="Calibri" panose="020F0502020204030204" pitchFamily="34" charset="0"/>
+              </a:defRPr>
+            </a:lvl6pPr>
+            <a:lvl7pPr marL="2971800" indent="-228600" eaLnBrk="0" fontAlgn="base" hangingPunct="0">
+              <a:lnSpc>
+                <a:spcPct val="90000"/>
+              </a:lnSpc>
+              <a:spcBef>
+                <a:spcPts val="500"/>
+              </a:spcBef>
+              <a:spcAft>
+                <a:spcPct val="0"/>
+              </a:spcAft>
+              <a:buFont typeface="Arial" panose="020B0604020202020204" pitchFamily="34" charset="0"/>
+              <a:buChar char="•"/>
+              <a:defRPr>
+                <a:solidFill>
+                  <a:schemeClr val="tx1"/>
+                </a:solidFill>
+                <a:latin typeface="Calibri" panose="020F0502020204030204" pitchFamily="34" charset="0"/>
+              </a:defRPr>
+            </a:lvl7pPr>
+            <a:lvl8pPr marL="3429000" indent="-228600" eaLnBrk="0" fontAlgn="base" hangingPunct="0">
+              <a:lnSpc>
+                <a:spcPct val="90000"/>
+              </a:lnSpc>
+              <a:spcBef>
+                <a:spcPts val="500"/>
+              </a:spcBef>
+              <a:spcAft>
+                <a:spcPct val="0"/>
+              </a:spcAft>
+              <a:buFont typeface="Arial" panose="020B0604020202020204" pitchFamily="34" charset="0"/>
+              <a:buChar char="•"/>
+              <a:defRPr>
+                <a:solidFill>
+                  <a:schemeClr val="tx1"/>
+                </a:solidFill>
+                <a:latin typeface="Calibri" panose="020F0502020204030204" pitchFamily="34" charset="0"/>
+              </a:defRPr>
+            </a:lvl8pPr>
+            <a:lvl9pPr marL="3886200" indent="-228600" eaLnBrk="0" fontAlgn="base" hangingPunct="0">
+              <a:lnSpc>
+                <a:spcPct val="90000"/>
+              </a:lnSpc>
+              <a:spcBef>
+                <a:spcPts val="500"/>
+              </a:spcBef>
+              <a:spcAft>
+                <a:spcPct val="0"/>
+              </a:spcAft>
+              <a:buFont typeface="Arial" panose="020B0604020202020204" pitchFamily="34" charset="0"/>
+              <a:buChar char="•"/>
+              <a:defRPr>
+                <a:solidFill>
+                  <a:schemeClr val="tx1"/>
+                </a:solidFill>
+                <a:latin typeface="Calibri" panose="020F0502020204030204" pitchFamily="34" charset="0"/>
+              </a:defRPr>
+            </a:lvl9pPr>
+          </a:lstStyle>
+          <a:p>
+            <a:pPr algn="ctr" eaLnBrk="1" hangingPunct="1">
+              <a:lnSpc>
+                <a:spcPct val="100000"/>
+              </a:lnSpc>
+              <a:spcBef>
+                <a:spcPct val="0"/>
+              </a:spcBef>
+              <a:buFontTx/>
+              <a:buNone/>
+            </a:pPr>
+            <a:r>
+              <a:rPr lang="en-US" altLang="en-US" sz="4000" dirty="0"/>
+              <a:t>One Period ZID Simulation</a:t>
+            </a:r>
+          </a:p>
+        </p:txBody>
+      </p:sp>
     </p:spTree>
     <p:extLst>
       <p:ext uri="{BB962C8B-B14F-4D97-AF65-F5344CB8AC3E}">

--- a/talks/ZI Conference Talk V2.pptx
+++ b/talks/ZI Conference Talk V2.pptx
@@ -5,37 +5,38 @@
     <p:sldMasterId id="2147483648" r:id="rId1"/>
   </p:sldMasterIdLst>
   <p:notesMasterIdLst>
-    <p:notesMasterId r:id="rId30"/>
+    <p:notesMasterId r:id="rId31"/>
   </p:notesMasterIdLst>
   <p:sldIdLst>
     <p:sldId id="286" r:id="rId2"/>
     <p:sldId id="458" r:id="rId3"/>
     <p:sldId id="471" r:id="rId4"/>
     <p:sldId id="472" r:id="rId5"/>
-    <p:sldId id="492" r:id="rId6"/>
-    <p:sldId id="473" r:id="rId7"/>
-    <p:sldId id="474" r:id="rId8"/>
-    <p:sldId id="476" r:id="rId9"/>
-    <p:sldId id="469" r:id="rId10"/>
-    <p:sldId id="504" r:id="rId11"/>
-    <p:sldId id="502" r:id="rId12"/>
-    <p:sldId id="503" r:id="rId13"/>
-    <p:sldId id="479" r:id="rId14"/>
-    <p:sldId id="477" r:id="rId15"/>
-    <p:sldId id="478" r:id="rId16"/>
-    <p:sldId id="480" r:id="rId17"/>
-    <p:sldId id="494" r:id="rId18"/>
-    <p:sldId id="491" r:id="rId19"/>
-    <p:sldId id="485" r:id="rId20"/>
-    <p:sldId id="496" r:id="rId21"/>
-    <p:sldId id="493" r:id="rId22"/>
-    <p:sldId id="498" r:id="rId23"/>
-    <p:sldId id="499" r:id="rId24"/>
-    <p:sldId id="487" r:id="rId25"/>
-    <p:sldId id="500" r:id="rId26"/>
-    <p:sldId id="497" r:id="rId27"/>
-    <p:sldId id="488" r:id="rId28"/>
-    <p:sldId id="357" r:id="rId29"/>
+    <p:sldId id="505" r:id="rId6"/>
+    <p:sldId id="492" r:id="rId7"/>
+    <p:sldId id="473" r:id="rId8"/>
+    <p:sldId id="474" r:id="rId9"/>
+    <p:sldId id="476" r:id="rId10"/>
+    <p:sldId id="469" r:id="rId11"/>
+    <p:sldId id="504" r:id="rId12"/>
+    <p:sldId id="502" r:id="rId13"/>
+    <p:sldId id="503" r:id="rId14"/>
+    <p:sldId id="479" r:id="rId15"/>
+    <p:sldId id="477" r:id="rId16"/>
+    <p:sldId id="478" r:id="rId17"/>
+    <p:sldId id="480" r:id="rId18"/>
+    <p:sldId id="494" r:id="rId19"/>
+    <p:sldId id="491" r:id="rId20"/>
+    <p:sldId id="485" r:id="rId21"/>
+    <p:sldId id="496" r:id="rId22"/>
+    <p:sldId id="493" r:id="rId23"/>
+    <p:sldId id="498" r:id="rId24"/>
+    <p:sldId id="499" r:id="rId25"/>
+    <p:sldId id="487" r:id="rId26"/>
+    <p:sldId id="500" r:id="rId27"/>
+    <p:sldId id="497" r:id="rId28"/>
+    <p:sldId id="488" r:id="rId29"/>
+    <p:sldId id="357" r:id="rId30"/>
   </p:sldIdLst>
   <p:sldSz cx="12192000" cy="6858000"/>
   <p:notesSz cx="6858000" cy="9144000"/>
@@ -4739,6 +4740,14 @@
 <file path=ppt/slides/slide10.xml><?xml version="1.0" encoding="utf-8"?>
 <p:sld xmlns:a="http://schemas.openxmlformats.org/drawingml/2006/main" xmlns:r="http://schemas.openxmlformats.org/officeDocument/2006/relationships" xmlns:p="http://schemas.openxmlformats.org/presentationml/2006/main">
   <p:cSld>
+    <p:bg>
+      <p:bgPr>
+        <a:solidFill>
+          <a:schemeClr val="bg1"/>
+        </a:solidFill>
+        <a:effectLst/>
+      </p:bgPr>
+    </p:bg>
     <p:spTree>
       <p:nvGrpSpPr>
         <p:cNvPr id="1" name=""/>
@@ -4753,59 +4762,475 @@
           <a:chExt cx="0" cy="0"/>
         </a:xfrm>
       </p:grpSpPr>
-      <p:pic>
-        <p:nvPicPr>
-          <p:cNvPr id="5122" name="Picture 2">
+      <p:sp>
+        <p:nvSpPr>
+          <p:cNvPr id="18" name="Rectangle 17">
             <a:extLst>
               <a:ext uri="{FF2B5EF4-FFF2-40B4-BE49-F238E27FC236}">
-                <a16:creationId xmlns:a16="http://schemas.microsoft.com/office/drawing/2014/main" id="{D42A1E65-F369-4CE2-9FF4-FF1188549391}"/>
+                <a16:creationId xmlns:a16="http://schemas.microsoft.com/office/drawing/2014/main" id="{68A4132F-DEC6-4332-A00C-A11AD4519B6C}"/>
+              </a:ext>
+              <a:ext uri="{C183D7F6-B498-43B3-948B-1728B52AA6E4}">
+                <adec:decorative xmlns:adec="http://schemas.microsoft.com/office/drawing/2017/decorative" val="1"/>
               </a:ext>
             </a:extLst>
           </p:cNvPr>
-          <p:cNvPicPr>
-            <a:picLocks noChangeAspect="1" noChangeArrowheads="1"/>
-          </p:cNvPicPr>
-          <p:nvPr/>
-        </p:nvPicPr>
-        <p:blipFill>
-          <a:blip r:embed="rId2">
-            <a:extLst>
-              <a:ext uri="{28A0092B-C50C-407E-A947-70E740481C1C}">
-                <a14:useLocalDpi xmlns:a14="http://schemas.microsoft.com/office/drawing/2010/main" val="0"/>
-              </a:ext>
-            </a:extLst>
-          </a:blip>
-          <a:srcRect/>
-          <a:stretch>
-            <a:fillRect/>
-          </a:stretch>
-        </p:blipFill>
-        <p:spPr bwMode="auto">
+          <p:cNvSpPr>
+            <a:spLocks noGrp="1" noRot="1" noChangeAspect="1" noMove="1" noResize="1" noEditPoints="1" noAdjustHandles="1" noChangeArrowheads="1" noChangeShapeType="1" noTextEdit="1"/>
+          </p:cNvSpPr>
+          <p:nvPr>
+            <p:extLst>
+              <p:ext uri="{386F3935-93C4-4BCD-93E2-E3B085C9AB24}">
+                <p16:designElem xmlns:p16="http://schemas.microsoft.com/office/powerpoint/2015/main" val="1"/>
+              </p:ext>
+            </p:extLst>
+          </p:nvPr>
+        </p:nvSpPr>
+        <p:spPr>
           <a:xfrm>
-            <a:off x="346017" y="1993433"/>
-            <a:ext cx="5100876" cy="4505325"/>
+            <a:off x="3048" y="0"/>
+            <a:ext cx="12188952" cy="6858000"/>
           </a:xfrm>
           <a:prstGeom prst="rect">
             <a:avLst/>
           </a:prstGeom>
-          <a:noFill/>
-          <a:extLst>
-            <a:ext uri="{909E8E84-426E-40DD-AFC4-6F175D3DCCD1}">
-              <a14:hiddenFill xmlns:a14="http://schemas.microsoft.com/office/drawing/2010/main">
-                <a:solidFill>
-                  <a:srgbClr val="FFFFFF"/>
-                </a:solidFill>
-              </a14:hiddenFill>
-            </a:ext>
-          </a:extLst>
+          <a:solidFill>
+            <a:schemeClr val="tx1"/>
+          </a:solidFill>
+          <a:ln>
+            <a:noFill/>
+          </a:ln>
         </p:spPr>
-      </p:pic>
+        <p:style>
+          <a:lnRef idx="2">
+            <a:schemeClr val="accent1">
+              <a:shade val="50000"/>
+            </a:schemeClr>
+          </a:lnRef>
+          <a:fillRef idx="1">
+            <a:schemeClr val="accent1"/>
+          </a:fillRef>
+          <a:effectRef idx="0">
+            <a:schemeClr val="accent1"/>
+          </a:effectRef>
+          <a:fontRef idx="minor">
+            <a:schemeClr val="lt1"/>
+          </a:fontRef>
+        </p:style>
+        <p:txBody>
+          <a:bodyPr rtlCol="0" anchor="ctr"/>
+          <a:lstStyle/>
+          <a:p>
+            <a:pPr algn="ctr"/>
+            <a:endParaRPr lang="en-US"/>
+          </a:p>
+        </p:txBody>
+      </p:sp>
+      <p:sp>
+        <p:nvSpPr>
+          <p:cNvPr id="20" name="Freeform: Shape 19">
+            <a:extLst>
+              <a:ext uri="{FF2B5EF4-FFF2-40B4-BE49-F238E27FC236}">
+                <a16:creationId xmlns:a16="http://schemas.microsoft.com/office/drawing/2014/main" id="{64965EAE-E41A-435F-B993-07E824B6C977}"/>
+              </a:ext>
+              <a:ext uri="{C183D7F6-B498-43B3-948B-1728B52AA6E4}">
+                <adec:decorative xmlns:adec="http://schemas.microsoft.com/office/drawing/2017/decorative" val="1"/>
+              </a:ext>
+            </a:extLst>
+          </p:cNvPr>
+          <p:cNvSpPr>
+            <a:spLocks noGrp="1" noRot="1" noChangeAspect="1" noMove="1" noResize="1" noEditPoints="1" noAdjustHandles="1" noChangeArrowheads="1" noChangeShapeType="1" noTextEdit="1"/>
+          </p:cNvSpPr>
+          <p:nvPr>
+            <p:extLst>
+              <p:ext uri="{386F3935-93C4-4BCD-93E2-E3B085C9AB24}">
+                <p16:designElem xmlns:p16="http://schemas.microsoft.com/office/powerpoint/2015/main" val="1"/>
+              </p:ext>
+            </p:extLst>
+          </p:nvPr>
+        </p:nvSpPr>
+        <p:spPr>
+          <a:xfrm flipV="1">
+            <a:off x="1" y="0"/>
+            <a:ext cx="7539895" cy="6858000"/>
+          </a:xfrm>
+          <a:custGeom>
+            <a:avLst/>
+            <a:gdLst>
+              <a:gd name="connsiteX0" fmla="*/ 7539895 w 7539895"/>
+              <a:gd name="connsiteY0" fmla="*/ 6858000 h 6858000"/>
+              <a:gd name="connsiteX1" fmla="*/ 0 w 7539895"/>
+              <a:gd name="connsiteY1" fmla="*/ 6858000 h 6858000"/>
+              <a:gd name="connsiteX2" fmla="*/ 0 w 7539895"/>
+              <a:gd name="connsiteY2" fmla="*/ 0 h 6858000"/>
+              <a:gd name="connsiteX3" fmla="*/ 4363741 w 7539895"/>
+              <a:gd name="connsiteY3" fmla="*/ 0 h 6858000"/>
+            </a:gdLst>
+            <a:ahLst/>
+            <a:cxnLst>
+              <a:cxn ang="0">
+                <a:pos x="connsiteX0" y="connsiteY0"/>
+              </a:cxn>
+              <a:cxn ang="0">
+                <a:pos x="connsiteX1" y="connsiteY1"/>
+              </a:cxn>
+              <a:cxn ang="0">
+                <a:pos x="connsiteX2" y="connsiteY2"/>
+              </a:cxn>
+              <a:cxn ang="0">
+                <a:pos x="connsiteX3" y="connsiteY3"/>
+              </a:cxn>
+            </a:cxnLst>
+            <a:rect l="l" t="t" r="r" b="b"/>
+            <a:pathLst>
+              <a:path w="7539895" h="6858000">
+                <a:moveTo>
+                  <a:pt x="7539895" y="6858000"/>
+                </a:moveTo>
+                <a:lnTo>
+                  <a:pt x="0" y="6858000"/>
+                </a:lnTo>
+                <a:lnTo>
+                  <a:pt x="0" y="0"/>
+                </a:lnTo>
+                <a:lnTo>
+                  <a:pt x="4363741" y="0"/>
+                </a:lnTo>
+                <a:close/>
+              </a:path>
+            </a:pathLst>
+          </a:custGeom>
+          <a:solidFill>
+            <a:schemeClr val="bg1">
+              <a:lumMod val="85000"/>
+              <a:lumOff val="15000"/>
+              <a:alpha val="70000"/>
+            </a:schemeClr>
+          </a:solidFill>
+          <a:ln>
+            <a:noFill/>
+          </a:ln>
+        </p:spPr>
+        <p:style>
+          <a:lnRef idx="2">
+            <a:schemeClr val="accent1">
+              <a:shade val="50000"/>
+            </a:schemeClr>
+          </a:lnRef>
+          <a:fillRef idx="1">
+            <a:schemeClr val="accent1"/>
+          </a:fillRef>
+          <a:effectRef idx="0">
+            <a:schemeClr val="accent1"/>
+          </a:effectRef>
+          <a:fontRef idx="minor">
+            <a:schemeClr val="lt1"/>
+          </a:fontRef>
+        </p:style>
+        <p:txBody>
+          <a:bodyPr wrap="square" rtlCol="0" anchor="ctr">
+            <a:noAutofit/>
+          </a:bodyPr>
+          <a:lstStyle/>
+          <a:p>
+            <a:pPr algn="ctr"/>
+            <a:endParaRPr lang="en-US"/>
+          </a:p>
+        </p:txBody>
+      </p:sp>
+      <p:sp>
+        <p:nvSpPr>
+          <p:cNvPr id="22" name="Freeform: Shape 21">
+            <a:extLst>
+              <a:ext uri="{FF2B5EF4-FFF2-40B4-BE49-F238E27FC236}">
+                <a16:creationId xmlns:a16="http://schemas.microsoft.com/office/drawing/2014/main" id="{152F8994-E6D4-4311-9548-C3607BC43645}"/>
+              </a:ext>
+              <a:ext uri="{C183D7F6-B498-43B3-948B-1728B52AA6E4}">
+                <adec:decorative xmlns:adec="http://schemas.microsoft.com/office/drawing/2017/decorative" val="1"/>
+              </a:ext>
+            </a:extLst>
+          </p:cNvPr>
+          <p:cNvSpPr>
+            <a:spLocks noGrp="1" noRot="1" noChangeAspect="1" noMove="1" noResize="1" noEditPoints="1" noAdjustHandles="1" noChangeArrowheads="1" noChangeShapeType="1" noTextEdit="1"/>
+          </p:cNvSpPr>
+          <p:nvPr>
+            <p:extLst>
+              <p:ext uri="{386F3935-93C4-4BCD-93E2-E3B085C9AB24}">
+                <p16:designElem xmlns:p16="http://schemas.microsoft.com/office/powerpoint/2015/main" val="1"/>
+              </p:ext>
+            </p:extLst>
+          </p:nvPr>
+        </p:nvSpPr>
+        <p:spPr>
+          <a:xfrm flipV="1">
+            <a:off x="0" y="0"/>
+            <a:ext cx="7092985" cy="6858000"/>
+          </a:xfrm>
+          <a:custGeom>
+            <a:avLst/>
+            <a:gdLst>
+              <a:gd name="connsiteX0" fmla="*/ 7092985 w 7092985"/>
+              <a:gd name="connsiteY0" fmla="*/ 6858000 h 6858000"/>
+              <a:gd name="connsiteX1" fmla="*/ 0 w 7092985"/>
+              <a:gd name="connsiteY1" fmla="*/ 6858000 h 6858000"/>
+              <a:gd name="connsiteX2" fmla="*/ 0 w 7092985"/>
+              <a:gd name="connsiteY2" fmla="*/ 0 h 6858000"/>
+              <a:gd name="connsiteX3" fmla="*/ 3916831 w 7092985"/>
+              <a:gd name="connsiteY3" fmla="*/ 0 h 6858000"/>
+            </a:gdLst>
+            <a:ahLst/>
+            <a:cxnLst>
+              <a:cxn ang="0">
+                <a:pos x="connsiteX0" y="connsiteY0"/>
+              </a:cxn>
+              <a:cxn ang="0">
+                <a:pos x="connsiteX1" y="connsiteY1"/>
+              </a:cxn>
+              <a:cxn ang="0">
+                <a:pos x="connsiteX2" y="connsiteY2"/>
+              </a:cxn>
+              <a:cxn ang="0">
+                <a:pos x="connsiteX3" y="connsiteY3"/>
+              </a:cxn>
+            </a:cxnLst>
+            <a:rect l="l" t="t" r="r" b="b"/>
+            <a:pathLst>
+              <a:path w="7092985" h="6858000">
+                <a:moveTo>
+                  <a:pt x="7092985" y="6858000"/>
+                </a:moveTo>
+                <a:lnTo>
+                  <a:pt x="0" y="6858000"/>
+                </a:lnTo>
+                <a:lnTo>
+                  <a:pt x="0" y="0"/>
+                </a:lnTo>
+                <a:lnTo>
+                  <a:pt x="3916831" y="0"/>
+                </a:lnTo>
+                <a:close/>
+              </a:path>
+            </a:pathLst>
+          </a:custGeom>
+          <a:solidFill>
+            <a:schemeClr val="bg1">
+              <a:lumMod val="85000"/>
+              <a:lumOff val="15000"/>
+            </a:schemeClr>
+          </a:solidFill>
+          <a:ln>
+            <a:noFill/>
+          </a:ln>
+        </p:spPr>
+        <p:style>
+          <a:lnRef idx="2">
+            <a:schemeClr val="accent1">
+              <a:shade val="50000"/>
+            </a:schemeClr>
+          </a:lnRef>
+          <a:fillRef idx="1">
+            <a:schemeClr val="accent1"/>
+          </a:fillRef>
+          <a:effectRef idx="0">
+            <a:schemeClr val="accent1"/>
+          </a:effectRef>
+          <a:fontRef idx="minor">
+            <a:schemeClr val="lt1"/>
+          </a:fontRef>
+        </p:style>
+        <p:txBody>
+          <a:bodyPr wrap="square" rtlCol="0" anchor="ctr">
+            <a:noAutofit/>
+          </a:bodyPr>
+          <a:lstStyle/>
+          <a:p>
+            <a:pPr algn="ctr"/>
+            <a:endParaRPr lang="en-US"/>
+          </a:p>
+        </p:txBody>
+      </p:sp>
+      <p:sp>
+        <p:nvSpPr>
+          <p:cNvPr id="3" name="TextBox 2">
+            <a:extLst>
+              <a:ext uri="{FF2B5EF4-FFF2-40B4-BE49-F238E27FC236}">
+                <a16:creationId xmlns:a16="http://schemas.microsoft.com/office/drawing/2014/main" id="{FBF94A56-00B5-4AE8-8E3E-8D6406321F19}"/>
+              </a:ext>
+            </a:extLst>
+          </p:cNvPr>
+          <p:cNvSpPr txBox="1"/>
+          <p:nvPr/>
+        </p:nvSpPr>
+        <p:spPr>
+          <a:xfrm>
+            <a:off x="838199" y="1825625"/>
+            <a:ext cx="5257801" cy="3399518"/>
+          </a:xfrm>
+          <a:prstGeom prst="rect">
+            <a:avLst/>
+          </a:prstGeom>
+        </p:spPr>
+        <p:txBody>
+          <a:bodyPr vert="horz" lIns="91440" tIns="45720" rIns="91440" bIns="45720" rtlCol="0">
+            <a:normAutofit/>
+          </a:bodyPr>
+          <a:lstStyle/>
+          <a:p>
+            <a:pPr indent="-228600">
+              <a:lnSpc>
+                <a:spcPct val="90000"/>
+              </a:lnSpc>
+              <a:spcAft>
+                <a:spcPts val="600"/>
+              </a:spcAft>
+              <a:buFont typeface="Arial" panose="020B0604020202020204" pitchFamily="34" charset="0"/>
+              <a:buChar char="•"/>
+            </a:pPr>
+            <a:r>
+              <a:rPr lang="en-US" sz="2800" dirty="0"/>
+              <a:t>Example Period Simulation</a:t>
+            </a:r>
+          </a:p>
+          <a:p>
+            <a:pPr indent="-228600">
+              <a:lnSpc>
+                <a:spcPct val="90000"/>
+              </a:lnSpc>
+              <a:spcAft>
+                <a:spcPts val="600"/>
+              </a:spcAft>
+              <a:buFont typeface="Arial" panose="020B0604020202020204" pitchFamily="34" charset="0"/>
+              <a:buChar char="•"/>
+            </a:pPr>
+            <a:endParaRPr lang="en-US" sz="2000" dirty="0"/>
+          </a:p>
+          <a:p>
+            <a:pPr indent="-228600">
+              <a:lnSpc>
+                <a:spcPct val="90000"/>
+              </a:lnSpc>
+              <a:spcAft>
+                <a:spcPts val="600"/>
+              </a:spcAft>
+              <a:buFont typeface="Arial" panose="020B0604020202020204" pitchFamily="34" charset="0"/>
+              <a:buChar char="•"/>
+            </a:pPr>
+            <a:r>
+              <a:rPr lang="en-US" sz="2000" dirty="0" err="1"/>
+              <a:t>grid_size</a:t>
+            </a:r>
+            <a:r>
+              <a:rPr lang="en-US" sz="2000" dirty="0"/>
+              <a:t> = 1     </a:t>
+            </a:r>
+          </a:p>
+          <a:p>
+            <a:pPr indent="-228600">
+              <a:lnSpc>
+                <a:spcPct val="90000"/>
+              </a:lnSpc>
+              <a:spcAft>
+                <a:spcPts val="600"/>
+              </a:spcAft>
+              <a:buFont typeface="Arial" panose="020B0604020202020204" pitchFamily="34" charset="0"/>
+              <a:buChar char="•"/>
+            </a:pPr>
+            <a:r>
+              <a:rPr lang="en-US" sz="2000" dirty="0" err="1"/>
+              <a:t>num_rounds</a:t>
+            </a:r>
+            <a:r>
+              <a:rPr lang="en-US" sz="2000" dirty="0"/>
+              <a:t> = 10 </a:t>
+            </a:r>
+          </a:p>
+          <a:p>
+            <a:pPr indent="-228600">
+              <a:lnSpc>
+                <a:spcPct val="90000"/>
+              </a:lnSpc>
+              <a:spcAft>
+                <a:spcPts val="600"/>
+              </a:spcAft>
+              <a:buFont typeface="Arial" panose="020B0604020202020204" pitchFamily="34" charset="0"/>
+              <a:buChar char="•"/>
+            </a:pPr>
+            <a:r>
+              <a:rPr lang="en-US" sz="2000" dirty="0" err="1"/>
+              <a:t>num_traders</a:t>
+            </a:r>
+            <a:r>
+              <a:rPr lang="en-US" sz="2000" dirty="0"/>
+              <a:t> = 20   </a:t>
+            </a:r>
+          </a:p>
+          <a:p>
+            <a:pPr indent="-228600">
+              <a:lnSpc>
+                <a:spcPct val="90000"/>
+              </a:lnSpc>
+              <a:spcAft>
+                <a:spcPts val="600"/>
+              </a:spcAft>
+              <a:buFont typeface="Arial" panose="020B0604020202020204" pitchFamily="34" charset="0"/>
+              <a:buChar char="•"/>
+            </a:pPr>
+            <a:r>
+              <a:rPr lang="en-US" sz="2000" dirty="0" err="1"/>
+              <a:t>num_units</a:t>
+            </a:r>
+            <a:r>
+              <a:rPr lang="en-US" sz="2000" dirty="0"/>
+              <a:t> = 8   </a:t>
+            </a:r>
+          </a:p>
+          <a:p>
+            <a:pPr indent="-228600">
+              <a:lnSpc>
+                <a:spcPct val="90000"/>
+              </a:lnSpc>
+              <a:spcAft>
+                <a:spcPts val="600"/>
+              </a:spcAft>
+              <a:buFont typeface="Arial" panose="020B0604020202020204" pitchFamily="34" charset="0"/>
+              <a:buChar char="•"/>
+            </a:pPr>
+            <a:r>
+              <a:rPr lang="en-US" sz="2000" dirty="0" err="1"/>
+              <a:t>lower_bound</a:t>
+            </a:r>
+            <a:r>
+              <a:rPr lang="en-US" sz="2000" dirty="0"/>
+              <a:t> = 200 </a:t>
+            </a:r>
+          </a:p>
+          <a:p>
+            <a:pPr indent="-228600">
+              <a:lnSpc>
+                <a:spcPct val="90000"/>
+              </a:lnSpc>
+              <a:spcAft>
+                <a:spcPts val="600"/>
+              </a:spcAft>
+              <a:buFont typeface="Arial" panose="020B0604020202020204" pitchFamily="34" charset="0"/>
+              <a:buChar char="•"/>
+            </a:pPr>
+            <a:r>
+              <a:rPr lang="en-US" sz="2000" dirty="0" err="1"/>
+              <a:t>upper_bound</a:t>
+            </a:r>
+            <a:r>
+              <a:rPr lang="en-US" sz="2000" dirty="0"/>
+              <a:t> = 600 </a:t>
+            </a:r>
+          </a:p>
+        </p:txBody>
+      </p:sp>
       <p:sp>
         <p:nvSpPr>
           <p:cNvPr id="2" name="Rectangle 3">
             <a:extLst>
               <a:ext uri="{FF2B5EF4-FFF2-40B4-BE49-F238E27FC236}">
-                <a16:creationId xmlns:a16="http://schemas.microsoft.com/office/drawing/2014/main" id="{1D3B9B93-00A7-43E1-9F88-3BCDBCBAAE59}"/>
+                <a16:creationId xmlns:a16="http://schemas.microsoft.com/office/drawing/2014/main" id="{4D255444-1857-47B6-B193-1EF071340378}"/>
               </a:ext>
             </a:extLst>
           </p:cNvPr>
@@ -4816,8 +5241,8 @@
         </p:nvSpPr>
         <p:spPr bwMode="auto">
           <a:xfrm>
-            <a:off x="5654040" y="54441"/>
-            <a:ext cx="6537960" cy="1938992"/>
+            <a:off x="7822194" y="809688"/>
+            <a:ext cx="3739081" cy="1015663"/>
           </a:xfrm>
           <a:prstGeom prst="rect">
             <a:avLst/>
@@ -4882,6 +5307,525 @@
               <a:tabLst/>
             </a:pPr>
             <a:r>
+              <a:rPr kumimoji="0" lang="en-US" altLang="en-US" sz="2000" b="0" i="0" u="none" strike="noStrike" cap="none" normalizeH="0" baseline="0" dirty="0">
+                <a:ln>
+                  <a:noFill/>
+                </a:ln>
+                <a:solidFill>
+                  <a:schemeClr val="bg1"/>
+                </a:solidFill>
+                <a:effectLst/>
+                <a:latin typeface="Arial Unicode MS"/>
+              </a:rPr>
+              <a:t>equilibrium price = 388 - 391 </a:t>
+            </a:r>
+          </a:p>
+          <a:p>
+            <a:pPr marL="0" marR="0" lvl="0" indent="0" algn="l" defTabSz="914400" rtl="0" eaLnBrk="0" fontAlgn="base" latinLnBrk="0" hangingPunct="0">
+              <a:lnSpc>
+                <a:spcPct val="100000"/>
+              </a:lnSpc>
+              <a:spcBef>
+                <a:spcPct val="0"/>
+              </a:spcBef>
+              <a:spcAft>
+                <a:spcPct val="0"/>
+              </a:spcAft>
+              <a:buClrTx/>
+              <a:buSzTx/>
+              <a:buFontTx/>
+              <a:buNone/>
+              <a:tabLst/>
+            </a:pPr>
+            <a:r>
+              <a:rPr kumimoji="0" lang="en-US" altLang="en-US" sz="2000" b="0" i="0" u="none" strike="noStrike" cap="none" normalizeH="0" baseline="0" dirty="0">
+                <a:ln>
+                  <a:noFill/>
+                </a:ln>
+                <a:solidFill>
+                  <a:schemeClr val="bg1"/>
+                </a:solidFill>
+                <a:effectLst/>
+                <a:latin typeface="Arial Unicode MS"/>
+              </a:rPr>
+              <a:t>equilibrium quantity = 55 </a:t>
+            </a:r>
+          </a:p>
+          <a:p>
+            <a:pPr marL="0" marR="0" lvl="0" indent="0" algn="l" defTabSz="914400" rtl="0" eaLnBrk="0" fontAlgn="base" latinLnBrk="0" hangingPunct="0">
+              <a:lnSpc>
+                <a:spcPct val="100000"/>
+              </a:lnSpc>
+              <a:spcBef>
+                <a:spcPct val="0"/>
+              </a:spcBef>
+              <a:spcAft>
+                <a:spcPct val="0"/>
+              </a:spcAft>
+              <a:buClrTx/>
+              <a:buSzTx/>
+              <a:buFontTx/>
+              <a:buNone/>
+              <a:tabLst/>
+            </a:pPr>
+            <a:r>
+              <a:rPr kumimoji="0" lang="en-US" altLang="en-US" sz="2000" b="0" i="0" u="none" strike="noStrike" cap="none" normalizeH="0" baseline="0" dirty="0">
+                <a:ln>
+                  <a:noFill/>
+                </a:ln>
+                <a:solidFill>
+                  <a:schemeClr val="bg1"/>
+                </a:solidFill>
+                <a:effectLst/>
+                <a:latin typeface="Arial Unicode MS"/>
+              </a:rPr>
+              <a:t>maximum surplus = 9887 </a:t>
+            </a:r>
+            <a:endParaRPr kumimoji="0" lang="en-US" altLang="en-US" sz="2000" b="0" i="0" u="none" strike="noStrike" cap="none" normalizeH="0" baseline="0" dirty="0">
+              <a:ln>
+                <a:noFill/>
+              </a:ln>
+              <a:solidFill>
+                <a:schemeClr val="bg1"/>
+              </a:solidFill>
+              <a:effectLst/>
+              <a:latin typeface="Arial" panose="020B0604020202020204" pitchFamily="34" charset="0"/>
+            </a:endParaRPr>
+          </a:p>
+        </p:txBody>
+      </p:sp>
+      <p:pic>
+        <p:nvPicPr>
+          <p:cNvPr id="1029" name="Picture 5">
+            <a:extLst>
+              <a:ext uri="{FF2B5EF4-FFF2-40B4-BE49-F238E27FC236}">
+                <a16:creationId xmlns:a16="http://schemas.microsoft.com/office/drawing/2014/main" id="{236ED0B5-15A0-42DB-826B-245AF1E7DA19}"/>
+              </a:ext>
+            </a:extLst>
+          </p:cNvPr>
+          <p:cNvPicPr>
+            <a:picLocks noChangeAspect="1" noChangeArrowheads="1"/>
+          </p:cNvPicPr>
+          <p:nvPr/>
+        </p:nvPicPr>
+        <p:blipFill>
+          <a:blip r:embed="rId2">
+            <a:extLst>
+              <a:ext uri="{28A0092B-C50C-407E-A947-70E740481C1C}">
+                <a14:useLocalDpi xmlns:a14="http://schemas.microsoft.com/office/drawing/2010/main" val="0"/>
+              </a:ext>
+            </a:extLst>
+          </a:blip>
+          <a:srcRect/>
+          <a:stretch>
+            <a:fillRect/>
+          </a:stretch>
+        </p:blipFill>
+        <p:spPr bwMode="auto">
+          <a:xfrm>
+            <a:off x="6096000" y="2352675"/>
+            <a:ext cx="5905500" cy="4505325"/>
+          </a:xfrm>
+          <a:prstGeom prst="rect">
+            <a:avLst/>
+          </a:prstGeom>
+          <a:noFill/>
+          <a:extLst>
+            <a:ext uri="{909E8E84-426E-40DD-AFC4-6F175D3DCCD1}">
+              <a14:hiddenFill xmlns:a14="http://schemas.microsoft.com/office/drawing/2010/main">
+                <a:solidFill>
+                  <a:srgbClr val="FFFFFF"/>
+                </a:solidFill>
+              </a14:hiddenFill>
+            </a:ext>
+          </a:extLst>
+        </p:spPr>
+      </p:pic>
+      <p:sp>
+        <p:nvSpPr>
+          <p:cNvPr id="15" name="TextBox 3">
+            <a:extLst>
+              <a:ext uri="{FF2B5EF4-FFF2-40B4-BE49-F238E27FC236}">
+                <a16:creationId xmlns:a16="http://schemas.microsoft.com/office/drawing/2014/main" id="{048EBB94-31CC-4F48-B70E-B62B3DBFE942}"/>
+              </a:ext>
+            </a:extLst>
+          </p:cNvPr>
+          <p:cNvSpPr txBox="1">
+            <a:spLocks noChangeArrowheads="1"/>
+          </p:cNvSpPr>
+          <p:nvPr/>
+        </p:nvSpPr>
+        <p:spPr bwMode="auto">
+          <a:xfrm>
+            <a:off x="1366982" y="251093"/>
+            <a:ext cx="3426691" cy="1323439"/>
+          </a:xfrm>
+          <a:prstGeom prst="rect">
+            <a:avLst/>
+          </a:prstGeom>
+          <a:noFill/>
+          <a:ln>
+            <a:noFill/>
+          </a:ln>
+          <a:extLst>
+            <a:ext uri="{909E8E84-426E-40DD-AFC4-6F175D3DCCD1}">
+              <a14:hiddenFill xmlns:a14="http://schemas.microsoft.com/office/drawing/2010/main">
+                <a:solidFill>
+                  <a:srgbClr val="FFFFFF"/>
+                </a:solidFill>
+              </a14:hiddenFill>
+            </a:ext>
+            <a:ext uri="{91240B29-F687-4F45-9708-019B960494DF}">
+              <a14:hiddenLine xmlns:a14="http://schemas.microsoft.com/office/drawing/2010/main" w="9525">
+                <a:solidFill>
+                  <a:srgbClr val="000000"/>
+                </a:solidFill>
+                <a:miter lim="800000"/>
+                <a:headEnd/>
+                <a:tailEnd/>
+              </a14:hiddenLine>
+            </a:ext>
+          </a:extLst>
+        </p:spPr>
+        <p:txBody>
+          <a:bodyPr wrap="square">
+            <a:spAutoFit/>
+          </a:bodyPr>
+          <a:lstStyle>
+            <a:lvl1pPr>
+              <a:lnSpc>
+                <a:spcPct val="90000"/>
+              </a:lnSpc>
+              <a:spcBef>
+                <a:spcPts val="1000"/>
+              </a:spcBef>
+              <a:buFont typeface="Arial" panose="020B0604020202020204" pitchFamily="34" charset="0"/>
+              <a:buChar char="•"/>
+              <a:defRPr sz="2800">
+                <a:solidFill>
+                  <a:schemeClr val="tx1"/>
+                </a:solidFill>
+                <a:latin typeface="Calibri" panose="020F0502020204030204" pitchFamily="34" charset="0"/>
+              </a:defRPr>
+            </a:lvl1pPr>
+            <a:lvl2pPr marL="742950" indent="-285750">
+              <a:lnSpc>
+                <a:spcPct val="90000"/>
+              </a:lnSpc>
+              <a:spcBef>
+                <a:spcPts val="500"/>
+              </a:spcBef>
+              <a:buFont typeface="Arial" panose="020B0604020202020204" pitchFamily="34" charset="0"/>
+              <a:buChar char="•"/>
+              <a:defRPr sz="2400">
+                <a:solidFill>
+                  <a:schemeClr val="tx1"/>
+                </a:solidFill>
+                <a:latin typeface="Calibri" panose="020F0502020204030204" pitchFamily="34" charset="0"/>
+              </a:defRPr>
+            </a:lvl2pPr>
+            <a:lvl3pPr marL="1143000" indent="-228600">
+              <a:lnSpc>
+                <a:spcPct val="90000"/>
+              </a:lnSpc>
+              <a:spcBef>
+                <a:spcPts val="500"/>
+              </a:spcBef>
+              <a:buFont typeface="Arial" panose="020B0604020202020204" pitchFamily="34" charset="0"/>
+              <a:buChar char="•"/>
+              <a:defRPr sz="2000">
+                <a:solidFill>
+                  <a:schemeClr val="tx1"/>
+                </a:solidFill>
+                <a:latin typeface="Calibri" panose="020F0502020204030204" pitchFamily="34" charset="0"/>
+              </a:defRPr>
+            </a:lvl3pPr>
+            <a:lvl4pPr marL="1600200" indent="-228600">
+              <a:lnSpc>
+                <a:spcPct val="90000"/>
+              </a:lnSpc>
+              <a:spcBef>
+                <a:spcPts val="500"/>
+              </a:spcBef>
+              <a:buFont typeface="Arial" panose="020B0604020202020204" pitchFamily="34" charset="0"/>
+              <a:buChar char="•"/>
+              <a:defRPr>
+                <a:solidFill>
+                  <a:schemeClr val="tx1"/>
+                </a:solidFill>
+                <a:latin typeface="Calibri" panose="020F0502020204030204" pitchFamily="34" charset="0"/>
+              </a:defRPr>
+            </a:lvl4pPr>
+            <a:lvl5pPr marL="2057400" indent="-228600">
+              <a:lnSpc>
+                <a:spcPct val="90000"/>
+              </a:lnSpc>
+              <a:spcBef>
+                <a:spcPts val="500"/>
+              </a:spcBef>
+              <a:buFont typeface="Arial" panose="020B0604020202020204" pitchFamily="34" charset="0"/>
+              <a:buChar char="•"/>
+              <a:defRPr>
+                <a:solidFill>
+                  <a:schemeClr val="tx1"/>
+                </a:solidFill>
+                <a:latin typeface="Calibri" panose="020F0502020204030204" pitchFamily="34" charset="0"/>
+              </a:defRPr>
+            </a:lvl5pPr>
+            <a:lvl6pPr marL="2514600" indent="-228600" eaLnBrk="0" fontAlgn="base" hangingPunct="0">
+              <a:lnSpc>
+                <a:spcPct val="90000"/>
+              </a:lnSpc>
+              <a:spcBef>
+                <a:spcPts val="500"/>
+              </a:spcBef>
+              <a:spcAft>
+                <a:spcPct val="0"/>
+              </a:spcAft>
+              <a:buFont typeface="Arial" panose="020B0604020202020204" pitchFamily="34" charset="0"/>
+              <a:buChar char="•"/>
+              <a:defRPr>
+                <a:solidFill>
+                  <a:schemeClr val="tx1"/>
+                </a:solidFill>
+                <a:latin typeface="Calibri" panose="020F0502020204030204" pitchFamily="34" charset="0"/>
+              </a:defRPr>
+            </a:lvl6pPr>
+            <a:lvl7pPr marL="2971800" indent="-228600" eaLnBrk="0" fontAlgn="base" hangingPunct="0">
+              <a:lnSpc>
+                <a:spcPct val="90000"/>
+              </a:lnSpc>
+              <a:spcBef>
+                <a:spcPts val="500"/>
+              </a:spcBef>
+              <a:spcAft>
+                <a:spcPct val="0"/>
+              </a:spcAft>
+              <a:buFont typeface="Arial" panose="020B0604020202020204" pitchFamily="34" charset="0"/>
+              <a:buChar char="•"/>
+              <a:defRPr>
+                <a:solidFill>
+                  <a:schemeClr val="tx1"/>
+                </a:solidFill>
+                <a:latin typeface="Calibri" panose="020F0502020204030204" pitchFamily="34" charset="0"/>
+              </a:defRPr>
+            </a:lvl7pPr>
+            <a:lvl8pPr marL="3429000" indent="-228600" eaLnBrk="0" fontAlgn="base" hangingPunct="0">
+              <a:lnSpc>
+                <a:spcPct val="90000"/>
+              </a:lnSpc>
+              <a:spcBef>
+                <a:spcPts val="500"/>
+              </a:spcBef>
+              <a:spcAft>
+                <a:spcPct val="0"/>
+              </a:spcAft>
+              <a:buFont typeface="Arial" panose="020B0604020202020204" pitchFamily="34" charset="0"/>
+              <a:buChar char="•"/>
+              <a:defRPr>
+                <a:solidFill>
+                  <a:schemeClr val="tx1"/>
+                </a:solidFill>
+                <a:latin typeface="Calibri" panose="020F0502020204030204" pitchFamily="34" charset="0"/>
+              </a:defRPr>
+            </a:lvl8pPr>
+            <a:lvl9pPr marL="3886200" indent="-228600" eaLnBrk="0" fontAlgn="base" hangingPunct="0">
+              <a:lnSpc>
+                <a:spcPct val="90000"/>
+              </a:lnSpc>
+              <a:spcBef>
+                <a:spcPts val="500"/>
+              </a:spcBef>
+              <a:spcAft>
+                <a:spcPct val="0"/>
+              </a:spcAft>
+              <a:buFont typeface="Arial" panose="020B0604020202020204" pitchFamily="34" charset="0"/>
+              <a:buChar char="•"/>
+              <a:defRPr>
+                <a:solidFill>
+                  <a:schemeClr val="tx1"/>
+                </a:solidFill>
+                <a:latin typeface="Calibri" panose="020F0502020204030204" pitchFamily="34" charset="0"/>
+              </a:defRPr>
+            </a:lvl9pPr>
+          </a:lstStyle>
+          <a:p>
+            <a:pPr algn="ctr" eaLnBrk="1" hangingPunct="1">
+              <a:lnSpc>
+                <a:spcPct val="100000"/>
+              </a:lnSpc>
+              <a:spcBef>
+                <a:spcPct val="0"/>
+              </a:spcBef>
+              <a:buFontTx/>
+              <a:buNone/>
+            </a:pPr>
+            <a:r>
+              <a:rPr lang="en-US" altLang="en-US" sz="4000" dirty="0"/>
+              <a:t>One Period ZID Simulation</a:t>
+            </a:r>
+          </a:p>
+        </p:txBody>
+      </p:sp>
+    </p:spTree>
+    <p:extLst>
+      <p:ext uri="{BB962C8B-B14F-4D97-AF65-F5344CB8AC3E}">
+        <p14:creationId xmlns:p14="http://schemas.microsoft.com/office/powerpoint/2010/main" val="1265261767"/>
+      </p:ext>
+    </p:extLst>
+  </p:cSld>
+  <p:clrMapOvr>
+    <a:overrideClrMapping bg1="dk1" tx1="lt1" bg2="dk2" tx2="lt2" accent1="accent1" accent2="accent2" accent3="accent3" accent4="accent4" accent5="accent5" accent6="accent6" hlink="hlink" folHlink="folHlink"/>
+  </p:clrMapOvr>
+</p:sld>
+</file>
+
+<file path=ppt/slides/slide11.xml><?xml version="1.0" encoding="utf-8"?>
+<p:sld xmlns:a="http://schemas.openxmlformats.org/drawingml/2006/main" xmlns:r="http://schemas.openxmlformats.org/officeDocument/2006/relationships" xmlns:p="http://schemas.openxmlformats.org/presentationml/2006/main">
+  <p:cSld>
+    <p:spTree>
+      <p:nvGrpSpPr>
+        <p:cNvPr id="1" name=""/>
+        <p:cNvGrpSpPr/>
+        <p:nvPr/>
+      </p:nvGrpSpPr>
+      <p:grpSpPr>
+        <a:xfrm>
+          <a:off x="0" y="0"/>
+          <a:ext cx="0" cy="0"/>
+          <a:chOff x="0" y="0"/>
+          <a:chExt cx="0" cy="0"/>
+        </a:xfrm>
+      </p:grpSpPr>
+      <p:pic>
+        <p:nvPicPr>
+          <p:cNvPr id="5122" name="Picture 2">
+            <a:extLst>
+              <a:ext uri="{FF2B5EF4-FFF2-40B4-BE49-F238E27FC236}">
+                <a16:creationId xmlns:a16="http://schemas.microsoft.com/office/drawing/2014/main" id="{D42A1E65-F369-4CE2-9FF4-FF1188549391}"/>
+              </a:ext>
+            </a:extLst>
+          </p:cNvPr>
+          <p:cNvPicPr>
+            <a:picLocks noChangeAspect="1" noChangeArrowheads="1"/>
+          </p:cNvPicPr>
+          <p:nvPr/>
+        </p:nvPicPr>
+        <p:blipFill>
+          <a:blip r:embed="rId2">
+            <a:extLst>
+              <a:ext uri="{28A0092B-C50C-407E-A947-70E740481C1C}">
+                <a14:useLocalDpi xmlns:a14="http://schemas.microsoft.com/office/drawing/2010/main" val="0"/>
+              </a:ext>
+            </a:extLst>
+          </a:blip>
+          <a:srcRect/>
+          <a:stretch>
+            <a:fillRect/>
+          </a:stretch>
+        </p:blipFill>
+        <p:spPr bwMode="auto">
+          <a:xfrm>
+            <a:off x="346017" y="1993433"/>
+            <a:ext cx="5100876" cy="4505325"/>
+          </a:xfrm>
+          <a:prstGeom prst="rect">
+            <a:avLst/>
+          </a:prstGeom>
+          <a:noFill/>
+          <a:extLst>
+            <a:ext uri="{909E8E84-426E-40DD-AFC4-6F175D3DCCD1}">
+              <a14:hiddenFill xmlns:a14="http://schemas.microsoft.com/office/drawing/2010/main">
+                <a:solidFill>
+                  <a:srgbClr val="FFFFFF"/>
+                </a:solidFill>
+              </a14:hiddenFill>
+            </a:ext>
+          </a:extLst>
+        </p:spPr>
+      </p:pic>
+      <p:sp>
+        <p:nvSpPr>
+          <p:cNvPr id="2" name="Rectangle 3">
+            <a:extLst>
+              <a:ext uri="{FF2B5EF4-FFF2-40B4-BE49-F238E27FC236}">
+                <a16:creationId xmlns:a16="http://schemas.microsoft.com/office/drawing/2014/main" id="{1D3B9B93-00A7-43E1-9F88-3BCDBCBAAE59}"/>
+              </a:ext>
+            </a:extLst>
+          </p:cNvPr>
+          <p:cNvSpPr>
+            <a:spLocks noChangeArrowheads="1"/>
+          </p:cNvSpPr>
+          <p:nvPr/>
+        </p:nvSpPr>
+        <p:spPr bwMode="auto">
+          <a:xfrm>
+            <a:off x="5654040" y="54441"/>
+            <a:ext cx="6537960" cy="1938992"/>
+          </a:xfrm>
+          <a:prstGeom prst="rect">
+            <a:avLst/>
+          </a:prstGeom>
+          <a:noFill/>
+          <a:ln>
+            <a:noFill/>
+          </a:ln>
+          <a:effectLst/>
+          <a:extLst>
+            <a:ext uri="{909E8E84-426E-40DD-AFC4-6F175D3DCCD1}">
+              <a14:hiddenFill xmlns:a14="http://schemas.microsoft.com/office/drawing/2010/main">
+                <a:solidFill>
+                  <a:schemeClr val="accent1"/>
+                </a:solidFill>
+              </a14:hiddenFill>
+            </a:ext>
+            <a:ext uri="{91240B29-F687-4F45-9708-019B960494DF}">
+              <a14:hiddenLine xmlns:a14="http://schemas.microsoft.com/office/drawing/2010/main" w="9525">
+                <a:solidFill>
+                  <a:schemeClr val="tx1"/>
+                </a:solidFill>
+                <a:miter lim="800000"/>
+                <a:headEnd/>
+                <a:tailEnd/>
+              </a14:hiddenLine>
+            </a:ext>
+            <a:ext uri="{AF507438-7753-43E0-B8FC-AC1667EBCBE1}">
+              <a14:hiddenEffects xmlns:a14="http://schemas.microsoft.com/office/drawing/2010/main">
+                <a:effectLst>
+                  <a:outerShdw dist="35921" dir="2700000" algn="ctr" rotWithShape="0">
+                    <a:schemeClr val="bg2"/>
+                  </a:outerShdw>
+                </a:effectLst>
+              </a14:hiddenEffects>
+            </a:ext>
+          </a:extLst>
+        </p:spPr>
+        <p:txBody>
+          <a:bodyPr vert="horz" wrap="square" lIns="91440" tIns="45720" rIns="91440" bIns="45720" numCol="1" anchor="ctr" anchorCtr="0" compatLnSpc="1">
+            <a:prstTxWarp prst="textNoShape">
+              <a:avLst/>
+            </a:prstTxWarp>
+            <a:spAutoFit/>
+          </a:bodyPr>
+          <a:lstStyle/>
+          <a:p>
+            <a:pPr marL="0" marR="0" lvl="0" indent="0" algn="l" defTabSz="914400" rtl="0" eaLnBrk="0" fontAlgn="base" latinLnBrk="0" hangingPunct="0">
+              <a:lnSpc>
+                <a:spcPct val="100000"/>
+              </a:lnSpc>
+              <a:spcBef>
+                <a:spcPct val="0"/>
+              </a:spcBef>
+              <a:spcAft>
+                <a:spcPct val="0"/>
+              </a:spcAft>
+              <a:buClrTx/>
+              <a:buSzTx/>
+              <a:buFontTx/>
+              <a:buNone/>
+              <a:tabLst/>
+            </a:pPr>
+            <a:r>
               <a:rPr kumimoji="0" lang="en-US" altLang="en-US" sz="2400" b="0" i="0" u="none" strike="noStrike" cap="none" normalizeH="0" baseline="0" dirty="0">
                 <a:ln>
                   <a:noFill/>
@@ -5288,7 +6232,7 @@
 </p:sld>
 </file>
 
-<file path=ppt/slides/slide11.xml><?xml version="1.0" encoding="utf-8"?>
+<file path=ppt/slides/slide12.xml><?xml version="1.0" encoding="utf-8"?>
 <p:sld xmlns:a="http://schemas.openxmlformats.org/drawingml/2006/main" xmlns:r="http://schemas.openxmlformats.org/officeDocument/2006/relationships" xmlns:p="http://schemas.openxmlformats.org/presentationml/2006/main">
   <p:cSld>
     <p:spTree>
@@ -5680,7 +6624,7 @@
 </p:sld>
 </file>
 
-<file path=ppt/slides/slide12.xml><?xml version="1.0" encoding="utf-8"?>
+<file path=ppt/slides/slide13.xml><?xml version="1.0" encoding="utf-8"?>
 <p:sld xmlns:a="http://schemas.openxmlformats.org/drawingml/2006/main" xmlns:r="http://schemas.openxmlformats.org/officeDocument/2006/relationships" xmlns:p="http://schemas.openxmlformats.org/presentationml/2006/main">
   <p:cSld>
     <p:spTree>
@@ -6467,7 +7411,7 @@
 </p:sld>
 </file>
 
-<file path=ppt/slides/slide13.xml><?xml version="1.0" encoding="utf-8"?>
+<file path=ppt/slides/slide14.xml><?xml version="1.0" encoding="utf-8"?>
 <p:sld xmlns:a="http://schemas.openxmlformats.org/drawingml/2006/main" xmlns:r="http://schemas.openxmlformats.org/officeDocument/2006/relationships" xmlns:p="http://schemas.openxmlformats.org/presentationml/2006/main">
   <p:cSld>
     <p:spTree>
@@ -6760,7 +7704,7 @@
 </p:sld>
 </file>
 
-<file path=ppt/slides/slide14.xml><?xml version="1.0" encoding="utf-8"?>
+<file path=ppt/slides/slide15.xml><?xml version="1.0" encoding="utf-8"?>
 <p:sld xmlns:a="http://schemas.openxmlformats.org/drawingml/2006/main" xmlns:r="http://schemas.openxmlformats.org/officeDocument/2006/relationships" xmlns:p="http://schemas.openxmlformats.org/presentationml/2006/main">
   <p:cSld>
     <p:bg>
@@ -7535,7 +8479,7 @@
 </p:sld>
 </file>
 
-<file path=ppt/slides/slide15.xml><?xml version="1.0" encoding="utf-8"?>
+<file path=ppt/slides/slide16.xml><?xml version="1.0" encoding="utf-8"?>
 <p:sld xmlns:a="http://schemas.openxmlformats.org/drawingml/2006/main" xmlns:r="http://schemas.openxmlformats.org/officeDocument/2006/relationships" xmlns:p="http://schemas.openxmlformats.org/presentationml/2006/main">
   <p:cSld>
     <p:bg>
@@ -8319,7 +9263,7 @@
 </p:sld>
 </file>
 
-<file path=ppt/slides/slide16.xml><?xml version="1.0" encoding="utf-8"?>
+<file path=ppt/slides/slide17.xml><?xml version="1.0" encoding="utf-8"?>
 <p:sld xmlns:a="http://schemas.openxmlformats.org/drawingml/2006/main" xmlns:r="http://schemas.openxmlformats.org/officeDocument/2006/relationships" xmlns:p="http://schemas.openxmlformats.org/presentationml/2006/main">
   <p:cSld>
     <p:bg>
@@ -9103,7 +10047,7 @@
 </p:sld>
 </file>
 
-<file path=ppt/slides/slide17.xml><?xml version="1.0" encoding="utf-8"?>
+<file path=ppt/slides/slide18.xml><?xml version="1.0" encoding="utf-8"?>
 <p:sld xmlns:a="http://schemas.openxmlformats.org/drawingml/2006/main" xmlns:r="http://schemas.openxmlformats.org/officeDocument/2006/relationships" xmlns:p="http://schemas.openxmlformats.org/presentationml/2006/main">
   <p:cSld>
     <p:spTree>
@@ -9522,7 +10466,7 @@
 </p:sld>
 </file>
 
-<file path=ppt/slides/slide18.xml><?xml version="1.0" encoding="utf-8"?>
+<file path=ppt/slides/slide19.xml><?xml version="1.0" encoding="utf-8"?>
 <p:sld xmlns:a="http://schemas.openxmlformats.org/drawingml/2006/main" xmlns:r="http://schemas.openxmlformats.org/officeDocument/2006/relationships" xmlns:p="http://schemas.openxmlformats.org/presentationml/2006/main">
   <p:cSld>
     <p:spTree>
@@ -10458,740 +11402,6 @@
   </p:cSld>
   <p:clrMapOvr>
     <a:masterClrMapping/>
-  </p:clrMapOvr>
-</p:sld>
-</file>
-
-<file path=ppt/slides/slide19.xml><?xml version="1.0" encoding="utf-8"?>
-<p:sld xmlns:a="http://schemas.openxmlformats.org/drawingml/2006/main" xmlns:r="http://schemas.openxmlformats.org/officeDocument/2006/relationships" xmlns:p="http://schemas.openxmlformats.org/presentationml/2006/main">
-  <p:cSld>
-    <p:bg>
-      <p:bgPr>
-        <a:solidFill>
-          <a:schemeClr val="bg1"/>
-        </a:solidFill>
-        <a:effectLst/>
-      </p:bgPr>
-    </p:bg>
-    <p:spTree>
-      <p:nvGrpSpPr>
-        <p:cNvPr id="1" name=""/>
-        <p:cNvGrpSpPr/>
-        <p:nvPr/>
-      </p:nvGrpSpPr>
-      <p:grpSpPr>
-        <a:xfrm>
-          <a:off x="0" y="0"/>
-          <a:ext cx="0" cy="0"/>
-          <a:chOff x="0" y="0"/>
-          <a:chExt cx="0" cy="0"/>
-        </a:xfrm>
-      </p:grpSpPr>
-      <p:sp>
-        <p:nvSpPr>
-          <p:cNvPr id="71" name="Rectangle 70">
-            <a:extLst>
-              <a:ext uri="{FF2B5EF4-FFF2-40B4-BE49-F238E27FC236}">
-                <a16:creationId xmlns:a16="http://schemas.microsoft.com/office/drawing/2014/main" id="{68A4132F-DEC6-4332-A00C-A11AD4519B6C}"/>
-              </a:ext>
-              <a:ext uri="{C183D7F6-B498-43B3-948B-1728B52AA6E4}">
-                <adec:decorative xmlns:adec="http://schemas.microsoft.com/office/drawing/2017/decorative" val="1"/>
-              </a:ext>
-            </a:extLst>
-          </p:cNvPr>
-          <p:cNvSpPr>
-            <a:spLocks noGrp="1" noRot="1" noChangeAspect="1" noMove="1" noResize="1" noEditPoints="1" noAdjustHandles="1" noChangeArrowheads="1" noChangeShapeType="1" noTextEdit="1"/>
-          </p:cNvSpPr>
-          <p:nvPr>
-            <p:extLst>
-              <p:ext uri="{386F3935-93C4-4BCD-93E2-E3B085C9AB24}">
-                <p16:designElem xmlns:p16="http://schemas.microsoft.com/office/powerpoint/2015/main" val="1"/>
-              </p:ext>
-            </p:extLst>
-          </p:nvPr>
-        </p:nvSpPr>
-        <p:spPr>
-          <a:xfrm>
-            <a:off x="3048" y="0"/>
-            <a:ext cx="12188952" cy="6858000"/>
-          </a:xfrm>
-          <a:prstGeom prst="rect">
-            <a:avLst/>
-          </a:prstGeom>
-          <a:solidFill>
-            <a:schemeClr val="tx1"/>
-          </a:solidFill>
-          <a:ln>
-            <a:noFill/>
-          </a:ln>
-        </p:spPr>
-        <p:style>
-          <a:lnRef idx="2">
-            <a:schemeClr val="accent1">
-              <a:shade val="50000"/>
-            </a:schemeClr>
-          </a:lnRef>
-          <a:fillRef idx="1">
-            <a:schemeClr val="accent1"/>
-          </a:fillRef>
-          <a:effectRef idx="0">
-            <a:schemeClr val="accent1"/>
-          </a:effectRef>
-          <a:fontRef idx="minor">
-            <a:schemeClr val="lt1"/>
-          </a:fontRef>
-        </p:style>
-        <p:txBody>
-          <a:bodyPr rtlCol="0" anchor="ctr"/>
-          <a:lstStyle/>
-          <a:p>
-            <a:pPr algn="ctr"/>
-            <a:endParaRPr lang="en-US"/>
-          </a:p>
-        </p:txBody>
-      </p:sp>
-      <p:sp>
-        <p:nvSpPr>
-          <p:cNvPr id="73" name="Freeform: Shape 72">
-            <a:extLst>
-              <a:ext uri="{FF2B5EF4-FFF2-40B4-BE49-F238E27FC236}">
-                <a16:creationId xmlns:a16="http://schemas.microsoft.com/office/drawing/2014/main" id="{9B38642C-62C4-4E31-A5D3-BB1DD8CA3942}"/>
-              </a:ext>
-              <a:ext uri="{C183D7F6-B498-43B3-948B-1728B52AA6E4}">
-                <adec:decorative xmlns:adec="http://schemas.microsoft.com/office/drawing/2017/decorative" val="1"/>
-              </a:ext>
-            </a:extLst>
-          </p:cNvPr>
-          <p:cNvSpPr>
-            <a:spLocks noGrp="1" noRot="1" noChangeAspect="1" noMove="1" noResize="1" noEditPoints="1" noAdjustHandles="1" noChangeArrowheads="1" noChangeShapeType="1" noTextEdit="1"/>
-          </p:cNvSpPr>
-          <p:nvPr>
-            <p:extLst>
-              <p:ext uri="{386F3935-93C4-4BCD-93E2-E3B085C9AB24}">
-                <p16:designElem xmlns:p16="http://schemas.microsoft.com/office/powerpoint/2015/main" val="1"/>
-              </p:ext>
-            </p:extLst>
-          </p:nvPr>
-        </p:nvSpPr>
-        <p:spPr>
-          <a:xfrm>
-            <a:off x="0" y="0"/>
-            <a:ext cx="8663583" cy="6858478"/>
-          </a:xfrm>
-          <a:custGeom>
-            <a:avLst/>
-            <a:gdLst>
-              <a:gd name="connsiteX0" fmla="*/ 0 w 8663583"/>
-              <a:gd name="connsiteY0" fmla="*/ 0 h 6858478"/>
-              <a:gd name="connsiteX1" fmla="*/ 480486 w 8663583"/>
-              <a:gd name="connsiteY1" fmla="*/ 0 h 6858478"/>
-              <a:gd name="connsiteX2" fmla="*/ 4415403 w 8663583"/>
-              <a:gd name="connsiteY2" fmla="*/ 0 h 6858478"/>
-              <a:gd name="connsiteX3" fmla="*/ 5481631 w 8663583"/>
-              <a:gd name="connsiteY3" fmla="*/ 0 h 6858478"/>
-              <a:gd name="connsiteX4" fmla="*/ 5487208 w 8663583"/>
-              <a:gd name="connsiteY4" fmla="*/ 0 h 6858478"/>
-              <a:gd name="connsiteX5" fmla="*/ 8663583 w 8663583"/>
-              <a:gd name="connsiteY5" fmla="*/ 6858478 h 6858478"/>
-              <a:gd name="connsiteX6" fmla="*/ 1239028 w 8663583"/>
-              <a:gd name="connsiteY6" fmla="*/ 6858478 h 6858478"/>
-              <a:gd name="connsiteX7" fmla="*/ 1239288 w 8663583"/>
-              <a:gd name="connsiteY7" fmla="*/ 6857916 h 6858478"/>
-              <a:gd name="connsiteX8" fmla="*/ 480486 w 8663583"/>
-              <a:gd name="connsiteY8" fmla="*/ 6857916 h 6858478"/>
-              <a:gd name="connsiteX9" fmla="*/ 480486 w 8663583"/>
-              <a:gd name="connsiteY9" fmla="*/ 6858000 h 6858478"/>
-              <a:gd name="connsiteX10" fmla="*/ 0 w 8663583"/>
-              <a:gd name="connsiteY10" fmla="*/ 6858000 h 6858478"/>
-            </a:gdLst>
-            <a:ahLst/>
-            <a:cxnLst>
-              <a:cxn ang="0">
-                <a:pos x="connsiteX0" y="connsiteY0"/>
-              </a:cxn>
-              <a:cxn ang="0">
-                <a:pos x="connsiteX1" y="connsiteY1"/>
-              </a:cxn>
-              <a:cxn ang="0">
-                <a:pos x="connsiteX2" y="connsiteY2"/>
-              </a:cxn>
-              <a:cxn ang="0">
-                <a:pos x="connsiteX3" y="connsiteY3"/>
-              </a:cxn>
-              <a:cxn ang="0">
-                <a:pos x="connsiteX4" y="connsiteY4"/>
-              </a:cxn>
-              <a:cxn ang="0">
-                <a:pos x="connsiteX5" y="connsiteY5"/>
-              </a:cxn>
-              <a:cxn ang="0">
-                <a:pos x="connsiteX6" y="connsiteY6"/>
-              </a:cxn>
-              <a:cxn ang="0">
-                <a:pos x="connsiteX7" y="connsiteY7"/>
-              </a:cxn>
-              <a:cxn ang="0">
-                <a:pos x="connsiteX8" y="connsiteY8"/>
-              </a:cxn>
-              <a:cxn ang="0">
-                <a:pos x="connsiteX9" y="connsiteY9"/>
-              </a:cxn>
-              <a:cxn ang="0">
-                <a:pos x="connsiteX10" y="connsiteY10"/>
-              </a:cxn>
-            </a:cxnLst>
-            <a:rect l="l" t="t" r="r" b="b"/>
-            <a:pathLst>
-              <a:path w="8663583" h="6858478">
-                <a:moveTo>
-                  <a:pt x="0" y="0"/>
-                </a:moveTo>
-                <a:lnTo>
-                  <a:pt x="480486" y="0"/>
-                </a:lnTo>
-                <a:lnTo>
-                  <a:pt x="4415403" y="0"/>
-                </a:lnTo>
-                <a:lnTo>
-                  <a:pt x="5481631" y="0"/>
-                </a:lnTo>
-                <a:lnTo>
-                  <a:pt x="5487208" y="0"/>
-                </a:lnTo>
-                <a:lnTo>
-                  <a:pt x="8663583" y="6858478"/>
-                </a:lnTo>
-                <a:lnTo>
-                  <a:pt x="1239028" y="6858478"/>
-                </a:lnTo>
-                <a:lnTo>
-                  <a:pt x="1239288" y="6857916"/>
-                </a:lnTo>
-                <a:lnTo>
-                  <a:pt x="480486" y="6857916"/>
-                </a:lnTo>
-                <a:lnTo>
-                  <a:pt x="480486" y="6858000"/>
-                </a:lnTo>
-                <a:lnTo>
-                  <a:pt x="0" y="6858000"/>
-                </a:lnTo>
-                <a:close/>
-              </a:path>
-            </a:pathLst>
-          </a:custGeom>
-          <a:solidFill>
-            <a:schemeClr val="bg1">
-              <a:lumMod val="85000"/>
-              <a:lumOff val="15000"/>
-              <a:alpha val="70000"/>
-            </a:schemeClr>
-          </a:solidFill>
-          <a:ln>
-            <a:noFill/>
-          </a:ln>
-        </p:spPr>
-        <p:style>
-          <a:lnRef idx="2">
-            <a:schemeClr val="accent1">
-              <a:shade val="50000"/>
-            </a:schemeClr>
-          </a:lnRef>
-          <a:fillRef idx="1">
-            <a:schemeClr val="accent1"/>
-          </a:fillRef>
-          <a:effectRef idx="0">
-            <a:schemeClr val="accent1"/>
-          </a:effectRef>
-          <a:fontRef idx="minor">
-            <a:schemeClr val="lt1"/>
-          </a:fontRef>
-        </p:style>
-        <p:txBody>
-          <a:bodyPr wrap="square" rtlCol="0" anchor="ctr">
-            <a:noAutofit/>
-          </a:bodyPr>
-          <a:lstStyle/>
-          <a:p>
-            <a:pPr algn="ctr"/>
-            <a:endParaRPr lang="en-US"/>
-          </a:p>
-        </p:txBody>
-      </p:sp>
-      <p:sp>
-        <p:nvSpPr>
-          <p:cNvPr id="75" name="Freeform: Shape 74">
-            <a:extLst>
-              <a:ext uri="{FF2B5EF4-FFF2-40B4-BE49-F238E27FC236}">
-                <a16:creationId xmlns:a16="http://schemas.microsoft.com/office/drawing/2014/main" id="{A9F66240-8C38-4069-A5C9-2D3FCD97EDAD}"/>
-              </a:ext>
-              <a:ext uri="{C183D7F6-B498-43B3-948B-1728B52AA6E4}">
-                <adec:decorative xmlns:adec="http://schemas.microsoft.com/office/drawing/2017/decorative" val="1"/>
-              </a:ext>
-            </a:extLst>
-          </p:cNvPr>
-          <p:cNvSpPr>
-            <a:spLocks noGrp="1" noRot="1" noChangeAspect="1" noMove="1" noResize="1" noEditPoints="1" noAdjustHandles="1" noChangeArrowheads="1" noChangeShapeType="1" noTextEdit="1"/>
-          </p:cNvSpPr>
-          <p:nvPr>
-            <p:extLst>
-              <p:ext uri="{386F3935-93C4-4BCD-93E2-E3B085C9AB24}">
-                <p16:designElem xmlns:p16="http://schemas.microsoft.com/office/powerpoint/2015/main" val="1"/>
-              </p:ext>
-            </p:extLst>
-          </p:nvPr>
-        </p:nvSpPr>
-        <p:spPr>
-          <a:xfrm>
-            <a:off x="0" y="0"/>
-            <a:ext cx="8234957" cy="6858478"/>
-          </a:xfrm>
-          <a:custGeom>
-            <a:avLst/>
-            <a:gdLst>
-              <a:gd name="connsiteX0" fmla="*/ 156905 w 8234957"/>
-              <a:gd name="connsiteY0" fmla="*/ 0 h 6858478"/>
-              <a:gd name="connsiteX1" fmla="*/ 3986777 w 8234957"/>
-              <a:gd name="connsiteY1" fmla="*/ 0 h 6858478"/>
-              <a:gd name="connsiteX2" fmla="*/ 5053005 w 8234957"/>
-              <a:gd name="connsiteY2" fmla="*/ 0 h 6858478"/>
-              <a:gd name="connsiteX3" fmla="*/ 5058582 w 8234957"/>
-              <a:gd name="connsiteY3" fmla="*/ 0 h 6858478"/>
-              <a:gd name="connsiteX4" fmla="*/ 8234957 w 8234957"/>
-              <a:gd name="connsiteY4" fmla="*/ 6858478 h 6858478"/>
-              <a:gd name="connsiteX5" fmla="*/ 810402 w 8234957"/>
-              <a:gd name="connsiteY5" fmla="*/ 6858478 h 6858478"/>
-              <a:gd name="connsiteX6" fmla="*/ 810662 w 8234957"/>
-              <a:gd name="connsiteY6" fmla="*/ 6857916 h 6858478"/>
-              <a:gd name="connsiteX7" fmla="*/ 156905 w 8234957"/>
-              <a:gd name="connsiteY7" fmla="*/ 6857916 h 6858478"/>
-              <a:gd name="connsiteX8" fmla="*/ 156905 w 8234957"/>
-              <a:gd name="connsiteY8" fmla="*/ 6858478 h 6858478"/>
-              <a:gd name="connsiteX9" fmla="*/ 0 w 8234957"/>
-              <a:gd name="connsiteY9" fmla="*/ 6858478 h 6858478"/>
-              <a:gd name="connsiteX10" fmla="*/ 0 w 8234957"/>
-              <a:gd name="connsiteY10" fmla="*/ 479 h 6858478"/>
-              <a:gd name="connsiteX11" fmla="*/ 156905 w 8234957"/>
-              <a:gd name="connsiteY11" fmla="*/ 479 h 6858478"/>
-            </a:gdLst>
-            <a:ahLst/>
-            <a:cxnLst>
-              <a:cxn ang="0">
-                <a:pos x="connsiteX0" y="connsiteY0"/>
-              </a:cxn>
-              <a:cxn ang="0">
-                <a:pos x="connsiteX1" y="connsiteY1"/>
-              </a:cxn>
-              <a:cxn ang="0">
-                <a:pos x="connsiteX2" y="connsiteY2"/>
-              </a:cxn>
-              <a:cxn ang="0">
-                <a:pos x="connsiteX3" y="connsiteY3"/>
-              </a:cxn>
-              <a:cxn ang="0">
-                <a:pos x="connsiteX4" y="connsiteY4"/>
-              </a:cxn>
-              <a:cxn ang="0">
-                <a:pos x="connsiteX5" y="connsiteY5"/>
-              </a:cxn>
-              <a:cxn ang="0">
-                <a:pos x="connsiteX6" y="connsiteY6"/>
-              </a:cxn>
-              <a:cxn ang="0">
-                <a:pos x="connsiteX7" y="connsiteY7"/>
-              </a:cxn>
-              <a:cxn ang="0">
-                <a:pos x="connsiteX8" y="connsiteY8"/>
-              </a:cxn>
-              <a:cxn ang="0">
-                <a:pos x="connsiteX9" y="connsiteY9"/>
-              </a:cxn>
-              <a:cxn ang="0">
-                <a:pos x="connsiteX10" y="connsiteY10"/>
-              </a:cxn>
-              <a:cxn ang="0">
-                <a:pos x="connsiteX11" y="connsiteY11"/>
-              </a:cxn>
-            </a:cxnLst>
-            <a:rect l="l" t="t" r="r" b="b"/>
-            <a:pathLst>
-              <a:path w="8234957" h="6858478">
-                <a:moveTo>
-                  <a:pt x="156905" y="0"/>
-                </a:moveTo>
-                <a:lnTo>
-                  <a:pt x="3986777" y="0"/>
-                </a:lnTo>
-                <a:lnTo>
-                  <a:pt x="5053005" y="0"/>
-                </a:lnTo>
-                <a:lnTo>
-                  <a:pt x="5058582" y="0"/>
-                </a:lnTo>
-                <a:lnTo>
-                  <a:pt x="8234957" y="6858478"/>
-                </a:lnTo>
-                <a:lnTo>
-                  <a:pt x="810402" y="6858478"/>
-                </a:lnTo>
-                <a:lnTo>
-                  <a:pt x="810662" y="6857916"/>
-                </a:lnTo>
-                <a:lnTo>
-                  <a:pt x="156905" y="6857916"/>
-                </a:lnTo>
-                <a:lnTo>
-                  <a:pt x="156905" y="6858478"/>
-                </a:lnTo>
-                <a:lnTo>
-                  <a:pt x="0" y="6858478"/>
-                </a:lnTo>
-                <a:lnTo>
-                  <a:pt x="0" y="479"/>
-                </a:lnTo>
-                <a:lnTo>
-                  <a:pt x="156905" y="479"/>
-                </a:lnTo>
-                <a:close/>
-              </a:path>
-            </a:pathLst>
-          </a:custGeom>
-          <a:solidFill>
-            <a:schemeClr val="bg1">
-              <a:lumMod val="85000"/>
-              <a:lumOff val="15000"/>
-            </a:schemeClr>
-          </a:solidFill>
-          <a:ln>
-            <a:noFill/>
-          </a:ln>
-        </p:spPr>
-        <p:style>
-          <a:lnRef idx="2">
-            <a:schemeClr val="accent1">
-              <a:shade val="50000"/>
-            </a:schemeClr>
-          </a:lnRef>
-          <a:fillRef idx="1">
-            <a:schemeClr val="accent1"/>
-          </a:fillRef>
-          <a:effectRef idx="0">
-            <a:schemeClr val="accent1"/>
-          </a:effectRef>
-          <a:fontRef idx="minor">
-            <a:schemeClr val="lt1"/>
-          </a:fontRef>
-        </p:style>
-        <p:txBody>
-          <a:bodyPr wrap="square" rtlCol="0" anchor="ctr">
-            <a:noAutofit/>
-          </a:bodyPr>
-          <a:lstStyle/>
-          <a:p>
-            <a:pPr algn="ctr"/>
-            <a:endParaRPr lang="en-US"/>
-          </a:p>
-        </p:txBody>
-      </p:sp>
-      <p:sp>
-        <p:nvSpPr>
-          <p:cNvPr id="3" name="TextBox 2">
-            <a:extLst>
-              <a:ext uri="{FF2B5EF4-FFF2-40B4-BE49-F238E27FC236}">
-                <a16:creationId xmlns:a16="http://schemas.microsoft.com/office/drawing/2014/main" id="{426B6423-DB43-4D45-BB8B-E5487B743FE5}"/>
-              </a:ext>
-            </a:extLst>
-          </p:cNvPr>
-          <p:cNvSpPr txBox="1"/>
-          <p:nvPr/>
-        </p:nvSpPr>
-        <p:spPr>
-          <a:xfrm>
-            <a:off x="715196" y="2226983"/>
-            <a:ext cx="5076090" cy="4151376"/>
-          </a:xfrm>
-          <a:prstGeom prst="rect">
-            <a:avLst/>
-          </a:prstGeom>
-        </p:spPr>
-        <p:txBody>
-          <a:bodyPr vert="horz" lIns="91440" tIns="45720" rIns="91440" bIns="45720" rtlCol="0">
-            <a:normAutofit/>
-          </a:bodyPr>
-          <a:lstStyle/>
-          <a:p>
-            <a:pPr indent="-228600">
-              <a:lnSpc>
-                <a:spcPct val="90000"/>
-              </a:lnSpc>
-              <a:spcAft>
-                <a:spcPts val="600"/>
-              </a:spcAft>
-              <a:buFont typeface="Arial" panose="020B0604020202020204" pitchFamily="34" charset="0"/>
-              <a:buChar char="•"/>
-            </a:pPr>
-            <a:r>
-              <a:rPr lang="en-US" sz="2000" dirty="0" err="1"/>
-              <a:t>num_trials</a:t>
-            </a:r>
-            <a:r>
-              <a:rPr lang="en-US" sz="2000" dirty="0"/>
-              <a:t> = 100</a:t>
-            </a:r>
-          </a:p>
-          <a:p>
-            <a:pPr indent="-228600">
-              <a:lnSpc>
-                <a:spcPct val="90000"/>
-              </a:lnSpc>
-              <a:spcAft>
-                <a:spcPts val="600"/>
-              </a:spcAft>
-              <a:buFont typeface="Arial" panose="020B0604020202020204" pitchFamily="34" charset="0"/>
-              <a:buChar char="•"/>
-            </a:pPr>
-            <a:r>
-              <a:rPr lang="en-US" sz="2000" dirty="0" err="1"/>
-              <a:t>num_periods</a:t>
-            </a:r>
-            <a:r>
-              <a:rPr lang="en-US" sz="2000" dirty="0"/>
-              <a:t> = 7</a:t>
-            </a:r>
-          </a:p>
-          <a:p>
-            <a:pPr indent="-228600">
-              <a:lnSpc>
-                <a:spcPct val="90000"/>
-              </a:lnSpc>
-              <a:spcAft>
-                <a:spcPts val="600"/>
-              </a:spcAft>
-              <a:buFont typeface="Arial" panose="020B0604020202020204" pitchFamily="34" charset="0"/>
-              <a:buChar char="•"/>
-            </a:pPr>
-            <a:r>
-              <a:rPr lang="en-US" sz="2000" dirty="0" err="1"/>
-              <a:t>num_weeks</a:t>
-            </a:r>
-            <a:r>
-              <a:rPr lang="en-US" sz="2000" dirty="0"/>
-              <a:t> = 50</a:t>
-            </a:r>
-          </a:p>
-          <a:p>
-            <a:pPr indent="-228600">
-              <a:lnSpc>
-                <a:spcPct val="90000"/>
-              </a:lnSpc>
-              <a:spcAft>
-                <a:spcPts val="600"/>
-              </a:spcAft>
-              <a:buFont typeface="Arial" panose="020B0604020202020204" pitchFamily="34" charset="0"/>
-              <a:buChar char="•"/>
-            </a:pPr>
-            <a:r>
-              <a:rPr lang="en-US" sz="2000" dirty="0" err="1"/>
-              <a:t>num_rounds</a:t>
-            </a:r>
-            <a:r>
-              <a:rPr lang="en-US" sz="2000" dirty="0"/>
-              <a:t> = 5</a:t>
-            </a:r>
-          </a:p>
-          <a:p>
-            <a:pPr indent="-228600">
-              <a:lnSpc>
-                <a:spcPct val="90000"/>
-              </a:lnSpc>
-              <a:spcAft>
-                <a:spcPts val="600"/>
-              </a:spcAft>
-              <a:buFont typeface="Arial" panose="020B0604020202020204" pitchFamily="34" charset="0"/>
-              <a:buChar char="•"/>
-            </a:pPr>
-            <a:r>
-              <a:rPr lang="en-US" sz="2000" dirty="0" err="1"/>
-              <a:t>grid_size</a:t>
-            </a:r>
-            <a:r>
-              <a:rPr lang="en-US" sz="2000" dirty="0"/>
-              <a:t> = 15</a:t>
-            </a:r>
-          </a:p>
-          <a:p>
-            <a:pPr indent="-228600">
-              <a:lnSpc>
-                <a:spcPct val="90000"/>
-              </a:lnSpc>
-              <a:spcAft>
-                <a:spcPts val="600"/>
-              </a:spcAft>
-              <a:buFont typeface="Arial" panose="020B0604020202020204" pitchFamily="34" charset="0"/>
-              <a:buChar char="•"/>
-            </a:pPr>
-            <a:r>
-              <a:rPr lang="en-US" sz="2000" dirty="0" err="1"/>
-              <a:t>num_traders</a:t>
-            </a:r>
-            <a:r>
-              <a:rPr lang="en-US" sz="2000" dirty="0"/>
-              <a:t> = 20</a:t>
-            </a:r>
-          </a:p>
-          <a:p>
-            <a:pPr indent="-228600">
-              <a:lnSpc>
-                <a:spcPct val="90000"/>
-              </a:lnSpc>
-              <a:spcAft>
-                <a:spcPts val="600"/>
-              </a:spcAft>
-              <a:buFont typeface="Arial" panose="020B0604020202020204" pitchFamily="34" charset="0"/>
-              <a:buChar char="•"/>
-            </a:pPr>
-            <a:r>
-              <a:rPr lang="en-US" sz="2000" dirty="0" err="1"/>
-              <a:t>num_units</a:t>
-            </a:r>
-            <a:r>
-              <a:rPr lang="en-US" sz="2000" dirty="0"/>
-              <a:t> = 8</a:t>
-            </a:r>
-          </a:p>
-          <a:p>
-            <a:pPr indent="-228600">
-              <a:lnSpc>
-                <a:spcPct val="90000"/>
-              </a:lnSpc>
-              <a:spcAft>
-                <a:spcPts val="600"/>
-              </a:spcAft>
-              <a:buFont typeface="Arial" panose="020B0604020202020204" pitchFamily="34" charset="0"/>
-              <a:buChar char="•"/>
-            </a:pPr>
-            <a:r>
-              <a:rPr lang="en-US" sz="2000" dirty="0" err="1"/>
-              <a:t>lower_bound</a:t>
-            </a:r>
-            <a:r>
-              <a:rPr lang="en-US" sz="2000" dirty="0"/>
-              <a:t> = 200 </a:t>
-            </a:r>
-          </a:p>
-          <a:p>
-            <a:pPr indent="-228600">
-              <a:lnSpc>
-                <a:spcPct val="90000"/>
-              </a:lnSpc>
-              <a:spcAft>
-                <a:spcPts val="600"/>
-              </a:spcAft>
-              <a:buFont typeface="Arial" panose="020B0604020202020204" pitchFamily="34" charset="0"/>
-              <a:buChar char="•"/>
-            </a:pPr>
-            <a:r>
-              <a:rPr lang="en-US" sz="2000" dirty="0" err="1"/>
-              <a:t>upper_bound</a:t>
-            </a:r>
-            <a:r>
-              <a:rPr lang="en-US" sz="2000" dirty="0"/>
-              <a:t> = 600</a:t>
-            </a:r>
-          </a:p>
-        </p:txBody>
-      </p:sp>
-      <p:sp>
-        <p:nvSpPr>
-          <p:cNvPr id="8" name="TextBox 7">
-            <a:extLst>
-              <a:ext uri="{FF2B5EF4-FFF2-40B4-BE49-F238E27FC236}">
-                <a16:creationId xmlns:a16="http://schemas.microsoft.com/office/drawing/2014/main" id="{1E7B805A-341E-4F9B-A482-5E5F4DFC7618}"/>
-              </a:ext>
-            </a:extLst>
-          </p:cNvPr>
-          <p:cNvSpPr txBox="1"/>
-          <p:nvPr/>
-        </p:nvSpPr>
-        <p:spPr>
-          <a:xfrm>
-            <a:off x="558791" y="1101012"/>
-            <a:ext cx="3247171" cy="369332"/>
-          </a:xfrm>
-          <a:prstGeom prst="rect">
-            <a:avLst/>
-          </a:prstGeom>
-          <a:noFill/>
-        </p:spPr>
-        <p:txBody>
-          <a:bodyPr wrap="none" rtlCol="0">
-            <a:spAutoFit/>
-          </a:bodyPr>
-          <a:lstStyle/>
-          <a:p>
-            <a:r>
-              <a:rPr lang="en-US" dirty="0"/>
-              <a:t>Compare efficiency of ZID, ZIDA</a:t>
-            </a:r>
-          </a:p>
-        </p:txBody>
-      </p:sp>
-      <p:pic>
-        <p:nvPicPr>
-          <p:cNvPr id="2050" name="Picture 2">
-            <a:extLst>
-              <a:ext uri="{FF2B5EF4-FFF2-40B4-BE49-F238E27FC236}">
-                <a16:creationId xmlns:a16="http://schemas.microsoft.com/office/drawing/2014/main" id="{9BC9D66F-D375-4483-860E-5E8F0FEF552C}"/>
-              </a:ext>
-            </a:extLst>
-          </p:cNvPr>
-          <p:cNvPicPr>
-            <a:picLocks noChangeAspect="1" noChangeArrowheads="1"/>
-          </p:cNvPicPr>
-          <p:nvPr/>
-        </p:nvPicPr>
-        <p:blipFill>
-          <a:blip r:embed="rId2">
-            <a:extLst>
-              <a:ext uri="{28A0092B-C50C-407E-A947-70E740481C1C}">
-                <a14:useLocalDpi xmlns:a14="http://schemas.microsoft.com/office/drawing/2010/main" val="0"/>
-              </a:ext>
-            </a:extLst>
-          </a:blip>
-          <a:srcRect/>
-          <a:stretch>
-            <a:fillRect/>
-          </a:stretch>
-        </p:blipFill>
-        <p:spPr bwMode="auto">
-          <a:xfrm>
-            <a:off x="7053562" y="128589"/>
-            <a:ext cx="5055730" cy="4072220"/>
-          </a:xfrm>
-          <a:prstGeom prst="rect">
-            <a:avLst/>
-          </a:prstGeom>
-          <a:noFill/>
-          <a:extLst>
-            <a:ext uri="{909E8E84-426E-40DD-AFC4-6F175D3DCCD1}">
-              <a14:hiddenFill xmlns:a14="http://schemas.microsoft.com/office/drawing/2010/main">
-                <a:solidFill>
-                  <a:srgbClr val="FFFFFF"/>
-                </a:solidFill>
-              </a14:hiddenFill>
-            </a:ext>
-          </a:extLst>
-        </p:spPr>
-      </p:pic>
-    </p:spTree>
-    <p:extLst>
-      <p:ext uri="{BB962C8B-B14F-4D97-AF65-F5344CB8AC3E}">
-        <p14:creationId xmlns:p14="http://schemas.microsoft.com/office/powerpoint/2010/main" val="2131540716"/>
-      </p:ext>
-    </p:extLst>
-  </p:cSld>
-  <p:clrMapOvr>
-    <a:overrideClrMapping bg1="dk1" tx1="lt1" bg2="dk2" tx2="lt2" accent1="accent1" accent2="accent2" accent3="accent3" accent4="accent4" accent5="accent5" accent6="accent6" hlink="hlink" folHlink="folHlink"/>
   </p:clrMapOvr>
 </p:sld>
 </file>
@@ -15383,398 +15593,6 @@
 <file path=ppt/slides/slide20.xml><?xml version="1.0" encoding="utf-8"?>
 <p:sld xmlns:a="http://schemas.openxmlformats.org/drawingml/2006/main" xmlns:r="http://schemas.openxmlformats.org/officeDocument/2006/relationships" xmlns:p="http://schemas.openxmlformats.org/presentationml/2006/main">
   <p:cSld>
-    <p:spTree>
-      <p:nvGrpSpPr>
-        <p:cNvPr id="1" name=""/>
-        <p:cNvGrpSpPr/>
-        <p:nvPr/>
-      </p:nvGrpSpPr>
-      <p:grpSpPr>
-        <a:xfrm>
-          <a:off x="0" y="0"/>
-          <a:ext cx="0" cy="0"/>
-          <a:chOff x="0" y="0"/>
-          <a:chExt cx="0" cy="0"/>
-        </a:xfrm>
-      </p:grpSpPr>
-      <p:sp>
-        <p:nvSpPr>
-          <p:cNvPr id="2" name="TextBox 1">
-            <a:extLst>
-              <a:ext uri="{FF2B5EF4-FFF2-40B4-BE49-F238E27FC236}">
-                <a16:creationId xmlns:a16="http://schemas.microsoft.com/office/drawing/2014/main" id="{1468F06C-1BDB-4A50-B292-8EBB7D5E0A72}"/>
-              </a:ext>
-            </a:extLst>
-          </p:cNvPr>
-          <p:cNvSpPr txBox="1"/>
-          <p:nvPr/>
-        </p:nvSpPr>
-        <p:spPr>
-          <a:xfrm>
-            <a:off x="1456460" y="1449202"/>
-            <a:ext cx="9279079" cy="3785652"/>
-          </a:xfrm>
-          <a:prstGeom prst="rect">
-            <a:avLst/>
-          </a:prstGeom>
-          <a:noFill/>
-        </p:spPr>
-        <p:txBody>
-          <a:bodyPr wrap="none" rtlCol="0">
-            <a:spAutoFit/>
-          </a:bodyPr>
-          <a:lstStyle/>
-          <a:p>
-            <a:r>
-              <a:rPr lang="en-US" sz="2400" dirty="0"/>
-              <a:t>ZID(TRADER):</a:t>
-            </a:r>
-          </a:p>
-          <a:p>
-            <a:endParaRPr lang="en-US" sz="2400" dirty="0"/>
-          </a:p>
-          <a:p>
-            <a:r>
-              <a:rPr lang="en-US" sz="2400" dirty="0"/>
-              <a:t>    MOVE       -&gt;  (dx, </a:t>
-            </a:r>
-            <a:r>
-              <a:rPr lang="en-US" sz="2400" dirty="0" err="1"/>
-              <a:t>dy</a:t>
-            </a:r>
-            <a:r>
-              <a:rPr lang="en-US" sz="2400" dirty="0"/>
-              <a:t>) where dx ~ {-1, 0, +1}, and </a:t>
-            </a:r>
-            <a:r>
-              <a:rPr lang="en-US" sz="2400" dirty="0" err="1"/>
-              <a:t>dy</a:t>
-            </a:r>
-            <a:r>
-              <a:rPr lang="en-US" sz="2400" dirty="0"/>
-              <a:t> ~ {-1, 0, +1}</a:t>
-            </a:r>
-          </a:p>
-          <a:p>
-            <a:r>
-              <a:rPr lang="en-US" sz="2400" dirty="0"/>
-              <a:t>    BID, ASK   -&gt; uniform random budget constrained offer</a:t>
-            </a:r>
-          </a:p>
-          <a:p>
-            <a:r>
-              <a:rPr lang="en-US" sz="2400" dirty="0"/>
-              <a:t>    BUY, SELL -&gt; uniform random budget constrained willingness to accept</a:t>
-            </a:r>
-          </a:p>
-          <a:p>
-            <a:r>
-              <a:rPr lang="en-US" sz="2400" dirty="0"/>
-              <a:t>                      -&gt; uniform random choice of offer </a:t>
-            </a:r>
-          </a:p>
-          <a:p>
-            <a:r>
-              <a:rPr lang="en-US" sz="2400" dirty="0"/>
-              <a:t>ZIDP(ZID):</a:t>
-            </a:r>
-          </a:p>
-          <a:p>
-            <a:endParaRPr lang="en-US" sz="2400" dirty="0"/>
-          </a:p>
-          <a:p>
-            <a:r>
-              <a:rPr lang="en-US" sz="2400" dirty="0"/>
-              <a:t>     BUY, SELL -&gt; uniform random budget constrained willingness to accept</a:t>
-            </a:r>
-          </a:p>
-          <a:p>
-            <a:r>
-              <a:rPr lang="en-US" sz="2400" dirty="0"/>
-              <a:t>  	          -&gt; picks best remaining offer</a:t>
-            </a:r>
-          </a:p>
-        </p:txBody>
-      </p:sp>
-      <p:cxnSp>
-        <p:nvCxnSpPr>
-          <p:cNvPr id="3" name="Straight Connector 2">
-            <a:extLst>
-              <a:ext uri="{FF2B5EF4-FFF2-40B4-BE49-F238E27FC236}">
-                <a16:creationId xmlns:a16="http://schemas.microsoft.com/office/drawing/2014/main" id="{D5EE545B-CA65-4FA5-87D8-B74376B76665}"/>
-              </a:ext>
-            </a:extLst>
-          </p:cNvPr>
-          <p:cNvCxnSpPr/>
-          <p:nvPr/>
-        </p:nvCxnSpPr>
-        <p:spPr>
-          <a:xfrm>
-            <a:off x="1208405" y="143143"/>
-            <a:ext cx="0" cy="690562"/>
-          </a:xfrm>
-          <a:prstGeom prst="line">
-            <a:avLst/>
-          </a:prstGeom>
-          <a:ln w="28575"/>
-        </p:spPr>
-        <p:style>
-          <a:lnRef idx="1">
-            <a:schemeClr val="accent1"/>
-          </a:lnRef>
-          <a:fillRef idx="0">
-            <a:schemeClr val="accent1"/>
-          </a:fillRef>
-          <a:effectRef idx="0">
-            <a:schemeClr val="accent1"/>
-          </a:effectRef>
-          <a:fontRef idx="minor">
-            <a:schemeClr val="tx1"/>
-          </a:fontRef>
-        </p:style>
-      </p:cxnSp>
-      <p:sp>
-        <p:nvSpPr>
-          <p:cNvPr id="4" name="TextBox 3">
-            <a:extLst>
-              <a:ext uri="{FF2B5EF4-FFF2-40B4-BE49-F238E27FC236}">
-                <a16:creationId xmlns:a16="http://schemas.microsoft.com/office/drawing/2014/main" id="{2D727924-724E-4B89-9902-18CB6C7D0DCC}"/>
-              </a:ext>
-            </a:extLst>
-          </p:cNvPr>
-          <p:cNvSpPr txBox="1">
-            <a:spLocks noChangeArrowheads="1"/>
-          </p:cNvSpPr>
-          <p:nvPr/>
-        </p:nvSpPr>
-        <p:spPr bwMode="auto">
-          <a:xfrm>
-            <a:off x="1402080" y="125680"/>
-            <a:ext cx="5970609" cy="707886"/>
-          </a:xfrm>
-          <a:prstGeom prst="rect">
-            <a:avLst/>
-          </a:prstGeom>
-          <a:noFill/>
-          <a:ln>
-            <a:noFill/>
-          </a:ln>
-          <a:extLst>
-            <a:ext uri="{909E8E84-426E-40DD-AFC4-6F175D3DCCD1}">
-              <a14:hiddenFill xmlns:a14="http://schemas.microsoft.com/office/drawing/2010/main">
-                <a:solidFill>
-                  <a:srgbClr val="FFFFFF"/>
-                </a:solidFill>
-              </a14:hiddenFill>
-            </a:ext>
-            <a:ext uri="{91240B29-F687-4F45-9708-019B960494DF}">
-              <a14:hiddenLine xmlns:a14="http://schemas.microsoft.com/office/drawing/2010/main" w="9525">
-                <a:solidFill>
-                  <a:srgbClr val="000000"/>
-                </a:solidFill>
-                <a:miter lim="800000"/>
-                <a:headEnd/>
-                <a:tailEnd/>
-              </a14:hiddenLine>
-            </a:ext>
-          </a:extLst>
-        </p:spPr>
-        <p:txBody>
-          <a:bodyPr wrap="none">
-            <a:spAutoFit/>
-          </a:bodyPr>
-          <a:lstStyle>
-            <a:lvl1pPr>
-              <a:lnSpc>
-                <a:spcPct val="90000"/>
-              </a:lnSpc>
-              <a:spcBef>
-                <a:spcPts val="1000"/>
-              </a:spcBef>
-              <a:buFont typeface="Arial" panose="020B0604020202020204" pitchFamily="34" charset="0"/>
-              <a:buChar char="•"/>
-              <a:defRPr sz="2800">
-                <a:solidFill>
-                  <a:schemeClr val="tx1"/>
-                </a:solidFill>
-                <a:latin typeface="Calibri" panose="020F0502020204030204" pitchFamily="34" charset="0"/>
-              </a:defRPr>
-            </a:lvl1pPr>
-            <a:lvl2pPr marL="742950" indent="-285750">
-              <a:lnSpc>
-                <a:spcPct val="90000"/>
-              </a:lnSpc>
-              <a:spcBef>
-                <a:spcPts val="500"/>
-              </a:spcBef>
-              <a:buFont typeface="Arial" panose="020B0604020202020204" pitchFamily="34" charset="0"/>
-              <a:buChar char="•"/>
-              <a:defRPr sz="2400">
-                <a:solidFill>
-                  <a:schemeClr val="tx1"/>
-                </a:solidFill>
-                <a:latin typeface="Calibri" panose="020F0502020204030204" pitchFamily="34" charset="0"/>
-              </a:defRPr>
-            </a:lvl2pPr>
-            <a:lvl3pPr marL="1143000" indent="-228600">
-              <a:lnSpc>
-                <a:spcPct val="90000"/>
-              </a:lnSpc>
-              <a:spcBef>
-                <a:spcPts val="500"/>
-              </a:spcBef>
-              <a:buFont typeface="Arial" panose="020B0604020202020204" pitchFamily="34" charset="0"/>
-              <a:buChar char="•"/>
-              <a:defRPr sz="2000">
-                <a:solidFill>
-                  <a:schemeClr val="tx1"/>
-                </a:solidFill>
-                <a:latin typeface="Calibri" panose="020F0502020204030204" pitchFamily="34" charset="0"/>
-              </a:defRPr>
-            </a:lvl3pPr>
-            <a:lvl4pPr marL="1600200" indent="-228600">
-              <a:lnSpc>
-                <a:spcPct val="90000"/>
-              </a:lnSpc>
-              <a:spcBef>
-                <a:spcPts val="500"/>
-              </a:spcBef>
-              <a:buFont typeface="Arial" panose="020B0604020202020204" pitchFamily="34" charset="0"/>
-              <a:buChar char="•"/>
-              <a:defRPr>
-                <a:solidFill>
-                  <a:schemeClr val="tx1"/>
-                </a:solidFill>
-                <a:latin typeface="Calibri" panose="020F0502020204030204" pitchFamily="34" charset="0"/>
-              </a:defRPr>
-            </a:lvl4pPr>
-            <a:lvl5pPr marL="2057400" indent="-228600">
-              <a:lnSpc>
-                <a:spcPct val="90000"/>
-              </a:lnSpc>
-              <a:spcBef>
-                <a:spcPts val="500"/>
-              </a:spcBef>
-              <a:buFont typeface="Arial" panose="020B0604020202020204" pitchFamily="34" charset="0"/>
-              <a:buChar char="•"/>
-              <a:defRPr>
-                <a:solidFill>
-                  <a:schemeClr val="tx1"/>
-                </a:solidFill>
-                <a:latin typeface="Calibri" panose="020F0502020204030204" pitchFamily="34" charset="0"/>
-              </a:defRPr>
-            </a:lvl5pPr>
-            <a:lvl6pPr marL="2514600" indent="-228600" eaLnBrk="0" fontAlgn="base" hangingPunct="0">
-              <a:lnSpc>
-                <a:spcPct val="90000"/>
-              </a:lnSpc>
-              <a:spcBef>
-                <a:spcPts val="500"/>
-              </a:spcBef>
-              <a:spcAft>
-                <a:spcPct val="0"/>
-              </a:spcAft>
-              <a:buFont typeface="Arial" panose="020B0604020202020204" pitchFamily="34" charset="0"/>
-              <a:buChar char="•"/>
-              <a:defRPr>
-                <a:solidFill>
-                  <a:schemeClr val="tx1"/>
-                </a:solidFill>
-                <a:latin typeface="Calibri" panose="020F0502020204030204" pitchFamily="34" charset="0"/>
-              </a:defRPr>
-            </a:lvl6pPr>
-            <a:lvl7pPr marL="2971800" indent="-228600" eaLnBrk="0" fontAlgn="base" hangingPunct="0">
-              <a:lnSpc>
-                <a:spcPct val="90000"/>
-              </a:lnSpc>
-              <a:spcBef>
-                <a:spcPts val="500"/>
-              </a:spcBef>
-              <a:spcAft>
-                <a:spcPct val="0"/>
-              </a:spcAft>
-              <a:buFont typeface="Arial" panose="020B0604020202020204" pitchFamily="34" charset="0"/>
-              <a:buChar char="•"/>
-              <a:defRPr>
-                <a:solidFill>
-                  <a:schemeClr val="tx1"/>
-                </a:solidFill>
-                <a:latin typeface="Calibri" panose="020F0502020204030204" pitchFamily="34" charset="0"/>
-              </a:defRPr>
-            </a:lvl7pPr>
-            <a:lvl8pPr marL="3429000" indent="-228600" eaLnBrk="0" fontAlgn="base" hangingPunct="0">
-              <a:lnSpc>
-                <a:spcPct val="90000"/>
-              </a:lnSpc>
-              <a:spcBef>
-                <a:spcPts val="500"/>
-              </a:spcBef>
-              <a:spcAft>
-                <a:spcPct val="0"/>
-              </a:spcAft>
-              <a:buFont typeface="Arial" panose="020B0604020202020204" pitchFamily="34" charset="0"/>
-              <a:buChar char="•"/>
-              <a:defRPr>
-                <a:solidFill>
-                  <a:schemeClr val="tx1"/>
-                </a:solidFill>
-                <a:latin typeface="Calibri" panose="020F0502020204030204" pitchFamily="34" charset="0"/>
-              </a:defRPr>
-            </a:lvl8pPr>
-            <a:lvl9pPr marL="3886200" indent="-228600" eaLnBrk="0" fontAlgn="base" hangingPunct="0">
-              <a:lnSpc>
-                <a:spcPct val="90000"/>
-              </a:lnSpc>
-              <a:spcBef>
-                <a:spcPts val="500"/>
-              </a:spcBef>
-              <a:spcAft>
-                <a:spcPct val="0"/>
-              </a:spcAft>
-              <a:buFont typeface="Arial" panose="020B0604020202020204" pitchFamily="34" charset="0"/>
-              <a:buChar char="•"/>
-              <a:defRPr>
-                <a:solidFill>
-                  <a:schemeClr val="tx1"/>
-                </a:solidFill>
-                <a:latin typeface="Calibri" panose="020F0502020204030204" pitchFamily="34" charset="0"/>
-              </a:defRPr>
-            </a:lvl9pPr>
-          </a:lstStyle>
-          <a:p>
-            <a:pPr eaLnBrk="1" hangingPunct="1">
-              <a:lnSpc>
-                <a:spcPct val="100000"/>
-              </a:lnSpc>
-              <a:spcBef>
-                <a:spcPct val="0"/>
-              </a:spcBef>
-              <a:buFontTx/>
-              <a:buNone/>
-            </a:pPr>
-            <a:r>
-              <a:rPr lang="en-US" altLang="en-US" sz="4000" dirty="0"/>
-              <a:t>Comparing Agent Strategies</a:t>
-            </a:r>
-          </a:p>
-        </p:txBody>
-      </p:sp>
-    </p:spTree>
-    <p:extLst>
-      <p:ext uri="{BB962C8B-B14F-4D97-AF65-F5344CB8AC3E}">
-        <p14:creationId xmlns:p14="http://schemas.microsoft.com/office/powerpoint/2010/main" val="23695304"/>
-      </p:ext>
-    </p:extLst>
-  </p:cSld>
-  <p:clrMapOvr>
-    <a:masterClrMapping/>
-  </p:clrMapOvr>
-</p:sld>
-</file>
-
-<file path=ppt/slides/slide21.xml><?xml version="1.0" encoding="utf-8"?>
-<p:sld xmlns:a="http://schemas.openxmlformats.org/drawingml/2006/main" xmlns:r="http://schemas.openxmlformats.org/officeDocument/2006/relationships" xmlns:p="http://schemas.openxmlformats.org/presentationml/2006/main">
-  <p:cSld>
     <p:bg>
       <p:bgPr>
         <a:solidFill>
@@ -16426,7 +16244,7 @@
         <p:spPr>
           <a:xfrm>
             <a:off x="558791" y="1101012"/>
-            <a:ext cx="3123868" cy="369332"/>
+            <a:ext cx="3247171" cy="369332"/>
           </a:xfrm>
           <a:prstGeom prst="rect">
             <a:avLst/>
@@ -16441,17 +16259,17 @@
           <a:p>
             <a:r>
               <a:rPr lang="en-US" dirty="0"/>
-              <a:t>Compare efficiency of ZID, ZIDP</a:t>
+              <a:t>Compare efficiency of ZID, ZIDA</a:t>
             </a:r>
           </a:p>
         </p:txBody>
       </p:sp>
       <p:pic>
         <p:nvPicPr>
-          <p:cNvPr id="3074" name="Picture 2">
+          <p:cNvPr id="2050" name="Picture 2">
             <a:extLst>
               <a:ext uri="{FF2B5EF4-FFF2-40B4-BE49-F238E27FC236}">
-                <a16:creationId xmlns:a16="http://schemas.microsoft.com/office/drawing/2014/main" id="{82445BB9-BF34-4ACC-AE83-12B418CE18C7}"/>
+                <a16:creationId xmlns:a16="http://schemas.microsoft.com/office/drawing/2014/main" id="{9BC9D66F-D375-4483-860E-5E8F0FEF552C}"/>
               </a:ext>
             </a:extLst>
           </p:cNvPr>
@@ -16475,8 +16293,8 @@
         </p:blipFill>
         <p:spPr bwMode="auto">
           <a:xfrm>
-            <a:off x="7056624" y="83322"/>
-            <a:ext cx="4906776" cy="3990738"/>
+            <a:off x="7053562" y="128589"/>
+            <a:ext cx="5055730" cy="4072220"/>
           </a:xfrm>
           <a:prstGeom prst="rect">
             <a:avLst/>
@@ -16496,12 +16314,404 @@
     </p:spTree>
     <p:extLst>
       <p:ext uri="{BB962C8B-B14F-4D97-AF65-F5344CB8AC3E}">
-        <p14:creationId xmlns:p14="http://schemas.microsoft.com/office/powerpoint/2010/main" val="1851767812"/>
+        <p14:creationId xmlns:p14="http://schemas.microsoft.com/office/powerpoint/2010/main" val="2131540716"/>
       </p:ext>
     </p:extLst>
   </p:cSld>
   <p:clrMapOvr>
     <a:overrideClrMapping bg1="dk1" tx1="lt1" bg2="dk2" tx2="lt2" accent1="accent1" accent2="accent2" accent3="accent3" accent4="accent4" accent5="accent5" accent6="accent6" hlink="hlink" folHlink="folHlink"/>
+  </p:clrMapOvr>
+</p:sld>
+</file>
+
+<file path=ppt/slides/slide21.xml><?xml version="1.0" encoding="utf-8"?>
+<p:sld xmlns:a="http://schemas.openxmlformats.org/drawingml/2006/main" xmlns:r="http://schemas.openxmlformats.org/officeDocument/2006/relationships" xmlns:p="http://schemas.openxmlformats.org/presentationml/2006/main">
+  <p:cSld>
+    <p:spTree>
+      <p:nvGrpSpPr>
+        <p:cNvPr id="1" name=""/>
+        <p:cNvGrpSpPr/>
+        <p:nvPr/>
+      </p:nvGrpSpPr>
+      <p:grpSpPr>
+        <a:xfrm>
+          <a:off x="0" y="0"/>
+          <a:ext cx="0" cy="0"/>
+          <a:chOff x="0" y="0"/>
+          <a:chExt cx="0" cy="0"/>
+        </a:xfrm>
+      </p:grpSpPr>
+      <p:sp>
+        <p:nvSpPr>
+          <p:cNvPr id="2" name="TextBox 1">
+            <a:extLst>
+              <a:ext uri="{FF2B5EF4-FFF2-40B4-BE49-F238E27FC236}">
+                <a16:creationId xmlns:a16="http://schemas.microsoft.com/office/drawing/2014/main" id="{1468F06C-1BDB-4A50-B292-8EBB7D5E0A72}"/>
+              </a:ext>
+            </a:extLst>
+          </p:cNvPr>
+          <p:cNvSpPr txBox="1"/>
+          <p:nvPr/>
+        </p:nvSpPr>
+        <p:spPr>
+          <a:xfrm>
+            <a:off x="1456460" y="1449202"/>
+            <a:ext cx="9279079" cy="3785652"/>
+          </a:xfrm>
+          <a:prstGeom prst="rect">
+            <a:avLst/>
+          </a:prstGeom>
+          <a:noFill/>
+        </p:spPr>
+        <p:txBody>
+          <a:bodyPr wrap="none" rtlCol="0">
+            <a:spAutoFit/>
+          </a:bodyPr>
+          <a:lstStyle/>
+          <a:p>
+            <a:r>
+              <a:rPr lang="en-US" sz="2400" dirty="0"/>
+              <a:t>ZID(TRADER):</a:t>
+            </a:r>
+          </a:p>
+          <a:p>
+            <a:endParaRPr lang="en-US" sz="2400" dirty="0"/>
+          </a:p>
+          <a:p>
+            <a:r>
+              <a:rPr lang="en-US" sz="2400" dirty="0"/>
+              <a:t>    MOVE       -&gt;  (dx, </a:t>
+            </a:r>
+            <a:r>
+              <a:rPr lang="en-US" sz="2400" dirty="0" err="1"/>
+              <a:t>dy</a:t>
+            </a:r>
+            <a:r>
+              <a:rPr lang="en-US" sz="2400" dirty="0"/>
+              <a:t>) where dx ~ {-1, 0, +1}, and </a:t>
+            </a:r>
+            <a:r>
+              <a:rPr lang="en-US" sz="2400" dirty="0" err="1"/>
+              <a:t>dy</a:t>
+            </a:r>
+            <a:r>
+              <a:rPr lang="en-US" sz="2400" dirty="0"/>
+              <a:t> ~ {-1, 0, +1}</a:t>
+            </a:r>
+          </a:p>
+          <a:p>
+            <a:r>
+              <a:rPr lang="en-US" sz="2400" dirty="0"/>
+              <a:t>    BID, ASK   -&gt; uniform random budget constrained offer</a:t>
+            </a:r>
+          </a:p>
+          <a:p>
+            <a:r>
+              <a:rPr lang="en-US" sz="2400" dirty="0"/>
+              <a:t>    BUY, SELL -&gt; uniform random budget constrained willingness to accept</a:t>
+            </a:r>
+          </a:p>
+          <a:p>
+            <a:r>
+              <a:rPr lang="en-US" sz="2400" dirty="0"/>
+              <a:t>                      -&gt; uniform random choice of offer </a:t>
+            </a:r>
+          </a:p>
+          <a:p>
+            <a:r>
+              <a:rPr lang="en-US" sz="2400" dirty="0"/>
+              <a:t>ZIDP(ZID):</a:t>
+            </a:r>
+          </a:p>
+          <a:p>
+            <a:endParaRPr lang="en-US" sz="2400" dirty="0"/>
+          </a:p>
+          <a:p>
+            <a:r>
+              <a:rPr lang="en-US" sz="2400" dirty="0"/>
+              <a:t>     BUY, SELL -&gt; uniform random budget constrained willingness to accept</a:t>
+            </a:r>
+          </a:p>
+          <a:p>
+            <a:r>
+              <a:rPr lang="en-US" sz="2400" dirty="0"/>
+              <a:t>  	          -&gt; picks best remaining offer</a:t>
+            </a:r>
+          </a:p>
+        </p:txBody>
+      </p:sp>
+      <p:cxnSp>
+        <p:nvCxnSpPr>
+          <p:cNvPr id="3" name="Straight Connector 2">
+            <a:extLst>
+              <a:ext uri="{FF2B5EF4-FFF2-40B4-BE49-F238E27FC236}">
+                <a16:creationId xmlns:a16="http://schemas.microsoft.com/office/drawing/2014/main" id="{D5EE545B-CA65-4FA5-87D8-B74376B76665}"/>
+              </a:ext>
+            </a:extLst>
+          </p:cNvPr>
+          <p:cNvCxnSpPr/>
+          <p:nvPr/>
+        </p:nvCxnSpPr>
+        <p:spPr>
+          <a:xfrm>
+            <a:off x="1208405" y="143143"/>
+            <a:ext cx="0" cy="690562"/>
+          </a:xfrm>
+          <a:prstGeom prst="line">
+            <a:avLst/>
+          </a:prstGeom>
+          <a:ln w="28575"/>
+        </p:spPr>
+        <p:style>
+          <a:lnRef idx="1">
+            <a:schemeClr val="accent1"/>
+          </a:lnRef>
+          <a:fillRef idx="0">
+            <a:schemeClr val="accent1"/>
+          </a:fillRef>
+          <a:effectRef idx="0">
+            <a:schemeClr val="accent1"/>
+          </a:effectRef>
+          <a:fontRef idx="minor">
+            <a:schemeClr val="tx1"/>
+          </a:fontRef>
+        </p:style>
+      </p:cxnSp>
+      <p:sp>
+        <p:nvSpPr>
+          <p:cNvPr id="4" name="TextBox 3">
+            <a:extLst>
+              <a:ext uri="{FF2B5EF4-FFF2-40B4-BE49-F238E27FC236}">
+                <a16:creationId xmlns:a16="http://schemas.microsoft.com/office/drawing/2014/main" id="{2D727924-724E-4B89-9902-18CB6C7D0DCC}"/>
+              </a:ext>
+            </a:extLst>
+          </p:cNvPr>
+          <p:cNvSpPr txBox="1">
+            <a:spLocks noChangeArrowheads="1"/>
+          </p:cNvSpPr>
+          <p:nvPr/>
+        </p:nvSpPr>
+        <p:spPr bwMode="auto">
+          <a:xfrm>
+            <a:off x="1402080" y="125680"/>
+            <a:ext cx="5970609" cy="707886"/>
+          </a:xfrm>
+          <a:prstGeom prst="rect">
+            <a:avLst/>
+          </a:prstGeom>
+          <a:noFill/>
+          <a:ln>
+            <a:noFill/>
+          </a:ln>
+          <a:extLst>
+            <a:ext uri="{909E8E84-426E-40DD-AFC4-6F175D3DCCD1}">
+              <a14:hiddenFill xmlns:a14="http://schemas.microsoft.com/office/drawing/2010/main">
+                <a:solidFill>
+                  <a:srgbClr val="FFFFFF"/>
+                </a:solidFill>
+              </a14:hiddenFill>
+            </a:ext>
+            <a:ext uri="{91240B29-F687-4F45-9708-019B960494DF}">
+              <a14:hiddenLine xmlns:a14="http://schemas.microsoft.com/office/drawing/2010/main" w="9525">
+                <a:solidFill>
+                  <a:srgbClr val="000000"/>
+                </a:solidFill>
+                <a:miter lim="800000"/>
+                <a:headEnd/>
+                <a:tailEnd/>
+              </a14:hiddenLine>
+            </a:ext>
+          </a:extLst>
+        </p:spPr>
+        <p:txBody>
+          <a:bodyPr wrap="none">
+            <a:spAutoFit/>
+          </a:bodyPr>
+          <a:lstStyle>
+            <a:lvl1pPr>
+              <a:lnSpc>
+                <a:spcPct val="90000"/>
+              </a:lnSpc>
+              <a:spcBef>
+                <a:spcPts val="1000"/>
+              </a:spcBef>
+              <a:buFont typeface="Arial" panose="020B0604020202020204" pitchFamily="34" charset="0"/>
+              <a:buChar char="•"/>
+              <a:defRPr sz="2800">
+                <a:solidFill>
+                  <a:schemeClr val="tx1"/>
+                </a:solidFill>
+                <a:latin typeface="Calibri" panose="020F0502020204030204" pitchFamily="34" charset="0"/>
+              </a:defRPr>
+            </a:lvl1pPr>
+            <a:lvl2pPr marL="742950" indent="-285750">
+              <a:lnSpc>
+                <a:spcPct val="90000"/>
+              </a:lnSpc>
+              <a:spcBef>
+                <a:spcPts val="500"/>
+              </a:spcBef>
+              <a:buFont typeface="Arial" panose="020B0604020202020204" pitchFamily="34" charset="0"/>
+              <a:buChar char="•"/>
+              <a:defRPr sz="2400">
+                <a:solidFill>
+                  <a:schemeClr val="tx1"/>
+                </a:solidFill>
+                <a:latin typeface="Calibri" panose="020F0502020204030204" pitchFamily="34" charset="0"/>
+              </a:defRPr>
+            </a:lvl2pPr>
+            <a:lvl3pPr marL="1143000" indent="-228600">
+              <a:lnSpc>
+                <a:spcPct val="90000"/>
+              </a:lnSpc>
+              <a:spcBef>
+                <a:spcPts val="500"/>
+              </a:spcBef>
+              <a:buFont typeface="Arial" panose="020B0604020202020204" pitchFamily="34" charset="0"/>
+              <a:buChar char="•"/>
+              <a:defRPr sz="2000">
+                <a:solidFill>
+                  <a:schemeClr val="tx1"/>
+                </a:solidFill>
+                <a:latin typeface="Calibri" panose="020F0502020204030204" pitchFamily="34" charset="0"/>
+              </a:defRPr>
+            </a:lvl3pPr>
+            <a:lvl4pPr marL="1600200" indent="-228600">
+              <a:lnSpc>
+                <a:spcPct val="90000"/>
+              </a:lnSpc>
+              <a:spcBef>
+                <a:spcPts val="500"/>
+              </a:spcBef>
+              <a:buFont typeface="Arial" panose="020B0604020202020204" pitchFamily="34" charset="0"/>
+              <a:buChar char="•"/>
+              <a:defRPr>
+                <a:solidFill>
+                  <a:schemeClr val="tx1"/>
+                </a:solidFill>
+                <a:latin typeface="Calibri" panose="020F0502020204030204" pitchFamily="34" charset="0"/>
+              </a:defRPr>
+            </a:lvl4pPr>
+            <a:lvl5pPr marL="2057400" indent="-228600">
+              <a:lnSpc>
+                <a:spcPct val="90000"/>
+              </a:lnSpc>
+              <a:spcBef>
+                <a:spcPts val="500"/>
+              </a:spcBef>
+              <a:buFont typeface="Arial" panose="020B0604020202020204" pitchFamily="34" charset="0"/>
+              <a:buChar char="•"/>
+              <a:defRPr>
+                <a:solidFill>
+                  <a:schemeClr val="tx1"/>
+                </a:solidFill>
+                <a:latin typeface="Calibri" panose="020F0502020204030204" pitchFamily="34" charset="0"/>
+              </a:defRPr>
+            </a:lvl5pPr>
+            <a:lvl6pPr marL="2514600" indent="-228600" eaLnBrk="0" fontAlgn="base" hangingPunct="0">
+              <a:lnSpc>
+                <a:spcPct val="90000"/>
+              </a:lnSpc>
+              <a:spcBef>
+                <a:spcPts val="500"/>
+              </a:spcBef>
+              <a:spcAft>
+                <a:spcPct val="0"/>
+              </a:spcAft>
+              <a:buFont typeface="Arial" panose="020B0604020202020204" pitchFamily="34" charset="0"/>
+              <a:buChar char="•"/>
+              <a:defRPr>
+                <a:solidFill>
+                  <a:schemeClr val="tx1"/>
+                </a:solidFill>
+                <a:latin typeface="Calibri" panose="020F0502020204030204" pitchFamily="34" charset="0"/>
+              </a:defRPr>
+            </a:lvl6pPr>
+            <a:lvl7pPr marL="2971800" indent="-228600" eaLnBrk="0" fontAlgn="base" hangingPunct="0">
+              <a:lnSpc>
+                <a:spcPct val="90000"/>
+              </a:lnSpc>
+              <a:spcBef>
+                <a:spcPts val="500"/>
+              </a:spcBef>
+              <a:spcAft>
+                <a:spcPct val="0"/>
+              </a:spcAft>
+              <a:buFont typeface="Arial" panose="020B0604020202020204" pitchFamily="34" charset="0"/>
+              <a:buChar char="•"/>
+              <a:defRPr>
+                <a:solidFill>
+                  <a:schemeClr val="tx1"/>
+                </a:solidFill>
+                <a:latin typeface="Calibri" panose="020F0502020204030204" pitchFamily="34" charset="0"/>
+              </a:defRPr>
+            </a:lvl7pPr>
+            <a:lvl8pPr marL="3429000" indent="-228600" eaLnBrk="0" fontAlgn="base" hangingPunct="0">
+              <a:lnSpc>
+                <a:spcPct val="90000"/>
+              </a:lnSpc>
+              <a:spcBef>
+                <a:spcPts val="500"/>
+              </a:spcBef>
+              <a:spcAft>
+                <a:spcPct val="0"/>
+              </a:spcAft>
+              <a:buFont typeface="Arial" panose="020B0604020202020204" pitchFamily="34" charset="0"/>
+              <a:buChar char="•"/>
+              <a:defRPr>
+                <a:solidFill>
+                  <a:schemeClr val="tx1"/>
+                </a:solidFill>
+                <a:latin typeface="Calibri" panose="020F0502020204030204" pitchFamily="34" charset="0"/>
+              </a:defRPr>
+            </a:lvl8pPr>
+            <a:lvl9pPr marL="3886200" indent="-228600" eaLnBrk="0" fontAlgn="base" hangingPunct="0">
+              <a:lnSpc>
+                <a:spcPct val="90000"/>
+              </a:lnSpc>
+              <a:spcBef>
+                <a:spcPts val="500"/>
+              </a:spcBef>
+              <a:spcAft>
+                <a:spcPct val="0"/>
+              </a:spcAft>
+              <a:buFont typeface="Arial" panose="020B0604020202020204" pitchFamily="34" charset="0"/>
+              <a:buChar char="•"/>
+              <a:defRPr>
+                <a:solidFill>
+                  <a:schemeClr val="tx1"/>
+                </a:solidFill>
+                <a:latin typeface="Calibri" panose="020F0502020204030204" pitchFamily="34" charset="0"/>
+              </a:defRPr>
+            </a:lvl9pPr>
+          </a:lstStyle>
+          <a:p>
+            <a:pPr eaLnBrk="1" hangingPunct="1">
+              <a:lnSpc>
+                <a:spcPct val="100000"/>
+              </a:lnSpc>
+              <a:spcBef>
+                <a:spcPct val="0"/>
+              </a:spcBef>
+              <a:buFontTx/>
+              <a:buNone/>
+            </a:pPr>
+            <a:r>
+              <a:rPr lang="en-US" altLang="en-US" sz="4000" dirty="0"/>
+              <a:t>Comparing Agent Strategies</a:t>
+            </a:r>
+          </a:p>
+        </p:txBody>
+      </p:sp>
+    </p:spTree>
+    <p:extLst>
+      <p:ext uri="{BB962C8B-B14F-4D97-AF65-F5344CB8AC3E}">
+        <p14:creationId xmlns:p14="http://schemas.microsoft.com/office/powerpoint/2010/main" val="23695304"/>
+      </p:ext>
+    </p:extLst>
+  </p:cSld>
+  <p:clrMapOvr>
+    <a:masterClrMapping/>
   </p:clrMapOvr>
 </p:sld>
 </file>
@@ -16951,7 +17161,7 @@
         </p:nvSpPr>
         <p:spPr>
           <a:xfrm>
-            <a:off x="1065965" y="2226983"/>
+            <a:off x="715196" y="2226983"/>
             <a:ext cx="5076090" cy="4151376"/>
           </a:xfrm>
           <a:prstGeom prst="rect">
@@ -16980,7 +17190,7 @@
             </a:r>
             <a:r>
               <a:rPr lang="en-US" sz="2000" dirty="0"/>
-              <a:t> = 500</a:t>
+              <a:t> = 100</a:t>
             </a:r>
           </a:p>
           <a:p>
@@ -17159,8 +17369,8 @@
         </p:nvSpPr>
         <p:spPr>
           <a:xfrm>
-            <a:off x="477511" y="1562676"/>
-            <a:ext cx="4041876" cy="369332"/>
+            <a:off x="558791" y="1101012"/>
+            <a:ext cx="3123868" cy="369332"/>
           </a:xfrm>
           <a:prstGeom prst="rect">
             <a:avLst/>
@@ -17175,17 +17385,17 @@
           <a:p>
             <a:r>
               <a:rPr lang="en-US" dirty="0"/>
-              <a:t>Compare Surplus 50%  ZID, and 50% ZIDP</a:t>
+              <a:t>Compare efficiency of ZID, ZIDP</a:t>
             </a:r>
           </a:p>
         </p:txBody>
       </p:sp>
       <p:pic>
         <p:nvPicPr>
-          <p:cNvPr id="4098" name="Picture 2">
+          <p:cNvPr id="3074" name="Picture 2">
             <a:extLst>
               <a:ext uri="{FF2B5EF4-FFF2-40B4-BE49-F238E27FC236}">
-                <a16:creationId xmlns:a16="http://schemas.microsoft.com/office/drawing/2014/main" id="{B53FC8E7-4725-452A-9554-A28E44B6EDD6}"/>
+                <a16:creationId xmlns:a16="http://schemas.microsoft.com/office/drawing/2014/main" id="{82445BB9-BF34-4ACC-AE83-12B418CE18C7}"/>
               </a:ext>
             </a:extLst>
           </p:cNvPr>
@@ -17209,8 +17419,8 @@
         </p:blipFill>
         <p:spPr bwMode="auto">
           <a:xfrm>
-            <a:off x="6908758" y="237231"/>
-            <a:ext cx="4805731" cy="3827776"/>
+            <a:off x="7056624" y="83322"/>
+            <a:ext cx="4906776" cy="3990738"/>
           </a:xfrm>
           <a:prstGeom prst="rect">
             <a:avLst/>
@@ -17230,7 +17440,7 @@
     </p:spTree>
     <p:extLst>
       <p:ext uri="{BB962C8B-B14F-4D97-AF65-F5344CB8AC3E}">
-        <p14:creationId xmlns:p14="http://schemas.microsoft.com/office/powerpoint/2010/main" val="3354474471"/>
+        <p14:creationId xmlns:p14="http://schemas.microsoft.com/office/powerpoint/2010/main" val="1851767812"/>
       </p:ext>
     </p:extLst>
   </p:cSld>
@@ -17241,446 +17451,6 @@
 </file>
 
 <file path=ppt/slides/slide23.xml><?xml version="1.0" encoding="utf-8"?>
-<p:sld xmlns:a="http://schemas.openxmlformats.org/drawingml/2006/main" xmlns:r="http://schemas.openxmlformats.org/officeDocument/2006/relationships" xmlns:p="http://schemas.openxmlformats.org/presentationml/2006/main">
-  <p:cSld>
-    <p:spTree>
-      <p:nvGrpSpPr>
-        <p:cNvPr id="1" name=""/>
-        <p:cNvGrpSpPr/>
-        <p:nvPr/>
-      </p:nvGrpSpPr>
-      <p:grpSpPr>
-        <a:xfrm>
-          <a:off x="0" y="0"/>
-          <a:ext cx="0" cy="0"/>
-          <a:chOff x="0" y="0"/>
-          <a:chExt cx="0" cy="0"/>
-        </a:xfrm>
-      </p:grpSpPr>
-      <p:sp>
-        <p:nvSpPr>
-          <p:cNvPr id="4" name="TextBox 3">
-            <a:extLst>
-              <a:ext uri="{FF2B5EF4-FFF2-40B4-BE49-F238E27FC236}">
-                <a16:creationId xmlns:a16="http://schemas.microsoft.com/office/drawing/2014/main" id="{EA4472BF-0F9C-4520-BA65-EFFD53AE59AA}"/>
-              </a:ext>
-            </a:extLst>
-          </p:cNvPr>
-          <p:cNvSpPr txBox="1"/>
-          <p:nvPr/>
-        </p:nvSpPr>
-        <p:spPr>
-          <a:xfrm>
-            <a:off x="1402080" y="1177597"/>
-            <a:ext cx="9567876" cy="5262979"/>
-          </a:xfrm>
-          <a:prstGeom prst="rect">
-            <a:avLst/>
-          </a:prstGeom>
-          <a:noFill/>
-        </p:spPr>
-        <p:txBody>
-          <a:bodyPr wrap="none" rtlCol="0">
-            <a:spAutoFit/>
-          </a:bodyPr>
-          <a:lstStyle/>
-          <a:p>
-            <a:r>
-              <a:rPr lang="en-US" sz="2400" dirty="0"/>
-              <a:t>ZID(TRADER):</a:t>
-            </a:r>
-          </a:p>
-          <a:p>
-            <a:r>
-              <a:rPr lang="en-US" sz="2400" dirty="0"/>
-              <a:t>    MOVE       -&gt;  (dx, </a:t>
-            </a:r>
-            <a:r>
-              <a:rPr lang="en-US" sz="2400" dirty="0" err="1"/>
-              <a:t>dy</a:t>
-            </a:r>
-            <a:r>
-              <a:rPr lang="en-US" sz="2400" dirty="0"/>
-              <a:t>) where dx ~ {-1, 0, +1}, and </a:t>
-            </a:r>
-            <a:r>
-              <a:rPr lang="en-US" sz="2400" dirty="0" err="1"/>
-              <a:t>dy</a:t>
-            </a:r>
-            <a:r>
-              <a:rPr lang="en-US" sz="2400" dirty="0"/>
-              <a:t> ~ {-1, 0, +1}</a:t>
-            </a:r>
-          </a:p>
-          <a:p>
-            <a:r>
-              <a:rPr lang="en-US" sz="2400" dirty="0"/>
-              <a:t>    BID, ASK   -&gt; uniform random budget constrained offer</a:t>
-            </a:r>
-          </a:p>
-          <a:p>
-            <a:r>
-              <a:rPr lang="en-US" sz="2400" dirty="0"/>
-              <a:t>    BUY, SELL -&gt; uniform random budget constrained willingness to accept</a:t>
-            </a:r>
-          </a:p>
-          <a:p>
-            <a:r>
-              <a:rPr lang="en-US" sz="2400" dirty="0"/>
-              <a:t>                      -&gt; uniform random choice of offer </a:t>
-            </a:r>
-          </a:p>
-          <a:p>
-            <a:r>
-              <a:rPr lang="en-US" sz="2400" dirty="0"/>
-              <a:t>ZIDP(ZID):</a:t>
-            </a:r>
-          </a:p>
-          <a:p>
-            <a:r>
-              <a:rPr lang="en-US" sz="2400" dirty="0"/>
-              <a:t>     BUY, SELL -&gt; uniform random budget constrained willingness to accept</a:t>
-            </a:r>
-          </a:p>
-          <a:p>
-            <a:r>
-              <a:rPr lang="en-US" sz="2400" dirty="0"/>
-              <a:t>  	          -&gt; picks best remaining offer</a:t>
-            </a:r>
-          </a:p>
-          <a:p>
-            <a:r>
-              <a:rPr lang="en-US" sz="2400" dirty="0"/>
-              <a:t>ZIDA(ZID):</a:t>
-            </a:r>
-          </a:p>
-          <a:p>
-            <a:r>
-              <a:rPr lang="en-US" sz="2400" dirty="0"/>
-              <a:t>      MOVE     -&gt; if contract at point -&gt; don’t move (dx, </a:t>
-            </a:r>
-            <a:r>
-              <a:rPr lang="en-US" sz="2400" dirty="0" err="1"/>
-              <a:t>dy</a:t>
-            </a:r>
-            <a:r>
-              <a:rPr lang="en-US" sz="2400" dirty="0"/>
-              <a:t>) = (0, 0)</a:t>
-            </a:r>
-          </a:p>
-          <a:p>
-            <a:r>
-              <a:rPr lang="en-US" sz="2400" dirty="0"/>
-              <a:t> 	         -&gt; otherwise, (dx, </a:t>
-            </a:r>
-            <a:r>
-              <a:rPr lang="en-US" sz="2400" dirty="0" err="1"/>
-              <a:t>dy</a:t>
-            </a:r>
-            <a:r>
-              <a:rPr lang="en-US" sz="2400" dirty="0"/>
-              <a:t>) where dx ~ {-1, 0, +1}, and </a:t>
-            </a:r>
-            <a:r>
-              <a:rPr lang="en-US" sz="2400" dirty="0" err="1"/>
-              <a:t>dy</a:t>
-            </a:r>
-            <a:r>
-              <a:rPr lang="en-US" sz="2400" dirty="0"/>
-              <a:t> ~ {-1, 0, +1}</a:t>
-            </a:r>
-          </a:p>
-          <a:p>
-            <a:endParaRPr lang="en-US" sz="2400" dirty="0"/>
-          </a:p>
-          <a:p>
-            <a:r>
-              <a:rPr lang="en-US" sz="2400" dirty="0"/>
-              <a:t>ZIDPA(ZIDP, ZIDA)</a:t>
-            </a:r>
-          </a:p>
-          <a:p>
-            <a:endParaRPr lang="en-US" sz="2400" dirty="0"/>
-          </a:p>
-        </p:txBody>
-      </p:sp>
-      <p:cxnSp>
-        <p:nvCxnSpPr>
-          <p:cNvPr id="5" name="Straight Connector 4">
-            <a:extLst>
-              <a:ext uri="{FF2B5EF4-FFF2-40B4-BE49-F238E27FC236}">
-                <a16:creationId xmlns:a16="http://schemas.microsoft.com/office/drawing/2014/main" id="{C9F23B88-0368-4FA5-86C4-F39BFD5A2D90}"/>
-              </a:ext>
-            </a:extLst>
-          </p:cNvPr>
-          <p:cNvCxnSpPr/>
-          <p:nvPr/>
-        </p:nvCxnSpPr>
-        <p:spPr>
-          <a:xfrm>
-            <a:off x="1208405" y="143143"/>
-            <a:ext cx="0" cy="690562"/>
-          </a:xfrm>
-          <a:prstGeom prst="line">
-            <a:avLst/>
-          </a:prstGeom>
-          <a:ln w="28575"/>
-        </p:spPr>
-        <p:style>
-          <a:lnRef idx="1">
-            <a:schemeClr val="accent1"/>
-          </a:lnRef>
-          <a:fillRef idx="0">
-            <a:schemeClr val="accent1"/>
-          </a:fillRef>
-          <a:effectRef idx="0">
-            <a:schemeClr val="accent1"/>
-          </a:effectRef>
-          <a:fontRef idx="minor">
-            <a:schemeClr val="tx1"/>
-          </a:fontRef>
-        </p:style>
-      </p:cxnSp>
-      <p:sp>
-        <p:nvSpPr>
-          <p:cNvPr id="6" name="TextBox 3">
-            <a:extLst>
-              <a:ext uri="{FF2B5EF4-FFF2-40B4-BE49-F238E27FC236}">
-                <a16:creationId xmlns:a16="http://schemas.microsoft.com/office/drawing/2014/main" id="{4B65775E-8EF1-42F1-B7FC-EF34276B5B0D}"/>
-              </a:ext>
-            </a:extLst>
-          </p:cNvPr>
-          <p:cNvSpPr txBox="1">
-            <a:spLocks noChangeArrowheads="1"/>
-          </p:cNvSpPr>
-          <p:nvPr/>
-        </p:nvSpPr>
-        <p:spPr bwMode="auto">
-          <a:xfrm>
-            <a:off x="1402080" y="125680"/>
-            <a:ext cx="5970609" cy="707886"/>
-          </a:xfrm>
-          <a:prstGeom prst="rect">
-            <a:avLst/>
-          </a:prstGeom>
-          <a:noFill/>
-          <a:ln>
-            <a:noFill/>
-          </a:ln>
-          <a:extLst>
-            <a:ext uri="{909E8E84-426E-40DD-AFC4-6F175D3DCCD1}">
-              <a14:hiddenFill xmlns:a14="http://schemas.microsoft.com/office/drawing/2010/main">
-                <a:solidFill>
-                  <a:srgbClr val="FFFFFF"/>
-                </a:solidFill>
-              </a14:hiddenFill>
-            </a:ext>
-            <a:ext uri="{91240B29-F687-4F45-9708-019B960494DF}">
-              <a14:hiddenLine xmlns:a14="http://schemas.microsoft.com/office/drawing/2010/main" w="9525">
-                <a:solidFill>
-                  <a:srgbClr val="000000"/>
-                </a:solidFill>
-                <a:miter lim="800000"/>
-                <a:headEnd/>
-                <a:tailEnd/>
-              </a14:hiddenLine>
-            </a:ext>
-          </a:extLst>
-        </p:spPr>
-        <p:txBody>
-          <a:bodyPr wrap="none">
-            <a:spAutoFit/>
-          </a:bodyPr>
-          <a:lstStyle>
-            <a:lvl1pPr>
-              <a:lnSpc>
-                <a:spcPct val="90000"/>
-              </a:lnSpc>
-              <a:spcBef>
-                <a:spcPts val="1000"/>
-              </a:spcBef>
-              <a:buFont typeface="Arial" panose="020B0604020202020204" pitchFamily="34" charset="0"/>
-              <a:buChar char="•"/>
-              <a:defRPr sz="2800">
-                <a:solidFill>
-                  <a:schemeClr val="tx1"/>
-                </a:solidFill>
-                <a:latin typeface="Calibri" panose="020F0502020204030204" pitchFamily="34" charset="0"/>
-              </a:defRPr>
-            </a:lvl1pPr>
-            <a:lvl2pPr marL="742950" indent="-285750">
-              <a:lnSpc>
-                <a:spcPct val="90000"/>
-              </a:lnSpc>
-              <a:spcBef>
-                <a:spcPts val="500"/>
-              </a:spcBef>
-              <a:buFont typeface="Arial" panose="020B0604020202020204" pitchFamily="34" charset="0"/>
-              <a:buChar char="•"/>
-              <a:defRPr sz="2400">
-                <a:solidFill>
-                  <a:schemeClr val="tx1"/>
-                </a:solidFill>
-                <a:latin typeface="Calibri" panose="020F0502020204030204" pitchFamily="34" charset="0"/>
-              </a:defRPr>
-            </a:lvl2pPr>
-            <a:lvl3pPr marL="1143000" indent="-228600">
-              <a:lnSpc>
-                <a:spcPct val="90000"/>
-              </a:lnSpc>
-              <a:spcBef>
-                <a:spcPts val="500"/>
-              </a:spcBef>
-              <a:buFont typeface="Arial" panose="020B0604020202020204" pitchFamily="34" charset="0"/>
-              <a:buChar char="•"/>
-              <a:defRPr sz="2000">
-                <a:solidFill>
-                  <a:schemeClr val="tx1"/>
-                </a:solidFill>
-                <a:latin typeface="Calibri" panose="020F0502020204030204" pitchFamily="34" charset="0"/>
-              </a:defRPr>
-            </a:lvl3pPr>
-            <a:lvl4pPr marL="1600200" indent="-228600">
-              <a:lnSpc>
-                <a:spcPct val="90000"/>
-              </a:lnSpc>
-              <a:spcBef>
-                <a:spcPts val="500"/>
-              </a:spcBef>
-              <a:buFont typeface="Arial" panose="020B0604020202020204" pitchFamily="34" charset="0"/>
-              <a:buChar char="•"/>
-              <a:defRPr>
-                <a:solidFill>
-                  <a:schemeClr val="tx1"/>
-                </a:solidFill>
-                <a:latin typeface="Calibri" panose="020F0502020204030204" pitchFamily="34" charset="0"/>
-              </a:defRPr>
-            </a:lvl4pPr>
-            <a:lvl5pPr marL="2057400" indent="-228600">
-              <a:lnSpc>
-                <a:spcPct val="90000"/>
-              </a:lnSpc>
-              <a:spcBef>
-                <a:spcPts val="500"/>
-              </a:spcBef>
-              <a:buFont typeface="Arial" panose="020B0604020202020204" pitchFamily="34" charset="0"/>
-              <a:buChar char="•"/>
-              <a:defRPr>
-                <a:solidFill>
-                  <a:schemeClr val="tx1"/>
-                </a:solidFill>
-                <a:latin typeface="Calibri" panose="020F0502020204030204" pitchFamily="34" charset="0"/>
-              </a:defRPr>
-            </a:lvl5pPr>
-            <a:lvl6pPr marL="2514600" indent="-228600" eaLnBrk="0" fontAlgn="base" hangingPunct="0">
-              <a:lnSpc>
-                <a:spcPct val="90000"/>
-              </a:lnSpc>
-              <a:spcBef>
-                <a:spcPts val="500"/>
-              </a:spcBef>
-              <a:spcAft>
-                <a:spcPct val="0"/>
-              </a:spcAft>
-              <a:buFont typeface="Arial" panose="020B0604020202020204" pitchFamily="34" charset="0"/>
-              <a:buChar char="•"/>
-              <a:defRPr>
-                <a:solidFill>
-                  <a:schemeClr val="tx1"/>
-                </a:solidFill>
-                <a:latin typeface="Calibri" panose="020F0502020204030204" pitchFamily="34" charset="0"/>
-              </a:defRPr>
-            </a:lvl6pPr>
-            <a:lvl7pPr marL="2971800" indent="-228600" eaLnBrk="0" fontAlgn="base" hangingPunct="0">
-              <a:lnSpc>
-                <a:spcPct val="90000"/>
-              </a:lnSpc>
-              <a:spcBef>
-                <a:spcPts val="500"/>
-              </a:spcBef>
-              <a:spcAft>
-                <a:spcPct val="0"/>
-              </a:spcAft>
-              <a:buFont typeface="Arial" panose="020B0604020202020204" pitchFamily="34" charset="0"/>
-              <a:buChar char="•"/>
-              <a:defRPr>
-                <a:solidFill>
-                  <a:schemeClr val="tx1"/>
-                </a:solidFill>
-                <a:latin typeface="Calibri" panose="020F0502020204030204" pitchFamily="34" charset="0"/>
-              </a:defRPr>
-            </a:lvl7pPr>
-            <a:lvl8pPr marL="3429000" indent="-228600" eaLnBrk="0" fontAlgn="base" hangingPunct="0">
-              <a:lnSpc>
-                <a:spcPct val="90000"/>
-              </a:lnSpc>
-              <a:spcBef>
-                <a:spcPts val="500"/>
-              </a:spcBef>
-              <a:spcAft>
-                <a:spcPct val="0"/>
-              </a:spcAft>
-              <a:buFont typeface="Arial" panose="020B0604020202020204" pitchFamily="34" charset="0"/>
-              <a:buChar char="•"/>
-              <a:defRPr>
-                <a:solidFill>
-                  <a:schemeClr val="tx1"/>
-                </a:solidFill>
-                <a:latin typeface="Calibri" panose="020F0502020204030204" pitchFamily="34" charset="0"/>
-              </a:defRPr>
-            </a:lvl8pPr>
-            <a:lvl9pPr marL="3886200" indent="-228600" eaLnBrk="0" fontAlgn="base" hangingPunct="0">
-              <a:lnSpc>
-                <a:spcPct val="90000"/>
-              </a:lnSpc>
-              <a:spcBef>
-                <a:spcPts val="500"/>
-              </a:spcBef>
-              <a:spcAft>
-                <a:spcPct val="0"/>
-              </a:spcAft>
-              <a:buFont typeface="Arial" panose="020B0604020202020204" pitchFamily="34" charset="0"/>
-              <a:buChar char="•"/>
-              <a:defRPr>
-                <a:solidFill>
-                  <a:schemeClr val="tx1"/>
-                </a:solidFill>
-                <a:latin typeface="Calibri" panose="020F0502020204030204" pitchFamily="34" charset="0"/>
-              </a:defRPr>
-            </a:lvl9pPr>
-          </a:lstStyle>
-          <a:p>
-            <a:pPr eaLnBrk="1" hangingPunct="1">
-              <a:lnSpc>
-                <a:spcPct val="100000"/>
-              </a:lnSpc>
-              <a:spcBef>
-                <a:spcPct val="0"/>
-              </a:spcBef>
-              <a:buFontTx/>
-              <a:buNone/>
-            </a:pPr>
-            <a:r>
-              <a:rPr lang="en-US" altLang="en-US" sz="4000" dirty="0"/>
-              <a:t>Comparing Agent Strategies</a:t>
-            </a:r>
-          </a:p>
-        </p:txBody>
-      </p:sp>
-    </p:spTree>
-    <p:extLst>
-      <p:ext uri="{BB962C8B-B14F-4D97-AF65-F5344CB8AC3E}">
-        <p14:creationId xmlns:p14="http://schemas.microsoft.com/office/powerpoint/2010/main" val="1716797533"/>
-      </p:ext>
-    </p:extLst>
-  </p:cSld>
-  <p:clrMapOvr>
-    <a:masterClrMapping/>
-  </p:clrMapOvr>
-</p:sld>
-</file>
-
-<file path=ppt/slides/slide24.xml><?xml version="1.0" encoding="utf-8"?>
 <p:sld xmlns:a="http://schemas.openxmlformats.org/drawingml/2006/main" xmlns:r="http://schemas.openxmlformats.org/officeDocument/2006/relationships" xmlns:p="http://schemas.openxmlformats.org/presentationml/2006/main">
   <p:cSld>
     <p:bg>
@@ -18334,7 +18104,7 @@
         <p:spPr>
           <a:xfrm>
             <a:off x="477511" y="1562676"/>
-            <a:ext cx="4304448" cy="369332"/>
+            <a:ext cx="4041876" cy="369332"/>
           </a:xfrm>
           <a:prstGeom prst="rect">
             <a:avLst/>
@@ -18349,17 +18119,17 @@
           <a:p>
             <a:r>
               <a:rPr lang="en-US" dirty="0"/>
-              <a:t>Compare Surplus 50%  ZIDA, and 50% ZIDPA</a:t>
+              <a:t>Compare Surplus 50%  ZID, and 50% ZIDP</a:t>
             </a:r>
           </a:p>
         </p:txBody>
       </p:sp>
       <p:pic>
         <p:nvPicPr>
-          <p:cNvPr id="6150" name="Picture 6">
+          <p:cNvPr id="4098" name="Picture 2">
             <a:extLst>
               <a:ext uri="{FF2B5EF4-FFF2-40B4-BE49-F238E27FC236}">
-                <a16:creationId xmlns:a16="http://schemas.microsoft.com/office/drawing/2014/main" id="{D21A56DF-8583-44B0-8DF4-4AB99C11A7A4}"/>
+                <a16:creationId xmlns:a16="http://schemas.microsoft.com/office/drawing/2014/main" id="{B53FC8E7-4725-452A-9554-A28E44B6EDD6}"/>
               </a:ext>
             </a:extLst>
           </p:cNvPr>
@@ -18383,8 +18153,8 @@
         </p:blipFill>
         <p:spPr bwMode="auto">
           <a:xfrm>
-            <a:off x="7049694" y="213773"/>
-            <a:ext cx="4823815" cy="3842180"/>
+            <a:off x="6908758" y="237231"/>
+            <a:ext cx="4805731" cy="3827776"/>
           </a:xfrm>
           <a:prstGeom prst="rect">
             <a:avLst/>
@@ -18404,7 +18174,7 @@
     </p:spTree>
     <p:extLst>
       <p:ext uri="{BB962C8B-B14F-4D97-AF65-F5344CB8AC3E}">
-        <p14:creationId xmlns:p14="http://schemas.microsoft.com/office/powerpoint/2010/main" val="350802237"/>
+        <p14:creationId xmlns:p14="http://schemas.microsoft.com/office/powerpoint/2010/main" val="3354474471"/>
       </p:ext>
     </p:extLst>
   </p:cSld>
@@ -18414,7 +18184,7 @@
 </p:sld>
 </file>
 
-<file path=ppt/slides/slide25.xml><?xml version="1.0" encoding="utf-8"?>
+<file path=ppt/slides/slide24.xml><?xml version="1.0" encoding="utf-8"?>
 <p:sld xmlns:a="http://schemas.openxmlformats.org/drawingml/2006/main" xmlns:r="http://schemas.openxmlformats.org/officeDocument/2006/relationships" xmlns:p="http://schemas.openxmlformats.org/presentationml/2006/main">
   <p:cSld>
     <p:spTree>
@@ -18445,8 +18215,8 @@
         </p:nvSpPr>
         <p:spPr>
           <a:xfrm>
-            <a:off x="1539443" y="833566"/>
-            <a:ext cx="9636805" cy="5632311"/>
+            <a:off x="1402080" y="1177597"/>
+            <a:ext cx="9567876" cy="5262979"/>
           </a:xfrm>
           <a:prstGeom prst="rect">
             <a:avLst/>
@@ -18523,32 +18293,15 @@
             </a:r>
           </a:p>
           <a:p>
-            <a:endParaRPr lang="en-US" sz="2400" dirty="0"/>
-          </a:p>
-          <a:p>
             <a:r>
               <a:rPr lang="en-US" sz="2400" dirty="0"/>
-              <a:t>ZIDPR(ZIDP)</a:t>
+              <a:t>ZIDA(ZID):</a:t>
             </a:r>
           </a:p>
           <a:p>
             <a:r>
               <a:rPr lang="en-US" sz="2400" dirty="0"/>
-              <a:t>       MOVE     -&gt; </a:t>
-            </a:r>
-            <a:r>
-              <a:rPr lang="en-US" sz="2400" dirty="0" err="1"/>
-              <a:t>num_agents</a:t>
-            </a:r>
-            <a:r>
-              <a:rPr lang="en-US" sz="2400" dirty="0"/>
-              <a:t> at point &gt; 2:</a:t>
-            </a:r>
-          </a:p>
-          <a:p>
-            <a:r>
-              <a:rPr lang="en-US" sz="2400" dirty="0"/>
-              <a:t>		 	(dx, </a:t>
+              <a:t>      MOVE     -&gt; if contract at point -&gt; don’t move (dx, </a:t>
             </a:r>
             <a:r>
               <a:rPr lang="en-US" sz="2400" dirty="0" err="1"/>
@@ -18556,7 +18309,13 @@
             </a:r>
             <a:r>
               <a:rPr lang="en-US" sz="2400" dirty="0"/>
-              <a:t>) where dx ~ {-1,  +1} and </a:t>
+              <a:t>) = (0, 0)</a:t>
+            </a:r>
+          </a:p>
+          <a:p>
+            <a:r>
+              <a:rPr lang="en-US" sz="2400" dirty="0"/>
+              <a:t> 	         -&gt; otherwise, (dx, </a:t>
             </a:r>
             <a:r>
               <a:rPr lang="en-US" sz="2400" dirty="0" err="1"/>
@@ -18564,13 +18323,7 @@
             </a:r>
             <a:r>
               <a:rPr lang="en-US" sz="2400" dirty="0"/>
-              <a:t> ~ {-1,  +1}</a:t>
-            </a:r>
-          </a:p>
-          <a:p>
-            <a:r>
-              <a:rPr lang="en-US" sz="2400" dirty="0"/>
-              <a:t>	          -&gt; otherwise, (dx, </a:t>
+              <a:t>) where dx ~ {-1, 0, +1}, and </a:t>
             </a:r>
             <a:r>
               <a:rPr lang="en-US" sz="2400" dirty="0" err="1"/>
@@ -18578,19 +18331,17 @@
             </a:r>
             <a:r>
               <a:rPr lang="en-US" sz="2400" dirty="0"/>
-              <a:t>) where dx ~ {-1, 0, +1}, and </a:t>
-            </a:r>
-            <a:r>
-              <a:rPr lang="en-US" sz="2400" dirty="0" err="1"/>
-              <a:t>dy</a:t>
-            </a:r>
+              <a:t> ~ {-1, 0, +1}</a:t>
+            </a:r>
+          </a:p>
+          <a:p>
+            <a:endParaRPr lang="en-US" sz="2400" dirty="0"/>
+          </a:p>
+          <a:p>
             <a:r>
               <a:rPr lang="en-US" sz="2400" dirty="0"/>
-              <a:t> ~ {-1, 0, +1}</a:t>
-            </a:r>
-          </a:p>
-          <a:p>
-            <a:endParaRPr lang="en-US" sz="2400" dirty="0"/>
+              <a:t>ZIDPA(ZIDP, ZIDA)</a:t>
+            </a:r>
           </a:p>
           <a:p>
             <a:endParaRPr lang="en-US" sz="2400" dirty="0"/>
@@ -18863,7 +18614,7 @@
     </p:spTree>
     <p:extLst>
       <p:ext uri="{BB962C8B-B14F-4D97-AF65-F5344CB8AC3E}">
-        <p14:creationId xmlns:p14="http://schemas.microsoft.com/office/powerpoint/2010/main" val="3926151893"/>
+        <p14:creationId xmlns:p14="http://schemas.microsoft.com/office/powerpoint/2010/main" val="1716797533"/>
       </p:ext>
     </p:extLst>
   </p:cSld>
@@ -18873,7 +18624,7 @@
 </p:sld>
 </file>
 
-<file path=ppt/slides/slide26.xml><?xml version="1.0" encoding="utf-8"?>
+<file path=ppt/slides/slide25.xml><?xml version="1.0" encoding="utf-8"?>
 <p:sld xmlns:a="http://schemas.openxmlformats.org/drawingml/2006/main" xmlns:r="http://schemas.openxmlformats.org/officeDocument/2006/relationships" xmlns:p="http://schemas.openxmlformats.org/presentationml/2006/main">
   <p:cSld>
     <p:bg>
@@ -19318,7 +19069,7 @@
         </p:nvSpPr>
         <p:spPr>
           <a:xfrm>
-            <a:off x="715196" y="2226983"/>
+            <a:off x="1065965" y="2226983"/>
             <a:ext cx="5076090" cy="4151376"/>
           </a:xfrm>
           <a:prstGeom prst="rect">
@@ -19347,7 +19098,7 @@
             </a:r>
             <a:r>
               <a:rPr lang="en-US" sz="2000" dirty="0"/>
-              <a:t> = 100</a:t>
+              <a:t> = 500</a:t>
             </a:r>
           </a:p>
           <a:p>
@@ -19526,8 +19277,8 @@
         </p:nvSpPr>
         <p:spPr>
           <a:xfrm>
-            <a:off x="558791" y="1101012"/>
-            <a:ext cx="4767074" cy="369332"/>
+            <a:off x="477511" y="1562676"/>
+            <a:ext cx="4304448" cy="369332"/>
           </a:xfrm>
           <a:prstGeom prst="rect">
             <a:avLst/>
@@ -19542,17 +19293,17 @@
           <a:p>
             <a:r>
               <a:rPr lang="en-US" dirty="0"/>
-              <a:t>Compare efficiency of ZID, ZIDP,  ZIDA, and ZIDPR</a:t>
+              <a:t>Compare Surplus 50%  ZIDA, and 50% ZIDPA</a:t>
             </a:r>
           </a:p>
         </p:txBody>
       </p:sp>
       <p:pic>
         <p:nvPicPr>
-          <p:cNvPr id="5124" name="Picture 4">
+          <p:cNvPr id="6150" name="Picture 6">
             <a:extLst>
               <a:ext uri="{FF2B5EF4-FFF2-40B4-BE49-F238E27FC236}">
-                <a16:creationId xmlns:a16="http://schemas.microsoft.com/office/drawing/2014/main" id="{F3E9EFAD-15CA-4EC7-9500-0CA2A5C2F1C1}"/>
+                <a16:creationId xmlns:a16="http://schemas.microsoft.com/office/drawing/2014/main" id="{D21A56DF-8583-44B0-8DF4-4AB99C11A7A4}"/>
               </a:ext>
             </a:extLst>
           </p:cNvPr>
@@ -19576,8 +19327,8 @@
         </p:blipFill>
         <p:spPr bwMode="auto">
           <a:xfrm>
-            <a:off x="7008272" y="194679"/>
-            <a:ext cx="4803253" cy="3906542"/>
+            <a:off x="7049694" y="213773"/>
+            <a:ext cx="4823815" cy="3842180"/>
           </a:xfrm>
           <a:prstGeom prst="rect">
             <a:avLst/>
@@ -19597,12 +19348,471 @@
     </p:spTree>
     <p:extLst>
       <p:ext uri="{BB962C8B-B14F-4D97-AF65-F5344CB8AC3E}">
-        <p14:creationId xmlns:p14="http://schemas.microsoft.com/office/powerpoint/2010/main" val="1748389431"/>
+        <p14:creationId xmlns:p14="http://schemas.microsoft.com/office/powerpoint/2010/main" val="350802237"/>
       </p:ext>
     </p:extLst>
   </p:cSld>
   <p:clrMapOvr>
     <a:overrideClrMapping bg1="dk1" tx1="lt1" bg2="dk2" tx2="lt2" accent1="accent1" accent2="accent2" accent3="accent3" accent4="accent4" accent5="accent5" accent6="accent6" hlink="hlink" folHlink="folHlink"/>
+  </p:clrMapOvr>
+</p:sld>
+</file>
+
+<file path=ppt/slides/slide26.xml><?xml version="1.0" encoding="utf-8"?>
+<p:sld xmlns:a="http://schemas.openxmlformats.org/drawingml/2006/main" xmlns:r="http://schemas.openxmlformats.org/officeDocument/2006/relationships" xmlns:p="http://schemas.openxmlformats.org/presentationml/2006/main">
+  <p:cSld>
+    <p:spTree>
+      <p:nvGrpSpPr>
+        <p:cNvPr id="1" name=""/>
+        <p:cNvGrpSpPr/>
+        <p:nvPr/>
+      </p:nvGrpSpPr>
+      <p:grpSpPr>
+        <a:xfrm>
+          <a:off x="0" y="0"/>
+          <a:ext cx="0" cy="0"/>
+          <a:chOff x="0" y="0"/>
+          <a:chExt cx="0" cy="0"/>
+        </a:xfrm>
+      </p:grpSpPr>
+      <p:sp>
+        <p:nvSpPr>
+          <p:cNvPr id="4" name="TextBox 3">
+            <a:extLst>
+              <a:ext uri="{FF2B5EF4-FFF2-40B4-BE49-F238E27FC236}">
+                <a16:creationId xmlns:a16="http://schemas.microsoft.com/office/drawing/2014/main" id="{EA4472BF-0F9C-4520-BA65-EFFD53AE59AA}"/>
+              </a:ext>
+            </a:extLst>
+          </p:cNvPr>
+          <p:cNvSpPr txBox="1"/>
+          <p:nvPr/>
+        </p:nvSpPr>
+        <p:spPr>
+          <a:xfrm>
+            <a:off x="1539443" y="833566"/>
+            <a:ext cx="9636805" cy="5632311"/>
+          </a:xfrm>
+          <a:prstGeom prst="rect">
+            <a:avLst/>
+          </a:prstGeom>
+          <a:noFill/>
+        </p:spPr>
+        <p:txBody>
+          <a:bodyPr wrap="none" rtlCol="0">
+            <a:spAutoFit/>
+          </a:bodyPr>
+          <a:lstStyle/>
+          <a:p>
+            <a:r>
+              <a:rPr lang="en-US" sz="2400" dirty="0"/>
+              <a:t>ZID(TRADER):</a:t>
+            </a:r>
+          </a:p>
+          <a:p>
+            <a:r>
+              <a:rPr lang="en-US" sz="2400" dirty="0"/>
+              <a:t>    MOVE       -&gt;  (dx, </a:t>
+            </a:r>
+            <a:r>
+              <a:rPr lang="en-US" sz="2400" dirty="0" err="1"/>
+              <a:t>dy</a:t>
+            </a:r>
+            <a:r>
+              <a:rPr lang="en-US" sz="2400" dirty="0"/>
+              <a:t>) where dx ~ {-1, 0, +1}, and </a:t>
+            </a:r>
+            <a:r>
+              <a:rPr lang="en-US" sz="2400" dirty="0" err="1"/>
+              <a:t>dy</a:t>
+            </a:r>
+            <a:r>
+              <a:rPr lang="en-US" sz="2400" dirty="0"/>
+              <a:t> ~ {-1, 0, +1}</a:t>
+            </a:r>
+          </a:p>
+          <a:p>
+            <a:r>
+              <a:rPr lang="en-US" sz="2400" dirty="0"/>
+              <a:t>    BID, ASK   -&gt; uniform random budget constrained offer</a:t>
+            </a:r>
+          </a:p>
+          <a:p>
+            <a:r>
+              <a:rPr lang="en-US" sz="2400" dirty="0"/>
+              <a:t>    BUY, SELL -&gt; uniform random budget constrained willingness to accept</a:t>
+            </a:r>
+          </a:p>
+          <a:p>
+            <a:r>
+              <a:rPr lang="en-US" sz="2400" dirty="0"/>
+              <a:t>                      -&gt; uniform random choice of offer </a:t>
+            </a:r>
+          </a:p>
+          <a:p>
+            <a:r>
+              <a:rPr lang="en-US" sz="2400" dirty="0"/>
+              <a:t>ZIDP(ZID):</a:t>
+            </a:r>
+          </a:p>
+          <a:p>
+            <a:r>
+              <a:rPr lang="en-US" sz="2400" dirty="0"/>
+              <a:t>     BUY, SELL -&gt; uniform random budget constrained willingness to accept</a:t>
+            </a:r>
+          </a:p>
+          <a:p>
+            <a:r>
+              <a:rPr lang="en-US" sz="2400" dirty="0"/>
+              <a:t>  	          -&gt; picks best remaining offer</a:t>
+            </a:r>
+          </a:p>
+          <a:p>
+            <a:endParaRPr lang="en-US" sz="2400" dirty="0"/>
+          </a:p>
+          <a:p>
+            <a:r>
+              <a:rPr lang="en-US" sz="2400" dirty="0"/>
+              <a:t>ZIDPR(ZIDP)</a:t>
+            </a:r>
+          </a:p>
+          <a:p>
+            <a:r>
+              <a:rPr lang="en-US" sz="2400" dirty="0"/>
+              <a:t>       MOVE     -&gt; </a:t>
+            </a:r>
+            <a:r>
+              <a:rPr lang="en-US" sz="2400" dirty="0" err="1"/>
+              <a:t>num_agents</a:t>
+            </a:r>
+            <a:r>
+              <a:rPr lang="en-US" sz="2400" dirty="0"/>
+              <a:t> at point &gt; 2:</a:t>
+            </a:r>
+          </a:p>
+          <a:p>
+            <a:r>
+              <a:rPr lang="en-US" sz="2400" dirty="0"/>
+              <a:t>		 	(dx, </a:t>
+            </a:r>
+            <a:r>
+              <a:rPr lang="en-US" sz="2400" dirty="0" err="1"/>
+              <a:t>dy</a:t>
+            </a:r>
+            <a:r>
+              <a:rPr lang="en-US" sz="2400" dirty="0"/>
+              <a:t>) where dx ~ {-1,  +1} and </a:t>
+            </a:r>
+            <a:r>
+              <a:rPr lang="en-US" sz="2400" dirty="0" err="1"/>
+              <a:t>dy</a:t>
+            </a:r>
+            <a:r>
+              <a:rPr lang="en-US" sz="2400" dirty="0"/>
+              <a:t> ~ {-1,  +1}</a:t>
+            </a:r>
+          </a:p>
+          <a:p>
+            <a:r>
+              <a:rPr lang="en-US" sz="2400" dirty="0"/>
+              <a:t>	          -&gt; otherwise, (dx, </a:t>
+            </a:r>
+            <a:r>
+              <a:rPr lang="en-US" sz="2400" dirty="0" err="1"/>
+              <a:t>dy</a:t>
+            </a:r>
+            <a:r>
+              <a:rPr lang="en-US" sz="2400" dirty="0"/>
+              <a:t>) where dx ~ {-1, 0, +1}, and </a:t>
+            </a:r>
+            <a:r>
+              <a:rPr lang="en-US" sz="2400" dirty="0" err="1"/>
+              <a:t>dy</a:t>
+            </a:r>
+            <a:r>
+              <a:rPr lang="en-US" sz="2400" dirty="0"/>
+              <a:t> ~ {-1, 0, +1}</a:t>
+            </a:r>
+          </a:p>
+          <a:p>
+            <a:endParaRPr lang="en-US" sz="2400" dirty="0"/>
+          </a:p>
+          <a:p>
+            <a:endParaRPr lang="en-US" sz="2400" dirty="0"/>
+          </a:p>
+        </p:txBody>
+      </p:sp>
+      <p:cxnSp>
+        <p:nvCxnSpPr>
+          <p:cNvPr id="5" name="Straight Connector 4">
+            <a:extLst>
+              <a:ext uri="{FF2B5EF4-FFF2-40B4-BE49-F238E27FC236}">
+                <a16:creationId xmlns:a16="http://schemas.microsoft.com/office/drawing/2014/main" id="{C9F23B88-0368-4FA5-86C4-F39BFD5A2D90}"/>
+              </a:ext>
+            </a:extLst>
+          </p:cNvPr>
+          <p:cNvCxnSpPr/>
+          <p:nvPr/>
+        </p:nvCxnSpPr>
+        <p:spPr>
+          <a:xfrm>
+            <a:off x="1208405" y="143143"/>
+            <a:ext cx="0" cy="690562"/>
+          </a:xfrm>
+          <a:prstGeom prst="line">
+            <a:avLst/>
+          </a:prstGeom>
+          <a:ln w="28575"/>
+        </p:spPr>
+        <p:style>
+          <a:lnRef idx="1">
+            <a:schemeClr val="accent1"/>
+          </a:lnRef>
+          <a:fillRef idx="0">
+            <a:schemeClr val="accent1"/>
+          </a:fillRef>
+          <a:effectRef idx="0">
+            <a:schemeClr val="accent1"/>
+          </a:effectRef>
+          <a:fontRef idx="minor">
+            <a:schemeClr val="tx1"/>
+          </a:fontRef>
+        </p:style>
+      </p:cxnSp>
+      <p:sp>
+        <p:nvSpPr>
+          <p:cNvPr id="6" name="TextBox 3">
+            <a:extLst>
+              <a:ext uri="{FF2B5EF4-FFF2-40B4-BE49-F238E27FC236}">
+                <a16:creationId xmlns:a16="http://schemas.microsoft.com/office/drawing/2014/main" id="{4B65775E-8EF1-42F1-B7FC-EF34276B5B0D}"/>
+              </a:ext>
+            </a:extLst>
+          </p:cNvPr>
+          <p:cNvSpPr txBox="1">
+            <a:spLocks noChangeArrowheads="1"/>
+          </p:cNvSpPr>
+          <p:nvPr/>
+        </p:nvSpPr>
+        <p:spPr bwMode="auto">
+          <a:xfrm>
+            <a:off x="1402080" y="125680"/>
+            <a:ext cx="5970609" cy="707886"/>
+          </a:xfrm>
+          <a:prstGeom prst="rect">
+            <a:avLst/>
+          </a:prstGeom>
+          <a:noFill/>
+          <a:ln>
+            <a:noFill/>
+          </a:ln>
+          <a:extLst>
+            <a:ext uri="{909E8E84-426E-40DD-AFC4-6F175D3DCCD1}">
+              <a14:hiddenFill xmlns:a14="http://schemas.microsoft.com/office/drawing/2010/main">
+                <a:solidFill>
+                  <a:srgbClr val="FFFFFF"/>
+                </a:solidFill>
+              </a14:hiddenFill>
+            </a:ext>
+            <a:ext uri="{91240B29-F687-4F45-9708-019B960494DF}">
+              <a14:hiddenLine xmlns:a14="http://schemas.microsoft.com/office/drawing/2010/main" w="9525">
+                <a:solidFill>
+                  <a:srgbClr val="000000"/>
+                </a:solidFill>
+                <a:miter lim="800000"/>
+                <a:headEnd/>
+                <a:tailEnd/>
+              </a14:hiddenLine>
+            </a:ext>
+          </a:extLst>
+        </p:spPr>
+        <p:txBody>
+          <a:bodyPr wrap="none">
+            <a:spAutoFit/>
+          </a:bodyPr>
+          <a:lstStyle>
+            <a:lvl1pPr>
+              <a:lnSpc>
+                <a:spcPct val="90000"/>
+              </a:lnSpc>
+              <a:spcBef>
+                <a:spcPts val="1000"/>
+              </a:spcBef>
+              <a:buFont typeface="Arial" panose="020B0604020202020204" pitchFamily="34" charset="0"/>
+              <a:buChar char="•"/>
+              <a:defRPr sz="2800">
+                <a:solidFill>
+                  <a:schemeClr val="tx1"/>
+                </a:solidFill>
+                <a:latin typeface="Calibri" panose="020F0502020204030204" pitchFamily="34" charset="0"/>
+              </a:defRPr>
+            </a:lvl1pPr>
+            <a:lvl2pPr marL="742950" indent="-285750">
+              <a:lnSpc>
+                <a:spcPct val="90000"/>
+              </a:lnSpc>
+              <a:spcBef>
+                <a:spcPts val="500"/>
+              </a:spcBef>
+              <a:buFont typeface="Arial" panose="020B0604020202020204" pitchFamily="34" charset="0"/>
+              <a:buChar char="•"/>
+              <a:defRPr sz="2400">
+                <a:solidFill>
+                  <a:schemeClr val="tx1"/>
+                </a:solidFill>
+                <a:latin typeface="Calibri" panose="020F0502020204030204" pitchFamily="34" charset="0"/>
+              </a:defRPr>
+            </a:lvl2pPr>
+            <a:lvl3pPr marL="1143000" indent="-228600">
+              <a:lnSpc>
+                <a:spcPct val="90000"/>
+              </a:lnSpc>
+              <a:spcBef>
+                <a:spcPts val="500"/>
+              </a:spcBef>
+              <a:buFont typeface="Arial" panose="020B0604020202020204" pitchFamily="34" charset="0"/>
+              <a:buChar char="•"/>
+              <a:defRPr sz="2000">
+                <a:solidFill>
+                  <a:schemeClr val="tx1"/>
+                </a:solidFill>
+                <a:latin typeface="Calibri" panose="020F0502020204030204" pitchFamily="34" charset="0"/>
+              </a:defRPr>
+            </a:lvl3pPr>
+            <a:lvl4pPr marL="1600200" indent="-228600">
+              <a:lnSpc>
+                <a:spcPct val="90000"/>
+              </a:lnSpc>
+              <a:spcBef>
+                <a:spcPts val="500"/>
+              </a:spcBef>
+              <a:buFont typeface="Arial" panose="020B0604020202020204" pitchFamily="34" charset="0"/>
+              <a:buChar char="•"/>
+              <a:defRPr>
+                <a:solidFill>
+                  <a:schemeClr val="tx1"/>
+                </a:solidFill>
+                <a:latin typeface="Calibri" panose="020F0502020204030204" pitchFamily="34" charset="0"/>
+              </a:defRPr>
+            </a:lvl4pPr>
+            <a:lvl5pPr marL="2057400" indent="-228600">
+              <a:lnSpc>
+                <a:spcPct val="90000"/>
+              </a:lnSpc>
+              <a:spcBef>
+                <a:spcPts val="500"/>
+              </a:spcBef>
+              <a:buFont typeface="Arial" panose="020B0604020202020204" pitchFamily="34" charset="0"/>
+              <a:buChar char="•"/>
+              <a:defRPr>
+                <a:solidFill>
+                  <a:schemeClr val="tx1"/>
+                </a:solidFill>
+                <a:latin typeface="Calibri" panose="020F0502020204030204" pitchFamily="34" charset="0"/>
+              </a:defRPr>
+            </a:lvl5pPr>
+            <a:lvl6pPr marL="2514600" indent="-228600" eaLnBrk="0" fontAlgn="base" hangingPunct="0">
+              <a:lnSpc>
+                <a:spcPct val="90000"/>
+              </a:lnSpc>
+              <a:spcBef>
+                <a:spcPts val="500"/>
+              </a:spcBef>
+              <a:spcAft>
+                <a:spcPct val="0"/>
+              </a:spcAft>
+              <a:buFont typeface="Arial" panose="020B0604020202020204" pitchFamily="34" charset="0"/>
+              <a:buChar char="•"/>
+              <a:defRPr>
+                <a:solidFill>
+                  <a:schemeClr val="tx1"/>
+                </a:solidFill>
+                <a:latin typeface="Calibri" panose="020F0502020204030204" pitchFamily="34" charset="0"/>
+              </a:defRPr>
+            </a:lvl6pPr>
+            <a:lvl7pPr marL="2971800" indent="-228600" eaLnBrk="0" fontAlgn="base" hangingPunct="0">
+              <a:lnSpc>
+                <a:spcPct val="90000"/>
+              </a:lnSpc>
+              <a:spcBef>
+                <a:spcPts val="500"/>
+              </a:spcBef>
+              <a:spcAft>
+                <a:spcPct val="0"/>
+              </a:spcAft>
+              <a:buFont typeface="Arial" panose="020B0604020202020204" pitchFamily="34" charset="0"/>
+              <a:buChar char="•"/>
+              <a:defRPr>
+                <a:solidFill>
+                  <a:schemeClr val="tx1"/>
+                </a:solidFill>
+                <a:latin typeface="Calibri" panose="020F0502020204030204" pitchFamily="34" charset="0"/>
+              </a:defRPr>
+            </a:lvl7pPr>
+            <a:lvl8pPr marL="3429000" indent="-228600" eaLnBrk="0" fontAlgn="base" hangingPunct="0">
+              <a:lnSpc>
+                <a:spcPct val="90000"/>
+              </a:lnSpc>
+              <a:spcBef>
+                <a:spcPts val="500"/>
+              </a:spcBef>
+              <a:spcAft>
+                <a:spcPct val="0"/>
+              </a:spcAft>
+              <a:buFont typeface="Arial" panose="020B0604020202020204" pitchFamily="34" charset="0"/>
+              <a:buChar char="•"/>
+              <a:defRPr>
+                <a:solidFill>
+                  <a:schemeClr val="tx1"/>
+                </a:solidFill>
+                <a:latin typeface="Calibri" panose="020F0502020204030204" pitchFamily="34" charset="0"/>
+              </a:defRPr>
+            </a:lvl8pPr>
+            <a:lvl9pPr marL="3886200" indent="-228600" eaLnBrk="0" fontAlgn="base" hangingPunct="0">
+              <a:lnSpc>
+                <a:spcPct val="90000"/>
+              </a:lnSpc>
+              <a:spcBef>
+                <a:spcPts val="500"/>
+              </a:spcBef>
+              <a:spcAft>
+                <a:spcPct val="0"/>
+              </a:spcAft>
+              <a:buFont typeface="Arial" panose="020B0604020202020204" pitchFamily="34" charset="0"/>
+              <a:buChar char="•"/>
+              <a:defRPr>
+                <a:solidFill>
+                  <a:schemeClr val="tx1"/>
+                </a:solidFill>
+                <a:latin typeface="Calibri" panose="020F0502020204030204" pitchFamily="34" charset="0"/>
+              </a:defRPr>
+            </a:lvl9pPr>
+          </a:lstStyle>
+          <a:p>
+            <a:pPr eaLnBrk="1" hangingPunct="1">
+              <a:lnSpc>
+                <a:spcPct val="100000"/>
+              </a:lnSpc>
+              <a:spcBef>
+                <a:spcPct val="0"/>
+              </a:spcBef>
+              <a:buFontTx/>
+              <a:buNone/>
+            </a:pPr>
+            <a:r>
+              <a:rPr lang="en-US" altLang="en-US" sz="4000" dirty="0"/>
+              <a:t>Comparing Agent Strategies</a:t>
+            </a:r>
+          </a:p>
+        </p:txBody>
+      </p:sp>
+    </p:spTree>
+    <p:extLst>
+      <p:ext uri="{BB962C8B-B14F-4D97-AF65-F5344CB8AC3E}">
+        <p14:creationId xmlns:p14="http://schemas.microsoft.com/office/powerpoint/2010/main" val="3926151893"/>
+      </p:ext>
+    </p:extLst>
+  </p:cSld>
+  <p:clrMapOvr>
+    <a:masterClrMapping/>
   </p:clrMapOvr>
 </p:sld>
 </file>
@@ -20052,6 +20262,740 @@
         </p:nvSpPr>
         <p:spPr>
           <a:xfrm>
+            <a:off x="715196" y="2226983"/>
+            <a:ext cx="5076090" cy="4151376"/>
+          </a:xfrm>
+          <a:prstGeom prst="rect">
+            <a:avLst/>
+          </a:prstGeom>
+        </p:spPr>
+        <p:txBody>
+          <a:bodyPr vert="horz" lIns="91440" tIns="45720" rIns="91440" bIns="45720" rtlCol="0">
+            <a:normAutofit/>
+          </a:bodyPr>
+          <a:lstStyle/>
+          <a:p>
+            <a:pPr indent="-228600">
+              <a:lnSpc>
+                <a:spcPct val="90000"/>
+              </a:lnSpc>
+              <a:spcAft>
+                <a:spcPts val="600"/>
+              </a:spcAft>
+              <a:buFont typeface="Arial" panose="020B0604020202020204" pitchFamily="34" charset="0"/>
+              <a:buChar char="•"/>
+            </a:pPr>
+            <a:r>
+              <a:rPr lang="en-US" sz="2000" dirty="0" err="1"/>
+              <a:t>num_trials</a:t>
+            </a:r>
+            <a:r>
+              <a:rPr lang="en-US" sz="2000" dirty="0"/>
+              <a:t> = 100</a:t>
+            </a:r>
+          </a:p>
+          <a:p>
+            <a:pPr indent="-228600">
+              <a:lnSpc>
+                <a:spcPct val="90000"/>
+              </a:lnSpc>
+              <a:spcAft>
+                <a:spcPts val="600"/>
+              </a:spcAft>
+              <a:buFont typeface="Arial" panose="020B0604020202020204" pitchFamily="34" charset="0"/>
+              <a:buChar char="•"/>
+            </a:pPr>
+            <a:r>
+              <a:rPr lang="en-US" sz="2000" dirty="0" err="1"/>
+              <a:t>num_periods</a:t>
+            </a:r>
+            <a:r>
+              <a:rPr lang="en-US" sz="2000" dirty="0"/>
+              <a:t> = 7</a:t>
+            </a:r>
+          </a:p>
+          <a:p>
+            <a:pPr indent="-228600">
+              <a:lnSpc>
+                <a:spcPct val="90000"/>
+              </a:lnSpc>
+              <a:spcAft>
+                <a:spcPts val="600"/>
+              </a:spcAft>
+              <a:buFont typeface="Arial" panose="020B0604020202020204" pitchFamily="34" charset="0"/>
+              <a:buChar char="•"/>
+            </a:pPr>
+            <a:r>
+              <a:rPr lang="en-US" sz="2000" dirty="0" err="1"/>
+              <a:t>num_weeks</a:t>
+            </a:r>
+            <a:r>
+              <a:rPr lang="en-US" sz="2000" dirty="0"/>
+              <a:t> = 50</a:t>
+            </a:r>
+          </a:p>
+          <a:p>
+            <a:pPr indent="-228600">
+              <a:lnSpc>
+                <a:spcPct val="90000"/>
+              </a:lnSpc>
+              <a:spcAft>
+                <a:spcPts val="600"/>
+              </a:spcAft>
+              <a:buFont typeface="Arial" panose="020B0604020202020204" pitchFamily="34" charset="0"/>
+              <a:buChar char="•"/>
+            </a:pPr>
+            <a:r>
+              <a:rPr lang="en-US" sz="2000" dirty="0" err="1"/>
+              <a:t>num_rounds</a:t>
+            </a:r>
+            <a:r>
+              <a:rPr lang="en-US" sz="2000" dirty="0"/>
+              <a:t> = 5</a:t>
+            </a:r>
+          </a:p>
+          <a:p>
+            <a:pPr indent="-228600">
+              <a:lnSpc>
+                <a:spcPct val="90000"/>
+              </a:lnSpc>
+              <a:spcAft>
+                <a:spcPts val="600"/>
+              </a:spcAft>
+              <a:buFont typeface="Arial" panose="020B0604020202020204" pitchFamily="34" charset="0"/>
+              <a:buChar char="•"/>
+            </a:pPr>
+            <a:r>
+              <a:rPr lang="en-US" sz="2000" dirty="0" err="1"/>
+              <a:t>grid_size</a:t>
+            </a:r>
+            <a:r>
+              <a:rPr lang="en-US" sz="2000" dirty="0"/>
+              <a:t> = 15</a:t>
+            </a:r>
+          </a:p>
+          <a:p>
+            <a:pPr indent="-228600">
+              <a:lnSpc>
+                <a:spcPct val="90000"/>
+              </a:lnSpc>
+              <a:spcAft>
+                <a:spcPts val="600"/>
+              </a:spcAft>
+              <a:buFont typeface="Arial" panose="020B0604020202020204" pitchFamily="34" charset="0"/>
+              <a:buChar char="•"/>
+            </a:pPr>
+            <a:r>
+              <a:rPr lang="en-US" sz="2000" dirty="0" err="1"/>
+              <a:t>num_traders</a:t>
+            </a:r>
+            <a:r>
+              <a:rPr lang="en-US" sz="2000" dirty="0"/>
+              <a:t> = 20</a:t>
+            </a:r>
+          </a:p>
+          <a:p>
+            <a:pPr indent="-228600">
+              <a:lnSpc>
+                <a:spcPct val="90000"/>
+              </a:lnSpc>
+              <a:spcAft>
+                <a:spcPts val="600"/>
+              </a:spcAft>
+              <a:buFont typeface="Arial" panose="020B0604020202020204" pitchFamily="34" charset="0"/>
+              <a:buChar char="•"/>
+            </a:pPr>
+            <a:r>
+              <a:rPr lang="en-US" sz="2000" dirty="0" err="1"/>
+              <a:t>num_units</a:t>
+            </a:r>
+            <a:r>
+              <a:rPr lang="en-US" sz="2000" dirty="0"/>
+              <a:t> = 8</a:t>
+            </a:r>
+          </a:p>
+          <a:p>
+            <a:pPr indent="-228600">
+              <a:lnSpc>
+                <a:spcPct val="90000"/>
+              </a:lnSpc>
+              <a:spcAft>
+                <a:spcPts val="600"/>
+              </a:spcAft>
+              <a:buFont typeface="Arial" panose="020B0604020202020204" pitchFamily="34" charset="0"/>
+              <a:buChar char="•"/>
+            </a:pPr>
+            <a:r>
+              <a:rPr lang="en-US" sz="2000" dirty="0" err="1"/>
+              <a:t>lower_bound</a:t>
+            </a:r>
+            <a:r>
+              <a:rPr lang="en-US" sz="2000" dirty="0"/>
+              <a:t> = 200 </a:t>
+            </a:r>
+          </a:p>
+          <a:p>
+            <a:pPr indent="-228600">
+              <a:lnSpc>
+                <a:spcPct val="90000"/>
+              </a:lnSpc>
+              <a:spcAft>
+                <a:spcPts val="600"/>
+              </a:spcAft>
+              <a:buFont typeface="Arial" panose="020B0604020202020204" pitchFamily="34" charset="0"/>
+              <a:buChar char="•"/>
+            </a:pPr>
+            <a:r>
+              <a:rPr lang="en-US" sz="2000" dirty="0" err="1"/>
+              <a:t>upper_bound</a:t>
+            </a:r>
+            <a:r>
+              <a:rPr lang="en-US" sz="2000" dirty="0"/>
+              <a:t> = 600</a:t>
+            </a:r>
+          </a:p>
+        </p:txBody>
+      </p:sp>
+      <p:sp>
+        <p:nvSpPr>
+          <p:cNvPr id="8" name="TextBox 7">
+            <a:extLst>
+              <a:ext uri="{FF2B5EF4-FFF2-40B4-BE49-F238E27FC236}">
+                <a16:creationId xmlns:a16="http://schemas.microsoft.com/office/drawing/2014/main" id="{1E7B805A-341E-4F9B-A482-5E5F4DFC7618}"/>
+              </a:ext>
+            </a:extLst>
+          </p:cNvPr>
+          <p:cNvSpPr txBox="1"/>
+          <p:nvPr/>
+        </p:nvSpPr>
+        <p:spPr>
+          <a:xfrm>
+            <a:off x="558791" y="1101012"/>
+            <a:ext cx="4767074" cy="369332"/>
+          </a:xfrm>
+          <a:prstGeom prst="rect">
+            <a:avLst/>
+          </a:prstGeom>
+          <a:noFill/>
+        </p:spPr>
+        <p:txBody>
+          <a:bodyPr wrap="none" rtlCol="0">
+            <a:spAutoFit/>
+          </a:bodyPr>
+          <a:lstStyle/>
+          <a:p>
+            <a:r>
+              <a:rPr lang="en-US" dirty="0"/>
+              <a:t>Compare efficiency of ZID, ZIDP,  ZIDA, and ZIDPR</a:t>
+            </a:r>
+          </a:p>
+        </p:txBody>
+      </p:sp>
+      <p:pic>
+        <p:nvPicPr>
+          <p:cNvPr id="5124" name="Picture 4">
+            <a:extLst>
+              <a:ext uri="{FF2B5EF4-FFF2-40B4-BE49-F238E27FC236}">
+                <a16:creationId xmlns:a16="http://schemas.microsoft.com/office/drawing/2014/main" id="{F3E9EFAD-15CA-4EC7-9500-0CA2A5C2F1C1}"/>
+              </a:ext>
+            </a:extLst>
+          </p:cNvPr>
+          <p:cNvPicPr>
+            <a:picLocks noChangeAspect="1" noChangeArrowheads="1"/>
+          </p:cNvPicPr>
+          <p:nvPr/>
+        </p:nvPicPr>
+        <p:blipFill>
+          <a:blip r:embed="rId2">
+            <a:extLst>
+              <a:ext uri="{28A0092B-C50C-407E-A947-70E740481C1C}">
+                <a14:useLocalDpi xmlns:a14="http://schemas.microsoft.com/office/drawing/2010/main" val="0"/>
+              </a:ext>
+            </a:extLst>
+          </a:blip>
+          <a:srcRect/>
+          <a:stretch>
+            <a:fillRect/>
+          </a:stretch>
+        </p:blipFill>
+        <p:spPr bwMode="auto">
+          <a:xfrm>
+            <a:off x="7008272" y="194679"/>
+            <a:ext cx="4803253" cy="3906542"/>
+          </a:xfrm>
+          <a:prstGeom prst="rect">
+            <a:avLst/>
+          </a:prstGeom>
+          <a:noFill/>
+          <a:extLst>
+            <a:ext uri="{909E8E84-426E-40DD-AFC4-6F175D3DCCD1}">
+              <a14:hiddenFill xmlns:a14="http://schemas.microsoft.com/office/drawing/2010/main">
+                <a:solidFill>
+                  <a:srgbClr val="FFFFFF"/>
+                </a:solidFill>
+              </a14:hiddenFill>
+            </a:ext>
+          </a:extLst>
+        </p:spPr>
+      </p:pic>
+    </p:spTree>
+    <p:extLst>
+      <p:ext uri="{BB962C8B-B14F-4D97-AF65-F5344CB8AC3E}">
+        <p14:creationId xmlns:p14="http://schemas.microsoft.com/office/powerpoint/2010/main" val="1748389431"/>
+      </p:ext>
+    </p:extLst>
+  </p:cSld>
+  <p:clrMapOvr>
+    <a:overrideClrMapping bg1="dk1" tx1="lt1" bg2="dk2" tx2="lt2" accent1="accent1" accent2="accent2" accent3="accent3" accent4="accent4" accent5="accent5" accent6="accent6" hlink="hlink" folHlink="folHlink"/>
+  </p:clrMapOvr>
+</p:sld>
+</file>
+
+<file path=ppt/slides/slide28.xml><?xml version="1.0" encoding="utf-8"?>
+<p:sld xmlns:a="http://schemas.openxmlformats.org/drawingml/2006/main" xmlns:r="http://schemas.openxmlformats.org/officeDocument/2006/relationships" xmlns:p="http://schemas.openxmlformats.org/presentationml/2006/main">
+  <p:cSld>
+    <p:bg>
+      <p:bgPr>
+        <a:solidFill>
+          <a:schemeClr val="bg1"/>
+        </a:solidFill>
+        <a:effectLst/>
+      </p:bgPr>
+    </p:bg>
+    <p:spTree>
+      <p:nvGrpSpPr>
+        <p:cNvPr id="1" name=""/>
+        <p:cNvGrpSpPr/>
+        <p:nvPr/>
+      </p:nvGrpSpPr>
+      <p:grpSpPr>
+        <a:xfrm>
+          <a:off x="0" y="0"/>
+          <a:ext cx="0" cy="0"/>
+          <a:chOff x="0" y="0"/>
+          <a:chExt cx="0" cy="0"/>
+        </a:xfrm>
+      </p:grpSpPr>
+      <p:sp>
+        <p:nvSpPr>
+          <p:cNvPr id="71" name="Rectangle 70">
+            <a:extLst>
+              <a:ext uri="{FF2B5EF4-FFF2-40B4-BE49-F238E27FC236}">
+                <a16:creationId xmlns:a16="http://schemas.microsoft.com/office/drawing/2014/main" id="{68A4132F-DEC6-4332-A00C-A11AD4519B6C}"/>
+              </a:ext>
+              <a:ext uri="{C183D7F6-B498-43B3-948B-1728B52AA6E4}">
+                <adec:decorative xmlns:adec="http://schemas.microsoft.com/office/drawing/2017/decorative" val="1"/>
+              </a:ext>
+            </a:extLst>
+          </p:cNvPr>
+          <p:cNvSpPr>
+            <a:spLocks noGrp="1" noRot="1" noChangeAspect="1" noMove="1" noResize="1" noEditPoints="1" noAdjustHandles="1" noChangeArrowheads="1" noChangeShapeType="1" noTextEdit="1"/>
+          </p:cNvSpPr>
+          <p:nvPr>
+            <p:extLst>
+              <p:ext uri="{386F3935-93C4-4BCD-93E2-E3B085C9AB24}">
+                <p16:designElem xmlns:p16="http://schemas.microsoft.com/office/powerpoint/2015/main" val="1"/>
+              </p:ext>
+            </p:extLst>
+          </p:nvPr>
+        </p:nvSpPr>
+        <p:spPr>
+          <a:xfrm>
+            <a:off x="3048" y="0"/>
+            <a:ext cx="12188952" cy="6858000"/>
+          </a:xfrm>
+          <a:prstGeom prst="rect">
+            <a:avLst/>
+          </a:prstGeom>
+          <a:solidFill>
+            <a:schemeClr val="tx1"/>
+          </a:solidFill>
+          <a:ln>
+            <a:noFill/>
+          </a:ln>
+        </p:spPr>
+        <p:style>
+          <a:lnRef idx="2">
+            <a:schemeClr val="accent1">
+              <a:shade val="50000"/>
+            </a:schemeClr>
+          </a:lnRef>
+          <a:fillRef idx="1">
+            <a:schemeClr val="accent1"/>
+          </a:fillRef>
+          <a:effectRef idx="0">
+            <a:schemeClr val="accent1"/>
+          </a:effectRef>
+          <a:fontRef idx="minor">
+            <a:schemeClr val="lt1"/>
+          </a:fontRef>
+        </p:style>
+        <p:txBody>
+          <a:bodyPr rtlCol="0" anchor="ctr"/>
+          <a:lstStyle/>
+          <a:p>
+            <a:pPr algn="ctr"/>
+            <a:endParaRPr lang="en-US"/>
+          </a:p>
+        </p:txBody>
+      </p:sp>
+      <p:sp>
+        <p:nvSpPr>
+          <p:cNvPr id="73" name="Freeform: Shape 72">
+            <a:extLst>
+              <a:ext uri="{FF2B5EF4-FFF2-40B4-BE49-F238E27FC236}">
+                <a16:creationId xmlns:a16="http://schemas.microsoft.com/office/drawing/2014/main" id="{9B38642C-62C4-4E31-A5D3-BB1DD8CA3942}"/>
+              </a:ext>
+              <a:ext uri="{C183D7F6-B498-43B3-948B-1728B52AA6E4}">
+                <adec:decorative xmlns:adec="http://schemas.microsoft.com/office/drawing/2017/decorative" val="1"/>
+              </a:ext>
+            </a:extLst>
+          </p:cNvPr>
+          <p:cNvSpPr>
+            <a:spLocks noGrp="1" noRot="1" noChangeAspect="1" noMove="1" noResize="1" noEditPoints="1" noAdjustHandles="1" noChangeArrowheads="1" noChangeShapeType="1" noTextEdit="1"/>
+          </p:cNvSpPr>
+          <p:nvPr>
+            <p:extLst>
+              <p:ext uri="{386F3935-93C4-4BCD-93E2-E3B085C9AB24}">
+                <p16:designElem xmlns:p16="http://schemas.microsoft.com/office/powerpoint/2015/main" val="1"/>
+              </p:ext>
+            </p:extLst>
+          </p:nvPr>
+        </p:nvSpPr>
+        <p:spPr>
+          <a:xfrm>
+            <a:off x="0" y="0"/>
+            <a:ext cx="8663583" cy="6858478"/>
+          </a:xfrm>
+          <a:custGeom>
+            <a:avLst/>
+            <a:gdLst>
+              <a:gd name="connsiteX0" fmla="*/ 0 w 8663583"/>
+              <a:gd name="connsiteY0" fmla="*/ 0 h 6858478"/>
+              <a:gd name="connsiteX1" fmla="*/ 480486 w 8663583"/>
+              <a:gd name="connsiteY1" fmla="*/ 0 h 6858478"/>
+              <a:gd name="connsiteX2" fmla="*/ 4415403 w 8663583"/>
+              <a:gd name="connsiteY2" fmla="*/ 0 h 6858478"/>
+              <a:gd name="connsiteX3" fmla="*/ 5481631 w 8663583"/>
+              <a:gd name="connsiteY3" fmla="*/ 0 h 6858478"/>
+              <a:gd name="connsiteX4" fmla="*/ 5487208 w 8663583"/>
+              <a:gd name="connsiteY4" fmla="*/ 0 h 6858478"/>
+              <a:gd name="connsiteX5" fmla="*/ 8663583 w 8663583"/>
+              <a:gd name="connsiteY5" fmla="*/ 6858478 h 6858478"/>
+              <a:gd name="connsiteX6" fmla="*/ 1239028 w 8663583"/>
+              <a:gd name="connsiteY6" fmla="*/ 6858478 h 6858478"/>
+              <a:gd name="connsiteX7" fmla="*/ 1239288 w 8663583"/>
+              <a:gd name="connsiteY7" fmla="*/ 6857916 h 6858478"/>
+              <a:gd name="connsiteX8" fmla="*/ 480486 w 8663583"/>
+              <a:gd name="connsiteY8" fmla="*/ 6857916 h 6858478"/>
+              <a:gd name="connsiteX9" fmla="*/ 480486 w 8663583"/>
+              <a:gd name="connsiteY9" fmla="*/ 6858000 h 6858478"/>
+              <a:gd name="connsiteX10" fmla="*/ 0 w 8663583"/>
+              <a:gd name="connsiteY10" fmla="*/ 6858000 h 6858478"/>
+            </a:gdLst>
+            <a:ahLst/>
+            <a:cxnLst>
+              <a:cxn ang="0">
+                <a:pos x="connsiteX0" y="connsiteY0"/>
+              </a:cxn>
+              <a:cxn ang="0">
+                <a:pos x="connsiteX1" y="connsiteY1"/>
+              </a:cxn>
+              <a:cxn ang="0">
+                <a:pos x="connsiteX2" y="connsiteY2"/>
+              </a:cxn>
+              <a:cxn ang="0">
+                <a:pos x="connsiteX3" y="connsiteY3"/>
+              </a:cxn>
+              <a:cxn ang="0">
+                <a:pos x="connsiteX4" y="connsiteY4"/>
+              </a:cxn>
+              <a:cxn ang="0">
+                <a:pos x="connsiteX5" y="connsiteY5"/>
+              </a:cxn>
+              <a:cxn ang="0">
+                <a:pos x="connsiteX6" y="connsiteY6"/>
+              </a:cxn>
+              <a:cxn ang="0">
+                <a:pos x="connsiteX7" y="connsiteY7"/>
+              </a:cxn>
+              <a:cxn ang="0">
+                <a:pos x="connsiteX8" y="connsiteY8"/>
+              </a:cxn>
+              <a:cxn ang="0">
+                <a:pos x="connsiteX9" y="connsiteY9"/>
+              </a:cxn>
+              <a:cxn ang="0">
+                <a:pos x="connsiteX10" y="connsiteY10"/>
+              </a:cxn>
+            </a:cxnLst>
+            <a:rect l="l" t="t" r="r" b="b"/>
+            <a:pathLst>
+              <a:path w="8663583" h="6858478">
+                <a:moveTo>
+                  <a:pt x="0" y="0"/>
+                </a:moveTo>
+                <a:lnTo>
+                  <a:pt x="480486" y="0"/>
+                </a:lnTo>
+                <a:lnTo>
+                  <a:pt x="4415403" y="0"/>
+                </a:lnTo>
+                <a:lnTo>
+                  <a:pt x="5481631" y="0"/>
+                </a:lnTo>
+                <a:lnTo>
+                  <a:pt x="5487208" y="0"/>
+                </a:lnTo>
+                <a:lnTo>
+                  <a:pt x="8663583" y="6858478"/>
+                </a:lnTo>
+                <a:lnTo>
+                  <a:pt x="1239028" y="6858478"/>
+                </a:lnTo>
+                <a:lnTo>
+                  <a:pt x="1239288" y="6857916"/>
+                </a:lnTo>
+                <a:lnTo>
+                  <a:pt x="480486" y="6857916"/>
+                </a:lnTo>
+                <a:lnTo>
+                  <a:pt x="480486" y="6858000"/>
+                </a:lnTo>
+                <a:lnTo>
+                  <a:pt x="0" y="6858000"/>
+                </a:lnTo>
+                <a:close/>
+              </a:path>
+            </a:pathLst>
+          </a:custGeom>
+          <a:solidFill>
+            <a:schemeClr val="bg1">
+              <a:lumMod val="85000"/>
+              <a:lumOff val="15000"/>
+              <a:alpha val="70000"/>
+            </a:schemeClr>
+          </a:solidFill>
+          <a:ln>
+            <a:noFill/>
+          </a:ln>
+        </p:spPr>
+        <p:style>
+          <a:lnRef idx="2">
+            <a:schemeClr val="accent1">
+              <a:shade val="50000"/>
+            </a:schemeClr>
+          </a:lnRef>
+          <a:fillRef idx="1">
+            <a:schemeClr val="accent1"/>
+          </a:fillRef>
+          <a:effectRef idx="0">
+            <a:schemeClr val="accent1"/>
+          </a:effectRef>
+          <a:fontRef idx="minor">
+            <a:schemeClr val="lt1"/>
+          </a:fontRef>
+        </p:style>
+        <p:txBody>
+          <a:bodyPr wrap="square" rtlCol="0" anchor="ctr">
+            <a:noAutofit/>
+          </a:bodyPr>
+          <a:lstStyle/>
+          <a:p>
+            <a:pPr algn="ctr"/>
+            <a:endParaRPr lang="en-US"/>
+          </a:p>
+        </p:txBody>
+      </p:sp>
+      <p:sp>
+        <p:nvSpPr>
+          <p:cNvPr id="75" name="Freeform: Shape 74">
+            <a:extLst>
+              <a:ext uri="{FF2B5EF4-FFF2-40B4-BE49-F238E27FC236}">
+                <a16:creationId xmlns:a16="http://schemas.microsoft.com/office/drawing/2014/main" id="{A9F66240-8C38-4069-A5C9-2D3FCD97EDAD}"/>
+              </a:ext>
+              <a:ext uri="{C183D7F6-B498-43B3-948B-1728B52AA6E4}">
+                <adec:decorative xmlns:adec="http://schemas.microsoft.com/office/drawing/2017/decorative" val="1"/>
+              </a:ext>
+            </a:extLst>
+          </p:cNvPr>
+          <p:cNvSpPr>
+            <a:spLocks noGrp="1" noRot="1" noChangeAspect="1" noMove="1" noResize="1" noEditPoints="1" noAdjustHandles="1" noChangeArrowheads="1" noChangeShapeType="1" noTextEdit="1"/>
+          </p:cNvSpPr>
+          <p:nvPr>
+            <p:extLst>
+              <p:ext uri="{386F3935-93C4-4BCD-93E2-E3B085C9AB24}">
+                <p16:designElem xmlns:p16="http://schemas.microsoft.com/office/powerpoint/2015/main" val="1"/>
+              </p:ext>
+            </p:extLst>
+          </p:nvPr>
+        </p:nvSpPr>
+        <p:spPr>
+          <a:xfrm>
+            <a:off x="0" y="0"/>
+            <a:ext cx="8234957" cy="6858478"/>
+          </a:xfrm>
+          <a:custGeom>
+            <a:avLst/>
+            <a:gdLst>
+              <a:gd name="connsiteX0" fmla="*/ 156905 w 8234957"/>
+              <a:gd name="connsiteY0" fmla="*/ 0 h 6858478"/>
+              <a:gd name="connsiteX1" fmla="*/ 3986777 w 8234957"/>
+              <a:gd name="connsiteY1" fmla="*/ 0 h 6858478"/>
+              <a:gd name="connsiteX2" fmla="*/ 5053005 w 8234957"/>
+              <a:gd name="connsiteY2" fmla="*/ 0 h 6858478"/>
+              <a:gd name="connsiteX3" fmla="*/ 5058582 w 8234957"/>
+              <a:gd name="connsiteY3" fmla="*/ 0 h 6858478"/>
+              <a:gd name="connsiteX4" fmla="*/ 8234957 w 8234957"/>
+              <a:gd name="connsiteY4" fmla="*/ 6858478 h 6858478"/>
+              <a:gd name="connsiteX5" fmla="*/ 810402 w 8234957"/>
+              <a:gd name="connsiteY5" fmla="*/ 6858478 h 6858478"/>
+              <a:gd name="connsiteX6" fmla="*/ 810662 w 8234957"/>
+              <a:gd name="connsiteY6" fmla="*/ 6857916 h 6858478"/>
+              <a:gd name="connsiteX7" fmla="*/ 156905 w 8234957"/>
+              <a:gd name="connsiteY7" fmla="*/ 6857916 h 6858478"/>
+              <a:gd name="connsiteX8" fmla="*/ 156905 w 8234957"/>
+              <a:gd name="connsiteY8" fmla="*/ 6858478 h 6858478"/>
+              <a:gd name="connsiteX9" fmla="*/ 0 w 8234957"/>
+              <a:gd name="connsiteY9" fmla="*/ 6858478 h 6858478"/>
+              <a:gd name="connsiteX10" fmla="*/ 0 w 8234957"/>
+              <a:gd name="connsiteY10" fmla="*/ 479 h 6858478"/>
+              <a:gd name="connsiteX11" fmla="*/ 156905 w 8234957"/>
+              <a:gd name="connsiteY11" fmla="*/ 479 h 6858478"/>
+            </a:gdLst>
+            <a:ahLst/>
+            <a:cxnLst>
+              <a:cxn ang="0">
+                <a:pos x="connsiteX0" y="connsiteY0"/>
+              </a:cxn>
+              <a:cxn ang="0">
+                <a:pos x="connsiteX1" y="connsiteY1"/>
+              </a:cxn>
+              <a:cxn ang="0">
+                <a:pos x="connsiteX2" y="connsiteY2"/>
+              </a:cxn>
+              <a:cxn ang="0">
+                <a:pos x="connsiteX3" y="connsiteY3"/>
+              </a:cxn>
+              <a:cxn ang="0">
+                <a:pos x="connsiteX4" y="connsiteY4"/>
+              </a:cxn>
+              <a:cxn ang="0">
+                <a:pos x="connsiteX5" y="connsiteY5"/>
+              </a:cxn>
+              <a:cxn ang="0">
+                <a:pos x="connsiteX6" y="connsiteY6"/>
+              </a:cxn>
+              <a:cxn ang="0">
+                <a:pos x="connsiteX7" y="connsiteY7"/>
+              </a:cxn>
+              <a:cxn ang="0">
+                <a:pos x="connsiteX8" y="connsiteY8"/>
+              </a:cxn>
+              <a:cxn ang="0">
+                <a:pos x="connsiteX9" y="connsiteY9"/>
+              </a:cxn>
+              <a:cxn ang="0">
+                <a:pos x="connsiteX10" y="connsiteY10"/>
+              </a:cxn>
+              <a:cxn ang="0">
+                <a:pos x="connsiteX11" y="connsiteY11"/>
+              </a:cxn>
+            </a:cxnLst>
+            <a:rect l="l" t="t" r="r" b="b"/>
+            <a:pathLst>
+              <a:path w="8234957" h="6858478">
+                <a:moveTo>
+                  <a:pt x="156905" y="0"/>
+                </a:moveTo>
+                <a:lnTo>
+                  <a:pt x="3986777" y="0"/>
+                </a:lnTo>
+                <a:lnTo>
+                  <a:pt x="5053005" y="0"/>
+                </a:lnTo>
+                <a:lnTo>
+                  <a:pt x="5058582" y="0"/>
+                </a:lnTo>
+                <a:lnTo>
+                  <a:pt x="8234957" y="6858478"/>
+                </a:lnTo>
+                <a:lnTo>
+                  <a:pt x="810402" y="6858478"/>
+                </a:lnTo>
+                <a:lnTo>
+                  <a:pt x="810662" y="6857916"/>
+                </a:lnTo>
+                <a:lnTo>
+                  <a:pt x="156905" y="6857916"/>
+                </a:lnTo>
+                <a:lnTo>
+                  <a:pt x="156905" y="6858478"/>
+                </a:lnTo>
+                <a:lnTo>
+                  <a:pt x="0" y="6858478"/>
+                </a:lnTo>
+                <a:lnTo>
+                  <a:pt x="0" y="479"/>
+                </a:lnTo>
+                <a:lnTo>
+                  <a:pt x="156905" y="479"/>
+                </a:lnTo>
+                <a:close/>
+              </a:path>
+            </a:pathLst>
+          </a:custGeom>
+          <a:solidFill>
+            <a:schemeClr val="bg1">
+              <a:lumMod val="85000"/>
+              <a:lumOff val="15000"/>
+            </a:schemeClr>
+          </a:solidFill>
+          <a:ln>
+            <a:noFill/>
+          </a:ln>
+        </p:spPr>
+        <p:style>
+          <a:lnRef idx="2">
+            <a:schemeClr val="accent1">
+              <a:shade val="50000"/>
+            </a:schemeClr>
+          </a:lnRef>
+          <a:fillRef idx="1">
+            <a:schemeClr val="accent1"/>
+          </a:fillRef>
+          <a:effectRef idx="0">
+            <a:schemeClr val="accent1"/>
+          </a:effectRef>
+          <a:fontRef idx="minor">
+            <a:schemeClr val="lt1"/>
+          </a:fontRef>
+        </p:style>
+        <p:txBody>
+          <a:bodyPr wrap="square" rtlCol="0" anchor="ctr">
+            <a:noAutofit/>
+          </a:bodyPr>
+          <a:lstStyle/>
+          <a:p>
+            <a:pPr algn="ctr"/>
+            <a:endParaRPr lang="en-US"/>
+          </a:p>
+        </p:txBody>
+      </p:sp>
+      <p:sp>
+        <p:nvSpPr>
+          <p:cNvPr id="3" name="TextBox 2">
+            <a:extLst>
+              <a:ext uri="{FF2B5EF4-FFF2-40B4-BE49-F238E27FC236}">
+                <a16:creationId xmlns:a16="http://schemas.microsoft.com/office/drawing/2014/main" id="{426B6423-DB43-4D45-BB8B-E5487B743FE5}"/>
+              </a:ext>
+            </a:extLst>
+          </p:cNvPr>
+          <p:cNvSpPr txBox="1"/>
+          <p:nvPr/>
+        </p:nvSpPr>
+        <p:spPr>
+          <a:xfrm>
             <a:off x="1065965" y="2226983"/>
             <a:ext cx="5076090" cy="4151376"/>
           </a:xfrm>
@@ -20341,7 +21285,7 @@
 </p:sld>
 </file>
 
-<file path=ppt/slides/slide28.xml><?xml version="1.0" encoding="utf-8"?>
+<file path=ppt/slides/slide29.xml><?xml version="1.0" encoding="utf-8"?>
 <p:sld xmlns:a="http://schemas.openxmlformats.org/drawingml/2006/main" xmlns:r="http://schemas.openxmlformats.org/officeDocument/2006/relationships" xmlns:p="http://schemas.openxmlformats.org/presentationml/2006/main">
   <p:cSld>
     <p:spTree>
@@ -21522,6 +22466,258 @@
 </file>
 
 <file path=ppt/slides/slide5.xml><?xml version="1.0" encoding="utf-8"?>
+<p:sld xmlns:a="http://schemas.openxmlformats.org/drawingml/2006/main" xmlns:r="http://schemas.openxmlformats.org/officeDocument/2006/relationships" xmlns:p="http://schemas.openxmlformats.org/presentationml/2006/main">
+  <p:cSld>
+    <p:spTree>
+      <p:nvGrpSpPr>
+        <p:cNvPr id="1" name=""/>
+        <p:cNvGrpSpPr/>
+        <p:nvPr/>
+      </p:nvGrpSpPr>
+      <p:grpSpPr>
+        <a:xfrm>
+          <a:off x="0" y="0"/>
+          <a:ext cx="0" cy="0"/>
+          <a:chOff x="0" y="0"/>
+          <a:chExt cx="0" cy="0"/>
+        </a:xfrm>
+      </p:grpSpPr>
+      <p:pic>
+        <p:nvPicPr>
+          <p:cNvPr id="6" name="Picture 5">
+            <a:extLst>
+              <a:ext uri="{FF2B5EF4-FFF2-40B4-BE49-F238E27FC236}">
+                <a16:creationId xmlns:a16="http://schemas.microsoft.com/office/drawing/2014/main" id="{25523E41-DD5A-4ECD-8101-F00A2196B1D6}"/>
+              </a:ext>
+            </a:extLst>
+          </p:cNvPr>
+          <p:cNvPicPr>
+            <a:picLocks noChangeAspect="1"/>
+          </p:cNvPicPr>
+          <p:nvPr/>
+        </p:nvPicPr>
+        <p:blipFill>
+          <a:blip r:embed="rId2"/>
+          <a:stretch>
+            <a:fillRect/>
+          </a:stretch>
+        </p:blipFill>
+        <p:spPr>
+          <a:xfrm>
+            <a:off x="2131053" y="190616"/>
+            <a:ext cx="6234348" cy="6461052"/>
+          </a:xfrm>
+          <a:prstGeom prst="rect">
+            <a:avLst/>
+          </a:prstGeom>
+        </p:spPr>
+      </p:pic>
+      <p:sp>
+        <p:nvSpPr>
+          <p:cNvPr id="7" name="Rectangle 6">
+            <a:extLst>
+              <a:ext uri="{FF2B5EF4-FFF2-40B4-BE49-F238E27FC236}">
+                <a16:creationId xmlns:a16="http://schemas.microsoft.com/office/drawing/2014/main" id="{FFEA2BC6-74D7-475A-938C-ED8ABBFE1333}"/>
+              </a:ext>
+            </a:extLst>
+          </p:cNvPr>
+          <p:cNvSpPr/>
+          <p:nvPr/>
+        </p:nvSpPr>
+        <p:spPr>
+          <a:xfrm>
+            <a:off x="3096408" y="2849453"/>
+            <a:ext cx="5115085" cy="285750"/>
+          </a:xfrm>
+          <a:prstGeom prst="rect">
+            <a:avLst/>
+          </a:prstGeom>
+          <a:noFill/>
+          <a:ln w="38100"/>
+        </p:spPr>
+        <p:style>
+          <a:lnRef idx="2">
+            <a:schemeClr val="accent1">
+              <a:shade val="50000"/>
+            </a:schemeClr>
+          </a:lnRef>
+          <a:fillRef idx="1">
+            <a:schemeClr val="accent1"/>
+          </a:fillRef>
+          <a:effectRef idx="0">
+            <a:schemeClr val="accent1"/>
+          </a:effectRef>
+          <a:fontRef idx="minor">
+            <a:schemeClr val="lt1"/>
+          </a:fontRef>
+        </p:style>
+        <p:txBody>
+          <a:bodyPr rtlCol="0" anchor="ctr"/>
+          <a:lstStyle/>
+          <a:p>
+            <a:pPr algn="ctr"/>
+            <a:endParaRPr lang="en-US"/>
+          </a:p>
+        </p:txBody>
+      </p:sp>
+      <p:sp>
+        <p:nvSpPr>
+          <p:cNvPr id="8" name="Rectangle 7">
+            <a:extLst>
+              <a:ext uri="{FF2B5EF4-FFF2-40B4-BE49-F238E27FC236}">
+                <a16:creationId xmlns:a16="http://schemas.microsoft.com/office/drawing/2014/main" id="{253411D2-47AB-4102-BD77-DC998AE10209}"/>
+              </a:ext>
+            </a:extLst>
+          </p:cNvPr>
+          <p:cNvSpPr/>
+          <p:nvPr/>
+        </p:nvSpPr>
+        <p:spPr>
+          <a:xfrm>
+            <a:off x="3457038" y="3421142"/>
+            <a:ext cx="3432650" cy="285750"/>
+          </a:xfrm>
+          <a:prstGeom prst="rect">
+            <a:avLst/>
+          </a:prstGeom>
+          <a:noFill/>
+          <a:ln w="38100"/>
+        </p:spPr>
+        <p:style>
+          <a:lnRef idx="2">
+            <a:schemeClr val="accent1">
+              <a:shade val="50000"/>
+            </a:schemeClr>
+          </a:lnRef>
+          <a:fillRef idx="1">
+            <a:schemeClr val="accent1"/>
+          </a:fillRef>
+          <a:effectRef idx="0">
+            <a:schemeClr val="accent1"/>
+          </a:effectRef>
+          <a:fontRef idx="minor">
+            <a:schemeClr val="lt1"/>
+          </a:fontRef>
+        </p:style>
+        <p:txBody>
+          <a:bodyPr rtlCol="0" anchor="ctr"/>
+          <a:lstStyle/>
+          <a:p>
+            <a:pPr algn="ctr"/>
+            <a:endParaRPr lang="en-US"/>
+          </a:p>
+        </p:txBody>
+      </p:sp>
+      <p:sp>
+        <p:nvSpPr>
+          <p:cNvPr id="9" name="Rectangle 8">
+            <a:extLst>
+              <a:ext uri="{FF2B5EF4-FFF2-40B4-BE49-F238E27FC236}">
+                <a16:creationId xmlns:a16="http://schemas.microsoft.com/office/drawing/2014/main" id="{4E9CA8D9-4C5B-4858-BBA0-F5155ED64432}"/>
+              </a:ext>
+            </a:extLst>
+          </p:cNvPr>
+          <p:cNvSpPr/>
+          <p:nvPr/>
+        </p:nvSpPr>
+        <p:spPr>
+          <a:xfrm>
+            <a:off x="3185433" y="5690734"/>
+            <a:ext cx="5115085" cy="285750"/>
+          </a:xfrm>
+          <a:prstGeom prst="rect">
+            <a:avLst/>
+          </a:prstGeom>
+          <a:noFill/>
+          <a:ln w="38100"/>
+        </p:spPr>
+        <p:style>
+          <a:lnRef idx="2">
+            <a:schemeClr val="accent1">
+              <a:shade val="50000"/>
+            </a:schemeClr>
+          </a:lnRef>
+          <a:fillRef idx="1">
+            <a:schemeClr val="accent1"/>
+          </a:fillRef>
+          <a:effectRef idx="0">
+            <a:schemeClr val="accent1"/>
+          </a:effectRef>
+          <a:fontRef idx="minor">
+            <a:schemeClr val="lt1"/>
+          </a:fontRef>
+        </p:style>
+        <p:txBody>
+          <a:bodyPr rtlCol="0" anchor="ctr"/>
+          <a:lstStyle/>
+          <a:p>
+            <a:pPr algn="ctr"/>
+            <a:endParaRPr lang="en-US"/>
+          </a:p>
+        </p:txBody>
+      </p:sp>
+      <p:sp>
+        <p:nvSpPr>
+          <p:cNvPr id="10" name="Rectangle 9">
+            <a:extLst>
+              <a:ext uri="{FF2B5EF4-FFF2-40B4-BE49-F238E27FC236}">
+                <a16:creationId xmlns:a16="http://schemas.microsoft.com/office/drawing/2014/main" id="{9F91D303-58AE-46C1-BC4C-DA967BCB62C7}"/>
+              </a:ext>
+            </a:extLst>
+          </p:cNvPr>
+          <p:cNvSpPr/>
+          <p:nvPr/>
+        </p:nvSpPr>
+        <p:spPr>
+          <a:xfrm>
+            <a:off x="3546063" y="6262423"/>
+            <a:ext cx="3432650" cy="285750"/>
+          </a:xfrm>
+          <a:prstGeom prst="rect">
+            <a:avLst/>
+          </a:prstGeom>
+          <a:noFill/>
+          <a:ln w="38100"/>
+        </p:spPr>
+        <p:style>
+          <a:lnRef idx="2">
+            <a:schemeClr val="accent1">
+              <a:shade val="50000"/>
+            </a:schemeClr>
+          </a:lnRef>
+          <a:fillRef idx="1">
+            <a:schemeClr val="accent1"/>
+          </a:fillRef>
+          <a:effectRef idx="0">
+            <a:schemeClr val="accent1"/>
+          </a:effectRef>
+          <a:fontRef idx="minor">
+            <a:schemeClr val="lt1"/>
+          </a:fontRef>
+        </p:style>
+        <p:txBody>
+          <a:bodyPr rtlCol="0" anchor="ctr"/>
+          <a:lstStyle/>
+          <a:p>
+            <a:pPr algn="ctr"/>
+            <a:endParaRPr lang="en-US"/>
+          </a:p>
+        </p:txBody>
+      </p:sp>
+    </p:spTree>
+    <p:extLst>
+      <p:ext uri="{BB962C8B-B14F-4D97-AF65-F5344CB8AC3E}">
+        <p14:creationId xmlns:p14="http://schemas.microsoft.com/office/powerpoint/2010/main" val="1634610466"/>
+      </p:ext>
+    </p:extLst>
+  </p:cSld>
+  <p:clrMapOvr>
+    <a:masterClrMapping/>
+  </p:clrMapOvr>
+</p:sld>
+</file>
+
+<file path=ppt/slides/slide6.xml><?xml version="1.0" encoding="utf-8"?>
 <p:sld xmlns:a="http://schemas.openxmlformats.org/drawingml/2006/main" xmlns:r="http://schemas.openxmlformats.org/officeDocument/2006/relationships" xmlns:p="http://schemas.openxmlformats.org/presentationml/2006/main">
   <p:cSld>
     <p:spTree>
@@ -21778,10 +22974,10 @@
       </p:grpSp>
       <p:grpSp>
         <p:nvGrpSpPr>
-          <p:cNvPr id="10" name="Group 9">
+          <p:cNvPr id="2" name="Group 1">
             <a:extLst>
               <a:ext uri="{FF2B5EF4-FFF2-40B4-BE49-F238E27FC236}">
-                <a16:creationId xmlns:a16="http://schemas.microsoft.com/office/drawing/2014/main" id="{3093DD6E-8A6A-4250-8D2F-957B8363A829}"/>
+                <a16:creationId xmlns:a16="http://schemas.microsoft.com/office/drawing/2014/main" id="{956A8CDE-2DEB-4996-A312-CD80FBBF5E70}"/>
               </a:ext>
             </a:extLst>
           </p:cNvPr>
@@ -21792,8 +22988,8 @@
           <a:xfrm>
             <a:off x="2393736" y="1782363"/>
             <a:ext cx="2633663" cy="369332"/>
-            <a:chOff x="7528560" y="1239758"/>
-            <a:chExt cx="2453640" cy="369332"/>
+            <a:chOff x="2393736" y="1782363"/>
+            <a:chExt cx="2633663" cy="369332"/>
           </a:xfrm>
         </p:grpSpPr>
         <p:sp>
@@ -21810,8 +23006,8 @@
           </p:nvSpPr>
           <p:spPr>
             <a:xfrm>
-              <a:off x="7559040" y="1292860"/>
-              <a:ext cx="2423160" cy="285750"/>
+              <a:off x="2426452" y="1835465"/>
+              <a:ext cx="2600947" cy="285750"/>
             </a:xfrm>
             <a:prstGeom prst="rect">
               <a:avLst/>
@@ -21858,8 +23054,8 @@
           </p:nvSpPr>
           <p:spPr>
             <a:xfrm>
-              <a:off x="7528560" y="1239758"/>
-              <a:ext cx="1719895" cy="369332"/>
+              <a:off x="2393736" y="1782363"/>
+              <a:ext cx="1846083" cy="369332"/>
             </a:xfrm>
             <a:prstGeom prst="rect">
               <a:avLst/>
@@ -22687,7 +23883,7 @@
 </p:sld>
 </file>
 
-<file path=ppt/slides/slide6.xml><?xml version="1.0" encoding="utf-8"?>
+<file path=ppt/slides/slide7.xml><?xml version="1.0" encoding="utf-8"?>
 <p:sld xmlns:a="http://schemas.openxmlformats.org/drawingml/2006/main" xmlns:r="http://schemas.openxmlformats.org/officeDocument/2006/relationships" xmlns:p="http://schemas.openxmlformats.org/presentationml/2006/main">
   <p:cSld>
     <p:spTree>
@@ -23104,7 +24300,7 @@
 </p:sld>
 </file>
 
-<file path=ppt/slides/slide7.xml><?xml version="1.0" encoding="utf-8"?>
+<file path=ppt/slides/slide8.xml><?xml version="1.0" encoding="utf-8"?>
 <p:sld xmlns:a="http://schemas.openxmlformats.org/drawingml/2006/main" xmlns:r="http://schemas.openxmlformats.org/officeDocument/2006/relationships" xmlns:p="http://schemas.openxmlformats.org/presentationml/2006/main">
   <p:cSld>
     <p:spTree>
@@ -23521,7 +24717,7 @@
 </p:sld>
 </file>
 
-<file path=ppt/slides/slide8.xml><?xml version="1.0" encoding="utf-8"?>
+<file path=ppt/slides/slide9.xml><?xml version="1.0" encoding="utf-8"?>
 <p:sld xmlns:a="http://schemas.openxmlformats.org/drawingml/2006/main" xmlns:r="http://schemas.openxmlformats.org/officeDocument/2006/relationships" xmlns:p="http://schemas.openxmlformats.org/presentationml/2006/main">
   <p:cSld>
     <p:spTree>
@@ -23988,949 +25184,6 @@
   </p:cSld>
   <p:clrMapOvr>
     <a:masterClrMapping/>
-  </p:clrMapOvr>
-</p:sld>
-</file>
-
-<file path=ppt/slides/slide9.xml><?xml version="1.0" encoding="utf-8"?>
-<p:sld xmlns:a="http://schemas.openxmlformats.org/drawingml/2006/main" xmlns:r="http://schemas.openxmlformats.org/officeDocument/2006/relationships" xmlns:p="http://schemas.openxmlformats.org/presentationml/2006/main">
-  <p:cSld>
-    <p:bg>
-      <p:bgPr>
-        <a:solidFill>
-          <a:schemeClr val="bg1"/>
-        </a:solidFill>
-        <a:effectLst/>
-      </p:bgPr>
-    </p:bg>
-    <p:spTree>
-      <p:nvGrpSpPr>
-        <p:cNvPr id="1" name=""/>
-        <p:cNvGrpSpPr/>
-        <p:nvPr/>
-      </p:nvGrpSpPr>
-      <p:grpSpPr>
-        <a:xfrm>
-          <a:off x="0" y="0"/>
-          <a:ext cx="0" cy="0"/>
-          <a:chOff x="0" y="0"/>
-          <a:chExt cx="0" cy="0"/>
-        </a:xfrm>
-      </p:grpSpPr>
-      <p:sp>
-        <p:nvSpPr>
-          <p:cNvPr id="18" name="Rectangle 17">
-            <a:extLst>
-              <a:ext uri="{FF2B5EF4-FFF2-40B4-BE49-F238E27FC236}">
-                <a16:creationId xmlns:a16="http://schemas.microsoft.com/office/drawing/2014/main" id="{68A4132F-DEC6-4332-A00C-A11AD4519B6C}"/>
-              </a:ext>
-              <a:ext uri="{C183D7F6-B498-43B3-948B-1728B52AA6E4}">
-                <adec:decorative xmlns:adec="http://schemas.microsoft.com/office/drawing/2017/decorative" val="1"/>
-              </a:ext>
-            </a:extLst>
-          </p:cNvPr>
-          <p:cNvSpPr>
-            <a:spLocks noGrp="1" noRot="1" noChangeAspect="1" noMove="1" noResize="1" noEditPoints="1" noAdjustHandles="1" noChangeArrowheads="1" noChangeShapeType="1" noTextEdit="1"/>
-          </p:cNvSpPr>
-          <p:nvPr>
-            <p:extLst>
-              <p:ext uri="{386F3935-93C4-4BCD-93E2-E3B085C9AB24}">
-                <p16:designElem xmlns:p16="http://schemas.microsoft.com/office/powerpoint/2015/main" val="1"/>
-              </p:ext>
-            </p:extLst>
-          </p:nvPr>
-        </p:nvSpPr>
-        <p:spPr>
-          <a:xfrm>
-            <a:off x="3048" y="0"/>
-            <a:ext cx="12188952" cy="6858000"/>
-          </a:xfrm>
-          <a:prstGeom prst="rect">
-            <a:avLst/>
-          </a:prstGeom>
-          <a:solidFill>
-            <a:schemeClr val="tx1"/>
-          </a:solidFill>
-          <a:ln>
-            <a:noFill/>
-          </a:ln>
-        </p:spPr>
-        <p:style>
-          <a:lnRef idx="2">
-            <a:schemeClr val="accent1">
-              <a:shade val="50000"/>
-            </a:schemeClr>
-          </a:lnRef>
-          <a:fillRef idx="1">
-            <a:schemeClr val="accent1"/>
-          </a:fillRef>
-          <a:effectRef idx="0">
-            <a:schemeClr val="accent1"/>
-          </a:effectRef>
-          <a:fontRef idx="minor">
-            <a:schemeClr val="lt1"/>
-          </a:fontRef>
-        </p:style>
-        <p:txBody>
-          <a:bodyPr rtlCol="0" anchor="ctr"/>
-          <a:lstStyle/>
-          <a:p>
-            <a:pPr algn="ctr"/>
-            <a:endParaRPr lang="en-US"/>
-          </a:p>
-        </p:txBody>
-      </p:sp>
-      <p:sp>
-        <p:nvSpPr>
-          <p:cNvPr id="20" name="Freeform: Shape 19">
-            <a:extLst>
-              <a:ext uri="{FF2B5EF4-FFF2-40B4-BE49-F238E27FC236}">
-                <a16:creationId xmlns:a16="http://schemas.microsoft.com/office/drawing/2014/main" id="{64965EAE-E41A-435F-B993-07E824B6C977}"/>
-              </a:ext>
-              <a:ext uri="{C183D7F6-B498-43B3-948B-1728B52AA6E4}">
-                <adec:decorative xmlns:adec="http://schemas.microsoft.com/office/drawing/2017/decorative" val="1"/>
-              </a:ext>
-            </a:extLst>
-          </p:cNvPr>
-          <p:cNvSpPr>
-            <a:spLocks noGrp="1" noRot="1" noChangeAspect="1" noMove="1" noResize="1" noEditPoints="1" noAdjustHandles="1" noChangeArrowheads="1" noChangeShapeType="1" noTextEdit="1"/>
-          </p:cNvSpPr>
-          <p:nvPr>
-            <p:extLst>
-              <p:ext uri="{386F3935-93C4-4BCD-93E2-E3B085C9AB24}">
-                <p16:designElem xmlns:p16="http://schemas.microsoft.com/office/powerpoint/2015/main" val="1"/>
-              </p:ext>
-            </p:extLst>
-          </p:nvPr>
-        </p:nvSpPr>
-        <p:spPr>
-          <a:xfrm flipV="1">
-            <a:off x="1" y="0"/>
-            <a:ext cx="7539895" cy="6858000"/>
-          </a:xfrm>
-          <a:custGeom>
-            <a:avLst/>
-            <a:gdLst>
-              <a:gd name="connsiteX0" fmla="*/ 7539895 w 7539895"/>
-              <a:gd name="connsiteY0" fmla="*/ 6858000 h 6858000"/>
-              <a:gd name="connsiteX1" fmla="*/ 0 w 7539895"/>
-              <a:gd name="connsiteY1" fmla="*/ 6858000 h 6858000"/>
-              <a:gd name="connsiteX2" fmla="*/ 0 w 7539895"/>
-              <a:gd name="connsiteY2" fmla="*/ 0 h 6858000"/>
-              <a:gd name="connsiteX3" fmla="*/ 4363741 w 7539895"/>
-              <a:gd name="connsiteY3" fmla="*/ 0 h 6858000"/>
-            </a:gdLst>
-            <a:ahLst/>
-            <a:cxnLst>
-              <a:cxn ang="0">
-                <a:pos x="connsiteX0" y="connsiteY0"/>
-              </a:cxn>
-              <a:cxn ang="0">
-                <a:pos x="connsiteX1" y="connsiteY1"/>
-              </a:cxn>
-              <a:cxn ang="0">
-                <a:pos x="connsiteX2" y="connsiteY2"/>
-              </a:cxn>
-              <a:cxn ang="0">
-                <a:pos x="connsiteX3" y="connsiteY3"/>
-              </a:cxn>
-            </a:cxnLst>
-            <a:rect l="l" t="t" r="r" b="b"/>
-            <a:pathLst>
-              <a:path w="7539895" h="6858000">
-                <a:moveTo>
-                  <a:pt x="7539895" y="6858000"/>
-                </a:moveTo>
-                <a:lnTo>
-                  <a:pt x="0" y="6858000"/>
-                </a:lnTo>
-                <a:lnTo>
-                  <a:pt x="0" y="0"/>
-                </a:lnTo>
-                <a:lnTo>
-                  <a:pt x="4363741" y="0"/>
-                </a:lnTo>
-                <a:close/>
-              </a:path>
-            </a:pathLst>
-          </a:custGeom>
-          <a:solidFill>
-            <a:schemeClr val="bg1">
-              <a:lumMod val="85000"/>
-              <a:lumOff val="15000"/>
-              <a:alpha val="70000"/>
-            </a:schemeClr>
-          </a:solidFill>
-          <a:ln>
-            <a:noFill/>
-          </a:ln>
-        </p:spPr>
-        <p:style>
-          <a:lnRef idx="2">
-            <a:schemeClr val="accent1">
-              <a:shade val="50000"/>
-            </a:schemeClr>
-          </a:lnRef>
-          <a:fillRef idx="1">
-            <a:schemeClr val="accent1"/>
-          </a:fillRef>
-          <a:effectRef idx="0">
-            <a:schemeClr val="accent1"/>
-          </a:effectRef>
-          <a:fontRef idx="minor">
-            <a:schemeClr val="lt1"/>
-          </a:fontRef>
-        </p:style>
-        <p:txBody>
-          <a:bodyPr wrap="square" rtlCol="0" anchor="ctr">
-            <a:noAutofit/>
-          </a:bodyPr>
-          <a:lstStyle/>
-          <a:p>
-            <a:pPr algn="ctr"/>
-            <a:endParaRPr lang="en-US"/>
-          </a:p>
-        </p:txBody>
-      </p:sp>
-      <p:sp>
-        <p:nvSpPr>
-          <p:cNvPr id="22" name="Freeform: Shape 21">
-            <a:extLst>
-              <a:ext uri="{FF2B5EF4-FFF2-40B4-BE49-F238E27FC236}">
-                <a16:creationId xmlns:a16="http://schemas.microsoft.com/office/drawing/2014/main" id="{152F8994-E6D4-4311-9548-C3607BC43645}"/>
-              </a:ext>
-              <a:ext uri="{C183D7F6-B498-43B3-948B-1728B52AA6E4}">
-                <adec:decorative xmlns:adec="http://schemas.microsoft.com/office/drawing/2017/decorative" val="1"/>
-              </a:ext>
-            </a:extLst>
-          </p:cNvPr>
-          <p:cNvSpPr>
-            <a:spLocks noGrp="1" noRot="1" noChangeAspect="1" noMove="1" noResize="1" noEditPoints="1" noAdjustHandles="1" noChangeArrowheads="1" noChangeShapeType="1" noTextEdit="1"/>
-          </p:cNvSpPr>
-          <p:nvPr>
-            <p:extLst>
-              <p:ext uri="{386F3935-93C4-4BCD-93E2-E3B085C9AB24}">
-                <p16:designElem xmlns:p16="http://schemas.microsoft.com/office/powerpoint/2015/main" val="1"/>
-              </p:ext>
-            </p:extLst>
-          </p:nvPr>
-        </p:nvSpPr>
-        <p:spPr>
-          <a:xfrm flipV="1">
-            <a:off x="0" y="0"/>
-            <a:ext cx="7092985" cy="6858000"/>
-          </a:xfrm>
-          <a:custGeom>
-            <a:avLst/>
-            <a:gdLst>
-              <a:gd name="connsiteX0" fmla="*/ 7092985 w 7092985"/>
-              <a:gd name="connsiteY0" fmla="*/ 6858000 h 6858000"/>
-              <a:gd name="connsiteX1" fmla="*/ 0 w 7092985"/>
-              <a:gd name="connsiteY1" fmla="*/ 6858000 h 6858000"/>
-              <a:gd name="connsiteX2" fmla="*/ 0 w 7092985"/>
-              <a:gd name="connsiteY2" fmla="*/ 0 h 6858000"/>
-              <a:gd name="connsiteX3" fmla="*/ 3916831 w 7092985"/>
-              <a:gd name="connsiteY3" fmla="*/ 0 h 6858000"/>
-            </a:gdLst>
-            <a:ahLst/>
-            <a:cxnLst>
-              <a:cxn ang="0">
-                <a:pos x="connsiteX0" y="connsiteY0"/>
-              </a:cxn>
-              <a:cxn ang="0">
-                <a:pos x="connsiteX1" y="connsiteY1"/>
-              </a:cxn>
-              <a:cxn ang="0">
-                <a:pos x="connsiteX2" y="connsiteY2"/>
-              </a:cxn>
-              <a:cxn ang="0">
-                <a:pos x="connsiteX3" y="connsiteY3"/>
-              </a:cxn>
-            </a:cxnLst>
-            <a:rect l="l" t="t" r="r" b="b"/>
-            <a:pathLst>
-              <a:path w="7092985" h="6858000">
-                <a:moveTo>
-                  <a:pt x="7092985" y="6858000"/>
-                </a:moveTo>
-                <a:lnTo>
-                  <a:pt x="0" y="6858000"/>
-                </a:lnTo>
-                <a:lnTo>
-                  <a:pt x="0" y="0"/>
-                </a:lnTo>
-                <a:lnTo>
-                  <a:pt x="3916831" y="0"/>
-                </a:lnTo>
-                <a:close/>
-              </a:path>
-            </a:pathLst>
-          </a:custGeom>
-          <a:solidFill>
-            <a:schemeClr val="bg1">
-              <a:lumMod val="85000"/>
-              <a:lumOff val="15000"/>
-            </a:schemeClr>
-          </a:solidFill>
-          <a:ln>
-            <a:noFill/>
-          </a:ln>
-        </p:spPr>
-        <p:style>
-          <a:lnRef idx="2">
-            <a:schemeClr val="accent1">
-              <a:shade val="50000"/>
-            </a:schemeClr>
-          </a:lnRef>
-          <a:fillRef idx="1">
-            <a:schemeClr val="accent1"/>
-          </a:fillRef>
-          <a:effectRef idx="0">
-            <a:schemeClr val="accent1"/>
-          </a:effectRef>
-          <a:fontRef idx="minor">
-            <a:schemeClr val="lt1"/>
-          </a:fontRef>
-        </p:style>
-        <p:txBody>
-          <a:bodyPr wrap="square" rtlCol="0" anchor="ctr">
-            <a:noAutofit/>
-          </a:bodyPr>
-          <a:lstStyle/>
-          <a:p>
-            <a:pPr algn="ctr"/>
-            <a:endParaRPr lang="en-US"/>
-          </a:p>
-        </p:txBody>
-      </p:sp>
-      <p:sp>
-        <p:nvSpPr>
-          <p:cNvPr id="3" name="TextBox 2">
-            <a:extLst>
-              <a:ext uri="{FF2B5EF4-FFF2-40B4-BE49-F238E27FC236}">
-                <a16:creationId xmlns:a16="http://schemas.microsoft.com/office/drawing/2014/main" id="{FBF94A56-00B5-4AE8-8E3E-8D6406321F19}"/>
-              </a:ext>
-            </a:extLst>
-          </p:cNvPr>
-          <p:cNvSpPr txBox="1"/>
-          <p:nvPr/>
-        </p:nvSpPr>
-        <p:spPr>
-          <a:xfrm>
-            <a:off x="838199" y="1825625"/>
-            <a:ext cx="5257801" cy="3399518"/>
-          </a:xfrm>
-          <a:prstGeom prst="rect">
-            <a:avLst/>
-          </a:prstGeom>
-        </p:spPr>
-        <p:txBody>
-          <a:bodyPr vert="horz" lIns="91440" tIns="45720" rIns="91440" bIns="45720" rtlCol="0">
-            <a:normAutofit/>
-          </a:bodyPr>
-          <a:lstStyle/>
-          <a:p>
-            <a:pPr indent="-228600">
-              <a:lnSpc>
-                <a:spcPct val="90000"/>
-              </a:lnSpc>
-              <a:spcAft>
-                <a:spcPts val="600"/>
-              </a:spcAft>
-              <a:buFont typeface="Arial" panose="020B0604020202020204" pitchFamily="34" charset="0"/>
-              <a:buChar char="•"/>
-            </a:pPr>
-            <a:r>
-              <a:rPr lang="en-US" sz="2800" dirty="0"/>
-              <a:t>Example Period Simulation</a:t>
-            </a:r>
-          </a:p>
-          <a:p>
-            <a:pPr indent="-228600">
-              <a:lnSpc>
-                <a:spcPct val="90000"/>
-              </a:lnSpc>
-              <a:spcAft>
-                <a:spcPts val="600"/>
-              </a:spcAft>
-              <a:buFont typeface="Arial" panose="020B0604020202020204" pitchFamily="34" charset="0"/>
-              <a:buChar char="•"/>
-            </a:pPr>
-            <a:endParaRPr lang="en-US" sz="2000" dirty="0"/>
-          </a:p>
-          <a:p>
-            <a:pPr indent="-228600">
-              <a:lnSpc>
-                <a:spcPct val="90000"/>
-              </a:lnSpc>
-              <a:spcAft>
-                <a:spcPts val="600"/>
-              </a:spcAft>
-              <a:buFont typeface="Arial" panose="020B0604020202020204" pitchFamily="34" charset="0"/>
-              <a:buChar char="•"/>
-            </a:pPr>
-            <a:r>
-              <a:rPr lang="en-US" sz="2000" dirty="0" err="1"/>
-              <a:t>grid_size</a:t>
-            </a:r>
-            <a:r>
-              <a:rPr lang="en-US" sz="2000" dirty="0"/>
-              <a:t> = 1     </a:t>
-            </a:r>
-          </a:p>
-          <a:p>
-            <a:pPr indent="-228600">
-              <a:lnSpc>
-                <a:spcPct val="90000"/>
-              </a:lnSpc>
-              <a:spcAft>
-                <a:spcPts val="600"/>
-              </a:spcAft>
-              <a:buFont typeface="Arial" panose="020B0604020202020204" pitchFamily="34" charset="0"/>
-              <a:buChar char="•"/>
-            </a:pPr>
-            <a:r>
-              <a:rPr lang="en-US" sz="2000" dirty="0" err="1"/>
-              <a:t>num_rounds</a:t>
-            </a:r>
-            <a:r>
-              <a:rPr lang="en-US" sz="2000" dirty="0"/>
-              <a:t> = 10 </a:t>
-            </a:r>
-          </a:p>
-          <a:p>
-            <a:pPr indent="-228600">
-              <a:lnSpc>
-                <a:spcPct val="90000"/>
-              </a:lnSpc>
-              <a:spcAft>
-                <a:spcPts val="600"/>
-              </a:spcAft>
-              <a:buFont typeface="Arial" panose="020B0604020202020204" pitchFamily="34" charset="0"/>
-              <a:buChar char="•"/>
-            </a:pPr>
-            <a:r>
-              <a:rPr lang="en-US" sz="2000" dirty="0" err="1"/>
-              <a:t>num_traders</a:t>
-            </a:r>
-            <a:r>
-              <a:rPr lang="en-US" sz="2000" dirty="0"/>
-              <a:t> = 20   </a:t>
-            </a:r>
-          </a:p>
-          <a:p>
-            <a:pPr indent="-228600">
-              <a:lnSpc>
-                <a:spcPct val="90000"/>
-              </a:lnSpc>
-              <a:spcAft>
-                <a:spcPts val="600"/>
-              </a:spcAft>
-              <a:buFont typeface="Arial" panose="020B0604020202020204" pitchFamily="34" charset="0"/>
-              <a:buChar char="•"/>
-            </a:pPr>
-            <a:r>
-              <a:rPr lang="en-US" sz="2000" dirty="0" err="1"/>
-              <a:t>num_units</a:t>
-            </a:r>
-            <a:r>
-              <a:rPr lang="en-US" sz="2000" dirty="0"/>
-              <a:t> = 8   </a:t>
-            </a:r>
-          </a:p>
-          <a:p>
-            <a:pPr indent="-228600">
-              <a:lnSpc>
-                <a:spcPct val="90000"/>
-              </a:lnSpc>
-              <a:spcAft>
-                <a:spcPts val="600"/>
-              </a:spcAft>
-              <a:buFont typeface="Arial" panose="020B0604020202020204" pitchFamily="34" charset="0"/>
-              <a:buChar char="•"/>
-            </a:pPr>
-            <a:r>
-              <a:rPr lang="en-US" sz="2000" dirty="0" err="1"/>
-              <a:t>lower_bound</a:t>
-            </a:r>
-            <a:r>
-              <a:rPr lang="en-US" sz="2000" dirty="0"/>
-              <a:t> = 200 </a:t>
-            </a:r>
-          </a:p>
-          <a:p>
-            <a:pPr indent="-228600">
-              <a:lnSpc>
-                <a:spcPct val="90000"/>
-              </a:lnSpc>
-              <a:spcAft>
-                <a:spcPts val="600"/>
-              </a:spcAft>
-              <a:buFont typeface="Arial" panose="020B0604020202020204" pitchFamily="34" charset="0"/>
-              <a:buChar char="•"/>
-            </a:pPr>
-            <a:r>
-              <a:rPr lang="en-US" sz="2000" dirty="0" err="1"/>
-              <a:t>upper_bound</a:t>
-            </a:r>
-            <a:r>
-              <a:rPr lang="en-US" sz="2000" dirty="0"/>
-              <a:t> = 600 </a:t>
-            </a:r>
-          </a:p>
-        </p:txBody>
-      </p:sp>
-      <p:sp>
-        <p:nvSpPr>
-          <p:cNvPr id="2" name="Rectangle 3">
-            <a:extLst>
-              <a:ext uri="{FF2B5EF4-FFF2-40B4-BE49-F238E27FC236}">
-                <a16:creationId xmlns:a16="http://schemas.microsoft.com/office/drawing/2014/main" id="{4D255444-1857-47B6-B193-1EF071340378}"/>
-              </a:ext>
-            </a:extLst>
-          </p:cNvPr>
-          <p:cNvSpPr>
-            <a:spLocks noChangeArrowheads="1"/>
-          </p:cNvSpPr>
-          <p:nvPr/>
-        </p:nvSpPr>
-        <p:spPr bwMode="auto">
-          <a:xfrm>
-            <a:off x="7822194" y="809688"/>
-            <a:ext cx="3739081" cy="1015663"/>
-          </a:xfrm>
-          <a:prstGeom prst="rect">
-            <a:avLst/>
-          </a:prstGeom>
-          <a:noFill/>
-          <a:ln>
-            <a:noFill/>
-          </a:ln>
-          <a:effectLst/>
-          <a:extLst>
-            <a:ext uri="{909E8E84-426E-40DD-AFC4-6F175D3DCCD1}">
-              <a14:hiddenFill xmlns:a14="http://schemas.microsoft.com/office/drawing/2010/main">
-                <a:solidFill>
-                  <a:schemeClr val="accent1"/>
-                </a:solidFill>
-              </a14:hiddenFill>
-            </a:ext>
-            <a:ext uri="{91240B29-F687-4F45-9708-019B960494DF}">
-              <a14:hiddenLine xmlns:a14="http://schemas.microsoft.com/office/drawing/2010/main" w="9525">
-                <a:solidFill>
-                  <a:schemeClr val="tx1"/>
-                </a:solidFill>
-                <a:miter lim="800000"/>
-                <a:headEnd/>
-                <a:tailEnd/>
-              </a14:hiddenLine>
-            </a:ext>
-            <a:ext uri="{AF507438-7753-43E0-B8FC-AC1667EBCBE1}">
-              <a14:hiddenEffects xmlns:a14="http://schemas.microsoft.com/office/drawing/2010/main">
-                <a:effectLst>
-                  <a:outerShdw dist="35921" dir="2700000" algn="ctr" rotWithShape="0">
-                    <a:schemeClr val="bg2"/>
-                  </a:outerShdw>
-                </a:effectLst>
-              </a14:hiddenEffects>
-            </a:ext>
-          </a:extLst>
-        </p:spPr>
-        <p:txBody>
-          <a:bodyPr vert="horz" wrap="square" lIns="91440" tIns="45720" rIns="91440" bIns="45720" numCol="1" anchor="ctr" anchorCtr="0" compatLnSpc="1">
-            <a:prstTxWarp prst="textNoShape">
-              <a:avLst/>
-            </a:prstTxWarp>
-            <a:spAutoFit/>
-          </a:bodyPr>
-          <a:lstStyle/>
-          <a:p>
-            <a:pPr marL="0" marR="0" lvl="0" indent="0" algn="l" defTabSz="914400" rtl="0" eaLnBrk="0" fontAlgn="base" latinLnBrk="0" hangingPunct="0">
-              <a:lnSpc>
-                <a:spcPct val="100000"/>
-              </a:lnSpc>
-              <a:spcBef>
-                <a:spcPct val="0"/>
-              </a:spcBef>
-              <a:spcAft>
-                <a:spcPct val="0"/>
-              </a:spcAft>
-              <a:buClrTx/>
-              <a:buSzTx/>
-              <a:buFontTx/>
-              <a:buNone/>
-              <a:tabLst/>
-            </a:pPr>
-            <a:r>
-              <a:rPr kumimoji="0" lang="en-US" altLang="en-US" sz="2000" b="0" i="0" u="none" strike="noStrike" cap="none" normalizeH="0" baseline="0" dirty="0">
-                <a:ln>
-                  <a:noFill/>
-                </a:ln>
-                <a:solidFill>
-                  <a:schemeClr val="bg1"/>
-                </a:solidFill>
-                <a:effectLst/>
-                <a:latin typeface="Arial Unicode MS"/>
-              </a:rPr>
-              <a:t>equilibrium price = 388 - 391 </a:t>
-            </a:r>
-          </a:p>
-          <a:p>
-            <a:pPr marL="0" marR="0" lvl="0" indent="0" algn="l" defTabSz="914400" rtl="0" eaLnBrk="0" fontAlgn="base" latinLnBrk="0" hangingPunct="0">
-              <a:lnSpc>
-                <a:spcPct val="100000"/>
-              </a:lnSpc>
-              <a:spcBef>
-                <a:spcPct val="0"/>
-              </a:spcBef>
-              <a:spcAft>
-                <a:spcPct val="0"/>
-              </a:spcAft>
-              <a:buClrTx/>
-              <a:buSzTx/>
-              <a:buFontTx/>
-              <a:buNone/>
-              <a:tabLst/>
-            </a:pPr>
-            <a:r>
-              <a:rPr kumimoji="0" lang="en-US" altLang="en-US" sz="2000" b="0" i="0" u="none" strike="noStrike" cap="none" normalizeH="0" baseline="0" dirty="0">
-                <a:ln>
-                  <a:noFill/>
-                </a:ln>
-                <a:solidFill>
-                  <a:schemeClr val="bg1"/>
-                </a:solidFill>
-                <a:effectLst/>
-                <a:latin typeface="Arial Unicode MS"/>
-              </a:rPr>
-              <a:t>equilibrium quantity = 55 </a:t>
-            </a:r>
-          </a:p>
-          <a:p>
-            <a:pPr marL="0" marR="0" lvl="0" indent="0" algn="l" defTabSz="914400" rtl="0" eaLnBrk="0" fontAlgn="base" latinLnBrk="0" hangingPunct="0">
-              <a:lnSpc>
-                <a:spcPct val="100000"/>
-              </a:lnSpc>
-              <a:spcBef>
-                <a:spcPct val="0"/>
-              </a:spcBef>
-              <a:spcAft>
-                <a:spcPct val="0"/>
-              </a:spcAft>
-              <a:buClrTx/>
-              <a:buSzTx/>
-              <a:buFontTx/>
-              <a:buNone/>
-              <a:tabLst/>
-            </a:pPr>
-            <a:r>
-              <a:rPr kumimoji="0" lang="en-US" altLang="en-US" sz="2000" b="0" i="0" u="none" strike="noStrike" cap="none" normalizeH="0" baseline="0" dirty="0">
-                <a:ln>
-                  <a:noFill/>
-                </a:ln>
-                <a:solidFill>
-                  <a:schemeClr val="bg1"/>
-                </a:solidFill>
-                <a:effectLst/>
-                <a:latin typeface="Arial Unicode MS"/>
-              </a:rPr>
-              <a:t>maximum surplus = 9887 </a:t>
-            </a:r>
-            <a:endParaRPr kumimoji="0" lang="en-US" altLang="en-US" sz="2000" b="0" i="0" u="none" strike="noStrike" cap="none" normalizeH="0" baseline="0" dirty="0">
-              <a:ln>
-                <a:noFill/>
-              </a:ln>
-              <a:solidFill>
-                <a:schemeClr val="bg1"/>
-              </a:solidFill>
-              <a:effectLst/>
-              <a:latin typeface="Arial" panose="020B0604020202020204" pitchFamily="34" charset="0"/>
-            </a:endParaRPr>
-          </a:p>
-        </p:txBody>
-      </p:sp>
-      <p:pic>
-        <p:nvPicPr>
-          <p:cNvPr id="1029" name="Picture 5">
-            <a:extLst>
-              <a:ext uri="{FF2B5EF4-FFF2-40B4-BE49-F238E27FC236}">
-                <a16:creationId xmlns:a16="http://schemas.microsoft.com/office/drawing/2014/main" id="{236ED0B5-15A0-42DB-826B-245AF1E7DA19}"/>
-              </a:ext>
-            </a:extLst>
-          </p:cNvPr>
-          <p:cNvPicPr>
-            <a:picLocks noChangeAspect="1" noChangeArrowheads="1"/>
-          </p:cNvPicPr>
-          <p:nvPr/>
-        </p:nvPicPr>
-        <p:blipFill>
-          <a:blip r:embed="rId2">
-            <a:extLst>
-              <a:ext uri="{28A0092B-C50C-407E-A947-70E740481C1C}">
-                <a14:useLocalDpi xmlns:a14="http://schemas.microsoft.com/office/drawing/2010/main" val="0"/>
-              </a:ext>
-            </a:extLst>
-          </a:blip>
-          <a:srcRect/>
-          <a:stretch>
-            <a:fillRect/>
-          </a:stretch>
-        </p:blipFill>
-        <p:spPr bwMode="auto">
-          <a:xfrm>
-            <a:off x="6096000" y="2352675"/>
-            <a:ext cx="5905500" cy="4505325"/>
-          </a:xfrm>
-          <a:prstGeom prst="rect">
-            <a:avLst/>
-          </a:prstGeom>
-          <a:noFill/>
-          <a:extLst>
-            <a:ext uri="{909E8E84-426E-40DD-AFC4-6F175D3DCCD1}">
-              <a14:hiddenFill xmlns:a14="http://schemas.microsoft.com/office/drawing/2010/main">
-                <a:solidFill>
-                  <a:srgbClr val="FFFFFF"/>
-                </a:solidFill>
-              </a14:hiddenFill>
-            </a:ext>
-          </a:extLst>
-        </p:spPr>
-      </p:pic>
-      <p:sp>
-        <p:nvSpPr>
-          <p:cNvPr id="15" name="TextBox 3">
-            <a:extLst>
-              <a:ext uri="{FF2B5EF4-FFF2-40B4-BE49-F238E27FC236}">
-                <a16:creationId xmlns:a16="http://schemas.microsoft.com/office/drawing/2014/main" id="{048EBB94-31CC-4F48-B70E-B62B3DBFE942}"/>
-              </a:ext>
-            </a:extLst>
-          </p:cNvPr>
-          <p:cNvSpPr txBox="1">
-            <a:spLocks noChangeArrowheads="1"/>
-          </p:cNvSpPr>
-          <p:nvPr/>
-        </p:nvSpPr>
-        <p:spPr bwMode="auto">
-          <a:xfrm>
-            <a:off x="1366982" y="251093"/>
-            <a:ext cx="3426691" cy="1323439"/>
-          </a:xfrm>
-          <a:prstGeom prst="rect">
-            <a:avLst/>
-          </a:prstGeom>
-          <a:noFill/>
-          <a:ln>
-            <a:noFill/>
-          </a:ln>
-          <a:extLst>
-            <a:ext uri="{909E8E84-426E-40DD-AFC4-6F175D3DCCD1}">
-              <a14:hiddenFill xmlns:a14="http://schemas.microsoft.com/office/drawing/2010/main">
-                <a:solidFill>
-                  <a:srgbClr val="FFFFFF"/>
-                </a:solidFill>
-              </a14:hiddenFill>
-            </a:ext>
-            <a:ext uri="{91240B29-F687-4F45-9708-019B960494DF}">
-              <a14:hiddenLine xmlns:a14="http://schemas.microsoft.com/office/drawing/2010/main" w="9525">
-                <a:solidFill>
-                  <a:srgbClr val="000000"/>
-                </a:solidFill>
-                <a:miter lim="800000"/>
-                <a:headEnd/>
-                <a:tailEnd/>
-              </a14:hiddenLine>
-            </a:ext>
-          </a:extLst>
-        </p:spPr>
-        <p:txBody>
-          <a:bodyPr wrap="square">
-            <a:spAutoFit/>
-          </a:bodyPr>
-          <a:lstStyle>
-            <a:lvl1pPr>
-              <a:lnSpc>
-                <a:spcPct val="90000"/>
-              </a:lnSpc>
-              <a:spcBef>
-                <a:spcPts val="1000"/>
-              </a:spcBef>
-              <a:buFont typeface="Arial" panose="020B0604020202020204" pitchFamily="34" charset="0"/>
-              <a:buChar char="•"/>
-              <a:defRPr sz="2800">
-                <a:solidFill>
-                  <a:schemeClr val="tx1"/>
-                </a:solidFill>
-                <a:latin typeface="Calibri" panose="020F0502020204030204" pitchFamily="34" charset="0"/>
-              </a:defRPr>
-            </a:lvl1pPr>
-            <a:lvl2pPr marL="742950" indent="-285750">
-              <a:lnSpc>
-                <a:spcPct val="90000"/>
-              </a:lnSpc>
-              <a:spcBef>
-                <a:spcPts val="500"/>
-              </a:spcBef>
-              <a:buFont typeface="Arial" panose="020B0604020202020204" pitchFamily="34" charset="0"/>
-              <a:buChar char="•"/>
-              <a:defRPr sz="2400">
-                <a:solidFill>
-                  <a:schemeClr val="tx1"/>
-                </a:solidFill>
-                <a:latin typeface="Calibri" panose="020F0502020204030204" pitchFamily="34" charset="0"/>
-              </a:defRPr>
-            </a:lvl2pPr>
-            <a:lvl3pPr marL="1143000" indent="-228600">
-              <a:lnSpc>
-                <a:spcPct val="90000"/>
-              </a:lnSpc>
-              <a:spcBef>
-                <a:spcPts val="500"/>
-              </a:spcBef>
-              <a:buFont typeface="Arial" panose="020B0604020202020204" pitchFamily="34" charset="0"/>
-              <a:buChar char="•"/>
-              <a:defRPr sz="2000">
-                <a:solidFill>
-                  <a:schemeClr val="tx1"/>
-                </a:solidFill>
-                <a:latin typeface="Calibri" panose="020F0502020204030204" pitchFamily="34" charset="0"/>
-              </a:defRPr>
-            </a:lvl3pPr>
-            <a:lvl4pPr marL="1600200" indent="-228600">
-              <a:lnSpc>
-                <a:spcPct val="90000"/>
-              </a:lnSpc>
-              <a:spcBef>
-                <a:spcPts val="500"/>
-              </a:spcBef>
-              <a:buFont typeface="Arial" panose="020B0604020202020204" pitchFamily="34" charset="0"/>
-              <a:buChar char="•"/>
-              <a:defRPr>
-                <a:solidFill>
-                  <a:schemeClr val="tx1"/>
-                </a:solidFill>
-                <a:latin typeface="Calibri" panose="020F0502020204030204" pitchFamily="34" charset="0"/>
-              </a:defRPr>
-            </a:lvl4pPr>
-            <a:lvl5pPr marL="2057400" indent="-228600">
-              <a:lnSpc>
-                <a:spcPct val="90000"/>
-              </a:lnSpc>
-              <a:spcBef>
-                <a:spcPts val="500"/>
-              </a:spcBef>
-              <a:buFont typeface="Arial" panose="020B0604020202020204" pitchFamily="34" charset="0"/>
-              <a:buChar char="•"/>
-              <a:defRPr>
-                <a:solidFill>
-                  <a:schemeClr val="tx1"/>
-                </a:solidFill>
-                <a:latin typeface="Calibri" panose="020F0502020204030204" pitchFamily="34" charset="0"/>
-              </a:defRPr>
-            </a:lvl5pPr>
-            <a:lvl6pPr marL="2514600" indent="-228600" eaLnBrk="0" fontAlgn="base" hangingPunct="0">
-              <a:lnSpc>
-                <a:spcPct val="90000"/>
-              </a:lnSpc>
-              <a:spcBef>
-                <a:spcPts val="500"/>
-              </a:spcBef>
-              <a:spcAft>
-                <a:spcPct val="0"/>
-              </a:spcAft>
-              <a:buFont typeface="Arial" panose="020B0604020202020204" pitchFamily="34" charset="0"/>
-              <a:buChar char="•"/>
-              <a:defRPr>
-                <a:solidFill>
-                  <a:schemeClr val="tx1"/>
-                </a:solidFill>
-                <a:latin typeface="Calibri" panose="020F0502020204030204" pitchFamily="34" charset="0"/>
-              </a:defRPr>
-            </a:lvl6pPr>
-            <a:lvl7pPr marL="2971800" indent="-228600" eaLnBrk="0" fontAlgn="base" hangingPunct="0">
-              <a:lnSpc>
-                <a:spcPct val="90000"/>
-              </a:lnSpc>
-              <a:spcBef>
-                <a:spcPts val="500"/>
-              </a:spcBef>
-              <a:spcAft>
-                <a:spcPct val="0"/>
-              </a:spcAft>
-              <a:buFont typeface="Arial" panose="020B0604020202020204" pitchFamily="34" charset="0"/>
-              <a:buChar char="•"/>
-              <a:defRPr>
-                <a:solidFill>
-                  <a:schemeClr val="tx1"/>
-                </a:solidFill>
-                <a:latin typeface="Calibri" panose="020F0502020204030204" pitchFamily="34" charset="0"/>
-              </a:defRPr>
-            </a:lvl7pPr>
-            <a:lvl8pPr marL="3429000" indent="-228600" eaLnBrk="0" fontAlgn="base" hangingPunct="0">
-              <a:lnSpc>
-                <a:spcPct val="90000"/>
-              </a:lnSpc>
-              <a:spcBef>
-                <a:spcPts val="500"/>
-              </a:spcBef>
-              <a:spcAft>
-                <a:spcPct val="0"/>
-              </a:spcAft>
-              <a:buFont typeface="Arial" panose="020B0604020202020204" pitchFamily="34" charset="0"/>
-              <a:buChar char="•"/>
-              <a:defRPr>
-                <a:solidFill>
-                  <a:schemeClr val="tx1"/>
-                </a:solidFill>
-                <a:latin typeface="Calibri" panose="020F0502020204030204" pitchFamily="34" charset="0"/>
-              </a:defRPr>
-            </a:lvl8pPr>
-            <a:lvl9pPr marL="3886200" indent="-228600" eaLnBrk="0" fontAlgn="base" hangingPunct="0">
-              <a:lnSpc>
-                <a:spcPct val="90000"/>
-              </a:lnSpc>
-              <a:spcBef>
-                <a:spcPts val="500"/>
-              </a:spcBef>
-              <a:spcAft>
-                <a:spcPct val="0"/>
-              </a:spcAft>
-              <a:buFont typeface="Arial" panose="020B0604020202020204" pitchFamily="34" charset="0"/>
-              <a:buChar char="•"/>
-              <a:defRPr>
-                <a:solidFill>
-                  <a:schemeClr val="tx1"/>
-                </a:solidFill>
-                <a:latin typeface="Calibri" panose="020F0502020204030204" pitchFamily="34" charset="0"/>
-              </a:defRPr>
-            </a:lvl9pPr>
-          </a:lstStyle>
-          <a:p>
-            <a:pPr algn="ctr" eaLnBrk="1" hangingPunct="1">
-              <a:lnSpc>
-                <a:spcPct val="100000"/>
-              </a:lnSpc>
-              <a:spcBef>
-                <a:spcPct val="0"/>
-              </a:spcBef>
-              <a:buFontTx/>
-              <a:buNone/>
-            </a:pPr>
-            <a:r>
-              <a:rPr lang="en-US" altLang="en-US" sz="4000" dirty="0"/>
-              <a:t>One Period ZID Simulation</a:t>
-            </a:r>
-          </a:p>
-        </p:txBody>
-      </p:sp>
-    </p:spTree>
-    <p:extLst>
-      <p:ext uri="{BB962C8B-B14F-4D97-AF65-F5344CB8AC3E}">
-        <p14:creationId xmlns:p14="http://schemas.microsoft.com/office/powerpoint/2010/main" val="1265261767"/>
-      </p:ext>
-    </p:extLst>
-  </p:cSld>
-  <p:clrMapOvr>
-    <a:overrideClrMapping bg1="dk1" tx1="lt1" bg2="dk2" tx2="lt2" accent1="accent1" accent2="accent2" accent3="accent3" accent4="accent4" accent5="accent5" accent6="accent6" hlink="hlink" folHlink="folHlink"/>
   </p:clrMapOvr>
 </p:sld>
 </file>

--- a/talks/ZI Conference Talk V2.pptx
+++ b/talks/ZI Conference Talk V2.pptx
@@ -5,38 +5,39 @@
     <p:sldMasterId id="2147483648" r:id="rId1"/>
   </p:sldMasterIdLst>
   <p:notesMasterIdLst>
-    <p:notesMasterId r:id="rId31"/>
+    <p:notesMasterId r:id="rId32"/>
   </p:notesMasterIdLst>
   <p:sldIdLst>
     <p:sldId id="286" r:id="rId2"/>
     <p:sldId id="458" r:id="rId3"/>
-    <p:sldId id="471" r:id="rId4"/>
-    <p:sldId id="472" r:id="rId5"/>
-    <p:sldId id="505" r:id="rId6"/>
-    <p:sldId id="492" r:id="rId7"/>
-    <p:sldId id="473" r:id="rId8"/>
-    <p:sldId id="474" r:id="rId9"/>
-    <p:sldId id="476" r:id="rId10"/>
-    <p:sldId id="469" r:id="rId11"/>
-    <p:sldId id="504" r:id="rId12"/>
-    <p:sldId id="502" r:id="rId13"/>
-    <p:sldId id="503" r:id="rId14"/>
-    <p:sldId id="479" r:id="rId15"/>
-    <p:sldId id="477" r:id="rId16"/>
-    <p:sldId id="478" r:id="rId17"/>
-    <p:sldId id="480" r:id="rId18"/>
-    <p:sldId id="494" r:id="rId19"/>
-    <p:sldId id="491" r:id="rId20"/>
-    <p:sldId id="485" r:id="rId21"/>
-    <p:sldId id="496" r:id="rId22"/>
-    <p:sldId id="493" r:id="rId23"/>
-    <p:sldId id="498" r:id="rId24"/>
-    <p:sldId id="499" r:id="rId25"/>
-    <p:sldId id="487" r:id="rId26"/>
-    <p:sldId id="500" r:id="rId27"/>
-    <p:sldId id="497" r:id="rId28"/>
-    <p:sldId id="488" r:id="rId29"/>
-    <p:sldId id="357" r:id="rId30"/>
+    <p:sldId id="506" r:id="rId4"/>
+    <p:sldId id="471" r:id="rId5"/>
+    <p:sldId id="472" r:id="rId6"/>
+    <p:sldId id="505" r:id="rId7"/>
+    <p:sldId id="492" r:id="rId8"/>
+    <p:sldId id="473" r:id="rId9"/>
+    <p:sldId id="474" r:id="rId10"/>
+    <p:sldId id="476" r:id="rId11"/>
+    <p:sldId id="469" r:id="rId12"/>
+    <p:sldId id="504" r:id="rId13"/>
+    <p:sldId id="502" r:id="rId14"/>
+    <p:sldId id="503" r:id="rId15"/>
+    <p:sldId id="479" r:id="rId16"/>
+    <p:sldId id="477" r:id="rId17"/>
+    <p:sldId id="478" r:id="rId18"/>
+    <p:sldId id="480" r:id="rId19"/>
+    <p:sldId id="494" r:id="rId20"/>
+    <p:sldId id="491" r:id="rId21"/>
+    <p:sldId id="485" r:id="rId22"/>
+    <p:sldId id="496" r:id="rId23"/>
+    <p:sldId id="493" r:id="rId24"/>
+    <p:sldId id="498" r:id="rId25"/>
+    <p:sldId id="499" r:id="rId26"/>
+    <p:sldId id="487" r:id="rId27"/>
+    <p:sldId id="500" r:id="rId28"/>
+    <p:sldId id="497" r:id="rId29"/>
+    <p:sldId id="488" r:id="rId30"/>
+    <p:sldId id="357" r:id="rId31"/>
   </p:sldIdLst>
   <p:sldSz cx="12192000" cy="6858000"/>
   <p:notesSz cx="6858000" cy="9144000"/>
@@ -4740,6 +4741,477 @@
 <file path=ppt/slides/slide10.xml><?xml version="1.0" encoding="utf-8"?>
 <p:sld xmlns:a="http://schemas.openxmlformats.org/drawingml/2006/main" xmlns:r="http://schemas.openxmlformats.org/officeDocument/2006/relationships" xmlns:p="http://schemas.openxmlformats.org/presentationml/2006/main">
   <p:cSld>
+    <p:spTree>
+      <p:nvGrpSpPr>
+        <p:cNvPr id="1" name=""/>
+        <p:cNvGrpSpPr/>
+        <p:nvPr/>
+      </p:nvGrpSpPr>
+      <p:grpSpPr>
+        <a:xfrm>
+          <a:off x="0" y="0"/>
+          <a:ext cx="0" cy="0"/>
+          <a:chOff x="0" y="0"/>
+          <a:chExt cx="0" cy="0"/>
+        </a:xfrm>
+      </p:grpSpPr>
+      <p:pic>
+        <p:nvPicPr>
+          <p:cNvPr id="3" name="Picture 2">
+            <a:extLst>
+              <a:ext uri="{FF2B5EF4-FFF2-40B4-BE49-F238E27FC236}">
+                <a16:creationId xmlns:a16="http://schemas.microsoft.com/office/drawing/2014/main" id="{1CFE2773-D69F-4425-8922-8451A2E36149}"/>
+              </a:ext>
+            </a:extLst>
+          </p:cNvPr>
+          <p:cNvPicPr>
+            <a:picLocks noChangeAspect="1"/>
+          </p:cNvPicPr>
+          <p:nvPr/>
+        </p:nvPicPr>
+        <p:blipFill>
+          <a:blip r:embed="rId2"/>
+          <a:stretch>
+            <a:fillRect/>
+          </a:stretch>
+        </p:blipFill>
+        <p:spPr>
+          <a:xfrm>
+            <a:off x="1426533" y="1487966"/>
+            <a:ext cx="9972675" cy="6362700"/>
+          </a:xfrm>
+          <a:prstGeom prst="rect">
+            <a:avLst/>
+          </a:prstGeom>
+        </p:spPr>
+      </p:pic>
+      <p:sp>
+        <p:nvSpPr>
+          <p:cNvPr id="4" name="Rectangle 3">
+            <a:extLst>
+              <a:ext uri="{FF2B5EF4-FFF2-40B4-BE49-F238E27FC236}">
+                <a16:creationId xmlns:a16="http://schemas.microsoft.com/office/drawing/2014/main" id="{D26C1427-A827-4BB0-AEA1-9E90150C10EB}"/>
+              </a:ext>
+            </a:extLst>
+          </p:cNvPr>
+          <p:cNvSpPr/>
+          <p:nvPr/>
+        </p:nvSpPr>
+        <p:spPr>
+          <a:xfrm>
+            <a:off x="2479040" y="3211357"/>
+            <a:ext cx="8747760" cy="335280"/>
+          </a:xfrm>
+          <a:prstGeom prst="rect">
+            <a:avLst/>
+          </a:prstGeom>
+          <a:noFill/>
+        </p:spPr>
+        <p:style>
+          <a:lnRef idx="2">
+            <a:schemeClr val="accent1">
+              <a:shade val="50000"/>
+            </a:schemeClr>
+          </a:lnRef>
+          <a:fillRef idx="1">
+            <a:schemeClr val="accent1"/>
+          </a:fillRef>
+          <a:effectRef idx="0">
+            <a:schemeClr val="accent1"/>
+          </a:effectRef>
+          <a:fontRef idx="minor">
+            <a:schemeClr val="lt1"/>
+          </a:fontRef>
+        </p:style>
+        <p:txBody>
+          <a:bodyPr rtlCol="0" anchor="ctr"/>
+          <a:lstStyle/>
+          <a:p>
+            <a:pPr algn="ctr"/>
+            <a:endParaRPr lang="en-US"/>
+          </a:p>
+        </p:txBody>
+      </p:sp>
+      <p:sp>
+        <p:nvSpPr>
+          <p:cNvPr id="5" name="Rectangle 4">
+            <a:extLst>
+              <a:ext uri="{FF2B5EF4-FFF2-40B4-BE49-F238E27FC236}">
+                <a16:creationId xmlns:a16="http://schemas.microsoft.com/office/drawing/2014/main" id="{8F92E321-E493-4D4B-92C0-7D77A9BBE894}"/>
+              </a:ext>
+            </a:extLst>
+          </p:cNvPr>
+          <p:cNvSpPr/>
+          <p:nvPr/>
+        </p:nvSpPr>
+        <p:spPr>
+          <a:xfrm>
+            <a:off x="3058160" y="4934746"/>
+            <a:ext cx="8168640" cy="857251"/>
+          </a:xfrm>
+          <a:prstGeom prst="rect">
+            <a:avLst/>
+          </a:prstGeom>
+          <a:noFill/>
+        </p:spPr>
+        <p:style>
+          <a:lnRef idx="2">
+            <a:schemeClr val="accent1">
+              <a:shade val="50000"/>
+            </a:schemeClr>
+          </a:lnRef>
+          <a:fillRef idx="1">
+            <a:schemeClr val="accent1"/>
+          </a:fillRef>
+          <a:effectRef idx="0">
+            <a:schemeClr val="accent1"/>
+          </a:effectRef>
+          <a:fontRef idx="minor">
+            <a:schemeClr val="lt1"/>
+          </a:fontRef>
+        </p:style>
+        <p:txBody>
+          <a:bodyPr rtlCol="0" anchor="ctr"/>
+          <a:lstStyle/>
+          <a:p>
+            <a:pPr algn="ctr"/>
+            <a:endParaRPr lang="en-US"/>
+          </a:p>
+        </p:txBody>
+      </p:sp>
+      <p:sp>
+        <p:nvSpPr>
+          <p:cNvPr id="2" name="Rectangle 1">
+            <a:extLst>
+              <a:ext uri="{FF2B5EF4-FFF2-40B4-BE49-F238E27FC236}">
+                <a16:creationId xmlns:a16="http://schemas.microsoft.com/office/drawing/2014/main" id="{C86CAE76-70E9-4E67-84D2-CFEC47D12E28}"/>
+              </a:ext>
+            </a:extLst>
+          </p:cNvPr>
+          <p:cNvSpPr/>
+          <p:nvPr/>
+        </p:nvSpPr>
+        <p:spPr>
+          <a:xfrm>
+            <a:off x="2888055" y="6355523"/>
+            <a:ext cx="8102852" cy="1495143"/>
+          </a:xfrm>
+          <a:prstGeom prst="rect">
+            <a:avLst/>
+          </a:prstGeom>
+          <a:solidFill>
+            <a:schemeClr val="bg1"/>
+          </a:solidFill>
+          <a:ln>
+            <a:solidFill>
+              <a:schemeClr val="bg1"/>
+            </a:solidFill>
+          </a:ln>
+        </p:spPr>
+        <p:style>
+          <a:lnRef idx="2">
+            <a:schemeClr val="accent1">
+              <a:shade val="50000"/>
+            </a:schemeClr>
+          </a:lnRef>
+          <a:fillRef idx="1">
+            <a:schemeClr val="accent1"/>
+          </a:fillRef>
+          <a:effectRef idx="0">
+            <a:schemeClr val="accent1"/>
+          </a:effectRef>
+          <a:fontRef idx="minor">
+            <a:schemeClr val="lt1"/>
+          </a:fontRef>
+        </p:style>
+        <p:txBody>
+          <a:bodyPr rtlCol="0" anchor="ctr"/>
+          <a:lstStyle/>
+          <a:p>
+            <a:pPr algn="ctr"/>
+            <a:endParaRPr lang="en-US"/>
+          </a:p>
+        </p:txBody>
+      </p:sp>
+      <p:cxnSp>
+        <p:nvCxnSpPr>
+          <p:cNvPr id="6" name="Straight Connector 5">
+            <a:extLst>
+              <a:ext uri="{FF2B5EF4-FFF2-40B4-BE49-F238E27FC236}">
+                <a16:creationId xmlns:a16="http://schemas.microsoft.com/office/drawing/2014/main" id="{F84529F4-4528-409F-8035-8AAB785BE82C}"/>
+              </a:ext>
+            </a:extLst>
+          </p:cNvPr>
+          <p:cNvCxnSpPr/>
+          <p:nvPr/>
+        </p:nvCxnSpPr>
+        <p:spPr>
+          <a:xfrm>
+            <a:off x="1533525" y="373063"/>
+            <a:ext cx="0" cy="690562"/>
+          </a:xfrm>
+          <a:prstGeom prst="line">
+            <a:avLst/>
+          </a:prstGeom>
+          <a:ln w="28575"/>
+        </p:spPr>
+        <p:style>
+          <a:lnRef idx="1">
+            <a:schemeClr val="accent1"/>
+          </a:lnRef>
+          <a:fillRef idx="0">
+            <a:schemeClr val="accent1"/>
+          </a:fillRef>
+          <a:effectRef idx="0">
+            <a:schemeClr val="accent1"/>
+          </a:effectRef>
+          <a:fontRef idx="minor">
+            <a:schemeClr val="tx1"/>
+          </a:fontRef>
+        </p:style>
+      </p:cxnSp>
+      <p:sp>
+        <p:nvSpPr>
+          <p:cNvPr id="7" name="TextBox 3">
+            <a:extLst>
+              <a:ext uri="{FF2B5EF4-FFF2-40B4-BE49-F238E27FC236}">
+                <a16:creationId xmlns:a16="http://schemas.microsoft.com/office/drawing/2014/main" id="{A576E21E-4D7A-473B-997D-63216282B29B}"/>
+              </a:ext>
+            </a:extLst>
+          </p:cNvPr>
+          <p:cNvSpPr txBox="1">
+            <a:spLocks noChangeArrowheads="1"/>
+          </p:cNvSpPr>
+          <p:nvPr/>
+        </p:nvSpPr>
+        <p:spPr bwMode="auto">
+          <a:xfrm>
+            <a:off x="1727200" y="355600"/>
+            <a:ext cx="9438674" cy="707886"/>
+          </a:xfrm>
+          <a:prstGeom prst="rect">
+            <a:avLst/>
+          </a:prstGeom>
+          <a:noFill/>
+          <a:ln>
+            <a:noFill/>
+          </a:ln>
+          <a:extLst>
+            <a:ext uri="{909E8E84-426E-40DD-AFC4-6F175D3DCCD1}">
+              <a14:hiddenFill xmlns:a14="http://schemas.microsoft.com/office/drawing/2010/main">
+                <a:solidFill>
+                  <a:srgbClr val="FFFFFF"/>
+                </a:solidFill>
+              </a14:hiddenFill>
+            </a:ext>
+            <a:ext uri="{91240B29-F687-4F45-9708-019B960494DF}">
+              <a14:hiddenLine xmlns:a14="http://schemas.microsoft.com/office/drawing/2010/main" w="9525">
+                <a:solidFill>
+                  <a:srgbClr val="000000"/>
+                </a:solidFill>
+                <a:miter lim="800000"/>
+                <a:headEnd/>
+                <a:tailEnd/>
+              </a14:hiddenLine>
+            </a:ext>
+          </a:extLst>
+        </p:spPr>
+        <p:txBody>
+          <a:bodyPr wrap="none">
+            <a:spAutoFit/>
+          </a:bodyPr>
+          <a:lstStyle>
+            <a:lvl1pPr>
+              <a:lnSpc>
+                <a:spcPct val="90000"/>
+              </a:lnSpc>
+              <a:spcBef>
+                <a:spcPts val="1000"/>
+              </a:spcBef>
+              <a:buFont typeface="Arial" panose="020B0604020202020204" pitchFamily="34" charset="0"/>
+              <a:buChar char="•"/>
+              <a:defRPr sz="2800">
+                <a:solidFill>
+                  <a:schemeClr val="tx1"/>
+                </a:solidFill>
+                <a:latin typeface="Calibri" panose="020F0502020204030204" pitchFamily="34" charset="0"/>
+              </a:defRPr>
+            </a:lvl1pPr>
+            <a:lvl2pPr marL="742950" indent="-285750">
+              <a:lnSpc>
+                <a:spcPct val="90000"/>
+              </a:lnSpc>
+              <a:spcBef>
+                <a:spcPts val="500"/>
+              </a:spcBef>
+              <a:buFont typeface="Arial" panose="020B0604020202020204" pitchFamily="34" charset="0"/>
+              <a:buChar char="•"/>
+              <a:defRPr sz="2400">
+                <a:solidFill>
+                  <a:schemeClr val="tx1"/>
+                </a:solidFill>
+                <a:latin typeface="Calibri" panose="020F0502020204030204" pitchFamily="34" charset="0"/>
+              </a:defRPr>
+            </a:lvl2pPr>
+            <a:lvl3pPr marL="1143000" indent="-228600">
+              <a:lnSpc>
+                <a:spcPct val="90000"/>
+              </a:lnSpc>
+              <a:spcBef>
+                <a:spcPts val="500"/>
+              </a:spcBef>
+              <a:buFont typeface="Arial" panose="020B0604020202020204" pitchFamily="34" charset="0"/>
+              <a:buChar char="•"/>
+              <a:defRPr sz="2000">
+                <a:solidFill>
+                  <a:schemeClr val="tx1"/>
+                </a:solidFill>
+                <a:latin typeface="Calibri" panose="020F0502020204030204" pitchFamily="34" charset="0"/>
+              </a:defRPr>
+            </a:lvl3pPr>
+            <a:lvl4pPr marL="1600200" indent="-228600">
+              <a:lnSpc>
+                <a:spcPct val="90000"/>
+              </a:lnSpc>
+              <a:spcBef>
+                <a:spcPts val="500"/>
+              </a:spcBef>
+              <a:buFont typeface="Arial" panose="020B0604020202020204" pitchFamily="34" charset="0"/>
+              <a:buChar char="•"/>
+              <a:defRPr>
+                <a:solidFill>
+                  <a:schemeClr val="tx1"/>
+                </a:solidFill>
+                <a:latin typeface="Calibri" panose="020F0502020204030204" pitchFamily="34" charset="0"/>
+              </a:defRPr>
+            </a:lvl4pPr>
+            <a:lvl5pPr marL="2057400" indent="-228600">
+              <a:lnSpc>
+                <a:spcPct val="90000"/>
+              </a:lnSpc>
+              <a:spcBef>
+                <a:spcPts val="500"/>
+              </a:spcBef>
+              <a:buFont typeface="Arial" panose="020B0604020202020204" pitchFamily="34" charset="0"/>
+              <a:buChar char="•"/>
+              <a:defRPr>
+                <a:solidFill>
+                  <a:schemeClr val="tx1"/>
+                </a:solidFill>
+                <a:latin typeface="Calibri" panose="020F0502020204030204" pitchFamily="34" charset="0"/>
+              </a:defRPr>
+            </a:lvl5pPr>
+            <a:lvl6pPr marL="2514600" indent="-228600" eaLnBrk="0" fontAlgn="base" hangingPunct="0">
+              <a:lnSpc>
+                <a:spcPct val="90000"/>
+              </a:lnSpc>
+              <a:spcBef>
+                <a:spcPts val="500"/>
+              </a:spcBef>
+              <a:spcAft>
+                <a:spcPct val="0"/>
+              </a:spcAft>
+              <a:buFont typeface="Arial" panose="020B0604020202020204" pitchFamily="34" charset="0"/>
+              <a:buChar char="•"/>
+              <a:defRPr>
+                <a:solidFill>
+                  <a:schemeClr val="tx1"/>
+                </a:solidFill>
+                <a:latin typeface="Calibri" panose="020F0502020204030204" pitchFamily="34" charset="0"/>
+              </a:defRPr>
+            </a:lvl6pPr>
+            <a:lvl7pPr marL="2971800" indent="-228600" eaLnBrk="0" fontAlgn="base" hangingPunct="0">
+              <a:lnSpc>
+                <a:spcPct val="90000"/>
+              </a:lnSpc>
+              <a:spcBef>
+                <a:spcPts val="500"/>
+              </a:spcBef>
+              <a:spcAft>
+                <a:spcPct val="0"/>
+              </a:spcAft>
+              <a:buFont typeface="Arial" panose="020B0604020202020204" pitchFamily="34" charset="0"/>
+              <a:buChar char="•"/>
+              <a:defRPr>
+                <a:solidFill>
+                  <a:schemeClr val="tx1"/>
+                </a:solidFill>
+                <a:latin typeface="Calibri" panose="020F0502020204030204" pitchFamily="34" charset="0"/>
+              </a:defRPr>
+            </a:lvl7pPr>
+            <a:lvl8pPr marL="3429000" indent="-228600" eaLnBrk="0" fontAlgn="base" hangingPunct="0">
+              <a:lnSpc>
+                <a:spcPct val="90000"/>
+              </a:lnSpc>
+              <a:spcBef>
+                <a:spcPts val="500"/>
+              </a:spcBef>
+              <a:spcAft>
+                <a:spcPct val="0"/>
+              </a:spcAft>
+              <a:buFont typeface="Arial" panose="020B0604020202020204" pitchFamily="34" charset="0"/>
+              <a:buChar char="•"/>
+              <a:defRPr>
+                <a:solidFill>
+                  <a:schemeClr val="tx1"/>
+                </a:solidFill>
+                <a:latin typeface="Calibri" panose="020F0502020204030204" pitchFamily="34" charset="0"/>
+              </a:defRPr>
+            </a:lvl8pPr>
+            <a:lvl9pPr marL="3886200" indent="-228600" eaLnBrk="0" fontAlgn="base" hangingPunct="0">
+              <a:lnSpc>
+                <a:spcPct val="90000"/>
+              </a:lnSpc>
+              <a:spcBef>
+                <a:spcPts val="500"/>
+              </a:spcBef>
+              <a:spcAft>
+                <a:spcPct val="0"/>
+              </a:spcAft>
+              <a:buFont typeface="Arial" panose="020B0604020202020204" pitchFamily="34" charset="0"/>
+              <a:buChar char="•"/>
+              <a:defRPr>
+                <a:solidFill>
+                  <a:schemeClr val="tx1"/>
+                </a:solidFill>
+                <a:latin typeface="Calibri" panose="020F0502020204030204" pitchFamily="34" charset="0"/>
+              </a:defRPr>
+            </a:lvl9pPr>
+          </a:lstStyle>
+          <a:p>
+            <a:pPr eaLnBrk="1" hangingPunct="1">
+              <a:lnSpc>
+                <a:spcPct val="100000"/>
+              </a:lnSpc>
+              <a:spcBef>
+                <a:spcPct val="0"/>
+              </a:spcBef>
+              <a:buFontTx/>
+              <a:buNone/>
+            </a:pPr>
+            <a:r>
+              <a:rPr lang="en-US" altLang="en-US" sz="4000" dirty="0"/>
+              <a:t>ZID Budget Constrained Strategy (continued)</a:t>
+            </a:r>
+          </a:p>
+        </p:txBody>
+      </p:sp>
+    </p:spTree>
+    <p:extLst>
+      <p:ext uri="{BB962C8B-B14F-4D97-AF65-F5344CB8AC3E}">
+        <p14:creationId xmlns:p14="http://schemas.microsoft.com/office/powerpoint/2010/main" val="2256713816"/>
+      </p:ext>
+    </p:extLst>
+  </p:cSld>
+  <p:clrMapOvr>
+    <a:masterClrMapping/>
+  </p:clrMapOvr>
+</p:sld>
+</file>
+
+<file path=ppt/slides/slide11.xml><?xml version="1.0" encoding="utf-8"?>
+<p:sld xmlns:a="http://schemas.openxmlformats.org/drawingml/2006/main" xmlns:r="http://schemas.openxmlformats.org/officeDocument/2006/relationships" xmlns:p="http://schemas.openxmlformats.org/presentationml/2006/main">
+  <p:cSld>
     <p:bg>
       <p:bgPr>
         <a:solidFill>
@@ -5680,7 +6152,7 @@
 </p:sld>
 </file>
 
-<file path=ppt/slides/slide11.xml><?xml version="1.0" encoding="utf-8"?>
+<file path=ppt/slides/slide12.xml><?xml version="1.0" encoding="utf-8"?>
 <p:sld xmlns:a="http://schemas.openxmlformats.org/drawingml/2006/main" xmlns:r="http://schemas.openxmlformats.org/officeDocument/2006/relationships" xmlns:p="http://schemas.openxmlformats.org/presentationml/2006/main">
   <p:cSld>
     <p:spTree>
@@ -6232,7 +6704,7 @@
 </p:sld>
 </file>
 
-<file path=ppt/slides/slide12.xml><?xml version="1.0" encoding="utf-8"?>
+<file path=ppt/slides/slide13.xml><?xml version="1.0" encoding="utf-8"?>
 <p:sld xmlns:a="http://schemas.openxmlformats.org/drawingml/2006/main" xmlns:r="http://schemas.openxmlformats.org/officeDocument/2006/relationships" xmlns:p="http://schemas.openxmlformats.org/presentationml/2006/main">
   <p:cSld>
     <p:spTree>
@@ -6611,6 +7083,53 @@
           </a:p>
         </p:txBody>
       </p:sp>
+      <p:sp>
+        <p:nvSpPr>
+          <p:cNvPr id="5" name="Rectangle 4">
+            <a:extLst>
+              <a:ext uri="{FF2B5EF4-FFF2-40B4-BE49-F238E27FC236}">
+                <a16:creationId xmlns:a16="http://schemas.microsoft.com/office/drawing/2014/main" id="{27C8956D-019B-47FB-BBCD-E0CC1479B979}"/>
+              </a:ext>
+            </a:extLst>
+          </p:cNvPr>
+          <p:cNvSpPr/>
+          <p:nvPr/>
+        </p:nvSpPr>
+        <p:spPr>
+          <a:xfrm>
+            <a:off x="1402079" y="3712529"/>
+            <a:ext cx="9333459" cy="1696269"/>
+          </a:xfrm>
+          <a:prstGeom prst="rect">
+            <a:avLst/>
+          </a:prstGeom>
+          <a:noFill/>
+        </p:spPr>
+        <p:style>
+          <a:lnRef idx="2">
+            <a:schemeClr val="accent1">
+              <a:shade val="50000"/>
+            </a:schemeClr>
+          </a:lnRef>
+          <a:fillRef idx="1">
+            <a:schemeClr val="accent1"/>
+          </a:fillRef>
+          <a:effectRef idx="0">
+            <a:schemeClr val="accent1"/>
+          </a:effectRef>
+          <a:fontRef idx="minor">
+            <a:schemeClr val="lt1"/>
+          </a:fontRef>
+        </p:style>
+        <p:txBody>
+          <a:bodyPr rtlCol="0" anchor="ctr"/>
+          <a:lstStyle/>
+          <a:p>
+            <a:pPr algn="ctr"/>
+            <a:endParaRPr lang="en-US"/>
+          </a:p>
+        </p:txBody>
+      </p:sp>
     </p:spTree>
     <p:extLst>
       <p:ext uri="{BB962C8B-B14F-4D97-AF65-F5344CB8AC3E}">
@@ -6624,7 +7143,7 @@
 </p:sld>
 </file>
 
-<file path=ppt/slides/slide13.xml><?xml version="1.0" encoding="utf-8"?>
+<file path=ppt/slides/slide14.xml><?xml version="1.0" encoding="utf-8"?>
 <p:sld xmlns:a="http://schemas.openxmlformats.org/drawingml/2006/main" xmlns:r="http://schemas.openxmlformats.org/officeDocument/2006/relationships" xmlns:p="http://schemas.openxmlformats.org/presentationml/2006/main">
   <p:cSld>
     <p:spTree>
@@ -7411,7 +7930,7 @@
 </p:sld>
 </file>
 
-<file path=ppt/slides/slide14.xml><?xml version="1.0" encoding="utf-8"?>
+<file path=ppt/slides/slide15.xml><?xml version="1.0" encoding="utf-8"?>
 <p:sld xmlns:a="http://schemas.openxmlformats.org/drawingml/2006/main" xmlns:r="http://schemas.openxmlformats.org/officeDocument/2006/relationships" xmlns:p="http://schemas.openxmlformats.org/presentationml/2006/main">
   <p:cSld>
     <p:spTree>
@@ -7704,7 +8223,7 @@
 </p:sld>
 </file>
 
-<file path=ppt/slides/slide15.xml><?xml version="1.0" encoding="utf-8"?>
+<file path=ppt/slides/slide16.xml><?xml version="1.0" encoding="utf-8"?>
 <p:sld xmlns:a="http://schemas.openxmlformats.org/drawingml/2006/main" xmlns:r="http://schemas.openxmlformats.org/officeDocument/2006/relationships" xmlns:p="http://schemas.openxmlformats.org/presentationml/2006/main">
   <p:cSld>
     <p:bg>
@@ -8479,7 +8998,7 @@
 </p:sld>
 </file>
 
-<file path=ppt/slides/slide16.xml><?xml version="1.0" encoding="utf-8"?>
+<file path=ppt/slides/slide17.xml><?xml version="1.0" encoding="utf-8"?>
 <p:sld xmlns:a="http://schemas.openxmlformats.org/drawingml/2006/main" xmlns:r="http://schemas.openxmlformats.org/officeDocument/2006/relationships" xmlns:p="http://schemas.openxmlformats.org/presentationml/2006/main">
   <p:cSld>
     <p:bg>
@@ -9263,7 +9782,7 @@
 </p:sld>
 </file>
 
-<file path=ppt/slides/slide17.xml><?xml version="1.0" encoding="utf-8"?>
+<file path=ppt/slides/slide18.xml><?xml version="1.0" encoding="utf-8"?>
 <p:sld xmlns:a="http://schemas.openxmlformats.org/drawingml/2006/main" xmlns:r="http://schemas.openxmlformats.org/officeDocument/2006/relationships" xmlns:p="http://schemas.openxmlformats.org/presentationml/2006/main">
   <p:cSld>
     <p:bg>
@@ -10047,7 +10566,7 @@
 </p:sld>
 </file>
 
-<file path=ppt/slides/slide18.xml><?xml version="1.0" encoding="utf-8"?>
+<file path=ppt/slides/slide19.xml><?xml version="1.0" encoding="utf-8"?>
 <p:sld xmlns:a="http://schemas.openxmlformats.org/drawingml/2006/main" xmlns:r="http://schemas.openxmlformats.org/officeDocument/2006/relationships" xmlns:p="http://schemas.openxmlformats.org/presentationml/2006/main">
   <p:cSld>
     <p:spTree>
@@ -10079,7 +10598,7 @@
         <p:spPr>
           <a:xfrm>
             <a:off x="1208405" y="1351508"/>
-            <a:ext cx="9567876" cy="4154984"/>
+            <a:ext cx="9914894" cy="4154984"/>
           </a:xfrm>
           <a:prstGeom prst="rect">
             <a:avLst/>
@@ -10152,7 +10671,7 @@
           <a:p>
             <a:r>
               <a:rPr lang="en-US" sz="2400" dirty="0"/>
-              <a:t>      MOVE     -&gt; if contract at point -&gt; don’t move (dx, </a:t>
+              <a:t>      MOVE     -&gt; if contract at period -&gt; don’t move at period + 1; (dx, </a:t>
             </a:r>
             <a:r>
               <a:rPr lang="en-US" sz="2400" dirty="0" err="1"/>
@@ -10453,950 +10972,57 @@
           </a:p>
         </p:txBody>
       </p:sp>
-    </p:spTree>
-    <p:extLst>
-      <p:ext uri="{BB962C8B-B14F-4D97-AF65-F5344CB8AC3E}">
-        <p14:creationId xmlns:p14="http://schemas.microsoft.com/office/powerpoint/2010/main" val="1145590896"/>
-      </p:ext>
-    </p:extLst>
-  </p:cSld>
-  <p:clrMapOvr>
-    <a:masterClrMapping/>
-  </p:clrMapOvr>
-</p:sld>
-</file>
-
-<file path=ppt/slides/slide19.xml><?xml version="1.0" encoding="utf-8"?>
-<p:sld xmlns:a="http://schemas.openxmlformats.org/drawingml/2006/main" xmlns:r="http://schemas.openxmlformats.org/officeDocument/2006/relationships" xmlns:p="http://schemas.openxmlformats.org/presentationml/2006/main">
-  <p:cSld>
-    <p:spTree>
-      <p:nvGrpSpPr>
-        <p:cNvPr id="1" name=""/>
-        <p:cNvGrpSpPr/>
-        <p:nvPr/>
-      </p:nvGrpSpPr>
-      <p:grpSpPr>
-        <a:xfrm>
-          <a:off x="0" y="0"/>
-          <a:ext cx="0" cy="0"/>
-          <a:chOff x="0" y="0"/>
-          <a:chExt cx="0" cy="0"/>
-        </a:xfrm>
-      </p:grpSpPr>
-      <p:pic>
-        <p:nvPicPr>
-          <p:cNvPr id="1029" name="Picture 5">
+      <p:sp>
+        <p:nvSpPr>
+          <p:cNvPr id="7" name="Rectangle 6">
             <a:extLst>
               <a:ext uri="{FF2B5EF4-FFF2-40B4-BE49-F238E27FC236}">
-                <a16:creationId xmlns:a16="http://schemas.microsoft.com/office/drawing/2014/main" id="{A071686D-847F-4F8F-B0B5-BCFEB23E0209}"/>
+                <a16:creationId xmlns:a16="http://schemas.microsoft.com/office/drawing/2014/main" id="{B12915E0-E1DF-4123-816A-FACB4B145055}"/>
               </a:ext>
             </a:extLst>
           </p:cNvPr>
-          <p:cNvPicPr>
-            <a:picLocks noChangeAspect="1" noChangeArrowheads="1"/>
-          </p:cNvPicPr>
+          <p:cNvSpPr/>
           <p:nvPr/>
-        </p:nvPicPr>
-        <p:blipFill>
-          <a:blip r:embed="rId2">
-            <a:extLst>
-              <a:ext uri="{28A0092B-C50C-407E-A947-70E740481C1C}">
-                <a14:useLocalDpi xmlns:a14="http://schemas.microsoft.com/office/drawing/2010/main" val="0"/>
-              </a:ext>
-            </a:extLst>
-          </a:blip>
-          <a:srcRect/>
-          <a:stretch>
-            <a:fillRect/>
-          </a:stretch>
-        </p:blipFill>
-        <p:spPr bwMode="auto">
+        </p:nvSpPr>
+        <p:spPr>
           <a:xfrm>
-            <a:off x="6175689" y="1173278"/>
-            <a:ext cx="4775987" cy="3846896"/>
+            <a:off x="1121420" y="3576727"/>
+            <a:ext cx="10132031" cy="1696269"/>
           </a:xfrm>
           <a:prstGeom prst="rect">
             <a:avLst/>
           </a:prstGeom>
           <a:noFill/>
-          <a:extLst>
-            <a:ext uri="{909E8E84-426E-40DD-AFC4-6F175D3DCCD1}">
-              <a14:hiddenFill xmlns:a14="http://schemas.microsoft.com/office/drawing/2010/main">
-                <a:solidFill>
-                  <a:srgbClr val="FFFFFF"/>
-                </a:solidFill>
-              </a14:hiddenFill>
-            </a:ext>
-          </a:extLst>
-        </p:spPr>
-      </p:pic>
-      <p:sp>
-        <p:nvSpPr>
-          <p:cNvPr id="3" name="Rectangle 6">
-            <a:extLst>
-              <a:ext uri="{FF2B5EF4-FFF2-40B4-BE49-F238E27FC236}">
-                <a16:creationId xmlns:a16="http://schemas.microsoft.com/office/drawing/2014/main" id="{55BEF983-A099-4906-8D17-047D23DE8773}"/>
-              </a:ext>
-            </a:extLst>
-          </p:cNvPr>
-          <p:cNvSpPr>
-            <a:spLocks noChangeArrowheads="1"/>
-          </p:cNvSpPr>
-          <p:nvPr/>
-        </p:nvSpPr>
-        <p:spPr bwMode="auto">
-          <a:xfrm>
-            <a:off x="8955763" y="5636123"/>
-            <a:ext cx="3204928" cy="584775"/>
-          </a:xfrm>
-          <a:prstGeom prst="rect">
-            <a:avLst/>
-          </a:prstGeom>
-          <a:noFill/>
-          <a:ln>
-            <a:noFill/>
-          </a:ln>
-          <a:effectLst/>
-          <a:extLst>
-            <a:ext uri="{909E8E84-426E-40DD-AFC4-6F175D3DCCD1}">
-              <a14:hiddenFill xmlns:a14="http://schemas.microsoft.com/office/drawing/2010/main">
-                <a:solidFill>
-                  <a:schemeClr val="accent1"/>
-                </a:solidFill>
-              </a14:hiddenFill>
-            </a:ext>
-            <a:ext uri="{91240B29-F687-4F45-9708-019B960494DF}">
-              <a14:hiddenLine xmlns:a14="http://schemas.microsoft.com/office/drawing/2010/main" w="9525">
-                <a:solidFill>
-                  <a:schemeClr val="tx1"/>
-                </a:solidFill>
-                <a:miter lim="800000"/>
-                <a:headEnd/>
-                <a:tailEnd/>
-              </a14:hiddenLine>
-            </a:ext>
-            <a:ext uri="{AF507438-7753-43E0-B8FC-AC1667EBCBE1}">
-              <a14:hiddenEffects xmlns:a14="http://schemas.microsoft.com/office/drawing/2010/main">
-                <a:effectLst>
-                  <a:outerShdw dist="35921" dir="2700000" algn="ctr" rotWithShape="0">
-                    <a:schemeClr val="bg2"/>
-                  </a:outerShdw>
-                </a:effectLst>
-              </a14:hiddenEffects>
-            </a:ext>
-          </a:extLst>
-        </p:spPr>
-        <p:txBody>
-          <a:bodyPr vert="horz" wrap="square" lIns="91440" tIns="45720" rIns="91440" bIns="45720" numCol="1" anchor="ctr" anchorCtr="0" compatLnSpc="1">
-            <a:prstTxWarp prst="textNoShape">
-              <a:avLst/>
-            </a:prstTxWarp>
-            <a:spAutoFit/>
-          </a:bodyPr>
-          <a:lstStyle/>
-          <a:p>
-            <a:pPr marL="0" marR="0" lvl="0" indent="0" algn="l" defTabSz="914400" rtl="0" eaLnBrk="0" fontAlgn="base" latinLnBrk="0" hangingPunct="0">
-              <a:lnSpc>
-                <a:spcPct val="100000"/>
-              </a:lnSpc>
-              <a:spcBef>
-                <a:spcPct val="0"/>
-              </a:spcBef>
-              <a:spcAft>
-                <a:spcPct val="0"/>
-              </a:spcAft>
-              <a:buClrTx/>
-              <a:buSzTx/>
-              <a:buFontTx/>
-              <a:buNone/>
-              <a:tabLst/>
-            </a:pPr>
-            <a:r>
-              <a:rPr lang="en-US" altLang="en-US" sz="1600" dirty="0">
-                <a:latin typeface="Arial Unicode MS"/>
-              </a:rPr>
-              <a:t>N</a:t>
-            </a:r>
-            <a:r>
-              <a:rPr kumimoji="0" lang="en-US" altLang="en-US" sz="1600" b="0" i="0" u="none" strike="noStrike" cap="none" normalizeH="0" baseline="0" dirty="0">
-                <a:ln>
-                  <a:noFill/>
-                </a:ln>
-                <a:solidFill>
-                  <a:schemeClr val="tx1"/>
-                </a:solidFill>
-                <a:effectLst/>
-                <a:latin typeface="Arial Unicode MS"/>
-              </a:rPr>
-              <a:t>umber of agents at grid points occupied = [3, 6, 7, 4]</a:t>
-            </a:r>
-            <a:r>
-              <a:rPr kumimoji="0" lang="en-US" altLang="en-US" sz="1600" b="0" i="0" u="none" strike="noStrike" cap="none" normalizeH="0" baseline="0" dirty="0">
-                <a:ln>
-                  <a:noFill/>
-                </a:ln>
-                <a:solidFill>
-                  <a:schemeClr val="tx1"/>
-                </a:solidFill>
-                <a:effectLst/>
-              </a:rPr>
-              <a:t> </a:t>
-            </a:r>
-            <a:endParaRPr kumimoji="0" lang="en-US" altLang="en-US" sz="1600" b="0" i="0" u="none" strike="noStrike" cap="none" normalizeH="0" baseline="0" dirty="0">
-              <a:ln>
-                <a:noFill/>
-              </a:ln>
-              <a:solidFill>
-                <a:schemeClr val="tx1"/>
-              </a:solidFill>
-              <a:effectLst/>
-              <a:latin typeface="Arial" panose="020B0604020202020204" pitchFamily="34" charset="0"/>
-            </a:endParaRPr>
-          </a:p>
-        </p:txBody>
-      </p:sp>
-      <p:pic>
-        <p:nvPicPr>
-          <p:cNvPr id="1032" name="Picture 8">
-            <a:extLst>
-              <a:ext uri="{FF2B5EF4-FFF2-40B4-BE49-F238E27FC236}">
-                <a16:creationId xmlns:a16="http://schemas.microsoft.com/office/drawing/2014/main" id="{8E135ABE-CF60-44D6-BA04-A2197B4A07E1}"/>
-              </a:ext>
-            </a:extLst>
-          </p:cNvPr>
-          <p:cNvPicPr>
-            <a:picLocks noChangeAspect="1" noChangeArrowheads="1"/>
-          </p:cNvPicPr>
-          <p:nvPr/>
-        </p:nvPicPr>
-        <p:blipFill>
-          <a:blip r:embed="rId3">
-            <a:extLst>
-              <a:ext uri="{28A0092B-C50C-407E-A947-70E740481C1C}">
-                <a14:useLocalDpi xmlns:a14="http://schemas.microsoft.com/office/drawing/2010/main" val="0"/>
-              </a:ext>
-            </a:extLst>
-          </a:blip>
-          <a:srcRect/>
-          <a:stretch>
-            <a:fillRect/>
-          </a:stretch>
-        </p:blipFill>
-        <p:spPr bwMode="auto">
-          <a:xfrm>
-            <a:off x="1240324" y="1229187"/>
-            <a:ext cx="4706575" cy="3790987"/>
-          </a:xfrm>
-          <a:prstGeom prst="rect">
-            <a:avLst/>
-          </a:prstGeom>
-          <a:noFill/>
-          <a:extLst>
-            <a:ext uri="{909E8E84-426E-40DD-AFC4-6F175D3DCCD1}">
-              <a14:hiddenFill xmlns:a14="http://schemas.microsoft.com/office/drawing/2010/main">
-                <a:solidFill>
-                  <a:srgbClr val="FFFFFF"/>
-                </a:solidFill>
-              </a14:hiddenFill>
-            </a:ext>
-          </a:extLst>
-        </p:spPr>
-      </p:pic>
-      <p:sp>
-        <p:nvSpPr>
-          <p:cNvPr id="7" name="TextBox 6">
-            <a:extLst>
-              <a:ext uri="{FF2B5EF4-FFF2-40B4-BE49-F238E27FC236}">
-                <a16:creationId xmlns:a16="http://schemas.microsoft.com/office/drawing/2014/main" id="{C173EF2B-18C6-4AB5-A574-2CC3E1BC044A}"/>
-              </a:ext>
-            </a:extLst>
-          </p:cNvPr>
-          <p:cNvSpPr txBox="1"/>
-          <p:nvPr/>
-        </p:nvSpPr>
-        <p:spPr>
-          <a:xfrm>
-            <a:off x="4734935" y="-272515"/>
-            <a:ext cx="5076090" cy="4151376"/>
-          </a:xfrm>
-          <a:prstGeom prst="rect">
-            <a:avLst/>
-          </a:prstGeom>
-        </p:spPr>
-        <p:txBody>
-          <a:bodyPr vert="horz" lIns="91440" tIns="45720" rIns="91440" bIns="45720" rtlCol="0">
-            <a:normAutofit/>
-          </a:bodyPr>
-          <a:lstStyle/>
-          <a:p>
-            <a:pPr>
-              <a:lnSpc>
-                <a:spcPct val="90000"/>
-              </a:lnSpc>
-              <a:spcAft>
-                <a:spcPts val="600"/>
-              </a:spcAft>
-            </a:pPr>
-            <a:endParaRPr lang="en-US" sz="2000" dirty="0"/>
-          </a:p>
-        </p:txBody>
-      </p:sp>
-      <p:grpSp>
-        <p:nvGrpSpPr>
-          <p:cNvPr id="5" name="Group 4">
-            <a:extLst>
-              <a:ext uri="{FF2B5EF4-FFF2-40B4-BE49-F238E27FC236}">
-                <a16:creationId xmlns:a16="http://schemas.microsoft.com/office/drawing/2014/main" id="{0A1FF3A2-F7C8-4F15-8501-9B0B611C6CC4}"/>
-              </a:ext>
-            </a:extLst>
-          </p:cNvPr>
-          <p:cNvGrpSpPr/>
-          <p:nvPr/>
-        </p:nvGrpSpPr>
-        <p:grpSpPr>
-          <a:xfrm>
-            <a:off x="3805096" y="5266791"/>
-            <a:ext cx="4581808" cy="1320362"/>
-            <a:chOff x="4424784" y="5266790"/>
-            <a:chExt cx="4581808" cy="1320362"/>
-          </a:xfrm>
-          <a:solidFill>
-            <a:schemeClr val="tx1"/>
-          </a:solidFill>
-        </p:grpSpPr>
-        <p:sp>
-          <p:nvSpPr>
-            <p:cNvPr id="9" name="TextBox 8">
-              <a:extLst>
-                <a:ext uri="{FF2B5EF4-FFF2-40B4-BE49-F238E27FC236}">
-                  <a16:creationId xmlns:a16="http://schemas.microsoft.com/office/drawing/2014/main" id="{8F63343A-B3D4-4081-828C-82A56F2FBAFA}"/>
-                </a:ext>
-              </a:extLst>
-            </p:cNvPr>
-            <p:cNvSpPr txBox="1"/>
-            <p:nvPr/>
-          </p:nvSpPr>
-          <p:spPr>
-            <a:xfrm>
-              <a:off x="4424784" y="5266791"/>
-              <a:ext cx="2410485" cy="1320361"/>
-            </a:xfrm>
-            <a:prstGeom prst="rect">
-              <a:avLst/>
-            </a:prstGeom>
-            <a:grpFill/>
-          </p:spPr>
-          <p:txBody>
-            <a:bodyPr wrap="square">
-              <a:spAutoFit/>
-            </a:bodyPr>
-            <a:lstStyle/>
-            <a:p>
-              <a:pPr indent="-228600">
-                <a:lnSpc>
-                  <a:spcPct val="90000"/>
-                </a:lnSpc>
-                <a:spcAft>
-                  <a:spcPts val="600"/>
-                </a:spcAft>
-                <a:buFont typeface="Arial" panose="020B0604020202020204" pitchFamily="34" charset="0"/>
-                <a:buChar char="•"/>
-              </a:pPr>
-              <a:r>
-                <a:rPr lang="en-US" sz="1800" dirty="0" err="1">
-                  <a:solidFill>
-                    <a:schemeClr val="bg1"/>
-                  </a:solidFill>
-                </a:rPr>
-                <a:t>num_periods</a:t>
-              </a:r>
-              <a:r>
-                <a:rPr lang="en-US" sz="1800" dirty="0">
-                  <a:solidFill>
-                    <a:schemeClr val="bg1"/>
-                  </a:solidFill>
-                </a:rPr>
-                <a:t> = 7</a:t>
-              </a:r>
-            </a:p>
-            <a:p>
-              <a:pPr indent="-228600">
-                <a:lnSpc>
-                  <a:spcPct val="90000"/>
-                </a:lnSpc>
-                <a:spcAft>
-                  <a:spcPts val="600"/>
-                </a:spcAft>
-                <a:buFont typeface="Arial" panose="020B0604020202020204" pitchFamily="34" charset="0"/>
-                <a:buChar char="•"/>
-              </a:pPr>
-              <a:r>
-                <a:rPr lang="en-US" sz="1800" dirty="0" err="1">
-                  <a:solidFill>
-                    <a:schemeClr val="bg1"/>
-                  </a:solidFill>
-                </a:rPr>
-                <a:t>num_weeks</a:t>
-              </a:r>
-              <a:r>
-                <a:rPr lang="en-US" sz="1800" dirty="0">
-                  <a:solidFill>
-                    <a:schemeClr val="bg1"/>
-                  </a:solidFill>
-                </a:rPr>
-                <a:t> = 50</a:t>
-              </a:r>
-            </a:p>
-            <a:p>
-              <a:pPr indent="-228600">
-                <a:lnSpc>
-                  <a:spcPct val="90000"/>
-                </a:lnSpc>
-                <a:spcAft>
-                  <a:spcPts val="600"/>
-                </a:spcAft>
-                <a:buFont typeface="Arial" panose="020B0604020202020204" pitchFamily="34" charset="0"/>
-                <a:buChar char="•"/>
-              </a:pPr>
-              <a:r>
-                <a:rPr lang="en-US" sz="1800" dirty="0" err="1">
-                  <a:solidFill>
-                    <a:schemeClr val="bg1"/>
-                  </a:solidFill>
-                </a:rPr>
-                <a:t>num_rounds</a:t>
-              </a:r>
-              <a:r>
-                <a:rPr lang="en-US" sz="1800" dirty="0">
-                  <a:solidFill>
-                    <a:schemeClr val="bg1"/>
-                  </a:solidFill>
-                </a:rPr>
-                <a:t> = 5</a:t>
-              </a:r>
-            </a:p>
-            <a:p>
-              <a:pPr indent="-228600">
-                <a:lnSpc>
-                  <a:spcPct val="90000"/>
-                </a:lnSpc>
-                <a:spcAft>
-                  <a:spcPts val="600"/>
-                </a:spcAft>
-                <a:buFont typeface="Arial" panose="020B0604020202020204" pitchFamily="34" charset="0"/>
-                <a:buChar char="•"/>
-              </a:pPr>
-              <a:r>
-                <a:rPr lang="en-US" sz="1800" dirty="0" err="1">
-                  <a:solidFill>
-                    <a:schemeClr val="bg1"/>
-                  </a:solidFill>
-                </a:rPr>
-                <a:t>grid_size</a:t>
-              </a:r>
-              <a:r>
-                <a:rPr lang="en-US" sz="1800" dirty="0">
-                  <a:solidFill>
-                    <a:schemeClr val="bg1"/>
-                  </a:solidFill>
-                </a:rPr>
-                <a:t> = 15</a:t>
-              </a:r>
-            </a:p>
-          </p:txBody>
-        </p:sp>
-        <p:sp>
-          <p:nvSpPr>
-            <p:cNvPr id="10" name="TextBox 9">
-              <a:extLst>
-                <a:ext uri="{FF2B5EF4-FFF2-40B4-BE49-F238E27FC236}">
-                  <a16:creationId xmlns:a16="http://schemas.microsoft.com/office/drawing/2014/main" id="{6DAEDB36-355E-464A-873F-630DB284419F}"/>
-                </a:ext>
-              </a:extLst>
-            </p:cNvPr>
-            <p:cNvSpPr txBox="1"/>
-            <p:nvPr/>
-          </p:nvSpPr>
-          <p:spPr>
-            <a:xfrm>
-              <a:off x="6596107" y="5266790"/>
-              <a:ext cx="2410485" cy="1320361"/>
-            </a:xfrm>
-            <a:prstGeom prst="rect">
-              <a:avLst/>
-            </a:prstGeom>
-            <a:grpFill/>
-          </p:spPr>
-          <p:txBody>
-            <a:bodyPr wrap="square">
-              <a:spAutoFit/>
-            </a:bodyPr>
-            <a:lstStyle/>
-            <a:p>
-              <a:pPr indent="-228600">
-                <a:lnSpc>
-                  <a:spcPct val="90000"/>
-                </a:lnSpc>
-                <a:spcAft>
-                  <a:spcPts val="600"/>
-                </a:spcAft>
-                <a:buFont typeface="Arial" panose="020B0604020202020204" pitchFamily="34" charset="0"/>
-                <a:buChar char="•"/>
-              </a:pPr>
-              <a:r>
-                <a:rPr lang="en-US" sz="1800" dirty="0" err="1">
-                  <a:solidFill>
-                    <a:schemeClr val="bg1"/>
-                  </a:solidFill>
-                </a:rPr>
-                <a:t>num_traders</a:t>
-              </a:r>
-              <a:r>
-                <a:rPr lang="en-US" sz="1800" dirty="0">
-                  <a:solidFill>
-                    <a:schemeClr val="bg1"/>
-                  </a:solidFill>
-                </a:rPr>
-                <a:t> = 20</a:t>
-              </a:r>
-            </a:p>
-            <a:p>
-              <a:pPr indent="-228600">
-                <a:lnSpc>
-                  <a:spcPct val="90000"/>
-                </a:lnSpc>
-                <a:spcAft>
-                  <a:spcPts val="600"/>
-                </a:spcAft>
-                <a:buFont typeface="Arial" panose="020B0604020202020204" pitchFamily="34" charset="0"/>
-                <a:buChar char="•"/>
-              </a:pPr>
-              <a:r>
-                <a:rPr lang="en-US" sz="1800" dirty="0" err="1">
-                  <a:solidFill>
-                    <a:schemeClr val="bg1"/>
-                  </a:solidFill>
-                </a:rPr>
-                <a:t>num_units</a:t>
-              </a:r>
-              <a:r>
-                <a:rPr lang="en-US" sz="1800" dirty="0">
-                  <a:solidFill>
-                    <a:schemeClr val="bg1"/>
-                  </a:solidFill>
-                </a:rPr>
-                <a:t> = 8</a:t>
-              </a:r>
-            </a:p>
-            <a:p>
-              <a:pPr indent="-228600">
-                <a:lnSpc>
-                  <a:spcPct val="90000"/>
-                </a:lnSpc>
-                <a:spcAft>
-                  <a:spcPts val="600"/>
-                </a:spcAft>
-                <a:buFont typeface="Arial" panose="020B0604020202020204" pitchFamily="34" charset="0"/>
-                <a:buChar char="•"/>
-              </a:pPr>
-              <a:r>
-                <a:rPr lang="en-US" sz="1800" dirty="0" err="1">
-                  <a:solidFill>
-                    <a:schemeClr val="bg1"/>
-                  </a:solidFill>
-                </a:rPr>
-                <a:t>lower_bound</a:t>
-              </a:r>
-              <a:r>
-                <a:rPr lang="en-US" sz="1800" dirty="0">
-                  <a:solidFill>
-                    <a:schemeClr val="bg1"/>
-                  </a:solidFill>
-                </a:rPr>
-                <a:t> = 200 </a:t>
-              </a:r>
-            </a:p>
-            <a:p>
-              <a:pPr indent="-228600">
-                <a:lnSpc>
-                  <a:spcPct val="90000"/>
-                </a:lnSpc>
-                <a:spcAft>
-                  <a:spcPts val="600"/>
-                </a:spcAft>
-                <a:buFont typeface="Arial" panose="020B0604020202020204" pitchFamily="34" charset="0"/>
-                <a:buChar char="•"/>
-              </a:pPr>
-              <a:r>
-                <a:rPr lang="en-US" sz="1800" dirty="0" err="1">
-                  <a:solidFill>
-                    <a:schemeClr val="bg1"/>
-                  </a:solidFill>
-                </a:rPr>
-                <a:t>upper_bound</a:t>
-              </a:r>
-              <a:r>
-                <a:rPr lang="en-US" sz="1800" dirty="0">
-                  <a:solidFill>
-                    <a:schemeClr val="bg1"/>
-                  </a:solidFill>
-                </a:rPr>
-                <a:t> = 600</a:t>
-              </a:r>
-            </a:p>
-          </p:txBody>
-        </p:sp>
-      </p:grpSp>
-      <p:cxnSp>
-        <p:nvCxnSpPr>
-          <p:cNvPr id="13" name="Straight Connector 12">
-            <a:extLst>
-              <a:ext uri="{FF2B5EF4-FFF2-40B4-BE49-F238E27FC236}">
-                <a16:creationId xmlns:a16="http://schemas.microsoft.com/office/drawing/2014/main" id="{AAE7D4FE-E4D3-4729-BC65-A87A6A32434E}"/>
-              </a:ext>
-            </a:extLst>
-          </p:cNvPr>
-          <p:cNvCxnSpPr/>
-          <p:nvPr/>
-        </p:nvCxnSpPr>
-        <p:spPr>
-          <a:xfrm>
-            <a:off x="580333" y="143143"/>
-            <a:ext cx="0" cy="690562"/>
-          </a:xfrm>
-          <a:prstGeom prst="line">
-            <a:avLst/>
-          </a:prstGeom>
-          <a:ln w="28575"/>
         </p:spPr>
         <p:style>
-          <a:lnRef idx="1">
-            <a:schemeClr val="accent1"/>
+          <a:lnRef idx="2">
+            <a:schemeClr val="accent1">
+              <a:shade val="50000"/>
+            </a:schemeClr>
           </a:lnRef>
-          <a:fillRef idx="0">
+          <a:fillRef idx="1">
             <a:schemeClr val="accent1"/>
           </a:fillRef>
           <a:effectRef idx="0">
             <a:schemeClr val="accent1"/>
           </a:effectRef>
           <a:fontRef idx="minor">
-            <a:schemeClr val="tx1"/>
+            <a:schemeClr val="lt1"/>
           </a:fontRef>
         </p:style>
-      </p:cxnSp>
-      <p:sp>
-        <p:nvSpPr>
-          <p:cNvPr id="14" name="TextBox 3">
-            <a:extLst>
-              <a:ext uri="{FF2B5EF4-FFF2-40B4-BE49-F238E27FC236}">
-                <a16:creationId xmlns:a16="http://schemas.microsoft.com/office/drawing/2014/main" id="{569A6D2F-18AE-40C6-B075-E93143900936}"/>
-              </a:ext>
-            </a:extLst>
-          </p:cNvPr>
-          <p:cNvSpPr txBox="1">
-            <a:spLocks noChangeArrowheads="1"/>
-          </p:cNvSpPr>
-          <p:nvPr/>
-        </p:nvSpPr>
-        <p:spPr bwMode="auto">
-          <a:xfrm>
-            <a:off x="709353" y="165258"/>
-            <a:ext cx="11136254" cy="646331"/>
-          </a:xfrm>
-          <a:prstGeom prst="rect">
-            <a:avLst/>
-          </a:prstGeom>
-          <a:noFill/>
-          <a:ln>
-            <a:noFill/>
-          </a:ln>
-          <a:extLst>
-            <a:ext uri="{909E8E84-426E-40DD-AFC4-6F175D3DCCD1}">
-              <a14:hiddenFill xmlns:a14="http://schemas.microsoft.com/office/drawing/2010/main">
-                <a:solidFill>
-                  <a:srgbClr val="FFFFFF"/>
-                </a:solidFill>
-              </a14:hiddenFill>
-            </a:ext>
-            <a:ext uri="{91240B29-F687-4F45-9708-019B960494DF}">
-              <a14:hiddenLine xmlns:a14="http://schemas.microsoft.com/office/drawing/2010/main" w="9525">
-                <a:solidFill>
-                  <a:srgbClr val="000000"/>
-                </a:solidFill>
-                <a:miter lim="800000"/>
-                <a:headEnd/>
-                <a:tailEnd/>
-              </a14:hiddenLine>
-            </a:ext>
-          </a:extLst>
-        </p:spPr>
         <p:txBody>
-          <a:bodyPr wrap="none">
-            <a:spAutoFit/>
-          </a:bodyPr>
-          <a:lstStyle>
-            <a:lvl1pPr>
-              <a:lnSpc>
-                <a:spcPct val="90000"/>
-              </a:lnSpc>
-              <a:spcBef>
-                <a:spcPts val="1000"/>
-              </a:spcBef>
-              <a:buFont typeface="Arial" panose="020B0604020202020204" pitchFamily="34" charset="0"/>
-              <a:buChar char="•"/>
-              <a:defRPr sz="2800">
-                <a:solidFill>
-                  <a:schemeClr val="tx1"/>
-                </a:solidFill>
-                <a:latin typeface="Calibri" panose="020F0502020204030204" pitchFamily="34" charset="0"/>
-              </a:defRPr>
-            </a:lvl1pPr>
-            <a:lvl2pPr marL="742950" indent="-285750">
-              <a:lnSpc>
-                <a:spcPct val="90000"/>
-              </a:lnSpc>
-              <a:spcBef>
-                <a:spcPts val="500"/>
-              </a:spcBef>
-              <a:buFont typeface="Arial" panose="020B0604020202020204" pitchFamily="34" charset="0"/>
-              <a:buChar char="•"/>
-              <a:defRPr sz="2400">
-                <a:solidFill>
-                  <a:schemeClr val="tx1"/>
-                </a:solidFill>
-                <a:latin typeface="Calibri" panose="020F0502020204030204" pitchFamily="34" charset="0"/>
-              </a:defRPr>
-            </a:lvl2pPr>
-            <a:lvl3pPr marL="1143000" indent="-228600">
-              <a:lnSpc>
-                <a:spcPct val="90000"/>
-              </a:lnSpc>
-              <a:spcBef>
-                <a:spcPts val="500"/>
-              </a:spcBef>
-              <a:buFont typeface="Arial" panose="020B0604020202020204" pitchFamily="34" charset="0"/>
-              <a:buChar char="•"/>
-              <a:defRPr sz="2000">
-                <a:solidFill>
-                  <a:schemeClr val="tx1"/>
-                </a:solidFill>
-                <a:latin typeface="Calibri" panose="020F0502020204030204" pitchFamily="34" charset="0"/>
-              </a:defRPr>
-            </a:lvl3pPr>
-            <a:lvl4pPr marL="1600200" indent="-228600">
-              <a:lnSpc>
-                <a:spcPct val="90000"/>
-              </a:lnSpc>
-              <a:spcBef>
-                <a:spcPts val="500"/>
-              </a:spcBef>
-              <a:buFont typeface="Arial" panose="020B0604020202020204" pitchFamily="34" charset="0"/>
-              <a:buChar char="•"/>
-              <a:defRPr>
-                <a:solidFill>
-                  <a:schemeClr val="tx1"/>
-                </a:solidFill>
-                <a:latin typeface="Calibri" panose="020F0502020204030204" pitchFamily="34" charset="0"/>
-              </a:defRPr>
-            </a:lvl4pPr>
-            <a:lvl5pPr marL="2057400" indent="-228600">
-              <a:lnSpc>
-                <a:spcPct val="90000"/>
-              </a:lnSpc>
-              <a:spcBef>
-                <a:spcPts val="500"/>
-              </a:spcBef>
-              <a:buFont typeface="Arial" panose="020B0604020202020204" pitchFamily="34" charset="0"/>
-              <a:buChar char="•"/>
-              <a:defRPr>
-                <a:solidFill>
-                  <a:schemeClr val="tx1"/>
-                </a:solidFill>
-                <a:latin typeface="Calibri" panose="020F0502020204030204" pitchFamily="34" charset="0"/>
-              </a:defRPr>
-            </a:lvl5pPr>
-            <a:lvl6pPr marL="2514600" indent="-228600" eaLnBrk="0" fontAlgn="base" hangingPunct="0">
-              <a:lnSpc>
-                <a:spcPct val="90000"/>
-              </a:lnSpc>
-              <a:spcBef>
-                <a:spcPts val="500"/>
-              </a:spcBef>
-              <a:spcAft>
-                <a:spcPct val="0"/>
-              </a:spcAft>
-              <a:buFont typeface="Arial" panose="020B0604020202020204" pitchFamily="34" charset="0"/>
-              <a:buChar char="•"/>
-              <a:defRPr>
-                <a:solidFill>
-                  <a:schemeClr val="tx1"/>
-                </a:solidFill>
-                <a:latin typeface="Calibri" panose="020F0502020204030204" pitchFamily="34" charset="0"/>
-              </a:defRPr>
-            </a:lvl6pPr>
-            <a:lvl7pPr marL="2971800" indent="-228600" eaLnBrk="0" fontAlgn="base" hangingPunct="0">
-              <a:lnSpc>
-                <a:spcPct val="90000"/>
-              </a:lnSpc>
-              <a:spcBef>
-                <a:spcPts val="500"/>
-              </a:spcBef>
-              <a:spcAft>
-                <a:spcPct val="0"/>
-              </a:spcAft>
-              <a:buFont typeface="Arial" panose="020B0604020202020204" pitchFamily="34" charset="0"/>
-              <a:buChar char="•"/>
-              <a:defRPr>
-                <a:solidFill>
-                  <a:schemeClr val="tx1"/>
-                </a:solidFill>
-                <a:latin typeface="Calibri" panose="020F0502020204030204" pitchFamily="34" charset="0"/>
-              </a:defRPr>
-            </a:lvl7pPr>
-            <a:lvl8pPr marL="3429000" indent="-228600" eaLnBrk="0" fontAlgn="base" hangingPunct="0">
-              <a:lnSpc>
-                <a:spcPct val="90000"/>
-              </a:lnSpc>
-              <a:spcBef>
-                <a:spcPts val="500"/>
-              </a:spcBef>
-              <a:spcAft>
-                <a:spcPct val="0"/>
-              </a:spcAft>
-              <a:buFont typeface="Arial" panose="020B0604020202020204" pitchFamily="34" charset="0"/>
-              <a:buChar char="•"/>
-              <a:defRPr>
-                <a:solidFill>
-                  <a:schemeClr val="tx1"/>
-                </a:solidFill>
-                <a:latin typeface="Calibri" panose="020F0502020204030204" pitchFamily="34" charset="0"/>
-              </a:defRPr>
-            </a:lvl8pPr>
-            <a:lvl9pPr marL="3886200" indent="-228600" eaLnBrk="0" fontAlgn="base" hangingPunct="0">
-              <a:lnSpc>
-                <a:spcPct val="90000"/>
-              </a:lnSpc>
-              <a:spcBef>
-                <a:spcPts val="500"/>
-              </a:spcBef>
-              <a:spcAft>
-                <a:spcPct val="0"/>
-              </a:spcAft>
-              <a:buFont typeface="Arial" panose="020B0604020202020204" pitchFamily="34" charset="0"/>
-              <a:buChar char="•"/>
-              <a:defRPr>
-                <a:solidFill>
-                  <a:schemeClr val="tx1"/>
-                </a:solidFill>
-                <a:latin typeface="Calibri" panose="020F0502020204030204" pitchFamily="34" charset="0"/>
-              </a:defRPr>
-            </a:lvl9pPr>
-          </a:lstStyle>
-          <a:p>
-            <a:pPr eaLnBrk="1" hangingPunct="1">
-              <a:lnSpc>
-                <a:spcPct val="100000"/>
-              </a:lnSpc>
-              <a:spcBef>
-                <a:spcPct val="0"/>
-              </a:spcBef>
-              <a:buFontTx/>
-              <a:buNone/>
-            </a:pPr>
-            <a:r>
-              <a:rPr lang="en-US" altLang="en-US" sz="3600" dirty="0"/>
-              <a:t>ZID and ZIDA strategies vs Number of grid points occupied </a:t>
-            </a:r>
-          </a:p>
-        </p:txBody>
-      </p:sp>
-      <p:cxnSp>
-        <p:nvCxnSpPr>
-          <p:cNvPr id="8" name="Straight Connector 7">
-            <a:extLst>
-              <a:ext uri="{FF2B5EF4-FFF2-40B4-BE49-F238E27FC236}">
-                <a16:creationId xmlns:a16="http://schemas.microsoft.com/office/drawing/2014/main" id="{F1E5F1C8-A194-4173-B08C-89713B6DFD55}"/>
-              </a:ext>
-            </a:extLst>
-          </p:cNvPr>
-          <p:cNvCxnSpPr>
-            <a:cxnSpLocks/>
-          </p:cNvCxnSpPr>
-          <p:nvPr/>
-        </p:nvCxnSpPr>
-        <p:spPr>
-          <a:xfrm flipV="1">
-            <a:off x="10364526" y="4561840"/>
-            <a:ext cx="405074" cy="692111"/>
-          </a:xfrm>
-          <a:prstGeom prst="line">
-            <a:avLst/>
-          </a:prstGeom>
-          <a:ln>
-            <a:solidFill>
-              <a:srgbClr val="C00000"/>
-            </a:solidFill>
-            <a:tailEnd type="stealth" w="lg" len="lg"/>
-          </a:ln>
-        </p:spPr>
-        <p:style>
-          <a:lnRef idx="1">
-            <a:schemeClr val="accent1"/>
-          </a:lnRef>
-          <a:fillRef idx="0">
-            <a:schemeClr val="accent1"/>
-          </a:fillRef>
-          <a:effectRef idx="0">
-            <a:schemeClr val="accent1"/>
-          </a:effectRef>
-          <a:fontRef idx="minor">
-            <a:schemeClr val="tx1"/>
-          </a:fontRef>
-        </p:style>
-      </p:cxnSp>
-      <p:sp>
-        <p:nvSpPr>
-          <p:cNvPr id="15" name="TextBox 14">
-            <a:extLst>
-              <a:ext uri="{FF2B5EF4-FFF2-40B4-BE49-F238E27FC236}">
-                <a16:creationId xmlns:a16="http://schemas.microsoft.com/office/drawing/2014/main" id="{DE19AF29-39F4-4CBA-984F-BC560C4CDCA5}"/>
-              </a:ext>
-            </a:extLst>
-          </p:cNvPr>
-          <p:cNvSpPr txBox="1"/>
-          <p:nvPr/>
-        </p:nvSpPr>
-        <p:spPr>
-          <a:xfrm>
-            <a:off x="9740599" y="5266791"/>
-            <a:ext cx="1635256" cy="369332"/>
-          </a:xfrm>
-          <a:prstGeom prst="rect">
-            <a:avLst/>
-          </a:prstGeom>
-          <a:noFill/>
-        </p:spPr>
-        <p:txBody>
-          <a:bodyPr wrap="none" rtlCol="0">
-            <a:spAutoFit/>
-          </a:bodyPr>
+          <a:bodyPr rtlCol="0" anchor="ctr"/>
           <a:lstStyle/>
           <a:p>
-            <a:r>
-              <a:rPr lang="en-US" dirty="0">
-                <a:solidFill>
-                  <a:srgbClr val="C00000"/>
-                </a:solidFill>
-              </a:rPr>
-              <a:t>Note local max</a:t>
-            </a:r>
+            <a:pPr algn="ctr"/>
+            <a:endParaRPr lang="en-US"/>
           </a:p>
         </p:txBody>
       </p:sp>
     </p:spTree>
     <p:extLst>
       <p:ext uri="{BB962C8B-B14F-4D97-AF65-F5344CB8AC3E}">
-        <p14:creationId xmlns:p14="http://schemas.microsoft.com/office/powerpoint/2010/main" val="3964706345"/>
+        <p14:creationId xmlns:p14="http://schemas.microsoft.com/office/powerpoint/2010/main" val="1145590896"/>
       </p:ext>
     </p:extLst>
   </p:cSld>
@@ -15593,6 +15219,946 @@
 <file path=ppt/slides/slide20.xml><?xml version="1.0" encoding="utf-8"?>
 <p:sld xmlns:a="http://schemas.openxmlformats.org/drawingml/2006/main" xmlns:r="http://schemas.openxmlformats.org/officeDocument/2006/relationships" xmlns:p="http://schemas.openxmlformats.org/presentationml/2006/main">
   <p:cSld>
+    <p:spTree>
+      <p:nvGrpSpPr>
+        <p:cNvPr id="1" name=""/>
+        <p:cNvGrpSpPr/>
+        <p:nvPr/>
+      </p:nvGrpSpPr>
+      <p:grpSpPr>
+        <a:xfrm>
+          <a:off x="0" y="0"/>
+          <a:ext cx="0" cy="0"/>
+          <a:chOff x="0" y="0"/>
+          <a:chExt cx="0" cy="0"/>
+        </a:xfrm>
+      </p:grpSpPr>
+      <p:pic>
+        <p:nvPicPr>
+          <p:cNvPr id="1029" name="Picture 5">
+            <a:extLst>
+              <a:ext uri="{FF2B5EF4-FFF2-40B4-BE49-F238E27FC236}">
+                <a16:creationId xmlns:a16="http://schemas.microsoft.com/office/drawing/2014/main" id="{A071686D-847F-4F8F-B0B5-BCFEB23E0209}"/>
+              </a:ext>
+            </a:extLst>
+          </p:cNvPr>
+          <p:cNvPicPr>
+            <a:picLocks noChangeAspect="1" noChangeArrowheads="1"/>
+          </p:cNvPicPr>
+          <p:nvPr/>
+        </p:nvPicPr>
+        <p:blipFill>
+          <a:blip r:embed="rId2">
+            <a:extLst>
+              <a:ext uri="{28A0092B-C50C-407E-A947-70E740481C1C}">
+                <a14:useLocalDpi xmlns:a14="http://schemas.microsoft.com/office/drawing/2010/main" val="0"/>
+              </a:ext>
+            </a:extLst>
+          </a:blip>
+          <a:srcRect/>
+          <a:stretch>
+            <a:fillRect/>
+          </a:stretch>
+        </p:blipFill>
+        <p:spPr bwMode="auto">
+          <a:xfrm>
+            <a:off x="6175689" y="1173278"/>
+            <a:ext cx="4775987" cy="3846896"/>
+          </a:xfrm>
+          <a:prstGeom prst="rect">
+            <a:avLst/>
+          </a:prstGeom>
+          <a:noFill/>
+          <a:extLst>
+            <a:ext uri="{909E8E84-426E-40DD-AFC4-6F175D3DCCD1}">
+              <a14:hiddenFill xmlns:a14="http://schemas.microsoft.com/office/drawing/2010/main">
+                <a:solidFill>
+                  <a:srgbClr val="FFFFFF"/>
+                </a:solidFill>
+              </a14:hiddenFill>
+            </a:ext>
+          </a:extLst>
+        </p:spPr>
+      </p:pic>
+      <p:sp>
+        <p:nvSpPr>
+          <p:cNvPr id="3" name="Rectangle 6">
+            <a:extLst>
+              <a:ext uri="{FF2B5EF4-FFF2-40B4-BE49-F238E27FC236}">
+                <a16:creationId xmlns:a16="http://schemas.microsoft.com/office/drawing/2014/main" id="{55BEF983-A099-4906-8D17-047D23DE8773}"/>
+              </a:ext>
+            </a:extLst>
+          </p:cNvPr>
+          <p:cNvSpPr>
+            <a:spLocks noChangeArrowheads="1"/>
+          </p:cNvSpPr>
+          <p:nvPr/>
+        </p:nvSpPr>
+        <p:spPr bwMode="auto">
+          <a:xfrm>
+            <a:off x="8955763" y="5636123"/>
+            <a:ext cx="3204928" cy="584775"/>
+          </a:xfrm>
+          <a:prstGeom prst="rect">
+            <a:avLst/>
+          </a:prstGeom>
+          <a:noFill/>
+          <a:ln>
+            <a:noFill/>
+          </a:ln>
+          <a:effectLst/>
+          <a:extLst>
+            <a:ext uri="{909E8E84-426E-40DD-AFC4-6F175D3DCCD1}">
+              <a14:hiddenFill xmlns:a14="http://schemas.microsoft.com/office/drawing/2010/main">
+                <a:solidFill>
+                  <a:schemeClr val="accent1"/>
+                </a:solidFill>
+              </a14:hiddenFill>
+            </a:ext>
+            <a:ext uri="{91240B29-F687-4F45-9708-019B960494DF}">
+              <a14:hiddenLine xmlns:a14="http://schemas.microsoft.com/office/drawing/2010/main" w="9525">
+                <a:solidFill>
+                  <a:schemeClr val="tx1"/>
+                </a:solidFill>
+                <a:miter lim="800000"/>
+                <a:headEnd/>
+                <a:tailEnd/>
+              </a14:hiddenLine>
+            </a:ext>
+            <a:ext uri="{AF507438-7753-43E0-B8FC-AC1667EBCBE1}">
+              <a14:hiddenEffects xmlns:a14="http://schemas.microsoft.com/office/drawing/2010/main">
+                <a:effectLst>
+                  <a:outerShdw dist="35921" dir="2700000" algn="ctr" rotWithShape="0">
+                    <a:schemeClr val="bg2"/>
+                  </a:outerShdw>
+                </a:effectLst>
+              </a14:hiddenEffects>
+            </a:ext>
+          </a:extLst>
+        </p:spPr>
+        <p:txBody>
+          <a:bodyPr vert="horz" wrap="square" lIns="91440" tIns="45720" rIns="91440" bIns="45720" numCol="1" anchor="ctr" anchorCtr="0" compatLnSpc="1">
+            <a:prstTxWarp prst="textNoShape">
+              <a:avLst/>
+            </a:prstTxWarp>
+            <a:spAutoFit/>
+          </a:bodyPr>
+          <a:lstStyle/>
+          <a:p>
+            <a:pPr marL="0" marR="0" lvl="0" indent="0" algn="l" defTabSz="914400" rtl="0" eaLnBrk="0" fontAlgn="base" latinLnBrk="0" hangingPunct="0">
+              <a:lnSpc>
+                <a:spcPct val="100000"/>
+              </a:lnSpc>
+              <a:spcBef>
+                <a:spcPct val="0"/>
+              </a:spcBef>
+              <a:spcAft>
+                <a:spcPct val="0"/>
+              </a:spcAft>
+              <a:buClrTx/>
+              <a:buSzTx/>
+              <a:buFontTx/>
+              <a:buNone/>
+              <a:tabLst/>
+            </a:pPr>
+            <a:r>
+              <a:rPr lang="en-US" altLang="en-US" sz="1600" dirty="0">
+                <a:latin typeface="Arial Unicode MS"/>
+              </a:rPr>
+              <a:t>N</a:t>
+            </a:r>
+            <a:r>
+              <a:rPr kumimoji="0" lang="en-US" altLang="en-US" sz="1600" b="0" i="0" u="none" strike="noStrike" cap="none" normalizeH="0" baseline="0" dirty="0">
+                <a:ln>
+                  <a:noFill/>
+                </a:ln>
+                <a:solidFill>
+                  <a:schemeClr val="tx1"/>
+                </a:solidFill>
+                <a:effectLst/>
+                <a:latin typeface="Arial Unicode MS"/>
+              </a:rPr>
+              <a:t>umber of agents at grid points occupied = [3, 6, 7, 4]</a:t>
+            </a:r>
+            <a:r>
+              <a:rPr kumimoji="0" lang="en-US" altLang="en-US" sz="1600" b="0" i="0" u="none" strike="noStrike" cap="none" normalizeH="0" baseline="0" dirty="0">
+                <a:ln>
+                  <a:noFill/>
+                </a:ln>
+                <a:solidFill>
+                  <a:schemeClr val="tx1"/>
+                </a:solidFill>
+                <a:effectLst/>
+              </a:rPr>
+              <a:t> </a:t>
+            </a:r>
+            <a:endParaRPr kumimoji="0" lang="en-US" altLang="en-US" sz="1600" b="0" i="0" u="none" strike="noStrike" cap="none" normalizeH="0" baseline="0" dirty="0">
+              <a:ln>
+                <a:noFill/>
+              </a:ln>
+              <a:solidFill>
+                <a:schemeClr val="tx1"/>
+              </a:solidFill>
+              <a:effectLst/>
+              <a:latin typeface="Arial" panose="020B0604020202020204" pitchFamily="34" charset="0"/>
+            </a:endParaRPr>
+          </a:p>
+        </p:txBody>
+      </p:sp>
+      <p:pic>
+        <p:nvPicPr>
+          <p:cNvPr id="1032" name="Picture 8">
+            <a:extLst>
+              <a:ext uri="{FF2B5EF4-FFF2-40B4-BE49-F238E27FC236}">
+                <a16:creationId xmlns:a16="http://schemas.microsoft.com/office/drawing/2014/main" id="{8E135ABE-CF60-44D6-BA04-A2197B4A07E1}"/>
+              </a:ext>
+            </a:extLst>
+          </p:cNvPr>
+          <p:cNvPicPr>
+            <a:picLocks noChangeAspect="1" noChangeArrowheads="1"/>
+          </p:cNvPicPr>
+          <p:nvPr/>
+        </p:nvPicPr>
+        <p:blipFill>
+          <a:blip r:embed="rId3">
+            <a:extLst>
+              <a:ext uri="{28A0092B-C50C-407E-A947-70E740481C1C}">
+                <a14:useLocalDpi xmlns:a14="http://schemas.microsoft.com/office/drawing/2010/main" val="0"/>
+              </a:ext>
+            </a:extLst>
+          </a:blip>
+          <a:srcRect/>
+          <a:stretch>
+            <a:fillRect/>
+          </a:stretch>
+        </p:blipFill>
+        <p:spPr bwMode="auto">
+          <a:xfrm>
+            <a:off x="1240324" y="1229187"/>
+            <a:ext cx="4706575" cy="3790987"/>
+          </a:xfrm>
+          <a:prstGeom prst="rect">
+            <a:avLst/>
+          </a:prstGeom>
+          <a:noFill/>
+          <a:extLst>
+            <a:ext uri="{909E8E84-426E-40DD-AFC4-6F175D3DCCD1}">
+              <a14:hiddenFill xmlns:a14="http://schemas.microsoft.com/office/drawing/2010/main">
+                <a:solidFill>
+                  <a:srgbClr val="FFFFFF"/>
+                </a:solidFill>
+              </a14:hiddenFill>
+            </a:ext>
+          </a:extLst>
+        </p:spPr>
+      </p:pic>
+      <p:sp>
+        <p:nvSpPr>
+          <p:cNvPr id="7" name="TextBox 6">
+            <a:extLst>
+              <a:ext uri="{FF2B5EF4-FFF2-40B4-BE49-F238E27FC236}">
+                <a16:creationId xmlns:a16="http://schemas.microsoft.com/office/drawing/2014/main" id="{C173EF2B-18C6-4AB5-A574-2CC3E1BC044A}"/>
+              </a:ext>
+            </a:extLst>
+          </p:cNvPr>
+          <p:cNvSpPr txBox="1"/>
+          <p:nvPr/>
+        </p:nvSpPr>
+        <p:spPr>
+          <a:xfrm>
+            <a:off x="4734935" y="-272515"/>
+            <a:ext cx="5076090" cy="4151376"/>
+          </a:xfrm>
+          <a:prstGeom prst="rect">
+            <a:avLst/>
+          </a:prstGeom>
+        </p:spPr>
+        <p:txBody>
+          <a:bodyPr vert="horz" lIns="91440" tIns="45720" rIns="91440" bIns="45720" rtlCol="0">
+            <a:normAutofit/>
+          </a:bodyPr>
+          <a:lstStyle/>
+          <a:p>
+            <a:pPr>
+              <a:lnSpc>
+                <a:spcPct val="90000"/>
+              </a:lnSpc>
+              <a:spcAft>
+                <a:spcPts val="600"/>
+              </a:spcAft>
+            </a:pPr>
+            <a:endParaRPr lang="en-US" sz="2000" dirty="0"/>
+          </a:p>
+        </p:txBody>
+      </p:sp>
+      <p:grpSp>
+        <p:nvGrpSpPr>
+          <p:cNvPr id="5" name="Group 4">
+            <a:extLst>
+              <a:ext uri="{FF2B5EF4-FFF2-40B4-BE49-F238E27FC236}">
+                <a16:creationId xmlns:a16="http://schemas.microsoft.com/office/drawing/2014/main" id="{0A1FF3A2-F7C8-4F15-8501-9B0B611C6CC4}"/>
+              </a:ext>
+            </a:extLst>
+          </p:cNvPr>
+          <p:cNvGrpSpPr/>
+          <p:nvPr/>
+        </p:nvGrpSpPr>
+        <p:grpSpPr>
+          <a:xfrm>
+            <a:off x="3805096" y="5266791"/>
+            <a:ext cx="4581808" cy="1320362"/>
+            <a:chOff x="4424784" y="5266790"/>
+            <a:chExt cx="4581808" cy="1320362"/>
+          </a:xfrm>
+          <a:solidFill>
+            <a:schemeClr val="tx1"/>
+          </a:solidFill>
+        </p:grpSpPr>
+        <p:sp>
+          <p:nvSpPr>
+            <p:cNvPr id="9" name="TextBox 8">
+              <a:extLst>
+                <a:ext uri="{FF2B5EF4-FFF2-40B4-BE49-F238E27FC236}">
+                  <a16:creationId xmlns:a16="http://schemas.microsoft.com/office/drawing/2014/main" id="{8F63343A-B3D4-4081-828C-82A56F2FBAFA}"/>
+                </a:ext>
+              </a:extLst>
+            </p:cNvPr>
+            <p:cNvSpPr txBox="1"/>
+            <p:nvPr/>
+          </p:nvSpPr>
+          <p:spPr>
+            <a:xfrm>
+              <a:off x="4424784" y="5266791"/>
+              <a:ext cx="2410485" cy="1320361"/>
+            </a:xfrm>
+            <a:prstGeom prst="rect">
+              <a:avLst/>
+            </a:prstGeom>
+            <a:grpFill/>
+          </p:spPr>
+          <p:txBody>
+            <a:bodyPr wrap="square">
+              <a:spAutoFit/>
+            </a:bodyPr>
+            <a:lstStyle/>
+            <a:p>
+              <a:pPr indent="-228600">
+                <a:lnSpc>
+                  <a:spcPct val="90000"/>
+                </a:lnSpc>
+                <a:spcAft>
+                  <a:spcPts val="600"/>
+                </a:spcAft>
+                <a:buFont typeface="Arial" panose="020B0604020202020204" pitchFamily="34" charset="0"/>
+                <a:buChar char="•"/>
+              </a:pPr>
+              <a:r>
+                <a:rPr lang="en-US" sz="1800" dirty="0" err="1">
+                  <a:solidFill>
+                    <a:schemeClr val="bg1"/>
+                  </a:solidFill>
+                </a:rPr>
+                <a:t>num_periods</a:t>
+              </a:r>
+              <a:r>
+                <a:rPr lang="en-US" sz="1800" dirty="0">
+                  <a:solidFill>
+                    <a:schemeClr val="bg1"/>
+                  </a:solidFill>
+                </a:rPr>
+                <a:t> = 7</a:t>
+              </a:r>
+            </a:p>
+            <a:p>
+              <a:pPr indent="-228600">
+                <a:lnSpc>
+                  <a:spcPct val="90000"/>
+                </a:lnSpc>
+                <a:spcAft>
+                  <a:spcPts val="600"/>
+                </a:spcAft>
+                <a:buFont typeface="Arial" panose="020B0604020202020204" pitchFamily="34" charset="0"/>
+                <a:buChar char="•"/>
+              </a:pPr>
+              <a:r>
+                <a:rPr lang="en-US" sz="1800" dirty="0" err="1">
+                  <a:solidFill>
+                    <a:schemeClr val="bg1"/>
+                  </a:solidFill>
+                </a:rPr>
+                <a:t>num_weeks</a:t>
+              </a:r>
+              <a:r>
+                <a:rPr lang="en-US" sz="1800" dirty="0">
+                  <a:solidFill>
+                    <a:schemeClr val="bg1"/>
+                  </a:solidFill>
+                </a:rPr>
+                <a:t> = 50</a:t>
+              </a:r>
+            </a:p>
+            <a:p>
+              <a:pPr indent="-228600">
+                <a:lnSpc>
+                  <a:spcPct val="90000"/>
+                </a:lnSpc>
+                <a:spcAft>
+                  <a:spcPts val="600"/>
+                </a:spcAft>
+                <a:buFont typeface="Arial" panose="020B0604020202020204" pitchFamily="34" charset="0"/>
+                <a:buChar char="•"/>
+              </a:pPr>
+              <a:r>
+                <a:rPr lang="en-US" sz="1800" dirty="0" err="1">
+                  <a:solidFill>
+                    <a:schemeClr val="bg1"/>
+                  </a:solidFill>
+                </a:rPr>
+                <a:t>num_rounds</a:t>
+              </a:r>
+              <a:r>
+                <a:rPr lang="en-US" sz="1800" dirty="0">
+                  <a:solidFill>
+                    <a:schemeClr val="bg1"/>
+                  </a:solidFill>
+                </a:rPr>
+                <a:t> = 5</a:t>
+              </a:r>
+            </a:p>
+            <a:p>
+              <a:pPr indent="-228600">
+                <a:lnSpc>
+                  <a:spcPct val="90000"/>
+                </a:lnSpc>
+                <a:spcAft>
+                  <a:spcPts val="600"/>
+                </a:spcAft>
+                <a:buFont typeface="Arial" panose="020B0604020202020204" pitchFamily="34" charset="0"/>
+                <a:buChar char="•"/>
+              </a:pPr>
+              <a:r>
+                <a:rPr lang="en-US" sz="1800" dirty="0" err="1">
+                  <a:solidFill>
+                    <a:schemeClr val="bg1"/>
+                  </a:solidFill>
+                </a:rPr>
+                <a:t>grid_size</a:t>
+              </a:r>
+              <a:r>
+                <a:rPr lang="en-US" sz="1800" dirty="0">
+                  <a:solidFill>
+                    <a:schemeClr val="bg1"/>
+                  </a:solidFill>
+                </a:rPr>
+                <a:t> = 15</a:t>
+              </a:r>
+            </a:p>
+          </p:txBody>
+        </p:sp>
+        <p:sp>
+          <p:nvSpPr>
+            <p:cNvPr id="10" name="TextBox 9">
+              <a:extLst>
+                <a:ext uri="{FF2B5EF4-FFF2-40B4-BE49-F238E27FC236}">
+                  <a16:creationId xmlns:a16="http://schemas.microsoft.com/office/drawing/2014/main" id="{6DAEDB36-355E-464A-873F-630DB284419F}"/>
+                </a:ext>
+              </a:extLst>
+            </p:cNvPr>
+            <p:cNvSpPr txBox="1"/>
+            <p:nvPr/>
+          </p:nvSpPr>
+          <p:spPr>
+            <a:xfrm>
+              <a:off x="6596107" y="5266790"/>
+              <a:ext cx="2410485" cy="1320361"/>
+            </a:xfrm>
+            <a:prstGeom prst="rect">
+              <a:avLst/>
+            </a:prstGeom>
+            <a:grpFill/>
+          </p:spPr>
+          <p:txBody>
+            <a:bodyPr wrap="square">
+              <a:spAutoFit/>
+            </a:bodyPr>
+            <a:lstStyle/>
+            <a:p>
+              <a:pPr indent="-228600">
+                <a:lnSpc>
+                  <a:spcPct val="90000"/>
+                </a:lnSpc>
+                <a:spcAft>
+                  <a:spcPts val="600"/>
+                </a:spcAft>
+                <a:buFont typeface="Arial" panose="020B0604020202020204" pitchFamily="34" charset="0"/>
+                <a:buChar char="•"/>
+              </a:pPr>
+              <a:r>
+                <a:rPr lang="en-US" sz="1800" dirty="0" err="1">
+                  <a:solidFill>
+                    <a:schemeClr val="bg1"/>
+                  </a:solidFill>
+                </a:rPr>
+                <a:t>num_traders</a:t>
+              </a:r>
+              <a:r>
+                <a:rPr lang="en-US" sz="1800" dirty="0">
+                  <a:solidFill>
+                    <a:schemeClr val="bg1"/>
+                  </a:solidFill>
+                </a:rPr>
+                <a:t> = 20</a:t>
+              </a:r>
+            </a:p>
+            <a:p>
+              <a:pPr indent="-228600">
+                <a:lnSpc>
+                  <a:spcPct val="90000"/>
+                </a:lnSpc>
+                <a:spcAft>
+                  <a:spcPts val="600"/>
+                </a:spcAft>
+                <a:buFont typeface="Arial" panose="020B0604020202020204" pitchFamily="34" charset="0"/>
+                <a:buChar char="•"/>
+              </a:pPr>
+              <a:r>
+                <a:rPr lang="en-US" sz="1800" dirty="0" err="1">
+                  <a:solidFill>
+                    <a:schemeClr val="bg1"/>
+                  </a:solidFill>
+                </a:rPr>
+                <a:t>num_units</a:t>
+              </a:r>
+              <a:r>
+                <a:rPr lang="en-US" sz="1800" dirty="0">
+                  <a:solidFill>
+                    <a:schemeClr val="bg1"/>
+                  </a:solidFill>
+                </a:rPr>
+                <a:t> = 8</a:t>
+              </a:r>
+            </a:p>
+            <a:p>
+              <a:pPr indent="-228600">
+                <a:lnSpc>
+                  <a:spcPct val="90000"/>
+                </a:lnSpc>
+                <a:spcAft>
+                  <a:spcPts val="600"/>
+                </a:spcAft>
+                <a:buFont typeface="Arial" panose="020B0604020202020204" pitchFamily="34" charset="0"/>
+                <a:buChar char="•"/>
+              </a:pPr>
+              <a:r>
+                <a:rPr lang="en-US" sz="1800" dirty="0" err="1">
+                  <a:solidFill>
+                    <a:schemeClr val="bg1"/>
+                  </a:solidFill>
+                </a:rPr>
+                <a:t>lower_bound</a:t>
+              </a:r>
+              <a:r>
+                <a:rPr lang="en-US" sz="1800" dirty="0">
+                  <a:solidFill>
+                    <a:schemeClr val="bg1"/>
+                  </a:solidFill>
+                </a:rPr>
+                <a:t> = 200 </a:t>
+              </a:r>
+            </a:p>
+            <a:p>
+              <a:pPr indent="-228600">
+                <a:lnSpc>
+                  <a:spcPct val="90000"/>
+                </a:lnSpc>
+                <a:spcAft>
+                  <a:spcPts val="600"/>
+                </a:spcAft>
+                <a:buFont typeface="Arial" panose="020B0604020202020204" pitchFamily="34" charset="0"/>
+                <a:buChar char="•"/>
+              </a:pPr>
+              <a:r>
+                <a:rPr lang="en-US" sz="1800" dirty="0" err="1">
+                  <a:solidFill>
+                    <a:schemeClr val="bg1"/>
+                  </a:solidFill>
+                </a:rPr>
+                <a:t>upper_bound</a:t>
+              </a:r>
+              <a:r>
+                <a:rPr lang="en-US" sz="1800" dirty="0">
+                  <a:solidFill>
+                    <a:schemeClr val="bg1"/>
+                  </a:solidFill>
+                </a:rPr>
+                <a:t> = 600</a:t>
+              </a:r>
+            </a:p>
+          </p:txBody>
+        </p:sp>
+      </p:grpSp>
+      <p:cxnSp>
+        <p:nvCxnSpPr>
+          <p:cNvPr id="13" name="Straight Connector 12">
+            <a:extLst>
+              <a:ext uri="{FF2B5EF4-FFF2-40B4-BE49-F238E27FC236}">
+                <a16:creationId xmlns:a16="http://schemas.microsoft.com/office/drawing/2014/main" id="{AAE7D4FE-E4D3-4729-BC65-A87A6A32434E}"/>
+              </a:ext>
+            </a:extLst>
+          </p:cNvPr>
+          <p:cNvCxnSpPr/>
+          <p:nvPr/>
+        </p:nvCxnSpPr>
+        <p:spPr>
+          <a:xfrm>
+            <a:off x="580333" y="143143"/>
+            <a:ext cx="0" cy="690562"/>
+          </a:xfrm>
+          <a:prstGeom prst="line">
+            <a:avLst/>
+          </a:prstGeom>
+          <a:ln w="28575"/>
+        </p:spPr>
+        <p:style>
+          <a:lnRef idx="1">
+            <a:schemeClr val="accent1"/>
+          </a:lnRef>
+          <a:fillRef idx="0">
+            <a:schemeClr val="accent1"/>
+          </a:fillRef>
+          <a:effectRef idx="0">
+            <a:schemeClr val="accent1"/>
+          </a:effectRef>
+          <a:fontRef idx="minor">
+            <a:schemeClr val="tx1"/>
+          </a:fontRef>
+        </p:style>
+      </p:cxnSp>
+      <p:sp>
+        <p:nvSpPr>
+          <p:cNvPr id="14" name="TextBox 3">
+            <a:extLst>
+              <a:ext uri="{FF2B5EF4-FFF2-40B4-BE49-F238E27FC236}">
+                <a16:creationId xmlns:a16="http://schemas.microsoft.com/office/drawing/2014/main" id="{569A6D2F-18AE-40C6-B075-E93143900936}"/>
+              </a:ext>
+            </a:extLst>
+          </p:cNvPr>
+          <p:cNvSpPr txBox="1">
+            <a:spLocks noChangeArrowheads="1"/>
+          </p:cNvSpPr>
+          <p:nvPr/>
+        </p:nvSpPr>
+        <p:spPr bwMode="auto">
+          <a:xfrm>
+            <a:off x="709353" y="165258"/>
+            <a:ext cx="11136254" cy="646331"/>
+          </a:xfrm>
+          <a:prstGeom prst="rect">
+            <a:avLst/>
+          </a:prstGeom>
+          <a:noFill/>
+          <a:ln>
+            <a:noFill/>
+          </a:ln>
+          <a:extLst>
+            <a:ext uri="{909E8E84-426E-40DD-AFC4-6F175D3DCCD1}">
+              <a14:hiddenFill xmlns:a14="http://schemas.microsoft.com/office/drawing/2010/main">
+                <a:solidFill>
+                  <a:srgbClr val="FFFFFF"/>
+                </a:solidFill>
+              </a14:hiddenFill>
+            </a:ext>
+            <a:ext uri="{91240B29-F687-4F45-9708-019B960494DF}">
+              <a14:hiddenLine xmlns:a14="http://schemas.microsoft.com/office/drawing/2010/main" w="9525">
+                <a:solidFill>
+                  <a:srgbClr val="000000"/>
+                </a:solidFill>
+                <a:miter lim="800000"/>
+                <a:headEnd/>
+                <a:tailEnd/>
+              </a14:hiddenLine>
+            </a:ext>
+          </a:extLst>
+        </p:spPr>
+        <p:txBody>
+          <a:bodyPr wrap="none">
+            <a:spAutoFit/>
+          </a:bodyPr>
+          <a:lstStyle>
+            <a:lvl1pPr>
+              <a:lnSpc>
+                <a:spcPct val="90000"/>
+              </a:lnSpc>
+              <a:spcBef>
+                <a:spcPts val="1000"/>
+              </a:spcBef>
+              <a:buFont typeface="Arial" panose="020B0604020202020204" pitchFamily="34" charset="0"/>
+              <a:buChar char="•"/>
+              <a:defRPr sz="2800">
+                <a:solidFill>
+                  <a:schemeClr val="tx1"/>
+                </a:solidFill>
+                <a:latin typeface="Calibri" panose="020F0502020204030204" pitchFamily="34" charset="0"/>
+              </a:defRPr>
+            </a:lvl1pPr>
+            <a:lvl2pPr marL="742950" indent="-285750">
+              <a:lnSpc>
+                <a:spcPct val="90000"/>
+              </a:lnSpc>
+              <a:spcBef>
+                <a:spcPts val="500"/>
+              </a:spcBef>
+              <a:buFont typeface="Arial" panose="020B0604020202020204" pitchFamily="34" charset="0"/>
+              <a:buChar char="•"/>
+              <a:defRPr sz="2400">
+                <a:solidFill>
+                  <a:schemeClr val="tx1"/>
+                </a:solidFill>
+                <a:latin typeface="Calibri" panose="020F0502020204030204" pitchFamily="34" charset="0"/>
+              </a:defRPr>
+            </a:lvl2pPr>
+            <a:lvl3pPr marL="1143000" indent="-228600">
+              <a:lnSpc>
+                <a:spcPct val="90000"/>
+              </a:lnSpc>
+              <a:spcBef>
+                <a:spcPts val="500"/>
+              </a:spcBef>
+              <a:buFont typeface="Arial" panose="020B0604020202020204" pitchFamily="34" charset="0"/>
+              <a:buChar char="•"/>
+              <a:defRPr sz="2000">
+                <a:solidFill>
+                  <a:schemeClr val="tx1"/>
+                </a:solidFill>
+                <a:latin typeface="Calibri" panose="020F0502020204030204" pitchFamily="34" charset="0"/>
+              </a:defRPr>
+            </a:lvl3pPr>
+            <a:lvl4pPr marL="1600200" indent="-228600">
+              <a:lnSpc>
+                <a:spcPct val="90000"/>
+              </a:lnSpc>
+              <a:spcBef>
+                <a:spcPts val="500"/>
+              </a:spcBef>
+              <a:buFont typeface="Arial" panose="020B0604020202020204" pitchFamily="34" charset="0"/>
+              <a:buChar char="•"/>
+              <a:defRPr>
+                <a:solidFill>
+                  <a:schemeClr val="tx1"/>
+                </a:solidFill>
+                <a:latin typeface="Calibri" panose="020F0502020204030204" pitchFamily="34" charset="0"/>
+              </a:defRPr>
+            </a:lvl4pPr>
+            <a:lvl5pPr marL="2057400" indent="-228600">
+              <a:lnSpc>
+                <a:spcPct val="90000"/>
+              </a:lnSpc>
+              <a:spcBef>
+                <a:spcPts val="500"/>
+              </a:spcBef>
+              <a:buFont typeface="Arial" panose="020B0604020202020204" pitchFamily="34" charset="0"/>
+              <a:buChar char="•"/>
+              <a:defRPr>
+                <a:solidFill>
+                  <a:schemeClr val="tx1"/>
+                </a:solidFill>
+                <a:latin typeface="Calibri" panose="020F0502020204030204" pitchFamily="34" charset="0"/>
+              </a:defRPr>
+            </a:lvl5pPr>
+            <a:lvl6pPr marL="2514600" indent="-228600" eaLnBrk="0" fontAlgn="base" hangingPunct="0">
+              <a:lnSpc>
+                <a:spcPct val="90000"/>
+              </a:lnSpc>
+              <a:spcBef>
+                <a:spcPts val="500"/>
+              </a:spcBef>
+              <a:spcAft>
+                <a:spcPct val="0"/>
+              </a:spcAft>
+              <a:buFont typeface="Arial" panose="020B0604020202020204" pitchFamily="34" charset="0"/>
+              <a:buChar char="•"/>
+              <a:defRPr>
+                <a:solidFill>
+                  <a:schemeClr val="tx1"/>
+                </a:solidFill>
+                <a:latin typeface="Calibri" panose="020F0502020204030204" pitchFamily="34" charset="0"/>
+              </a:defRPr>
+            </a:lvl6pPr>
+            <a:lvl7pPr marL="2971800" indent="-228600" eaLnBrk="0" fontAlgn="base" hangingPunct="0">
+              <a:lnSpc>
+                <a:spcPct val="90000"/>
+              </a:lnSpc>
+              <a:spcBef>
+                <a:spcPts val="500"/>
+              </a:spcBef>
+              <a:spcAft>
+                <a:spcPct val="0"/>
+              </a:spcAft>
+              <a:buFont typeface="Arial" panose="020B0604020202020204" pitchFamily="34" charset="0"/>
+              <a:buChar char="•"/>
+              <a:defRPr>
+                <a:solidFill>
+                  <a:schemeClr val="tx1"/>
+                </a:solidFill>
+                <a:latin typeface="Calibri" panose="020F0502020204030204" pitchFamily="34" charset="0"/>
+              </a:defRPr>
+            </a:lvl7pPr>
+            <a:lvl8pPr marL="3429000" indent="-228600" eaLnBrk="0" fontAlgn="base" hangingPunct="0">
+              <a:lnSpc>
+                <a:spcPct val="90000"/>
+              </a:lnSpc>
+              <a:spcBef>
+                <a:spcPts val="500"/>
+              </a:spcBef>
+              <a:spcAft>
+                <a:spcPct val="0"/>
+              </a:spcAft>
+              <a:buFont typeface="Arial" panose="020B0604020202020204" pitchFamily="34" charset="0"/>
+              <a:buChar char="•"/>
+              <a:defRPr>
+                <a:solidFill>
+                  <a:schemeClr val="tx1"/>
+                </a:solidFill>
+                <a:latin typeface="Calibri" panose="020F0502020204030204" pitchFamily="34" charset="0"/>
+              </a:defRPr>
+            </a:lvl8pPr>
+            <a:lvl9pPr marL="3886200" indent="-228600" eaLnBrk="0" fontAlgn="base" hangingPunct="0">
+              <a:lnSpc>
+                <a:spcPct val="90000"/>
+              </a:lnSpc>
+              <a:spcBef>
+                <a:spcPts val="500"/>
+              </a:spcBef>
+              <a:spcAft>
+                <a:spcPct val="0"/>
+              </a:spcAft>
+              <a:buFont typeface="Arial" panose="020B0604020202020204" pitchFamily="34" charset="0"/>
+              <a:buChar char="•"/>
+              <a:defRPr>
+                <a:solidFill>
+                  <a:schemeClr val="tx1"/>
+                </a:solidFill>
+                <a:latin typeface="Calibri" panose="020F0502020204030204" pitchFamily="34" charset="0"/>
+              </a:defRPr>
+            </a:lvl9pPr>
+          </a:lstStyle>
+          <a:p>
+            <a:pPr eaLnBrk="1" hangingPunct="1">
+              <a:lnSpc>
+                <a:spcPct val="100000"/>
+              </a:lnSpc>
+              <a:spcBef>
+                <a:spcPct val="0"/>
+              </a:spcBef>
+              <a:buFontTx/>
+              <a:buNone/>
+            </a:pPr>
+            <a:r>
+              <a:rPr lang="en-US" altLang="en-US" sz="3600" dirty="0"/>
+              <a:t>ZID and ZIDA strategies vs Number of grid points occupied </a:t>
+            </a:r>
+          </a:p>
+        </p:txBody>
+      </p:sp>
+      <p:cxnSp>
+        <p:nvCxnSpPr>
+          <p:cNvPr id="8" name="Straight Connector 7">
+            <a:extLst>
+              <a:ext uri="{FF2B5EF4-FFF2-40B4-BE49-F238E27FC236}">
+                <a16:creationId xmlns:a16="http://schemas.microsoft.com/office/drawing/2014/main" id="{F1E5F1C8-A194-4173-B08C-89713B6DFD55}"/>
+              </a:ext>
+            </a:extLst>
+          </p:cNvPr>
+          <p:cNvCxnSpPr>
+            <a:cxnSpLocks/>
+          </p:cNvCxnSpPr>
+          <p:nvPr/>
+        </p:nvCxnSpPr>
+        <p:spPr>
+          <a:xfrm flipV="1">
+            <a:off x="10364526" y="4561840"/>
+            <a:ext cx="405074" cy="692111"/>
+          </a:xfrm>
+          <a:prstGeom prst="line">
+            <a:avLst/>
+          </a:prstGeom>
+          <a:ln>
+            <a:solidFill>
+              <a:srgbClr val="C00000"/>
+            </a:solidFill>
+            <a:tailEnd type="stealth" w="lg" len="lg"/>
+          </a:ln>
+        </p:spPr>
+        <p:style>
+          <a:lnRef idx="1">
+            <a:schemeClr val="accent1"/>
+          </a:lnRef>
+          <a:fillRef idx="0">
+            <a:schemeClr val="accent1"/>
+          </a:fillRef>
+          <a:effectRef idx="0">
+            <a:schemeClr val="accent1"/>
+          </a:effectRef>
+          <a:fontRef idx="minor">
+            <a:schemeClr val="tx1"/>
+          </a:fontRef>
+        </p:style>
+      </p:cxnSp>
+      <p:sp>
+        <p:nvSpPr>
+          <p:cNvPr id="15" name="TextBox 14">
+            <a:extLst>
+              <a:ext uri="{FF2B5EF4-FFF2-40B4-BE49-F238E27FC236}">
+                <a16:creationId xmlns:a16="http://schemas.microsoft.com/office/drawing/2014/main" id="{DE19AF29-39F4-4CBA-984F-BC560C4CDCA5}"/>
+              </a:ext>
+            </a:extLst>
+          </p:cNvPr>
+          <p:cNvSpPr txBox="1"/>
+          <p:nvPr/>
+        </p:nvSpPr>
+        <p:spPr>
+          <a:xfrm>
+            <a:off x="9740599" y="5266791"/>
+            <a:ext cx="1635256" cy="369332"/>
+          </a:xfrm>
+          <a:prstGeom prst="rect">
+            <a:avLst/>
+          </a:prstGeom>
+          <a:noFill/>
+        </p:spPr>
+        <p:txBody>
+          <a:bodyPr wrap="none" rtlCol="0">
+            <a:spAutoFit/>
+          </a:bodyPr>
+          <a:lstStyle/>
+          <a:p>
+            <a:r>
+              <a:rPr lang="en-US" dirty="0">
+                <a:solidFill>
+                  <a:srgbClr val="C00000"/>
+                </a:solidFill>
+              </a:rPr>
+              <a:t>Note local max</a:t>
+            </a:r>
+          </a:p>
+        </p:txBody>
+      </p:sp>
+    </p:spTree>
+    <p:extLst>
+      <p:ext uri="{BB962C8B-B14F-4D97-AF65-F5344CB8AC3E}">
+        <p14:creationId xmlns:p14="http://schemas.microsoft.com/office/powerpoint/2010/main" val="3964706345"/>
+      </p:ext>
+    </p:extLst>
+  </p:cSld>
+  <p:clrMapOvr>
+    <a:masterClrMapping/>
+  </p:clrMapOvr>
+</p:sld>
+</file>
+
+<file path=ppt/slides/slide21.xml><?xml version="1.0" encoding="utf-8"?>
+<p:sld xmlns:a="http://schemas.openxmlformats.org/drawingml/2006/main" xmlns:r="http://schemas.openxmlformats.org/officeDocument/2006/relationships" xmlns:p="http://schemas.openxmlformats.org/presentationml/2006/main">
+  <p:cSld>
     <p:bg>
       <p:bgPr>
         <a:solidFill>
@@ -16324,7 +16890,7 @@
 </p:sld>
 </file>
 
-<file path=ppt/slides/slide21.xml><?xml version="1.0" encoding="utf-8"?>
+<file path=ppt/slides/slide22.xml><?xml version="1.0" encoding="utf-8"?>
 <p:sld xmlns:a="http://schemas.openxmlformats.org/drawingml/2006/main" xmlns:r="http://schemas.openxmlformats.org/officeDocument/2006/relationships" xmlns:p="http://schemas.openxmlformats.org/presentationml/2006/main">
   <p:cSld>
     <p:spTree>
@@ -16703,6 +17269,53 @@
           </a:p>
         </p:txBody>
       </p:sp>
+      <p:sp>
+        <p:nvSpPr>
+          <p:cNvPr id="5" name="Rectangle 4">
+            <a:extLst>
+              <a:ext uri="{FF2B5EF4-FFF2-40B4-BE49-F238E27FC236}">
+                <a16:creationId xmlns:a16="http://schemas.microsoft.com/office/drawing/2014/main" id="{6898CABD-CB99-4877-BE10-1C6A40BB252D}"/>
+              </a:ext>
+            </a:extLst>
+          </p:cNvPr>
+          <p:cNvSpPr/>
+          <p:nvPr/>
+        </p:nvSpPr>
+        <p:spPr>
+          <a:xfrm>
+            <a:off x="1121420" y="3702867"/>
+            <a:ext cx="10132031" cy="1570129"/>
+          </a:xfrm>
+          <a:prstGeom prst="rect">
+            <a:avLst/>
+          </a:prstGeom>
+          <a:noFill/>
+        </p:spPr>
+        <p:style>
+          <a:lnRef idx="2">
+            <a:schemeClr val="accent1">
+              <a:shade val="50000"/>
+            </a:schemeClr>
+          </a:lnRef>
+          <a:fillRef idx="1">
+            <a:schemeClr val="accent1"/>
+          </a:fillRef>
+          <a:effectRef idx="0">
+            <a:schemeClr val="accent1"/>
+          </a:effectRef>
+          <a:fontRef idx="minor">
+            <a:schemeClr val="lt1"/>
+          </a:fontRef>
+        </p:style>
+        <p:txBody>
+          <a:bodyPr rtlCol="0" anchor="ctr"/>
+          <a:lstStyle/>
+          <a:p>
+            <a:pPr algn="ctr"/>
+            <a:endParaRPr lang="en-US"/>
+          </a:p>
+        </p:txBody>
+      </p:sp>
     </p:spTree>
     <p:extLst>
       <p:ext uri="{BB962C8B-B14F-4D97-AF65-F5344CB8AC3E}">
@@ -16716,7 +17329,7 @@
 </p:sld>
 </file>
 
-<file path=ppt/slides/slide22.xml><?xml version="1.0" encoding="utf-8"?>
+<file path=ppt/slides/slide23.xml><?xml version="1.0" encoding="utf-8"?>
 <p:sld xmlns:a="http://schemas.openxmlformats.org/drawingml/2006/main" xmlns:r="http://schemas.openxmlformats.org/officeDocument/2006/relationships" xmlns:p="http://schemas.openxmlformats.org/presentationml/2006/main">
   <p:cSld>
     <p:bg>
@@ -17370,7 +17983,7 @@
         <p:spPr>
           <a:xfrm>
             <a:off x="558791" y="1101012"/>
-            <a:ext cx="3123868" cy="369332"/>
+            <a:ext cx="4468083" cy="646331"/>
           </a:xfrm>
           <a:prstGeom prst="rect">
             <a:avLst/>
@@ -17386,6 +17999,12 @@
             <a:r>
               <a:rPr lang="en-US" dirty="0"/>
               <a:t>Compare efficiency of ZID, ZIDP</a:t>
+            </a:r>
+          </a:p>
+          <a:p>
+            <a:r>
+              <a:rPr lang="en-US" dirty="0"/>
+              <a:t>Note Narrow range on y-axis of graph [10, 20]</a:t>
             </a:r>
           </a:p>
         </p:txBody>
@@ -17450,7 +18069,7 @@
 </p:sld>
 </file>
 
-<file path=ppt/slides/slide23.xml><?xml version="1.0" encoding="utf-8"?>
+<file path=ppt/slides/slide24.xml><?xml version="1.0" encoding="utf-8"?>
 <p:sld xmlns:a="http://schemas.openxmlformats.org/drawingml/2006/main" xmlns:r="http://schemas.openxmlformats.org/officeDocument/2006/relationships" xmlns:p="http://schemas.openxmlformats.org/presentationml/2006/main">
   <p:cSld>
     <p:bg>
@@ -18184,7 +18803,7 @@
 </p:sld>
 </file>
 
-<file path=ppt/slides/slide24.xml><?xml version="1.0" encoding="utf-8"?>
+<file path=ppt/slides/slide25.xml><?xml version="1.0" encoding="utf-8"?>
 <p:sld xmlns:a="http://schemas.openxmlformats.org/drawingml/2006/main" xmlns:r="http://schemas.openxmlformats.org/officeDocument/2006/relationships" xmlns:p="http://schemas.openxmlformats.org/presentationml/2006/main">
   <p:cSld>
     <p:spTree>
@@ -18611,6 +19230,53 @@
           </a:p>
         </p:txBody>
       </p:sp>
+      <p:sp>
+        <p:nvSpPr>
+          <p:cNvPr id="7" name="Rectangle 6">
+            <a:extLst>
+              <a:ext uri="{FF2B5EF4-FFF2-40B4-BE49-F238E27FC236}">
+                <a16:creationId xmlns:a16="http://schemas.microsoft.com/office/drawing/2014/main" id="{FF1F9F0C-1545-40E3-867F-43CAFC98C69A}"/>
+              </a:ext>
+            </a:extLst>
+          </p:cNvPr>
+          <p:cNvSpPr/>
+          <p:nvPr/>
+        </p:nvSpPr>
+        <p:spPr>
+          <a:xfrm>
+            <a:off x="1222044" y="5468292"/>
+            <a:ext cx="10132031" cy="778599"/>
+          </a:xfrm>
+          <a:prstGeom prst="rect">
+            <a:avLst/>
+          </a:prstGeom>
+          <a:noFill/>
+        </p:spPr>
+        <p:style>
+          <a:lnRef idx="2">
+            <a:schemeClr val="accent1">
+              <a:shade val="50000"/>
+            </a:schemeClr>
+          </a:lnRef>
+          <a:fillRef idx="1">
+            <a:schemeClr val="accent1"/>
+          </a:fillRef>
+          <a:effectRef idx="0">
+            <a:schemeClr val="accent1"/>
+          </a:effectRef>
+          <a:fontRef idx="minor">
+            <a:schemeClr val="lt1"/>
+          </a:fontRef>
+        </p:style>
+        <p:txBody>
+          <a:bodyPr rtlCol="0" anchor="ctr"/>
+          <a:lstStyle/>
+          <a:p>
+            <a:pPr algn="ctr"/>
+            <a:endParaRPr lang="en-US"/>
+          </a:p>
+        </p:txBody>
+      </p:sp>
     </p:spTree>
     <p:extLst>
       <p:ext uri="{BB962C8B-B14F-4D97-AF65-F5344CB8AC3E}">
@@ -18624,7 +19290,7 @@
 </p:sld>
 </file>
 
-<file path=ppt/slides/slide25.xml><?xml version="1.0" encoding="utf-8"?>
+<file path=ppt/slides/slide26.xml><?xml version="1.0" encoding="utf-8"?>
 <p:sld xmlns:a="http://schemas.openxmlformats.org/drawingml/2006/main" xmlns:r="http://schemas.openxmlformats.org/officeDocument/2006/relationships" xmlns:p="http://schemas.openxmlformats.org/presentationml/2006/main">
   <p:cSld>
     <p:bg>
@@ -19358,7 +20024,7 @@
 </p:sld>
 </file>
 
-<file path=ppt/slides/slide26.xml><?xml version="1.0" encoding="utf-8"?>
+<file path=ppt/slides/slide27.xml><?xml version="1.0" encoding="utf-8"?>
 <p:sld xmlns:a="http://schemas.openxmlformats.org/drawingml/2006/main" xmlns:r="http://schemas.openxmlformats.org/officeDocument/2006/relationships" xmlns:p="http://schemas.openxmlformats.org/presentationml/2006/main">
   <p:cSld>
     <p:spTree>
@@ -19804,6 +20470,53 @@
           </a:p>
         </p:txBody>
       </p:sp>
+      <p:sp>
+        <p:nvSpPr>
+          <p:cNvPr id="7" name="Rectangle 6">
+            <a:extLst>
+              <a:ext uri="{FF2B5EF4-FFF2-40B4-BE49-F238E27FC236}">
+                <a16:creationId xmlns:a16="http://schemas.microsoft.com/office/drawing/2014/main" id="{DC7A0FC8-5FE9-4142-B46F-77D6F647ED3A}"/>
+              </a:ext>
+            </a:extLst>
+          </p:cNvPr>
+          <p:cNvSpPr/>
+          <p:nvPr/>
+        </p:nvSpPr>
+        <p:spPr>
+          <a:xfrm>
+            <a:off x="1402080" y="4110882"/>
+            <a:ext cx="10132031" cy="1696269"/>
+          </a:xfrm>
+          <a:prstGeom prst="rect">
+            <a:avLst/>
+          </a:prstGeom>
+          <a:noFill/>
+        </p:spPr>
+        <p:style>
+          <a:lnRef idx="2">
+            <a:schemeClr val="accent1">
+              <a:shade val="50000"/>
+            </a:schemeClr>
+          </a:lnRef>
+          <a:fillRef idx="1">
+            <a:schemeClr val="accent1"/>
+          </a:fillRef>
+          <a:effectRef idx="0">
+            <a:schemeClr val="accent1"/>
+          </a:effectRef>
+          <a:fontRef idx="minor">
+            <a:schemeClr val="lt1"/>
+          </a:fontRef>
+        </p:style>
+        <p:txBody>
+          <a:bodyPr rtlCol="0" anchor="ctr"/>
+          <a:lstStyle/>
+          <a:p>
+            <a:pPr algn="ctr"/>
+            <a:endParaRPr lang="en-US"/>
+          </a:p>
+        </p:txBody>
+      </p:sp>
     </p:spTree>
     <p:extLst>
       <p:ext uri="{BB962C8B-B14F-4D97-AF65-F5344CB8AC3E}">
@@ -19817,7 +20530,7 @@
 </p:sld>
 </file>
 
-<file path=ppt/slides/slide27.xml><?xml version="1.0" encoding="utf-8"?>
+<file path=ppt/slides/slide28.xml><?xml version="1.0" encoding="utf-8"?>
 <p:sld xmlns:a="http://schemas.openxmlformats.org/drawingml/2006/main" xmlns:r="http://schemas.openxmlformats.org/officeDocument/2006/relationships" xmlns:p="http://schemas.openxmlformats.org/presentationml/2006/main">
   <p:cSld>
     <p:bg>
@@ -20551,7 +21264,7 @@
 </p:sld>
 </file>
 
-<file path=ppt/slides/slide28.xml><?xml version="1.0" encoding="utf-8"?>
+<file path=ppt/slides/slide29.xml><?xml version="1.0" encoding="utf-8"?>
 <p:sld xmlns:a="http://schemas.openxmlformats.org/drawingml/2006/main" xmlns:r="http://schemas.openxmlformats.org/officeDocument/2006/relationships" xmlns:p="http://schemas.openxmlformats.org/presentationml/2006/main">
   <p:cSld>
     <p:bg>
@@ -21285,7 +21998,377 @@
 </p:sld>
 </file>
 
-<file path=ppt/slides/slide29.xml><?xml version="1.0" encoding="utf-8"?>
+<file path=ppt/slides/slide3.xml><?xml version="1.0" encoding="utf-8"?>
+<p:sld xmlns:a="http://schemas.openxmlformats.org/drawingml/2006/main" xmlns:r="http://schemas.openxmlformats.org/officeDocument/2006/relationships" xmlns:p="http://schemas.openxmlformats.org/presentationml/2006/main">
+  <p:cSld>
+    <p:spTree>
+      <p:nvGrpSpPr>
+        <p:cNvPr id="1" name=""/>
+        <p:cNvGrpSpPr/>
+        <p:nvPr/>
+      </p:nvGrpSpPr>
+      <p:grpSpPr>
+        <a:xfrm>
+          <a:off x="0" y="0"/>
+          <a:ext cx="0" cy="0"/>
+          <a:chOff x="0" y="0"/>
+          <a:chExt cx="0" cy="0"/>
+        </a:xfrm>
+      </p:grpSpPr>
+      <p:cxnSp>
+        <p:nvCxnSpPr>
+          <p:cNvPr id="2" name="Straight Connector 1">
+            <a:extLst>
+              <a:ext uri="{FF2B5EF4-FFF2-40B4-BE49-F238E27FC236}">
+                <a16:creationId xmlns:a16="http://schemas.microsoft.com/office/drawing/2014/main" id="{8A92ECAE-0155-47C1-9739-0D367F25D427}"/>
+              </a:ext>
+            </a:extLst>
+          </p:cNvPr>
+          <p:cNvCxnSpPr/>
+          <p:nvPr/>
+        </p:nvCxnSpPr>
+        <p:spPr>
+          <a:xfrm>
+            <a:off x="1533525" y="373063"/>
+            <a:ext cx="0" cy="690562"/>
+          </a:xfrm>
+          <a:prstGeom prst="line">
+            <a:avLst/>
+          </a:prstGeom>
+          <a:ln w="28575"/>
+        </p:spPr>
+        <p:style>
+          <a:lnRef idx="1">
+            <a:schemeClr val="accent1"/>
+          </a:lnRef>
+          <a:fillRef idx="0">
+            <a:schemeClr val="accent1"/>
+          </a:fillRef>
+          <a:effectRef idx="0">
+            <a:schemeClr val="accent1"/>
+          </a:effectRef>
+          <a:fontRef idx="minor">
+            <a:schemeClr val="tx1"/>
+          </a:fontRef>
+        </p:style>
+      </p:cxnSp>
+      <p:sp>
+        <p:nvSpPr>
+          <p:cNvPr id="3" name="TextBox 3">
+            <a:extLst>
+              <a:ext uri="{FF2B5EF4-FFF2-40B4-BE49-F238E27FC236}">
+                <a16:creationId xmlns:a16="http://schemas.microsoft.com/office/drawing/2014/main" id="{B6C37F1A-D49B-4DF5-9273-3D5BAC5F25A4}"/>
+              </a:ext>
+            </a:extLst>
+          </p:cNvPr>
+          <p:cNvSpPr txBox="1">
+            <a:spLocks noChangeArrowheads="1"/>
+          </p:cNvSpPr>
+          <p:nvPr/>
+        </p:nvSpPr>
+        <p:spPr bwMode="auto">
+          <a:xfrm>
+            <a:off x="1727200" y="355600"/>
+            <a:ext cx="1668021" cy="707886"/>
+          </a:xfrm>
+          <a:prstGeom prst="rect">
+            <a:avLst/>
+          </a:prstGeom>
+          <a:noFill/>
+          <a:ln>
+            <a:noFill/>
+          </a:ln>
+          <a:extLst>
+            <a:ext uri="{909E8E84-426E-40DD-AFC4-6F175D3DCCD1}">
+              <a14:hiddenFill xmlns:a14="http://schemas.microsoft.com/office/drawing/2010/main">
+                <a:solidFill>
+                  <a:srgbClr val="FFFFFF"/>
+                </a:solidFill>
+              </a14:hiddenFill>
+            </a:ext>
+            <a:ext uri="{91240B29-F687-4F45-9708-019B960494DF}">
+              <a14:hiddenLine xmlns:a14="http://schemas.microsoft.com/office/drawing/2010/main" w="9525">
+                <a:solidFill>
+                  <a:srgbClr val="000000"/>
+                </a:solidFill>
+                <a:miter lim="800000"/>
+                <a:headEnd/>
+                <a:tailEnd/>
+              </a14:hiddenLine>
+            </a:ext>
+          </a:extLst>
+        </p:spPr>
+        <p:txBody>
+          <a:bodyPr wrap="none">
+            <a:spAutoFit/>
+          </a:bodyPr>
+          <a:lstStyle>
+            <a:lvl1pPr>
+              <a:lnSpc>
+                <a:spcPct val="90000"/>
+              </a:lnSpc>
+              <a:spcBef>
+                <a:spcPts val="1000"/>
+              </a:spcBef>
+              <a:buFont typeface="Arial" panose="020B0604020202020204" pitchFamily="34" charset="0"/>
+              <a:buChar char="•"/>
+              <a:defRPr sz="2800">
+                <a:solidFill>
+                  <a:schemeClr val="tx1"/>
+                </a:solidFill>
+                <a:latin typeface="Calibri" panose="020F0502020204030204" pitchFamily="34" charset="0"/>
+              </a:defRPr>
+            </a:lvl1pPr>
+            <a:lvl2pPr marL="742950" indent="-285750">
+              <a:lnSpc>
+                <a:spcPct val="90000"/>
+              </a:lnSpc>
+              <a:spcBef>
+                <a:spcPts val="500"/>
+              </a:spcBef>
+              <a:buFont typeface="Arial" panose="020B0604020202020204" pitchFamily="34" charset="0"/>
+              <a:buChar char="•"/>
+              <a:defRPr sz="2400">
+                <a:solidFill>
+                  <a:schemeClr val="tx1"/>
+                </a:solidFill>
+                <a:latin typeface="Calibri" panose="020F0502020204030204" pitchFamily="34" charset="0"/>
+              </a:defRPr>
+            </a:lvl2pPr>
+            <a:lvl3pPr marL="1143000" indent="-228600">
+              <a:lnSpc>
+                <a:spcPct val="90000"/>
+              </a:lnSpc>
+              <a:spcBef>
+                <a:spcPts val="500"/>
+              </a:spcBef>
+              <a:buFont typeface="Arial" panose="020B0604020202020204" pitchFamily="34" charset="0"/>
+              <a:buChar char="•"/>
+              <a:defRPr sz="2000">
+                <a:solidFill>
+                  <a:schemeClr val="tx1"/>
+                </a:solidFill>
+                <a:latin typeface="Calibri" panose="020F0502020204030204" pitchFamily="34" charset="0"/>
+              </a:defRPr>
+            </a:lvl3pPr>
+            <a:lvl4pPr marL="1600200" indent="-228600">
+              <a:lnSpc>
+                <a:spcPct val="90000"/>
+              </a:lnSpc>
+              <a:spcBef>
+                <a:spcPts val="500"/>
+              </a:spcBef>
+              <a:buFont typeface="Arial" panose="020B0604020202020204" pitchFamily="34" charset="0"/>
+              <a:buChar char="•"/>
+              <a:defRPr>
+                <a:solidFill>
+                  <a:schemeClr val="tx1"/>
+                </a:solidFill>
+                <a:latin typeface="Calibri" panose="020F0502020204030204" pitchFamily="34" charset="0"/>
+              </a:defRPr>
+            </a:lvl4pPr>
+            <a:lvl5pPr marL="2057400" indent="-228600">
+              <a:lnSpc>
+                <a:spcPct val="90000"/>
+              </a:lnSpc>
+              <a:spcBef>
+                <a:spcPts val="500"/>
+              </a:spcBef>
+              <a:buFont typeface="Arial" panose="020B0604020202020204" pitchFamily="34" charset="0"/>
+              <a:buChar char="•"/>
+              <a:defRPr>
+                <a:solidFill>
+                  <a:schemeClr val="tx1"/>
+                </a:solidFill>
+                <a:latin typeface="Calibri" panose="020F0502020204030204" pitchFamily="34" charset="0"/>
+              </a:defRPr>
+            </a:lvl5pPr>
+            <a:lvl6pPr marL="2514600" indent="-228600" eaLnBrk="0" fontAlgn="base" hangingPunct="0">
+              <a:lnSpc>
+                <a:spcPct val="90000"/>
+              </a:lnSpc>
+              <a:spcBef>
+                <a:spcPts val="500"/>
+              </a:spcBef>
+              <a:spcAft>
+                <a:spcPct val="0"/>
+              </a:spcAft>
+              <a:buFont typeface="Arial" panose="020B0604020202020204" pitchFamily="34" charset="0"/>
+              <a:buChar char="•"/>
+              <a:defRPr>
+                <a:solidFill>
+                  <a:schemeClr val="tx1"/>
+                </a:solidFill>
+                <a:latin typeface="Calibri" panose="020F0502020204030204" pitchFamily="34" charset="0"/>
+              </a:defRPr>
+            </a:lvl6pPr>
+            <a:lvl7pPr marL="2971800" indent="-228600" eaLnBrk="0" fontAlgn="base" hangingPunct="0">
+              <a:lnSpc>
+                <a:spcPct val="90000"/>
+              </a:lnSpc>
+              <a:spcBef>
+                <a:spcPts val="500"/>
+              </a:spcBef>
+              <a:spcAft>
+                <a:spcPct val="0"/>
+              </a:spcAft>
+              <a:buFont typeface="Arial" panose="020B0604020202020204" pitchFamily="34" charset="0"/>
+              <a:buChar char="•"/>
+              <a:defRPr>
+                <a:solidFill>
+                  <a:schemeClr val="tx1"/>
+                </a:solidFill>
+                <a:latin typeface="Calibri" panose="020F0502020204030204" pitchFamily="34" charset="0"/>
+              </a:defRPr>
+            </a:lvl7pPr>
+            <a:lvl8pPr marL="3429000" indent="-228600" eaLnBrk="0" fontAlgn="base" hangingPunct="0">
+              <a:lnSpc>
+                <a:spcPct val="90000"/>
+              </a:lnSpc>
+              <a:spcBef>
+                <a:spcPts val="500"/>
+              </a:spcBef>
+              <a:spcAft>
+                <a:spcPct val="0"/>
+              </a:spcAft>
+              <a:buFont typeface="Arial" panose="020B0604020202020204" pitchFamily="34" charset="0"/>
+              <a:buChar char="•"/>
+              <a:defRPr>
+                <a:solidFill>
+                  <a:schemeClr val="tx1"/>
+                </a:solidFill>
+                <a:latin typeface="Calibri" panose="020F0502020204030204" pitchFamily="34" charset="0"/>
+              </a:defRPr>
+            </a:lvl8pPr>
+            <a:lvl9pPr marL="3886200" indent="-228600" eaLnBrk="0" fontAlgn="base" hangingPunct="0">
+              <a:lnSpc>
+                <a:spcPct val="90000"/>
+              </a:lnSpc>
+              <a:spcBef>
+                <a:spcPts val="500"/>
+              </a:spcBef>
+              <a:spcAft>
+                <a:spcPct val="0"/>
+              </a:spcAft>
+              <a:buFont typeface="Arial" panose="020B0604020202020204" pitchFamily="34" charset="0"/>
+              <a:buChar char="•"/>
+              <a:defRPr>
+                <a:solidFill>
+                  <a:schemeClr val="tx1"/>
+                </a:solidFill>
+                <a:latin typeface="Calibri" panose="020F0502020204030204" pitchFamily="34" charset="0"/>
+              </a:defRPr>
+            </a:lvl9pPr>
+          </a:lstStyle>
+          <a:p>
+            <a:pPr eaLnBrk="1" hangingPunct="1">
+              <a:lnSpc>
+                <a:spcPct val="100000"/>
+              </a:lnSpc>
+              <a:spcBef>
+                <a:spcPct val="0"/>
+              </a:spcBef>
+              <a:buFontTx/>
+              <a:buNone/>
+            </a:pPr>
+            <a:r>
+              <a:rPr lang="en-US" altLang="en-US" sz="4000" dirty="0"/>
+              <a:t>Results</a:t>
+            </a:r>
+          </a:p>
+        </p:txBody>
+      </p:sp>
+      <p:sp>
+        <p:nvSpPr>
+          <p:cNvPr id="4" name="TextBox 3">
+            <a:extLst>
+              <a:ext uri="{FF2B5EF4-FFF2-40B4-BE49-F238E27FC236}">
+                <a16:creationId xmlns:a16="http://schemas.microsoft.com/office/drawing/2014/main" id="{E8B9D310-4E9A-4001-9097-C60E64C555C3}"/>
+              </a:ext>
+            </a:extLst>
+          </p:cNvPr>
+          <p:cNvSpPr txBox="1"/>
+          <p:nvPr/>
+        </p:nvSpPr>
+        <p:spPr>
+          <a:xfrm>
+            <a:off x="823865" y="1828800"/>
+            <a:ext cx="10869963" cy="3046988"/>
+          </a:xfrm>
+          <a:prstGeom prst="rect">
+            <a:avLst/>
+          </a:prstGeom>
+          <a:noFill/>
+        </p:spPr>
+        <p:txBody>
+          <a:bodyPr wrap="none" rtlCol="0">
+            <a:spAutoFit/>
+          </a:bodyPr>
+          <a:lstStyle/>
+          <a:p>
+            <a:r>
+              <a:rPr lang="en-US" sz="2400" dirty="0"/>
+              <a:t>MES  – On a spatial grid with order-book bargaining (First Two Stages)</a:t>
+            </a:r>
+          </a:p>
+          <a:p>
+            <a:r>
+              <a:rPr lang="en-US" sz="2400" dirty="0"/>
+              <a:t>ZID    – Random Mover:  Does not do well on spatial grid.</a:t>
+            </a:r>
+          </a:p>
+          <a:p>
+            <a:r>
+              <a:rPr lang="en-US" sz="2400" dirty="0"/>
+              <a:t>ZIDA  – Stays when it contracts:  Does much better than ZID spatial grid.</a:t>
+            </a:r>
+          </a:p>
+          <a:p>
+            <a:r>
+              <a:rPr lang="en-US" sz="2400" dirty="0"/>
+              <a:t>ZIDP  – Takes best offer in order-book: Better (eff, rent-seeking) than ZID in small grids</a:t>
+            </a:r>
+          </a:p>
+          <a:p>
+            <a:r>
+              <a:rPr lang="en-US" sz="2400" dirty="0"/>
+              <a:t>ZIDPA – Combines ZIDA and ZIDP:  Not more efficient than ZIDA, but better rent seeker</a:t>
+            </a:r>
+          </a:p>
+          <a:p>
+            <a:r>
+              <a:rPr lang="en-US" sz="2400" dirty="0"/>
+              <a:t>ZIDR – Avoids crowds &gt; 2; does much worse (eff, rent-seeking) than ZIDA</a:t>
+            </a:r>
+          </a:p>
+          <a:p>
+            <a:r>
+              <a:rPr lang="en-US" sz="2400" dirty="0"/>
+              <a:t>ZIDPR – ZIDR &amp; ZIDP – Same Results for eff and rent-seeking</a:t>
+            </a:r>
+          </a:p>
+          <a:p>
+            <a:r>
+              <a:rPr lang="en-US" sz="2400" dirty="0"/>
+              <a:t>                                       - Pulls down eff disproportionately when combined with ZIDPR</a:t>
+            </a:r>
+          </a:p>
+        </p:txBody>
+      </p:sp>
+    </p:spTree>
+    <p:extLst>
+      <p:ext uri="{BB962C8B-B14F-4D97-AF65-F5344CB8AC3E}">
+        <p14:creationId xmlns:p14="http://schemas.microsoft.com/office/powerpoint/2010/main" val="3653599228"/>
+      </p:ext>
+    </p:extLst>
+  </p:cSld>
+  <p:clrMapOvr>
+    <a:masterClrMapping/>
+  </p:clrMapOvr>
+</p:sld>
+</file>
+
+<file path=ppt/slides/slide30.xml><?xml version="1.0" encoding="utf-8"?>
 <p:sld xmlns:a="http://schemas.openxmlformats.org/drawingml/2006/main" xmlns:r="http://schemas.openxmlformats.org/officeDocument/2006/relationships" xmlns:p="http://schemas.openxmlformats.org/presentationml/2006/main">
   <p:cSld>
     <p:spTree>
@@ -21578,7 +22661,7 @@
 </p:sld>
 </file>
 
-<file path=ppt/slides/slide3.xml><?xml version="1.0" encoding="utf-8"?>
+<file path=ppt/slides/slide4.xml><?xml version="1.0" encoding="utf-8"?>
 <p:sld xmlns:a="http://schemas.openxmlformats.org/drawingml/2006/main" xmlns:r="http://schemas.openxmlformats.org/officeDocument/2006/relationships" xmlns:p="http://schemas.openxmlformats.org/presentationml/2006/main">
   <p:cSld>
     <p:spTree>
@@ -21932,7 +23015,7 @@
 </p:sld>
 </file>
 
-<file path=ppt/slides/slide4.xml><?xml version="1.0" encoding="utf-8"?>
+<file path=ppt/slides/slide5.xml><?xml version="1.0" encoding="utf-8"?>
 <p:sld xmlns:a="http://schemas.openxmlformats.org/drawingml/2006/main" xmlns:r="http://schemas.openxmlformats.org/officeDocument/2006/relationships" xmlns:p="http://schemas.openxmlformats.org/presentationml/2006/main">
   <p:cSld>
     <p:spTree>
@@ -22465,7 +23548,7 @@
 </p:sld>
 </file>
 
-<file path=ppt/slides/slide5.xml><?xml version="1.0" encoding="utf-8"?>
+<file path=ppt/slides/slide6.xml><?xml version="1.0" encoding="utf-8"?>
 <p:sld xmlns:a="http://schemas.openxmlformats.org/drawingml/2006/main" xmlns:r="http://schemas.openxmlformats.org/officeDocument/2006/relationships" xmlns:p="http://schemas.openxmlformats.org/presentationml/2006/main">
   <p:cSld>
     <p:spTree>
@@ -22717,7 +23800,7 @@
 </p:sld>
 </file>
 
-<file path=ppt/slides/slide6.xml><?xml version="1.0" encoding="utf-8"?>
+<file path=ppt/slides/slide7.xml><?xml version="1.0" encoding="utf-8"?>
 <p:sld xmlns:a="http://schemas.openxmlformats.org/drawingml/2006/main" xmlns:r="http://schemas.openxmlformats.org/officeDocument/2006/relationships" xmlns:p="http://schemas.openxmlformats.org/presentationml/2006/main">
   <p:cSld>
     <p:spTree>
@@ -23883,7 +24966,7 @@
 </p:sld>
 </file>
 
-<file path=ppt/slides/slide7.xml><?xml version="1.0" encoding="utf-8"?>
+<file path=ppt/slides/slide8.xml><?xml version="1.0" encoding="utf-8"?>
 <p:sld xmlns:a="http://schemas.openxmlformats.org/drawingml/2006/main" xmlns:r="http://schemas.openxmlformats.org/officeDocument/2006/relationships" xmlns:p="http://schemas.openxmlformats.org/presentationml/2006/main">
   <p:cSld>
     <p:spTree>
@@ -24300,7 +25383,7 @@
 </p:sld>
 </file>
 
-<file path=ppt/slides/slide8.xml><?xml version="1.0" encoding="utf-8"?>
+<file path=ppt/slides/slide9.xml><?xml version="1.0" encoding="utf-8"?>
 <p:sld xmlns:a="http://schemas.openxmlformats.org/drawingml/2006/main" xmlns:r="http://schemas.openxmlformats.org/officeDocument/2006/relationships" xmlns:p="http://schemas.openxmlformats.org/presentationml/2006/main">
   <p:cSld>
     <p:spTree>
@@ -24708,477 +25791,6 @@
     <p:extLst>
       <p:ext uri="{BB962C8B-B14F-4D97-AF65-F5344CB8AC3E}">
         <p14:creationId xmlns:p14="http://schemas.microsoft.com/office/powerpoint/2010/main" val="39788281"/>
-      </p:ext>
-    </p:extLst>
-  </p:cSld>
-  <p:clrMapOvr>
-    <a:masterClrMapping/>
-  </p:clrMapOvr>
-</p:sld>
-</file>
-
-<file path=ppt/slides/slide9.xml><?xml version="1.0" encoding="utf-8"?>
-<p:sld xmlns:a="http://schemas.openxmlformats.org/drawingml/2006/main" xmlns:r="http://schemas.openxmlformats.org/officeDocument/2006/relationships" xmlns:p="http://schemas.openxmlformats.org/presentationml/2006/main">
-  <p:cSld>
-    <p:spTree>
-      <p:nvGrpSpPr>
-        <p:cNvPr id="1" name=""/>
-        <p:cNvGrpSpPr/>
-        <p:nvPr/>
-      </p:nvGrpSpPr>
-      <p:grpSpPr>
-        <a:xfrm>
-          <a:off x="0" y="0"/>
-          <a:ext cx="0" cy="0"/>
-          <a:chOff x="0" y="0"/>
-          <a:chExt cx="0" cy="0"/>
-        </a:xfrm>
-      </p:grpSpPr>
-      <p:pic>
-        <p:nvPicPr>
-          <p:cNvPr id="3" name="Picture 2">
-            <a:extLst>
-              <a:ext uri="{FF2B5EF4-FFF2-40B4-BE49-F238E27FC236}">
-                <a16:creationId xmlns:a16="http://schemas.microsoft.com/office/drawing/2014/main" id="{1CFE2773-D69F-4425-8922-8451A2E36149}"/>
-              </a:ext>
-            </a:extLst>
-          </p:cNvPr>
-          <p:cNvPicPr>
-            <a:picLocks noChangeAspect="1"/>
-          </p:cNvPicPr>
-          <p:nvPr/>
-        </p:nvPicPr>
-        <p:blipFill>
-          <a:blip r:embed="rId2"/>
-          <a:stretch>
-            <a:fillRect/>
-          </a:stretch>
-        </p:blipFill>
-        <p:spPr>
-          <a:xfrm>
-            <a:off x="1426533" y="1487966"/>
-            <a:ext cx="9972675" cy="6362700"/>
-          </a:xfrm>
-          <a:prstGeom prst="rect">
-            <a:avLst/>
-          </a:prstGeom>
-        </p:spPr>
-      </p:pic>
-      <p:sp>
-        <p:nvSpPr>
-          <p:cNvPr id="4" name="Rectangle 3">
-            <a:extLst>
-              <a:ext uri="{FF2B5EF4-FFF2-40B4-BE49-F238E27FC236}">
-                <a16:creationId xmlns:a16="http://schemas.microsoft.com/office/drawing/2014/main" id="{D26C1427-A827-4BB0-AEA1-9E90150C10EB}"/>
-              </a:ext>
-            </a:extLst>
-          </p:cNvPr>
-          <p:cNvSpPr/>
-          <p:nvPr/>
-        </p:nvSpPr>
-        <p:spPr>
-          <a:xfrm>
-            <a:off x="2479040" y="3211357"/>
-            <a:ext cx="8747760" cy="335280"/>
-          </a:xfrm>
-          <a:prstGeom prst="rect">
-            <a:avLst/>
-          </a:prstGeom>
-          <a:noFill/>
-        </p:spPr>
-        <p:style>
-          <a:lnRef idx="2">
-            <a:schemeClr val="accent1">
-              <a:shade val="50000"/>
-            </a:schemeClr>
-          </a:lnRef>
-          <a:fillRef idx="1">
-            <a:schemeClr val="accent1"/>
-          </a:fillRef>
-          <a:effectRef idx="0">
-            <a:schemeClr val="accent1"/>
-          </a:effectRef>
-          <a:fontRef idx="minor">
-            <a:schemeClr val="lt1"/>
-          </a:fontRef>
-        </p:style>
-        <p:txBody>
-          <a:bodyPr rtlCol="0" anchor="ctr"/>
-          <a:lstStyle/>
-          <a:p>
-            <a:pPr algn="ctr"/>
-            <a:endParaRPr lang="en-US"/>
-          </a:p>
-        </p:txBody>
-      </p:sp>
-      <p:sp>
-        <p:nvSpPr>
-          <p:cNvPr id="5" name="Rectangle 4">
-            <a:extLst>
-              <a:ext uri="{FF2B5EF4-FFF2-40B4-BE49-F238E27FC236}">
-                <a16:creationId xmlns:a16="http://schemas.microsoft.com/office/drawing/2014/main" id="{8F92E321-E493-4D4B-92C0-7D77A9BBE894}"/>
-              </a:ext>
-            </a:extLst>
-          </p:cNvPr>
-          <p:cNvSpPr/>
-          <p:nvPr/>
-        </p:nvSpPr>
-        <p:spPr>
-          <a:xfrm>
-            <a:off x="3058160" y="4934746"/>
-            <a:ext cx="8168640" cy="857251"/>
-          </a:xfrm>
-          <a:prstGeom prst="rect">
-            <a:avLst/>
-          </a:prstGeom>
-          <a:noFill/>
-        </p:spPr>
-        <p:style>
-          <a:lnRef idx="2">
-            <a:schemeClr val="accent1">
-              <a:shade val="50000"/>
-            </a:schemeClr>
-          </a:lnRef>
-          <a:fillRef idx="1">
-            <a:schemeClr val="accent1"/>
-          </a:fillRef>
-          <a:effectRef idx="0">
-            <a:schemeClr val="accent1"/>
-          </a:effectRef>
-          <a:fontRef idx="minor">
-            <a:schemeClr val="lt1"/>
-          </a:fontRef>
-        </p:style>
-        <p:txBody>
-          <a:bodyPr rtlCol="0" anchor="ctr"/>
-          <a:lstStyle/>
-          <a:p>
-            <a:pPr algn="ctr"/>
-            <a:endParaRPr lang="en-US"/>
-          </a:p>
-        </p:txBody>
-      </p:sp>
-      <p:sp>
-        <p:nvSpPr>
-          <p:cNvPr id="2" name="Rectangle 1">
-            <a:extLst>
-              <a:ext uri="{FF2B5EF4-FFF2-40B4-BE49-F238E27FC236}">
-                <a16:creationId xmlns:a16="http://schemas.microsoft.com/office/drawing/2014/main" id="{C86CAE76-70E9-4E67-84D2-CFEC47D12E28}"/>
-              </a:ext>
-            </a:extLst>
-          </p:cNvPr>
-          <p:cNvSpPr/>
-          <p:nvPr/>
-        </p:nvSpPr>
-        <p:spPr>
-          <a:xfrm>
-            <a:off x="2888055" y="6355523"/>
-            <a:ext cx="8102852" cy="1495143"/>
-          </a:xfrm>
-          <a:prstGeom prst="rect">
-            <a:avLst/>
-          </a:prstGeom>
-          <a:solidFill>
-            <a:schemeClr val="bg1"/>
-          </a:solidFill>
-          <a:ln>
-            <a:solidFill>
-              <a:schemeClr val="bg1"/>
-            </a:solidFill>
-          </a:ln>
-        </p:spPr>
-        <p:style>
-          <a:lnRef idx="2">
-            <a:schemeClr val="accent1">
-              <a:shade val="50000"/>
-            </a:schemeClr>
-          </a:lnRef>
-          <a:fillRef idx="1">
-            <a:schemeClr val="accent1"/>
-          </a:fillRef>
-          <a:effectRef idx="0">
-            <a:schemeClr val="accent1"/>
-          </a:effectRef>
-          <a:fontRef idx="minor">
-            <a:schemeClr val="lt1"/>
-          </a:fontRef>
-        </p:style>
-        <p:txBody>
-          <a:bodyPr rtlCol="0" anchor="ctr"/>
-          <a:lstStyle/>
-          <a:p>
-            <a:pPr algn="ctr"/>
-            <a:endParaRPr lang="en-US"/>
-          </a:p>
-        </p:txBody>
-      </p:sp>
-      <p:cxnSp>
-        <p:nvCxnSpPr>
-          <p:cNvPr id="6" name="Straight Connector 5">
-            <a:extLst>
-              <a:ext uri="{FF2B5EF4-FFF2-40B4-BE49-F238E27FC236}">
-                <a16:creationId xmlns:a16="http://schemas.microsoft.com/office/drawing/2014/main" id="{F84529F4-4528-409F-8035-8AAB785BE82C}"/>
-              </a:ext>
-            </a:extLst>
-          </p:cNvPr>
-          <p:cNvCxnSpPr/>
-          <p:nvPr/>
-        </p:nvCxnSpPr>
-        <p:spPr>
-          <a:xfrm>
-            <a:off x="1533525" y="373063"/>
-            <a:ext cx="0" cy="690562"/>
-          </a:xfrm>
-          <a:prstGeom prst="line">
-            <a:avLst/>
-          </a:prstGeom>
-          <a:ln w="28575"/>
-        </p:spPr>
-        <p:style>
-          <a:lnRef idx="1">
-            <a:schemeClr val="accent1"/>
-          </a:lnRef>
-          <a:fillRef idx="0">
-            <a:schemeClr val="accent1"/>
-          </a:fillRef>
-          <a:effectRef idx="0">
-            <a:schemeClr val="accent1"/>
-          </a:effectRef>
-          <a:fontRef idx="minor">
-            <a:schemeClr val="tx1"/>
-          </a:fontRef>
-        </p:style>
-      </p:cxnSp>
-      <p:sp>
-        <p:nvSpPr>
-          <p:cNvPr id="7" name="TextBox 3">
-            <a:extLst>
-              <a:ext uri="{FF2B5EF4-FFF2-40B4-BE49-F238E27FC236}">
-                <a16:creationId xmlns:a16="http://schemas.microsoft.com/office/drawing/2014/main" id="{A576E21E-4D7A-473B-997D-63216282B29B}"/>
-              </a:ext>
-            </a:extLst>
-          </p:cNvPr>
-          <p:cNvSpPr txBox="1">
-            <a:spLocks noChangeArrowheads="1"/>
-          </p:cNvSpPr>
-          <p:nvPr/>
-        </p:nvSpPr>
-        <p:spPr bwMode="auto">
-          <a:xfrm>
-            <a:off x="1727200" y="355600"/>
-            <a:ext cx="9438674" cy="707886"/>
-          </a:xfrm>
-          <a:prstGeom prst="rect">
-            <a:avLst/>
-          </a:prstGeom>
-          <a:noFill/>
-          <a:ln>
-            <a:noFill/>
-          </a:ln>
-          <a:extLst>
-            <a:ext uri="{909E8E84-426E-40DD-AFC4-6F175D3DCCD1}">
-              <a14:hiddenFill xmlns:a14="http://schemas.microsoft.com/office/drawing/2010/main">
-                <a:solidFill>
-                  <a:srgbClr val="FFFFFF"/>
-                </a:solidFill>
-              </a14:hiddenFill>
-            </a:ext>
-            <a:ext uri="{91240B29-F687-4F45-9708-019B960494DF}">
-              <a14:hiddenLine xmlns:a14="http://schemas.microsoft.com/office/drawing/2010/main" w="9525">
-                <a:solidFill>
-                  <a:srgbClr val="000000"/>
-                </a:solidFill>
-                <a:miter lim="800000"/>
-                <a:headEnd/>
-                <a:tailEnd/>
-              </a14:hiddenLine>
-            </a:ext>
-          </a:extLst>
-        </p:spPr>
-        <p:txBody>
-          <a:bodyPr wrap="none">
-            <a:spAutoFit/>
-          </a:bodyPr>
-          <a:lstStyle>
-            <a:lvl1pPr>
-              <a:lnSpc>
-                <a:spcPct val="90000"/>
-              </a:lnSpc>
-              <a:spcBef>
-                <a:spcPts val="1000"/>
-              </a:spcBef>
-              <a:buFont typeface="Arial" panose="020B0604020202020204" pitchFamily="34" charset="0"/>
-              <a:buChar char="•"/>
-              <a:defRPr sz="2800">
-                <a:solidFill>
-                  <a:schemeClr val="tx1"/>
-                </a:solidFill>
-                <a:latin typeface="Calibri" panose="020F0502020204030204" pitchFamily="34" charset="0"/>
-              </a:defRPr>
-            </a:lvl1pPr>
-            <a:lvl2pPr marL="742950" indent="-285750">
-              <a:lnSpc>
-                <a:spcPct val="90000"/>
-              </a:lnSpc>
-              <a:spcBef>
-                <a:spcPts val="500"/>
-              </a:spcBef>
-              <a:buFont typeface="Arial" panose="020B0604020202020204" pitchFamily="34" charset="0"/>
-              <a:buChar char="•"/>
-              <a:defRPr sz="2400">
-                <a:solidFill>
-                  <a:schemeClr val="tx1"/>
-                </a:solidFill>
-                <a:latin typeface="Calibri" panose="020F0502020204030204" pitchFamily="34" charset="0"/>
-              </a:defRPr>
-            </a:lvl2pPr>
-            <a:lvl3pPr marL="1143000" indent="-228600">
-              <a:lnSpc>
-                <a:spcPct val="90000"/>
-              </a:lnSpc>
-              <a:spcBef>
-                <a:spcPts val="500"/>
-              </a:spcBef>
-              <a:buFont typeface="Arial" panose="020B0604020202020204" pitchFamily="34" charset="0"/>
-              <a:buChar char="•"/>
-              <a:defRPr sz="2000">
-                <a:solidFill>
-                  <a:schemeClr val="tx1"/>
-                </a:solidFill>
-                <a:latin typeface="Calibri" panose="020F0502020204030204" pitchFamily="34" charset="0"/>
-              </a:defRPr>
-            </a:lvl3pPr>
-            <a:lvl4pPr marL="1600200" indent="-228600">
-              <a:lnSpc>
-                <a:spcPct val="90000"/>
-              </a:lnSpc>
-              <a:spcBef>
-                <a:spcPts val="500"/>
-              </a:spcBef>
-              <a:buFont typeface="Arial" panose="020B0604020202020204" pitchFamily="34" charset="0"/>
-              <a:buChar char="•"/>
-              <a:defRPr>
-                <a:solidFill>
-                  <a:schemeClr val="tx1"/>
-                </a:solidFill>
-                <a:latin typeface="Calibri" panose="020F0502020204030204" pitchFamily="34" charset="0"/>
-              </a:defRPr>
-            </a:lvl4pPr>
-            <a:lvl5pPr marL="2057400" indent="-228600">
-              <a:lnSpc>
-                <a:spcPct val="90000"/>
-              </a:lnSpc>
-              <a:spcBef>
-                <a:spcPts val="500"/>
-              </a:spcBef>
-              <a:buFont typeface="Arial" panose="020B0604020202020204" pitchFamily="34" charset="0"/>
-              <a:buChar char="•"/>
-              <a:defRPr>
-                <a:solidFill>
-                  <a:schemeClr val="tx1"/>
-                </a:solidFill>
-                <a:latin typeface="Calibri" panose="020F0502020204030204" pitchFamily="34" charset="0"/>
-              </a:defRPr>
-            </a:lvl5pPr>
-            <a:lvl6pPr marL="2514600" indent="-228600" eaLnBrk="0" fontAlgn="base" hangingPunct="0">
-              <a:lnSpc>
-                <a:spcPct val="90000"/>
-              </a:lnSpc>
-              <a:spcBef>
-                <a:spcPts val="500"/>
-              </a:spcBef>
-              <a:spcAft>
-                <a:spcPct val="0"/>
-              </a:spcAft>
-              <a:buFont typeface="Arial" panose="020B0604020202020204" pitchFamily="34" charset="0"/>
-              <a:buChar char="•"/>
-              <a:defRPr>
-                <a:solidFill>
-                  <a:schemeClr val="tx1"/>
-                </a:solidFill>
-                <a:latin typeface="Calibri" panose="020F0502020204030204" pitchFamily="34" charset="0"/>
-              </a:defRPr>
-            </a:lvl6pPr>
-            <a:lvl7pPr marL="2971800" indent="-228600" eaLnBrk="0" fontAlgn="base" hangingPunct="0">
-              <a:lnSpc>
-                <a:spcPct val="90000"/>
-              </a:lnSpc>
-              <a:spcBef>
-                <a:spcPts val="500"/>
-              </a:spcBef>
-              <a:spcAft>
-                <a:spcPct val="0"/>
-              </a:spcAft>
-              <a:buFont typeface="Arial" panose="020B0604020202020204" pitchFamily="34" charset="0"/>
-              <a:buChar char="•"/>
-              <a:defRPr>
-                <a:solidFill>
-                  <a:schemeClr val="tx1"/>
-                </a:solidFill>
-                <a:latin typeface="Calibri" panose="020F0502020204030204" pitchFamily="34" charset="0"/>
-              </a:defRPr>
-            </a:lvl7pPr>
-            <a:lvl8pPr marL="3429000" indent="-228600" eaLnBrk="0" fontAlgn="base" hangingPunct="0">
-              <a:lnSpc>
-                <a:spcPct val="90000"/>
-              </a:lnSpc>
-              <a:spcBef>
-                <a:spcPts val="500"/>
-              </a:spcBef>
-              <a:spcAft>
-                <a:spcPct val="0"/>
-              </a:spcAft>
-              <a:buFont typeface="Arial" panose="020B0604020202020204" pitchFamily="34" charset="0"/>
-              <a:buChar char="•"/>
-              <a:defRPr>
-                <a:solidFill>
-                  <a:schemeClr val="tx1"/>
-                </a:solidFill>
-                <a:latin typeface="Calibri" panose="020F0502020204030204" pitchFamily="34" charset="0"/>
-              </a:defRPr>
-            </a:lvl8pPr>
-            <a:lvl9pPr marL="3886200" indent="-228600" eaLnBrk="0" fontAlgn="base" hangingPunct="0">
-              <a:lnSpc>
-                <a:spcPct val="90000"/>
-              </a:lnSpc>
-              <a:spcBef>
-                <a:spcPts val="500"/>
-              </a:spcBef>
-              <a:spcAft>
-                <a:spcPct val="0"/>
-              </a:spcAft>
-              <a:buFont typeface="Arial" panose="020B0604020202020204" pitchFamily="34" charset="0"/>
-              <a:buChar char="•"/>
-              <a:defRPr>
-                <a:solidFill>
-                  <a:schemeClr val="tx1"/>
-                </a:solidFill>
-                <a:latin typeface="Calibri" panose="020F0502020204030204" pitchFamily="34" charset="0"/>
-              </a:defRPr>
-            </a:lvl9pPr>
-          </a:lstStyle>
-          <a:p>
-            <a:pPr eaLnBrk="1" hangingPunct="1">
-              <a:lnSpc>
-                <a:spcPct val="100000"/>
-              </a:lnSpc>
-              <a:spcBef>
-                <a:spcPct val="0"/>
-              </a:spcBef>
-              <a:buFontTx/>
-              <a:buNone/>
-            </a:pPr>
-            <a:r>
-              <a:rPr lang="en-US" altLang="en-US" sz="4000" dirty="0"/>
-              <a:t>ZID Budget Constrained Strategy (continued)</a:t>
-            </a:r>
-          </a:p>
-        </p:txBody>
-      </p:sp>
-    </p:spTree>
-    <p:extLst>
-      <p:ext uri="{BB962C8B-B14F-4D97-AF65-F5344CB8AC3E}">
-        <p14:creationId xmlns:p14="http://schemas.microsoft.com/office/powerpoint/2010/main" val="2256713816"/>
       </p:ext>
     </p:extLst>
   </p:cSld>

--- a/talks/ZI Conference Talk V2.pptx
+++ b/talks/ZI Conference Talk V2.pptx
@@ -31,7 +31,7 @@
     <p:sldId id="485" r:id="rId22"/>
     <p:sldId id="496" r:id="rId23"/>
     <p:sldId id="493" r:id="rId24"/>
-    <p:sldId id="498" r:id="rId25"/>
+    <p:sldId id="507" r:id="rId25"/>
     <p:sldId id="499" r:id="rId26"/>
     <p:sldId id="487" r:id="rId27"/>
     <p:sldId id="500" r:id="rId28"/>
@@ -17354,12 +17354,12 @@
           <a:chExt cx="0" cy="0"/>
         </a:xfrm>
       </p:grpSpPr>
-      <p:sp>
+      <p:sp useBgFill="1">
         <p:nvSpPr>
-          <p:cNvPr id="71" name="Rectangle 70">
+          <p:cNvPr id="199" name="Rectangle 198">
             <a:extLst>
               <a:ext uri="{FF2B5EF4-FFF2-40B4-BE49-F238E27FC236}">
-                <a16:creationId xmlns:a16="http://schemas.microsoft.com/office/drawing/2014/main" id="{68A4132F-DEC6-4332-A00C-A11AD4519B6C}"/>
+                <a16:creationId xmlns:a16="http://schemas.microsoft.com/office/drawing/2014/main" id="{D4993743-B10A-433C-9996-3035D2C3ABC6}"/>
               </a:ext>
               <a:ext uri="{C183D7F6-B498-43B3-948B-1728B52AA6E4}">
                 <adec:decorative xmlns:adec="http://schemas.microsoft.com/office/drawing/2017/decorative" val="1"/>
@@ -17379,15 +17379,12 @@
         </p:nvSpPr>
         <p:spPr>
           <a:xfrm>
-            <a:off x="3048" y="0"/>
+            <a:off x="1524" y="0"/>
             <a:ext cx="12188952" cy="6858000"/>
           </a:xfrm>
           <a:prstGeom prst="rect">
             <a:avLst/>
           </a:prstGeom>
-          <a:solidFill>
-            <a:schemeClr val="tx1"/>
-          </a:solidFill>
           <a:ln>
             <a:noFill/>
           </a:ln>
@@ -17419,10 +17416,10 @@
       </p:sp>
       <p:sp>
         <p:nvSpPr>
-          <p:cNvPr id="73" name="Freeform: Shape 72">
+          <p:cNvPr id="201" name="Freeform 45">
             <a:extLst>
               <a:ext uri="{FF2B5EF4-FFF2-40B4-BE49-F238E27FC236}">
-                <a16:creationId xmlns:a16="http://schemas.microsoft.com/office/drawing/2014/main" id="{9B38642C-62C4-4E31-A5D3-BB1DD8CA3942}"/>
+                <a16:creationId xmlns:a16="http://schemas.microsoft.com/office/drawing/2014/main" id="{BB3B8946-A0AA-42D4-8A24-639DC6EA170E}"/>
               </a:ext>
               <a:ext uri="{C183D7F6-B498-43B3-948B-1728B52AA6E4}">
                 <adec:decorative xmlns:adec="http://schemas.microsoft.com/office/drawing/2017/decorative" val="1"/>
@@ -17440,157 +17437,92 @@
             </p:extLst>
           </p:nvPr>
         </p:nvSpPr>
-        <p:spPr>
+        <p:spPr bwMode="auto">
           <a:xfrm>
-            <a:off x="0" y="0"/>
-            <a:ext cx="8663583" cy="6858478"/>
+            <a:off x="409710" y="1022350"/>
+            <a:ext cx="709612" cy="2095501"/>
           </a:xfrm>
           <a:custGeom>
             <a:avLst/>
             <a:gdLst>
-              <a:gd name="connsiteX0" fmla="*/ 0 w 8663583"/>
-              <a:gd name="connsiteY0" fmla="*/ 0 h 6858478"/>
-              <a:gd name="connsiteX1" fmla="*/ 480486 w 8663583"/>
-              <a:gd name="connsiteY1" fmla="*/ 0 h 6858478"/>
-              <a:gd name="connsiteX2" fmla="*/ 4415403 w 8663583"/>
-              <a:gd name="connsiteY2" fmla="*/ 0 h 6858478"/>
-              <a:gd name="connsiteX3" fmla="*/ 5481631 w 8663583"/>
-              <a:gd name="connsiteY3" fmla="*/ 0 h 6858478"/>
-              <a:gd name="connsiteX4" fmla="*/ 5487208 w 8663583"/>
-              <a:gd name="connsiteY4" fmla="*/ 0 h 6858478"/>
-              <a:gd name="connsiteX5" fmla="*/ 8663583 w 8663583"/>
-              <a:gd name="connsiteY5" fmla="*/ 6858478 h 6858478"/>
-              <a:gd name="connsiteX6" fmla="*/ 1239028 w 8663583"/>
-              <a:gd name="connsiteY6" fmla="*/ 6858478 h 6858478"/>
-              <a:gd name="connsiteX7" fmla="*/ 1239288 w 8663583"/>
-              <a:gd name="connsiteY7" fmla="*/ 6857916 h 6858478"/>
-              <a:gd name="connsiteX8" fmla="*/ 480486 w 8663583"/>
-              <a:gd name="connsiteY8" fmla="*/ 6857916 h 6858478"/>
-              <a:gd name="connsiteX9" fmla="*/ 480486 w 8663583"/>
-              <a:gd name="connsiteY9" fmla="*/ 6858000 h 6858478"/>
-              <a:gd name="connsiteX10" fmla="*/ 0 w 8663583"/>
-              <a:gd name="connsiteY10" fmla="*/ 6858000 h 6858478"/>
+              <a:gd name="T0" fmla="*/ 447 w 447"/>
+              <a:gd name="T1" fmla="*/ 1363 h 1363"/>
+              <a:gd name="T2" fmla="*/ 0 w 447"/>
+              <a:gd name="T3" fmla="*/ 987 h 1363"/>
+              <a:gd name="T4" fmla="*/ 0 w 447"/>
+              <a:gd name="T5" fmla="*/ 0 h 1363"/>
+              <a:gd name="T6" fmla="*/ 447 w 447"/>
+              <a:gd name="T7" fmla="*/ 376 h 1363"/>
+              <a:gd name="T8" fmla="*/ 447 w 447"/>
+              <a:gd name="T9" fmla="*/ 1363 h 1363"/>
             </a:gdLst>
             <a:ahLst/>
             <a:cxnLst>
               <a:cxn ang="0">
-                <a:pos x="connsiteX0" y="connsiteY0"/>
+                <a:pos x="T0" y="T1"/>
               </a:cxn>
               <a:cxn ang="0">
-                <a:pos x="connsiteX1" y="connsiteY1"/>
+                <a:pos x="T2" y="T3"/>
               </a:cxn>
               <a:cxn ang="0">
-                <a:pos x="connsiteX2" y="connsiteY2"/>
+                <a:pos x="T4" y="T5"/>
               </a:cxn>
               <a:cxn ang="0">
-                <a:pos x="connsiteX3" y="connsiteY3"/>
+                <a:pos x="T6" y="T7"/>
               </a:cxn>
               <a:cxn ang="0">
-                <a:pos x="connsiteX4" y="connsiteY4"/>
-              </a:cxn>
-              <a:cxn ang="0">
-                <a:pos x="connsiteX5" y="connsiteY5"/>
-              </a:cxn>
-              <a:cxn ang="0">
-                <a:pos x="connsiteX6" y="connsiteY6"/>
-              </a:cxn>
-              <a:cxn ang="0">
-                <a:pos x="connsiteX7" y="connsiteY7"/>
-              </a:cxn>
-              <a:cxn ang="0">
-                <a:pos x="connsiteX8" y="connsiteY8"/>
-              </a:cxn>
-              <a:cxn ang="0">
-                <a:pos x="connsiteX9" y="connsiteY9"/>
-              </a:cxn>
-              <a:cxn ang="0">
-                <a:pos x="connsiteX10" y="connsiteY10"/>
+                <a:pos x="T8" y="T9"/>
               </a:cxn>
             </a:cxnLst>
-            <a:rect l="l" t="t" r="r" b="b"/>
+            <a:rect l="0" t="0" r="r" b="b"/>
             <a:pathLst>
-              <a:path w="8663583" h="6858478">
+              <a:path w="447" h="1363">
                 <a:moveTo>
-                  <a:pt x="0" y="0"/>
+                  <a:pt x="447" y="1363"/>
                 </a:moveTo>
                 <a:lnTo>
-                  <a:pt x="480486" y="0"/>
+                  <a:pt x="0" y="987"/>
                 </a:lnTo>
                 <a:lnTo>
-                  <a:pt x="4415403" y="0"/>
+                  <a:pt x="0" y="0"/>
                 </a:lnTo>
                 <a:lnTo>
-                  <a:pt x="5481631" y="0"/>
+                  <a:pt x="447" y="376"/>
                 </a:lnTo>
                 <a:lnTo>
-                  <a:pt x="5487208" y="0"/>
-                </a:lnTo>
-                <a:lnTo>
-                  <a:pt x="8663583" y="6858478"/>
-                </a:lnTo>
-                <a:lnTo>
-                  <a:pt x="1239028" y="6858478"/>
-                </a:lnTo>
-                <a:lnTo>
-                  <a:pt x="1239288" y="6857916"/>
-                </a:lnTo>
-                <a:lnTo>
-                  <a:pt x="480486" y="6857916"/>
-                </a:lnTo>
-                <a:lnTo>
-                  <a:pt x="480486" y="6858000"/>
-                </a:lnTo>
-                <a:lnTo>
-                  <a:pt x="0" y="6858000"/>
+                  <a:pt x="447" y="1363"/>
                 </a:lnTo>
                 <a:close/>
               </a:path>
             </a:pathLst>
           </a:custGeom>
           <a:solidFill>
-            <a:schemeClr val="bg1">
-              <a:lumMod val="85000"/>
-              <a:lumOff val="15000"/>
-              <a:alpha val="70000"/>
+            <a:schemeClr val="accent1">
+              <a:lumMod val="50000"/>
             </a:schemeClr>
           </a:solidFill>
           <a:ln>
             <a:noFill/>
           </a:ln>
         </p:spPr>
-        <p:style>
-          <a:lnRef idx="2">
-            <a:schemeClr val="accent1">
-              <a:shade val="50000"/>
-            </a:schemeClr>
-          </a:lnRef>
-          <a:fillRef idx="1">
-            <a:schemeClr val="accent1"/>
-          </a:fillRef>
-          <a:effectRef idx="0">
-            <a:schemeClr val="accent1"/>
-          </a:effectRef>
-          <a:fontRef idx="minor">
-            <a:schemeClr val="lt1"/>
-          </a:fontRef>
-        </p:style>
         <p:txBody>
-          <a:bodyPr wrap="square" rtlCol="0" anchor="ctr">
-            <a:noAutofit/>
+          <a:bodyPr vert="horz" wrap="square" lIns="91440" tIns="45720" rIns="91440" bIns="45720" numCol="1" anchor="t" anchorCtr="0" compatLnSpc="1">
+            <a:prstTxWarp prst="textNoShape">
+              <a:avLst/>
+            </a:prstTxWarp>
           </a:bodyPr>
           <a:lstStyle/>
           <a:p>
-            <a:pPr algn="ctr"/>
             <a:endParaRPr lang="en-US"/>
           </a:p>
         </p:txBody>
       </p:sp>
       <p:sp>
         <p:nvSpPr>
-          <p:cNvPr id="75" name="Freeform: Shape 74">
+          <p:cNvPr id="203" name="Freeform 46">
             <a:extLst>
               <a:ext uri="{FF2B5EF4-FFF2-40B4-BE49-F238E27FC236}">
-                <a16:creationId xmlns:a16="http://schemas.microsoft.com/office/drawing/2014/main" id="{A9F66240-8C38-4069-A5C9-2D3FCD97EDAD}"/>
+                <a16:creationId xmlns:a16="http://schemas.microsoft.com/office/drawing/2014/main" id="{AB1038E6-06EF-4DCB-B52E-D3825C50F7C6}"/>
               </a:ext>
               <a:ext uri="{C183D7F6-B498-43B3-948B-1728B52AA6E4}">
                 <adec:decorative xmlns:adec="http://schemas.microsoft.com/office/drawing/2017/decorative" val="1"/>
@@ -17608,164 +17540,348 @@
             </p:extLst>
           </p:nvPr>
         </p:nvSpPr>
-        <p:spPr>
+        <p:spPr bwMode="auto">
           <a:xfrm>
-            <a:off x="0" y="0"/>
-            <a:ext cx="8234957" cy="6858478"/>
+            <a:off x="409710" y="837744"/>
+            <a:ext cx="403225" cy="1705431"/>
           </a:xfrm>
           <a:custGeom>
             <a:avLst/>
             <a:gdLst>
-              <a:gd name="connsiteX0" fmla="*/ 156905 w 8234957"/>
-              <a:gd name="connsiteY0" fmla="*/ 0 h 6858478"/>
-              <a:gd name="connsiteX1" fmla="*/ 3986777 w 8234957"/>
-              <a:gd name="connsiteY1" fmla="*/ 0 h 6858478"/>
-              <a:gd name="connsiteX2" fmla="*/ 5053005 w 8234957"/>
-              <a:gd name="connsiteY2" fmla="*/ 0 h 6858478"/>
-              <a:gd name="connsiteX3" fmla="*/ 5058582 w 8234957"/>
-              <a:gd name="connsiteY3" fmla="*/ 0 h 6858478"/>
-              <a:gd name="connsiteX4" fmla="*/ 8234957 w 8234957"/>
-              <a:gd name="connsiteY4" fmla="*/ 6858478 h 6858478"/>
-              <a:gd name="connsiteX5" fmla="*/ 810402 w 8234957"/>
-              <a:gd name="connsiteY5" fmla="*/ 6858478 h 6858478"/>
-              <a:gd name="connsiteX6" fmla="*/ 810662 w 8234957"/>
-              <a:gd name="connsiteY6" fmla="*/ 6857916 h 6858478"/>
-              <a:gd name="connsiteX7" fmla="*/ 156905 w 8234957"/>
-              <a:gd name="connsiteY7" fmla="*/ 6857916 h 6858478"/>
-              <a:gd name="connsiteX8" fmla="*/ 156905 w 8234957"/>
-              <a:gd name="connsiteY8" fmla="*/ 6858478 h 6858478"/>
-              <a:gd name="connsiteX9" fmla="*/ 0 w 8234957"/>
-              <a:gd name="connsiteY9" fmla="*/ 6858478 h 6858478"/>
-              <a:gd name="connsiteX10" fmla="*/ 0 w 8234957"/>
-              <a:gd name="connsiteY10" fmla="*/ 479 h 6858478"/>
-              <a:gd name="connsiteX11" fmla="*/ 156905 w 8234957"/>
-              <a:gd name="connsiteY11" fmla="*/ 479 h 6858478"/>
+              <a:gd name="T0" fmla="*/ 254 w 254"/>
+              <a:gd name="T1" fmla="*/ 987 h 1109"/>
+              <a:gd name="T2" fmla="*/ 0 w 254"/>
+              <a:gd name="T3" fmla="*/ 1109 h 1109"/>
+              <a:gd name="T4" fmla="*/ 0 w 254"/>
+              <a:gd name="T5" fmla="*/ 119 h 1109"/>
+              <a:gd name="T6" fmla="*/ 254 w 254"/>
+              <a:gd name="T7" fmla="*/ 0 h 1109"/>
+              <a:gd name="T8" fmla="*/ 254 w 254"/>
+              <a:gd name="T9" fmla="*/ 987 h 1109"/>
             </a:gdLst>
             <a:ahLst/>
             <a:cxnLst>
               <a:cxn ang="0">
-                <a:pos x="connsiteX0" y="connsiteY0"/>
+                <a:pos x="T0" y="T1"/>
               </a:cxn>
               <a:cxn ang="0">
-                <a:pos x="connsiteX1" y="connsiteY1"/>
+                <a:pos x="T2" y="T3"/>
               </a:cxn>
               <a:cxn ang="0">
-                <a:pos x="connsiteX2" y="connsiteY2"/>
+                <a:pos x="T4" y="T5"/>
               </a:cxn>
               <a:cxn ang="0">
-                <a:pos x="connsiteX3" y="connsiteY3"/>
+                <a:pos x="T6" y="T7"/>
               </a:cxn>
               <a:cxn ang="0">
-                <a:pos x="connsiteX4" y="connsiteY4"/>
-              </a:cxn>
-              <a:cxn ang="0">
-                <a:pos x="connsiteX5" y="connsiteY5"/>
-              </a:cxn>
-              <a:cxn ang="0">
-                <a:pos x="connsiteX6" y="connsiteY6"/>
-              </a:cxn>
-              <a:cxn ang="0">
-                <a:pos x="connsiteX7" y="connsiteY7"/>
-              </a:cxn>
-              <a:cxn ang="0">
-                <a:pos x="connsiteX8" y="connsiteY8"/>
-              </a:cxn>
-              <a:cxn ang="0">
-                <a:pos x="connsiteX9" y="connsiteY9"/>
-              </a:cxn>
-              <a:cxn ang="0">
-                <a:pos x="connsiteX10" y="connsiteY10"/>
-              </a:cxn>
-              <a:cxn ang="0">
-                <a:pos x="connsiteX11" y="connsiteY11"/>
+                <a:pos x="T8" y="T9"/>
               </a:cxn>
             </a:cxnLst>
-            <a:rect l="l" t="t" r="r" b="b"/>
+            <a:rect l="0" t="0" r="r" b="b"/>
             <a:pathLst>
-              <a:path w="8234957" h="6858478">
+              <a:path w="254" h="1109">
                 <a:moveTo>
-                  <a:pt x="156905" y="0"/>
+                  <a:pt x="254" y="987"/>
                 </a:moveTo>
                 <a:lnTo>
-                  <a:pt x="3986777" y="0"/>
+                  <a:pt x="0" y="1109"/>
                 </a:lnTo>
                 <a:lnTo>
-                  <a:pt x="5053005" y="0"/>
+                  <a:pt x="0" y="119"/>
                 </a:lnTo>
                 <a:lnTo>
-                  <a:pt x="5058582" y="0"/>
+                  <a:pt x="254" y="0"/>
                 </a:lnTo>
                 <a:lnTo>
-                  <a:pt x="8234957" y="6858478"/>
-                </a:lnTo>
-                <a:lnTo>
-                  <a:pt x="810402" y="6858478"/>
-                </a:lnTo>
-                <a:lnTo>
-                  <a:pt x="810662" y="6857916"/>
-                </a:lnTo>
-                <a:lnTo>
-                  <a:pt x="156905" y="6857916"/>
-                </a:lnTo>
-                <a:lnTo>
-                  <a:pt x="156905" y="6858478"/>
-                </a:lnTo>
-                <a:lnTo>
-                  <a:pt x="0" y="6858478"/>
-                </a:lnTo>
-                <a:lnTo>
-                  <a:pt x="0" y="479"/>
-                </a:lnTo>
-                <a:lnTo>
-                  <a:pt x="156905" y="479"/>
+                  <a:pt x="254" y="987"/>
                 </a:lnTo>
                 <a:close/>
               </a:path>
             </a:pathLst>
           </a:custGeom>
           <a:solidFill>
-            <a:schemeClr val="bg1">
-              <a:lumMod val="85000"/>
-              <a:lumOff val="15000"/>
+            <a:schemeClr val="accent1">
+              <a:lumMod val="75000"/>
             </a:schemeClr>
           </a:solidFill>
           <a:ln>
             <a:noFill/>
           </a:ln>
         </p:spPr>
-        <p:style>
-          <a:lnRef idx="2">
-            <a:schemeClr val="accent1">
-              <a:shade val="50000"/>
-            </a:schemeClr>
-          </a:lnRef>
-          <a:fillRef idx="1">
-            <a:schemeClr val="accent1"/>
-          </a:fillRef>
-          <a:effectRef idx="0">
-            <a:schemeClr val="accent1"/>
-          </a:effectRef>
-          <a:fontRef idx="minor">
-            <a:schemeClr val="lt1"/>
-          </a:fontRef>
-        </p:style>
         <p:txBody>
-          <a:bodyPr wrap="square" rtlCol="0" anchor="ctr">
-            <a:noAutofit/>
+          <a:bodyPr vert="horz" wrap="square" lIns="91440" tIns="45720" rIns="91440" bIns="45720" numCol="1" anchor="t" anchorCtr="0" compatLnSpc="1">
+            <a:prstTxWarp prst="textNoShape">
+              <a:avLst/>
+            </a:prstTxWarp>
           </a:bodyPr>
           <a:lstStyle/>
           <a:p>
-            <a:pPr algn="ctr"/>
             <a:endParaRPr lang="en-US"/>
           </a:p>
         </p:txBody>
       </p:sp>
       <p:sp>
         <p:nvSpPr>
-          <p:cNvPr id="3" name="TextBox 2">
+          <p:cNvPr id="205" name="Freeform 47">
             <a:extLst>
               <a:ext uri="{FF2B5EF4-FFF2-40B4-BE49-F238E27FC236}">
-                <a16:creationId xmlns:a16="http://schemas.microsoft.com/office/drawing/2014/main" id="{426B6423-DB43-4D45-BB8B-E5487B743FE5}"/>
+                <a16:creationId xmlns:a16="http://schemas.microsoft.com/office/drawing/2014/main" id="{5C7EF35C-8B7D-4026-8F09-8B2B2250579B}"/>
+              </a:ext>
+              <a:ext uri="{C183D7F6-B498-43B3-948B-1728B52AA6E4}">
+                <adec:decorative xmlns:adec="http://schemas.microsoft.com/office/drawing/2017/decorative" val="1"/>
+              </a:ext>
+            </a:extLst>
+          </p:cNvPr>
+          <p:cNvSpPr>
+            <a:spLocks noGrp="1" noRot="1" noChangeAspect="1" noMove="1" noResize="1" noEditPoints="1" noAdjustHandles="1" noChangeArrowheads="1" noChangeShapeType="1" noTextEdit="1"/>
+          </p:cNvSpPr>
+          <p:nvPr>
+            <p:extLst>
+              <p:ext uri="{386F3935-93C4-4BCD-93E2-E3B085C9AB24}">
+                <p16:designElem xmlns:p16="http://schemas.microsoft.com/office/powerpoint/2015/main" val="1"/>
+              </p:ext>
+            </p:extLst>
+          </p:nvPr>
+        </p:nvSpPr>
+        <p:spPr bwMode="auto">
+          <a:xfrm>
+            <a:off x="644660" y="640894"/>
+            <a:ext cx="168275" cy="1713195"/>
+          </a:xfrm>
+          <a:custGeom>
+            <a:avLst/>
+            <a:gdLst>
+              <a:gd name="T0" fmla="*/ 106 w 106"/>
+              <a:gd name="T1" fmla="*/ 1114 h 1114"/>
+              <a:gd name="T2" fmla="*/ 0 w 106"/>
+              <a:gd name="T3" fmla="*/ 1005 h 1114"/>
+              <a:gd name="T4" fmla="*/ 0 w 106"/>
+              <a:gd name="T5" fmla="*/ 0 h 1114"/>
+              <a:gd name="T6" fmla="*/ 106 w 106"/>
+              <a:gd name="T7" fmla="*/ 110 h 1114"/>
+              <a:gd name="T8" fmla="*/ 106 w 106"/>
+              <a:gd name="T9" fmla="*/ 1114 h 1114"/>
+            </a:gdLst>
+            <a:ahLst/>
+            <a:cxnLst>
+              <a:cxn ang="0">
+                <a:pos x="T0" y="T1"/>
+              </a:cxn>
+              <a:cxn ang="0">
+                <a:pos x="T2" y="T3"/>
+              </a:cxn>
+              <a:cxn ang="0">
+                <a:pos x="T4" y="T5"/>
+              </a:cxn>
+              <a:cxn ang="0">
+                <a:pos x="T6" y="T7"/>
+              </a:cxn>
+              <a:cxn ang="0">
+                <a:pos x="T8" y="T9"/>
+              </a:cxn>
+            </a:cxnLst>
+            <a:rect l="0" t="0" r="r" b="b"/>
+            <a:pathLst>
+              <a:path w="106" h="1114">
+                <a:moveTo>
+                  <a:pt x="106" y="1114"/>
+                </a:moveTo>
+                <a:lnTo>
+                  <a:pt x="0" y="1005"/>
+                </a:lnTo>
+                <a:lnTo>
+                  <a:pt x="0" y="0"/>
+                </a:lnTo>
+                <a:lnTo>
+                  <a:pt x="106" y="110"/>
+                </a:lnTo>
+                <a:lnTo>
+                  <a:pt x="106" y="1114"/>
+                </a:lnTo>
+                <a:close/>
+              </a:path>
+            </a:pathLst>
+          </a:custGeom>
+          <a:solidFill>
+            <a:schemeClr val="accent1">
+              <a:lumMod val="50000"/>
+            </a:schemeClr>
+          </a:solidFill>
+          <a:ln>
+            <a:noFill/>
+          </a:ln>
+        </p:spPr>
+        <p:txBody>
+          <a:bodyPr vert="horz" wrap="square" lIns="91440" tIns="45720" rIns="91440" bIns="45720" numCol="1" anchor="t" anchorCtr="0" compatLnSpc="1">
+            <a:prstTxWarp prst="textNoShape">
+              <a:avLst/>
+            </a:prstTxWarp>
+          </a:bodyPr>
+          <a:lstStyle/>
+          <a:p>
+            <a:endParaRPr lang="en-US"/>
+          </a:p>
+        </p:txBody>
+      </p:sp>
+      <p:sp>
+        <p:nvSpPr>
+          <p:cNvPr id="207" name="Freeform 44">
+            <a:extLst>
+              <a:ext uri="{FF2B5EF4-FFF2-40B4-BE49-F238E27FC236}">
+                <a16:creationId xmlns:a16="http://schemas.microsoft.com/office/drawing/2014/main" id="{5F24A71D-C0A9-49AC-B2D1-5A9EA2BD383E}"/>
+              </a:ext>
+              <a:ext uri="{C183D7F6-B498-43B3-948B-1728B52AA6E4}">
+                <adec:decorative xmlns:adec="http://schemas.microsoft.com/office/drawing/2017/decorative" val="1"/>
+              </a:ext>
+            </a:extLst>
+          </p:cNvPr>
+          <p:cNvSpPr>
+            <a:spLocks noGrp="1" noRot="1" noChangeAspect="1" noMove="1" noResize="1" noEditPoints="1" noAdjustHandles="1" noChangeArrowheads="1" noChangeShapeType="1" noTextEdit="1"/>
+          </p:cNvSpPr>
+          <p:nvPr>
+            <p:extLst>
+              <p:ext uri="{386F3935-93C4-4BCD-93E2-E3B085C9AB24}">
+                <p16:designElem xmlns:p16="http://schemas.microsoft.com/office/powerpoint/2015/main" val="1"/>
+              </p:ext>
+            </p:extLst>
+          </p:nvPr>
+        </p:nvSpPr>
+        <p:spPr bwMode="auto">
+          <a:xfrm>
+            <a:off x="7348538" y="635716"/>
+            <a:ext cx="328612" cy="1742360"/>
+          </a:xfrm>
+          <a:custGeom>
+            <a:avLst/>
+            <a:gdLst>
+              <a:gd name="T0" fmla="*/ 207 w 207"/>
+              <a:gd name="T1" fmla="*/ 987 h 1114"/>
+              <a:gd name="T2" fmla="*/ 0 w 207"/>
+              <a:gd name="T3" fmla="*/ 1114 h 1114"/>
+              <a:gd name="T4" fmla="*/ 0 w 207"/>
+              <a:gd name="T5" fmla="*/ 127 h 1114"/>
+              <a:gd name="T6" fmla="*/ 207 w 207"/>
+              <a:gd name="T7" fmla="*/ 0 h 1114"/>
+              <a:gd name="T8" fmla="*/ 207 w 207"/>
+              <a:gd name="T9" fmla="*/ 987 h 1114"/>
+            </a:gdLst>
+            <a:ahLst/>
+            <a:cxnLst>
+              <a:cxn ang="0">
+                <a:pos x="T0" y="T1"/>
+              </a:cxn>
+              <a:cxn ang="0">
+                <a:pos x="T2" y="T3"/>
+              </a:cxn>
+              <a:cxn ang="0">
+                <a:pos x="T4" y="T5"/>
+              </a:cxn>
+              <a:cxn ang="0">
+                <a:pos x="T6" y="T7"/>
+              </a:cxn>
+              <a:cxn ang="0">
+                <a:pos x="T8" y="T9"/>
+              </a:cxn>
+            </a:cxnLst>
+            <a:rect l="0" t="0" r="r" b="b"/>
+            <a:pathLst>
+              <a:path w="207" h="1114">
+                <a:moveTo>
+                  <a:pt x="207" y="987"/>
+                </a:moveTo>
+                <a:lnTo>
+                  <a:pt x="0" y="1114"/>
+                </a:lnTo>
+                <a:lnTo>
+                  <a:pt x="0" y="127"/>
+                </a:lnTo>
+                <a:lnTo>
+                  <a:pt x="207" y="0"/>
+                </a:lnTo>
+                <a:lnTo>
+                  <a:pt x="207" y="987"/>
+                </a:lnTo>
+                <a:close/>
+              </a:path>
+            </a:pathLst>
+          </a:custGeom>
+          <a:solidFill>
+            <a:schemeClr val="accent1">
+              <a:lumMod val="50000"/>
+            </a:schemeClr>
+          </a:solidFill>
+          <a:ln>
+            <a:noFill/>
+          </a:ln>
+        </p:spPr>
+        <p:txBody>
+          <a:bodyPr vert="horz" wrap="square" lIns="91440" tIns="45720" rIns="91440" bIns="45720" numCol="1" anchor="t" anchorCtr="0" compatLnSpc="1">
+            <a:prstTxWarp prst="textNoShape">
+              <a:avLst/>
+            </a:prstTxWarp>
+          </a:bodyPr>
+          <a:lstStyle/>
+          <a:p>
+            <a:endParaRPr lang="en-US"/>
+          </a:p>
+        </p:txBody>
+      </p:sp>
+      <p:sp>
+        <p:nvSpPr>
+          <p:cNvPr id="209" name="Rectangle 208">
+            <a:extLst>
+              <a:ext uri="{FF2B5EF4-FFF2-40B4-BE49-F238E27FC236}">
+                <a16:creationId xmlns:a16="http://schemas.microsoft.com/office/drawing/2014/main" id="{14280C55-570C-4284-9850-B2BA33DB6726}"/>
+              </a:ext>
+              <a:ext uri="{C183D7F6-B498-43B3-948B-1728B52AA6E4}">
+                <adec:decorative xmlns:adec="http://schemas.microsoft.com/office/drawing/2017/decorative" val="1"/>
+              </a:ext>
+            </a:extLst>
+          </p:cNvPr>
+          <p:cNvSpPr>
+            <a:spLocks noGrp="1" noRot="1" noChangeAspect="1" noMove="1" noResize="1" noEditPoints="1" noAdjustHandles="1" noChangeArrowheads="1" noChangeShapeType="1" noTextEdit="1"/>
+          </p:cNvSpPr>
+          <p:nvPr>
+            <p:extLst>
+              <p:ext uri="{386F3935-93C4-4BCD-93E2-E3B085C9AB24}">
+                <p16:designElem xmlns:p16="http://schemas.microsoft.com/office/powerpoint/2015/main" val="1"/>
+              </p:ext>
+            </p:extLst>
+          </p:nvPr>
+        </p:nvSpPr>
+        <p:spPr bwMode="auto">
+          <a:xfrm>
+            <a:off x="644055" y="635715"/>
+            <a:ext cx="7033095" cy="1541457"/>
+          </a:xfrm>
+          <a:prstGeom prst="rect">
+            <a:avLst/>
+          </a:prstGeom>
+          <a:solidFill>
+            <a:schemeClr val="accent1"/>
+          </a:solidFill>
+          <a:ln>
+            <a:noFill/>
+          </a:ln>
+        </p:spPr>
+        <p:txBody>
+          <a:bodyPr vert="horz" wrap="square" lIns="91440" tIns="45720" rIns="91440" bIns="45720" numCol="1" anchor="t" anchorCtr="0" compatLnSpc="1">
+            <a:prstTxWarp prst="textNoShape">
+              <a:avLst/>
+            </a:prstTxWarp>
+          </a:bodyPr>
+          <a:lstStyle/>
+          <a:p>
+            <a:endParaRPr lang="en-US"/>
+          </a:p>
+        </p:txBody>
+      </p:sp>
+      <p:sp>
+        <p:nvSpPr>
+          <p:cNvPr id="8" name="TextBox 7">
+            <a:extLst>
+              <a:ext uri="{FF2B5EF4-FFF2-40B4-BE49-F238E27FC236}">
+                <a16:creationId xmlns:a16="http://schemas.microsoft.com/office/drawing/2014/main" id="{1E7B805A-341E-4F9B-A482-5E5F4DFC7618}"/>
               </a:ext>
             </a:extLst>
           </p:cNvPr>
@@ -17774,8 +17890,84 @@
         </p:nvSpPr>
         <p:spPr>
           <a:xfrm>
-            <a:off x="715196" y="2226983"/>
-            <a:ext cx="5076090" cy="4151376"/>
+            <a:off x="964760" y="804328"/>
+            <a:ext cx="6091312" cy="1205821"/>
+          </a:xfrm>
+          <a:prstGeom prst="rect">
+            <a:avLst/>
+          </a:prstGeom>
+        </p:spPr>
+        <p:txBody>
+          <a:bodyPr vert="horz" lIns="91440" tIns="45720" rIns="91440" bIns="45720" rtlCol="0" anchor="ctr">
+            <a:normAutofit/>
+          </a:bodyPr>
+          <a:lstStyle/>
+          <a:p>
+            <a:pPr>
+              <a:lnSpc>
+                <a:spcPct val="90000"/>
+              </a:lnSpc>
+              <a:spcBef>
+                <a:spcPct val="0"/>
+              </a:spcBef>
+              <a:spcAft>
+                <a:spcPts val="600"/>
+              </a:spcAft>
+            </a:pPr>
+            <a:r>
+              <a:rPr lang="en-US" sz="2500" dirty="0">
+                <a:solidFill>
+                  <a:srgbClr val="FEFFFF"/>
+                </a:solidFill>
+                <a:latin typeface="+mj-lt"/>
+                <a:ea typeface="+mj-ea"/>
+                <a:cs typeface="+mj-cs"/>
+              </a:rPr>
+              <a:t>Compare efficiency of ZID, ZIDP</a:t>
+            </a:r>
+          </a:p>
+          <a:p>
+            <a:pPr>
+              <a:lnSpc>
+                <a:spcPct val="90000"/>
+              </a:lnSpc>
+              <a:spcBef>
+                <a:spcPct val="0"/>
+              </a:spcBef>
+              <a:spcAft>
+                <a:spcPts val="600"/>
+              </a:spcAft>
+            </a:pPr>
+            <a:r>
+              <a:rPr lang="en-US" sz="2500" dirty="0">
+                <a:solidFill>
+                  <a:srgbClr val="FEFFFF"/>
+                </a:solidFill>
+                <a:latin typeface="+mj-lt"/>
+                <a:ea typeface="+mj-ea"/>
+                <a:cs typeface="+mj-cs"/>
+              </a:rPr>
+              <a:t>Note Narrow range on y-axis of graph</a:t>
+            </a:r>
+          </a:p>
+        </p:txBody>
+      </p:sp>
+      <p:sp>
+        <p:nvSpPr>
+          <p:cNvPr id="3" name="TextBox 2">
+            <a:extLst>
+              <a:ext uri="{FF2B5EF4-FFF2-40B4-BE49-F238E27FC236}">
+                <a16:creationId xmlns:a16="http://schemas.microsoft.com/office/drawing/2014/main" id="{426B6423-DB43-4D45-BB8B-E5487B743FE5}"/>
+              </a:ext>
+            </a:extLst>
+          </p:cNvPr>
+          <p:cNvSpPr txBox="1"/>
+          <p:nvPr/>
+        </p:nvSpPr>
+        <p:spPr>
+          <a:xfrm>
+            <a:off x="1282189" y="2494450"/>
+            <a:ext cx="5773883" cy="3563159"/>
           </a:xfrm>
           <a:prstGeom prst="rect">
             <a:avLst/>
@@ -17879,11 +18071,11 @@
             </a:pPr>
             <a:r>
               <a:rPr lang="en-US" sz="2000" dirty="0" err="1"/>
-              <a:t>grid_size</a:t>
+              <a:t>num_traders</a:t>
             </a:r>
             <a:r>
               <a:rPr lang="en-US" sz="2000" dirty="0"/>
-              <a:t> = 15</a:t>
+              <a:t> = 20</a:t>
             </a:r>
           </a:p>
           <a:p>
@@ -17899,11 +18091,11 @@
             </a:pPr>
             <a:r>
               <a:rPr lang="en-US" sz="2000" dirty="0" err="1"/>
-              <a:t>num_traders</a:t>
+              <a:t>num_units</a:t>
             </a:r>
             <a:r>
               <a:rPr lang="en-US" sz="2000" dirty="0"/>
-              <a:t> = 20</a:t>
+              <a:t> = 8</a:t>
             </a:r>
           </a:p>
           <a:p>
@@ -17919,11 +18111,11 @@
             </a:pPr>
             <a:r>
               <a:rPr lang="en-US" sz="2000" dirty="0" err="1"/>
-              <a:t>num_units</a:t>
+              <a:t>lower_bound</a:t>
             </a:r>
             <a:r>
               <a:rPr lang="en-US" sz="2000" dirty="0"/>
-              <a:t> = 8</a:t>
+              <a:t> = 200 </a:t>
             </a:r>
           </a:p>
           <a:p>
@@ -17939,72 +18131,11 @@
             </a:pPr>
             <a:r>
               <a:rPr lang="en-US" sz="2000" dirty="0" err="1"/>
-              <a:t>lower_bound</a:t>
-            </a:r>
-            <a:r>
-              <a:rPr lang="en-US" sz="2000" dirty="0"/>
-              <a:t> = 200 </a:t>
-            </a:r>
-          </a:p>
-          <a:p>
-            <a:pPr indent="-228600">
-              <a:lnSpc>
-                <a:spcPct val="90000"/>
-              </a:lnSpc>
-              <a:spcAft>
-                <a:spcPts val="600"/>
-              </a:spcAft>
-              <a:buFont typeface="Arial" panose="020B0604020202020204" pitchFamily="34" charset="0"/>
-              <a:buChar char="•"/>
-            </a:pPr>
-            <a:r>
-              <a:rPr lang="en-US" sz="2000" dirty="0" err="1"/>
               <a:t>upper_bound</a:t>
             </a:r>
             <a:r>
               <a:rPr lang="en-US" sz="2000" dirty="0"/>
               <a:t> = 600</a:t>
-            </a:r>
-          </a:p>
-        </p:txBody>
-      </p:sp>
-      <p:sp>
-        <p:nvSpPr>
-          <p:cNvPr id="8" name="TextBox 7">
-            <a:extLst>
-              <a:ext uri="{FF2B5EF4-FFF2-40B4-BE49-F238E27FC236}">
-                <a16:creationId xmlns:a16="http://schemas.microsoft.com/office/drawing/2014/main" id="{1E7B805A-341E-4F9B-A482-5E5F4DFC7618}"/>
-              </a:ext>
-            </a:extLst>
-          </p:cNvPr>
-          <p:cNvSpPr txBox="1"/>
-          <p:nvPr/>
-        </p:nvSpPr>
-        <p:spPr>
-          <a:xfrm>
-            <a:off x="558791" y="1101012"/>
-            <a:ext cx="4468083" cy="646331"/>
-          </a:xfrm>
-          <a:prstGeom prst="rect">
-            <a:avLst/>
-          </a:prstGeom>
-          <a:noFill/>
-        </p:spPr>
-        <p:txBody>
-          <a:bodyPr wrap="none" rtlCol="0">
-            <a:spAutoFit/>
-          </a:bodyPr>
-          <a:lstStyle/>
-          <a:p>
-            <a:r>
-              <a:rPr lang="en-US" dirty="0"/>
-              <a:t>Compare efficiency of ZID, ZIDP</a:t>
-            </a:r>
-          </a:p>
-          <a:p>
-            <a:r>
-              <a:rPr lang="en-US" dirty="0"/>
-              <a:t>Note Narrow range on y-axis of graph [10, 20]</a:t>
             </a:r>
           </a:p>
         </p:txBody>
@@ -18031,15 +18162,14 @@
               </a:ext>
             </a:extLst>
           </a:blip>
-          <a:srcRect/>
           <a:stretch>
             <a:fillRect/>
           </a:stretch>
         </p:blipFill>
         <p:spPr bwMode="auto">
           <a:xfrm>
-            <a:off x="7056624" y="83322"/>
-            <a:ext cx="4906776" cy="3990738"/>
+            <a:off x="3834402" y="2354088"/>
+            <a:ext cx="3721440" cy="3023669"/>
           </a:xfrm>
           <a:prstGeom prst="rect">
             <a:avLst/>
@@ -18056,6 +18186,60 @@
           </a:extLst>
         </p:spPr>
       </p:pic>
+      <p:sp>
+        <p:nvSpPr>
+          <p:cNvPr id="17" name="TextBox 16">
+            <a:extLst>
+              <a:ext uri="{FF2B5EF4-FFF2-40B4-BE49-F238E27FC236}">
+                <a16:creationId xmlns:a16="http://schemas.microsoft.com/office/drawing/2014/main" id="{B5F28098-4590-4467-A522-7CAF73B2CE02}"/>
+              </a:ext>
+            </a:extLst>
+          </p:cNvPr>
+          <p:cNvSpPr txBox="1"/>
+          <p:nvPr/>
+        </p:nvSpPr>
+        <p:spPr>
+          <a:xfrm>
+            <a:off x="4823428" y="5524219"/>
+            <a:ext cx="1958566" cy="341632"/>
+          </a:xfrm>
+          <a:prstGeom prst="rect">
+            <a:avLst/>
+          </a:prstGeom>
+          <a:noFill/>
+        </p:spPr>
+        <p:txBody>
+          <a:bodyPr wrap="square">
+            <a:spAutoFit/>
+          </a:bodyPr>
+          <a:lstStyle/>
+          <a:p>
+            <a:pPr indent="-228600">
+              <a:lnSpc>
+                <a:spcPct val="90000"/>
+              </a:lnSpc>
+              <a:spcAft>
+                <a:spcPts val="600"/>
+              </a:spcAft>
+              <a:buFont typeface="Arial" panose="020B0604020202020204" pitchFamily="34" charset="0"/>
+              <a:buChar char="•"/>
+            </a:pPr>
+            <a:r>
+              <a:rPr lang="en-US" sz="1800" dirty="0" err="1"/>
+              <a:t>grid_size</a:t>
+            </a:r>
+            <a:r>
+              <a:rPr lang="en-US" sz="1800" dirty="0"/>
+              <a:t> = </a:t>
+            </a:r>
+            <a:r>
+              <a:rPr lang="en-US" dirty="0"/>
+              <a:t>15</a:t>
+            </a:r>
+            <a:endParaRPr lang="en-US" sz="1800" dirty="0"/>
+          </a:p>
+        </p:txBody>
+      </p:sp>
     </p:spTree>
     <p:extLst>
       <p:ext uri="{BB962C8B-B14F-4D97-AF65-F5344CB8AC3E}">
@@ -18064,7 +18248,7 @@
     </p:extLst>
   </p:cSld>
   <p:clrMapOvr>
-    <a:overrideClrMapping bg1="dk1" tx1="lt1" bg2="dk2" tx2="lt2" accent1="accent1" accent2="accent2" accent3="accent3" accent4="accent4" accent5="accent5" accent6="accent6" hlink="hlink" folHlink="folHlink"/>
+    <a:masterClrMapping/>
   </p:clrMapOvr>
 </p:sld>
 </file>
@@ -18094,12 +18278,12 @@
           <a:chExt cx="0" cy="0"/>
         </a:xfrm>
       </p:grpSpPr>
-      <p:sp>
+      <p:sp useBgFill="1">
         <p:nvSpPr>
-          <p:cNvPr id="71" name="Rectangle 70">
+          <p:cNvPr id="199" name="Rectangle 198">
             <a:extLst>
               <a:ext uri="{FF2B5EF4-FFF2-40B4-BE49-F238E27FC236}">
-                <a16:creationId xmlns:a16="http://schemas.microsoft.com/office/drawing/2014/main" id="{68A4132F-DEC6-4332-A00C-A11AD4519B6C}"/>
+                <a16:creationId xmlns:a16="http://schemas.microsoft.com/office/drawing/2014/main" id="{D4993743-B10A-433C-9996-3035D2C3ABC6}"/>
               </a:ext>
               <a:ext uri="{C183D7F6-B498-43B3-948B-1728B52AA6E4}">
                 <adec:decorative xmlns:adec="http://schemas.microsoft.com/office/drawing/2017/decorative" val="1"/>
@@ -18119,15 +18303,12 @@
         </p:nvSpPr>
         <p:spPr>
           <a:xfrm>
-            <a:off x="3048" y="0"/>
+            <a:off x="1524" y="0"/>
             <a:ext cx="12188952" cy="6858000"/>
           </a:xfrm>
           <a:prstGeom prst="rect">
             <a:avLst/>
           </a:prstGeom>
-          <a:solidFill>
-            <a:schemeClr val="tx1"/>
-          </a:solidFill>
           <a:ln>
             <a:noFill/>
           </a:ln>
@@ -18159,10 +18340,10 @@
       </p:sp>
       <p:sp>
         <p:nvSpPr>
-          <p:cNvPr id="73" name="Freeform: Shape 72">
+          <p:cNvPr id="201" name="Freeform 45">
             <a:extLst>
               <a:ext uri="{FF2B5EF4-FFF2-40B4-BE49-F238E27FC236}">
-                <a16:creationId xmlns:a16="http://schemas.microsoft.com/office/drawing/2014/main" id="{9B38642C-62C4-4E31-A5D3-BB1DD8CA3942}"/>
+                <a16:creationId xmlns:a16="http://schemas.microsoft.com/office/drawing/2014/main" id="{BB3B8946-A0AA-42D4-8A24-639DC6EA170E}"/>
               </a:ext>
               <a:ext uri="{C183D7F6-B498-43B3-948B-1728B52AA6E4}">
                 <adec:decorative xmlns:adec="http://schemas.microsoft.com/office/drawing/2017/decorative" val="1"/>
@@ -18180,157 +18361,92 @@
             </p:extLst>
           </p:nvPr>
         </p:nvSpPr>
-        <p:spPr>
+        <p:spPr bwMode="auto">
           <a:xfrm>
-            <a:off x="0" y="0"/>
-            <a:ext cx="8663583" cy="6858478"/>
+            <a:off x="409710" y="1022350"/>
+            <a:ext cx="709612" cy="2095501"/>
           </a:xfrm>
           <a:custGeom>
             <a:avLst/>
             <a:gdLst>
-              <a:gd name="connsiteX0" fmla="*/ 0 w 8663583"/>
-              <a:gd name="connsiteY0" fmla="*/ 0 h 6858478"/>
-              <a:gd name="connsiteX1" fmla="*/ 480486 w 8663583"/>
-              <a:gd name="connsiteY1" fmla="*/ 0 h 6858478"/>
-              <a:gd name="connsiteX2" fmla="*/ 4415403 w 8663583"/>
-              <a:gd name="connsiteY2" fmla="*/ 0 h 6858478"/>
-              <a:gd name="connsiteX3" fmla="*/ 5481631 w 8663583"/>
-              <a:gd name="connsiteY3" fmla="*/ 0 h 6858478"/>
-              <a:gd name="connsiteX4" fmla="*/ 5487208 w 8663583"/>
-              <a:gd name="connsiteY4" fmla="*/ 0 h 6858478"/>
-              <a:gd name="connsiteX5" fmla="*/ 8663583 w 8663583"/>
-              <a:gd name="connsiteY5" fmla="*/ 6858478 h 6858478"/>
-              <a:gd name="connsiteX6" fmla="*/ 1239028 w 8663583"/>
-              <a:gd name="connsiteY6" fmla="*/ 6858478 h 6858478"/>
-              <a:gd name="connsiteX7" fmla="*/ 1239288 w 8663583"/>
-              <a:gd name="connsiteY7" fmla="*/ 6857916 h 6858478"/>
-              <a:gd name="connsiteX8" fmla="*/ 480486 w 8663583"/>
-              <a:gd name="connsiteY8" fmla="*/ 6857916 h 6858478"/>
-              <a:gd name="connsiteX9" fmla="*/ 480486 w 8663583"/>
-              <a:gd name="connsiteY9" fmla="*/ 6858000 h 6858478"/>
-              <a:gd name="connsiteX10" fmla="*/ 0 w 8663583"/>
-              <a:gd name="connsiteY10" fmla="*/ 6858000 h 6858478"/>
+              <a:gd name="T0" fmla="*/ 447 w 447"/>
+              <a:gd name="T1" fmla="*/ 1363 h 1363"/>
+              <a:gd name="T2" fmla="*/ 0 w 447"/>
+              <a:gd name="T3" fmla="*/ 987 h 1363"/>
+              <a:gd name="T4" fmla="*/ 0 w 447"/>
+              <a:gd name="T5" fmla="*/ 0 h 1363"/>
+              <a:gd name="T6" fmla="*/ 447 w 447"/>
+              <a:gd name="T7" fmla="*/ 376 h 1363"/>
+              <a:gd name="T8" fmla="*/ 447 w 447"/>
+              <a:gd name="T9" fmla="*/ 1363 h 1363"/>
             </a:gdLst>
             <a:ahLst/>
             <a:cxnLst>
               <a:cxn ang="0">
-                <a:pos x="connsiteX0" y="connsiteY0"/>
+                <a:pos x="T0" y="T1"/>
               </a:cxn>
               <a:cxn ang="0">
-                <a:pos x="connsiteX1" y="connsiteY1"/>
+                <a:pos x="T2" y="T3"/>
               </a:cxn>
               <a:cxn ang="0">
-                <a:pos x="connsiteX2" y="connsiteY2"/>
+                <a:pos x="T4" y="T5"/>
               </a:cxn>
               <a:cxn ang="0">
-                <a:pos x="connsiteX3" y="connsiteY3"/>
+                <a:pos x="T6" y="T7"/>
               </a:cxn>
               <a:cxn ang="0">
-                <a:pos x="connsiteX4" y="connsiteY4"/>
-              </a:cxn>
-              <a:cxn ang="0">
-                <a:pos x="connsiteX5" y="connsiteY5"/>
-              </a:cxn>
-              <a:cxn ang="0">
-                <a:pos x="connsiteX6" y="connsiteY6"/>
-              </a:cxn>
-              <a:cxn ang="0">
-                <a:pos x="connsiteX7" y="connsiteY7"/>
-              </a:cxn>
-              <a:cxn ang="0">
-                <a:pos x="connsiteX8" y="connsiteY8"/>
-              </a:cxn>
-              <a:cxn ang="0">
-                <a:pos x="connsiteX9" y="connsiteY9"/>
-              </a:cxn>
-              <a:cxn ang="0">
-                <a:pos x="connsiteX10" y="connsiteY10"/>
+                <a:pos x="T8" y="T9"/>
               </a:cxn>
             </a:cxnLst>
-            <a:rect l="l" t="t" r="r" b="b"/>
+            <a:rect l="0" t="0" r="r" b="b"/>
             <a:pathLst>
-              <a:path w="8663583" h="6858478">
+              <a:path w="447" h="1363">
                 <a:moveTo>
-                  <a:pt x="0" y="0"/>
+                  <a:pt x="447" y="1363"/>
                 </a:moveTo>
                 <a:lnTo>
-                  <a:pt x="480486" y="0"/>
+                  <a:pt x="0" y="987"/>
                 </a:lnTo>
                 <a:lnTo>
-                  <a:pt x="4415403" y="0"/>
+                  <a:pt x="0" y="0"/>
                 </a:lnTo>
                 <a:lnTo>
-                  <a:pt x="5481631" y="0"/>
+                  <a:pt x="447" y="376"/>
                 </a:lnTo>
                 <a:lnTo>
-                  <a:pt x="5487208" y="0"/>
-                </a:lnTo>
-                <a:lnTo>
-                  <a:pt x="8663583" y="6858478"/>
-                </a:lnTo>
-                <a:lnTo>
-                  <a:pt x="1239028" y="6858478"/>
-                </a:lnTo>
-                <a:lnTo>
-                  <a:pt x="1239288" y="6857916"/>
-                </a:lnTo>
-                <a:lnTo>
-                  <a:pt x="480486" y="6857916"/>
-                </a:lnTo>
-                <a:lnTo>
-                  <a:pt x="480486" y="6858000"/>
-                </a:lnTo>
-                <a:lnTo>
-                  <a:pt x="0" y="6858000"/>
+                  <a:pt x="447" y="1363"/>
                 </a:lnTo>
                 <a:close/>
               </a:path>
             </a:pathLst>
           </a:custGeom>
           <a:solidFill>
-            <a:schemeClr val="bg1">
-              <a:lumMod val="85000"/>
-              <a:lumOff val="15000"/>
-              <a:alpha val="70000"/>
+            <a:schemeClr val="accent1">
+              <a:lumMod val="50000"/>
             </a:schemeClr>
           </a:solidFill>
           <a:ln>
             <a:noFill/>
           </a:ln>
         </p:spPr>
-        <p:style>
-          <a:lnRef idx="2">
-            <a:schemeClr val="accent1">
-              <a:shade val="50000"/>
-            </a:schemeClr>
-          </a:lnRef>
-          <a:fillRef idx="1">
-            <a:schemeClr val="accent1"/>
-          </a:fillRef>
-          <a:effectRef idx="0">
-            <a:schemeClr val="accent1"/>
-          </a:effectRef>
-          <a:fontRef idx="minor">
-            <a:schemeClr val="lt1"/>
-          </a:fontRef>
-        </p:style>
         <p:txBody>
-          <a:bodyPr wrap="square" rtlCol="0" anchor="ctr">
-            <a:noAutofit/>
+          <a:bodyPr vert="horz" wrap="square" lIns="91440" tIns="45720" rIns="91440" bIns="45720" numCol="1" anchor="t" anchorCtr="0" compatLnSpc="1">
+            <a:prstTxWarp prst="textNoShape">
+              <a:avLst/>
+            </a:prstTxWarp>
           </a:bodyPr>
           <a:lstStyle/>
           <a:p>
-            <a:pPr algn="ctr"/>
             <a:endParaRPr lang="en-US"/>
           </a:p>
         </p:txBody>
       </p:sp>
       <p:sp>
         <p:nvSpPr>
-          <p:cNvPr id="75" name="Freeform: Shape 74">
+          <p:cNvPr id="203" name="Freeform 46">
             <a:extLst>
               <a:ext uri="{FF2B5EF4-FFF2-40B4-BE49-F238E27FC236}">
-                <a16:creationId xmlns:a16="http://schemas.microsoft.com/office/drawing/2014/main" id="{A9F66240-8C38-4069-A5C9-2D3FCD97EDAD}"/>
+                <a16:creationId xmlns:a16="http://schemas.microsoft.com/office/drawing/2014/main" id="{AB1038E6-06EF-4DCB-B52E-D3825C50F7C6}"/>
               </a:ext>
               <a:ext uri="{C183D7F6-B498-43B3-948B-1728B52AA6E4}">
                 <adec:decorative xmlns:adec="http://schemas.microsoft.com/office/drawing/2017/decorative" val="1"/>
@@ -18348,164 +18464,348 @@
             </p:extLst>
           </p:nvPr>
         </p:nvSpPr>
-        <p:spPr>
+        <p:spPr bwMode="auto">
           <a:xfrm>
-            <a:off x="0" y="0"/>
-            <a:ext cx="8234957" cy="6858478"/>
+            <a:off x="409710" y="837744"/>
+            <a:ext cx="403225" cy="1705431"/>
           </a:xfrm>
           <a:custGeom>
             <a:avLst/>
             <a:gdLst>
-              <a:gd name="connsiteX0" fmla="*/ 156905 w 8234957"/>
-              <a:gd name="connsiteY0" fmla="*/ 0 h 6858478"/>
-              <a:gd name="connsiteX1" fmla="*/ 3986777 w 8234957"/>
-              <a:gd name="connsiteY1" fmla="*/ 0 h 6858478"/>
-              <a:gd name="connsiteX2" fmla="*/ 5053005 w 8234957"/>
-              <a:gd name="connsiteY2" fmla="*/ 0 h 6858478"/>
-              <a:gd name="connsiteX3" fmla="*/ 5058582 w 8234957"/>
-              <a:gd name="connsiteY3" fmla="*/ 0 h 6858478"/>
-              <a:gd name="connsiteX4" fmla="*/ 8234957 w 8234957"/>
-              <a:gd name="connsiteY4" fmla="*/ 6858478 h 6858478"/>
-              <a:gd name="connsiteX5" fmla="*/ 810402 w 8234957"/>
-              <a:gd name="connsiteY5" fmla="*/ 6858478 h 6858478"/>
-              <a:gd name="connsiteX6" fmla="*/ 810662 w 8234957"/>
-              <a:gd name="connsiteY6" fmla="*/ 6857916 h 6858478"/>
-              <a:gd name="connsiteX7" fmla="*/ 156905 w 8234957"/>
-              <a:gd name="connsiteY7" fmla="*/ 6857916 h 6858478"/>
-              <a:gd name="connsiteX8" fmla="*/ 156905 w 8234957"/>
-              <a:gd name="connsiteY8" fmla="*/ 6858478 h 6858478"/>
-              <a:gd name="connsiteX9" fmla="*/ 0 w 8234957"/>
-              <a:gd name="connsiteY9" fmla="*/ 6858478 h 6858478"/>
-              <a:gd name="connsiteX10" fmla="*/ 0 w 8234957"/>
-              <a:gd name="connsiteY10" fmla="*/ 479 h 6858478"/>
-              <a:gd name="connsiteX11" fmla="*/ 156905 w 8234957"/>
-              <a:gd name="connsiteY11" fmla="*/ 479 h 6858478"/>
+              <a:gd name="T0" fmla="*/ 254 w 254"/>
+              <a:gd name="T1" fmla="*/ 987 h 1109"/>
+              <a:gd name="T2" fmla="*/ 0 w 254"/>
+              <a:gd name="T3" fmla="*/ 1109 h 1109"/>
+              <a:gd name="T4" fmla="*/ 0 w 254"/>
+              <a:gd name="T5" fmla="*/ 119 h 1109"/>
+              <a:gd name="T6" fmla="*/ 254 w 254"/>
+              <a:gd name="T7" fmla="*/ 0 h 1109"/>
+              <a:gd name="T8" fmla="*/ 254 w 254"/>
+              <a:gd name="T9" fmla="*/ 987 h 1109"/>
             </a:gdLst>
             <a:ahLst/>
             <a:cxnLst>
               <a:cxn ang="0">
-                <a:pos x="connsiteX0" y="connsiteY0"/>
+                <a:pos x="T0" y="T1"/>
               </a:cxn>
               <a:cxn ang="0">
-                <a:pos x="connsiteX1" y="connsiteY1"/>
+                <a:pos x="T2" y="T3"/>
               </a:cxn>
               <a:cxn ang="0">
-                <a:pos x="connsiteX2" y="connsiteY2"/>
+                <a:pos x="T4" y="T5"/>
               </a:cxn>
               <a:cxn ang="0">
-                <a:pos x="connsiteX3" y="connsiteY3"/>
+                <a:pos x="T6" y="T7"/>
               </a:cxn>
               <a:cxn ang="0">
-                <a:pos x="connsiteX4" y="connsiteY4"/>
-              </a:cxn>
-              <a:cxn ang="0">
-                <a:pos x="connsiteX5" y="connsiteY5"/>
-              </a:cxn>
-              <a:cxn ang="0">
-                <a:pos x="connsiteX6" y="connsiteY6"/>
-              </a:cxn>
-              <a:cxn ang="0">
-                <a:pos x="connsiteX7" y="connsiteY7"/>
-              </a:cxn>
-              <a:cxn ang="0">
-                <a:pos x="connsiteX8" y="connsiteY8"/>
-              </a:cxn>
-              <a:cxn ang="0">
-                <a:pos x="connsiteX9" y="connsiteY9"/>
-              </a:cxn>
-              <a:cxn ang="0">
-                <a:pos x="connsiteX10" y="connsiteY10"/>
-              </a:cxn>
-              <a:cxn ang="0">
-                <a:pos x="connsiteX11" y="connsiteY11"/>
+                <a:pos x="T8" y="T9"/>
               </a:cxn>
             </a:cxnLst>
-            <a:rect l="l" t="t" r="r" b="b"/>
+            <a:rect l="0" t="0" r="r" b="b"/>
             <a:pathLst>
-              <a:path w="8234957" h="6858478">
+              <a:path w="254" h="1109">
                 <a:moveTo>
-                  <a:pt x="156905" y="0"/>
+                  <a:pt x="254" y="987"/>
                 </a:moveTo>
                 <a:lnTo>
-                  <a:pt x="3986777" y="0"/>
+                  <a:pt x="0" y="1109"/>
                 </a:lnTo>
                 <a:lnTo>
-                  <a:pt x="5053005" y="0"/>
+                  <a:pt x="0" y="119"/>
                 </a:lnTo>
                 <a:lnTo>
-                  <a:pt x="5058582" y="0"/>
+                  <a:pt x="254" y="0"/>
                 </a:lnTo>
                 <a:lnTo>
-                  <a:pt x="8234957" y="6858478"/>
-                </a:lnTo>
-                <a:lnTo>
-                  <a:pt x="810402" y="6858478"/>
-                </a:lnTo>
-                <a:lnTo>
-                  <a:pt x="810662" y="6857916"/>
-                </a:lnTo>
-                <a:lnTo>
-                  <a:pt x="156905" y="6857916"/>
-                </a:lnTo>
-                <a:lnTo>
-                  <a:pt x="156905" y="6858478"/>
-                </a:lnTo>
-                <a:lnTo>
-                  <a:pt x="0" y="6858478"/>
-                </a:lnTo>
-                <a:lnTo>
-                  <a:pt x="0" y="479"/>
-                </a:lnTo>
-                <a:lnTo>
-                  <a:pt x="156905" y="479"/>
+                  <a:pt x="254" y="987"/>
                 </a:lnTo>
                 <a:close/>
               </a:path>
             </a:pathLst>
           </a:custGeom>
           <a:solidFill>
-            <a:schemeClr val="bg1">
-              <a:lumMod val="85000"/>
-              <a:lumOff val="15000"/>
+            <a:schemeClr val="accent1">
+              <a:lumMod val="75000"/>
             </a:schemeClr>
           </a:solidFill>
           <a:ln>
             <a:noFill/>
           </a:ln>
         </p:spPr>
-        <p:style>
-          <a:lnRef idx="2">
-            <a:schemeClr val="accent1">
-              <a:shade val="50000"/>
-            </a:schemeClr>
-          </a:lnRef>
-          <a:fillRef idx="1">
-            <a:schemeClr val="accent1"/>
-          </a:fillRef>
-          <a:effectRef idx="0">
-            <a:schemeClr val="accent1"/>
-          </a:effectRef>
-          <a:fontRef idx="minor">
-            <a:schemeClr val="lt1"/>
-          </a:fontRef>
-        </p:style>
         <p:txBody>
-          <a:bodyPr wrap="square" rtlCol="0" anchor="ctr">
-            <a:noAutofit/>
+          <a:bodyPr vert="horz" wrap="square" lIns="91440" tIns="45720" rIns="91440" bIns="45720" numCol="1" anchor="t" anchorCtr="0" compatLnSpc="1">
+            <a:prstTxWarp prst="textNoShape">
+              <a:avLst/>
+            </a:prstTxWarp>
           </a:bodyPr>
           <a:lstStyle/>
           <a:p>
-            <a:pPr algn="ctr"/>
             <a:endParaRPr lang="en-US"/>
           </a:p>
         </p:txBody>
       </p:sp>
       <p:sp>
         <p:nvSpPr>
-          <p:cNvPr id="3" name="TextBox 2">
+          <p:cNvPr id="205" name="Freeform 47">
             <a:extLst>
               <a:ext uri="{FF2B5EF4-FFF2-40B4-BE49-F238E27FC236}">
-                <a16:creationId xmlns:a16="http://schemas.microsoft.com/office/drawing/2014/main" id="{426B6423-DB43-4D45-BB8B-E5487B743FE5}"/>
+                <a16:creationId xmlns:a16="http://schemas.microsoft.com/office/drawing/2014/main" id="{5C7EF35C-8B7D-4026-8F09-8B2B2250579B}"/>
+              </a:ext>
+              <a:ext uri="{C183D7F6-B498-43B3-948B-1728B52AA6E4}">
+                <adec:decorative xmlns:adec="http://schemas.microsoft.com/office/drawing/2017/decorative" val="1"/>
+              </a:ext>
+            </a:extLst>
+          </p:cNvPr>
+          <p:cNvSpPr>
+            <a:spLocks noGrp="1" noRot="1" noChangeAspect="1" noMove="1" noResize="1" noEditPoints="1" noAdjustHandles="1" noChangeArrowheads="1" noChangeShapeType="1" noTextEdit="1"/>
+          </p:cNvSpPr>
+          <p:nvPr>
+            <p:extLst>
+              <p:ext uri="{386F3935-93C4-4BCD-93E2-E3B085C9AB24}">
+                <p16:designElem xmlns:p16="http://schemas.microsoft.com/office/powerpoint/2015/main" val="1"/>
+              </p:ext>
+            </p:extLst>
+          </p:nvPr>
+        </p:nvSpPr>
+        <p:spPr bwMode="auto">
+          <a:xfrm>
+            <a:off x="644660" y="640894"/>
+            <a:ext cx="168275" cy="1713195"/>
+          </a:xfrm>
+          <a:custGeom>
+            <a:avLst/>
+            <a:gdLst>
+              <a:gd name="T0" fmla="*/ 106 w 106"/>
+              <a:gd name="T1" fmla="*/ 1114 h 1114"/>
+              <a:gd name="T2" fmla="*/ 0 w 106"/>
+              <a:gd name="T3" fmla="*/ 1005 h 1114"/>
+              <a:gd name="T4" fmla="*/ 0 w 106"/>
+              <a:gd name="T5" fmla="*/ 0 h 1114"/>
+              <a:gd name="T6" fmla="*/ 106 w 106"/>
+              <a:gd name="T7" fmla="*/ 110 h 1114"/>
+              <a:gd name="T8" fmla="*/ 106 w 106"/>
+              <a:gd name="T9" fmla="*/ 1114 h 1114"/>
+            </a:gdLst>
+            <a:ahLst/>
+            <a:cxnLst>
+              <a:cxn ang="0">
+                <a:pos x="T0" y="T1"/>
+              </a:cxn>
+              <a:cxn ang="0">
+                <a:pos x="T2" y="T3"/>
+              </a:cxn>
+              <a:cxn ang="0">
+                <a:pos x="T4" y="T5"/>
+              </a:cxn>
+              <a:cxn ang="0">
+                <a:pos x="T6" y="T7"/>
+              </a:cxn>
+              <a:cxn ang="0">
+                <a:pos x="T8" y="T9"/>
+              </a:cxn>
+            </a:cxnLst>
+            <a:rect l="0" t="0" r="r" b="b"/>
+            <a:pathLst>
+              <a:path w="106" h="1114">
+                <a:moveTo>
+                  <a:pt x="106" y="1114"/>
+                </a:moveTo>
+                <a:lnTo>
+                  <a:pt x="0" y="1005"/>
+                </a:lnTo>
+                <a:lnTo>
+                  <a:pt x="0" y="0"/>
+                </a:lnTo>
+                <a:lnTo>
+                  <a:pt x="106" y="110"/>
+                </a:lnTo>
+                <a:lnTo>
+                  <a:pt x="106" y="1114"/>
+                </a:lnTo>
+                <a:close/>
+              </a:path>
+            </a:pathLst>
+          </a:custGeom>
+          <a:solidFill>
+            <a:schemeClr val="accent1">
+              <a:lumMod val="50000"/>
+            </a:schemeClr>
+          </a:solidFill>
+          <a:ln>
+            <a:noFill/>
+          </a:ln>
+        </p:spPr>
+        <p:txBody>
+          <a:bodyPr vert="horz" wrap="square" lIns="91440" tIns="45720" rIns="91440" bIns="45720" numCol="1" anchor="t" anchorCtr="0" compatLnSpc="1">
+            <a:prstTxWarp prst="textNoShape">
+              <a:avLst/>
+            </a:prstTxWarp>
+          </a:bodyPr>
+          <a:lstStyle/>
+          <a:p>
+            <a:endParaRPr lang="en-US"/>
+          </a:p>
+        </p:txBody>
+      </p:sp>
+      <p:sp>
+        <p:nvSpPr>
+          <p:cNvPr id="207" name="Freeform 44">
+            <a:extLst>
+              <a:ext uri="{FF2B5EF4-FFF2-40B4-BE49-F238E27FC236}">
+                <a16:creationId xmlns:a16="http://schemas.microsoft.com/office/drawing/2014/main" id="{5F24A71D-C0A9-49AC-B2D1-5A9EA2BD383E}"/>
+              </a:ext>
+              <a:ext uri="{C183D7F6-B498-43B3-948B-1728B52AA6E4}">
+                <adec:decorative xmlns:adec="http://schemas.microsoft.com/office/drawing/2017/decorative" val="1"/>
+              </a:ext>
+            </a:extLst>
+          </p:cNvPr>
+          <p:cNvSpPr>
+            <a:spLocks noGrp="1" noRot="1" noChangeAspect="1" noMove="1" noResize="1" noEditPoints="1" noAdjustHandles="1" noChangeArrowheads="1" noChangeShapeType="1" noTextEdit="1"/>
+          </p:cNvSpPr>
+          <p:nvPr>
+            <p:extLst>
+              <p:ext uri="{386F3935-93C4-4BCD-93E2-E3B085C9AB24}">
+                <p16:designElem xmlns:p16="http://schemas.microsoft.com/office/powerpoint/2015/main" val="1"/>
+              </p:ext>
+            </p:extLst>
+          </p:nvPr>
+        </p:nvSpPr>
+        <p:spPr bwMode="auto">
+          <a:xfrm>
+            <a:off x="7348538" y="635716"/>
+            <a:ext cx="328612" cy="1742360"/>
+          </a:xfrm>
+          <a:custGeom>
+            <a:avLst/>
+            <a:gdLst>
+              <a:gd name="T0" fmla="*/ 207 w 207"/>
+              <a:gd name="T1" fmla="*/ 987 h 1114"/>
+              <a:gd name="T2" fmla="*/ 0 w 207"/>
+              <a:gd name="T3" fmla="*/ 1114 h 1114"/>
+              <a:gd name="T4" fmla="*/ 0 w 207"/>
+              <a:gd name="T5" fmla="*/ 127 h 1114"/>
+              <a:gd name="T6" fmla="*/ 207 w 207"/>
+              <a:gd name="T7" fmla="*/ 0 h 1114"/>
+              <a:gd name="T8" fmla="*/ 207 w 207"/>
+              <a:gd name="T9" fmla="*/ 987 h 1114"/>
+            </a:gdLst>
+            <a:ahLst/>
+            <a:cxnLst>
+              <a:cxn ang="0">
+                <a:pos x="T0" y="T1"/>
+              </a:cxn>
+              <a:cxn ang="0">
+                <a:pos x="T2" y="T3"/>
+              </a:cxn>
+              <a:cxn ang="0">
+                <a:pos x="T4" y="T5"/>
+              </a:cxn>
+              <a:cxn ang="0">
+                <a:pos x="T6" y="T7"/>
+              </a:cxn>
+              <a:cxn ang="0">
+                <a:pos x="T8" y="T9"/>
+              </a:cxn>
+            </a:cxnLst>
+            <a:rect l="0" t="0" r="r" b="b"/>
+            <a:pathLst>
+              <a:path w="207" h="1114">
+                <a:moveTo>
+                  <a:pt x="207" y="987"/>
+                </a:moveTo>
+                <a:lnTo>
+                  <a:pt x="0" y="1114"/>
+                </a:lnTo>
+                <a:lnTo>
+                  <a:pt x="0" y="127"/>
+                </a:lnTo>
+                <a:lnTo>
+                  <a:pt x="207" y="0"/>
+                </a:lnTo>
+                <a:lnTo>
+                  <a:pt x="207" y="987"/>
+                </a:lnTo>
+                <a:close/>
+              </a:path>
+            </a:pathLst>
+          </a:custGeom>
+          <a:solidFill>
+            <a:schemeClr val="accent1">
+              <a:lumMod val="50000"/>
+            </a:schemeClr>
+          </a:solidFill>
+          <a:ln>
+            <a:noFill/>
+          </a:ln>
+        </p:spPr>
+        <p:txBody>
+          <a:bodyPr vert="horz" wrap="square" lIns="91440" tIns="45720" rIns="91440" bIns="45720" numCol="1" anchor="t" anchorCtr="0" compatLnSpc="1">
+            <a:prstTxWarp prst="textNoShape">
+              <a:avLst/>
+            </a:prstTxWarp>
+          </a:bodyPr>
+          <a:lstStyle/>
+          <a:p>
+            <a:endParaRPr lang="en-US"/>
+          </a:p>
+        </p:txBody>
+      </p:sp>
+      <p:sp>
+        <p:nvSpPr>
+          <p:cNvPr id="209" name="Rectangle 208">
+            <a:extLst>
+              <a:ext uri="{FF2B5EF4-FFF2-40B4-BE49-F238E27FC236}">
+                <a16:creationId xmlns:a16="http://schemas.microsoft.com/office/drawing/2014/main" id="{14280C55-570C-4284-9850-B2BA33DB6726}"/>
+              </a:ext>
+              <a:ext uri="{C183D7F6-B498-43B3-948B-1728B52AA6E4}">
+                <adec:decorative xmlns:adec="http://schemas.microsoft.com/office/drawing/2017/decorative" val="1"/>
+              </a:ext>
+            </a:extLst>
+          </p:cNvPr>
+          <p:cNvSpPr>
+            <a:spLocks noGrp="1" noRot="1" noChangeAspect="1" noMove="1" noResize="1" noEditPoints="1" noAdjustHandles="1" noChangeArrowheads="1" noChangeShapeType="1" noTextEdit="1"/>
+          </p:cNvSpPr>
+          <p:nvPr>
+            <p:extLst>
+              <p:ext uri="{386F3935-93C4-4BCD-93E2-E3B085C9AB24}">
+                <p16:designElem xmlns:p16="http://schemas.microsoft.com/office/powerpoint/2015/main" val="1"/>
+              </p:ext>
+            </p:extLst>
+          </p:nvPr>
+        </p:nvSpPr>
+        <p:spPr bwMode="auto">
+          <a:xfrm>
+            <a:off x="644055" y="635715"/>
+            <a:ext cx="7033095" cy="1541457"/>
+          </a:xfrm>
+          <a:prstGeom prst="rect">
+            <a:avLst/>
+          </a:prstGeom>
+          <a:solidFill>
+            <a:schemeClr val="accent1"/>
+          </a:solidFill>
+          <a:ln>
+            <a:noFill/>
+          </a:ln>
+        </p:spPr>
+        <p:txBody>
+          <a:bodyPr vert="horz" wrap="square" lIns="91440" tIns="45720" rIns="91440" bIns="45720" numCol="1" anchor="t" anchorCtr="0" compatLnSpc="1">
+            <a:prstTxWarp prst="textNoShape">
+              <a:avLst/>
+            </a:prstTxWarp>
+          </a:bodyPr>
+          <a:lstStyle/>
+          <a:p>
+            <a:endParaRPr lang="en-US"/>
+          </a:p>
+        </p:txBody>
+      </p:sp>
+      <p:sp>
+        <p:nvSpPr>
+          <p:cNvPr id="8" name="TextBox 7">
+            <a:extLst>
+              <a:ext uri="{FF2B5EF4-FFF2-40B4-BE49-F238E27FC236}">
+                <a16:creationId xmlns:a16="http://schemas.microsoft.com/office/drawing/2014/main" id="{1E7B805A-341E-4F9B-A482-5E5F4DFC7618}"/>
               </a:ext>
             </a:extLst>
           </p:cNvPr>
@@ -18514,8 +18814,84 @@
         </p:nvSpPr>
         <p:spPr>
           <a:xfrm>
-            <a:off x="1065965" y="2226983"/>
-            <a:ext cx="5076090" cy="4151376"/>
+            <a:off x="964760" y="804328"/>
+            <a:ext cx="6091312" cy="1205821"/>
+          </a:xfrm>
+          <a:prstGeom prst="rect">
+            <a:avLst/>
+          </a:prstGeom>
+        </p:spPr>
+        <p:txBody>
+          <a:bodyPr vert="horz" lIns="91440" tIns="45720" rIns="91440" bIns="45720" rtlCol="0" anchor="ctr">
+            <a:normAutofit/>
+          </a:bodyPr>
+          <a:lstStyle/>
+          <a:p>
+            <a:pPr>
+              <a:lnSpc>
+                <a:spcPct val="90000"/>
+              </a:lnSpc>
+              <a:spcBef>
+                <a:spcPct val="0"/>
+              </a:spcBef>
+              <a:spcAft>
+                <a:spcPts val="600"/>
+              </a:spcAft>
+            </a:pPr>
+            <a:r>
+              <a:rPr lang="en-US" sz="2500" dirty="0">
+                <a:solidFill>
+                  <a:srgbClr val="FEFFFF"/>
+                </a:solidFill>
+                <a:latin typeface="+mj-lt"/>
+                <a:ea typeface="+mj-ea"/>
+                <a:cs typeface="+mj-cs"/>
+              </a:rPr>
+              <a:t>Compare surplus generation of ZID, ZIDP</a:t>
+            </a:r>
+          </a:p>
+          <a:p>
+            <a:pPr>
+              <a:lnSpc>
+                <a:spcPct val="90000"/>
+              </a:lnSpc>
+              <a:spcBef>
+                <a:spcPct val="0"/>
+              </a:spcBef>
+              <a:spcAft>
+                <a:spcPts val="600"/>
+              </a:spcAft>
+            </a:pPr>
+            <a:r>
+              <a:rPr lang="en-US" sz="2500" dirty="0">
+                <a:solidFill>
+                  <a:srgbClr val="FEFFFF"/>
+                </a:solidFill>
+                <a:latin typeface="+mj-lt"/>
+                <a:ea typeface="+mj-ea"/>
+                <a:cs typeface="+mj-cs"/>
+              </a:rPr>
+              <a:t>Note Narrow range on y-axis of graph</a:t>
+            </a:r>
+          </a:p>
+        </p:txBody>
+      </p:sp>
+      <p:sp>
+        <p:nvSpPr>
+          <p:cNvPr id="3" name="TextBox 2">
+            <a:extLst>
+              <a:ext uri="{FF2B5EF4-FFF2-40B4-BE49-F238E27FC236}">
+                <a16:creationId xmlns:a16="http://schemas.microsoft.com/office/drawing/2014/main" id="{426B6423-DB43-4D45-BB8B-E5487B743FE5}"/>
+              </a:ext>
+            </a:extLst>
+          </p:cNvPr>
+          <p:cNvSpPr txBox="1"/>
+          <p:nvPr/>
+        </p:nvSpPr>
+        <p:spPr>
+          <a:xfrm>
+            <a:off x="1282189" y="2494450"/>
+            <a:ext cx="5773883" cy="3563159"/>
           </a:xfrm>
           <a:prstGeom prst="rect">
             <a:avLst/>
@@ -18619,11 +18995,11 @@
             </a:pPr>
             <a:r>
               <a:rPr lang="en-US" sz="2000" dirty="0" err="1"/>
-              <a:t>grid_size</a:t>
+              <a:t>num_traders</a:t>
             </a:r>
             <a:r>
               <a:rPr lang="en-US" sz="2000" dirty="0"/>
-              <a:t> = 15</a:t>
+              <a:t> = 20</a:t>
             </a:r>
           </a:p>
           <a:p>
@@ -18639,11 +19015,11 @@
             </a:pPr>
             <a:r>
               <a:rPr lang="en-US" sz="2000" dirty="0" err="1"/>
-              <a:t>num_traders</a:t>
+              <a:t>num_units</a:t>
             </a:r>
             <a:r>
               <a:rPr lang="en-US" sz="2000" dirty="0"/>
-              <a:t> = 20</a:t>
+              <a:t> = 8</a:t>
             </a:r>
           </a:p>
           <a:p>
@@ -18659,11 +19035,11 @@
             </a:pPr>
             <a:r>
               <a:rPr lang="en-US" sz="2000" dirty="0" err="1"/>
-              <a:t>num_units</a:t>
+              <a:t>lower_bound</a:t>
             </a:r>
             <a:r>
               <a:rPr lang="en-US" sz="2000" dirty="0"/>
-              <a:t> = 8</a:t>
+              <a:t> = 200 </a:t>
             </a:r>
           </a:p>
           <a:p>
@@ -18679,76 +19055,21 @@
             </a:pPr>
             <a:r>
               <a:rPr lang="en-US" sz="2000" dirty="0" err="1"/>
-              <a:t>lower_bound</a:t>
-            </a:r>
-            <a:r>
-              <a:rPr lang="en-US" sz="2000" dirty="0"/>
-              <a:t> = 200 </a:t>
-            </a:r>
-          </a:p>
-          <a:p>
-            <a:pPr indent="-228600">
-              <a:lnSpc>
-                <a:spcPct val="90000"/>
-              </a:lnSpc>
-              <a:spcAft>
-                <a:spcPts val="600"/>
-              </a:spcAft>
-              <a:buFont typeface="Arial" panose="020B0604020202020204" pitchFamily="34" charset="0"/>
-              <a:buChar char="•"/>
-            </a:pPr>
-            <a:r>
-              <a:rPr lang="en-US" sz="2000" dirty="0" err="1"/>
               <a:t>upper_bound</a:t>
             </a:r>
             <a:r>
               <a:rPr lang="en-US" sz="2000" dirty="0"/>
               <a:t> = 600</a:t>
-            </a:r>
-          </a:p>
-        </p:txBody>
-      </p:sp>
-      <p:sp>
-        <p:nvSpPr>
-          <p:cNvPr id="8" name="TextBox 7">
-            <a:extLst>
-              <a:ext uri="{FF2B5EF4-FFF2-40B4-BE49-F238E27FC236}">
-                <a16:creationId xmlns:a16="http://schemas.microsoft.com/office/drawing/2014/main" id="{1E7B805A-341E-4F9B-A482-5E5F4DFC7618}"/>
-              </a:ext>
-            </a:extLst>
-          </p:cNvPr>
-          <p:cNvSpPr txBox="1"/>
-          <p:nvPr/>
-        </p:nvSpPr>
-        <p:spPr>
-          <a:xfrm>
-            <a:off x="477511" y="1562676"/>
-            <a:ext cx="4041876" cy="369332"/>
-          </a:xfrm>
-          <a:prstGeom prst="rect">
-            <a:avLst/>
-          </a:prstGeom>
-          <a:noFill/>
-        </p:spPr>
-        <p:txBody>
-          <a:bodyPr wrap="none" rtlCol="0">
-            <a:spAutoFit/>
-          </a:bodyPr>
-          <a:lstStyle/>
-          <a:p>
-            <a:r>
-              <a:rPr lang="en-US" dirty="0"/>
-              <a:t>Compare Surplus 50%  ZID, and 50% ZIDP</a:t>
             </a:r>
           </a:p>
         </p:txBody>
       </p:sp>
       <p:pic>
         <p:nvPicPr>
-          <p:cNvPr id="4098" name="Picture 2">
+          <p:cNvPr id="1028" name="Picture 4">
             <a:extLst>
               <a:ext uri="{FF2B5EF4-FFF2-40B4-BE49-F238E27FC236}">
-                <a16:creationId xmlns:a16="http://schemas.microsoft.com/office/drawing/2014/main" id="{B53FC8E7-4725-452A-9554-A28E44B6EDD6}"/>
+                <a16:creationId xmlns:a16="http://schemas.microsoft.com/office/drawing/2014/main" id="{D0A1C396-FFB5-431F-A107-628C3122CD48}"/>
               </a:ext>
             </a:extLst>
           </p:cNvPr>
@@ -18765,15 +19086,14 @@
               </a:ext>
             </a:extLst>
           </a:blip>
-          <a:srcRect/>
           <a:stretch>
             <a:fillRect/>
           </a:stretch>
         </p:blipFill>
         <p:spPr bwMode="auto">
           <a:xfrm>
-            <a:off x="6908758" y="237231"/>
-            <a:ext cx="4805731" cy="3827776"/>
+            <a:off x="7892226" y="2378075"/>
+            <a:ext cx="3761357" cy="2999681"/>
           </a:xfrm>
           <a:prstGeom prst="rect">
             <a:avLst/>
@@ -18790,15 +19110,170 @@
           </a:extLst>
         </p:spPr>
       </p:pic>
+      <p:sp>
+        <p:nvSpPr>
+          <p:cNvPr id="17" name="TextBox 16">
+            <a:extLst>
+              <a:ext uri="{FF2B5EF4-FFF2-40B4-BE49-F238E27FC236}">
+                <a16:creationId xmlns:a16="http://schemas.microsoft.com/office/drawing/2014/main" id="{B5F28098-4590-4467-A522-7CAF73B2CE02}"/>
+              </a:ext>
+            </a:extLst>
+          </p:cNvPr>
+          <p:cNvSpPr txBox="1"/>
+          <p:nvPr/>
+        </p:nvSpPr>
+        <p:spPr>
+          <a:xfrm>
+            <a:off x="4971201" y="5481440"/>
+            <a:ext cx="1958566" cy="341632"/>
+          </a:xfrm>
+          <a:prstGeom prst="rect">
+            <a:avLst/>
+          </a:prstGeom>
+          <a:noFill/>
+        </p:spPr>
+        <p:txBody>
+          <a:bodyPr wrap="square">
+            <a:spAutoFit/>
+          </a:bodyPr>
+          <a:lstStyle/>
+          <a:p>
+            <a:pPr indent="-228600">
+              <a:lnSpc>
+                <a:spcPct val="90000"/>
+              </a:lnSpc>
+              <a:spcAft>
+                <a:spcPts val="600"/>
+              </a:spcAft>
+              <a:buFont typeface="Arial" panose="020B0604020202020204" pitchFamily="34" charset="0"/>
+              <a:buChar char="•"/>
+            </a:pPr>
+            <a:r>
+              <a:rPr lang="en-US" sz="1800" dirty="0" err="1"/>
+              <a:t>grid_size</a:t>
+            </a:r>
+            <a:r>
+              <a:rPr lang="en-US" sz="1800" dirty="0"/>
+              <a:t> = </a:t>
+            </a:r>
+            <a:r>
+              <a:rPr lang="en-US" dirty="0"/>
+              <a:t>15</a:t>
+            </a:r>
+            <a:endParaRPr lang="en-US" sz="1800" dirty="0"/>
+          </a:p>
+        </p:txBody>
+      </p:sp>
+      <p:sp>
+        <p:nvSpPr>
+          <p:cNvPr id="18" name="TextBox 17">
+            <a:extLst>
+              <a:ext uri="{FF2B5EF4-FFF2-40B4-BE49-F238E27FC236}">
+                <a16:creationId xmlns:a16="http://schemas.microsoft.com/office/drawing/2014/main" id="{098B37DA-B042-4351-92A4-EFEB9E673615}"/>
+              </a:ext>
+            </a:extLst>
+          </p:cNvPr>
+          <p:cNvSpPr txBox="1"/>
+          <p:nvPr/>
+        </p:nvSpPr>
+        <p:spPr>
+          <a:xfrm>
+            <a:off x="9131368" y="5500824"/>
+            <a:ext cx="1958566" cy="341632"/>
+          </a:xfrm>
+          <a:prstGeom prst="rect">
+            <a:avLst/>
+          </a:prstGeom>
+          <a:noFill/>
+        </p:spPr>
+        <p:txBody>
+          <a:bodyPr wrap="square">
+            <a:spAutoFit/>
+          </a:bodyPr>
+          <a:lstStyle/>
+          <a:p>
+            <a:pPr indent="-228600">
+              <a:lnSpc>
+                <a:spcPct val="90000"/>
+              </a:lnSpc>
+              <a:spcAft>
+                <a:spcPts val="600"/>
+              </a:spcAft>
+              <a:buFont typeface="Arial" panose="020B0604020202020204" pitchFamily="34" charset="0"/>
+              <a:buChar char="•"/>
+            </a:pPr>
+            <a:r>
+              <a:rPr lang="en-US" sz="1800" dirty="0" err="1"/>
+              <a:t>grid_size</a:t>
+            </a:r>
+            <a:r>
+              <a:rPr lang="en-US" sz="1800" dirty="0"/>
+              <a:t> = </a:t>
+            </a:r>
+            <a:r>
+              <a:rPr lang="en-US" dirty="0"/>
+              <a:t>5</a:t>
+            </a:r>
+            <a:endParaRPr lang="en-US" sz="1800" dirty="0"/>
+          </a:p>
+        </p:txBody>
+      </p:sp>
+      <p:pic>
+        <p:nvPicPr>
+          <p:cNvPr id="2050" name="Picture 2">
+            <a:extLst>
+              <a:ext uri="{FF2B5EF4-FFF2-40B4-BE49-F238E27FC236}">
+                <a16:creationId xmlns:a16="http://schemas.microsoft.com/office/drawing/2014/main" id="{DB17AA2F-5866-4CC4-A513-021BD0AAE00A}"/>
+              </a:ext>
+            </a:extLst>
+          </p:cNvPr>
+          <p:cNvPicPr>
+            <a:picLocks noChangeAspect="1" noChangeArrowheads="1"/>
+          </p:cNvPicPr>
+          <p:nvPr/>
+        </p:nvPicPr>
+        <p:blipFill>
+          <a:blip r:embed="rId3">
+            <a:extLst>
+              <a:ext uri="{28A0092B-C50C-407E-A947-70E740481C1C}">
+                <a14:useLocalDpi xmlns:a14="http://schemas.microsoft.com/office/drawing/2010/main" val="0"/>
+              </a:ext>
+            </a:extLst>
+          </a:blip>
+          <a:srcRect/>
+          <a:stretch>
+            <a:fillRect/>
+          </a:stretch>
+        </p:blipFill>
+        <p:spPr bwMode="auto">
+          <a:xfrm>
+            <a:off x="3969570" y="2375630"/>
+            <a:ext cx="3769136" cy="3002126"/>
+          </a:xfrm>
+          <a:prstGeom prst="rect">
+            <a:avLst/>
+          </a:prstGeom>
+          <a:noFill/>
+          <a:extLst>
+            <a:ext uri="{909E8E84-426E-40DD-AFC4-6F175D3DCCD1}">
+              <a14:hiddenFill xmlns:a14="http://schemas.microsoft.com/office/drawing/2010/main">
+                <a:solidFill>
+                  <a:srgbClr val="FFFFFF"/>
+                </a:solidFill>
+              </a14:hiddenFill>
+            </a:ext>
+          </a:extLst>
+        </p:spPr>
+      </p:pic>
     </p:spTree>
     <p:extLst>
       <p:ext uri="{BB962C8B-B14F-4D97-AF65-F5344CB8AC3E}">
-        <p14:creationId xmlns:p14="http://schemas.microsoft.com/office/powerpoint/2010/main" val="3354474471"/>
+        <p14:creationId xmlns:p14="http://schemas.microsoft.com/office/powerpoint/2010/main" val="3322203120"/>
       </p:ext>
     </p:extLst>
   </p:cSld>
   <p:clrMapOvr>
-    <a:overrideClrMapping bg1="dk1" tx1="lt1" bg2="dk2" tx2="lt2" accent1="accent1" accent2="accent2" accent3="accent3" accent4="accent4" accent5="accent5" accent6="accent6" hlink="hlink" folHlink="folHlink"/>
+    <a:masterClrMapping/>
   </p:clrMapOvr>
 </p:sld>
 </file>

--- a/talks/ZI Conference Talk V2.pptx
+++ b/talks/ZI Conference Talk V2.pptx
@@ -5,39 +5,40 @@
     <p:sldMasterId id="2147483648" r:id="rId1"/>
   </p:sldMasterIdLst>
   <p:notesMasterIdLst>
-    <p:notesMasterId r:id="rId32"/>
+    <p:notesMasterId r:id="rId33"/>
   </p:notesMasterIdLst>
   <p:sldIdLst>
     <p:sldId id="286" r:id="rId2"/>
     <p:sldId id="458" r:id="rId3"/>
-    <p:sldId id="506" r:id="rId4"/>
-    <p:sldId id="471" r:id="rId5"/>
-    <p:sldId id="472" r:id="rId6"/>
-    <p:sldId id="505" r:id="rId7"/>
-    <p:sldId id="492" r:id="rId8"/>
-    <p:sldId id="473" r:id="rId9"/>
-    <p:sldId id="474" r:id="rId10"/>
-    <p:sldId id="476" r:id="rId11"/>
-    <p:sldId id="469" r:id="rId12"/>
-    <p:sldId id="504" r:id="rId13"/>
-    <p:sldId id="502" r:id="rId14"/>
-    <p:sldId id="503" r:id="rId15"/>
-    <p:sldId id="479" r:id="rId16"/>
-    <p:sldId id="477" r:id="rId17"/>
-    <p:sldId id="478" r:id="rId18"/>
-    <p:sldId id="480" r:id="rId19"/>
-    <p:sldId id="494" r:id="rId20"/>
-    <p:sldId id="491" r:id="rId21"/>
-    <p:sldId id="485" r:id="rId22"/>
-    <p:sldId id="496" r:id="rId23"/>
-    <p:sldId id="493" r:id="rId24"/>
-    <p:sldId id="507" r:id="rId25"/>
-    <p:sldId id="499" r:id="rId26"/>
-    <p:sldId id="487" r:id="rId27"/>
-    <p:sldId id="500" r:id="rId28"/>
-    <p:sldId id="497" r:id="rId29"/>
-    <p:sldId id="488" r:id="rId30"/>
-    <p:sldId id="357" r:id="rId31"/>
+    <p:sldId id="471" r:id="rId4"/>
+    <p:sldId id="472" r:id="rId5"/>
+    <p:sldId id="505" r:id="rId6"/>
+    <p:sldId id="492" r:id="rId7"/>
+    <p:sldId id="473" r:id="rId8"/>
+    <p:sldId id="474" r:id="rId9"/>
+    <p:sldId id="476" r:id="rId10"/>
+    <p:sldId id="469" r:id="rId11"/>
+    <p:sldId id="504" r:id="rId12"/>
+    <p:sldId id="502" r:id="rId13"/>
+    <p:sldId id="503" r:id="rId14"/>
+    <p:sldId id="479" r:id="rId15"/>
+    <p:sldId id="477" r:id="rId16"/>
+    <p:sldId id="478" r:id="rId17"/>
+    <p:sldId id="480" r:id="rId18"/>
+    <p:sldId id="494" r:id="rId19"/>
+    <p:sldId id="491" r:id="rId20"/>
+    <p:sldId id="485" r:id="rId21"/>
+    <p:sldId id="496" r:id="rId22"/>
+    <p:sldId id="493" r:id="rId23"/>
+    <p:sldId id="507" r:id="rId24"/>
+    <p:sldId id="499" r:id="rId25"/>
+    <p:sldId id="487" r:id="rId26"/>
+    <p:sldId id="500" r:id="rId27"/>
+    <p:sldId id="497" r:id="rId28"/>
+    <p:sldId id="488" r:id="rId29"/>
+    <p:sldId id="357" r:id="rId30"/>
+    <p:sldId id="506" r:id="rId31"/>
+    <p:sldId id="508" r:id="rId32"/>
   </p:sldIdLst>
   <p:sldSz cx="12192000" cy="6858000"/>
   <p:notesSz cx="6858000" cy="9144000"/>
@@ -4741,477 +4742,6 @@
 <file path=ppt/slides/slide10.xml><?xml version="1.0" encoding="utf-8"?>
 <p:sld xmlns:a="http://schemas.openxmlformats.org/drawingml/2006/main" xmlns:r="http://schemas.openxmlformats.org/officeDocument/2006/relationships" xmlns:p="http://schemas.openxmlformats.org/presentationml/2006/main">
   <p:cSld>
-    <p:spTree>
-      <p:nvGrpSpPr>
-        <p:cNvPr id="1" name=""/>
-        <p:cNvGrpSpPr/>
-        <p:nvPr/>
-      </p:nvGrpSpPr>
-      <p:grpSpPr>
-        <a:xfrm>
-          <a:off x="0" y="0"/>
-          <a:ext cx="0" cy="0"/>
-          <a:chOff x="0" y="0"/>
-          <a:chExt cx="0" cy="0"/>
-        </a:xfrm>
-      </p:grpSpPr>
-      <p:pic>
-        <p:nvPicPr>
-          <p:cNvPr id="3" name="Picture 2">
-            <a:extLst>
-              <a:ext uri="{FF2B5EF4-FFF2-40B4-BE49-F238E27FC236}">
-                <a16:creationId xmlns:a16="http://schemas.microsoft.com/office/drawing/2014/main" id="{1CFE2773-D69F-4425-8922-8451A2E36149}"/>
-              </a:ext>
-            </a:extLst>
-          </p:cNvPr>
-          <p:cNvPicPr>
-            <a:picLocks noChangeAspect="1"/>
-          </p:cNvPicPr>
-          <p:nvPr/>
-        </p:nvPicPr>
-        <p:blipFill>
-          <a:blip r:embed="rId2"/>
-          <a:stretch>
-            <a:fillRect/>
-          </a:stretch>
-        </p:blipFill>
-        <p:spPr>
-          <a:xfrm>
-            <a:off x="1426533" y="1487966"/>
-            <a:ext cx="9972675" cy="6362700"/>
-          </a:xfrm>
-          <a:prstGeom prst="rect">
-            <a:avLst/>
-          </a:prstGeom>
-        </p:spPr>
-      </p:pic>
-      <p:sp>
-        <p:nvSpPr>
-          <p:cNvPr id="4" name="Rectangle 3">
-            <a:extLst>
-              <a:ext uri="{FF2B5EF4-FFF2-40B4-BE49-F238E27FC236}">
-                <a16:creationId xmlns:a16="http://schemas.microsoft.com/office/drawing/2014/main" id="{D26C1427-A827-4BB0-AEA1-9E90150C10EB}"/>
-              </a:ext>
-            </a:extLst>
-          </p:cNvPr>
-          <p:cNvSpPr/>
-          <p:nvPr/>
-        </p:nvSpPr>
-        <p:spPr>
-          <a:xfrm>
-            <a:off x="2479040" y="3211357"/>
-            <a:ext cx="8747760" cy="335280"/>
-          </a:xfrm>
-          <a:prstGeom prst="rect">
-            <a:avLst/>
-          </a:prstGeom>
-          <a:noFill/>
-        </p:spPr>
-        <p:style>
-          <a:lnRef idx="2">
-            <a:schemeClr val="accent1">
-              <a:shade val="50000"/>
-            </a:schemeClr>
-          </a:lnRef>
-          <a:fillRef idx="1">
-            <a:schemeClr val="accent1"/>
-          </a:fillRef>
-          <a:effectRef idx="0">
-            <a:schemeClr val="accent1"/>
-          </a:effectRef>
-          <a:fontRef idx="minor">
-            <a:schemeClr val="lt1"/>
-          </a:fontRef>
-        </p:style>
-        <p:txBody>
-          <a:bodyPr rtlCol="0" anchor="ctr"/>
-          <a:lstStyle/>
-          <a:p>
-            <a:pPr algn="ctr"/>
-            <a:endParaRPr lang="en-US"/>
-          </a:p>
-        </p:txBody>
-      </p:sp>
-      <p:sp>
-        <p:nvSpPr>
-          <p:cNvPr id="5" name="Rectangle 4">
-            <a:extLst>
-              <a:ext uri="{FF2B5EF4-FFF2-40B4-BE49-F238E27FC236}">
-                <a16:creationId xmlns:a16="http://schemas.microsoft.com/office/drawing/2014/main" id="{8F92E321-E493-4D4B-92C0-7D77A9BBE894}"/>
-              </a:ext>
-            </a:extLst>
-          </p:cNvPr>
-          <p:cNvSpPr/>
-          <p:nvPr/>
-        </p:nvSpPr>
-        <p:spPr>
-          <a:xfrm>
-            <a:off x="3058160" y="4934746"/>
-            <a:ext cx="8168640" cy="857251"/>
-          </a:xfrm>
-          <a:prstGeom prst="rect">
-            <a:avLst/>
-          </a:prstGeom>
-          <a:noFill/>
-        </p:spPr>
-        <p:style>
-          <a:lnRef idx="2">
-            <a:schemeClr val="accent1">
-              <a:shade val="50000"/>
-            </a:schemeClr>
-          </a:lnRef>
-          <a:fillRef idx="1">
-            <a:schemeClr val="accent1"/>
-          </a:fillRef>
-          <a:effectRef idx="0">
-            <a:schemeClr val="accent1"/>
-          </a:effectRef>
-          <a:fontRef idx="minor">
-            <a:schemeClr val="lt1"/>
-          </a:fontRef>
-        </p:style>
-        <p:txBody>
-          <a:bodyPr rtlCol="0" anchor="ctr"/>
-          <a:lstStyle/>
-          <a:p>
-            <a:pPr algn="ctr"/>
-            <a:endParaRPr lang="en-US"/>
-          </a:p>
-        </p:txBody>
-      </p:sp>
-      <p:sp>
-        <p:nvSpPr>
-          <p:cNvPr id="2" name="Rectangle 1">
-            <a:extLst>
-              <a:ext uri="{FF2B5EF4-FFF2-40B4-BE49-F238E27FC236}">
-                <a16:creationId xmlns:a16="http://schemas.microsoft.com/office/drawing/2014/main" id="{C86CAE76-70E9-4E67-84D2-CFEC47D12E28}"/>
-              </a:ext>
-            </a:extLst>
-          </p:cNvPr>
-          <p:cNvSpPr/>
-          <p:nvPr/>
-        </p:nvSpPr>
-        <p:spPr>
-          <a:xfrm>
-            <a:off x="2888055" y="6355523"/>
-            <a:ext cx="8102852" cy="1495143"/>
-          </a:xfrm>
-          <a:prstGeom prst="rect">
-            <a:avLst/>
-          </a:prstGeom>
-          <a:solidFill>
-            <a:schemeClr val="bg1"/>
-          </a:solidFill>
-          <a:ln>
-            <a:solidFill>
-              <a:schemeClr val="bg1"/>
-            </a:solidFill>
-          </a:ln>
-        </p:spPr>
-        <p:style>
-          <a:lnRef idx="2">
-            <a:schemeClr val="accent1">
-              <a:shade val="50000"/>
-            </a:schemeClr>
-          </a:lnRef>
-          <a:fillRef idx="1">
-            <a:schemeClr val="accent1"/>
-          </a:fillRef>
-          <a:effectRef idx="0">
-            <a:schemeClr val="accent1"/>
-          </a:effectRef>
-          <a:fontRef idx="minor">
-            <a:schemeClr val="lt1"/>
-          </a:fontRef>
-        </p:style>
-        <p:txBody>
-          <a:bodyPr rtlCol="0" anchor="ctr"/>
-          <a:lstStyle/>
-          <a:p>
-            <a:pPr algn="ctr"/>
-            <a:endParaRPr lang="en-US"/>
-          </a:p>
-        </p:txBody>
-      </p:sp>
-      <p:cxnSp>
-        <p:nvCxnSpPr>
-          <p:cNvPr id="6" name="Straight Connector 5">
-            <a:extLst>
-              <a:ext uri="{FF2B5EF4-FFF2-40B4-BE49-F238E27FC236}">
-                <a16:creationId xmlns:a16="http://schemas.microsoft.com/office/drawing/2014/main" id="{F84529F4-4528-409F-8035-8AAB785BE82C}"/>
-              </a:ext>
-            </a:extLst>
-          </p:cNvPr>
-          <p:cNvCxnSpPr/>
-          <p:nvPr/>
-        </p:nvCxnSpPr>
-        <p:spPr>
-          <a:xfrm>
-            <a:off x="1533525" y="373063"/>
-            <a:ext cx="0" cy="690562"/>
-          </a:xfrm>
-          <a:prstGeom prst="line">
-            <a:avLst/>
-          </a:prstGeom>
-          <a:ln w="28575"/>
-        </p:spPr>
-        <p:style>
-          <a:lnRef idx="1">
-            <a:schemeClr val="accent1"/>
-          </a:lnRef>
-          <a:fillRef idx="0">
-            <a:schemeClr val="accent1"/>
-          </a:fillRef>
-          <a:effectRef idx="0">
-            <a:schemeClr val="accent1"/>
-          </a:effectRef>
-          <a:fontRef idx="minor">
-            <a:schemeClr val="tx1"/>
-          </a:fontRef>
-        </p:style>
-      </p:cxnSp>
-      <p:sp>
-        <p:nvSpPr>
-          <p:cNvPr id="7" name="TextBox 3">
-            <a:extLst>
-              <a:ext uri="{FF2B5EF4-FFF2-40B4-BE49-F238E27FC236}">
-                <a16:creationId xmlns:a16="http://schemas.microsoft.com/office/drawing/2014/main" id="{A576E21E-4D7A-473B-997D-63216282B29B}"/>
-              </a:ext>
-            </a:extLst>
-          </p:cNvPr>
-          <p:cNvSpPr txBox="1">
-            <a:spLocks noChangeArrowheads="1"/>
-          </p:cNvSpPr>
-          <p:nvPr/>
-        </p:nvSpPr>
-        <p:spPr bwMode="auto">
-          <a:xfrm>
-            <a:off x="1727200" y="355600"/>
-            <a:ext cx="9438674" cy="707886"/>
-          </a:xfrm>
-          <a:prstGeom prst="rect">
-            <a:avLst/>
-          </a:prstGeom>
-          <a:noFill/>
-          <a:ln>
-            <a:noFill/>
-          </a:ln>
-          <a:extLst>
-            <a:ext uri="{909E8E84-426E-40DD-AFC4-6F175D3DCCD1}">
-              <a14:hiddenFill xmlns:a14="http://schemas.microsoft.com/office/drawing/2010/main">
-                <a:solidFill>
-                  <a:srgbClr val="FFFFFF"/>
-                </a:solidFill>
-              </a14:hiddenFill>
-            </a:ext>
-            <a:ext uri="{91240B29-F687-4F45-9708-019B960494DF}">
-              <a14:hiddenLine xmlns:a14="http://schemas.microsoft.com/office/drawing/2010/main" w="9525">
-                <a:solidFill>
-                  <a:srgbClr val="000000"/>
-                </a:solidFill>
-                <a:miter lim="800000"/>
-                <a:headEnd/>
-                <a:tailEnd/>
-              </a14:hiddenLine>
-            </a:ext>
-          </a:extLst>
-        </p:spPr>
-        <p:txBody>
-          <a:bodyPr wrap="none">
-            <a:spAutoFit/>
-          </a:bodyPr>
-          <a:lstStyle>
-            <a:lvl1pPr>
-              <a:lnSpc>
-                <a:spcPct val="90000"/>
-              </a:lnSpc>
-              <a:spcBef>
-                <a:spcPts val="1000"/>
-              </a:spcBef>
-              <a:buFont typeface="Arial" panose="020B0604020202020204" pitchFamily="34" charset="0"/>
-              <a:buChar char="•"/>
-              <a:defRPr sz="2800">
-                <a:solidFill>
-                  <a:schemeClr val="tx1"/>
-                </a:solidFill>
-                <a:latin typeface="Calibri" panose="020F0502020204030204" pitchFamily="34" charset="0"/>
-              </a:defRPr>
-            </a:lvl1pPr>
-            <a:lvl2pPr marL="742950" indent="-285750">
-              <a:lnSpc>
-                <a:spcPct val="90000"/>
-              </a:lnSpc>
-              <a:spcBef>
-                <a:spcPts val="500"/>
-              </a:spcBef>
-              <a:buFont typeface="Arial" panose="020B0604020202020204" pitchFamily="34" charset="0"/>
-              <a:buChar char="•"/>
-              <a:defRPr sz="2400">
-                <a:solidFill>
-                  <a:schemeClr val="tx1"/>
-                </a:solidFill>
-                <a:latin typeface="Calibri" panose="020F0502020204030204" pitchFamily="34" charset="0"/>
-              </a:defRPr>
-            </a:lvl2pPr>
-            <a:lvl3pPr marL="1143000" indent="-228600">
-              <a:lnSpc>
-                <a:spcPct val="90000"/>
-              </a:lnSpc>
-              <a:spcBef>
-                <a:spcPts val="500"/>
-              </a:spcBef>
-              <a:buFont typeface="Arial" panose="020B0604020202020204" pitchFamily="34" charset="0"/>
-              <a:buChar char="•"/>
-              <a:defRPr sz="2000">
-                <a:solidFill>
-                  <a:schemeClr val="tx1"/>
-                </a:solidFill>
-                <a:latin typeface="Calibri" panose="020F0502020204030204" pitchFamily="34" charset="0"/>
-              </a:defRPr>
-            </a:lvl3pPr>
-            <a:lvl4pPr marL="1600200" indent="-228600">
-              <a:lnSpc>
-                <a:spcPct val="90000"/>
-              </a:lnSpc>
-              <a:spcBef>
-                <a:spcPts val="500"/>
-              </a:spcBef>
-              <a:buFont typeface="Arial" panose="020B0604020202020204" pitchFamily="34" charset="0"/>
-              <a:buChar char="•"/>
-              <a:defRPr>
-                <a:solidFill>
-                  <a:schemeClr val="tx1"/>
-                </a:solidFill>
-                <a:latin typeface="Calibri" panose="020F0502020204030204" pitchFamily="34" charset="0"/>
-              </a:defRPr>
-            </a:lvl4pPr>
-            <a:lvl5pPr marL="2057400" indent="-228600">
-              <a:lnSpc>
-                <a:spcPct val="90000"/>
-              </a:lnSpc>
-              <a:spcBef>
-                <a:spcPts val="500"/>
-              </a:spcBef>
-              <a:buFont typeface="Arial" panose="020B0604020202020204" pitchFamily="34" charset="0"/>
-              <a:buChar char="•"/>
-              <a:defRPr>
-                <a:solidFill>
-                  <a:schemeClr val="tx1"/>
-                </a:solidFill>
-                <a:latin typeface="Calibri" panose="020F0502020204030204" pitchFamily="34" charset="0"/>
-              </a:defRPr>
-            </a:lvl5pPr>
-            <a:lvl6pPr marL="2514600" indent="-228600" eaLnBrk="0" fontAlgn="base" hangingPunct="0">
-              <a:lnSpc>
-                <a:spcPct val="90000"/>
-              </a:lnSpc>
-              <a:spcBef>
-                <a:spcPts val="500"/>
-              </a:spcBef>
-              <a:spcAft>
-                <a:spcPct val="0"/>
-              </a:spcAft>
-              <a:buFont typeface="Arial" panose="020B0604020202020204" pitchFamily="34" charset="0"/>
-              <a:buChar char="•"/>
-              <a:defRPr>
-                <a:solidFill>
-                  <a:schemeClr val="tx1"/>
-                </a:solidFill>
-                <a:latin typeface="Calibri" panose="020F0502020204030204" pitchFamily="34" charset="0"/>
-              </a:defRPr>
-            </a:lvl6pPr>
-            <a:lvl7pPr marL="2971800" indent="-228600" eaLnBrk="0" fontAlgn="base" hangingPunct="0">
-              <a:lnSpc>
-                <a:spcPct val="90000"/>
-              </a:lnSpc>
-              <a:spcBef>
-                <a:spcPts val="500"/>
-              </a:spcBef>
-              <a:spcAft>
-                <a:spcPct val="0"/>
-              </a:spcAft>
-              <a:buFont typeface="Arial" panose="020B0604020202020204" pitchFamily="34" charset="0"/>
-              <a:buChar char="•"/>
-              <a:defRPr>
-                <a:solidFill>
-                  <a:schemeClr val="tx1"/>
-                </a:solidFill>
-                <a:latin typeface="Calibri" panose="020F0502020204030204" pitchFamily="34" charset="0"/>
-              </a:defRPr>
-            </a:lvl7pPr>
-            <a:lvl8pPr marL="3429000" indent="-228600" eaLnBrk="0" fontAlgn="base" hangingPunct="0">
-              <a:lnSpc>
-                <a:spcPct val="90000"/>
-              </a:lnSpc>
-              <a:spcBef>
-                <a:spcPts val="500"/>
-              </a:spcBef>
-              <a:spcAft>
-                <a:spcPct val="0"/>
-              </a:spcAft>
-              <a:buFont typeface="Arial" panose="020B0604020202020204" pitchFamily="34" charset="0"/>
-              <a:buChar char="•"/>
-              <a:defRPr>
-                <a:solidFill>
-                  <a:schemeClr val="tx1"/>
-                </a:solidFill>
-                <a:latin typeface="Calibri" panose="020F0502020204030204" pitchFamily="34" charset="0"/>
-              </a:defRPr>
-            </a:lvl8pPr>
-            <a:lvl9pPr marL="3886200" indent="-228600" eaLnBrk="0" fontAlgn="base" hangingPunct="0">
-              <a:lnSpc>
-                <a:spcPct val="90000"/>
-              </a:lnSpc>
-              <a:spcBef>
-                <a:spcPts val="500"/>
-              </a:spcBef>
-              <a:spcAft>
-                <a:spcPct val="0"/>
-              </a:spcAft>
-              <a:buFont typeface="Arial" panose="020B0604020202020204" pitchFamily="34" charset="0"/>
-              <a:buChar char="•"/>
-              <a:defRPr>
-                <a:solidFill>
-                  <a:schemeClr val="tx1"/>
-                </a:solidFill>
-                <a:latin typeface="Calibri" panose="020F0502020204030204" pitchFamily="34" charset="0"/>
-              </a:defRPr>
-            </a:lvl9pPr>
-          </a:lstStyle>
-          <a:p>
-            <a:pPr eaLnBrk="1" hangingPunct="1">
-              <a:lnSpc>
-                <a:spcPct val="100000"/>
-              </a:lnSpc>
-              <a:spcBef>
-                <a:spcPct val="0"/>
-              </a:spcBef>
-              <a:buFontTx/>
-              <a:buNone/>
-            </a:pPr>
-            <a:r>
-              <a:rPr lang="en-US" altLang="en-US" sz="4000" dirty="0"/>
-              <a:t>ZID Budget Constrained Strategy (continued)</a:t>
-            </a:r>
-          </a:p>
-        </p:txBody>
-      </p:sp>
-    </p:spTree>
-    <p:extLst>
-      <p:ext uri="{BB962C8B-B14F-4D97-AF65-F5344CB8AC3E}">
-        <p14:creationId xmlns:p14="http://schemas.microsoft.com/office/powerpoint/2010/main" val="2256713816"/>
-      </p:ext>
-    </p:extLst>
-  </p:cSld>
-  <p:clrMapOvr>
-    <a:masterClrMapping/>
-  </p:clrMapOvr>
-</p:sld>
-</file>
-
-<file path=ppt/slides/slide11.xml><?xml version="1.0" encoding="utf-8"?>
-<p:sld xmlns:a="http://schemas.openxmlformats.org/drawingml/2006/main" xmlns:r="http://schemas.openxmlformats.org/officeDocument/2006/relationships" xmlns:p="http://schemas.openxmlformats.org/presentationml/2006/main">
-  <p:cSld>
     <p:bg>
       <p:bgPr>
         <a:solidFill>
@@ -6152,7 +5682,7 @@
 </p:sld>
 </file>
 
-<file path=ppt/slides/slide12.xml><?xml version="1.0" encoding="utf-8"?>
+<file path=ppt/slides/slide11.xml><?xml version="1.0" encoding="utf-8"?>
 <p:sld xmlns:a="http://schemas.openxmlformats.org/drawingml/2006/main" xmlns:r="http://schemas.openxmlformats.org/officeDocument/2006/relationships" xmlns:p="http://schemas.openxmlformats.org/presentationml/2006/main">
   <p:cSld>
     <p:spTree>
@@ -6704,7 +6234,7 @@
 </p:sld>
 </file>
 
-<file path=ppt/slides/slide13.xml><?xml version="1.0" encoding="utf-8"?>
+<file path=ppt/slides/slide12.xml><?xml version="1.0" encoding="utf-8"?>
 <p:sld xmlns:a="http://schemas.openxmlformats.org/drawingml/2006/main" xmlns:r="http://schemas.openxmlformats.org/officeDocument/2006/relationships" xmlns:p="http://schemas.openxmlformats.org/presentationml/2006/main">
   <p:cSld>
     <p:spTree>
@@ -7143,7 +6673,7 @@
 </p:sld>
 </file>
 
-<file path=ppt/slides/slide14.xml><?xml version="1.0" encoding="utf-8"?>
+<file path=ppt/slides/slide13.xml><?xml version="1.0" encoding="utf-8"?>
 <p:sld xmlns:a="http://schemas.openxmlformats.org/drawingml/2006/main" xmlns:r="http://schemas.openxmlformats.org/officeDocument/2006/relationships" xmlns:p="http://schemas.openxmlformats.org/presentationml/2006/main">
   <p:cSld>
     <p:spTree>
@@ -7930,7 +7460,7 @@
 </p:sld>
 </file>
 
-<file path=ppt/slides/slide15.xml><?xml version="1.0" encoding="utf-8"?>
+<file path=ppt/slides/slide14.xml><?xml version="1.0" encoding="utf-8"?>
 <p:sld xmlns:a="http://schemas.openxmlformats.org/drawingml/2006/main" xmlns:r="http://schemas.openxmlformats.org/officeDocument/2006/relationships" xmlns:p="http://schemas.openxmlformats.org/presentationml/2006/main">
   <p:cSld>
     <p:spTree>
@@ -8223,7 +7753,7 @@
 </p:sld>
 </file>
 
-<file path=ppt/slides/slide16.xml><?xml version="1.0" encoding="utf-8"?>
+<file path=ppt/slides/slide15.xml><?xml version="1.0" encoding="utf-8"?>
 <p:sld xmlns:a="http://schemas.openxmlformats.org/drawingml/2006/main" xmlns:r="http://schemas.openxmlformats.org/officeDocument/2006/relationships" xmlns:p="http://schemas.openxmlformats.org/presentationml/2006/main">
   <p:cSld>
     <p:bg>
@@ -8998,7 +8528,7 @@
 </p:sld>
 </file>
 
-<file path=ppt/slides/slide17.xml><?xml version="1.0" encoding="utf-8"?>
+<file path=ppt/slides/slide16.xml><?xml version="1.0" encoding="utf-8"?>
 <p:sld xmlns:a="http://schemas.openxmlformats.org/drawingml/2006/main" xmlns:r="http://schemas.openxmlformats.org/officeDocument/2006/relationships" xmlns:p="http://schemas.openxmlformats.org/presentationml/2006/main">
   <p:cSld>
     <p:bg>
@@ -9782,7 +9312,7 @@
 </p:sld>
 </file>
 
-<file path=ppt/slides/slide18.xml><?xml version="1.0" encoding="utf-8"?>
+<file path=ppt/slides/slide17.xml><?xml version="1.0" encoding="utf-8"?>
 <p:sld xmlns:a="http://schemas.openxmlformats.org/drawingml/2006/main" xmlns:r="http://schemas.openxmlformats.org/officeDocument/2006/relationships" xmlns:p="http://schemas.openxmlformats.org/presentationml/2006/main">
   <p:cSld>
     <p:bg>
@@ -10566,7 +10096,7 @@
 </p:sld>
 </file>
 
-<file path=ppt/slides/slide19.xml><?xml version="1.0" encoding="utf-8"?>
+<file path=ppt/slides/slide18.xml><?xml version="1.0" encoding="utf-8"?>
 <p:sld xmlns:a="http://schemas.openxmlformats.org/drawingml/2006/main" xmlns:r="http://schemas.openxmlformats.org/officeDocument/2006/relationships" xmlns:p="http://schemas.openxmlformats.org/presentationml/2006/main">
   <p:cSld>
     <p:spTree>
@@ -11023,6 +10553,946 @@
     <p:extLst>
       <p:ext uri="{BB962C8B-B14F-4D97-AF65-F5344CB8AC3E}">
         <p14:creationId xmlns:p14="http://schemas.microsoft.com/office/powerpoint/2010/main" val="1145590896"/>
+      </p:ext>
+    </p:extLst>
+  </p:cSld>
+  <p:clrMapOvr>
+    <a:masterClrMapping/>
+  </p:clrMapOvr>
+</p:sld>
+</file>
+
+<file path=ppt/slides/slide19.xml><?xml version="1.0" encoding="utf-8"?>
+<p:sld xmlns:a="http://schemas.openxmlformats.org/drawingml/2006/main" xmlns:r="http://schemas.openxmlformats.org/officeDocument/2006/relationships" xmlns:p="http://schemas.openxmlformats.org/presentationml/2006/main">
+  <p:cSld>
+    <p:spTree>
+      <p:nvGrpSpPr>
+        <p:cNvPr id="1" name=""/>
+        <p:cNvGrpSpPr/>
+        <p:nvPr/>
+      </p:nvGrpSpPr>
+      <p:grpSpPr>
+        <a:xfrm>
+          <a:off x="0" y="0"/>
+          <a:ext cx="0" cy="0"/>
+          <a:chOff x="0" y="0"/>
+          <a:chExt cx="0" cy="0"/>
+        </a:xfrm>
+      </p:grpSpPr>
+      <p:pic>
+        <p:nvPicPr>
+          <p:cNvPr id="1029" name="Picture 5">
+            <a:extLst>
+              <a:ext uri="{FF2B5EF4-FFF2-40B4-BE49-F238E27FC236}">
+                <a16:creationId xmlns:a16="http://schemas.microsoft.com/office/drawing/2014/main" id="{A071686D-847F-4F8F-B0B5-BCFEB23E0209}"/>
+              </a:ext>
+            </a:extLst>
+          </p:cNvPr>
+          <p:cNvPicPr>
+            <a:picLocks noChangeAspect="1" noChangeArrowheads="1"/>
+          </p:cNvPicPr>
+          <p:nvPr/>
+        </p:nvPicPr>
+        <p:blipFill>
+          <a:blip r:embed="rId2">
+            <a:extLst>
+              <a:ext uri="{28A0092B-C50C-407E-A947-70E740481C1C}">
+                <a14:useLocalDpi xmlns:a14="http://schemas.microsoft.com/office/drawing/2010/main" val="0"/>
+              </a:ext>
+            </a:extLst>
+          </a:blip>
+          <a:srcRect/>
+          <a:stretch>
+            <a:fillRect/>
+          </a:stretch>
+        </p:blipFill>
+        <p:spPr bwMode="auto">
+          <a:xfrm>
+            <a:off x="6175689" y="1173278"/>
+            <a:ext cx="4775987" cy="3846896"/>
+          </a:xfrm>
+          <a:prstGeom prst="rect">
+            <a:avLst/>
+          </a:prstGeom>
+          <a:noFill/>
+          <a:extLst>
+            <a:ext uri="{909E8E84-426E-40DD-AFC4-6F175D3DCCD1}">
+              <a14:hiddenFill xmlns:a14="http://schemas.microsoft.com/office/drawing/2010/main">
+                <a:solidFill>
+                  <a:srgbClr val="FFFFFF"/>
+                </a:solidFill>
+              </a14:hiddenFill>
+            </a:ext>
+          </a:extLst>
+        </p:spPr>
+      </p:pic>
+      <p:sp>
+        <p:nvSpPr>
+          <p:cNvPr id="3" name="Rectangle 6">
+            <a:extLst>
+              <a:ext uri="{FF2B5EF4-FFF2-40B4-BE49-F238E27FC236}">
+                <a16:creationId xmlns:a16="http://schemas.microsoft.com/office/drawing/2014/main" id="{55BEF983-A099-4906-8D17-047D23DE8773}"/>
+              </a:ext>
+            </a:extLst>
+          </p:cNvPr>
+          <p:cNvSpPr>
+            <a:spLocks noChangeArrowheads="1"/>
+          </p:cNvSpPr>
+          <p:nvPr/>
+        </p:nvSpPr>
+        <p:spPr bwMode="auto">
+          <a:xfrm>
+            <a:off x="8955763" y="5636123"/>
+            <a:ext cx="3204928" cy="584775"/>
+          </a:xfrm>
+          <a:prstGeom prst="rect">
+            <a:avLst/>
+          </a:prstGeom>
+          <a:noFill/>
+          <a:ln>
+            <a:noFill/>
+          </a:ln>
+          <a:effectLst/>
+          <a:extLst>
+            <a:ext uri="{909E8E84-426E-40DD-AFC4-6F175D3DCCD1}">
+              <a14:hiddenFill xmlns:a14="http://schemas.microsoft.com/office/drawing/2010/main">
+                <a:solidFill>
+                  <a:schemeClr val="accent1"/>
+                </a:solidFill>
+              </a14:hiddenFill>
+            </a:ext>
+            <a:ext uri="{91240B29-F687-4F45-9708-019B960494DF}">
+              <a14:hiddenLine xmlns:a14="http://schemas.microsoft.com/office/drawing/2010/main" w="9525">
+                <a:solidFill>
+                  <a:schemeClr val="tx1"/>
+                </a:solidFill>
+                <a:miter lim="800000"/>
+                <a:headEnd/>
+                <a:tailEnd/>
+              </a14:hiddenLine>
+            </a:ext>
+            <a:ext uri="{AF507438-7753-43E0-B8FC-AC1667EBCBE1}">
+              <a14:hiddenEffects xmlns:a14="http://schemas.microsoft.com/office/drawing/2010/main">
+                <a:effectLst>
+                  <a:outerShdw dist="35921" dir="2700000" algn="ctr" rotWithShape="0">
+                    <a:schemeClr val="bg2"/>
+                  </a:outerShdw>
+                </a:effectLst>
+              </a14:hiddenEffects>
+            </a:ext>
+          </a:extLst>
+        </p:spPr>
+        <p:txBody>
+          <a:bodyPr vert="horz" wrap="square" lIns="91440" tIns="45720" rIns="91440" bIns="45720" numCol="1" anchor="ctr" anchorCtr="0" compatLnSpc="1">
+            <a:prstTxWarp prst="textNoShape">
+              <a:avLst/>
+            </a:prstTxWarp>
+            <a:spAutoFit/>
+          </a:bodyPr>
+          <a:lstStyle/>
+          <a:p>
+            <a:pPr marL="0" marR="0" lvl="0" indent="0" algn="l" defTabSz="914400" rtl="0" eaLnBrk="0" fontAlgn="base" latinLnBrk="0" hangingPunct="0">
+              <a:lnSpc>
+                <a:spcPct val="100000"/>
+              </a:lnSpc>
+              <a:spcBef>
+                <a:spcPct val="0"/>
+              </a:spcBef>
+              <a:spcAft>
+                <a:spcPct val="0"/>
+              </a:spcAft>
+              <a:buClrTx/>
+              <a:buSzTx/>
+              <a:buFontTx/>
+              <a:buNone/>
+              <a:tabLst/>
+            </a:pPr>
+            <a:r>
+              <a:rPr lang="en-US" altLang="en-US" sz="1600" dirty="0">
+                <a:latin typeface="Arial Unicode MS"/>
+              </a:rPr>
+              <a:t>N</a:t>
+            </a:r>
+            <a:r>
+              <a:rPr kumimoji="0" lang="en-US" altLang="en-US" sz="1600" b="0" i="0" u="none" strike="noStrike" cap="none" normalizeH="0" baseline="0" dirty="0">
+                <a:ln>
+                  <a:noFill/>
+                </a:ln>
+                <a:solidFill>
+                  <a:schemeClr val="tx1"/>
+                </a:solidFill>
+                <a:effectLst/>
+                <a:latin typeface="Arial Unicode MS"/>
+              </a:rPr>
+              <a:t>umber of agents at grid points occupied = [3, 6, 7, 4]</a:t>
+            </a:r>
+            <a:r>
+              <a:rPr kumimoji="0" lang="en-US" altLang="en-US" sz="1600" b="0" i="0" u="none" strike="noStrike" cap="none" normalizeH="0" baseline="0" dirty="0">
+                <a:ln>
+                  <a:noFill/>
+                </a:ln>
+                <a:solidFill>
+                  <a:schemeClr val="tx1"/>
+                </a:solidFill>
+                <a:effectLst/>
+              </a:rPr>
+              <a:t> </a:t>
+            </a:r>
+            <a:endParaRPr kumimoji="0" lang="en-US" altLang="en-US" sz="1600" b="0" i="0" u="none" strike="noStrike" cap="none" normalizeH="0" baseline="0" dirty="0">
+              <a:ln>
+                <a:noFill/>
+              </a:ln>
+              <a:solidFill>
+                <a:schemeClr val="tx1"/>
+              </a:solidFill>
+              <a:effectLst/>
+              <a:latin typeface="Arial" panose="020B0604020202020204" pitchFamily="34" charset="0"/>
+            </a:endParaRPr>
+          </a:p>
+        </p:txBody>
+      </p:sp>
+      <p:pic>
+        <p:nvPicPr>
+          <p:cNvPr id="1032" name="Picture 8">
+            <a:extLst>
+              <a:ext uri="{FF2B5EF4-FFF2-40B4-BE49-F238E27FC236}">
+                <a16:creationId xmlns:a16="http://schemas.microsoft.com/office/drawing/2014/main" id="{8E135ABE-CF60-44D6-BA04-A2197B4A07E1}"/>
+              </a:ext>
+            </a:extLst>
+          </p:cNvPr>
+          <p:cNvPicPr>
+            <a:picLocks noChangeAspect="1" noChangeArrowheads="1"/>
+          </p:cNvPicPr>
+          <p:nvPr/>
+        </p:nvPicPr>
+        <p:blipFill>
+          <a:blip r:embed="rId3">
+            <a:extLst>
+              <a:ext uri="{28A0092B-C50C-407E-A947-70E740481C1C}">
+                <a14:useLocalDpi xmlns:a14="http://schemas.microsoft.com/office/drawing/2010/main" val="0"/>
+              </a:ext>
+            </a:extLst>
+          </a:blip>
+          <a:srcRect/>
+          <a:stretch>
+            <a:fillRect/>
+          </a:stretch>
+        </p:blipFill>
+        <p:spPr bwMode="auto">
+          <a:xfrm>
+            <a:off x="1240324" y="1229187"/>
+            <a:ext cx="4706575" cy="3790987"/>
+          </a:xfrm>
+          <a:prstGeom prst="rect">
+            <a:avLst/>
+          </a:prstGeom>
+          <a:noFill/>
+          <a:extLst>
+            <a:ext uri="{909E8E84-426E-40DD-AFC4-6F175D3DCCD1}">
+              <a14:hiddenFill xmlns:a14="http://schemas.microsoft.com/office/drawing/2010/main">
+                <a:solidFill>
+                  <a:srgbClr val="FFFFFF"/>
+                </a:solidFill>
+              </a14:hiddenFill>
+            </a:ext>
+          </a:extLst>
+        </p:spPr>
+      </p:pic>
+      <p:sp>
+        <p:nvSpPr>
+          <p:cNvPr id="7" name="TextBox 6">
+            <a:extLst>
+              <a:ext uri="{FF2B5EF4-FFF2-40B4-BE49-F238E27FC236}">
+                <a16:creationId xmlns:a16="http://schemas.microsoft.com/office/drawing/2014/main" id="{C173EF2B-18C6-4AB5-A574-2CC3E1BC044A}"/>
+              </a:ext>
+            </a:extLst>
+          </p:cNvPr>
+          <p:cNvSpPr txBox="1"/>
+          <p:nvPr/>
+        </p:nvSpPr>
+        <p:spPr>
+          <a:xfrm>
+            <a:off x="4734935" y="-272515"/>
+            <a:ext cx="5076090" cy="4151376"/>
+          </a:xfrm>
+          <a:prstGeom prst="rect">
+            <a:avLst/>
+          </a:prstGeom>
+        </p:spPr>
+        <p:txBody>
+          <a:bodyPr vert="horz" lIns="91440" tIns="45720" rIns="91440" bIns="45720" rtlCol="0">
+            <a:normAutofit/>
+          </a:bodyPr>
+          <a:lstStyle/>
+          <a:p>
+            <a:pPr>
+              <a:lnSpc>
+                <a:spcPct val="90000"/>
+              </a:lnSpc>
+              <a:spcAft>
+                <a:spcPts val="600"/>
+              </a:spcAft>
+            </a:pPr>
+            <a:endParaRPr lang="en-US" sz="2000" dirty="0"/>
+          </a:p>
+        </p:txBody>
+      </p:sp>
+      <p:grpSp>
+        <p:nvGrpSpPr>
+          <p:cNvPr id="5" name="Group 4">
+            <a:extLst>
+              <a:ext uri="{FF2B5EF4-FFF2-40B4-BE49-F238E27FC236}">
+                <a16:creationId xmlns:a16="http://schemas.microsoft.com/office/drawing/2014/main" id="{0A1FF3A2-F7C8-4F15-8501-9B0B611C6CC4}"/>
+              </a:ext>
+            </a:extLst>
+          </p:cNvPr>
+          <p:cNvGrpSpPr/>
+          <p:nvPr/>
+        </p:nvGrpSpPr>
+        <p:grpSpPr>
+          <a:xfrm>
+            <a:off x="3805096" y="5266791"/>
+            <a:ext cx="4581808" cy="1320362"/>
+            <a:chOff x="4424784" y="5266790"/>
+            <a:chExt cx="4581808" cy="1320362"/>
+          </a:xfrm>
+          <a:solidFill>
+            <a:schemeClr val="tx1"/>
+          </a:solidFill>
+        </p:grpSpPr>
+        <p:sp>
+          <p:nvSpPr>
+            <p:cNvPr id="9" name="TextBox 8">
+              <a:extLst>
+                <a:ext uri="{FF2B5EF4-FFF2-40B4-BE49-F238E27FC236}">
+                  <a16:creationId xmlns:a16="http://schemas.microsoft.com/office/drawing/2014/main" id="{8F63343A-B3D4-4081-828C-82A56F2FBAFA}"/>
+                </a:ext>
+              </a:extLst>
+            </p:cNvPr>
+            <p:cNvSpPr txBox="1"/>
+            <p:nvPr/>
+          </p:nvSpPr>
+          <p:spPr>
+            <a:xfrm>
+              <a:off x="4424784" y="5266791"/>
+              <a:ext cx="2410485" cy="1320361"/>
+            </a:xfrm>
+            <a:prstGeom prst="rect">
+              <a:avLst/>
+            </a:prstGeom>
+            <a:grpFill/>
+          </p:spPr>
+          <p:txBody>
+            <a:bodyPr wrap="square">
+              <a:spAutoFit/>
+            </a:bodyPr>
+            <a:lstStyle/>
+            <a:p>
+              <a:pPr indent="-228600">
+                <a:lnSpc>
+                  <a:spcPct val="90000"/>
+                </a:lnSpc>
+                <a:spcAft>
+                  <a:spcPts val="600"/>
+                </a:spcAft>
+                <a:buFont typeface="Arial" panose="020B0604020202020204" pitchFamily="34" charset="0"/>
+                <a:buChar char="•"/>
+              </a:pPr>
+              <a:r>
+                <a:rPr lang="en-US" sz="1800" dirty="0" err="1">
+                  <a:solidFill>
+                    <a:schemeClr val="bg1"/>
+                  </a:solidFill>
+                </a:rPr>
+                <a:t>num_periods</a:t>
+              </a:r>
+              <a:r>
+                <a:rPr lang="en-US" sz="1800" dirty="0">
+                  <a:solidFill>
+                    <a:schemeClr val="bg1"/>
+                  </a:solidFill>
+                </a:rPr>
+                <a:t> = 7</a:t>
+              </a:r>
+            </a:p>
+            <a:p>
+              <a:pPr indent="-228600">
+                <a:lnSpc>
+                  <a:spcPct val="90000"/>
+                </a:lnSpc>
+                <a:spcAft>
+                  <a:spcPts val="600"/>
+                </a:spcAft>
+                <a:buFont typeface="Arial" panose="020B0604020202020204" pitchFamily="34" charset="0"/>
+                <a:buChar char="•"/>
+              </a:pPr>
+              <a:r>
+                <a:rPr lang="en-US" sz="1800" dirty="0" err="1">
+                  <a:solidFill>
+                    <a:schemeClr val="bg1"/>
+                  </a:solidFill>
+                </a:rPr>
+                <a:t>num_weeks</a:t>
+              </a:r>
+              <a:r>
+                <a:rPr lang="en-US" sz="1800" dirty="0">
+                  <a:solidFill>
+                    <a:schemeClr val="bg1"/>
+                  </a:solidFill>
+                </a:rPr>
+                <a:t> = 50</a:t>
+              </a:r>
+            </a:p>
+            <a:p>
+              <a:pPr indent="-228600">
+                <a:lnSpc>
+                  <a:spcPct val="90000"/>
+                </a:lnSpc>
+                <a:spcAft>
+                  <a:spcPts val="600"/>
+                </a:spcAft>
+                <a:buFont typeface="Arial" panose="020B0604020202020204" pitchFamily="34" charset="0"/>
+                <a:buChar char="•"/>
+              </a:pPr>
+              <a:r>
+                <a:rPr lang="en-US" sz="1800" dirty="0" err="1">
+                  <a:solidFill>
+                    <a:schemeClr val="bg1"/>
+                  </a:solidFill>
+                </a:rPr>
+                <a:t>num_rounds</a:t>
+              </a:r>
+              <a:r>
+                <a:rPr lang="en-US" sz="1800" dirty="0">
+                  <a:solidFill>
+                    <a:schemeClr val="bg1"/>
+                  </a:solidFill>
+                </a:rPr>
+                <a:t> = 5</a:t>
+              </a:r>
+            </a:p>
+            <a:p>
+              <a:pPr indent="-228600">
+                <a:lnSpc>
+                  <a:spcPct val="90000"/>
+                </a:lnSpc>
+                <a:spcAft>
+                  <a:spcPts val="600"/>
+                </a:spcAft>
+                <a:buFont typeface="Arial" panose="020B0604020202020204" pitchFamily="34" charset="0"/>
+                <a:buChar char="•"/>
+              </a:pPr>
+              <a:r>
+                <a:rPr lang="en-US" sz="1800" dirty="0" err="1">
+                  <a:solidFill>
+                    <a:schemeClr val="bg1"/>
+                  </a:solidFill>
+                </a:rPr>
+                <a:t>grid_size</a:t>
+              </a:r>
+              <a:r>
+                <a:rPr lang="en-US" sz="1800" dirty="0">
+                  <a:solidFill>
+                    <a:schemeClr val="bg1"/>
+                  </a:solidFill>
+                </a:rPr>
+                <a:t> = 15</a:t>
+              </a:r>
+            </a:p>
+          </p:txBody>
+        </p:sp>
+        <p:sp>
+          <p:nvSpPr>
+            <p:cNvPr id="10" name="TextBox 9">
+              <a:extLst>
+                <a:ext uri="{FF2B5EF4-FFF2-40B4-BE49-F238E27FC236}">
+                  <a16:creationId xmlns:a16="http://schemas.microsoft.com/office/drawing/2014/main" id="{6DAEDB36-355E-464A-873F-630DB284419F}"/>
+                </a:ext>
+              </a:extLst>
+            </p:cNvPr>
+            <p:cNvSpPr txBox="1"/>
+            <p:nvPr/>
+          </p:nvSpPr>
+          <p:spPr>
+            <a:xfrm>
+              <a:off x="6596107" y="5266790"/>
+              <a:ext cx="2410485" cy="1320361"/>
+            </a:xfrm>
+            <a:prstGeom prst="rect">
+              <a:avLst/>
+            </a:prstGeom>
+            <a:grpFill/>
+          </p:spPr>
+          <p:txBody>
+            <a:bodyPr wrap="square">
+              <a:spAutoFit/>
+            </a:bodyPr>
+            <a:lstStyle/>
+            <a:p>
+              <a:pPr indent="-228600">
+                <a:lnSpc>
+                  <a:spcPct val="90000"/>
+                </a:lnSpc>
+                <a:spcAft>
+                  <a:spcPts val="600"/>
+                </a:spcAft>
+                <a:buFont typeface="Arial" panose="020B0604020202020204" pitchFamily="34" charset="0"/>
+                <a:buChar char="•"/>
+              </a:pPr>
+              <a:r>
+                <a:rPr lang="en-US" sz="1800" dirty="0" err="1">
+                  <a:solidFill>
+                    <a:schemeClr val="bg1"/>
+                  </a:solidFill>
+                </a:rPr>
+                <a:t>num_traders</a:t>
+              </a:r>
+              <a:r>
+                <a:rPr lang="en-US" sz="1800" dirty="0">
+                  <a:solidFill>
+                    <a:schemeClr val="bg1"/>
+                  </a:solidFill>
+                </a:rPr>
+                <a:t> = 20</a:t>
+              </a:r>
+            </a:p>
+            <a:p>
+              <a:pPr indent="-228600">
+                <a:lnSpc>
+                  <a:spcPct val="90000"/>
+                </a:lnSpc>
+                <a:spcAft>
+                  <a:spcPts val="600"/>
+                </a:spcAft>
+                <a:buFont typeface="Arial" panose="020B0604020202020204" pitchFamily="34" charset="0"/>
+                <a:buChar char="•"/>
+              </a:pPr>
+              <a:r>
+                <a:rPr lang="en-US" sz="1800" dirty="0" err="1">
+                  <a:solidFill>
+                    <a:schemeClr val="bg1"/>
+                  </a:solidFill>
+                </a:rPr>
+                <a:t>num_units</a:t>
+              </a:r>
+              <a:r>
+                <a:rPr lang="en-US" sz="1800" dirty="0">
+                  <a:solidFill>
+                    <a:schemeClr val="bg1"/>
+                  </a:solidFill>
+                </a:rPr>
+                <a:t> = 8</a:t>
+              </a:r>
+            </a:p>
+            <a:p>
+              <a:pPr indent="-228600">
+                <a:lnSpc>
+                  <a:spcPct val="90000"/>
+                </a:lnSpc>
+                <a:spcAft>
+                  <a:spcPts val="600"/>
+                </a:spcAft>
+                <a:buFont typeface="Arial" panose="020B0604020202020204" pitchFamily="34" charset="0"/>
+                <a:buChar char="•"/>
+              </a:pPr>
+              <a:r>
+                <a:rPr lang="en-US" sz="1800" dirty="0" err="1">
+                  <a:solidFill>
+                    <a:schemeClr val="bg1"/>
+                  </a:solidFill>
+                </a:rPr>
+                <a:t>lower_bound</a:t>
+              </a:r>
+              <a:r>
+                <a:rPr lang="en-US" sz="1800" dirty="0">
+                  <a:solidFill>
+                    <a:schemeClr val="bg1"/>
+                  </a:solidFill>
+                </a:rPr>
+                <a:t> = 200 </a:t>
+              </a:r>
+            </a:p>
+            <a:p>
+              <a:pPr indent="-228600">
+                <a:lnSpc>
+                  <a:spcPct val="90000"/>
+                </a:lnSpc>
+                <a:spcAft>
+                  <a:spcPts val="600"/>
+                </a:spcAft>
+                <a:buFont typeface="Arial" panose="020B0604020202020204" pitchFamily="34" charset="0"/>
+                <a:buChar char="•"/>
+              </a:pPr>
+              <a:r>
+                <a:rPr lang="en-US" sz="1800" dirty="0" err="1">
+                  <a:solidFill>
+                    <a:schemeClr val="bg1"/>
+                  </a:solidFill>
+                </a:rPr>
+                <a:t>upper_bound</a:t>
+              </a:r>
+              <a:r>
+                <a:rPr lang="en-US" sz="1800" dirty="0">
+                  <a:solidFill>
+                    <a:schemeClr val="bg1"/>
+                  </a:solidFill>
+                </a:rPr>
+                <a:t> = 600</a:t>
+              </a:r>
+            </a:p>
+          </p:txBody>
+        </p:sp>
+      </p:grpSp>
+      <p:cxnSp>
+        <p:nvCxnSpPr>
+          <p:cNvPr id="13" name="Straight Connector 12">
+            <a:extLst>
+              <a:ext uri="{FF2B5EF4-FFF2-40B4-BE49-F238E27FC236}">
+                <a16:creationId xmlns:a16="http://schemas.microsoft.com/office/drawing/2014/main" id="{AAE7D4FE-E4D3-4729-BC65-A87A6A32434E}"/>
+              </a:ext>
+            </a:extLst>
+          </p:cNvPr>
+          <p:cNvCxnSpPr/>
+          <p:nvPr/>
+        </p:nvCxnSpPr>
+        <p:spPr>
+          <a:xfrm>
+            <a:off x="580333" y="143143"/>
+            <a:ext cx="0" cy="690562"/>
+          </a:xfrm>
+          <a:prstGeom prst="line">
+            <a:avLst/>
+          </a:prstGeom>
+          <a:ln w="28575"/>
+        </p:spPr>
+        <p:style>
+          <a:lnRef idx="1">
+            <a:schemeClr val="accent1"/>
+          </a:lnRef>
+          <a:fillRef idx="0">
+            <a:schemeClr val="accent1"/>
+          </a:fillRef>
+          <a:effectRef idx="0">
+            <a:schemeClr val="accent1"/>
+          </a:effectRef>
+          <a:fontRef idx="minor">
+            <a:schemeClr val="tx1"/>
+          </a:fontRef>
+        </p:style>
+      </p:cxnSp>
+      <p:sp>
+        <p:nvSpPr>
+          <p:cNvPr id="14" name="TextBox 3">
+            <a:extLst>
+              <a:ext uri="{FF2B5EF4-FFF2-40B4-BE49-F238E27FC236}">
+                <a16:creationId xmlns:a16="http://schemas.microsoft.com/office/drawing/2014/main" id="{569A6D2F-18AE-40C6-B075-E93143900936}"/>
+              </a:ext>
+            </a:extLst>
+          </p:cNvPr>
+          <p:cNvSpPr txBox="1">
+            <a:spLocks noChangeArrowheads="1"/>
+          </p:cNvSpPr>
+          <p:nvPr/>
+        </p:nvSpPr>
+        <p:spPr bwMode="auto">
+          <a:xfrm>
+            <a:off x="709353" y="165258"/>
+            <a:ext cx="11136254" cy="646331"/>
+          </a:xfrm>
+          <a:prstGeom prst="rect">
+            <a:avLst/>
+          </a:prstGeom>
+          <a:noFill/>
+          <a:ln>
+            <a:noFill/>
+          </a:ln>
+          <a:extLst>
+            <a:ext uri="{909E8E84-426E-40DD-AFC4-6F175D3DCCD1}">
+              <a14:hiddenFill xmlns:a14="http://schemas.microsoft.com/office/drawing/2010/main">
+                <a:solidFill>
+                  <a:srgbClr val="FFFFFF"/>
+                </a:solidFill>
+              </a14:hiddenFill>
+            </a:ext>
+            <a:ext uri="{91240B29-F687-4F45-9708-019B960494DF}">
+              <a14:hiddenLine xmlns:a14="http://schemas.microsoft.com/office/drawing/2010/main" w="9525">
+                <a:solidFill>
+                  <a:srgbClr val="000000"/>
+                </a:solidFill>
+                <a:miter lim="800000"/>
+                <a:headEnd/>
+                <a:tailEnd/>
+              </a14:hiddenLine>
+            </a:ext>
+          </a:extLst>
+        </p:spPr>
+        <p:txBody>
+          <a:bodyPr wrap="none">
+            <a:spAutoFit/>
+          </a:bodyPr>
+          <a:lstStyle>
+            <a:lvl1pPr>
+              <a:lnSpc>
+                <a:spcPct val="90000"/>
+              </a:lnSpc>
+              <a:spcBef>
+                <a:spcPts val="1000"/>
+              </a:spcBef>
+              <a:buFont typeface="Arial" panose="020B0604020202020204" pitchFamily="34" charset="0"/>
+              <a:buChar char="•"/>
+              <a:defRPr sz="2800">
+                <a:solidFill>
+                  <a:schemeClr val="tx1"/>
+                </a:solidFill>
+                <a:latin typeface="Calibri" panose="020F0502020204030204" pitchFamily="34" charset="0"/>
+              </a:defRPr>
+            </a:lvl1pPr>
+            <a:lvl2pPr marL="742950" indent="-285750">
+              <a:lnSpc>
+                <a:spcPct val="90000"/>
+              </a:lnSpc>
+              <a:spcBef>
+                <a:spcPts val="500"/>
+              </a:spcBef>
+              <a:buFont typeface="Arial" panose="020B0604020202020204" pitchFamily="34" charset="0"/>
+              <a:buChar char="•"/>
+              <a:defRPr sz="2400">
+                <a:solidFill>
+                  <a:schemeClr val="tx1"/>
+                </a:solidFill>
+                <a:latin typeface="Calibri" panose="020F0502020204030204" pitchFamily="34" charset="0"/>
+              </a:defRPr>
+            </a:lvl2pPr>
+            <a:lvl3pPr marL="1143000" indent="-228600">
+              <a:lnSpc>
+                <a:spcPct val="90000"/>
+              </a:lnSpc>
+              <a:spcBef>
+                <a:spcPts val="500"/>
+              </a:spcBef>
+              <a:buFont typeface="Arial" panose="020B0604020202020204" pitchFamily="34" charset="0"/>
+              <a:buChar char="•"/>
+              <a:defRPr sz="2000">
+                <a:solidFill>
+                  <a:schemeClr val="tx1"/>
+                </a:solidFill>
+                <a:latin typeface="Calibri" panose="020F0502020204030204" pitchFamily="34" charset="0"/>
+              </a:defRPr>
+            </a:lvl3pPr>
+            <a:lvl4pPr marL="1600200" indent="-228600">
+              <a:lnSpc>
+                <a:spcPct val="90000"/>
+              </a:lnSpc>
+              <a:spcBef>
+                <a:spcPts val="500"/>
+              </a:spcBef>
+              <a:buFont typeface="Arial" panose="020B0604020202020204" pitchFamily="34" charset="0"/>
+              <a:buChar char="•"/>
+              <a:defRPr>
+                <a:solidFill>
+                  <a:schemeClr val="tx1"/>
+                </a:solidFill>
+                <a:latin typeface="Calibri" panose="020F0502020204030204" pitchFamily="34" charset="0"/>
+              </a:defRPr>
+            </a:lvl4pPr>
+            <a:lvl5pPr marL="2057400" indent="-228600">
+              <a:lnSpc>
+                <a:spcPct val="90000"/>
+              </a:lnSpc>
+              <a:spcBef>
+                <a:spcPts val="500"/>
+              </a:spcBef>
+              <a:buFont typeface="Arial" panose="020B0604020202020204" pitchFamily="34" charset="0"/>
+              <a:buChar char="•"/>
+              <a:defRPr>
+                <a:solidFill>
+                  <a:schemeClr val="tx1"/>
+                </a:solidFill>
+                <a:latin typeface="Calibri" panose="020F0502020204030204" pitchFamily="34" charset="0"/>
+              </a:defRPr>
+            </a:lvl5pPr>
+            <a:lvl6pPr marL="2514600" indent="-228600" eaLnBrk="0" fontAlgn="base" hangingPunct="0">
+              <a:lnSpc>
+                <a:spcPct val="90000"/>
+              </a:lnSpc>
+              <a:spcBef>
+                <a:spcPts val="500"/>
+              </a:spcBef>
+              <a:spcAft>
+                <a:spcPct val="0"/>
+              </a:spcAft>
+              <a:buFont typeface="Arial" panose="020B0604020202020204" pitchFamily="34" charset="0"/>
+              <a:buChar char="•"/>
+              <a:defRPr>
+                <a:solidFill>
+                  <a:schemeClr val="tx1"/>
+                </a:solidFill>
+                <a:latin typeface="Calibri" panose="020F0502020204030204" pitchFamily="34" charset="0"/>
+              </a:defRPr>
+            </a:lvl6pPr>
+            <a:lvl7pPr marL="2971800" indent="-228600" eaLnBrk="0" fontAlgn="base" hangingPunct="0">
+              <a:lnSpc>
+                <a:spcPct val="90000"/>
+              </a:lnSpc>
+              <a:spcBef>
+                <a:spcPts val="500"/>
+              </a:spcBef>
+              <a:spcAft>
+                <a:spcPct val="0"/>
+              </a:spcAft>
+              <a:buFont typeface="Arial" panose="020B0604020202020204" pitchFamily="34" charset="0"/>
+              <a:buChar char="•"/>
+              <a:defRPr>
+                <a:solidFill>
+                  <a:schemeClr val="tx1"/>
+                </a:solidFill>
+                <a:latin typeface="Calibri" panose="020F0502020204030204" pitchFamily="34" charset="0"/>
+              </a:defRPr>
+            </a:lvl7pPr>
+            <a:lvl8pPr marL="3429000" indent="-228600" eaLnBrk="0" fontAlgn="base" hangingPunct="0">
+              <a:lnSpc>
+                <a:spcPct val="90000"/>
+              </a:lnSpc>
+              <a:spcBef>
+                <a:spcPts val="500"/>
+              </a:spcBef>
+              <a:spcAft>
+                <a:spcPct val="0"/>
+              </a:spcAft>
+              <a:buFont typeface="Arial" panose="020B0604020202020204" pitchFamily="34" charset="0"/>
+              <a:buChar char="•"/>
+              <a:defRPr>
+                <a:solidFill>
+                  <a:schemeClr val="tx1"/>
+                </a:solidFill>
+                <a:latin typeface="Calibri" panose="020F0502020204030204" pitchFamily="34" charset="0"/>
+              </a:defRPr>
+            </a:lvl8pPr>
+            <a:lvl9pPr marL="3886200" indent="-228600" eaLnBrk="0" fontAlgn="base" hangingPunct="0">
+              <a:lnSpc>
+                <a:spcPct val="90000"/>
+              </a:lnSpc>
+              <a:spcBef>
+                <a:spcPts val="500"/>
+              </a:spcBef>
+              <a:spcAft>
+                <a:spcPct val="0"/>
+              </a:spcAft>
+              <a:buFont typeface="Arial" panose="020B0604020202020204" pitchFamily="34" charset="0"/>
+              <a:buChar char="•"/>
+              <a:defRPr>
+                <a:solidFill>
+                  <a:schemeClr val="tx1"/>
+                </a:solidFill>
+                <a:latin typeface="Calibri" panose="020F0502020204030204" pitchFamily="34" charset="0"/>
+              </a:defRPr>
+            </a:lvl9pPr>
+          </a:lstStyle>
+          <a:p>
+            <a:pPr eaLnBrk="1" hangingPunct="1">
+              <a:lnSpc>
+                <a:spcPct val="100000"/>
+              </a:lnSpc>
+              <a:spcBef>
+                <a:spcPct val="0"/>
+              </a:spcBef>
+              <a:buFontTx/>
+              <a:buNone/>
+            </a:pPr>
+            <a:r>
+              <a:rPr lang="en-US" altLang="en-US" sz="3600" dirty="0"/>
+              <a:t>ZID and ZIDA strategies vs Number of grid points occupied </a:t>
+            </a:r>
+          </a:p>
+        </p:txBody>
+      </p:sp>
+      <p:cxnSp>
+        <p:nvCxnSpPr>
+          <p:cNvPr id="8" name="Straight Connector 7">
+            <a:extLst>
+              <a:ext uri="{FF2B5EF4-FFF2-40B4-BE49-F238E27FC236}">
+                <a16:creationId xmlns:a16="http://schemas.microsoft.com/office/drawing/2014/main" id="{F1E5F1C8-A194-4173-B08C-89713B6DFD55}"/>
+              </a:ext>
+            </a:extLst>
+          </p:cNvPr>
+          <p:cNvCxnSpPr>
+            <a:cxnSpLocks/>
+          </p:cNvCxnSpPr>
+          <p:nvPr/>
+        </p:nvCxnSpPr>
+        <p:spPr>
+          <a:xfrm flipV="1">
+            <a:off x="10364526" y="4561840"/>
+            <a:ext cx="405074" cy="692111"/>
+          </a:xfrm>
+          <a:prstGeom prst="line">
+            <a:avLst/>
+          </a:prstGeom>
+          <a:ln>
+            <a:solidFill>
+              <a:srgbClr val="C00000"/>
+            </a:solidFill>
+            <a:tailEnd type="stealth" w="lg" len="lg"/>
+          </a:ln>
+        </p:spPr>
+        <p:style>
+          <a:lnRef idx="1">
+            <a:schemeClr val="accent1"/>
+          </a:lnRef>
+          <a:fillRef idx="0">
+            <a:schemeClr val="accent1"/>
+          </a:fillRef>
+          <a:effectRef idx="0">
+            <a:schemeClr val="accent1"/>
+          </a:effectRef>
+          <a:fontRef idx="minor">
+            <a:schemeClr val="tx1"/>
+          </a:fontRef>
+        </p:style>
+      </p:cxnSp>
+      <p:sp>
+        <p:nvSpPr>
+          <p:cNvPr id="15" name="TextBox 14">
+            <a:extLst>
+              <a:ext uri="{FF2B5EF4-FFF2-40B4-BE49-F238E27FC236}">
+                <a16:creationId xmlns:a16="http://schemas.microsoft.com/office/drawing/2014/main" id="{DE19AF29-39F4-4CBA-984F-BC560C4CDCA5}"/>
+              </a:ext>
+            </a:extLst>
+          </p:cNvPr>
+          <p:cNvSpPr txBox="1"/>
+          <p:nvPr/>
+        </p:nvSpPr>
+        <p:spPr>
+          <a:xfrm>
+            <a:off x="9740599" y="5266791"/>
+            <a:ext cx="1635256" cy="369332"/>
+          </a:xfrm>
+          <a:prstGeom prst="rect">
+            <a:avLst/>
+          </a:prstGeom>
+          <a:noFill/>
+        </p:spPr>
+        <p:txBody>
+          <a:bodyPr wrap="none" rtlCol="0">
+            <a:spAutoFit/>
+          </a:bodyPr>
+          <a:lstStyle/>
+          <a:p>
+            <a:r>
+              <a:rPr lang="en-US" dirty="0">
+                <a:solidFill>
+                  <a:srgbClr val="C00000"/>
+                </a:solidFill>
+              </a:rPr>
+              <a:t>Note local max</a:t>
+            </a:r>
+          </a:p>
+        </p:txBody>
+      </p:sp>
+    </p:spTree>
+    <p:extLst>
+      <p:ext uri="{BB962C8B-B14F-4D97-AF65-F5344CB8AC3E}">
+        <p14:creationId xmlns:p14="http://schemas.microsoft.com/office/powerpoint/2010/main" val="3964706345"/>
       </p:ext>
     </p:extLst>
   </p:cSld>
@@ -15219,946 +15689,6 @@
 <file path=ppt/slides/slide20.xml><?xml version="1.0" encoding="utf-8"?>
 <p:sld xmlns:a="http://schemas.openxmlformats.org/drawingml/2006/main" xmlns:r="http://schemas.openxmlformats.org/officeDocument/2006/relationships" xmlns:p="http://schemas.openxmlformats.org/presentationml/2006/main">
   <p:cSld>
-    <p:spTree>
-      <p:nvGrpSpPr>
-        <p:cNvPr id="1" name=""/>
-        <p:cNvGrpSpPr/>
-        <p:nvPr/>
-      </p:nvGrpSpPr>
-      <p:grpSpPr>
-        <a:xfrm>
-          <a:off x="0" y="0"/>
-          <a:ext cx="0" cy="0"/>
-          <a:chOff x="0" y="0"/>
-          <a:chExt cx="0" cy="0"/>
-        </a:xfrm>
-      </p:grpSpPr>
-      <p:pic>
-        <p:nvPicPr>
-          <p:cNvPr id="1029" name="Picture 5">
-            <a:extLst>
-              <a:ext uri="{FF2B5EF4-FFF2-40B4-BE49-F238E27FC236}">
-                <a16:creationId xmlns:a16="http://schemas.microsoft.com/office/drawing/2014/main" id="{A071686D-847F-4F8F-B0B5-BCFEB23E0209}"/>
-              </a:ext>
-            </a:extLst>
-          </p:cNvPr>
-          <p:cNvPicPr>
-            <a:picLocks noChangeAspect="1" noChangeArrowheads="1"/>
-          </p:cNvPicPr>
-          <p:nvPr/>
-        </p:nvPicPr>
-        <p:blipFill>
-          <a:blip r:embed="rId2">
-            <a:extLst>
-              <a:ext uri="{28A0092B-C50C-407E-A947-70E740481C1C}">
-                <a14:useLocalDpi xmlns:a14="http://schemas.microsoft.com/office/drawing/2010/main" val="0"/>
-              </a:ext>
-            </a:extLst>
-          </a:blip>
-          <a:srcRect/>
-          <a:stretch>
-            <a:fillRect/>
-          </a:stretch>
-        </p:blipFill>
-        <p:spPr bwMode="auto">
-          <a:xfrm>
-            <a:off x="6175689" y="1173278"/>
-            <a:ext cx="4775987" cy="3846896"/>
-          </a:xfrm>
-          <a:prstGeom prst="rect">
-            <a:avLst/>
-          </a:prstGeom>
-          <a:noFill/>
-          <a:extLst>
-            <a:ext uri="{909E8E84-426E-40DD-AFC4-6F175D3DCCD1}">
-              <a14:hiddenFill xmlns:a14="http://schemas.microsoft.com/office/drawing/2010/main">
-                <a:solidFill>
-                  <a:srgbClr val="FFFFFF"/>
-                </a:solidFill>
-              </a14:hiddenFill>
-            </a:ext>
-          </a:extLst>
-        </p:spPr>
-      </p:pic>
-      <p:sp>
-        <p:nvSpPr>
-          <p:cNvPr id="3" name="Rectangle 6">
-            <a:extLst>
-              <a:ext uri="{FF2B5EF4-FFF2-40B4-BE49-F238E27FC236}">
-                <a16:creationId xmlns:a16="http://schemas.microsoft.com/office/drawing/2014/main" id="{55BEF983-A099-4906-8D17-047D23DE8773}"/>
-              </a:ext>
-            </a:extLst>
-          </p:cNvPr>
-          <p:cNvSpPr>
-            <a:spLocks noChangeArrowheads="1"/>
-          </p:cNvSpPr>
-          <p:nvPr/>
-        </p:nvSpPr>
-        <p:spPr bwMode="auto">
-          <a:xfrm>
-            <a:off x="8955763" y="5636123"/>
-            <a:ext cx="3204928" cy="584775"/>
-          </a:xfrm>
-          <a:prstGeom prst="rect">
-            <a:avLst/>
-          </a:prstGeom>
-          <a:noFill/>
-          <a:ln>
-            <a:noFill/>
-          </a:ln>
-          <a:effectLst/>
-          <a:extLst>
-            <a:ext uri="{909E8E84-426E-40DD-AFC4-6F175D3DCCD1}">
-              <a14:hiddenFill xmlns:a14="http://schemas.microsoft.com/office/drawing/2010/main">
-                <a:solidFill>
-                  <a:schemeClr val="accent1"/>
-                </a:solidFill>
-              </a14:hiddenFill>
-            </a:ext>
-            <a:ext uri="{91240B29-F687-4F45-9708-019B960494DF}">
-              <a14:hiddenLine xmlns:a14="http://schemas.microsoft.com/office/drawing/2010/main" w="9525">
-                <a:solidFill>
-                  <a:schemeClr val="tx1"/>
-                </a:solidFill>
-                <a:miter lim="800000"/>
-                <a:headEnd/>
-                <a:tailEnd/>
-              </a14:hiddenLine>
-            </a:ext>
-            <a:ext uri="{AF507438-7753-43E0-B8FC-AC1667EBCBE1}">
-              <a14:hiddenEffects xmlns:a14="http://schemas.microsoft.com/office/drawing/2010/main">
-                <a:effectLst>
-                  <a:outerShdw dist="35921" dir="2700000" algn="ctr" rotWithShape="0">
-                    <a:schemeClr val="bg2"/>
-                  </a:outerShdw>
-                </a:effectLst>
-              </a14:hiddenEffects>
-            </a:ext>
-          </a:extLst>
-        </p:spPr>
-        <p:txBody>
-          <a:bodyPr vert="horz" wrap="square" lIns="91440" tIns="45720" rIns="91440" bIns="45720" numCol="1" anchor="ctr" anchorCtr="0" compatLnSpc="1">
-            <a:prstTxWarp prst="textNoShape">
-              <a:avLst/>
-            </a:prstTxWarp>
-            <a:spAutoFit/>
-          </a:bodyPr>
-          <a:lstStyle/>
-          <a:p>
-            <a:pPr marL="0" marR="0" lvl="0" indent="0" algn="l" defTabSz="914400" rtl="0" eaLnBrk="0" fontAlgn="base" latinLnBrk="0" hangingPunct="0">
-              <a:lnSpc>
-                <a:spcPct val="100000"/>
-              </a:lnSpc>
-              <a:spcBef>
-                <a:spcPct val="0"/>
-              </a:spcBef>
-              <a:spcAft>
-                <a:spcPct val="0"/>
-              </a:spcAft>
-              <a:buClrTx/>
-              <a:buSzTx/>
-              <a:buFontTx/>
-              <a:buNone/>
-              <a:tabLst/>
-            </a:pPr>
-            <a:r>
-              <a:rPr lang="en-US" altLang="en-US" sz="1600" dirty="0">
-                <a:latin typeface="Arial Unicode MS"/>
-              </a:rPr>
-              <a:t>N</a:t>
-            </a:r>
-            <a:r>
-              <a:rPr kumimoji="0" lang="en-US" altLang="en-US" sz="1600" b="0" i="0" u="none" strike="noStrike" cap="none" normalizeH="0" baseline="0" dirty="0">
-                <a:ln>
-                  <a:noFill/>
-                </a:ln>
-                <a:solidFill>
-                  <a:schemeClr val="tx1"/>
-                </a:solidFill>
-                <a:effectLst/>
-                <a:latin typeface="Arial Unicode MS"/>
-              </a:rPr>
-              <a:t>umber of agents at grid points occupied = [3, 6, 7, 4]</a:t>
-            </a:r>
-            <a:r>
-              <a:rPr kumimoji="0" lang="en-US" altLang="en-US" sz="1600" b="0" i="0" u="none" strike="noStrike" cap="none" normalizeH="0" baseline="0" dirty="0">
-                <a:ln>
-                  <a:noFill/>
-                </a:ln>
-                <a:solidFill>
-                  <a:schemeClr val="tx1"/>
-                </a:solidFill>
-                <a:effectLst/>
-              </a:rPr>
-              <a:t> </a:t>
-            </a:r>
-            <a:endParaRPr kumimoji="0" lang="en-US" altLang="en-US" sz="1600" b="0" i="0" u="none" strike="noStrike" cap="none" normalizeH="0" baseline="0" dirty="0">
-              <a:ln>
-                <a:noFill/>
-              </a:ln>
-              <a:solidFill>
-                <a:schemeClr val="tx1"/>
-              </a:solidFill>
-              <a:effectLst/>
-              <a:latin typeface="Arial" panose="020B0604020202020204" pitchFamily="34" charset="0"/>
-            </a:endParaRPr>
-          </a:p>
-        </p:txBody>
-      </p:sp>
-      <p:pic>
-        <p:nvPicPr>
-          <p:cNvPr id="1032" name="Picture 8">
-            <a:extLst>
-              <a:ext uri="{FF2B5EF4-FFF2-40B4-BE49-F238E27FC236}">
-                <a16:creationId xmlns:a16="http://schemas.microsoft.com/office/drawing/2014/main" id="{8E135ABE-CF60-44D6-BA04-A2197B4A07E1}"/>
-              </a:ext>
-            </a:extLst>
-          </p:cNvPr>
-          <p:cNvPicPr>
-            <a:picLocks noChangeAspect="1" noChangeArrowheads="1"/>
-          </p:cNvPicPr>
-          <p:nvPr/>
-        </p:nvPicPr>
-        <p:blipFill>
-          <a:blip r:embed="rId3">
-            <a:extLst>
-              <a:ext uri="{28A0092B-C50C-407E-A947-70E740481C1C}">
-                <a14:useLocalDpi xmlns:a14="http://schemas.microsoft.com/office/drawing/2010/main" val="0"/>
-              </a:ext>
-            </a:extLst>
-          </a:blip>
-          <a:srcRect/>
-          <a:stretch>
-            <a:fillRect/>
-          </a:stretch>
-        </p:blipFill>
-        <p:spPr bwMode="auto">
-          <a:xfrm>
-            <a:off x="1240324" y="1229187"/>
-            <a:ext cx="4706575" cy="3790987"/>
-          </a:xfrm>
-          <a:prstGeom prst="rect">
-            <a:avLst/>
-          </a:prstGeom>
-          <a:noFill/>
-          <a:extLst>
-            <a:ext uri="{909E8E84-426E-40DD-AFC4-6F175D3DCCD1}">
-              <a14:hiddenFill xmlns:a14="http://schemas.microsoft.com/office/drawing/2010/main">
-                <a:solidFill>
-                  <a:srgbClr val="FFFFFF"/>
-                </a:solidFill>
-              </a14:hiddenFill>
-            </a:ext>
-          </a:extLst>
-        </p:spPr>
-      </p:pic>
-      <p:sp>
-        <p:nvSpPr>
-          <p:cNvPr id="7" name="TextBox 6">
-            <a:extLst>
-              <a:ext uri="{FF2B5EF4-FFF2-40B4-BE49-F238E27FC236}">
-                <a16:creationId xmlns:a16="http://schemas.microsoft.com/office/drawing/2014/main" id="{C173EF2B-18C6-4AB5-A574-2CC3E1BC044A}"/>
-              </a:ext>
-            </a:extLst>
-          </p:cNvPr>
-          <p:cNvSpPr txBox="1"/>
-          <p:nvPr/>
-        </p:nvSpPr>
-        <p:spPr>
-          <a:xfrm>
-            <a:off x="4734935" y="-272515"/>
-            <a:ext cx="5076090" cy="4151376"/>
-          </a:xfrm>
-          <a:prstGeom prst="rect">
-            <a:avLst/>
-          </a:prstGeom>
-        </p:spPr>
-        <p:txBody>
-          <a:bodyPr vert="horz" lIns="91440" tIns="45720" rIns="91440" bIns="45720" rtlCol="0">
-            <a:normAutofit/>
-          </a:bodyPr>
-          <a:lstStyle/>
-          <a:p>
-            <a:pPr>
-              <a:lnSpc>
-                <a:spcPct val="90000"/>
-              </a:lnSpc>
-              <a:spcAft>
-                <a:spcPts val="600"/>
-              </a:spcAft>
-            </a:pPr>
-            <a:endParaRPr lang="en-US" sz="2000" dirty="0"/>
-          </a:p>
-        </p:txBody>
-      </p:sp>
-      <p:grpSp>
-        <p:nvGrpSpPr>
-          <p:cNvPr id="5" name="Group 4">
-            <a:extLst>
-              <a:ext uri="{FF2B5EF4-FFF2-40B4-BE49-F238E27FC236}">
-                <a16:creationId xmlns:a16="http://schemas.microsoft.com/office/drawing/2014/main" id="{0A1FF3A2-F7C8-4F15-8501-9B0B611C6CC4}"/>
-              </a:ext>
-            </a:extLst>
-          </p:cNvPr>
-          <p:cNvGrpSpPr/>
-          <p:nvPr/>
-        </p:nvGrpSpPr>
-        <p:grpSpPr>
-          <a:xfrm>
-            <a:off x="3805096" y="5266791"/>
-            <a:ext cx="4581808" cy="1320362"/>
-            <a:chOff x="4424784" y="5266790"/>
-            <a:chExt cx="4581808" cy="1320362"/>
-          </a:xfrm>
-          <a:solidFill>
-            <a:schemeClr val="tx1"/>
-          </a:solidFill>
-        </p:grpSpPr>
-        <p:sp>
-          <p:nvSpPr>
-            <p:cNvPr id="9" name="TextBox 8">
-              <a:extLst>
-                <a:ext uri="{FF2B5EF4-FFF2-40B4-BE49-F238E27FC236}">
-                  <a16:creationId xmlns:a16="http://schemas.microsoft.com/office/drawing/2014/main" id="{8F63343A-B3D4-4081-828C-82A56F2FBAFA}"/>
-                </a:ext>
-              </a:extLst>
-            </p:cNvPr>
-            <p:cNvSpPr txBox="1"/>
-            <p:nvPr/>
-          </p:nvSpPr>
-          <p:spPr>
-            <a:xfrm>
-              <a:off x="4424784" y="5266791"/>
-              <a:ext cx="2410485" cy="1320361"/>
-            </a:xfrm>
-            <a:prstGeom prst="rect">
-              <a:avLst/>
-            </a:prstGeom>
-            <a:grpFill/>
-          </p:spPr>
-          <p:txBody>
-            <a:bodyPr wrap="square">
-              <a:spAutoFit/>
-            </a:bodyPr>
-            <a:lstStyle/>
-            <a:p>
-              <a:pPr indent="-228600">
-                <a:lnSpc>
-                  <a:spcPct val="90000"/>
-                </a:lnSpc>
-                <a:spcAft>
-                  <a:spcPts val="600"/>
-                </a:spcAft>
-                <a:buFont typeface="Arial" panose="020B0604020202020204" pitchFamily="34" charset="0"/>
-                <a:buChar char="•"/>
-              </a:pPr>
-              <a:r>
-                <a:rPr lang="en-US" sz="1800" dirty="0" err="1">
-                  <a:solidFill>
-                    <a:schemeClr val="bg1"/>
-                  </a:solidFill>
-                </a:rPr>
-                <a:t>num_periods</a:t>
-              </a:r>
-              <a:r>
-                <a:rPr lang="en-US" sz="1800" dirty="0">
-                  <a:solidFill>
-                    <a:schemeClr val="bg1"/>
-                  </a:solidFill>
-                </a:rPr>
-                <a:t> = 7</a:t>
-              </a:r>
-            </a:p>
-            <a:p>
-              <a:pPr indent="-228600">
-                <a:lnSpc>
-                  <a:spcPct val="90000"/>
-                </a:lnSpc>
-                <a:spcAft>
-                  <a:spcPts val="600"/>
-                </a:spcAft>
-                <a:buFont typeface="Arial" panose="020B0604020202020204" pitchFamily="34" charset="0"/>
-                <a:buChar char="•"/>
-              </a:pPr>
-              <a:r>
-                <a:rPr lang="en-US" sz="1800" dirty="0" err="1">
-                  <a:solidFill>
-                    <a:schemeClr val="bg1"/>
-                  </a:solidFill>
-                </a:rPr>
-                <a:t>num_weeks</a:t>
-              </a:r>
-              <a:r>
-                <a:rPr lang="en-US" sz="1800" dirty="0">
-                  <a:solidFill>
-                    <a:schemeClr val="bg1"/>
-                  </a:solidFill>
-                </a:rPr>
-                <a:t> = 50</a:t>
-              </a:r>
-            </a:p>
-            <a:p>
-              <a:pPr indent="-228600">
-                <a:lnSpc>
-                  <a:spcPct val="90000"/>
-                </a:lnSpc>
-                <a:spcAft>
-                  <a:spcPts val="600"/>
-                </a:spcAft>
-                <a:buFont typeface="Arial" panose="020B0604020202020204" pitchFamily="34" charset="0"/>
-                <a:buChar char="•"/>
-              </a:pPr>
-              <a:r>
-                <a:rPr lang="en-US" sz="1800" dirty="0" err="1">
-                  <a:solidFill>
-                    <a:schemeClr val="bg1"/>
-                  </a:solidFill>
-                </a:rPr>
-                <a:t>num_rounds</a:t>
-              </a:r>
-              <a:r>
-                <a:rPr lang="en-US" sz="1800" dirty="0">
-                  <a:solidFill>
-                    <a:schemeClr val="bg1"/>
-                  </a:solidFill>
-                </a:rPr>
-                <a:t> = 5</a:t>
-              </a:r>
-            </a:p>
-            <a:p>
-              <a:pPr indent="-228600">
-                <a:lnSpc>
-                  <a:spcPct val="90000"/>
-                </a:lnSpc>
-                <a:spcAft>
-                  <a:spcPts val="600"/>
-                </a:spcAft>
-                <a:buFont typeface="Arial" panose="020B0604020202020204" pitchFamily="34" charset="0"/>
-                <a:buChar char="•"/>
-              </a:pPr>
-              <a:r>
-                <a:rPr lang="en-US" sz="1800" dirty="0" err="1">
-                  <a:solidFill>
-                    <a:schemeClr val="bg1"/>
-                  </a:solidFill>
-                </a:rPr>
-                <a:t>grid_size</a:t>
-              </a:r>
-              <a:r>
-                <a:rPr lang="en-US" sz="1800" dirty="0">
-                  <a:solidFill>
-                    <a:schemeClr val="bg1"/>
-                  </a:solidFill>
-                </a:rPr>
-                <a:t> = 15</a:t>
-              </a:r>
-            </a:p>
-          </p:txBody>
-        </p:sp>
-        <p:sp>
-          <p:nvSpPr>
-            <p:cNvPr id="10" name="TextBox 9">
-              <a:extLst>
-                <a:ext uri="{FF2B5EF4-FFF2-40B4-BE49-F238E27FC236}">
-                  <a16:creationId xmlns:a16="http://schemas.microsoft.com/office/drawing/2014/main" id="{6DAEDB36-355E-464A-873F-630DB284419F}"/>
-                </a:ext>
-              </a:extLst>
-            </p:cNvPr>
-            <p:cNvSpPr txBox="1"/>
-            <p:nvPr/>
-          </p:nvSpPr>
-          <p:spPr>
-            <a:xfrm>
-              <a:off x="6596107" y="5266790"/>
-              <a:ext cx="2410485" cy="1320361"/>
-            </a:xfrm>
-            <a:prstGeom prst="rect">
-              <a:avLst/>
-            </a:prstGeom>
-            <a:grpFill/>
-          </p:spPr>
-          <p:txBody>
-            <a:bodyPr wrap="square">
-              <a:spAutoFit/>
-            </a:bodyPr>
-            <a:lstStyle/>
-            <a:p>
-              <a:pPr indent="-228600">
-                <a:lnSpc>
-                  <a:spcPct val="90000"/>
-                </a:lnSpc>
-                <a:spcAft>
-                  <a:spcPts val="600"/>
-                </a:spcAft>
-                <a:buFont typeface="Arial" panose="020B0604020202020204" pitchFamily="34" charset="0"/>
-                <a:buChar char="•"/>
-              </a:pPr>
-              <a:r>
-                <a:rPr lang="en-US" sz="1800" dirty="0" err="1">
-                  <a:solidFill>
-                    <a:schemeClr val="bg1"/>
-                  </a:solidFill>
-                </a:rPr>
-                <a:t>num_traders</a:t>
-              </a:r>
-              <a:r>
-                <a:rPr lang="en-US" sz="1800" dirty="0">
-                  <a:solidFill>
-                    <a:schemeClr val="bg1"/>
-                  </a:solidFill>
-                </a:rPr>
-                <a:t> = 20</a:t>
-              </a:r>
-            </a:p>
-            <a:p>
-              <a:pPr indent="-228600">
-                <a:lnSpc>
-                  <a:spcPct val="90000"/>
-                </a:lnSpc>
-                <a:spcAft>
-                  <a:spcPts val="600"/>
-                </a:spcAft>
-                <a:buFont typeface="Arial" panose="020B0604020202020204" pitchFamily="34" charset="0"/>
-                <a:buChar char="•"/>
-              </a:pPr>
-              <a:r>
-                <a:rPr lang="en-US" sz="1800" dirty="0" err="1">
-                  <a:solidFill>
-                    <a:schemeClr val="bg1"/>
-                  </a:solidFill>
-                </a:rPr>
-                <a:t>num_units</a:t>
-              </a:r>
-              <a:r>
-                <a:rPr lang="en-US" sz="1800" dirty="0">
-                  <a:solidFill>
-                    <a:schemeClr val="bg1"/>
-                  </a:solidFill>
-                </a:rPr>
-                <a:t> = 8</a:t>
-              </a:r>
-            </a:p>
-            <a:p>
-              <a:pPr indent="-228600">
-                <a:lnSpc>
-                  <a:spcPct val="90000"/>
-                </a:lnSpc>
-                <a:spcAft>
-                  <a:spcPts val="600"/>
-                </a:spcAft>
-                <a:buFont typeface="Arial" panose="020B0604020202020204" pitchFamily="34" charset="0"/>
-                <a:buChar char="•"/>
-              </a:pPr>
-              <a:r>
-                <a:rPr lang="en-US" sz="1800" dirty="0" err="1">
-                  <a:solidFill>
-                    <a:schemeClr val="bg1"/>
-                  </a:solidFill>
-                </a:rPr>
-                <a:t>lower_bound</a:t>
-              </a:r>
-              <a:r>
-                <a:rPr lang="en-US" sz="1800" dirty="0">
-                  <a:solidFill>
-                    <a:schemeClr val="bg1"/>
-                  </a:solidFill>
-                </a:rPr>
-                <a:t> = 200 </a:t>
-              </a:r>
-            </a:p>
-            <a:p>
-              <a:pPr indent="-228600">
-                <a:lnSpc>
-                  <a:spcPct val="90000"/>
-                </a:lnSpc>
-                <a:spcAft>
-                  <a:spcPts val="600"/>
-                </a:spcAft>
-                <a:buFont typeface="Arial" panose="020B0604020202020204" pitchFamily="34" charset="0"/>
-                <a:buChar char="•"/>
-              </a:pPr>
-              <a:r>
-                <a:rPr lang="en-US" sz="1800" dirty="0" err="1">
-                  <a:solidFill>
-                    <a:schemeClr val="bg1"/>
-                  </a:solidFill>
-                </a:rPr>
-                <a:t>upper_bound</a:t>
-              </a:r>
-              <a:r>
-                <a:rPr lang="en-US" sz="1800" dirty="0">
-                  <a:solidFill>
-                    <a:schemeClr val="bg1"/>
-                  </a:solidFill>
-                </a:rPr>
-                <a:t> = 600</a:t>
-              </a:r>
-            </a:p>
-          </p:txBody>
-        </p:sp>
-      </p:grpSp>
-      <p:cxnSp>
-        <p:nvCxnSpPr>
-          <p:cNvPr id="13" name="Straight Connector 12">
-            <a:extLst>
-              <a:ext uri="{FF2B5EF4-FFF2-40B4-BE49-F238E27FC236}">
-                <a16:creationId xmlns:a16="http://schemas.microsoft.com/office/drawing/2014/main" id="{AAE7D4FE-E4D3-4729-BC65-A87A6A32434E}"/>
-              </a:ext>
-            </a:extLst>
-          </p:cNvPr>
-          <p:cNvCxnSpPr/>
-          <p:nvPr/>
-        </p:nvCxnSpPr>
-        <p:spPr>
-          <a:xfrm>
-            <a:off x="580333" y="143143"/>
-            <a:ext cx="0" cy="690562"/>
-          </a:xfrm>
-          <a:prstGeom prst="line">
-            <a:avLst/>
-          </a:prstGeom>
-          <a:ln w="28575"/>
-        </p:spPr>
-        <p:style>
-          <a:lnRef idx="1">
-            <a:schemeClr val="accent1"/>
-          </a:lnRef>
-          <a:fillRef idx="0">
-            <a:schemeClr val="accent1"/>
-          </a:fillRef>
-          <a:effectRef idx="0">
-            <a:schemeClr val="accent1"/>
-          </a:effectRef>
-          <a:fontRef idx="minor">
-            <a:schemeClr val="tx1"/>
-          </a:fontRef>
-        </p:style>
-      </p:cxnSp>
-      <p:sp>
-        <p:nvSpPr>
-          <p:cNvPr id="14" name="TextBox 3">
-            <a:extLst>
-              <a:ext uri="{FF2B5EF4-FFF2-40B4-BE49-F238E27FC236}">
-                <a16:creationId xmlns:a16="http://schemas.microsoft.com/office/drawing/2014/main" id="{569A6D2F-18AE-40C6-B075-E93143900936}"/>
-              </a:ext>
-            </a:extLst>
-          </p:cNvPr>
-          <p:cNvSpPr txBox="1">
-            <a:spLocks noChangeArrowheads="1"/>
-          </p:cNvSpPr>
-          <p:nvPr/>
-        </p:nvSpPr>
-        <p:spPr bwMode="auto">
-          <a:xfrm>
-            <a:off x="709353" y="165258"/>
-            <a:ext cx="11136254" cy="646331"/>
-          </a:xfrm>
-          <a:prstGeom prst="rect">
-            <a:avLst/>
-          </a:prstGeom>
-          <a:noFill/>
-          <a:ln>
-            <a:noFill/>
-          </a:ln>
-          <a:extLst>
-            <a:ext uri="{909E8E84-426E-40DD-AFC4-6F175D3DCCD1}">
-              <a14:hiddenFill xmlns:a14="http://schemas.microsoft.com/office/drawing/2010/main">
-                <a:solidFill>
-                  <a:srgbClr val="FFFFFF"/>
-                </a:solidFill>
-              </a14:hiddenFill>
-            </a:ext>
-            <a:ext uri="{91240B29-F687-4F45-9708-019B960494DF}">
-              <a14:hiddenLine xmlns:a14="http://schemas.microsoft.com/office/drawing/2010/main" w="9525">
-                <a:solidFill>
-                  <a:srgbClr val="000000"/>
-                </a:solidFill>
-                <a:miter lim="800000"/>
-                <a:headEnd/>
-                <a:tailEnd/>
-              </a14:hiddenLine>
-            </a:ext>
-          </a:extLst>
-        </p:spPr>
-        <p:txBody>
-          <a:bodyPr wrap="none">
-            <a:spAutoFit/>
-          </a:bodyPr>
-          <a:lstStyle>
-            <a:lvl1pPr>
-              <a:lnSpc>
-                <a:spcPct val="90000"/>
-              </a:lnSpc>
-              <a:spcBef>
-                <a:spcPts val="1000"/>
-              </a:spcBef>
-              <a:buFont typeface="Arial" panose="020B0604020202020204" pitchFamily="34" charset="0"/>
-              <a:buChar char="•"/>
-              <a:defRPr sz="2800">
-                <a:solidFill>
-                  <a:schemeClr val="tx1"/>
-                </a:solidFill>
-                <a:latin typeface="Calibri" panose="020F0502020204030204" pitchFamily="34" charset="0"/>
-              </a:defRPr>
-            </a:lvl1pPr>
-            <a:lvl2pPr marL="742950" indent="-285750">
-              <a:lnSpc>
-                <a:spcPct val="90000"/>
-              </a:lnSpc>
-              <a:spcBef>
-                <a:spcPts val="500"/>
-              </a:spcBef>
-              <a:buFont typeface="Arial" panose="020B0604020202020204" pitchFamily="34" charset="0"/>
-              <a:buChar char="•"/>
-              <a:defRPr sz="2400">
-                <a:solidFill>
-                  <a:schemeClr val="tx1"/>
-                </a:solidFill>
-                <a:latin typeface="Calibri" panose="020F0502020204030204" pitchFamily="34" charset="0"/>
-              </a:defRPr>
-            </a:lvl2pPr>
-            <a:lvl3pPr marL="1143000" indent="-228600">
-              <a:lnSpc>
-                <a:spcPct val="90000"/>
-              </a:lnSpc>
-              <a:spcBef>
-                <a:spcPts val="500"/>
-              </a:spcBef>
-              <a:buFont typeface="Arial" panose="020B0604020202020204" pitchFamily="34" charset="0"/>
-              <a:buChar char="•"/>
-              <a:defRPr sz="2000">
-                <a:solidFill>
-                  <a:schemeClr val="tx1"/>
-                </a:solidFill>
-                <a:latin typeface="Calibri" panose="020F0502020204030204" pitchFamily="34" charset="0"/>
-              </a:defRPr>
-            </a:lvl3pPr>
-            <a:lvl4pPr marL="1600200" indent="-228600">
-              <a:lnSpc>
-                <a:spcPct val="90000"/>
-              </a:lnSpc>
-              <a:spcBef>
-                <a:spcPts val="500"/>
-              </a:spcBef>
-              <a:buFont typeface="Arial" panose="020B0604020202020204" pitchFamily="34" charset="0"/>
-              <a:buChar char="•"/>
-              <a:defRPr>
-                <a:solidFill>
-                  <a:schemeClr val="tx1"/>
-                </a:solidFill>
-                <a:latin typeface="Calibri" panose="020F0502020204030204" pitchFamily="34" charset="0"/>
-              </a:defRPr>
-            </a:lvl4pPr>
-            <a:lvl5pPr marL="2057400" indent="-228600">
-              <a:lnSpc>
-                <a:spcPct val="90000"/>
-              </a:lnSpc>
-              <a:spcBef>
-                <a:spcPts val="500"/>
-              </a:spcBef>
-              <a:buFont typeface="Arial" panose="020B0604020202020204" pitchFamily="34" charset="0"/>
-              <a:buChar char="•"/>
-              <a:defRPr>
-                <a:solidFill>
-                  <a:schemeClr val="tx1"/>
-                </a:solidFill>
-                <a:latin typeface="Calibri" panose="020F0502020204030204" pitchFamily="34" charset="0"/>
-              </a:defRPr>
-            </a:lvl5pPr>
-            <a:lvl6pPr marL="2514600" indent="-228600" eaLnBrk="0" fontAlgn="base" hangingPunct="0">
-              <a:lnSpc>
-                <a:spcPct val="90000"/>
-              </a:lnSpc>
-              <a:spcBef>
-                <a:spcPts val="500"/>
-              </a:spcBef>
-              <a:spcAft>
-                <a:spcPct val="0"/>
-              </a:spcAft>
-              <a:buFont typeface="Arial" panose="020B0604020202020204" pitchFamily="34" charset="0"/>
-              <a:buChar char="•"/>
-              <a:defRPr>
-                <a:solidFill>
-                  <a:schemeClr val="tx1"/>
-                </a:solidFill>
-                <a:latin typeface="Calibri" panose="020F0502020204030204" pitchFamily="34" charset="0"/>
-              </a:defRPr>
-            </a:lvl6pPr>
-            <a:lvl7pPr marL="2971800" indent="-228600" eaLnBrk="0" fontAlgn="base" hangingPunct="0">
-              <a:lnSpc>
-                <a:spcPct val="90000"/>
-              </a:lnSpc>
-              <a:spcBef>
-                <a:spcPts val="500"/>
-              </a:spcBef>
-              <a:spcAft>
-                <a:spcPct val="0"/>
-              </a:spcAft>
-              <a:buFont typeface="Arial" panose="020B0604020202020204" pitchFamily="34" charset="0"/>
-              <a:buChar char="•"/>
-              <a:defRPr>
-                <a:solidFill>
-                  <a:schemeClr val="tx1"/>
-                </a:solidFill>
-                <a:latin typeface="Calibri" panose="020F0502020204030204" pitchFamily="34" charset="0"/>
-              </a:defRPr>
-            </a:lvl7pPr>
-            <a:lvl8pPr marL="3429000" indent="-228600" eaLnBrk="0" fontAlgn="base" hangingPunct="0">
-              <a:lnSpc>
-                <a:spcPct val="90000"/>
-              </a:lnSpc>
-              <a:spcBef>
-                <a:spcPts val="500"/>
-              </a:spcBef>
-              <a:spcAft>
-                <a:spcPct val="0"/>
-              </a:spcAft>
-              <a:buFont typeface="Arial" panose="020B0604020202020204" pitchFamily="34" charset="0"/>
-              <a:buChar char="•"/>
-              <a:defRPr>
-                <a:solidFill>
-                  <a:schemeClr val="tx1"/>
-                </a:solidFill>
-                <a:latin typeface="Calibri" panose="020F0502020204030204" pitchFamily="34" charset="0"/>
-              </a:defRPr>
-            </a:lvl8pPr>
-            <a:lvl9pPr marL="3886200" indent="-228600" eaLnBrk="0" fontAlgn="base" hangingPunct="0">
-              <a:lnSpc>
-                <a:spcPct val="90000"/>
-              </a:lnSpc>
-              <a:spcBef>
-                <a:spcPts val="500"/>
-              </a:spcBef>
-              <a:spcAft>
-                <a:spcPct val="0"/>
-              </a:spcAft>
-              <a:buFont typeface="Arial" panose="020B0604020202020204" pitchFamily="34" charset="0"/>
-              <a:buChar char="•"/>
-              <a:defRPr>
-                <a:solidFill>
-                  <a:schemeClr val="tx1"/>
-                </a:solidFill>
-                <a:latin typeface="Calibri" panose="020F0502020204030204" pitchFamily="34" charset="0"/>
-              </a:defRPr>
-            </a:lvl9pPr>
-          </a:lstStyle>
-          <a:p>
-            <a:pPr eaLnBrk="1" hangingPunct="1">
-              <a:lnSpc>
-                <a:spcPct val="100000"/>
-              </a:lnSpc>
-              <a:spcBef>
-                <a:spcPct val="0"/>
-              </a:spcBef>
-              <a:buFontTx/>
-              <a:buNone/>
-            </a:pPr>
-            <a:r>
-              <a:rPr lang="en-US" altLang="en-US" sz="3600" dirty="0"/>
-              <a:t>ZID and ZIDA strategies vs Number of grid points occupied </a:t>
-            </a:r>
-          </a:p>
-        </p:txBody>
-      </p:sp>
-      <p:cxnSp>
-        <p:nvCxnSpPr>
-          <p:cNvPr id="8" name="Straight Connector 7">
-            <a:extLst>
-              <a:ext uri="{FF2B5EF4-FFF2-40B4-BE49-F238E27FC236}">
-                <a16:creationId xmlns:a16="http://schemas.microsoft.com/office/drawing/2014/main" id="{F1E5F1C8-A194-4173-B08C-89713B6DFD55}"/>
-              </a:ext>
-            </a:extLst>
-          </p:cNvPr>
-          <p:cNvCxnSpPr>
-            <a:cxnSpLocks/>
-          </p:cNvCxnSpPr>
-          <p:nvPr/>
-        </p:nvCxnSpPr>
-        <p:spPr>
-          <a:xfrm flipV="1">
-            <a:off x="10364526" y="4561840"/>
-            <a:ext cx="405074" cy="692111"/>
-          </a:xfrm>
-          <a:prstGeom prst="line">
-            <a:avLst/>
-          </a:prstGeom>
-          <a:ln>
-            <a:solidFill>
-              <a:srgbClr val="C00000"/>
-            </a:solidFill>
-            <a:tailEnd type="stealth" w="lg" len="lg"/>
-          </a:ln>
-        </p:spPr>
-        <p:style>
-          <a:lnRef idx="1">
-            <a:schemeClr val="accent1"/>
-          </a:lnRef>
-          <a:fillRef idx="0">
-            <a:schemeClr val="accent1"/>
-          </a:fillRef>
-          <a:effectRef idx="0">
-            <a:schemeClr val="accent1"/>
-          </a:effectRef>
-          <a:fontRef idx="minor">
-            <a:schemeClr val="tx1"/>
-          </a:fontRef>
-        </p:style>
-      </p:cxnSp>
-      <p:sp>
-        <p:nvSpPr>
-          <p:cNvPr id="15" name="TextBox 14">
-            <a:extLst>
-              <a:ext uri="{FF2B5EF4-FFF2-40B4-BE49-F238E27FC236}">
-                <a16:creationId xmlns:a16="http://schemas.microsoft.com/office/drawing/2014/main" id="{DE19AF29-39F4-4CBA-984F-BC560C4CDCA5}"/>
-              </a:ext>
-            </a:extLst>
-          </p:cNvPr>
-          <p:cNvSpPr txBox="1"/>
-          <p:nvPr/>
-        </p:nvSpPr>
-        <p:spPr>
-          <a:xfrm>
-            <a:off x="9740599" y="5266791"/>
-            <a:ext cx="1635256" cy="369332"/>
-          </a:xfrm>
-          <a:prstGeom prst="rect">
-            <a:avLst/>
-          </a:prstGeom>
-          <a:noFill/>
-        </p:spPr>
-        <p:txBody>
-          <a:bodyPr wrap="none" rtlCol="0">
-            <a:spAutoFit/>
-          </a:bodyPr>
-          <a:lstStyle/>
-          <a:p>
-            <a:r>
-              <a:rPr lang="en-US" dirty="0">
-                <a:solidFill>
-                  <a:srgbClr val="C00000"/>
-                </a:solidFill>
-              </a:rPr>
-              <a:t>Note local max</a:t>
-            </a:r>
-          </a:p>
-        </p:txBody>
-      </p:sp>
-    </p:spTree>
-    <p:extLst>
-      <p:ext uri="{BB962C8B-B14F-4D97-AF65-F5344CB8AC3E}">
-        <p14:creationId xmlns:p14="http://schemas.microsoft.com/office/powerpoint/2010/main" val="3964706345"/>
-      </p:ext>
-    </p:extLst>
-  </p:cSld>
-  <p:clrMapOvr>
-    <a:masterClrMapping/>
-  </p:clrMapOvr>
-</p:sld>
-</file>
-
-<file path=ppt/slides/slide21.xml><?xml version="1.0" encoding="utf-8"?>
-<p:sld xmlns:a="http://schemas.openxmlformats.org/drawingml/2006/main" xmlns:r="http://schemas.openxmlformats.org/officeDocument/2006/relationships" xmlns:p="http://schemas.openxmlformats.org/presentationml/2006/main">
-  <p:cSld>
     <p:bg>
       <p:bgPr>
         <a:solidFill>
@@ -16890,7 +16420,7 @@
 </p:sld>
 </file>
 
-<file path=ppt/slides/slide22.xml><?xml version="1.0" encoding="utf-8"?>
+<file path=ppt/slides/slide21.xml><?xml version="1.0" encoding="utf-8"?>
 <p:sld xmlns:a="http://schemas.openxmlformats.org/drawingml/2006/main" xmlns:r="http://schemas.openxmlformats.org/officeDocument/2006/relationships" xmlns:p="http://schemas.openxmlformats.org/presentationml/2006/main">
   <p:cSld>
     <p:spTree>
@@ -17329,7 +16859,7 @@
 </p:sld>
 </file>
 
-<file path=ppt/slides/slide23.xml><?xml version="1.0" encoding="utf-8"?>
+<file path=ppt/slides/slide22.xml><?xml version="1.0" encoding="utf-8"?>
 <p:sld xmlns:a="http://schemas.openxmlformats.org/drawingml/2006/main" xmlns:r="http://schemas.openxmlformats.org/officeDocument/2006/relationships" xmlns:p="http://schemas.openxmlformats.org/presentationml/2006/main">
   <p:cSld>
     <p:bg>
@@ -18253,7 +17783,7 @@
 </p:sld>
 </file>
 
-<file path=ppt/slides/slide24.xml><?xml version="1.0" encoding="utf-8"?>
+<file path=ppt/slides/slide23.xml><?xml version="1.0" encoding="utf-8"?>
 <p:sld xmlns:a="http://schemas.openxmlformats.org/drawingml/2006/main" xmlns:r="http://schemas.openxmlformats.org/officeDocument/2006/relationships" xmlns:p="http://schemas.openxmlformats.org/presentationml/2006/main">
   <p:cSld>
     <p:bg>
@@ -19278,7 +18808,7 @@
 </p:sld>
 </file>
 
-<file path=ppt/slides/slide25.xml><?xml version="1.0" encoding="utf-8"?>
+<file path=ppt/slides/slide24.xml><?xml version="1.0" encoding="utf-8"?>
 <p:sld xmlns:a="http://schemas.openxmlformats.org/drawingml/2006/main" xmlns:r="http://schemas.openxmlformats.org/officeDocument/2006/relationships" xmlns:p="http://schemas.openxmlformats.org/presentationml/2006/main">
   <p:cSld>
     <p:spTree>
@@ -19765,7 +19295,7 @@
 </p:sld>
 </file>
 
-<file path=ppt/slides/slide26.xml><?xml version="1.0" encoding="utf-8"?>
+<file path=ppt/slides/slide25.xml><?xml version="1.0" encoding="utf-8"?>
 <p:sld xmlns:a="http://schemas.openxmlformats.org/drawingml/2006/main" xmlns:r="http://schemas.openxmlformats.org/officeDocument/2006/relationships" xmlns:p="http://schemas.openxmlformats.org/presentationml/2006/main">
   <p:cSld>
     <p:bg>
@@ -20499,7 +20029,7 @@
 </p:sld>
 </file>
 
-<file path=ppt/slides/slide27.xml><?xml version="1.0" encoding="utf-8"?>
+<file path=ppt/slides/slide26.xml><?xml version="1.0" encoding="utf-8"?>
 <p:sld xmlns:a="http://schemas.openxmlformats.org/drawingml/2006/main" xmlns:r="http://schemas.openxmlformats.org/officeDocument/2006/relationships" xmlns:p="http://schemas.openxmlformats.org/presentationml/2006/main">
   <p:cSld>
     <p:spTree>
@@ -21005,7 +20535,7 @@
 </p:sld>
 </file>
 
-<file path=ppt/slides/slide28.xml><?xml version="1.0" encoding="utf-8"?>
+<file path=ppt/slides/slide27.xml><?xml version="1.0" encoding="utf-8"?>
 <p:sld xmlns:a="http://schemas.openxmlformats.org/drawingml/2006/main" xmlns:r="http://schemas.openxmlformats.org/officeDocument/2006/relationships" xmlns:p="http://schemas.openxmlformats.org/presentationml/2006/main">
   <p:cSld>
     <p:bg>
@@ -21739,7 +21269,7 @@
 </p:sld>
 </file>
 
-<file path=ppt/slides/slide29.xml><?xml version="1.0" encoding="utf-8"?>
+<file path=ppt/slides/slide28.xml><?xml version="1.0" encoding="utf-8"?>
 <p:sld xmlns:a="http://schemas.openxmlformats.org/drawingml/2006/main" xmlns:r="http://schemas.openxmlformats.org/officeDocument/2006/relationships" xmlns:p="http://schemas.openxmlformats.org/presentationml/2006/main">
   <p:cSld>
     <p:bg>
@@ -22473,6 +22003,299 @@
 </p:sld>
 </file>
 
+<file path=ppt/slides/slide29.xml><?xml version="1.0" encoding="utf-8"?>
+<p:sld xmlns:a="http://schemas.openxmlformats.org/drawingml/2006/main" xmlns:r="http://schemas.openxmlformats.org/officeDocument/2006/relationships" xmlns:p="http://schemas.openxmlformats.org/presentationml/2006/main">
+  <p:cSld>
+    <p:spTree>
+      <p:nvGrpSpPr>
+        <p:cNvPr id="1" name=""/>
+        <p:cNvGrpSpPr/>
+        <p:nvPr/>
+      </p:nvGrpSpPr>
+      <p:grpSpPr>
+        <a:xfrm>
+          <a:off x="0" y="0"/>
+          <a:ext cx="0" cy="0"/>
+          <a:chOff x="0" y="0"/>
+          <a:chExt cx="0" cy="0"/>
+        </a:xfrm>
+      </p:grpSpPr>
+      <p:cxnSp>
+        <p:nvCxnSpPr>
+          <p:cNvPr id="4" name="Straight Connector 3">
+            <a:extLst>
+              <a:ext uri="{FF2B5EF4-FFF2-40B4-BE49-F238E27FC236}">
+                <a16:creationId xmlns:a16="http://schemas.microsoft.com/office/drawing/2014/main" id="{AA0F51F3-860C-43CA-87DE-5828DBD4E939}"/>
+              </a:ext>
+            </a:extLst>
+          </p:cNvPr>
+          <p:cNvCxnSpPr/>
+          <p:nvPr/>
+        </p:nvCxnSpPr>
+        <p:spPr>
+          <a:xfrm>
+            <a:off x="1569739" y="644666"/>
+            <a:ext cx="0" cy="690562"/>
+          </a:xfrm>
+          <a:prstGeom prst="line">
+            <a:avLst/>
+          </a:prstGeom>
+          <a:ln w="28575"/>
+        </p:spPr>
+        <p:style>
+          <a:lnRef idx="1">
+            <a:schemeClr val="accent1"/>
+          </a:lnRef>
+          <a:fillRef idx="0">
+            <a:schemeClr val="accent1"/>
+          </a:fillRef>
+          <a:effectRef idx="0">
+            <a:schemeClr val="accent1"/>
+          </a:effectRef>
+          <a:fontRef idx="minor">
+            <a:schemeClr val="tx1"/>
+          </a:fontRef>
+        </p:style>
+      </p:cxnSp>
+      <p:sp>
+        <p:nvSpPr>
+          <p:cNvPr id="6" name="TextBox 3">
+            <a:extLst>
+              <a:ext uri="{FF2B5EF4-FFF2-40B4-BE49-F238E27FC236}">
+                <a16:creationId xmlns:a16="http://schemas.microsoft.com/office/drawing/2014/main" id="{F9A846BF-64EF-4AF8-A119-476064F3EB43}"/>
+              </a:ext>
+            </a:extLst>
+          </p:cNvPr>
+          <p:cNvSpPr txBox="1">
+            <a:spLocks noChangeArrowheads="1"/>
+          </p:cNvSpPr>
+          <p:nvPr/>
+        </p:nvSpPr>
+        <p:spPr bwMode="auto">
+          <a:xfrm>
+            <a:off x="1763414" y="627203"/>
+            <a:ext cx="2318392" cy="707886"/>
+          </a:xfrm>
+          <a:prstGeom prst="rect">
+            <a:avLst/>
+          </a:prstGeom>
+          <a:noFill/>
+          <a:ln>
+            <a:noFill/>
+          </a:ln>
+          <a:extLst>
+            <a:ext uri="{909E8E84-426E-40DD-AFC4-6F175D3DCCD1}">
+              <a14:hiddenFill xmlns:a14="http://schemas.microsoft.com/office/drawing/2010/main">
+                <a:solidFill>
+                  <a:srgbClr val="FFFFFF"/>
+                </a:solidFill>
+              </a14:hiddenFill>
+            </a:ext>
+            <a:ext uri="{91240B29-F687-4F45-9708-019B960494DF}">
+              <a14:hiddenLine xmlns:a14="http://schemas.microsoft.com/office/drawing/2010/main" w="9525">
+                <a:solidFill>
+                  <a:srgbClr val="000000"/>
+                </a:solidFill>
+                <a:miter lim="800000"/>
+                <a:headEnd/>
+                <a:tailEnd/>
+              </a14:hiddenLine>
+            </a:ext>
+          </a:extLst>
+        </p:spPr>
+        <p:txBody>
+          <a:bodyPr wrap="none">
+            <a:spAutoFit/>
+          </a:bodyPr>
+          <a:lstStyle>
+            <a:lvl1pPr>
+              <a:lnSpc>
+                <a:spcPct val="90000"/>
+              </a:lnSpc>
+              <a:spcBef>
+                <a:spcPts val="1000"/>
+              </a:spcBef>
+              <a:buFont typeface="Arial" panose="020B0604020202020204" pitchFamily="34" charset="0"/>
+              <a:buChar char="•"/>
+              <a:defRPr sz="2800">
+                <a:solidFill>
+                  <a:schemeClr val="tx1"/>
+                </a:solidFill>
+                <a:latin typeface="Calibri" panose="020F0502020204030204" pitchFamily="34" charset="0"/>
+              </a:defRPr>
+            </a:lvl1pPr>
+            <a:lvl2pPr marL="742950" indent="-285750">
+              <a:lnSpc>
+                <a:spcPct val="90000"/>
+              </a:lnSpc>
+              <a:spcBef>
+                <a:spcPts val="500"/>
+              </a:spcBef>
+              <a:buFont typeface="Arial" panose="020B0604020202020204" pitchFamily="34" charset="0"/>
+              <a:buChar char="•"/>
+              <a:defRPr sz="2400">
+                <a:solidFill>
+                  <a:schemeClr val="tx1"/>
+                </a:solidFill>
+                <a:latin typeface="Calibri" panose="020F0502020204030204" pitchFamily="34" charset="0"/>
+              </a:defRPr>
+            </a:lvl2pPr>
+            <a:lvl3pPr marL="1143000" indent="-228600">
+              <a:lnSpc>
+                <a:spcPct val="90000"/>
+              </a:lnSpc>
+              <a:spcBef>
+                <a:spcPts val="500"/>
+              </a:spcBef>
+              <a:buFont typeface="Arial" panose="020B0604020202020204" pitchFamily="34" charset="0"/>
+              <a:buChar char="•"/>
+              <a:defRPr sz="2000">
+                <a:solidFill>
+                  <a:schemeClr val="tx1"/>
+                </a:solidFill>
+                <a:latin typeface="Calibri" panose="020F0502020204030204" pitchFamily="34" charset="0"/>
+              </a:defRPr>
+            </a:lvl3pPr>
+            <a:lvl4pPr marL="1600200" indent="-228600">
+              <a:lnSpc>
+                <a:spcPct val="90000"/>
+              </a:lnSpc>
+              <a:spcBef>
+                <a:spcPts val="500"/>
+              </a:spcBef>
+              <a:buFont typeface="Arial" panose="020B0604020202020204" pitchFamily="34" charset="0"/>
+              <a:buChar char="•"/>
+              <a:defRPr>
+                <a:solidFill>
+                  <a:schemeClr val="tx1"/>
+                </a:solidFill>
+                <a:latin typeface="Calibri" panose="020F0502020204030204" pitchFamily="34" charset="0"/>
+              </a:defRPr>
+            </a:lvl4pPr>
+            <a:lvl5pPr marL="2057400" indent="-228600">
+              <a:lnSpc>
+                <a:spcPct val="90000"/>
+              </a:lnSpc>
+              <a:spcBef>
+                <a:spcPts val="500"/>
+              </a:spcBef>
+              <a:buFont typeface="Arial" panose="020B0604020202020204" pitchFamily="34" charset="0"/>
+              <a:buChar char="•"/>
+              <a:defRPr>
+                <a:solidFill>
+                  <a:schemeClr val="tx1"/>
+                </a:solidFill>
+                <a:latin typeface="Calibri" panose="020F0502020204030204" pitchFamily="34" charset="0"/>
+              </a:defRPr>
+            </a:lvl5pPr>
+            <a:lvl6pPr marL="2514600" indent="-228600" eaLnBrk="0" fontAlgn="base" hangingPunct="0">
+              <a:lnSpc>
+                <a:spcPct val="90000"/>
+              </a:lnSpc>
+              <a:spcBef>
+                <a:spcPts val="500"/>
+              </a:spcBef>
+              <a:spcAft>
+                <a:spcPct val="0"/>
+              </a:spcAft>
+              <a:buFont typeface="Arial" panose="020B0604020202020204" pitchFamily="34" charset="0"/>
+              <a:buChar char="•"/>
+              <a:defRPr>
+                <a:solidFill>
+                  <a:schemeClr val="tx1"/>
+                </a:solidFill>
+                <a:latin typeface="Calibri" panose="020F0502020204030204" pitchFamily="34" charset="0"/>
+              </a:defRPr>
+            </a:lvl6pPr>
+            <a:lvl7pPr marL="2971800" indent="-228600" eaLnBrk="0" fontAlgn="base" hangingPunct="0">
+              <a:lnSpc>
+                <a:spcPct val="90000"/>
+              </a:lnSpc>
+              <a:spcBef>
+                <a:spcPts val="500"/>
+              </a:spcBef>
+              <a:spcAft>
+                <a:spcPct val="0"/>
+              </a:spcAft>
+              <a:buFont typeface="Arial" panose="020B0604020202020204" pitchFamily="34" charset="0"/>
+              <a:buChar char="•"/>
+              <a:defRPr>
+                <a:solidFill>
+                  <a:schemeClr val="tx1"/>
+                </a:solidFill>
+                <a:latin typeface="Calibri" panose="020F0502020204030204" pitchFamily="34" charset="0"/>
+              </a:defRPr>
+            </a:lvl7pPr>
+            <a:lvl8pPr marL="3429000" indent="-228600" eaLnBrk="0" fontAlgn="base" hangingPunct="0">
+              <a:lnSpc>
+                <a:spcPct val="90000"/>
+              </a:lnSpc>
+              <a:spcBef>
+                <a:spcPts val="500"/>
+              </a:spcBef>
+              <a:spcAft>
+                <a:spcPct val="0"/>
+              </a:spcAft>
+              <a:buFont typeface="Arial" panose="020B0604020202020204" pitchFamily="34" charset="0"/>
+              <a:buChar char="•"/>
+              <a:defRPr>
+                <a:solidFill>
+                  <a:schemeClr val="tx1"/>
+                </a:solidFill>
+                <a:latin typeface="Calibri" panose="020F0502020204030204" pitchFamily="34" charset="0"/>
+              </a:defRPr>
+            </a:lvl8pPr>
+            <a:lvl9pPr marL="3886200" indent="-228600" eaLnBrk="0" fontAlgn="base" hangingPunct="0">
+              <a:lnSpc>
+                <a:spcPct val="90000"/>
+              </a:lnSpc>
+              <a:spcBef>
+                <a:spcPts val="500"/>
+              </a:spcBef>
+              <a:spcAft>
+                <a:spcPct val="0"/>
+              </a:spcAft>
+              <a:buFont typeface="Arial" panose="020B0604020202020204" pitchFamily="34" charset="0"/>
+              <a:buChar char="•"/>
+              <a:defRPr>
+                <a:solidFill>
+                  <a:schemeClr val="tx1"/>
+                </a:solidFill>
+                <a:latin typeface="Calibri" panose="020F0502020204030204" pitchFamily="34" charset="0"/>
+              </a:defRPr>
+            </a:lvl9pPr>
+          </a:lstStyle>
+          <a:p>
+            <a:pPr eaLnBrk="1" hangingPunct="1">
+              <a:lnSpc>
+                <a:spcPct val="100000"/>
+              </a:lnSpc>
+              <a:spcBef>
+                <a:spcPct val="0"/>
+              </a:spcBef>
+              <a:buFontTx/>
+              <a:buNone/>
+            </a:pPr>
+            <a:r>
+              <a:rPr lang="en-US" altLang="en-US" sz="4000" dirty="0"/>
+              <a:t>Thank You</a:t>
+            </a:r>
+          </a:p>
+        </p:txBody>
+      </p:sp>
+    </p:spTree>
+    <p:extLst>
+      <p:ext uri="{BB962C8B-B14F-4D97-AF65-F5344CB8AC3E}">
+        <p14:creationId xmlns:p14="http://schemas.microsoft.com/office/powerpoint/2010/main" val="2791261846"/>
+      </p:ext>
+    </p:extLst>
+  </p:cSld>
+  <p:clrMapOvr>
+    <a:masterClrMapping/>
+  </p:clrMapOvr>
+</p:sld>
+</file>
+
 <file path=ppt/slides/slide3.xml><?xml version="1.0" encoding="utf-8"?>
 <p:sld xmlns:a="http://schemas.openxmlformats.org/drawingml/2006/main" xmlns:r="http://schemas.openxmlformats.org/officeDocument/2006/relationships" xmlns:p="http://schemas.openxmlformats.org/presentationml/2006/main">
   <p:cSld>
@@ -22495,7 +22318,7 @@
           <p:cNvPr id="2" name="Straight Connector 1">
             <a:extLst>
               <a:ext uri="{FF2B5EF4-FFF2-40B4-BE49-F238E27FC236}">
-                <a16:creationId xmlns:a16="http://schemas.microsoft.com/office/drawing/2014/main" id="{8A92ECAE-0155-47C1-9739-0D367F25D427}"/>
+                <a16:creationId xmlns:a16="http://schemas.microsoft.com/office/drawing/2014/main" id="{987DDF53-38E3-4C36-BF04-985DEBD62AE7}"/>
               </a:ext>
             </a:extLst>
           </p:cNvPr>
@@ -22532,7 +22355,7 @@
           <p:cNvPr id="3" name="TextBox 3">
             <a:extLst>
               <a:ext uri="{FF2B5EF4-FFF2-40B4-BE49-F238E27FC236}">
-                <a16:creationId xmlns:a16="http://schemas.microsoft.com/office/drawing/2014/main" id="{B6C37F1A-D49B-4DF5-9273-3D5BAC5F25A4}"/>
+                <a16:creationId xmlns:a16="http://schemas.microsoft.com/office/drawing/2014/main" id="{7BF7FF8C-BB99-4853-8776-54A3A1F13E97}"/>
               </a:ext>
             </a:extLst>
           </p:cNvPr>
@@ -22543,8 +22366,8 @@
         </p:nvSpPr>
         <p:spPr bwMode="auto">
           <a:xfrm>
-            <a:off x="1727200" y="355600"/>
-            <a:ext cx="1668021" cy="707886"/>
+            <a:off x="1745307" y="153791"/>
+            <a:ext cx="5539593" cy="954107"/>
           </a:xfrm>
           <a:prstGeom prst="rect">
             <a:avLst/>
@@ -22748,363 +22571,9 @@
             </a:pPr>
             <a:r>
               <a:rPr lang="en-US" altLang="en-US" sz="4000" dirty="0"/>
-              <a:t>Results</a:t>
-            </a:r>
-          </a:p>
-        </p:txBody>
-      </p:sp>
-      <p:sp>
-        <p:nvSpPr>
-          <p:cNvPr id="4" name="TextBox 3">
-            <a:extLst>
-              <a:ext uri="{FF2B5EF4-FFF2-40B4-BE49-F238E27FC236}">
-                <a16:creationId xmlns:a16="http://schemas.microsoft.com/office/drawing/2014/main" id="{E8B9D310-4E9A-4001-9097-C60E64C555C3}"/>
-              </a:ext>
-            </a:extLst>
-          </p:cNvPr>
-          <p:cNvSpPr txBox="1"/>
-          <p:nvPr/>
-        </p:nvSpPr>
-        <p:spPr>
-          <a:xfrm>
-            <a:off x="823865" y="1828800"/>
-            <a:ext cx="10869963" cy="3046988"/>
-          </a:xfrm>
-          <a:prstGeom prst="rect">
-            <a:avLst/>
-          </a:prstGeom>
-          <a:noFill/>
-        </p:spPr>
-        <p:txBody>
-          <a:bodyPr wrap="none" rtlCol="0">
-            <a:spAutoFit/>
-          </a:bodyPr>
-          <a:lstStyle/>
-          <a:p>
-            <a:r>
-              <a:rPr lang="en-US" sz="2400" dirty="0"/>
-              <a:t>MES  – On a spatial grid with order-book bargaining (First Two Stages)</a:t>
-            </a:r>
-          </a:p>
-          <a:p>
-            <a:r>
-              <a:rPr lang="en-US" sz="2400" dirty="0"/>
-              <a:t>ZID    – Random Mover:  Does not do well on spatial grid.</a:t>
-            </a:r>
-          </a:p>
-          <a:p>
-            <a:r>
-              <a:rPr lang="en-US" sz="2400" dirty="0"/>
-              <a:t>ZIDA  – Stays when it contracts:  Does much better than ZID spatial grid.</a:t>
-            </a:r>
-          </a:p>
-          <a:p>
-            <a:r>
-              <a:rPr lang="en-US" sz="2400" dirty="0"/>
-              <a:t>ZIDP  – Takes best offer in order-book: Better (eff, rent-seeking) than ZID in small grids</a:t>
-            </a:r>
-          </a:p>
-          <a:p>
-            <a:r>
-              <a:rPr lang="en-US" sz="2400" dirty="0"/>
-              <a:t>ZIDPA – Combines ZIDA and ZIDP:  Not more efficient than ZIDA, but better rent seeker</a:t>
-            </a:r>
-          </a:p>
-          <a:p>
-            <a:r>
-              <a:rPr lang="en-US" sz="2400" dirty="0"/>
-              <a:t>ZIDR – Avoids crowds &gt; 2; does much worse (eff, rent-seeking) than ZIDA</a:t>
-            </a:r>
-          </a:p>
-          <a:p>
-            <a:r>
-              <a:rPr lang="en-US" sz="2400" dirty="0"/>
-              <a:t>ZIDPR – ZIDR &amp; ZIDP – Same Results for eff and rent-seeking</a:t>
-            </a:r>
-          </a:p>
-          <a:p>
-            <a:r>
-              <a:rPr lang="en-US" sz="2400" dirty="0"/>
-              <a:t>                                       - Pulls down eff disproportionately when combined with ZIDPR</a:t>
-            </a:r>
-          </a:p>
-        </p:txBody>
-      </p:sp>
-    </p:spTree>
-    <p:extLst>
-      <p:ext uri="{BB962C8B-B14F-4D97-AF65-F5344CB8AC3E}">
-        <p14:creationId xmlns:p14="http://schemas.microsoft.com/office/powerpoint/2010/main" val="3653599228"/>
-      </p:ext>
-    </p:extLst>
-  </p:cSld>
-  <p:clrMapOvr>
-    <a:masterClrMapping/>
-  </p:clrMapOvr>
-</p:sld>
-</file>
-
-<file path=ppt/slides/slide30.xml><?xml version="1.0" encoding="utf-8"?>
-<p:sld xmlns:a="http://schemas.openxmlformats.org/drawingml/2006/main" xmlns:r="http://schemas.openxmlformats.org/officeDocument/2006/relationships" xmlns:p="http://schemas.openxmlformats.org/presentationml/2006/main">
-  <p:cSld>
-    <p:spTree>
-      <p:nvGrpSpPr>
-        <p:cNvPr id="1" name=""/>
-        <p:cNvGrpSpPr/>
-        <p:nvPr/>
-      </p:nvGrpSpPr>
-      <p:grpSpPr>
-        <a:xfrm>
-          <a:off x="0" y="0"/>
-          <a:ext cx="0" cy="0"/>
-          <a:chOff x="0" y="0"/>
-          <a:chExt cx="0" cy="0"/>
-        </a:xfrm>
-      </p:grpSpPr>
-      <p:cxnSp>
-        <p:nvCxnSpPr>
-          <p:cNvPr id="4" name="Straight Connector 3">
-            <a:extLst>
-              <a:ext uri="{FF2B5EF4-FFF2-40B4-BE49-F238E27FC236}">
-                <a16:creationId xmlns:a16="http://schemas.microsoft.com/office/drawing/2014/main" id="{AA0F51F3-860C-43CA-87DE-5828DBD4E939}"/>
-              </a:ext>
-            </a:extLst>
-          </p:cNvPr>
-          <p:cNvCxnSpPr/>
-          <p:nvPr/>
-        </p:nvCxnSpPr>
-        <p:spPr>
-          <a:xfrm>
-            <a:off x="1569739" y="644666"/>
-            <a:ext cx="0" cy="690562"/>
-          </a:xfrm>
-          <a:prstGeom prst="line">
-            <a:avLst/>
-          </a:prstGeom>
-          <a:ln w="28575"/>
-        </p:spPr>
-        <p:style>
-          <a:lnRef idx="1">
-            <a:schemeClr val="accent1"/>
-          </a:lnRef>
-          <a:fillRef idx="0">
-            <a:schemeClr val="accent1"/>
-          </a:fillRef>
-          <a:effectRef idx="0">
-            <a:schemeClr val="accent1"/>
-          </a:effectRef>
-          <a:fontRef idx="minor">
-            <a:schemeClr val="tx1"/>
-          </a:fontRef>
-        </p:style>
-      </p:cxnSp>
-      <p:sp>
-        <p:nvSpPr>
-          <p:cNvPr id="6" name="TextBox 3">
-            <a:extLst>
-              <a:ext uri="{FF2B5EF4-FFF2-40B4-BE49-F238E27FC236}">
-                <a16:creationId xmlns:a16="http://schemas.microsoft.com/office/drawing/2014/main" id="{F9A846BF-64EF-4AF8-A119-476064F3EB43}"/>
-              </a:ext>
-            </a:extLst>
-          </p:cNvPr>
-          <p:cNvSpPr txBox="1">
-            <a:spLocks noChangeArrowheads="1"/>
-          </p:cNvSpPr>
-          <p:nvPr/>
-        </p:nvSpPr>
-        <p:spPr bwMode="auto">
-          <a:xfrm>
-            <a:off x="1763414" y="627203"/>
-            <a:ext cx="2318392" cy="707886"/>
-          </a:xfrm>
-          <a:prstGeom prst="rect">
-            <a:avLst/>
-          </a:prstGeom>
-          <a:noFill/>
-          <a:ln>
-            <a:noFill/>
-          </a:ln>
-          <a:extLst>
-            <a:ext uri="{909E8E84-426E-40DD-AFC4-6F175D3DCCD1}">
-              <a14:hiddenFill xmlns:a14="http://schemas.microsoft.com/office/drawing/2010/main">
-                <a:solidFill>
-                  <a:srgbClr val="FFFFFF"/>
-                </a:solidFill>
-              </a14:hiddenFill>
-            </a:ext>
-            <a:ext uri="{91240B29-F687-4F45-9708-019B960494DF}">
-              <a14:hiddenLine xmlns:a14="http://schemas.microsoft.com/office/drawing/2010/main" w="9525">
-                <a:solidFill>
-                  <a:srgbClr val="000000"/>
-                </a:solidFill>
-                <a:miter lim="800000"/>
-                <a:headEnd/>
-                <a:tailEnd/>
-              </a14:hiddenLine>
-            </a:ext>
-          </a:extLst>
-        </p:spPr>
-        <p:txBody>
-          <a:bodyPr wrap="none">
-            <a:spAutoFit/>
-          </a:bodyPr>
-          <a:lstStyle>
-            <a:lvl1pPr>
-              <a:lnSpc>
-                <a:spcPct val="90000"/>
-              </a:lnSpc>
-              <a:spcBef>
-                <a:spcPts val="1000"/>
-              </a:spcBef>
-              <a:buFont typeface="Arial" panose="020B0604020202020204" pitchFamily="34" charset="0"/>
-              <a:buChar char="•"/>
-              <a:defRPr sz="2800">
-                <a:solidFill>
-                  <a:schemeClr val="tx1"/>
-                </a:solidFill>
-                <a:latin typeface="Calibri" panose="020F0502020204030204" pitchFamily="34" charset="0"/>
-              </a:defRPr>
-            </a:lvl1pPr>
-            <a:lvl2pPr marL="742950" indent="-285750">
-              <a:lnSpc>
-                <a:spcPct val="90000"/>
-              </a:lnSpc>
-              <a:spcBef>
-                <a:spcPts val="500"/>
-              </a:spcBef>
-              <a:buFont typeface="Arial" panose="020B0604020202020204" pitchFamily="34" charset="0"/>
-              <a:buChar char="•"/>
-              <a:defRPr sz="2400">
-                <a:solidFill>
-                  <a:schemeClr val="tx1"/>
-                </a:solidFill>
-                <a:latin typeface="Calibri" panose="020F0502020204030204" pitchFamily="34" charset="0"/>
-              </a:defRPr>
-            </a:lvl2pPr>
-            <a:lvl3pPr marL="1143000" indent="-228600">
-              <a:lnSpc>
-                <a:spcPct val="90000"/>
-              </a:lnSpc>
-              <a:spcBef>
-                <a:spcPts val="500"/>
-              </a:spcBef>
-              <a:buFont typeface="Arial" panose="020B0604020202020204" pitchFamily="34" charset="0"/>
-              <a:buChar char="•"/>
-              <a:defRPr sz="2000">
-                <a:solidFill>
-                  <a:schemeClr val="tx1"/>
-                </a:solidFill>
-                <a:latin typeface="Calibri" panose="020F0502020204030204" pitchFamily="34" charset="0"/>
-              </a:defRPr>
-            </a:lvl3pPr>
-            <a:lvl4pPr marL="1600200" indent="-228600">
-              <a:lnSpc>
-                <a:spcPct val="90000"/>
-              </a:lnSpc>
-              <a:spcBef>
-                <a:spcPts val="500"/>
-              </a:spcBef>
-              <a:buFont typeface="Arial" panose="020B0604020202020204" pitchFamily="34" charset="0"/>
-              <a:buChar char="•"/>
-              <a:defRPr>
-                <a:solidFill>
-                  <a:schemeClr val="tx1"/>
-                </a:solidFill>
-                <a:latin typeface="Calibri" panose="020F0502020204030204" pitchFamily="34" charset="0"/>
-              </a:defRPr>
-            </a:lvl4pPr>
-            <a:lvl5pPr marL="2057400" indent="-228600">
-              <a:lnSpc>
-                <a:spcPct val="90000"/>
-              </a:lnSpc>
-              <a:spcBef>
-                <a:spcPts val="500"/>
-              </a:spcBef>
-              <a:buFont typeface="Arial" panose="020B0604020202020204" pitchFamily="34" charset="0"/>
-              <a:buChar char="•"/>
-              <a:defRPr>
-                <a:solidFill>
-                  <a:schemeClr val="tx1"/>
-                </a:solidFill>
-                <a:latin typeface="Calibri" panose="020F0502020204030204" pitchFamily="34" charset="0"/>
-              </a:defRPr>
-            </a:lvl5pPr>
-            <a:lvl6pPr marL="2514600" indent="-228600" eaLnBrk="0" fontAlgn="base" hangingPunct="0">
-              <a:lnSpc>
-                <a:spcPct val="90000"/>
-              </a:lnSpc>
-              <a:spcBef>
-                <a:spcPts val="500"/>
-              </a:spcBef>
-              <a:spcAft>
-                <a:spcPct val="0"/>
-              </a:spcAft>
-              <a:buFont typeface="Arial" panose="020B0604020202020204" pitchFamily="34" charset="0"/>
-              <a:buChar char="•"/>
-              <a:defRPr>
-                <a:solidFill>
-                  <a:schemeClr val="tx1"/>
-                </a:solidFill>
-                <a:latin typeface="Calibri" panose="020F0502020204030204" pitchFamily="34" charset="0"/>
-              </a:defRPr>
-            </a:lvl6pPr>
-            <a:lvl7pPr marL="2971800" indent="-228600" eaLnBrk="0" fontAlgn="base" hangingPunct="0">
-              <a:lnSpc>
-                <a:spcPct val="90000"/>
-              </a:lnSpc>
-              <a:spcBef>
-                <a:spcPts val="500"/>
-              </a:spcBef>
-              <a:spcAft>
-                <a:spcPct val="0"/>
-              </a:spcAft>
-              <a:buFont typeface="Arial" panose="020B0604020202020204" pitchFamily="34" charset="0"/>
-              <a:buChar char="•"/>
-              <a:defRPr>
-                <a:solidFill>
-                  <a:schemeClr val="tx1"/>
-                </a:solidFill>
-                <a:latin typeface="Calibri" panose="020F0502020204030204" pitchFamily="34" charset="0"/>
-              </a:defRPr>
-            </a:lvl7pPr>
-            <a:lvl8pPr marL="3429000" indent="-228600" eaLnBrk="0" fontAlgn="base" hangingPunct="0">
-              <a:lnSpc>
-                <a:spcPct val="90000"/>
-              </a:lnSpc>
-              <a:spcBef>
-                <a:spcPts val="500"/>
-              </a:spcBef>
-              <a:spcAft>
-                <a:spcPct val="0"/>
-              </a:spcAft>
-              <a:buFont typeface="Arial" panose="020B0604020202020204" pitchFamily="34" charset="0"/>
-              <a:buChar char="•"/>
-              <a:defRPr>
-                <a:solidFill>
-                  <a:schemeClr val="tx1"/>
-                </a:solidFill>
-                <a:latin typeface="Calibri" panose="020F0502020204030204" pitchFamily="34" charset="0"/>
-              </a:defRPr>
-            </a:lvl8pPr>
-            <a:lvl9pPr marL="3886200" indent="-228600" eaLnBrk="0" fontAlgn="base" hangingPunct="0">
-              <a:lnSpc>
-                <a:spcPct val="90000"/>
-              </a:lnSpc>
-              <a:spcBef>
-                <a:spcPts val="500"/>
-              </a:spcBef>
-              <a:spcAft>
-                <a:spcPct val="0"/>
-              </a:spcAft>
-              <a:buFont typeface="Arial" panose="020B0604020202020204" pitchFamily="34" charset="0"/>
-              <a:buChar char="•"/>
-              <a:defRPr>
-                <a:solidFill>
-                  <a:schemeClr val="tx1"/>
-                </a:solidFill>
-                <a:latin typeface="Calibri" panose="020F0502020204030204" pitchFamily="34" charset="0"/>
-              </a:defRPr>
-            </a:lvl9pPr>
-          </a:lstStyle>
+              <a:t>Our Model (Environment)</a:t>
+            </a:r>
+          </a:p>
           <a:p>
             <a:pPr eaLnBrk="1" hangingPunct="1">
               <a:lnSpc>
@@ -23117,303 +22586,17 @@
               <a:buNone/>
             </a:pPr>
             <a:r>
-              <a:rPr lang="en-US" altLang="en-US" sz="4000" dirty="0"/>
-              <a:t>Thank You</a:t>
-            </a:r>
-          </a:p>
-        </p:txBody>
-      </p:sp>
-    </p:spTree>
-    <p:extLst>
-      <p:ext uri="{BB962C8B-B14F-4D97-AF65-F5344CB8AC3E}">
-        <p14:creationId xmlns:p14="http://schemas.microsoft.com/office/powerpoint/2010/main" val="2791261846"/>
-      </p:ext>
-    </p:extLst>
-  </p:cSld>
-  <p:clrMapOvr>
-    <a:masterClrMapping/>
-  </p:clrMapOvr>
-</p:sld>
-</file>
-
-<file path=ppt/slides/slide4.xml><?xml version="1.0" encoding="utf-8"?>
-<p:sld xmlns:a="http://schemas.openxmlformats.org/drawingml/2006/main" xmlns:r="http://schemas.openxmlformats.org/officeDocument/2006/relationships" xmlns:p="http://schemas.openxmlformats.org/presentationml/2006/main">
-  <p:cSld>
-    <p:spTree>
-      <p:nvGrpSpPr>
-        <p:cNvPr id="1" name=""/>
-        <p:cNvGrpSpPr/>
-        <p:nvPr/>
-      </p:nvGrpSpPr>
-      <p:grpSpPr>
-        <a:xfrm>
-          <a:off x="0" y="0"/>
-          <a:ext cx="0" cy="0"/>
-          <a:chOff x="0" y="0"/>
-          <a:chExt cx="0" cy="0"/>
-        </a:xfrm>
-      </p:grpSpPr>
-      <p:cxnSp>
-        <p:nvCxnSpPr>
-          <p:cNvPr id="2" name="Straight Connector 1">
-            <a:extLst>
-              <a:ext uri="{FF2B5EF4-FFF2-40B4-BE49-F238E27FC236}">
-                <a16:creationId xmlns:a16="http://schemas.microsoft.com/office/drawing/2014/main" id="{987DDF53-38E3-4C36-BF04-985DEBD62AE7}"/>
-              </a:ext>
-            </a:extLst>
-          </p:cNvPr>
-          <p:cNvCxnSpPr/>
-          <p:nvPr/>
-        </p:nvCxnSpPr>
-        <p:spPr>
-          <a:xfrm>
-            <a:off x="1533525" y="373063"/>
-            <a:ext cx="0" cy="690562"/>
-          </a:xfrm>
-          <a:prstGeom prst="line">
-            <a:avLst/>
-          </a:prstGeom>
-          <a:ln w="28575"/>
-        </p:spPr>
-        <p:style>
-          <a:lnRef idx="1">
-            <a:schemeClr val="accent1"/>
-          </a:lnRef>
-          <a:fillRef idx="0">
-            <a:schemeClr val="accent1"/>
-          </a:fillRef>
-          <a:effectRef idx="0">
-            <a:schemeClr val="accent1"/>
-          </a:effectRef>
-          <a:fontRef idx="minor">
-            <a:schemeClr val="tx1"/>
-          </a:fontRef>
-        </p:style>
-      </p:cxnSp>
-      <p:sp>
-        <p:nvSpPr>
-          <p:cNvPr id="3" name="TextBox 3">
-            <a:extLst>
-              <a:ext uri="{FF2B5EF4-FFF2-40B4-BE49-F238E27FC236}">
-                <a16:creationId xmlns:a16="http://schemas.microsoft.com/office/drawing/2014/main" id="{7BF7FF8C-BB99-4853-8776-54A3A1F13E97}"/>
-              </a:ext>
-            </a:extLst>
-          </p:cNvPr>
-          <p:cNvSpPr txBox="1">
-            <a:spLocks noChangeArrowheads="1"/>
-          </p:cNvSpPr>
-          <p:nvPr/>
-        </p:nvSpPr>
-        <p:spPr bwMode="auto">
-          <a:xfrm>
-            <a:off x="1727200" y="355600"/>
-            <a:ext cx="5539593" cy="707886"/>
-          </a:xfrm>
-          <a:prstGeom prst="rect">
-            <a:avLst/>
-          </a:prstGeom>
-          <a:noFill/>
-          <a:ln>
-            <a:noFill/>
-          </a:ln>
-          <a:extLst>
-            <a:ext uri="{909E8E84-426E-40DD-AFC4-6F175D3DCCD1}">
-              <a14:hiddenFill xmlns:a14="http://schemas.microsoft.com/office/drawing/2010/main">
-                <a:solidFill>
-                  <a:srgbClr val="FFFFFF"/>
-                </a:solidFill>
-              </a14:hiddenFill>
-            </a:ext>
-            <a:ext uri="{91240B29-F687-4F45-9708-019B960494DF}">
-              <a14:hiddenLine xmlns:a14="http://schemas.microsoft.com/office/drawing/2010/main" w="9525">
-                <a:solidFill>
-                  <a:srgbClr val="000000"/>
-                </a:solidFill>
-                <a:miter lim="800000"/>
-                <a:headEnd/>
-                <a:tailEnd/>
-              </a14:hiddenLine>
-            </a:ext>
-          </a:extLst>
-        </p:spPr>
-        <p:txBody>
-          <a:bodyPr wrap="none">
-            <a:spAutoFit/>
-          </a:bodyPr>
-          <a:lstStyle>
-            <a:lvl1pPr>
-              <a:lnSpc>
-                <a:spcPct val="90000"/>
-              </a:lnSpc>
-              <a:spcBef>
-                <a:spcPts val="1000"/>
-              </a:spcBef>
-              <a:buFont typeface="Arial" panose="020B0604020202020204" pitchFamily="34" charset="0"/>
-              <a:buChar char="•"/>
-              <a:defRPr sz="2800">
-                <a:solidFill>
-                  <a:schemeClr val="tx1"/>
-                </a:solidFill>
-                <a:latin typeface="Calibri" panose="020F0502020204030204" pitchFamily="34" charset="0"/>
-              </a:defRPr>
-            </a:lvl1pPr>
-            <a:lvl2pPr marL="742950" indent="-285750">
-              <a:lnSpc>
-                <a:spcPct val="90000"/>
-              </a:lnSpc>
-              <a:spcBef>
-                <a:spcPts val="500"/>
-              </a:spcBef>
-              <a:buFont typeface="Arial" panose="020B0604020202020204" pitchFamily="34" charset="0"/>
-              <a:buChar char="•"/>
-              <a:defRPr sz="2400">
-                <a:solidFill>
-                  <a:schemeClr val="tx1"/>
-                </a:solidFill>
-                <a:latin typeface="Calibri" panose="020F0502020204030204" pitchFamily="34" charset="0"/>
-              </a:defRPr>
-            </a:lvl2pPr>
-            <a:lvl3pPr marL="1143000" indent="-228600">
-              <a:lnSpc>
-                <a:spcPct val="90000"/>
-              </a:lnSpc>
-              <a:spcBef>
-                <a:spcPts val="500"/>
-              </a:spcBef>
-              <a:buFont typeface="Arial" panose="020B0604020202020204" pitchFamily="34" charset="0"/>
-              <a:buChar char="•"/>
-              <a:defRPr sz="2000">
-                <a:solidFill>
-                  <a:schemeClr val="tx1"/>
-                </a:solidFill>
-                <a:latin typeface="Calibri" panose="020F0502020204030204" pitchFamily="34" charset="0"/>
-              </a:defRPr>
-            </a:lvl3pPr>
-            <a:lvl4pPr marL="1600200" indent="-228600">
-              <a:lnSpc>
-                <a:spcPct val="90000"/>
-              </a:lnSpc>
-              <a:spcBef>
-                <a:spcPts val="500"/>
-              </a:spcBef>
-              <a:buFont typeface="Arial" panose="020B0604020202020204" pitchFamily="34" charset="0"/>
-              <a:buChar char="•"/>
-              <a:defRPr>
-                <a:solidFill>
-                  <a:schemeClr val="tx1"/>
-                </a:solidFill>
-                <a:latin typeface="Calibri" panose="020F0502020204030204" pitchFamily="34" charset="0"/>
-              </a:defRPr>
-            </a:lvl4pPr>
-            <a:lvl5pPr marL="2057400" indent="-228600">
-              <a:lnSpc>
-                <a:spcPct val="90000"/>
-              </a:lnSpc>
-              <a:spcBef>
-                <a:spcPts val="500"/>
-              </a:spcBef>
-              <a:buFont typeface="Arial" panose="020B0604020202020204" pitchFamily="34" charset="0"/>
-              <a:buChar char="•"/>
-              <a:defRPr>
-                <a:solidFill>
-                  <a:schemeClr val="tx1"/>
-                </a:solidFill>
-                <a:latin typeface="Calibri" panose="020F0502020204030204" pitchFamily="34" charset="0"/>
-              </a:defRPr>
-            </a:lvl5pPr>
-            <a:lvl6pPr marL="2514600" indent="-228600" eaLnBrk="0" fontAlgn="base" hangingPunct="0">
-              <a:lnSpc>
-                <a:spcPct val="90000"/>
-              </a:lnSpc>
-              <a:spcBef>
-                <a:spcPts val="500"/>
-              </a:spcBef>
-              <a:spcAft>
-                <a:spcPct val="0"/>
-              </a:spcAft>
-              <a:buFont typeface="Arial" panose="020B0604020202020204" pitchFamily="34" charset="0"/>
-              <a:buChar char="•"/>
-              <a:defRPr>
-                <a:solidFill>
-                  <a:schemeClr val="tx1"/>
-                </a:solidFill>
-                <a:latin typeface="Calibri" panose="020F0502020204030204" pitchFamily="34" charset="0"/>
-              </a:defRPr>
-            </a:lvl6pPr>
-            <a:lvl7pPr marL="2971800" indent="-228600" eaLnBrk="0" fontAlgn="base" hangingPunct="0">
-              <a:lnSpc>
-                <a:spcPct val="90000"/>
-              </a:lnSpc>
-              <a:spcBef>
-                <a:spcPts val="500"/>
-              </a:spcBef>
-              <a:spcAft>
-                <a:spcPct val="0"/>
-              </a:spcAft>
-              <a:buFont typeface="Arial" panose="020B0604020202020204" pitchFamily="34" charset="0"/>
-              <a:buChar char="•"/>
-              <a:defRPr>
-                <a:solidFill>
-                  <a:schemeClr val="tx1"/>
-                </a:solidFill>
-                <a:latin typeface="Calibri" panose="020F0502020204030204" pitchFamily="34" charset="0"/>
-              </a:defRPr>
-            </a:lvl7pPr>
-            <a:lvl8pPr marL="3429000" indent="-228600" eaLnBrk="0" fontAlgn="base" hangingPunct="0">
-              <a:lnSpc>
-                <a:spcPct val="90000"/>
-              </a:lnSpc>
-              <a:spcBef>
-                <a:spcPts val="500"/>
-              </a:spcBef>
-              <a:spcAft>
-                <a:spcPct val="0"/>
-              </a:spcAft>
-              <a:buFont typeface="Arial" panose="020B0604020202020204" pitchFamily="34" charset="0"/>
-              <a:buChar char="•"/>
-              <a:defRPr>
-                <a:solidFill>
-                  <a:schemeClr val="tx1"/>
-                </a:solidFill>
-                <a:latin typeface="Calibri" panose="020F0502020204030204" pitchFamily="34" charset="0"/>
-              </a:defRPr>
-            </a:lvl8pPr>
-            <a:lvl9pPr marL="3886200" indent="-228600" eaLnBrk="0" fontAlgn="base" hangingPunct="0">
-              <a:lnSpc>
-                <a:spcPct val="90000"/>
-              </a:lnSpc>
-              <a:spcBef>
-                <a:spcPts val="500"/>
-              </a:spcBef>
-              <a:spcAft>
-                <a:spcPct val="0"/>
-              </a:spcAft>
-              <a:buFont typeface="Arial" panose="020B0604020202020204" pitchFamily="34" charset="0"/>
-              <a:buChar char="•"/>
-              <a:defRPr>
-                <a:solidFill>
-                  <a:schemeClr val="tx1"/>
-                </a:solidFill>
-                <a:latin typeface="Calibri" panose="020F0502020204030204" pitchFamily="34" charset="0"/>
-              </a:defRPr>
-            </a:lvl9pPr>
-          </a:lstStyle>
-          <a:p>
-            <a:pPr eaLnBrk="1" hangingPunct="1">
-              <a:lnSpc>
-                <a:spcPct val="100000"/>
-              </a:lnSpc>
-              <a:spcBef>
-                <a:spcPct val="0"/>
-              </a:spcBef>
-              <a:buFontTx/>
-              <a:buNone/>
-            </a:pPr>
-            <a:r>
-              <a:rPr lang="en-US" altLang="en-US" sz="4000"/>
-              <a:t>Our Model (Environment)</a:t>
-            </a:r>
-            <a:endParaRPr lang="en-US" altLang="en-US" sz="4000" dirty="0"/>
+              <a:rPr lang="en-US" altLang="en-US" sz="1600" dirty="0"/>
+              <a:t>Gode and Sunder ZI – BC; Axtell and Epstein – </a:t>
+            </a:r>
+            <a:r>
+              <a:rPr lang="en-US" altLang="en-US" sz="1600" dirty="0" err="1"/>
+              <a:t>Sugarscape</a:t>
+            </a:r>
+            <a:r>
+              <a:rPr lang="en-US" altLang="en-US" sz="1600" dirty="0"/>
+              <a:t> </a:t>
+            </a:r>
           </a:p>
         </p:txBody>
       </p:sp>
@@ -23490,7 +22673,1509 @@
 </p:sld>
 </file>
 
-<file path=ppt/slides/slide5.xml><?xml version="1.0" encoding="utf-8"?>
+<file path=ppt/slides/slide30.xml><?xml version="1.0" encoding="utf-8"?>
+<p:sld xmlns:a="http://schemas.openxmlformats.org/drawingml/2006/main" xmlns:r="http://schemas.openxmlformats.org/officeDocument/2006/relationships" xmlns:p="http://schemas.openxmlformats.org/presentationml/2006/main">
+  <p:cSld>
+    <p:spTree>
+      <p:nvGrpSpPr>
+        <p:cNvPr id="1" name=""/>
+        <p:cNvGrpSpPr/>
+        <p:nvPr/>
+      </p:nvGrpSpPr>
+      <p:grpSpPr>
+        <a:xfrm>
+          <a:off x="0" y="0"/>
+          <a:ext cx="0" cy="0"/>
+          <a:chOff x="0" y="0"/>
+          <a:chExt cx="0" cy="0"/>
+        </a:xfrm>
+      </p:grpSpPr>
+      <p:cxnSp>
+        <p:nvCxnSpPr>
+          <p:cNvPr id="2" name="Straight Connector 1">
+            <a:extLst>
+              <a:ext uri="{FF2B5EF4-FFF2-40B4-BE49-F238E27FC236}">
+                <a16:creationId xmlns:a16="http://schemas.microsoft.com/office/drawing/2014/main" id="{8A92ECAE-0155-47C1-9739-0D367F25D427}"/>
+              </a:ext>
+            </a:extLst>
+          </p:cNvPr>
+          <p:cNvCxnSpPr/>
+          <p:nvPr/>
+        </p:nvCxnSpPr>
+        <p:spPr>
+          <a:xfrm>
+            <a:off x="1533525" y="373063"/>
+            <a:ext cx="0" cy="690562"/>
+          </a:xfrm>
+          <a:prstGeom prst="line">
+            <a:avLst/>
+          </a:prstGeom>
+          <a:ln w="28575"/>
+        </p:spPr>
+        <p:style>
+          <a:lnRef idx="1">
+            <a:schemeClr val="accent1"/>
+          </a:lnRef>
+          <a:fillRef idx="0">
+            <a:schemeClr val="accent1"/>
+          </a:fillRef>
+          <a:effectRef idx="0">
+            <a:schemeClr val="accent1"/>
+          </a:effectRef>
+          <a:fontRef idx="minor">
+            <a:schemeClr val="tx1"/>
+          </a:fontRef>
+        </p:style>
+      </p:cxnSp>
+      <p:sp>
+        <p:nvSpPr>
+          <p:cNvPr id="3" name="TextBox 3">
+            <a:extLst>
+              <a:ext uri="{FF2B5EF4-FFF2-40B4-BE49-F238E27FC236}">
+                <a16:creationId xmlns:a16="http://schemas.microsoft.com/office/drawing/2014/main" id="{B6C37F1A-D49B-4DF5-9273-3D5BAC5F25A4}"/>
+              </a:ext>
+            </a:extLst>
+          </p:cNvPr>
+          <p:cNvSpPr txBox="1">
+            <a:spLocks noChangeArrowheads="1"/>
+          </p:cNvSpPr>
+          <p:nvPr/>
+        </p:nvSpPr>
+        <p:spPr bwMode="auto">
+          <a:xfrm>
+            <a:off x="1727200" y="355600"/>
+            <a:ext cx="1668021" cy="707886"/>
+          </a:xfrm>
+          <a:prstGeom prst="rect">
+            <a:avLst/>
+          </a:prstGeom>
+          <a:noFill/>
+          <a:ln>
+            <a:noFill/>
+          </a:ln>
+          <a:extLst>
+            <a:ext uri="{909E8E84-426E-40DD-AFC4-6F175D3DCCD1}">
+              <a14:hiddenFill xmlns:a14="http://schemas.microsoft.com/office/drawing/2010/main">
+                <a:solidFill>
+                  <a:srgbClr val="FFFFFF"/>
+                </a:solidFill>
+              </a14:hiddenFill>
+            </a:ext>
+            <a:ext uri="{91240B29-F687-4F45-9708-019B960494DF}">
+              <a14:hiddenLine xmlns:a14="http://schemas.microsoft.com/office/drawing/2010/main" w="9525">
+                <a:solidFill>
+                  <a:srgbClr val="000000"/>
+                </a:solidFill>
+                <a:miter lim="800000"/>
+                <a:headEnd/>
+                <a:tailEnd/>
+              </a14:hiddenLine>
+            </a:ext>
+          </a:extLst>
+        </p:spPr>
+        <p:txBody>
+          <a:bodyPr wrap="none">
+            <a:spAutoFit/>
+          </a:bodyPr>
+          <a:lstStyle>
+            <a:lvl1pPr>
+              <a:lnSpc>
+                <a:spcPct val="90000"/>
+              </a:lnSpc>
+              <a:spcBef>
+                <a:spcPts val="1000"/>
+              </a:spcBef>
+              <a:buFont typeface="Arial" panose="020B0604020202020204" pitchFamily="34" charset="0"/>
+              <a:buChar char="•"/>
+              <a:defRPr sz="2800">
+                <a:solidFill>
+                  <a:schemeClr val="tx1"/>
+                </a:solidFill>
+                <a:latin typeface="Calibri" panose="020F0502020204030204" pitchFamily="34" charset="0"/>
+              </a:defRPr>
+            </a:lvl1pPr>
+            <a:lvl2pPr marL="742950" indent="-285750">
+              <a:lnSpc>
+                <a:spcPct val="90000"/>
+              </a:lnSpc>
+              <a:spcBef>
+                <a:spcPts val="500"/>
+              </a:spcBef>
+              <a:buFont typeface="Arial" panose="020B0604020202020204" pitchFamily="34" charset="0"/>
+              <a:buChar char="•"/>
+              <a:defRPr sz="2400">
+                <a:solidFill>
+                  <a:schemeClr val="tx1"/>
+                </a:solidFill>
+                <a:latin typeface="Calibri" panose="020F0502020204030204" pitchFamily="34" charset="0"/>
+              </a:defRPr>
+            </a:lvl2pPr>
+            <a:lvl3pPr marL="1143000" indent="-228600">
+              <a:lnSpc>
+                <a:spcPct val="90000"/>
+              </a:lnSpc>
+              <a:spcBef>
+                <a:spcPts val="500"/>
+              </a:spcBef>
+              <a:buFont typeface="Arial" panose="020B0604020202020204" pitchFamily="34" charset="0"/>
+              <a:buChar char="•"/>
+              <a:defRPr sz="2000">
+                <a:solidFill>
+                  <a:schemeClr val="tx1"/>
+                </a:solidFill>
+                <a:latin typeface="Calibri" panose="020F0502020204030204" pitchFamily="34" charset="0"/>
+              </a:defRPr>
+            </a:lvl3pPr>
+            <a:lvl4pPr marL="1600200" indent="-228600">
+              <a:lnSpc>
+                <a:spcPct val="90000"/>
+              </a:lnSpc>
+              <a:spcBef>
+                <a:spcPts val="500"/>
+              </a:spcBef>
+              <a:buFont typeface="Arial" panose="020B0604020202020204" pitchFamily="34" charset="0"/>
+              <a:buChar char="•"/>
+              <a:defRPr>
+                <a:solidFill>
+                  <a:schemeClr val="tx1"/>
+                </a:solidFill>
+                <a:latin typeface="Calibri" panose="020F0502020204030204" pitchFamily="34" charset="0"/>
+              </a:defRPr>
+            </a:lvl4pPr>
+            <a:lvl5pPr marL="2057400" indent="-228600">
+              <a:lnSpc>
+                <a:spcPct val="90000"/>
+              </a:lnSpc>
+              <a:spcBef>
+                <a:spcPts val="500"/>
+              </a:spcBef>
+              <a:buFont typeface="Arial" panose="020B0604020202020204" pitchFamily="34" charset="0"/>
+              <a:buChar char="•"/>
+              <a:defRPr>
+                <a:solidFill>
+                  <a:schemeClr val="tx1"/>
+                </a:solidFill>
+                <a:latin typeface="Calibri" panose="020F0502020204030204" pitchFamily="34" charset="0"/>
+              </a:defRPr>
+            </a:lvl5pPr>
+            <a:lvl6pPr marL="2514600" indent="-228600" eaLnBrk="0" fontAlgn="base" hangingPunct="0">
+              <a:lnSpc>
+                <a:spcPct val="90000"/>
+              </a:lnSpc>
+              <a:spcBef>
+                <a:spcPts val="500"/>
+              </a:spcBef>
+              <a:spcAft>
+                <a:spcPct val="0"/>
+              </a:spcAft>
+              <a:buFont typeface="Arial" panose="020B0604020202020204" pitchFamily="34" charset="0"/>
+              <a:buChar char="•"/>
+              <a:defRPr>
+                <a:solidFill>
+                  <a:schemeClr val="tx1"/>
+                </a:solidFill>
+                <a:latin typeface="Calibri" panose="020F0502020204030204" pitchFamily="34" charset="0"/>
+              </a:defRPr>
+            </a:lvl6pPr>
+            <a:lvl7pPr marL="2971800" indent="-228600" eaLnBrk="0" fontAlgn="base" hangingPunct="0">
+              <a:lnSpc>
+                <a:spcPct val="90000"/>
+              </a:lnSpc>
+              <a:spcBef>
+                <a:spcPts val="500"/>
+              </a:spcBef>
+              <a:spcAft>
+                <a:spcPct val="0"/>
+              </a:spcAft>
+              <a:buFont typeface="Arial" panose="020B0604020202020204" pitchFamily="34" charset="0"/>
+              <a:buChar char="•"/>
+              <a:defRPr>
+                <a:solidFill>
+                  <a:schemeClr val="tx1"/>
+                </a:solidFill>
+                <a:latin typeface="Calibri" panose="020F0502020204030204" pitchFamily="34" charset="0"/>
+              </a:defRPr>
+            </a:lvl7pPr>
+            <a:lvl8pPr marL="3429000" indent="-228600" eaLnBrk="0" fontAlgn="base" hangingPunct="0">
+              <a:lnSpc>
+                <a:spcPct val="90000"/>
+              </a:lnSpc>
+              <a:spcBef>
+                <a:spcPts val="500"/>
+              </a:spcBef>
+              <a:spcAft>
+                <a:spcPct val="0"/>
+              </a:spcAft>
+              <a:buFont typeface="Arial" panose="020B0604020202020204" pitchFamily="34" charset="0"/>
+              <a:buChar char="•"/>
+              <a:defRPr>
+                <a:solidFill>
+                  <a:schemeClr val="tx1"/>
+                </a:solidFill>
+                <a:latin typeface="Calibri" panose="020F0502020204030204" pitchFamily="34" charset="0"/>
+              </a:defRPr>
+            </a:lvl8pPr>
+            <a:lvl9pPr marL="3886200" indent="-228600" eaLnBrk="0" fontAlgn="base" hangingPunct="0">
+              <a:lnSpc>
+                <a:spcPct val="90000"/>
+              </a:lnSpc>
+              <a:spcBef>
+                <a:spcPts val="500"/>
+              </a:spcBef>
+              <a:spcAft>
+                <a:spcPct val="0"/>
+              </a:spcAft>
+              <a:buFont typeface="Arial" panose="020B0604020202020204" pitchFamily="34" charset="0"/>
+              <a:buChar char="•"/>
+              <a:defRPr>
+                <a:solidFill>
+                  <a:schemeClr val="tx1"/>
+                </a:solidFill>
+                <a:latin typeface="Calibri" panose="020F0502020204030204" pitchFamily="34" charset="0"/>
+              </a:defRPr>
+            </a:lvl9pPr>
+          </a:lstStyle>
+          <a:p>
+            <a:pPr eaLnBrk="1" hangingPunct="1">
+              <a:lnSpc>
+                <a:spcPct val="100000"/>
+              </a:lnSpc>
+              <a:spcBef>
+                <a:spcPct val="0"/>
+              </a:spcBef>
+              <a:buFontTx/>
+              <a:buNone/>
+            </a:pPr>
+            <a:r>
+              <a:rPr lang="en-US" altLang="en-US" sz="4000" dirty="0"/>
+              <a:t>Results</a:t>
+            </a:r>
+          </a:p>
+        </p:txBody>
+      </p:sp>
+      <p:sp>
+        <p:nvSpPr>
+          <p:cNvPr id="4" name="TextBox 3">
+            <a:extLst>
+              <a:ext uri="{FF2B5EF4-FFF2-40B4-BE49-F238E27FC236}">
+                <a16:creationId xmlns:a16="http://schemas.microsoft.com/office/drawing/2014/main" id="{E8B9D310-4E9A-4001-9097-C60E64C555C3}"/>
+              </a:ext>
+            </a:extLst>
+          </p:cNvPr>
+          <p:cNvSpPr txBox="1"/>
+          <p:nvPr/>
+        </p:nvSpPr>
+        <p:spPr>
+          <a:xfrm>
+            <a:off x="823865" y="1828800"/>
+            <a:ext cx="10869963" cy="3046988"/>
+          </a:xfrm>
+          <a:prstGeom prst="rect">
+            <a:avLst/>
+          </a:prstGeom>
+          <a:noFill/>
+        </p:spPr>
+        <p:txBody>
+          <a:bodyPr wrap="none" rtlCol="0">
+            <a:spAutoFit/>
+          </a:bodyPr>
+          <a:lstStyle/>
+          <a:p>
+            <a:r>
+              <a:rPr lang="en-US" sz="2400" dirty="0"/>
+              <a:t>MES  – On a spatial grid with order-book bargaining (First Two Stages)</a:t>
+            </a:r>
+          </a:p>
+          <a:p>
+            <a:r>
+              <a:rPr lang="en-US" sz="2400" dirty="0"/>
+              <a:t>ZID    – Random Mover:  Does not do well on spatial grid.</a:t>
+            </a:r>
+          </a:p>
+          <a:p>
+            <a:r>
+              <a:rPr lang="en-US" sz="2400" dirty="0"/>
+              <a:t>ZIDA  – Stays when it contracts:  Does much better than ZID spatial grid.</a:t>
+            </a:r>
+          </a:p>
+          <a:p>
+            <a:r>
+              <a:rPr lang="en-US" sz="2400" dirty="0"/>
+              <a:t>ZIDP  – Takes best offer in order-book: Better (eff, rent-seeking) than ZID in small grids</a:t>
+            </a:r>
+          </a:p>
+          <a:p>
+            <a:r>
+              <a:rPr lang="en-US" sz="2400" dirty="0"/>
+              <a:t>ZIDPA – Combines ZIDA and ZIDP:  Not more efficient than ZIDA, but better rent seeker</a:t>
+            </a:r>
+          </a:p>
+          <a:p>
+            <a:r>
+              <a:rPr lang="en-US" sz="2400" dirty="0"/>
+              <a:t>ZIDR – Avoids crowds &gt; 2; does much worse (eff, rent-seeking) than ZIDA</a:t>
+            </a:r>
+          </a:p>
+          <a:p>
+            <a:r>
+              <a:rPr lang="en-US" sz="2400" dirty="0"/>
+              <a:t>ZIDPR – ZIDR &amp; ZIDP – Same Results for eff and rent-seeking</a:t>
+            </a:r>
+          </a:p>
+          <a:p>
+            <a:r>
+              <a:rPr lang="en-US" sz="2400" dirty="0"/>
+              <a:t>                                       - Pulls down eff disproportionately when combined with ZIDPR</a:t>
+            </a:r>
+          </a:p>
+        </p:txBody>
+      </p:sp>
+    </p:spTree>
+    <p:extLst>
+      <p:ext uri="{BB962C8B-B14F-4D97-AF65-F5344CB8AC3E}">
+        <p14:creationId xmlns:p14="http://schemas.microsoft.com/office/powerpoint/2010/main" val="3653599228"/>
+      </p:ext>
+    </p:extLst>
+  </p:cSld>
+  <p:clrMapOvr>
+    <a:masterClrMapping/>
+  </p:clrMapOvr>
+</p:sld>
+</file>
+
+<file path=ppt/slides/slide31.xml><?xml version="1.0" encoding="utf-8"?>
+<p:sld xmlns:a="http://schemas.openxmlformats.org/drawingml/2006/main" xmlns:r="http://schemas.openxmlformats.org/officeDocument/2006/relationships" xmlns:p="http://schemas.openxmlformats.org/presentationml/2006/main">
+  <p:cSld>
+    <p:spTree>
+      <p:nvGrpSpPr>
+        <p:cNvPr id="1" name=""/>
+        <p:cNvGrpSpPr/>
+        <p:nvPr/>
+      </p:nvGrpSpPr>
+      <p:grpSpPr>
+        <a:xfrm>
+          <a:off x="0" y="0"/>
+          <a:ext cx="0" cy="0"/>
+          <a:chOff x="0" y="0"/>
+          <a:chExt cx="0" cy="0"/>
+        </a:xfrm>
+      </p:grpSpPr>
+      <p:grpSp>
+        <p:nvGrpSpPr>
+          <p:cNvPr id="2" name="Group 1">
+            <a:extLst>
+              <a:ext uri="{FF2B5EF4-FFF2-40B4-BE49-F238E27FC236}">
+                <a16:creationId xmlns:a16="http://schemas.microsoft.com/office/drawing/2014/main" id="{DAB1904F-5652-4D0C-85BA-7374593FCA2D}"/>
+              </a:ext>
+            </a:extLst>
+          </p:cNvPr>
+          <p:cNvGrpSpPr/>
+          <p:nvPr/>
+        </p:nvGrpSpPr>
+        <p:grpSpPr>
+          <a:xfrm>
+            <a:off x="1879199" y="230130"/>
+            <a:ext cx="2453640" cy="369332"/>
+            <a:chOff x="7528560" y="1239758"/>
+            <a:chExt cx="2453640" cy="369332"/>
+          </a:xfrm>
+        </p:grpSpPr>
+        <p:sp>
+          <p:nvSpPr>
+            <p:cNvPr id="3" name="Rectangle 2">
+              <a:extLst>
+                <a:ext uri="{FF2B5EF4-FFF2-40B4-BE49-F238E27FC236}">
+                  <a16:creationId xmlns:a16="http://schemas.microsoft.com/office/drawing/2014/main" id="{34D809EA-320A-4C6A-A5F0-9A69F6A85D9A}"/>
+                </a:ext>
+              </a:extLst>
+            </p:cNvPr>
+            <p:cNvSpPr/>
+            <p:nvPr/>
+          </p:nvSpPr>
+          <p:spPr>
+            <a:xfrm>
+              <a:off x="7559040" y="1292860"/>
+              <a:ext cx="2423160" cy="285750"/>
+            </a:xfrm>
+            <a:prstGeom prst="rect">
+              <a:avLst/>
+            </a:prstGeom>
+            <a:noFill/>
+            <a:ln w="38100"/>
+          </p:spPr>
+          <p:style>
+            <a:lnRef idx="2">
+              <a:schemeClr val="accent1">
+                <a:shade val="50000"/>
+              </a:schemeClr>
+            </a:lnRef>
+            <a:fillRef idx="1">
+              <a:schemeClr val="accent1"/>
+            </a:fillRef>
+            <a:effectRef idx="0">
+              <a:schemeClr val="accent1"/>
+            </a:effectRef>
+            <a:fontRef idx="minor">
+              <a:schemeClr val="lt1"/>
+            </a:fontRef>
+          </p:style>
+          <p:txBody>
+            <a:bodyPr rtlCol="0" anchor="ctr"/>
+            <a:lstStyle/>
+            <a:p>
+              <a:pPr algn="ctr"/>
+              <a:endParaRPr lang="en-US"/>
+            </a:p>
+          </p:txBody>
+        </p:sp>
+        <p:sp>
+          <p:nvSpPr>
+            <p:cNvPr id="4" name="TextBox 3">
+              <a:extLst>
+                <a:ext uri="{FF2B5EF4-FFF2-40B4-BE49-F238E27FC236}">
+                  <a16:creationId xmlns:a16="http://schemas.microsoft.com/office/drawing/2014/main" id="{0CBDE5D9-AAAD-4ADF-864F-DF7026C100F5}"/>
+                </a:ext>
+              </a:extLst>
+            </p:cNvPr>
+            <p:cNvSpPr txBox="1"/>
+            <p:nvPr/>
+          </p:nvSpPr>
+          <p:spPr>
+            <a:xfrm>
+              <a:off x="7528560" y="1239758"/>
+              <a:ext cx="1584216" cy="369332"/>
+            </a:xfrm>
+            <a:prstGeom prst="rect">
+              <a:avLst/>
+            </a:prstGeom>
+            <a:noFill/>
+          </p:spPr>
+          <p:txBody>
+            <a:bodyPr wrap="none" rtlCol="0">
+              <a:spAutoFit/>
+            </a:bodyPr>
+            <a:lstStyle/>
+            <a:p>
+              <a:r>
+                <a:rPr lang="en-US" dirty="0"/>
+                <a:t>Trial Loop: trial</a:t>
+              </a:r>
+            </a:p>
+          </p:txBody>
+        </p:sp>
+      </p:grpSp>
+      <p:grpSp>
+        <p:nvGrpSpPr>
+          <p:cNvPr id="5" name="Group 4">
+            <a:extLst>
+              <a:ext uri="{FF2B5EF4-FFF2-40B4-BE49-F238E27FC236}">
+                <a16:creationId xmlns:a16="http://schemas.microsoft.com/office/drawing/2014/main" id="{865816D2-4ED9-4BA8-BD07-37D51346E260}"/>
+              </a:ext>
+            </a:extLst>
+          </p:cNvPr>
+          <p:cNvGrpSpPr/>
+          <p:nvPr/>
+        </p:nvGrpSpPr>
+        <p:grpSpPr>
+          <a:xfrm>
+            <a:off x="2339419" y="648635"/>
+            <a:ext cx="2862835" cy="369332"/>
+            <a:chOff x="7528560" y="1239758"/>
+            <a:chExt cx="2667145" cy="369332"/>
+          </a:xfrm>
+          <a:solidFill>
+            <a:schemeClr val="accent2">
+              <a:lumMod val="20000"/>
+              <a:lumOff val="80000"/>
+            </a:schemeClr>
+          </a:solidFill>
+        </p:grpSpPr>
+        <p:sp>
+          <p:nvSpPr>
+            <p:cNvPr id="6" name="Rectangle 5">
+              <a:extLst>
+                <a:ext uri="{FF2B5EF4-FFF2-40B4-BE49-F238E27FC236}">
+                  <a16:creationId xmlns:a16="http://schemas.microsoft.com/office/drawing/2014/main" id="{277AB524-6FC5-40AD-B819-8F9D56DE1403}"/>
+                </a:ext>
+              </a:extLst>
+            </p:cNvPr>
+            <p:cNvSpPr/>
+            <p:nvPr/>
+          </p:nvSpPr>
+          <p:spPr>
+            <a:xfrm>
+              <a:off x="7559040" y="1292860"/>
+              <a:ext cx="2423160" cy="285750"/>
+            </a:xfrm>
+            <a:prstGeom prst="rect">
+              <a:avLst/>
+            </a:prstGeom>
+            <a:grpFill/>
+            <a:ln w="38100">
+              <a:solidFill>
+                <a:schemeClr val="accent2">
+                  <a:lumMod val="20000"/>
+                  <a:lumOff val="80000"/>
+                </a:schemeClr>
+              </a:solidFill>
+            </a:ln>
+          </p:spPr>
+          <p:style>
+            <a:lnRef idx="2">
+              <a:schemeClr val="accent1">
+                <a:shade val="50000"/>
+              </a:schemeClr>
+            </a:lnRef>
+            <a:fillRef idx="1">
+              <a:schemeClr val="accent1"/>
+            </a:fillRef>
+            <a:effectRef idx="0">
+              <a:schemeClr val="accent1"/>
+            </a:effectRef>
+            <a:fontRef idx="minor">
+              <a:schemeClr val="lt1"/>
+            </a:fontRef>
+          </p:style>
+          <p:txBody>
+            <a:bodyPr rtlCol="0" anchor="ctr"/>
+            <a:lstStyle/>
+            <a:p>
+              <a:pPr algn="ctr"/>
+              <a:endParaRPr lang="en-US"/>
+            </a:p>
+          </p:txBody>
+        </p:sp>
+        <p:sp>
+          <p:nvSpPr>
+            <p:cNvPr id="7" name="TextBox 6">
+              <a:extLst>
+                <a:ext uri="{FF2B5EF4-FFF2-40B4-BE49-F238E27FC236}">
+                  <a16:creationId xmlns:a16="http://schemas.microsoft.com/office/drawing/2014/main" id="{64F4E697-7131-411E-BD39-E9103494B81B}"/>
+                </a:ext>
+              </a:extLst>
+            </p:cNvPr>
+            <p:cNvSpPr txBox="1"/>
+            <p:nvPr/>
+          </p:nvSpPr>
+          <p:spPr>
+            <a:xfrm>
+              <a:off x="7528560" y="1239758"/>
+              <a:ext cx="2667145" cy="369332"/>
+            </a:xfrm>
+            <a:prstGeom prst="rect">
+              <a:avLst/>
+            </a:prstGeom>
+            <a:grpFill/>
+            <a:ln>
+              <a:solidFill>
+                <a:schemeClr val="accent2">
+                  <a:lumMod val="20000"/>
+                  <a:lumOff val="80000"/>
+                </a:schemeClr>
+              </a:solidFill>
+            </a:ln>
+          </p:spPr>
+          <p:txBody>
+            <a:bodyPr wrap="none" rtlCol="0">
+              <a:spAutoFit/>
+            </a:bodyPr>
+            <a:lstStyle/>
+            <a:p>
+              <a:r>
+                <a:rPr lang="en-US" dirty="0" err="1"/>
+                <a:t>agent_list</a:t>
+              </a:r>
+              <a:r>
+                <a:rPr lang="en-US" dirty="0"/>
+                <a:t> = </a:t>
+              </a:r>
+              <a:r>
+                <a:rPr lang="en-US" dirty="0" err="1"/>
+                <a:t>make_agents</a:t>
+              </a:r>
+              <a:r>
+                <a:rPr lang="en-US" dirty="0"/>
+                <a:t>(…)</a:t>
+              </a:r>
+            </a:p>
+          </p:txBody>
+        </p:sp>
+      </p:grpSp>
+      <p:grpSp>
+        <p:nvGrpSpPr>
+          <p:cNvPr id="8" name="Group 7">
+            <a:extLst>
+              <a:ext uri="{FF2B5EF4-FFF2-40B4-BE49-F238E27FC236}">
+                <a16:creationId xmlns:a16="http://schemas.microsoft.com/office/drawing/2014/main" id="{FE5D2770-1091-4CD5-9212-F16282ACB92A}"/>
+              </a:ext>
+            </a:extLst>
+          </p:cNvPr>
+          <p:cNvGrpSpPr/>
+          <p:nvPr/>
+        </p:nvGrpSpPr>
+        <p:grpSpPr>
+          <a:xfrm>
+            <a:off x="2372135" y="1519813"/>
+            <a:ext cx="2633663" cy="369332"/>
+            <a:chOff x="2393736" y="1782363"/>
+            <a:chExt cx="2633663" cy="369332"/>
+          </a:xfrm>
+        </p:grpSpPr>
+        <p:sp>
+          <p:nvSpPr>
+            <p:cNvPr id="9" name="Rectangle 8">
+              <a:extLst>
+                <a:ext uri="{FF2B5EF4-FFF2-40B4-BE49-F238E27FC236}">
+                  <a16:creationId xmlns:a16="http://schemas.microsoft.com/office/drawing/2014/main" id="{1A02ED42-7E8F-42C2-9834-A58FBF6238FA}"/>
+                </a:ext>
+              </a:extLst>
+            </p:cNvPr>
+            <p:cNvSpPr/>
+            <p:nvPr/>
+          </p:nvSpPr>
+          <p:spPr>
+            <a:xfrm>
+              <a:off x="2426452" y="1835465"/>
+              <a:ext cx="2600947" cy="285750"/>
+            </a:xfrm>
+            <a:prstGeom prst="rect">
+              <a:avLst/>
+            </a:prstGeom>
+            <a:noFill/>
+            <a:ln w="38100"/>
+          </p:spPr>
+          <p:style>
+            <a:lnRef idx="2">
+              <a:schemeClr val="accent1">
+                <a:shade val="50000"/>
+              </a:schemeClr>
+            </a:lnRef>
+            <a:fillRef idx="1">
+              <a:schemeClr val="accent1"/>
+            </a:fillRef>
+            <a:effectRef idx="0">
+              <a:schemeClr val="accent1"/>
+            </a:effectRef>
+            <a:fontRef idx="minor">
+              <a:schemeClr val="lt1"/>
+            </a:fontRef>
+          </p:style>
+          <p:txBody>
+            <a:bodyPr rtlCol="0" anchor="ctr"/>
+            <a:lstStyle/>
+            <a:p>
+              <a:pPr algn="ctr"/>
+              <a:endParaRPr lang="en-US"/>
+            </a:p>
+          </p:txBody>
+        </p:sp>
+        <p:sp>
+          <p:nvSpPr>
+            <p:cNvPr id="10" name="TextBox 9">
+              <a:extLst>
+                <a:ext uri="{FF2B5EF4-FFF2-40B4-BE49-F238E27FC236}">
+                  <a16:creationId xmlns:a16="http://schemas.microsoft.com/office/drawing/2014/main" id="{A9FC51BA-303C-4447-92DA-98DAF558A93E}"/>
+                </a:ext>
+              </a:extLst>
+            </p:cNvPr>
+            <p:cNvSpPr txBox="1"/>
+            <p:nvPr/>
+          </p:nvSpPr>
+          <p:spPr>
+            <a:xfrm>
+              <a:off x="2393736" y="1782363"/>
+              <a:ext cx="1846083" cy="369332"/>
+            </a:xfrm>
+            <a:prstGeom prst="rect">
+              <a:avLst/>
+            </a:prstGeom>
+            <a:noFill/>
+          </p:spPr>
+          <p:txBody>
+            <a:bodyPr wrap="none" rtlCol="0">
+              <a:spAutoFit/>
+            </a:bodyPr>
+            <a:lstStyle/>
+            <a:p>
+              <a:r>
+                <a:rPr lang="en-US" dirty="0"/>
+                <a:t>Week Loop: week</a:t>
+              </a:r>
+            </a:p>
+          </p:txBody>
+        </p:sp>
+      </p:grpSp>
+      <p:grpSp>
+        <p:nvGrpSpPr>
+          <p:cNvPr id="11" name="Group 10">
+            <a:extLst>
+              <a:ext uri="{FF2B5EF4-FFF2-40B4-BE49-F238E27FC236}">
+                <a16:creationId xmlns:a16="http://schemas.microsoft.com/office/drawing/2014/main" id="{F563B979-CCDC-44CA-842A-5DCAE50A968F}"/>
+              </a:ext>
+            </a:extLst>
+          </p:cNvPr>
+          <p:cNvGrpSpPr/>
+          <p:nvPr/>
+        </p:nvGrpSpPr>
+        <p:grpSpPr>
+          <a:xfrm>
+            <a:off x="2988426" y="2344504"/>
+            <a:ext cx="2633663" cy="369332"/>
+            <a:chOff x="7528560" y="1239758"/>
+            <a:chExt cx="2453640" cy="369332"/>
+          </a:xfrm>
+        </p:grpSpPr>
+        <p:sp>
+          <p:nvSpPr>
+            <p:cNvPr id="12" name="Rectangle 11">
+              <a:extLst>
+                <a:ext uri="{FF2B5EF4-FFF2-40B4-BE49-F238E27FC236}">
+                  <a16:creationId xmlns:a16="http://schemas.microsoft.com/office/drawing/2014/main" id="{F9C4B9C4-CACD-49F4-8665-90CA98108BFD}"/>
+                </a:ext>
+              </a:extLst>
+            </p:cNvPr>
+            <p:cNvSpPr/>
+            <p:nvPr/>
+          </p:nvSpPr>
+          <p:spPr>
+            <a:xfrm>
+              <a:off x="7559040" y="1292860"/>
+              <a:ext cx="2423160" cy="285750"/>
+            </a:xfrm>
+            <a:prstGeom prst="rect">
+              <a:avLst/>
+            </a:prstGeom>
+            <a:noFill/>
+            <a:ln w="38100"/>
+          </p:spPr>
+          <p:style>
+            <a:lnRef idx="2">
+              <a:schemeClr val="accent1">
+                <a:shade val="50000"/>
+              </a:schemeClr>
+            </a:lnRef>
+            <a:fillRef idx="1">
+              <a:schemeClr val="accent1"/>
+            </a:fillRef>
+            <a:effectRef idx="0">
+              <a:schemeClr val="accent1"/>
+            </a:effectRef>
+            <a:fontRef idx="minor">
+              <a:schemeClr val="lt1"/>
+            </a:fontRef>
+          </p:style>
+          <p:txBody>
+            <a:bodyPr rtlCol="0" anchor="ctr"/>
+            <a:lstStyle/>
+            <a:p>
+              <a:pPr algn="ctr"/>
+              <a:endParaRPr lang="en-US"/>
+            </a:p>
+          </p:txBody>
+        </p:sp>
+        <p:sp>
+          <p:nvSpPr>
+            <p:cNvPr id="13" name="TextBox 12">
+              <a:extLst>
+                <a:ext uri="{FF2B5EF4-FFF2-40B4-BE49-F238E27FC236}">
+                  <a16:creationId xmlns:a16="http://schemas.microsoft.com/office/drawing/2014/main" id="{816B7B22-453D-43B5-ACCC-0D139D3C4C0C}"/>
+                </a:ext>
+              </a:extLst>
+            </p:cNvPr>
+            <p:cNvSpPr txBox="1"/>
+            <p:nvPr/>
+          </p:nvSpPr>
+          <p:spPr>
+            <a:xfrm>
+              <a:off x="7528560" y="1239758"/>
+              <a:ext cx="1897135" cy="369332"/>
+            </a:xfrm>
+            <a:prstGeom prst="rect">
+              <a:avLst/>
+            </a:prstGeom>
+            <a:noFill/>
+          </p:spPr>
+          <p:txBody>
+            <a:bodyPr wrap="none" rtlCol="0">
+              <a:spAutoFit/>
+            </a:bodyPr>
+            <a:lstStyle/>
+            <a:p>
+              <a:r>
+                <a:rPr lang="en-US" dirty="0"/>
+                <a:t>Period Loop: period</a:t>
+              </a:r>
+            </a:p>
+          </p:txBody>
+        </p:sp>
+      </p:grpSp>
+      <p:sp>
+        <p:nvSpPr>
+          <p:cNvPr id="14" name="TextBox 13">
+            <a:extLst>
+              <a:ext uri="{FF2B5EF4-FFF2-40B4-BE49-F238E27FC236}">
+                <a16:creationId xmlns:a16="http://schemas.microsoft.com/office/drawing/2014/main" id="{8439CEA5-EF5D-4069-8949-655957688789}"/>
+              </a:ext>
+            </a:extLst>
+          </p:cNvPr>
+          <p:cNvSpPr txBox="1"/>
+          <p:nvPr/>
+        </p:nvSpPr>
+        <p:spPr>
+          <a:xfrm>
+            <a:off x="3553776" y="2777212"/>
+            <a:ext cx="3619004" cy="923330"/>
+          </a:xfrm>
+          <a:prstGeom prst="rect">
+            <a:avLst/>
+          </a:prstGeom>
+          <a:solidFill>
+            <a:schemeClr val="accent5">
+              <a:lumMod val="20000"/>
+              <a:lumOff val="80000"/>
+            </a:schemeClr>
+          </a:solidFill>
+          <a:ln>
+            <a:solidFill>
+              <a:schemeClr val="accent2">
+                <a:lumMod val="20000"/>
+                <a:lumOff val="80000"/>
+              </a:schemeClr>
+            </a:solidFill>
+          </a:ln>
+        </p:spPr>
+        <p:txBody>
+          <a:bodyPr wrap="none" rtlCol="0">
+            <a:spAutoFit/>
+          </a:bodyPr>
+          <a:lstStyle/>
+          <a:p>
+            <a:r>
+              <a:rPr lang="en-US" u="sng" dirty="0"/>
+              <a:t>Travel Institution</a:t>
+            </a:r>
+            <a:r>
+              <a:rPr lang="en-US" dirty="0"/>
+              <a:t> -&gt; grid</a:t>
+            </a:r>
+            <a:endParaRPr lang="en-US" u="sng" dirty="0"/>
+          </a:p>
+          <a:p>
+            <a:r>
+              <a:rPr lang="en-US" dirty="0"/>
+              <a:t>for agent in </a:t>
+            </a:r>
+            <a:r>
+              <a:rPr lang="en-US" dirty="0" err="1"/>
+              <a:t>agent_list</a:t>
+            </a:r>
+            <a:r>
+              <a:rPr lang="en-US" dirty="0"/>
+              <a:t>:</a:t>
+            </a:r>
+          </a:p>
+          <a:p>
+            <a:r>
+              <a:rPr lang="en-US" dirty="0"/>
+              <a:t>     `</a:t>
+            </a:r>
+            <a:r>
+              <a:rPr lang="en-US" dirty="0" err="1"/>
+              <a:t>request_move</a:t>
+            </a:r>
+            <a:r>
+              <a:rPr lang="en-US" dirty="0"/>
+              <a:t>` -&gt; ‘move’ (dx, </a:t>
+            </a:r>
+            <a:r>
+              <a:rPr lang="en-US" dirty="0" err="1"/>
+              <a:t>dy</a:t>
+            </a:r>
+            <a:r>
+              <a:rPr lang="en-US" dirty="0"/>
+              <a:t>)</a:t>
+            </a:r>
+          </a:p>
+        </p:txBody>
+      </p:sp>
+      <p:sp>
+        <p:nvSpPr>
+          <p:cNvPr id="15" name="TextBox 14">
+            <a:extLst>
+              <a:ext uri="{FF2B5EF4-FFF2-40B4-BE49-F238E27FC236}">
+                <a16:creationId xmlns:a16="http://schemas.microsoft.com/office/drawing/2014/main" id="{CE1E3DE3-30B9-4C63-9520-5E04580860AD}"/>
+              </a:ext>
+            </a:extLst>
+          </p:cNvPr>
+          <p:cNvSpPr txBox="1"/>
+          <p:nvPr/>
+        </p:nvSpPr>
+        <p:spPr>
+          <a:xfrm>
+            <a:off x="2988426" y="1934418"/>
+            <a:ext cx="2965364" cy="369332"/>
+          </a:xfrm>
+          <a:prstGeom prst="rect">
+            <a:avLst/>
+          </a:prstGeom>
+          <a:solidFill>
+            <a:schemeClr val="accent2">
+              <a:lumMod val="20000"/>
+              <a:lumOff val="80000"/>
+            </a:schemeClr>
+          </a:solidFill>
+          <a:ln>
+            <a:solidFill>
+              <a:schemeClr val="accent2">
+                <a:lumMod val="20000"/>
+                <a:lumOff val="80000"/>
+              </a:schemeClr>
+            </a:solidFill>
+          </a:ln>
+        </p:spPr>
+        <p:txBody>
+          <a:bodyPr wrap="none" rtlCol="0">
+            <a:spAutoFit/>
+          </a:bodyPr>
+          <a:lstStyle/>
+          <a:p>
+            <a:r>
+              <a:rPr lang="en-US" dirty="0"/>
+              <a:t>set </a:t>
+            </a:r>
+            <a:r>
+              <a:rPr lang="en-US" dirty="0" err="1"/>
+              <a:t>cur_unit</a:t>
+            </a:r>
+            <a:r>
+              <a:rPr lang="en-US" dirty="0"/>
+              <a:t> = 0 for all agents.</a:t>
+            </a:r>
+          </a:p>
+        </p:txBody>
+      </p:sp>
+      <p:grpSp>
+        <p:nvGrpSpPr>
+          <p:cNvPr id="16" name="Group 15">
+            <a:extLst>
+              <a:ext uri="{FF2B5EF4-FFF2-40B4-BE49-F238E27FC236}">
+                <a16:creationId xmlns:a16="http://schemas.microsoft.com/office/drawing/2014/main" id="{986C049E-45D3-40DC-84F0-0905F8B95ED7}"/>
+              </a:ext>
+            </a:extLst>
+          </p:cNvPr>
+          <p:cNvGrpSpPr/>
+          <p:nvPr/>
+        </p:nvGrpSpPr>
+        <p:grpSpPr>
+          <a:xfrm>
+            <a:off x="3553776" y="3817447"/>
+            <a:ext cx="2633663" cy="369332"/>
+            <a:chOff x="7528560" y="1239758"/>
+            <a:chExt cx="2453640" cy="369332"/>
+          </a:xfrm>
+        </p:grpSpPr>
+        <p:sp>
+          <p:nvSpPr>
+            <p:cNvPr id="17" name="Rectangle 16">
+              <a:extLst>
+                <a:ext uri="{FF2B5EF4-FFF2-40B4-BE49-F238E27FC236}">
+                  <a16:creationId xmlns:a16="http://schemas.microsoft.com/office/drawing/2014/main" id="{D5B64616-7389-47FC-B7C6-362311D2D896}"/>
+                </a:ext>
+              </a:extLst>
+            </p:cNvPr>
+            <p:cNvSpPr/>
+            <p:nvPr/>
+          </p:nvSpPr>
+          <p:spPr>
+            <a:xfrm>
+              <a:off x="7559040" y="1292860"/>
+              <a:ext cx="2423160" cy="285750"/>
+            </a:xfrm>
+            <a:prstGeom prst="rect">
+              <a:avLst/>
+            </a:prstGeom>
+            <a:noFill/>
+            <a:ln w="38100"/>
+          </p:spPr>
+          <p:style>
+            <a:lnRef idx="2">
+              <a:schemeClr val="accent1">
+                <a:shade val="50000"/>
+              </a:schemeClr>
+            </a:lnRef>
+            <a:fillRef idx="1">
+              <a:schemeClr val="accent1"/>
+            </a:fillRef>
+            <a:effectRef idx="0">
+              <a:schemeClr val="accent1"/>
+            </a:effectRef>
+            <a:fontRef idx="minor">
+              <a:schemeClr val="lt1"/>
+            </a:fontRef>
+          </p:style>
+          <p:txBody>
+            <a:bodyPr rtlCol="0" anchor="ctr"/>
+            <a:lstStyle/>
+            <a:p>
+              <a:pPr algn="ctr"/>
+              <a:endParaRPr lang="en-US"/>
+            </a:p>
+          </p:txBody>
+        </p:sp>
+        <p:sp>
+          <p:nvSpPr>
+            <p:cNvPr id="18" name="TextBox 17">
+              <a:extLst>
+                <a:ext uri="{FF2B5EF4-FFF2-40B4-BE49-F238E27FC236}">
+                  <a16:creationId xmlns:a16="http://schemas.microsoft.com/office/drawing/2014/main" id="{D06D1DA8-D17A-4E36-AA11-B2CF630E2734}"/>
+                </a:ext>
+              </a:extLst>
+            </p:cNvPr>
+            <p:cNvSpPr txBox="1"/>
+            <p:nvPr/>
+          </p:nvSpPr>
+          <p:spPr>
+            <a:xfrm>
+              <a:off x="7528560" y="1239758"/>
+              <a:ext cx="2039847" cy="369332"/>
+            </a:xfrm>
+            <a:prstGeom prst="rect">
+              <a:avLst/>
+            </a:prstGeom>
+            <a:noFill/>
+          </p:spPr>
+          <p:txBody>
+            <a:bodyPr wrap="none" rtlCol="0">
+              <a:spAutoFit/>
+            </a:bodyPr>
+            <a:lstStyle/>
+            <a:p>
+              <a:r>
+                <a:rPr lang="en-US" dirty="0"/>
+                <a:t>Grid Loop: </a:t>
+              </a:r>
+              <a:r>
+                <a:rPr lang="en-US" dirty="0" err="1"/>
+                <a:t>grid_point</a:t>
+              </a:r>
+              <a:endParaRPr lang="en-US" dirty="0"/>
+            </a:p>
+          </p:txBody>
+        </p:sp>
+      </p:grpSp>
+      <p:sp>
+        <p:nvSpPr>
+          <p:cNvPr id="19" name="TextBox 18">
+            <a:extLst>
+              <a:ext uri="{FF2B5EF4-FFF2-40B4-BE49-F238E27FC236}">
+                <a16:creationId xmlns:a16="http://schemas.microsoft.com/office/drawing/2014/main" id="{04A83621-47B0-49E5-9EB0-21BA84DB05F2}"/>
+              </a:ext>
+            </a:extLst>
+          </p:cNvPr>
+          <p:cNvSpPr txBox="1"/>
+          <p:nvPr/>
+        </p:nvSpPr>
+        <p:spPr>
+          <a:xfrm>
+            <a:off x="4164169" y="4303684"/>
+            <a:ext cx="3136756" cy="369332"/>
+          </a:xfrm>
+          <a:prstGeom prst="rect">
+            <a:avLst/>
+          </a:prstGeom>
+          <a:solidFill>
+            <a:schemeClr val="accent2">
+              <a:lumMod val="20000"/>
+              <a:lumOff val="80000"/>
+            </a:schemeClr>
+          </a:solidFill>
+          <a:ln>
+            <a:solidFill>
+              <a:schemeClr val="accent2">
+                <a:lumMod val="20000"/>
+                <a:lumOff val="80000"/>
+              </a:schemeClr>
+            </a:solidFill>
+          </a:ln>
+        </p:spPr>
+        <p:txBody>
+          <a:bodyPr wrap="none" rtlCol="0">
+            <a:spAutoFit/>
+          </a:bodyPr>
+          <a:lstStyle/>
+          <a:p>
+            <a:r>
+              <a:rPr lang="en-US" dirty="0"/>
+              <a:t>If buyer and seller at grid point:</a:t>
+            </a:r>
+          </a:p>
+        </p:txBody>
+      </p:sp>
+      <p:sp>
+        <p:nvSpPr>
+          <p:cNvPr id="20" name="TextBox 19">
+            <a:extLst>
+              <a:ext uri="{FF2B5EF4-FFF2-40B4-BE49-F238E27FC236}">
+                <a16:creationId xmlns:a16="http://schemas.microsoft.com/office/drawing/2014/main" id="{4B35F6FE-BD5F-4C04-B76F-790A79ADBD17}"/>
+              </a:ext>
+            </a:extLst>
+          </p:cNvPr>
+          <p:cNvSpPr txBox="1"/>
+          <p:nvPr/>
+        </p:nvSpPr>
+        <p:spPr>
+          <a:xfrm>
+            <a:off x="5622089" y="5276158"/>
+            <a:ext cx="5021567" cy="1477328"/>
+          </a:xfrm>
+          <a:prstGeom prst="rect">
+            <a:avLst/>
+          </a:prstGeom>
+          <a:solidFill>
+            <a:schemeClr val="accent5">
+              <a:lumMod val="20000"/>
+              <a:lumOff val="80000"/>
+            </a:schemeClr>
+          </a:solidFill>
+          <a:ln>
+            <a:solidFill>
+              <a:schemeClr val="accent2">
+                <a:lumMod val="20000"/>
+                <a:lumOff val="80000"/>
+              </a:schemeClr>
+            </a:solidFill>
+          </a:ln>
+        </p:spPr>
+        <p:txBody>
+          <a:bodyPr wrap="none" rtlCol="0">
+            <a:spAutoFit/>
+          </a:bodyPr>
+          <a:lstStyle/>
+          <a:p>
+            <a:r>
+              <a:rPr lang="en-US" u="sng" dirty="0"/>
+              <a:t>Bargain Institution</a:t>
+            </a:r>
+            <a:r>
+              <a:rPr lang="en-US" dirty="0"/>
+              <a:t> -&gt; contracts</a:t>
+            </a:r>
+            <a:endParaRPr lang="en-US" u="sng" dirty="0"/>
+          </a:p>
+          <a:p>
+            <a:r>
+              <a:rPr lang="en-US" dirty="0"/>
+              <a:t>for agent in </a:t>
+            </a:r>
+            <a:r>
+              <a:rPr lang="en-US" dirty="0" err="1"/>
+              <a:t>agent_list</a:t>
+            </a:r>
+            <a:r>
+              <a:rPr lang="en-US" dirty="0"/>
+              <a:t>:</a:t>
+            </a:r>
+          </a:p>
+          <a:p>
+            <a:r>
+              <a:rPr lang="en-US" dirty="0"/>
+              <a:t>     `</a:t>
+            </a:r>
+            <a:r>
+              <a:rPr lang="en-US" dirty="0" err="1"/>
+              <a:t>request_offer</a:t>
+            </a:r>
+            <a:r>
+              <a:rPr lang="en-US" dirty="0"/>
+              <a:t>` -&gt; bid or ask; makes </a:t>
+            </a:r>
+            <a:r>
+              <a:rPr lang="en-US" dirty="0" err="1"/>
+              <a:t>order_book</a:t>
+            </a:r>
+            <a:endParaRPr lang="en-US" dirty="0"/>
+          </a:p>
+          <a:p>
+            <a:r>
+              <a:rPr lang="en-US" dirty="0"/>
+              <a:t>For agent in shuffled(</a:t>
+            </a:r>
+            <a:r>
+              <a:rPr lang="en-US" dirty="0" err="1"/>
+              <a:t>agent_list</a:t>
+            </a:r>
+            <a:r>
+              <a:rPr lang="en-US" dirty="0"/>
+              <a:t>):</a:t>
+            </a:r>
+          </a:p>
+          <a:p>
+            <a:r>
+              <a:rPr lang="en-US" dirty="0"/>
+              <a:t>      ‘</a:t>
+            </a:r>
+            <a:r>
+              <a:rPr lang="en-US" dirty="0" err="1"/>
+              <a:t>request_decision</a:t>
+            </a:r>
+            <a:r>
+              <a:rPr lang="en-US" dirty="0"/>
+              <a:t>’ -&gt; </a:t>
+            </a:r>
+            <a:r>
+              <a:rPr lang="en-US"/>
+              <a:t>buy or sell; </a:t>
+            </a:r>
+            <a:r>
+              <a:rPr lang="en-US" dirty="0"/>
+              <a:t>makes contract</a:t>
+            </a:r>
+          </a:p>
+        </p:txBody>
+      </p:sp>
+      <p:grpSp>
+        <p:nvGrpSpPr>
+          <p:cNvPr id="21" name="Group 20">
+            <a:extLst>
+              <a:ext uri="{FF2B5EF4-FFF2-40B4-BE49-F238E27FC236}">
+                <a16:creationId xmlns:a16="http://schemas.microsoft.com/office/drawing/2014/main" id="{C7BE08E1-8BF2-4D9F-ADFC-31DC54EA9042}"/>
+              </a:ext>
+            </a:extLst>
+          </p:cNvPr>
+          <p:cNvGrpSpPr/>
+          <p:nvPr/>
+        </p:nvGrpSpPr>
+        <p:grpSpPr>
+          <a:xfrm>
+            <a:off x="2354031" y="1073226"/>
+            <a:ext cx="3338093" cy="369332"/>
+            <a:chOff x="7511692" y="1239758"/>
+            <a:chExt cx="3109916" cy="369332"/>
+          </a:xfrm>
+          <a:solidFill>
+            <a:schemeClr val="accent2">
+              <a:lumMod val="20000"/>
+              <a:lumOff val="80000"/>
+            </a:schemeClr>
+          </a:solidFill>
+        </p:grpSpPr>
+        <p:sp>
+          <p:nvSpPr>
+            <p:cNvPr id="22" name="Rectangle 21">
+              <a:extLst>
+                <a:ext uri="{FF2B5EF4-FFF2-40B4-BE49-F238E27FC236}">
+                  <a16:creationId xmlns:a16="http://schemas.microsoft.com/office/drawing/2014/main" id="{6389772A-99D8-4372-BF55-A4D9E2A0E2A9}"/>
+                </a:ext>
+              </a:extLst>
+            </p:cNvPr>
+            <p:cNvSpPr/>
+            <p:nvPr/>
+          </p:nvSpPr>
+          <p:spPr>
+            <a:xfrm>
+              <a:off x="7559040" y="1292860"/>
+              <a:ext cx="2423160" cy="285750"/>
+            </a:xfrm>
+            <a:prstGeom prst="rect">
+              <a:avLst/>
+            </a:prstGeom>
+            <a:grpFill/>
+            <a:ln w="38100">
+              <a:solidFill>
+                <a:schemeClr val="accent2">
+                  <a:lumMod val="20000"/>
+                  <a:lumOff val="80000"/>
+                </a:schemeClr>
+              </a:solidFill>
+            </a:ln>
+          </p:spPr>
+          <p:style>
+            <a:lnRef idx="2">
+              <a:schemeClr val="accent1">
+                <a:shade val="50000"/>
+              </a:schemeClr>
+            </a:lnRef>
+            <a:fillRef idx="1">
+              <a:schemeClr val="accent1"/>
+            </a:fillRef>
+            <a:effectRef idx="0">
+              <a:schemeClr val="accent1"/>
+            </a:effectRef>
+            <a:fontRef idx="minor">
+              <a:schemeClr val="lt1"/>
+            </a:fontRef>
+          </p:style>
+          <p:txBody>
+            <a:bodyPr rtlCol="0" anchor="ctr"/>
+            <a:lstStyle/>
+            <a:p>
+              <a:pPr algn="ctr"/>
+              <a:endParaRPr lang="en-US"/>
+            </a:p>
+          </p:txBody>
+        </p:sp>
+        <p:sp>
+          <p:nvSpPr>
+            <p:cNvPr id="23" name="TextBox 22">
+              <a:extLst>
+                <a:ext uri="{FF2B5EF4-FFF2-40B4-BE49-F238E27FC236}">
+                  <a16:creationId xmlns:a16="http://schemas.microsoft.com/office/drawing/2014/main" id="{AFB49936-6AD5-436D-AC05-AB900D7DABB8}"/>
+                </a:ext>
+              </a:extLst>
+            </p:cNvPr>
+            <p:cNvSpPr txBox="1"/>
+            <p:nvPr/>
+          </p:nvSpPr>
+          <p:spPr>
+            <a:xfrm>
+              <a:off x="7511692" y="1239758"/>
+              <a:ext cx="3109916" cy="369332"/>
+            </a:xfrm>
+            <a:prstGeom prst="rect">
+              <a:avLst/>
+            </a:prstGeom>
+            <a:grpFill/>
+            <a:ln>
+              <a:solidFill>
+                <a:schemeClr val="accent2">
+                  <a:lumMod val="20000"/>
+                  <a:lumOff val="80000"/>
+                </a:schemeClr>
+              </a:solidFill>
+            </a:ln>
+          </p:spPr>
+          <p:txBody>
+            <a:bodyPr wrap="none" rtlCol="0">
+              <a:spAutoFit/>
+            </a:bodyPr>
+            <a:lstStyle/>
+            <a:p>
+              <a:r>
+                <a:rPr lang="en-US" dirty="0"/>
+                <a:t>set random location for all agents</a:t>
+              </a:r>
+            </a:p>
+          </p:txBody>
+        </p:sp>
+      </p:grpSp>
+      <p:grpSp>
+        <p:nvGrpSpPr>
+          <p:cNvPr id="24" name="Group 23">
+            <a:extLst>
+              <a:ext uri="{FF2B5EF4-FFF2-40B4-BE49-F238E27FC236}">
+                <a16:creationId xmlns:a16="http://schemas.microsoft.com/office/drawing/2014/main" id="{965D0339-FA2A-4D83-9759-CBD0FDAED00A}"/>
+              </a:ext>
+            </a:extLst>
+          </p:cNvPr>
+          <p:cNvGrpSpPr/>
+          <p:nvPr/>
+        </p:nvGrpSpPr>
+        <p:grpSpPr>
+          <a:xfrm>
+            <a:off x="4886965" y="4820401"/>
+            <a:ext cx="2633663" cy="369332"/>
+            <a:chOff x="7528560" y="1239758"/>
+            <a:chExt cx="2453640" cy="369332"/>
+          </a:xfrm>
+        </p:grpSpPr>
+        <p:sp>
+          <p:nvSpPr>
+            <p:cNvPr id="25" name="Rectangle 24">
+              <a:extLst>
+                <a:ext uri="{FF2B5EF4-FFF2-40B4-BE49-F238E27FC236}">
+                  <a16:creationId xmlns:a16="http://schemas.microsoft.com/office/drawing/2014/main" id="{329919F3-6EBE-4E91-8411-25880F3FE897}"/>
+                </a:ext>
+              </a:extLst>
+            </p:cNvPr>
+            <p:cNvSpPr/>
+            <p:nvPr/>
+          </p:nvSpPr>
+          <p:spPr>
+            <a:xfrm>
+              <a:off x="7559040" y="1292860"/>
+              <a:ext cx="2423160" cy="285750"/>
+            </a:xfrm>
+            <a:prstGeom prst="rect">
+              <a:avLst/>
+            </a:prstGeom>
+            <a:noFill/>
+            <a:ln w="38100"/>
+          </p:spPr>
+          <p:style>
+            <a:lnRef idx="2">
+              <a:schemeClr val="accent1">
+                <a:shade val="50000"/>
+              </a:schemeClr>
+            </a:lnRef>
+            <a:fillRef idx="1">
+              <a:schemeClr val="accent1"/>
+            </a:fillRef>
+            <a:effectRef idx="0">
+              <a:schemeClr val="accent1"/>
+            </a:effectRef>
+            <a:fontRef idx="minor">
+              <a:schemeClr val="lt1"/>
+            </a:fontRef>
+          </p:style>
+          <p:txBody>
+            <a:bodyPr rtlCol="0" anchor="ctr"/>
+            <a:lstStyle/>
+            <a:p>
+              <a:pPr algn="ctr"/>
+              <a:endParaRPr lang="en-US"/>
+            </a:p>
+          </p:txBody>
+        </p:sp>
+        <p:sp>
+          <p:nvSpPr>
+            <p:cNvPr id="26" name="TextBox 25">
+              <a:extLst>
+                <a:ext uri="{FF2B5EF4-FFF2-40B4-BE49-F238E27FC236}">
+                  <a16:creationId xmlns:a16="http://schemas.microsoft.com/office/drawing/2014/main" id="{8F775B83-9DF2-4249-BB59-8A8DBACF4FC1}"/>
+                </a:ext>
+              </a:extLst>
+            </p:cNvPr>
+            <p:cNvSpPr txBox="1"/>
+            <p:nvPr/>
+          </p:nvSpPr>
+          <p:spPr>
+            <a:xfrm>
+              <a:off x="7528560" y="1239758"/>
+              <a:ext cx="1851734" cy="369332"/>
+            </a:xfrm>
+            <a:prstGeom prst="rect">
+              <a:avLst/>
+            </a:prstGeom>
+            <a:noFill/>
+          </p:spPr>
+          <p:txBody>
+            <a:bodyPr wrap="none" rtlCol="0">
+              <a:spAutoFit/>
+            </a:bodyPr>
+            <a:lstStyle/>
+            <a:p>
+              <a:r>
+                <a:rPr lang="en-US" dirty="0"/>
+                <a:t>Round Loop: round</a:t>
+              </a:r>
+            </a:p>
+          </p:txBody>
+        </p:sp>
+      </p:grpSp>
+    </p:spTree>
+    <p:extLst>
+      <p:ext uri="{BB962C8B-B14F-4D97-AF65-F5344CB8AC3E}">
+        <p14:creationId xmlns:p14="http://schemas.microsoft.com/office/powerpoint/2010/main" val="1510799101"/>
+      </p:ext>
+    </p:extLst>
+  </p:cSld>
+  <p:clrMapOvr>
+    <a:masterClrMapping/>
+  </p:clrMapOvr>
+</p:sld>
+</file>
+
+<file path=ppt/slides/slide4.xml><?xml version="1.0" encoding="utf-8"?>
 <p:sld xmlns:a="http://schemas.openxmlformats.org/drawingml/2006/main" xmlns:r="http://schemas.openxmlformats.org/officeDocument/2006/relationships" xmlns:p="http://schemas.openxmlformats.org/presentationml/2006/main">
   <p:cSld>
     <p:spTree>
@@ -24023,7 +24708,7 @@
 </p:sld>
 </file>
 
-<file path=ppt/slides/slide6.xml><?xml version="1.0" encoding="utf-8"?>
+<file path=ppt/slides/slide5.xml><?xml version="1.0" encoding="utf-8"?>
 <p:sld xmlns:a="http://schemas.openxmlformats.org/drawingml/2006/main" xmlns:r="http://schemas.openxmlformats.org/officeDocument/2006/relationships" xmlns:p="http://schemas.openxmlformats.org/presentationml/2006/main">
   <p:cSld>
     <p:spTree>
@@ -24275,7 +24960,7 @@
 </p:sld>
 </file>
 
-<file path=ppt/slides/slide7.xml><?xml version="1.0" encoding="utf-8"?>
+<file path=ppt/slides/slide6.xml><?xml version="1.0" encoding="utf-8"?>
 <p:sld xmlns:a="http://schemas.openxmlformats.org/drawingml/2006/main" xmlns:r="http://schemas.openxmlformats.org/officeDocument/2006/relationships" xmlns:p="http://schemas.openxmlformats.org/presentationml/2006/main">
   <p:cSld>
     <p:spTree>
@@ -24410,10 +25095,10 @@
         </p:nvGrpSpPr>
         <p:grpSpPr>
           <a:xfrm>
-            <a:off x="2393736" y="1363858"/>
-            <a:ext cx="2633664" cy="369332"/>
+            <a:off x="2393739" y="1363858"/>
+            <a:ext cx="2862835" cy="369332"/>
             <a:chOff x="7528560" y="1239758"/>
-            <a:chExt cx="2453640" cy="369332"/>
+            <a:chExt cx="2667145" cy="369332"/>
           </a:xfrm>
           <a:solidFill>
             <a:schemeClr val="accent2">
@@ -24492,7 +25177,7 @@
           <p:spPr>
             <a:xfrm>
               <a:off x="7528560" y="1239758"/>
-              <a:ext cx="2453586" cy="369332"/>
+              <a:ext cx="2667145" cy="369332"/>
             </a:xfrm>
             <a:prstGeom prst="rect">
               <a:avLst/>
@@ -24515,17 +25200,20 @@
             <a:p>
               <a:r>
                 <a:rPr lang="en-US" dirty="0" err="1"/>
+                <a:t>agent_list</a:t>
+              </a:r>
+              <a:r>
+                <a:rPr lang="en-US" dirty="0"/>
+                <a:t> = </a:t>
+              </a:r>
+              <a:r>
+                <a:rPr lang="en-US" dirty="0" err="1"/>
                 <a:t>make_agents</a:t>
               </a:r>
               <a:r>
                 <a:rPr lang="en-US" dirty="0"/>
-                <a:t> -&gt; </a:t>
+                <a:t>(…)</a:t>
               </a:r>
-              <a:r>
-                <a:rPr lang="en-US" dirty="0" err="1"/>
-                <a:t>agent_list</a:t>
-              </a:r>
-              <a:endParaRPr lang="en-US" dirty="0"/>
             </a:p>
           </p:txBody>
         </p:sp>
@@ -24842,7 +25530,7 @@
         <p:spPr>
           <a:xfrm>
             <a:off x="3010027" y="2196968"/>
-            <a:ext cx="1700787" cy="369332"/>
+            <a:ext cx="2965364" cy="369332"/>
           </a:xfrm>
           <a:prstGeom prst="rect">
             <a:avLst/>
@@ -24869,12 +25557,16 @@
           <a:lstStyle/>
           <a:p>
             <a:r>
+              <a:rPr lang="en-US" dirty="0"/>
+              <a:t>set </a:t>
+            </a:r>
+            <a:r>
               <a:rPr lang="en-US" dirty="0" err="1"/>
-              <a:t>current_unit</a:t>
+              <a:t>cur_unit</a:t>
             </a:r>
             <a:r>
               <a:rPr lang="en-US" dirty="0"/>
-              <a:t> = 0</a:t>
+              <a:t> = 0 for all agents.</a:t>
             </a:r>
           </a:p>
         </p:txBody>
@@ -25441,7 +26133,7 @@
 </p:sld>
 </file>
 
-<file path=ppt/slides/slide8.xml><?xml version="1.0" encoding="utf-8"?>
+<file path=ppt/slides/slide7.xml><?xml version="1.0" encoding="utf-8"?>
 <p:sld xmlns:a="http://schemas.openxmlformats.org/drawingml/2006/main" xmlns:r="http://schemas.openxmlformats.org/officeDocument/2006/relationships" xmlns:p="http://schemas.openxmlformats.org/presentationml/2006/main">
   <p:cSld>
     <p:spTree>
@@ -25858,7 +26550,7 @@
 </p:sld>
 </file>
 
-<file path=ppt/slides/slide9.xml><?xml version="1.0" encoding="utf-8"?>
+<file path=ppt/slides/slide8.xml><?xml version="1.0" encoding="utf-8"?>
 <p:sld xmlns:a="http://schemas.openxmlformats.org/drawingml/2006/main" xmlns:r="http://schemas.openxmlformats.org/officeDocument/2006/relationships" xmlns:p="http://schemas.openxmlformats.org/presentationml/2006/main">
   <p:cSld>
     <p:spTree>
@@ -26266,6 +26958,477 @@
     <p:extLst>
       <p:ext uri="{BB962C8B-B14F-4D97-AF65-F5344CB8AC3E}">
         <p14:creationId xmlns:p14="http://schemas.microsoft.com/office/powerpoint/2010/main" val="39788281"/>
+      </p:ext>
+    </p:extLst>
+  </p:cSld>
+  <p:clrMapOvr>
+    <a:masterClrMapping/>
+  </p:clrMapOvr>
+</p:sld>
+</file>
+
+<file path=ppt/slides/slide9.xml><?xml version="1.0" encoding="utf-8"?>
+<p:sld xmlns:a="http://schemas.openxmlformats.org/drawingml/2006/main" xmlns:r="http://schemas.openxmlformats.org/officeDocument/2006/relationships" xmlns:p="http://schemas.openxmlformats.org/presentationml/2006/main">
+  <p:cSld>
+    <p:spTree>
+      <p:nvGrpSpPr>
+        <p:cNvPr id="1" name=""/>
+        <p:cNvGrpSpPr/>
+        <p:nvPr/>
+      </p:nvGrpSpPr>
+      <p:grpSpPr>
+        <a:xfrm>
+          <a:off x="0" y="0"/>
+          <a:ext cx="0" cy="0"/>
+          <a:chOff x="0" y="0"/>
+          <a:chExt cx="0" cy="0"/>
+        </a:xfrm>
+      </p:grpSpPr>
+      <p:pic>
+        <p:nvPicPr>
+          <p:cNvPr id="3" name="Picture 2">
+            <a:extLst>
+              <a:ext uri="{FF2B5EF4-FFF2-40B4-BE49-F238E27FC236}">
+                <a16:creationId xmlns:a16="http://schemas.microsoft.com/office/drawing/2014/main" id="{1CFE2773-D69F-4425-8922-8451A2E36149}"/>
+              </a:ext>
+            </a:extLst>
+          </p:cNvPr>
+          <p:cNvPicPr>
+            <a:picLocks noChangeAspect="1"/>
+          </p:cNvPicPr>
+          <p:nvPr/>
+        </p:nvPicPr>
+        <p:blipFill>
+          <a:blip r:embed="rId2"/>
+          <a:stretch>
+            <a:fillRect/>
+          </a:stretch>
+        </p:blipFill>
+        <p:spPr>
+          <a:xfrm>
+            <a:off x="1426533" y="1487966"/>
+            <a:ext cx="9972675" cy="6362700"/>
+          </a:xfrm>
+          <a:prstGeom prst="rect">
+            <a:avLst/>
+          </a:prstGeom>
+        </p:spPr>
+      </p:pic>
+      <p:sp>
+        <p:nvSpPr>
+          <p:cNvPr id="4" name="Rectangle 3">
+            <a:extLst>
+              <a:ext uri="{FF2B5EF4-FFF2-40B4-BE49-F238E27FC236}">
+                <a16:creationId xmlns:a16="http://schemas.microsoft.com/office/drawing/2014/main" id="{D26C1427-A827-4BB0-AEA1-9E90150C10EB}"/>
+              </a:ext>
+            </a:extLst>
+          </p:cNvPr>
+          <p:cNvSpPr/>
+          <p:nvPr/>
+        </p:nvSpPr>
+        <p:spPr>
+          <a:xfrm>
+            <a:off x="2479040" y="3211357"/>
+            <a:ext cx="8747760" cy="335280"/>
+          </a:xfrm>
+          <a:prstGeom prst="rect">
+            <a:avLst/>
+          </a:prstGeom>
+          <a:noFill/>
+        </p:spPr>
+        <p:style>
+          <a:lnRef idx="2">
+            <a:schemeClr val="accent1">
+              <a:shade val="50000"/>
+            </a:schemeClr>
+          </a:lnRef>
+          <a:fillRef idx="1">
+            <a:schemeClr val="accent1"/>
+          </a:fillRef>
+          <a:effectRef idx="0">
+            <a:schemeClr val="accent1"/>
+          </a:effectRef>
+          <a:fontRef idx="minor">
+            <a:schemeClr val="lt1"/>
+          </a:fontRef>
+        </p:style>
+        <p:txBody>
+          <a:bodyPr rtlCol="0" anchor="ctr"/>
+          <a:lstStyle/>
+          <a:p>
+            <a:pPr algn="ctr"/>
+            <a:endParaRPr lang="en-US"/>
+          </a:p>
+        </p:txBody>
+      </p:sp>
+      <p:sp>
+        <p:nvSpPr>
+          <p:cNvPr id="5" name="Rectangle 4">
+            <a:extLst>
+              <a:ext uri="{FF2B5EF4-FFF2-40B4-BE49-F238E27FC236}">
+                <a16:creationId xmlns:a16="http://schemas.microsoft.com/office/drawing/2014/main" id="{8F92E321-E493-4D4B-92C0-7D77A9BBE894}"/>
+              </a:ext>
+            </a:extLst>
+          </p:cNvPr>
+          <p:cNvSpPr/>
+          <p:nvPr/>
+        </p:nvSpPr>
+        <p:spPr>
+          <a:xfrm>
+            <a:off x="3058160" y="4934746"/>
+            <a:ext cx="8168640" cy="857251"/>
+          </a:xfrm>
+          <a:prstGeom prst="rect">
+            <a:avLst/>
+          </a:prstGeom>
+          <a:noFill/>
+        </p:spPr>
+        <p:style>
+          <a:lnRef idx="2">
+            <a:schemeClr val="accent1">
+              <a:shade val="50000"/>
+            </a:schemeClr>
+          </a:lnRef>
+          <a:fillRef idx="1">
+            <a:schemeClr val="accent1"/>
+          </a:fillRef>
+          <a:effectRef idx="0">
+            <a:schemeClr val="accent1"/>
+          </a:effectRef>
+          <a:fontRef idx="minor">
+            <a:schemeClr val="lt1"/>
+          </a:fontRef>
+        </p:style>
+        <p:txBody>
+          <a:bodyPr rtlCol="0" anchor="ctr"/>
+          <a:lstStyle/>
+          <a:p>
+            <a:pPr algn="ctr"/>
+            <a:endParaRPr lang="en-US"/>
+          </a:p>
+        </p:txBody>
+      </p:sp>
+      <p:sp>
+        <p:nvSpPr>
+          <p:cNvPr id="2" name="Rectangle 1">
+            <a:extLst>
+              <a:ext uri="{FF2B5EF4-FFF2-40B4-BE49-F238E27FC236}">
+                <a16:creationId xmlns:a16="http://schemas.microsoft.com/office/drawing/2014/main" id="{C86CAE76-70E9-4E67-84D2-CFEC47D12E28}"/>
+              </a:ext>
+            </a:extLst>
+          </p:cNvPr>
+          <p:cNvSpPr/>
+          <p:nvPr/>
+        </p:nvSpPr>
+        <p:spPr>
+          <a:xfrm>
+            <a:off x="2888055" y="6355523"/>
+            <a:ext cx="8102852" cy="1495143"/>
+          </a:xfrm>
+          <a:prstGeom prst="rect">
+            <a:avLst/>
+          </a:prstGeom>
+          <a:solidFill>
+            <a:schemeClr val="bg1"/>
+          </a:solidFill>
+          <a:ln>
+            <a:solidFill>
+              <a:schemeClr val="bg1"/>
+            </a:solidFill>
+          </a:ln>
+        </p:spPr>
+        <p:style>
+          <a:lnRef idx="2">
+            <a:schemeClr val="accent1">
+              <a:shade val="50000"/>
+            </a:schemeClr>
+          </a:lnRef>
+          <a:fillRef idx="1">
+            <a:schemeClr val="accent1"/>
+          </a:fillRef>
+          <a:effectRef idx="0">
+            <a:schemeClr val="accent1"/>
+          </a:effectRef>
+          <a:fontRef idx="minor">
+            <a:schemeClr val="lt1"/>
+          </a:fontRef>
+        </p:style>
+        <p:txBody>
+          <a:bodyPr rtlCol="0" anchor="ctr"/>
+          <a:lstStyle/>
+          <a:p>
+            <a:pPr algn="ctr"/>
+            <a:endParaRPr lang="en-US"/>
+          </a:p>
+        </p:txBody>
+      </p:sp>
+      <p:cxnSp>
+        <p:nvCxnSpPr>
+          <p:cNvPr id="6" name="Straight Connector 5">
+            <a:extLst>
+              <a:ext uri="{FF2B5EF4-FFF2-40B4-BE49-F238E27FC236}">
+                <a16:creationId xmlns:a16="http://schemas.microsoft.com/office/drawing/2014/main" id="{F84529F4-4528-409F-8035-8AAB785BE82C}"/>
+              </a:ext>
+            </a:extLst>
+          </p:cNvPr>
+          <p:cNvCxnSpPr/>
+          <p:nvPr/>
+        </p:nvCxnSpPr>
+        <p:spPr>
+          <a:xfrm>
+            <a:off x="1533525" y="373063"/>
+            <a:ext cx="0" cy="690562"/>
+          </a:xfrm>
+          <a:prstGeom prst="line">
+            <a:avLst/>
+          </a:prstGeom>
+          <a:ln w="28575"/>
+        </p:spPr>
+        <p:style>
+          <a:lnRef idx="1">
+            <a:schemeClr val="accent1"/>
+          </a:lnRef>
+          <a:fillRef idx="0">
+            <a:schemeClr val="accent1"/>
+          </a:fillRef>
+          <a:effectRef idx="0">
+            <a:schemeClr val="accent1"/>
+          </a:effectRef>
+          <a:fontRef idx="minor">
+            <a:schemeClr val="tx1"/>
+          </a:fontRef>
+        </p:style>
+      </p:cxnSp>
+      <p:sp>
+        <p:nvSpPr>
+          <p:cNvPr id="7" name="TextBox 3">
+            <a:extLst>
+              <a:ext uri="{FF2B5EF4-FFF2-40B4-BE49-F238E27FC236}">
+                <a16:creationId xmlns:a16="http://schemas.microsoft.com/office/drawing/2014/main" id="{A576E21E-4D7A-473B-997D-63216282B29B}"/>
+              </a:ext>
+            </a:extLst>
+          </p:cNvPr>
+          <p:cNvSpPr txBox="1">
+            <a:spLocks noChangeArrowheads="1"/>
+          </p:cNvSpPr>
+          <p:nvPr/>
+        </p:nvSpPr>
+        <p:spPr bwMode="auto">
+          <a:xfrm>
+            <a:off x="1727200" y="355600"/>
+            <a:ext cx="9438674" cy="707886"/>
+          </a:xfrm>
+          <a:prstGeom prst="rect">
+            <a:avLst/>
+          </a:prstGeom>
+          <a:noFill/>
+          <a:ln>
+            <a:noFill/>
+          </a:ln>
+          <a:extLst>
+            <a:ext uri="{909E8E84-426E-40DD-AFC4-6F175D3DCCD1}">
+              <a14:hiddenFill xmlns:a14="http://schemas.microsoft.com/office/drawing/2010/main">
+                <a:solidFill>
+                  <a:srgbClr val="FFFFFF"/>
+                </a:solidFill>
+              </a14:hiddenFill>
+            </a:ext>
+            <a:ext uri="{91240B29-F687-4F45-9708-019B960494DF}">
+              <a14:hiddenLine xmlns:a14="http://schemas.microsoft.com/office/drawing/2010/main" w="9525">
+                <a:solidFill>
+                  <a:srgbClr val="000000"/>
+                </a:solidFill>
+                <a:miter lim="800000"/>
+                <a:headEnd/>
+                <a:tailEnd/>
+              </a14:hiddenLine>
+            </a:ext>
+          </a:extLst>
+        </p:spPr>
+        <p:txBody>
+          <a:bodyPr wrap="none">
+            <a:spAutoFit/>
+          </a:bodyPr>
+          <a:lstStyle>
+            <a:lvl1pPr>
+              <a:lnSpc>
+                <a:spcPct val="90000"/>
+              </a:lnSpc>
+              <a:spcBef>
+                <a:spcPts val="1000"/>
+              </a:spcBef>
+              <a:buFont typeface="Arial" panose="020B0604020202020204" pitchFamily="34" charset="0"/>
+              <a:buChar char="•"/>
+              <a:defRPr sz="2800">
+                <a:solidFill>
+                  <a:schemeClr val="tx1"/>
+                </a:solidFill>
+                <a:latin typeface="Calibri" panose="020F0502020204030204" pitchFamily="34" charset="0"/>
+              </a:defRPr>
+            </a:lvl1pPr>
+            <a:lvl2pPr marL="742950" indent="-285750">
+              <a:lnSpc>
+                <a:spcPct val="90000"/>
+              </a:lnSpc>
+              <a:spcBef>
+                <a:spcPts val="500"/>
+              </a:spcBef>
+              <a:buFont typeface="Arial" panose="020B0604020202020204" pitchFamily="34" charset="0"/>
+              <a:buChar char="•"/>
+              <a:defRPr sz="2400">
+                <a:solidFill>
+                  <a:schemeClr val="tx1"/>
+                </a:solidFill>
+                <a:latin typeface="Calibri" panose="020F0502020204030204" pitchFamily="34" charset="0"/>
+              </a:defRPr>
+            </a:lvl2pPr>
+            <a:lvl3pPr marL="1143000" indent="-228600">
+              <a:lnSpc>
+                <a:spcPct val="90000"/>
+              </a:lnSpc>
+              <a:spcBef>
+                <a:spcPts val="500"/>
+              </a:spcBef>
+              <a:buFont typeface="Arial" panose="020B0604020202020204" pitchFamily="34" charset="0"/>
+              <a:buChar char="•"/>
+              <a:defRPr sz="2000">
+                <a:solidFill>
+                  <a:schemeClr val="tx1"/>
+                </a:solidFill>
+                <a:latin typeface="Calibri" panose="020F0502020204030204" pitchFamily="34" charset="0"/>
+              </a:defRPr>
+            </a:lvl3pPr>
+            <a:lvl4pPr marL="1600200" indent="-228600">
+              <a:lnSpc>
+                <a:spcPct val="90000"/>
+              </a:lnSpc>
+              <a:spcBef>
+                <a:spcPts val="500"/>
+              </a:spcBef>
+              <a:buFont typeface="Arial" panose="020B0604020202020204" pitchFamily="34" charset="0"/>
+              <a:buChar char="•"/>
+              <a:defRPr>
+                <a:solidFill>
+                  <a:schemeClr val="tx1"/>
+                </a:solidFill>
+                <a:latin typeface="Calibri" panose="020F0502020204030204" pitchFamily="34" charset="0"/>
+              </a:defRPr>
+            </a:lvl4pPr>
+            <a:lvl5pPr marL="2057400" indent="-228600">
+              <a:lnSpc>
+                <a:spcPct val="90000"/>
+              </a:lnSpc>
+              <a:spcBef>
+                <a:spcPts val="500"/>
+              </a:spcBef>
+              <a:buFont typeface="Arial" panose="020B0604020202020204" pitchFamily="34" charset="0"/>
+              <a:buChar char="•"/>
+              <a:defRPr>
+                <a:solidFill>
+                  <a:schemeClr val="tx1"/>
+                </a:solidFill>
+                <a:latin typeface="Calibri" panose="020F0502020204030204" pitchFamily="34" charset="0"/>
+              </a:defRPr>
+            </a:lvl5pPr>
+            <a:lvl6pPr marL="2514600" indent="-228600" eaLnBrk="0" fontAlgn="base" hangingPunct="0">
+              <a:lnSpc>
+                <a:spcPct val="90000"/>
+              </a:lnSpc>
+              <a:spcBef>
+                <a:spcPts val="500"/>
+              </a:spcBef>
+              <a:spcAft>
+                <a:spcPct val="0"/>
+              </a:spcAft>
+              <a:buFont typeface="Arial" panose="020B0604020202020204" pitchFamily="34" charset="0"/>
+              <a:buChar char="•"/>
+              <a:defRPr>
+                <a:solidFill>
+                  <a:schemeClr val="tx1"/>
+                </a:solidFill>
+                <a:latin typeface="Calibri" panose="020F0502020204030204" pitchFamily="34" charset="0"/>
+              </a:defRPr>
+            </a:lvl6pPr>
+            <a:lvl7pPr marL="2971800" indent="-228600" eaLnBrk="0" fontAlgn="base" hangingPunct="0">
+              <a:lnSpc>
+                <a:spcPct val="90000"/>
+              </a:lnSpc>
+              <a:spcBef>
+                <a:spcPts val="500"/>
+              </a:spcBef>
+              <a:spcAft>
+                <a:spcPct val="0"/>
+              </a:spcAft>
+              <a:buFont typeface="Arial" panose="020B0604020202020204" pitchFamily="34" charset="0"/>
+              <a:buChar char="•"/>
+              <a:defRPr>
+                <a:solidFill>
+                  <a:schemeClr val="tx1"/>
+                </a:solidFill>
+                <a:latin typeface="Calibri" panose="020F0502020204030204" pitchFamily="34" charset="0"/>
+              </a:defRPr>
+            </a:lvl7pPr>
+            <a:lvl8pPr marL="3429000" indent="-228600" eaLnBrk="0" fontAlgn="base" hangingPunct="0">
+              <a:lnSpc>
+                <a:spcPct val="90000"/>
+              </a:lnSpc>
+              <a:spcBef>
+                <a:spcPts val="500"/>
+              </a:spcBef>
+              <a:spcAft>
+                <a:spcPct val="0"/>
+              </a:spcAft>
+              <a:buFont typeface="Arial" panose="020B0604020202020204" pitchFamily="34" charset="0"/>
+              <a:buChar char="•"/>
+              <a:defRPr>
+                <a:solidFill>
+                  <a:schemeClr val="tx1"/>
+                </a:solidFill>
+                <a:latin typeface="Calibri" panose="020F0502020204030204" pitchFamily="34" charset="0"/>
+              </a:defRPr>
+            </a:lvl8pPr>
+            <a:lvl9pPr marL="3886200" indent="-228600" eaLnBrk="0" fontAlgn="base" hangingPunct="0">
+              <a:lnSpc>
+                <a:spcPct val="90000"/>
+              </a:lnSpc>
+              <a:spcBef>
+                <a:spcPts val="500"/>
+              </a:spcBef>
+              <a:spcAft>
+                <a:spcPct val="0"/>
+              </a:spcAft>
+              <a:buFont typeface="Arial" panose="020B0604020202020204" pitchFamily="34" charset="0"/>
+              <a:buChar char="•"/>
+              <a:defRPr>
+                <a:solidFill>
+                  <a:schemeClr val="tx1"/>
+                </a:solidFill>
+                <a:latin typeface="Calibri" panose="020F0502020204030204" pitchFamily="34" charset="0"/>
+              </a:defRPr>
+            </a:lvl9pPr>
+          </a:lstStyle>
+          <a:p>
+            <a:pPr eaLnBrk="1" hangingPunct="1">
+              <a:lnSpc>
+                <a:spcPct val="100000"/>
+              </a:lnSpc>
+              <a:spcBef>
+                <a:spcPct val="0"/>
+              </a:spcBef>
+              <a:buFontTx/>
+              <a:buNone/>
+            </a:pPr>
+            <a:r>
+              <a:rPr lang="en-US" altLang="en-US" sz="4000" dirty="0"/>
+              <a:t>ZID Budget Constrained Strategy (continued)</a:t>
+            </a:r>
+          </a:p>
+        </p:txBody>
+      </p:sp>
+    </p:spTree>
+    <p:extLst>
+      <p:ext uri="{BB962C8B-B14F-4D97-AF65-F5344CB8AC3E}">
+        <p14:creationId xmlns:p14="http://schemas.microsoft.com/office/powerpoint/2010/main" val="2256713816"/>
       </p:ext>
     </p:extLst>
   </p:cSld>

--- a/talks/ZI Conference Talk V2.pptx
+++ b/talks/ZI Conference Talk V2.pptx
@@ -5,7 +5,7 @@
     <p:sldMasterId id="2147483648" r:id="rId1"/>
   </p:sldMasterIdLst>
   <p:notesMasterIdLst>
-    <p:notesMasterId r:id="rId33"/>
+    <p:notesMasterId r:id="rId35"/>
   </p:notesMasterIdLst>
   <p:sldIdLst>
     <p:sldId id="286" r:id="rId2"/>
@@ -34,11 +34,13 @@
     <p:sldId id="499" r:id="rId25"/>
     <p:sldId id="487" r:id="rId26"/>
     <p:sldId id="500" r:id="rId27"/>
-    <p:sldId id="497" r:id="rId28"/>
-    <p:sldId id="488" r:id="rId29"/>
-    <p:sldId id="357" r:id="rId30"/>
-    <p:sldId id="506" r:id="rId31"/>
-    <p:sldId id="508" r:id="rId32"/>
+    <p:sldId id="488" r:id="rId28"/>
+    <p:sldId id="509" r:id="rId29"/>
+    <p:sldId id="510" r:id="rId30"/>
+    <p:sldId id="511" r:id="rId31"/>
+    <p:sldId id="357" r:id="rId32"/>
+    <p:sldId id="506" r:id="rId33"/>
+    <p:sldId id="508" r:id="rId34"/>
   </p:sldIdLst>
   <p:sldSz cx="12192000" cy="6858000"/>
   <p:notesSz cx="6858000" cy="9144000"/>
@@ -227,7 +229,7 @@
           <a:p>
             <a:fld id="{44EF98E7-3C6E-427C-A0E4-7DAEF63E99C9}" type="datetimeFigureOut">
               <a:rPr lang="en-US" smtClean="0"/>
-              <a:t>10/23/2021</a:t>
+              <a:t>10/25/2021</a:t>
             </a:fld>
             <a:endParaRPr lang="en-US"/>
           </a:p>
@@ -1189,7 +1191,7 @@
           <a:p>
             <a:fld id="{AB3D36F5-83E9-41B9-BB61-7AB66EA280A1}" type="datetimeFigureOut">
               <a:rPr lang="en-US" smtClean="0"/>
-              <a:t>10/23/2021</a:t>
+              <a:t>10/25/2021</a:t>
             </a:fld>
             <a:endParaRPr lang="en-US"/>
           </a:p>
@@ -1387,7 +1389,7 @@
           <a:p>
             <a:fld id="{AB3D36F5-83E9-41B9-BB61-7AB66EA280A1}" type="datetimeFigureOut">
               <a:rPr lang="en-US" smtClean="0"/>
-              <a:t>10/23/2021</a:t>
+              <a:t>10/25/2021</a:t>
             </a:fld>
             <a:endParaRPr lang="en-US"/>
           </a:p>
@@ -1595,7 +1597,7 @@
           <a:p>
             <a:fld id="{AB3D36F5-83E9-41B9-BB61-7AB66EA280A1}" type="datetimeFigureOut">
               <a:rPr lang="en-US" smtClean="0"/>
-              <a:t>10/23/2021</a:t>
+              <a:t>10/25/2021</a:t>
             </a:fld>
             <a:endParaRPr lang="en-US"/>
           </a:p>
@@ -1793,7 +1795,7 @@
           <a:p>
             <a:fld id="{AB3D36F5-83E9-41B9-BB61-7AB66EA280A1}" type="datetimeFigureOut">
               <a:rPr lang="en-US" smtClean="0"/>
-              <a:t>10/23/2021</a:t>
+              <a:t>10/25/2021</a:t>
             </a:fld>
             <a:endParaRPr lang="en-US"/>
           </a:p>
@@ -2068,7 +2070,7 @@
           <a:p>
             <a:fld id="{AB3D36F5-83E9-41B9-BB61-7AB66EA280A1}" type="datetimeFigureOut">
               <a:rPr lang="en-US" smtClean="0"/>
-              <a:t>10/23/2021</a:t>
+              <a:t>10/25/2021</a:t>
             </a:fld>
             <a:endParaRPr lang="en-US"/>
           </a:p>
@@ -2333,7 +2335,7 @@
           <a:p>
             <a:fld id="{AB3D36F5-83E9-41B9-BB61-7AB66EA280A1}" type="datetimeFigureOut">
               <a:rPr lang="en-US" smtClean="0"/>
-              <a:t>10/23/2021</a:t>
+              <a:t>10/25/2021</a:t>
             </a:fld>
             <a:endParaRPr lang="en-US"/>
           </a:p>
@@ -2745,7 +2747,7 @@
           <a:p>
             <a:fld id="{AB3D36F5-83E9-41B9-BB61-7AB66EA280A1}" type="datetimeFigureOut">
               <a:rPr lang="en-US" smtClean="0"/>
-              <a:t>10/23/2021</a:t>
+              <a:t>10/25/2021</a:t>
             </a:fld>
             <a:endParaRPr lang="en-US"/>
           </a:p>
@@ -2886,7 +2888,7 @@
           <a:p>
             <a:fld id="{AB3D36F5-83E9-41B9-BB61-7AB66EA280A1}" type="datetimeFigureOut">
               <a:rPr lang="en-US" smtClean="0"/>
-              <a:t>10/23/2021</a:t>
+              <a:t>10/25/2021</a:t>
             </a:fld>
             <a:endParaRPr lang="en-US"/>
           </a:p>
@@ -2999,7 +3001,7 @@
           <a:p>
             <a:fld id="{AB3D36F5-83E9-41B9-BB61-7AB66EA280A1}" type="datetimeFigureOut">
               <a:rPr lang="en-US" smtClean="0"/>
-              <a:t>10/23/2021</a:t>
+              <a:t>10/25/2021</a:t>
             </a:fld>
             <a:endParaRPr lang="en-US"/>
           </a:p>
@@ -3310,7 +3312,7 @@
           <a:p>
             <a:fld id="{AB3D36F5-83E9-41B9-BB61-7AB66EA280A1}" type="datetimeFigureOut">
               <a:rPr lang="en-US" smtClean="0"/>
-              <a:t>10/23/2021</a:t>
+              <a:t>10/25/2021</a:t>
             </a:fld>
             <a:endParaRPr lang="en-US"/>
           </a:p>
@@ -3598,7 +3600,7 @@
           <a:p>
             <a:fld id="{AB3D36F5-83E9-41B9-BB61-7AB66EA280A1}" type="datetimeFigureOut">
               <a:rPr lang="en-US" smtClean="0"/>
-              <a:t>10/23/2021</a:t>
+              <a:t>10/25/2021</a:t>
             </a:fld>
             <a:endParaRPr lang="en-US"/>
           </a:p>
@@ -3839,7 +3841,7 @@
           <a:p>
             <a:fld id="{AB3D36F5-83E9-41B9-BB61-7AB66EA280A1}" type="datetimeFigureOut">
               <a:rPr lang="en-US" smtClean="0"/>
-              <a:t>10/23/2021</a:t>
+              <a:t>10/25/2021</a:t>
             </a:fld>
             <a:endParaRPr lang="en-US"/>
           </a:p>
@@ -20061,7 +20063,7 @@
         <p:spPr>
           <a:xfrm>
             <a:off x="1539443" y="833566"/>
-            <a:ext cx="9636805" cy="5632311"/>
+            <a:ext cx="9421938" cy="5632311"/>
           </a:xfrm>
           <a:prstGeom prst="rect">
             <a:avLst/>
@@ -20076,13 +20078,54 @@
           <a:p>
             <a:r>
               <a:rPr lang="en-US" sz="2400" dirty="0"/>
-              <a:t>ZID(TRADER):</a:t>
+              <a:t>ZIDP(ZID):</a:t>
             </a:r>
           </a:p>
           <a:p>
             <a:r>
               <a:rPr lang="en-US" sz="2400" dirty="0"/>
-              <a:t>    MOVE       -&gt;  (dx, </a:t>
+              <a:t>     BUY, SELL -&gt; uniform random budget constrained willingness to accept</a:t>
+            </a:r>
+          </a:p>
+          <a:p>
+            <a:r>
+              <a:rPr lang="en-US" sz="2400" dirty="0"/>
+              <a:t>  	          -&gt; picks best remaining offer</a:t>
+            </a:r>
+          </a:p>
+          <a:p>
+            <a:endParaRPr lang="en-US" sz="2400" dirty="0"/>
+          </a:p>
+          <a:p>
+            <a:r>
+              <a:rPr lang="en-US" sz="2400" dirty="0"/>
+              <a:t>ZIDPR(ZIDP):</a:t>
+            </a:r>
+          </a:p>
+          <a:p>
+            <a:r>
+              <a:rPr lang="en-US" sz="2400" dirty="0"/>
+              <a:t>       MOVE     </a:t>
+            </a:r>
+          </a:p>
+          <a:p>
+            <a:r>
+              <a:rPr lang="en-US" sz="2400" dirty="0"/>
+              <a:t>	          -&gt; if </a:t>
+            </a:r>
+            <a:r>
+              <a:rPr lang="en-US" sz="2400" dirty="0" err="1"/>
+              <a:t>num_agents</a:t>
+            </a:r>
+            <a:r>
+              <a:rPr lang="en-US" sz="2400" dirty="0"/>
+              <a:t> at point &gt; 2:</a:t>
+            </a:r>
+          </a:p>
+          <a:p>
+            <a:r>
+              <a:rPr lang="en-US" sz="2400" dirty="0"/>
+              <a:t>		         (dx, </a:t>
             </a:r>
             <a:r>
               <a:rPr lang="en-US" sz="2400" dirty="0" err="1"/>
@@ -20090,7 +20133,7 @@
             </a:r>
             <a:r>
               <a:rPr lang="en-US" sz="2400" dirty="0"/>
-              <a:t>) where dx ~ {-1, 0, +1}, and </a:t>
+              <a:t>) where dx ~ {-1,  +1} and </a:t>
             </a:r>
             <a:r>
               <a:rPr lang="en-US" sz="2400" dirty="0" err="1"/>
@@ -20098,72 +20141,25 @@
             </a:r>
             <a:r>
               <a:rPr lang="en-US" sz="2400" dirty="0"/>
-              <a:t> ~ {-1, 0, +1}</a:t>
+              <a:t> ~ {-1,  +1}</a:t>
             </a:r>
           </a:p>
           <a:p>
             <a:r>
               <a:rPr lang="en-US" sz="2400" dirty="0"/>
-              <a:t>    BID, ASK   -&gt; uniform random budget constrained offer</a:t>
+              <a:t>	          -&gt; else: </a:t>
             </a:r>
           </a:p>
           <a:p>
             <a:r>
               <a:rPr lang="en-US" sz="2400" dirty="0"/>
-              <a:t>    BUY, SELL -&gt; uniform random budget constrained willingness to accept</a:t>
+              <a:t>		         if contract last period:</a:t>
             </a:r>
           </a:p>
           <a:p>
             <a:r>
               <a:rPr lang="en-US" sz="2400" dirty="0"/>
-              <a:t>                      -&gt; uniform random choice of offer </a:t>
-            </a:r>
-          </a:p>
-          <a:p>
-            <a:r>
-              <a:rPr lang="en-US" sz="2400" dirty="0"/>
-              <a:t>ZIDP(ZID):</a:t>
-            </a:r>
-          </a:p>
-          <a:p>
-            <a:r>
-              <a:rPr lang="en-US" sz="2400" dirty="0"/>
-              <a:t>     BUY, SELL -&gt; uniform random budget constrained willingness to accept</a:t>
-            </a:r>
-          </a:p>
-          <a:p>
-            <a:r>
-              <a:rPr lang="en-US" sz="2400" dirty="0"/>
-              <a:t>  	          -&gt; picks best remaining offer</a:t>
-            </a:r>
-          </a:p>
-          <a:p>
-            <a:endParaRPr lang="en-US" sz="2400" dirty="0"/>
-          </a:p>
-          <a:p>
-            <a:r>
-              <a:rPr lang="en-US" sz="2400" dirty="0"/>
-              <a:t>ZIDPR(ZIDP)</a:t>
-            </a:r>
-          </a:p>
-          <a:p>
-            <a:r>
-              <a:rPr lang="en-US" sz="2400" dirty="0"/>
-              <a:t>       MOVE     -&gt; </a:t>
-            </a:r>
-            <a:r>
-              <a:rPr lang="en-US" sz="2400" dirty="0" err="1"/>
-              <a:t>num_agents</a:t>
-            </a:r>
-            <a:r>
-              <a:rPr lang="en-US" sz="2400" dirty="0"/>
-              <a:t> at point &gt; 2:</a:t>
-            </a:r>
-          </a:p>
-          <a:p>
-            <a:r>
-              <a:rPr lang="en-US" sz="2400" dirty="0"/>
-              <a:t>		 	(dx, </a:t>
+              <a:t>                                           (dx, </a:t>
             </a:r>
             <a:r>
               <a:rPr lang="en-US" sz="2400" dirty="0" err="1"/>
@@ -20171,21 +20167,19 @@
             </a:r>
             <a:r>
               <a:rPr lang="en-US" sz="2400" dirty="0"/>
-              <a:t>) where dx ~ {-1,  +1} and </a:t>
-            </a:r>
-            <a:r>
-              <a:rPr lang="en-US" sz="2400" dirty="0" err="1"/>
-              <a:t>dy</a:t>
-            </a:r>
+              <a:t>) = (0, 0):</a:t>
+            </a:r>
+          </a:p>
+          <a:p>
             <a:r>
               <a:rPr lang="en-US" sz="2400" dirty="0"/>
-              <a:t> ~ {-1,  +1}</a:t>
+              <a:t>		         else:  </a:t>
             </a:r>
           </a:p>
           <a:p>
             <a:r>
               <a:rPr lang="en-US" sz="2400" dirty="0"/>
-              <a:t>	          -&gt; otherwise, (dx, </a:t>
+              <a:t>			   (dx, </a:t>
             </a:r>
             <a:r>
               <a:rPr lang="en-US" sz="2400" dirty="0" err="1"/>
@@ -20489,8 +20483,8 @@
         </p:nvSpPr>
         <p:spPr>
           <a:xfrm>
-            <a:off x="1402080" y="4110882"/>
-            <a:ext cx="10132031" cy="1696269"/>
+            <a:off x="1345468" y="2245259"/>
+            <a:ext cx="9615913" cy="3594226"/>
           </a:xfrm>
           <a:prstGeom prst="rect">
             <a:avLst/>
@@ -20980,7 +20974,7 @@
         </p:nvSpPr>
         <p:spPr>
           <a:xfrm>
-            <a:off x="715196" y="2226983"/>
+            <a:off x="1065965" y="2226983"/>
             <a:ext cx="5076090" cy="4151376"/>
           </a:xfrm>
           <a:prstGeom prst="rect">
@@ -21009,7 +21003,7 @@
             </a:r>
             <a:r>
               <a:rPr lang="en-US" sz="2000" dirty="0"/>
-              <a:t> = 100</a:t>
+              <a:t> = 500</a:t>
             </a:r>
           </a:p>
           <a:p>
@@ -21188,8 +21182,8 @@
         </p:nvSpPr>
         <p:spPr>
           <a:xfrm>
-            <a:off x="558791" y="1101012"/>
-            <a:ext cx="4767074" cy="369332"/>
+            <a:off x="304592" y="1481258"/>
+            <a:ext cx="4840299" cy="369332"/>
           </a:xfrm>
           <a:prstGeom prst="rect">
             <a:avLst/>
@@ -21204,17 +21198,17 @@
           <a:p>
             <a:r>
               <a:rPr lang="en-US" dirty="0"/>
-              <a:t>Compare efficiency of ZID, ZIDP,  ZIDA, and ZIDPR</a:t>
+              <a:t>Compare Efficiency at 50%  ZIDPA, and 50% ZIDPR</a:t>
             </a:r>
           </a:p>
         </p:txBody>
       </p:sp>
       <p:pic>
         <p:nvPicPr>
-          <p:cNvPr id="5124" name="Picture 4">
+          <p:cNvPr id="7172" name="Picture 4">
             <a:extLst>
               <a:ext uri="{FF2B5EF4-FFF2-40B4-BE49-F238E27FC236}">
-                <a16:creationId xmlns:a16="http://schemas.microsoft.com/office/drawing/2014/main" id="{F3E9EFAD-15CA-4EC7-9500-0CA2A5C2F1C1}"/>
+                <a16:creationId xmlns:a16="http://schemas.microsoft.com/office/drawing/2014/main" id="{AD742BF3-C272-411F-BB43-28AD215A67F0}"/>
               </a:ext>
             </a:extLst>
           </p:cNvPr>
@@ -21238,8 +21232,8 @@
         </p:blipFill>
         <p:spPr bwMode="auto">
           <a:xfrm>
-            <a:off x="7008272" y="194679"/>
-            <a:ext cx="4803253" cy="3906542"/>
+            <a:off x="7047110" y="32456"/>
+            <a:ext cx="4993999" cy="4061677"/>
           </a:xfrm>
           <a:prstGeom prst="rect">
             <a:avLst/>
@@ -21259,7 +21253,7 @@
     </p:spTree>
     <p:extLst>
       <p:ext uri="{BB962C8B-B14F-4D97-AF65-F5344CB8AC3E}">
-        <p14:creationId xmlns:p14="http://schemas.microsoft.com/office/powerpoint/2010/main" val="1748389431"/>
+        <p14:creationId xmlns:p14="http://schemas.microsoft.com/office/powerpoint/2010/main" val="168574103"/>
       </p:ext>
     </p:extLst>
   </p:cSld>
@@ -21357,6 +21351,53 @@
           </a:p>
         </p:txBody>
       </p:sp>
+      <p:pic>
+        <p:nvPicPr>
+          <p:cNvPr id="1032" name="Picture 8">
+            <a:extLst>
+              <a:ext uri="{FF2B5EF4-FFF2-40B4-BE49-F238E27FC236}">
+                <a16:creationId xmlns:a16="http://schemas.microsoft.com/office/drawing/2014/main" id="{8E2E171D-637A-4946-9702-33A16D8AE740}"/>
+              </a:ext>
+            </a:extLst>
+          </p:cNvPr>
+          <p:cNvPicPr>
+            <a:picLocks noChangeAspect="1" noChangeArrowheads="1"/>
+          </p:cNvPicPr>
+          <p:nvPr/>
+        </p:nvPicPr>
+        <p:blipFill>
+          <a:blip r:embed="rId2">
+            <a:extLst>
+              <a:ext uri="{28A0092B-C50C-407E-A947-70E740481C1C}">
+                <a14:useLocalDpi xmlns:a14="http://schemas.microsoft.com/office/drawing/2010/main" val="0"/>
+              </a:ext>
+            </a:extLst>
+          </a:blip>
+          <a:srcRect/>
+          <a:stretch>
+            <a:fillRect/>
+          </a:stretch>
+        </p:blipFill>
+        <p:spPr bwMode="auto">
+          <a:xfrm>
+            <a:off x="7046871" y="0"/>
+            <a:ext cx="5154005" cy="4151377"/>
+          </a:xfrm>
+          <a:prstGeom prst="rect">
+            <a:avLst/>
+          </a:prstGeom>
+          <a:noFill/>
+          <a:extLst>
+            <a:ext uri="{909E8E84-426E-40DD-AFC4-6F175D3DCCD1}">
+              <a14:hiddenFill xmlns:a14="http://schemas.microsoft.com/office/drawing/2010/main">
+                <a:solidFill>
+                  <a:srgbClr val="FFFFFF"/>
+                </a:solidFill>
+              </a14:hiddenFill>
+            </a:ext>
+          </a:extLst>
+        </p:spPr>
+      </p:pic>
       <p:sp>
         <p:nvSpPr>
           <p:cNvPr id="73" name="Freeform: Shape 72">
@@ -21743,7 +21784,7 @@
             </a:r>
             <a:r>
               <a:rPr lang="en-US" sz="2000" dirty="0"/>
-              <a:t> = 500</a:t>
+              <a:t> = 100</a:t>
             </a:r>
           </a:p>
           <a:p>
@@ -21923,7 +21964,7 @@
         <p:spPr>
           <a:xfrm>
             <a:off x="304592" y="1481258"/>
-            <a:ext cx="4840299" cy="369332"/>
+            <a:ext cx="4214295" cy="369332"/>
           </a:xfrm>
           <a:prstGeom prst="rect">
             <a:avLst/>
@@ -21938,62 +21979,249 @@
           <a:p>
             <a:r>
               <a:rPr lang="en-US" dirty="0"/>
-              <a:t>Compare Efficiency at 50%  ZIDPA, and 50% ZIDPR</a:t>
+              <a:t>Compare Efficiency at %ZIDA, and %ZIDPR</a:t>
             </a:r>
           </a:p>
         </p:txBody>
       </p:sp>
-      <p:pic>
-        <p:nvPicPr>
-          <p:cNvPr id="7172" name="Picture 4">
+      <p:sp>
+        <p:nvSpPr>
+          <p:cNvPr id="2" name="TextBox 1">
             <a:extLst>
               <a:ext uri="{FF2B5EF4-FFF2-40B4-BE49-F238E27FC236}">
-                <a16:creationId xmlns:a16="http://schemas.microsoft.com/office/drawing/2014/main" id="{AD742BF3-C272-411F-BB43-28AD215A67F0}"/>
+                <a16:creationId xmlns:a16="http://schemas.microsoft.com/office/drawing/2014/main" id="{EFBAC287-53A6-401E-88A4-C427613900A6}"/>
               </a:ext>
             </a:extLst>
           </p:cNvPr>
-          <p:cNvPicPr>
-            <a:picLocks noChangeAspect="1" noChangeArrowheads="1"/>
-          </p:cNvPicPr>
+          <p:cNvSpPr txBox="1"/>
           <p:nvPr/>
-        </p:nvPicPr>
-        <p:blipFill>
-          <a:blip r:embed="rId2">
-            <a:extLst>
-              <a:ext uri="{28A0092B-C50C-407E-A947-70E740481C1C}">
-                <a14:useLocalDpi xmlns:a14="http://schemas.microsoft.com/office/drawing/2010/main" val="0"/>
-              </a:ext>
-            </a:extLst>
-          </a:blip>
-          <a:srcRect/>
-          <a:stretch>
-            <a:fillRect/>
-          </a:stretch>
-        </p:blipFill>
-        <p:spPr bwMode="auto">
+        </p:nvSpPr>
+        <p:spPr>
           <a:xfrm>
-            <a:off x="7047110" y="32456"/>
-            <a:ext cx="4993999" cy="4061677"/>
+            <a:off x="10805030" y="332745"/>
+            <a:ext cx="1261307" cy="369332"/>
           </a:xfrm>
           <a:prstGeom prst="rect">
             <a:avLst/>
           </a:prstGeom>
           <a:noFill/>
-          <a:extLst>
-            <a:ext uri="{909E8E84-426E-40DD-AFC4-6F175D3DCCD1}">
-              <a14:hiddenFill xmlns:a14="http://schemas.microsoft.com/office/drawing/2010/main">
-                <a:solidFill>
-                  <a:srgbClr val="FFFFFF"/>
-                </a:solidFill>
-              </a14:hiddenFill>
-            </a:ext>
-          </a:extLst>
         </p:spPr>
-      </p:pic>
+        <p:txBody>
+          <a:bodyPr wrap="none" rtlCol="0">
+            <a:spAutoFit/>
+          </a:bodyPr>
+          <a:lstStyle/>
+          <a:p>
+            <a:r>
+              <a:rPr lang="en-US" b="1" dirty="0">
+                <a:solidFill>
+                  <a:schemeClr val="bg1"/>
+                </a:solidFill>
+              </a:rPr>
+              <a:t>ZIDA 100% </a:t>
+            </a:r>
+          </a:p>
+        </p:txBody>
+      </p:sp>
+      <p:sp>
+        <p:nvSpPr>
+          <p:cNvPr id="11" name="TextBox 10">
+            <a:extLst>
+              <a:ext uri="{FF2B5EF4-FFF2-40B4-BE49-F238E27FC236}">
+                <a16:creationId xmlns:a16="http://schemas.microsoft.com/office/drawing/2014/main" id="{922D53AF-BC69-4BF1-9FB6-1FED3088BF2E}"/>
+              </a:ext>
+            </a:extLst>
+          </p:cNvPr>
+          <p:cNvSpPr txBox="1"/>
+          <p:nvPr/>
+        </p:nvSpPr>
+        <p:spPr>
+          <a:xfrm>
+            <a:off x="8882527" y="865829"/>
+            <a:ext cx="1144288" cy="369332"/>
+          </a:xfrm>
+          <a:prstGeom prst="rect">
+            <a:avLst/>
+          </a:prstGeom>
+          <a:noFill/>
+        </p:spPr>
+        <p:txBody>
+          <a:bodyPr wrap="none" rtlCol="0">
+            <a:spAutoFit/>
+          </a:bodyPr>
+          <a:lstStyle/>
+          <a:p>
+            <a:r>
+              <a:rPr lang="en-US" b="1" dirty="0">
+                <a:solidFill>
+                  <a:schemeClr val="bg1"/>
+                </a:solidFill>
+              </a:rPr>
+              <a:t>ZIDA 90% </a:t>
+            </a:r>
+          </a:p>
+        </p:txBody>
+      </p:sp>
+      <p:sp>
+        <p:nvSpPr>
+          <p:cNvPr id="12" name="TextBox 11">
+            <a:extLst>
+              <a:ext uri="{FF2B5EF4-FFF2-40B4-BE49-F238E27FC236}">
+                <a16:creationId xmlns:a16="http://schemas.microsoft.com/office/drawing/2014/main" id="{48AF5CFB-C38D-418D-906E-2BA7A47D8FC2}"/>
+              </a:ext>
+            </a:extLst>
+          </p:cNvPr>
+          <p:cNvSpPr txBox="1"/>
+          <p:nvPr/>
+        </p:nvSpPr>
+        <p:spPr>
+          <a:xfrm>
+            <a:off x="9711458" y="1329292"/>
+            <a:ext cx="1144288" cy="369332"/>
+          </a:xfrm>
+          <a:prstGeom prst="rect">
+            <a:avLst/>
+          </a:prstGeom>
+          <a:noFill/>
+        </p:spPr>
+        <p:txBody>
+          <a:bodyPr wrap="none" rtlCol="0">
+            <a:spAutoFit/>
+          </a:bodyPr>
+          <a:lstStyle/>
+          <a:p>
+            <a:r>
+              <a:rPr lang="en-US" b="1" dirty="0">
+                <a:solidFill>
+                  <a:schemeClr val="bg1"/>
+                </a:solidFill>
+              </a:rPr>
+              <a:t>ZIDA 70% </a:t>
+            </a:r>
+          </a:p>
+        </p:txBody>
+      </p:sp>
+      <p:sp>
+        <p:nvSpPr>
+          <p:cNvPr id="13" name="TextBox 12">
+            <a:extLst>
+              <a:ext uri="{FF2B5EF4-FFF2-40B4-BE49-F238E27FC236}">
+                <a16:creationId xmlns:a16="http://schemas.microsoft.com/office/drawing/2014/main" id="{8CBEFE52-D0C6-4DCF-9267-C80B2CEF46F7}"/>
+              </a:ext>
+            </a:extLst>
+          </p:cNvPr>
+          <p:cNvSpPr txBox="1"/>
+          <p:nvPr/>
+        </p:nvSpPr>
+        <p:spPr>
+          <a:xfrm>
+            <a:off x="10525398" y="1562824"/>
+            <a:ext cx="1144288" cy="369332"/>
+          </a:xfrm>
+          <a:prstGeom prst="rect">
+            <a:avLst/>
+          </a:prstGeom>
+          <a:noFill/>
+        </p:spPr>
+        <p:txBody>
+          <a:bodyPr wrap="none" rtlCol="0">
+            <a:spAutoFit/>
+          </a:bodyPr>
+          <a:lstStyle/>
+          <a:p>
+            <a:r>
+              <a:rPr lang="en-US" b="1" dirty="0">
+                <a:solidFill>
+                  <a:schemeClr val="bg1"/>
+                </a:solidFill>
+              </a:rPr>
+              <a:t>ZIDA 50% </a:t>
+            </a:r>
+          </a:p>
+        </p:txBody>
+      </p:sp>
+      <p:sp>
+        <p:nvSpPr>
+          <p:cNvPr id="14" name="TextBox 13">
+            <a:extLst>
+              <a:ext uri="{FF2B5EF4-FFF2-40B4-BE49-F238E27FC236}">
+                <a16:creationId xmlns:a16="http://schemas.microsoft.com/office/drawing/2014/main" id="{A602843E-D2B0-4B0E-9057-3961DC7A3E66}"/>
+              </a:ext>
+            </a:extLst>
+          </p:cNvPr>
+          <p:cNvSpPr txBox="1"/>
+          <p:nvPr/>
+        </p:nvSpPr>
+        <p:spPr>
+          <a:xfrm>
+            <a:off x="11097542" y="1981022"/>
+            <a:ext cx="1027269" cy="369332"/>
+          </a:xfrm>
+          <a:prstGeom prst="rect">
+            <a:avLst/>
+          </a:prstGeom>
+          <a:noFill/>
+        </p:spPr>
+        <p:txBody>
+          <a:bodyPr wrap="none" rtlCol="0">
+            <a:spAutoFit/>
+          </a:bodyPr>
+          <a:lstStyle/>
+          <a:p>
+            <a:r>
+              <a:rPr lang="en-US" b="1" dirty="0">
+                <a:solidFill>
+                  <a:schemeClr val="bg1"/>
+                </a:solidFill>
+              </a:rPr>
+              <a:t>ZIDA 0% </a:t>
+            </a:r>
+          </a:p>
+        </p:txBody>
+      </p:sp>
+      <p:sp>
+        <p:nvSpPr>
+          <p:cNvPr id="18" name="TextBox 17">
+            <a:extLst>
+              <a:ext uri="{FF2B5EF4-FFF2-40B4-BE49-F238E27FC236}">
+                <a16:creationId xmlns:a16="http://schemas.microsoft.com/office/drawing/2014/main" id="{70608EC6-C43C-4408-BDBC-086AA01DDB93}"/>
+              </a:ext>
+            </a:extLst>
+          </p:cNvPr>
+          <p:cNvSpPr txBox="1"/>
+          <p:nvPr/>
+        </p:nvSpPr>
+        <p:spPr>
+          <a:xfrm>
+            <a:off x="9454671" y="1064551"/>
+            <a:ext cx="1144288" cy="369332"/>
+          </a:xfrm>
+          <a:prstGeom prst="rect">
+            <a:avLst/>
+          </a:prstGeom>
+          <a:noFill/>
+        </p:spPr>
+        <p:txBody>
+          <a:bodyPr wrap="none" rtlCol="0">
+            <a:spAutoFit/>
+          </a:bodyPr>
+          <a:lstStyle/>
+          <a:p>
+            <a:r>
+              <a:rPr lang="en-US" b="1" dirty="0">
+                <a:solidFill>
+                  <a:schemeClr val="bg1"/>
+                </a:solidFill>
+              </a:rPr>
+              <a:t>ZIDA 80% </a:t>
+            </a:r>
+          </a:p>
+        </p:txBody>
+      </p:sp>
     </p:spTree>
     <p:extLst>
       <p:ext uri="{BB962C8B-B14F-4D97-AF65-F5344CB8AC3E}">
-        <p14:creationId xmlns:p14="http://schemas.microsoft.com/office/powerpoint/2010/main" val="168574103"/>
+        <p14:creationId xmlns:p14="http://schemas.microsoft.com/office/powerpoint/2010/main" val="1156707321"/>
       </p:ext>
     </p:extLst>
   </p:cSld>
@@ -22020,69 +22248,391 @@
           <a:chExt cx="0" cy="0"/>
         </a:xfrm>
       </p:grpSpPr>
-      <p:cxnSp>
-        <p:nvCxnSpPr>
-          <p:cNvPr id="4" name="Straight Connector 3">
+      <p:sp>
+        <p:nvSpPr>
+          <p:cNvPr id="8" name="TextBox 7">
             <a:extLst>
               <a:ext uri="{FF2B5EF4-FFF2-40B4-BE49-F238E27FC236}">
-                <a16:creationId xmlns:a16="http://schemas.microsoft.com/office/drawing/2014/main" id="{AA0F51F3-860C-43CA-87DE-5828DBD4E939}"/>
+                <a16:creationId xmlns:a16="http://schemas.microsoft.com/office/drawing/2014/main" id="{1E7B805A-341E-4F9B-A482-5E5F4DFC7618}"/>
               </a:ext>
             </a:extLst>
           </p:cNvPr>
-          <p:cNvCxnSpPr/>
+          <p:cNvSpPr txBox="1"/>
           <p:nvPr/>
-        </p:nvCxnSpPr>
+        </p:nvSpPr>
         <p:spPr>
           <a:xfrm>
-            <a:off x="1569739" y="644666"/>
-            <a:ext cx="0" cy="690562"/>
+            <a:off x="964760" y="804328"/>
+            <a:ext cx="6091312" cy="1205821"/>
           </a:xfrm>
-          <a:prstGeom prst="line">
+          <a:prstGeom prst="rect">
             <a:avLst/>
           </a:prstGeom>
-          <a:ln w="28575"/>
         </p:spPr>
-        <p:style>
-          <a:lnRef idx="1">
-            <a:schemeClr val="accent1"/>
-          </a:lnRef>
-          <a:fillRef idx="0">
-            <a:schemeClr val="accent1"/>
-          </a:fillRef>
-          <a:effectRef idx="0">
-            <a:schemeClr val="accent1"/>
-          </a:effectRef>
-          <a:fontRef idx="minor">
-            <a:schemeClr val="tx1"/>
-          </a:fontRef>
-        </p:style>
-      </p:cxnSp>
+        <p:txBody>
+          <a:bodyPr vert="horz" lIns="91440" tIns="45720" rIns="91440" bIns="45720" rtlCol="0" anchor="ctr">
+            <a:normAutofit/>
+          </a:bodyPr>
+          <a:lstStyle/>
+          <a:p>
+            <a:pPr>
+              <a:lnSpc>
+                <a:spcPct val="90000"/>
+              </a:lnSpc>
+              <a:spcBef>
+                <a:spcPct val="0"/>
+              </a:spcBef>
+              <a:spcAft>
+                <a:spcPts val="600"/>
+              </a:spcAft>
+            </a:pPr>
+            <a:r>
+              <a:rPr lang="en-US" sz="2500" dirty="0">
+                <a:solidFill>
+                  <a:srgbClr val="FEFFFF"/>
+                </a:solidFill>
+                <a:latin typeface="+mj-lt"/>
+                <a:ea typeface="+mj-ea"/>
+                <a:cs typeface="+mj-cs"/>
+              </a:rPr>
+              <a:t>Compare surplus generation of ZID, ZIDP</a:t>
+            </a:r>
+          </a:p>
+          <a:p>
+            <a:pPr>
+              <a:lnSpc>
+                <a:spcPct val="90000"/>
+              </a:lnSpc>
+              <a:spcBef>
+                <a:spcPct val="0"/>
+              </a:spcBef>
+              <a:spcAft>
+                <a:spcPts val="600"/>
+              </a:spcAft>
+            </a:pPr>
+            <a:r>
+              <a:rPr lang="en-US" sz="2500" dirty="0">
+                <a:solidFill>
+                  <a:srgbClr val="FEFFFF"/>
+                </a:solidFill>
+                <a:latin typeface="+mj-lt"/>
+                <a:ea typeface="+mj-ea"/>
+                <a:cs typeface="+mj-cs"/>
+              </a:rPr>
+              <a:t>Note Narrow range on y-axis of graph</a:t>
+            </a:r>
+          </a:p>
+        </p:txBody>
+      </p:sp>
       <p:sp>
         <p:nvSpPr>
-          <p:cNvPr id="6" name="TextBox 3">
+          <p:cNvPr id="3" name="TextBox 2">
             <a:extLst>
               <a:ext uri="{FF2B5EF4-FFF2-40B4-BE49-F238E27FC236}">
-                <a16:creationId xmlns:a16="http://schemas.microsoft.com/office/drawing/2014/main" id="{F9A846BF-64EF-4AF8-A119-476064F3EB43}"/>
+                <a16:creationId xmlns:a16="http://schemas.microsoft.com/office/drawing/2014/main" id="{426B6423-DB43-4D45-BB8B-E5487B743FE5}"/>
               </a:ext>
             </a:extLst>
           </p:cNvPr>
-          <p:cNvSpPr txBox="1">
-            <a:spLocks noChangeArrowheads="1"/>
-          </p:cNvSpPr>
+          <p:cNvSpPr txBox="1"/>
           <p:nvPr/>
         </p:nvSpPr>
-        <p:spPr bwMode="auto">
+        <p:spPr>
           <a:xfrm>
-            <a:off x="1763414" y="627203"/>
-            <a:ext cx="2318392" cy="707886"/>
+            <a:off x="485484" y="2490513"/>
+            <a:ext cx="2575149" cy="3563159"/>
+          </a:xfrm>
+          <a:prstGeom prst="rect">
+            <a:avLst/>
+          </a:prstGeom>
+        </p:spPr>
+        <p:txBody>
+          <a:bodyPr vert="horz" lIns="91440" tIns="45720" rIns="91440" bIns="45720" rtlCol="0">
+            <a:normAutofit/>
+          </a:bodyPr>
+          <a:lstStyle/>
+          <a:p>
+            <a:pPr indent="-228600">
+              <a:lnSpc>
+                <a:spcPct val="90000"/>
+              </a:lnSpc>
+              <a:spcAft>
+                <a:spcPts val="600"/>
+              </a:spcAft>
+              <a:buFont typeface="Arial" panose="020B0604020202020204" pitchFamily="34" charset="0"/>
+              <a:buChar char="•"/>
+            </a:pPr>
+            <a:r>
+              <a:rPr lang="en-US" sz="2000" dirty="0" err="1"/>
+              <a:t>num_trials</a:t>
+            </a:r>
+            <a:r>
+              <a:rPr lang="en-US" sz="2000" dirty="0"/>
+              <a:t> = 100</a:t>
+            </a:r>
+          </a:p>
+          <a:p>
+            <a:pPr indent="-228600">
+              <a:lnSpc>
+                <a:spcPct val="90000"/>
+              </a:lnSpc>
+              <a:spcAft>
+                <a:spcPts val="600"/>
+              </a:spcAft>
+              <a:buFont typeface="Arial" panose="020B0604020202020204" pitchFamily="34" charset="0"/>
+              <a:buChar char="•"/>
+            </a:pPr>
+            <a:r>
+              <a:rPr lang="en-US" sz="2000" dirty="0"/>
+              <a:t>begin event = 48</a:t>
+            </a:r>
+          </a:p>
+          <a:p>
+            <a:pPr indent="-228600">
+              <a:lnSpc>
+                <a:spcPct val="90000"/>
+              </a:lnSpc>
+              <a:spcAft>
+                <a:spcPts val="600"/>
+              </a:spcAft>
+              <a:buFont typeface="Arial" panose="020B0604020202020204" pitchFamily="34" charset="0"/>
+              <a:buChar char="•"/>
+            </a:pPr>
+            <a:r>
+              <a:rPr lang="en-US" sz="2000" dirty="0"/>
+              <a:t>end event  = 52</a:t>
+            </a:r>
+          </a:p>
+          <a:p>
+            <a:pPr indent="-228600">
+              <a:lnSpc>
+                <a:spcPct val="90000"/>
+              </a:lnSpc>
+              <a:spcAft>
+                <a:spcPts val="600"/>
+              </a:spcAft>
+              <a:buFont typeface="Arial" panose="020B0604020202020204" pitchFamily="34" charset="0"/>
+              <a:buChar char="•"/>
+            </a:pPr>
+            <a:r>
+              <a:rPr lang="en-US" sz="2000" dirty="0" err="1"/>
+              <a:t>num_periods</a:t>
+            </a:r>
+            <a:r>
+              <a:rPr lang="en-US" sz="2000" dirty="0"/>
+              <a:t> = 7</a:t>
+            </a:r>
+          </a:p>
+          <a:p>
+            <a:pPr indent="-228600">
+              <a:lnSpc>
+                <a:spcPct val="90000"/>
+              </a:lnSpc>
+              <a:spcAft>
+                <a:spcPts val="600"/>
+              </a:spcAft>
+              <a:buFont typeface="Arial" panose="020B0604020202020204" pitchFamily="34" charset="0"/>
+              <a:buChar char="•"/>
+            </a:pPr>
+            <a:r>
+              <a:rPr lang="en-US" sz="2000" dirty="0" err="1"/>
+              <a:t>num_weeks</a:t>
+            </a:r>
+            <a:r>
+              <a:rPr lang="en-US" sz="2000" dirty="0"/>
+              <a:t> = 50</a:t>
+            </a:r>
+          </a:p>
+          <a:p>
+            <a:pPr indent="-228600">
+              <a:lnSpc>
+                <a:spcPct val="90000"/>
+              </a:lnSpc>
+              <a:spcAft>
+                <a:spcPts val="600"/>
+              </a:spcAft>
+              <a:buFont typeface="Arial" panose="020B0604020202020204" pitchFamily="34" charset="0"/>
+              <a:buChar char="•"/>
+            </a:pPr>
+            <a:r>
+              <a:rPr lang="en-US" sz="2000" dirty="0" err="1"/>
+              <a:t>num_rounds</a:t>
+            </a:r>
+            <a:r>
+              <a:rPr lang="en-US" sz="2000" dirty="0"/>
+              <a:t> = 5</a:t>
+            </a:r>
+          </a:p>
+          <a:p>
+            <a:pPr indent="-228600">
+              <a:lnSpc>
+                <a:spcPct val="90000"/>
+              </a:lnSpc>
+              <a:spcAft>
+                <a:spcPts val="600"/>
+              </a:spcAft>
+              <a:buFont typeface="Arial" panose="020B0604020202020204" pitchFamily="34" charset="0"/>
+              <a:buChar char="•"/>
+            </a:pPr>
+            <a:r>
+              <a:rPr lang="en-US" sz="2000" dirty="0" err="1"/>
+              <a:t>num_traders</a:t>
+            </a:r>
+            <a:r>
+              <a:rPr lang="en-US" sz="2000" dirty="0"/>
+              <a:t> = 20</a:t>
+            </a:r>
+          </a:p>
+          <a:p>
+            <a:pPr indent="-228600">
+              <a:lnSpc>
+                <a:spcPct val="90000"/>
+              </a:lnSpc>
+              <a:spcAft>
+                <a:spcPts val="600"/>
+              </a:spcAft>
+              <a:buFont typeface="Arial" panose="020B0604020202020204" pitchFamily="34" charset="0"/>
+              <a:buChar char="•"/>
+            </a:pPr>
+            <a:r>
+              <a:rPr lang="en-US" sz="2000" dirty="0" err="1"/>
+              <a:t>num_units</a:t>
+            </a:r>
+            <a:r>
+              <a:rPr lang="en-US" sz="2000" dirty="0"/>
+              <a:t> = 8</a:t>
+            </a:r>
+          </a:p>
+          <a:p>
+            <a:pPr indent="-228600">
+              <a:lnSpc>
+                <a:spcPct val="90000"/>
+              </a:lnSpc>
+              <a:spcAft>
+                <a:spcPts val="600"/>
+              </a:spcAft>
+              <a:buFont typeface="Arial" panose="020B0604020202020204" pitchFamily="34" charset="0"/>
+              <a:buChar char="•"/>
+            </a:pPr>
+            <a:r>
+              <a:rPr lang="en-US" sz="2000" dirty="0" err="1"/>
+              <a:t>lower_bound</a:t>
+            </a:r>
+            <a:r>
+              <a:rPr lang="en-US" sz="2000" dirty="0"/>
+              <a:t> = 200 </a:t>
+            </a:r>
+          </a:p>
+          <a:p>
+            <a:pPr indent="-228600">
+              <a:lnSpc>
+                <a:spcPct val="90000"/>
+              </a:lnSpc>
+              <a:spcAft>
+                <a:spcPts val="600"/>
+              </a:spcAft>
+              <a:buFont typeface="Arial" panose="020B0604020202020204" pitchFamily="34" charset="0"/>
+              <a:buChar char="•"/>
+            </a:pPr>
+            <a:r>
+              <a:rPr lang="en-US" sz="2000" dirty="0" err="1"/>
+              <a:t>upper_bound</a:t>
+            </a:r>
+            <a:r>
+              <a:rPr lang="en-US" sz="2000" dirty="0"/>
+              <a:t> = 600</a:t>
+            </a:r>
+          </a:p>
+        </p:txBody>
+      </p:sp>
+      <p:sp>
+        <p:nvSpPr>
+          <p:cNvPr id="17" name="TextBox 16">
+            <a:extLst>
+              <a:ext uri="{FF2B5EF4-FFF2-40B4-BE49-F238E27FC236}">
+                <a16:creationId xmlns:a16="http://schemas.microsoft.com/office/drawing/2014/main" id="{B5F28098-4590-4467-A522-7CAF73B2CE02}"/>
+              </a:ext>
+            </a:extLst>
+          </p:cNvPr>
+          <p:cNvSpPr txBox="1"/>
+          <p:nvPr/>
+        </p:nvSpPr>
+        <p:spPr>
+          <a:xfrm>
+            <a:off x="4436403" y="5567935"/>
+            <a:ext cx="2860048" cy="341632"/>
           </a:xfrm>
           <a:prstGeom prst="rect">
             <a:avLst/>
           </a:prstGeom>
           <a:noFill/>
-          <a:ln>
-            <a:noFill/>
-          </a:ln>
+        </p:spPr>
+        <p:txBody>
+          <a:bodyPr wrap="square">
+            <a:spAutoFit/>
+          </a:bodyPr>
+          <a:lstStyle/>
+          <a:p>
+            <a:pPr indent="-228600">
+              <a:lnSpc>
+                <a:spcPct val="90000"/>
+              </a:lnSpc>
+              <a:spcAft>
+                <a:spcPts val="600"/>
+              </a:spcAft>
+              <a:buFont typeface="Arial" panose="020B0604020202020204" pitchFamily="34" charset="0"/>
+              <a:buChar char="•"/>
+            </a:pPr>
+            <a:r>
+              <a:rPr lang="en-US" sz="1800" dirty="0"/>
+              <a:t>100% ZIDPR </a:t>
+            </a:r>
+            <a:r>
+              <a:rPr lang="en-US" dirty="0"/>
+              <a:t>during</a:t>
+            </a:r>
+            <a:r>
+              <a:rPr lang="en-US" sz="1800" dirty="0"/>
+              <a:t> event</a:t>
+            </a:r>
+          </a:p>
+        </p:txBody>
+      </p:sp>
+      <p:pic>
+        <p:nvPicPr>
+          <p:cNvPr id="1026" name="Picture 2">
+            <a:extLst>
+              <a:ext uri="{FF2B5EF4-FFF2-40B4-BE49-F238E27FC236}">
+                <a16:creationId xmlns:a16="http://schemas.microsoft.com/office/drawing/2014/main" id="{85007001-4007-4D71-8084-FE3DA90E824E}"/>
+              </a:ext>
+            </a:extLst>
+          </p:cNvPr>
+          <p:cNvPicPr>
+            <a:picLocks noChangeAspect="1" noChangeArrowheads="1"/>
+          </p:cNvPicPr>
+          <p:nvPr/>
+        </p:nvPicPr>
+        <p:blipFill>
+          <a:blip r:embed="rId2">
+            <a:extLst>
+              <a:ext uri="{28A0092B-C50C-407E-A947-70E740481C1C}">
+                <a14:useLocalDpi xmlns:a14="http://schemas.microsoft.com/office/drawing/2010/main" val="0"/>
+              </a:ext>
+            </a:extLst>
+          </a:blip>
+          <a:srcRect/>
+          <a:stretch>
+            <a:fillRect/>
+          </a:stretch>
+        </p:blipFill>
+        <p:spPr bwMode="auto">
+          <a:xfrm>
+            <a:off x="3631430" y="2091273"/>
+            <a:ext cx="4236017" cy="3390167"/>
+          </a:xfrm>
+          <a:prstGeom prst="rect">
+            <a:avLst/>
+          </a:prstGeom>
+          <a:noFill/>
           <a:extLst>
             <a:ext uri="{909E8E84-426E-40DD-AFC4-6F175D3DCCD1}">
               <a14:hiddenFill xmlns:a14="http://schemas.microsoft.com/office/drawing/2010/main">
@@ -22091,202 +22641,117 @@
                 </a:solidFill>
               </a14:hiddenFill>
             </a:ext>
-            <a:ext uri="{91240B29-F687-4F45-9708-019B960494DF}">
-              <a14:hiddenLine xmlns:a14="http://schemas.microsoft.com/office/drawing/2010/main" w="9525">
-                <a:solidFill>
-                  <a:srgbClr val="000000"/>
-                </a:solidFill>
-                <a:miter lim="800000"/>
-                <a:headEnd/>
-                <a:tailEnd/>
-              </a14:hiddenLine>
+          </a:extLst>
+        </p:spPr>
+      </p:pic>
+      <p:sp>
+        <p:nvSpPr>
+          <p:cNvPr id="15" name="TextBox 14">
+            <a:extLst>
+              <a:ext uri="{FF2B5EF4-FFF2-40B4-BE49-F238E27FC236}">
+                <a16:creationId xmlns:a16="http://schemas.microsoft.com/office/drawing/2014/main" id="{69C1BEB7-7D02-4209-874E-7E1EDC3D2DE9}"/>
+              </a:ext>
+            </a:extLst>
+          </p:cNvPr>
+          <p:cNvSpPr txBox="1"/>
+          <p:nvPr/>
+        </p:nvSpPr>
+        <p:spPr>
+          <a:xfrm>
+            <a:off x="8846468" y="5567935"/>
+            <a:ext cx="2860048" cy="341632"/>
+          </a:xfrm>
+          <a:prstGeom prst="rect">
+            <a:avLst/>
+          </a:prstGeom>
+          <a:noFill/>
+        </p:spPr>
+        <p:txBody>
+          <a:bodyPr wrap="square">
+            <a:spAutoFit/>
+          </a:bodyPr>
+          <a:lstStyle/>
+          <a:p>
+            <a:pPr indent="-228600">
+              <a:lnSpc>
+                <a:spcPct val="90000"/>
+              </a:lnSpc>
+              <a:spcAft>
+                <a:spcPts val="600"/>
+              </a:spcAft>
+              <a:buFont typeface="Arial" panose="020B0604020202020204" pitchFamily="34" charset="0"/>
+              <a:buChar char="•"/>
+            </a:pPr>
+            <a:r>
+              <a:rPr lang="en-US" dirty="0"/>
+              <a:t>30</a:t>
+            </a:r>
+            <a:r>
+              <a:rPr lang="en-US" sz="1800" dirty="0"/>
+              <a:t>% ZIDPR </a:t>
+            </a:r>
+            <a:r>
+              <a:rPr lang="en-US" dirty="0"/>
+              <a:t>during</a:t>
+            </a:r>
+            <a:r>
+              <a:rPr lang="en-US" sz="1800" dirty="0"/>
+              <a:t> event</a:t>
+            </a:r>
+          </a:p>
+        </p:txBody>
+      </p:sp>
+      <p:pic>
+        <p:nvPicPr>
+          <p:cNvPr id="2" name="Picture 4">
+            <a:extLst>
+              <a:ext uri="{FF2B5EF4-FFF2-40B4-BE49-F238E27FC236}">
+                <a16:creationId xmlns:a16="http://schemas.microsoft.com/office/drawing/2014/main" id="{5156A450-80E4-4602-8276-096FEACD1792}"/>
+              </a:ext>
+            </a:extLst>
+          </p:cNvPr>
+          <p:cNvPicPr>
+            <a:picLocks noChangeAspect="1" noChangeArrowheads="1"/>
+          </p:cNvPicPr>
+          <p:nvPr/>
+        </p:nvPicPr>
+        <p:blipFill>
+          <a:blip r:embed="rId3">
+            <a:extLst>
+              <a:ext uri="{28A0092B-C50C-407E-A947-70E740481C1C}">
+                <a14:useLocalDpi xmlns:a14="http://schemas.microsoft.com/office/drawing/2010/main" val="0"/>
+              </a:ext>
+            </a:extLst>
+          </a:blip>
+          <a:srcRect/>
+          <a:stretch>
+            <a:fillRect/>
+          </a:stretch>
+        </p:blipFill>
+        <p:spPr bwMode="auto">
+          <a:xfrm>
+            <a:off x="7940451" y="2091272"/>
+            <a:ext cx="4119028" cy="3296538"/>
+          </a:xfrm>
+          <a:prstGeom prst="rect">
+            <a:avLst/>
+          </a:prstGeom>
+          <a:noFill/>
+          <a:extLst>
+            <a:ext uri="{909E8E84-426E-40DD-AFC4-6F175D3DCCD1}">
+              <a14:hiddenFill xmlns:a14="http://schemas.microsoft.com/office/drawing/2010/main">
+                <a:solidFill>
+                  <a:srgbClr val="FFFFFF"/>
+                </a:solidFill>
+              </a14:hiddenFill>
             </a:ext>
           </a:extLst>
         </p:spPr>
-        <p:txBody>
-          <a:bodyPr wrap="none">
-            <a:spAutoFit/>
-          </a:bodyPr>
-          <a:lstStyle>
-            <a:lvl1pPr>
-              <a:lnSpc>
-                <a:spcPct val="90000"/>
-              </a:lnSpc>
-              <a:spcBef>
-                <a:spcPts val="1000"/>
-              </a:spcBef>
-              <a:buFont typeface="Arial" panose="020B0604020202020204" pitchFamily="34" charset="0"/>
-              <a:buChar char="•"/>
-              <a:defRPr sz="2800">
-                <a:solidFill>
-                  <a:schemeClr val="tx1"/>
-                </a:solidFill>
-                <a:latin typeface="Calibri" panose="020F0502020204030204" pitchFamily="34" charset="0"/>
-              </a:defRPr>
-            </a:lvl1pPr>
-            <a:lvl2pPr marL="742950" indent="-285750">
-              <a:lnSpc>
-                <a:spcPct val="90000"/>
-              </a:lnSpc>
-              <a:spcBef>
-                <a:spcPts val="500"/>
-              </a:spcBef>
-              <a:buFont typeface="Arial" panose="020B0604020202020204" pitchFamily="34" charset="0"/>
-              <a:buChar char="•"/>
-              <a:defRPr sz="2400">
-                <a:solidFill>
-                  <a:schemeClr val="tx1"/>
-                </a:solidFill>
-                <a:latin typeface="Calibri" panose="020F0502020204030204" pitchFamily="34" charset="0"/>
-              </a:defRPr>
-            </a:lvl2pPr>
-            <a:lvl3pPr marL="1143000" indent="-228600">
-              <a:lnSpc>
-                <a:spcPct val="90000"/>
-              </a:lnSpc>
-              <a:spcBef>
-                <a:spcPts val="500"/>
-              </a:spcBef>
-              <a:buFont typeface="Arial" panose="020B0604020202020204" pitchFamily="34" charset="0"/>
-              <a:buChar char="•"/>
-              <a:defRPr sz="2000">
-                <a:solidFill>
-                  <a:schemeClr val="tx1"/>
-                </a:solidFill>
-                <a:latin typeface="Calibri" panose="020F0502020204030204" pitchFamily="34" charset="0"/>
-              </a:defRPr>
-            </a:lvl3pPr>
-            <a:lvl4pPr marL="1600200" indent="-228600">
-              <a:lnSpc>
-                <a:spcPct val="90000"/>
-              </a:lnSpc>
-              <a:spcBef>
-                <a:spcPts val="500"/>
-              </a:spcBef>
-              <a:buFont typeface="Arial" panose="020B0604020202020204" pitchFamily="34" charset="0"/>
-              <a:buChar char="•"/>
-              <a:defRPr>
-                <a:solidFill>
-                  <a:schemeClr val="tx1"/>
-                </a:solidFill>
-                <a:latin typeface="Calibri" panose="020F0502020204030204" pitchFamily="34" charset="0"/>
-              </a:defRPr>
-            </a:lvl4pPr>
-            <a:lvl5pPr marL="2057400" indent="-228600">
-              <a:lnSpc>
-                <a:spcPct val="90000"/>
-              </a:lnSpc>
-              <a:spcBef>
-                <a:spcPts val="500"/>
-              </a:spcBef>
-              <a:buFont typeface="Arial" panose="020B0604020202020204" pitchFamily="34" charset="0"/>
-              <a:buChar char="•"/>
-              <a:defRPr>
-                <a:solidFill>
-                  <a:schemeClr val="tx1"/>
-                </a:solidFill>
-                <a:latin typeface="Calibri" panose="020F0502020204030204" pitchFamily="34" charset="0"/>
-              </a:defRPr>
-            </a:lvl5pPr>
-            <a:lvl6pPr marL="2514600" indent="-228600" eaLnBrk="0" fontAlgn="base" hangingPunct="0">
-              <a:lnSpc>
-                <a:spcPct val="90000"/>
-              </a:lnSpc>
-              <a:spcBef>
-                <a:spcPts val="500"/>
-              </a:spcBef>
-              <a:spcAft>
-                <a:spcPct val="0"/>
-              </a:spcAft>
-              <a:buFont typeface="Arial" panose="020B0604020202020204" pitchFamily="34" charset="0"/>
-              <a:buChar char="•"/>
-              <a:defRPr>
-                <a:solidFill>
-                  <a:schemeClr val="tx1"/>
-                </a:solidFill>
-                <a:latin typeface="Calibri" panose="020F0502020204030204" pitchFamily="34" charset="0"/>
-              </a:defRPr>
-            </a:lvl6pPr>
-            <a:lvl7pPr marL="2971800" indent="-228600" eaLnBrk="0" fontAlgn="base" hangingPunct="0">
-              <a:lnSpc>
-                <a:spcPct val="90000"/>
-              </a:lnSpc>
-              <a:spcBef>
-                <a:spcPts val="500"/>
-              </a:spcBef>
-              <a:spcAft>
-                <a:spcPct val="0"/>
-              </a:spcAft>
-              <a:buFont typeface="Arial" panose="020B0604020202020204" pitchFamily="34" charset="0"/>
-              <a:buChar char="•"/>
-              <a:defRPr>
-                <a:solidFill>
-                  <a:schemeClr val="tx1"/>
-                </a:solidFill>
-                <a:latin typeface="Calibri" panose="020F0502020204030204" pitchFamily="34" charset="0"/>
-              </a:defRPr>
-            </a:lvl7pPr>
-            <a:lvl8pPr marL="3429000" indent="-228600" eaLnBrk="0" fontAlgn="base" hangingPunct="0">
-              <a:lnSpc>
-                <a:spcPct val="90000"/>
-              </a:lnSpc>
-              <a:spcBef>
-                <a:spcPts val="500"/>
-              </a:spcBef>
-              <a:spcAft>
-                <a:spcPct val="0"/>
-              </a:spcAft>
-              <a:buFont typeface="Arial" panose="020B0604020202020204" pitchFamily="34" charset="0"/>
-              <a:buChar char="•"/>
-              <a:defRPr>
-                <a:solidFill>
-                  <a:schemeClr val="tx1"/>
-                </a:solidFill>
-                <a:latin typeface="Calibri" panose="020F0502020204030204" pitchFamily="34" charset="0"/>
-              </a:defRPr>
-            </a:lvl8pPr>
-            <a:lvl9pPr marL="3886200" indent="-228600" eaLnBrk="0" fontAlgn="base" hangingPunct="0">
-              <a:lnSpc>
-                <a:spcPct val="90000"/>
-              </a:lnSpc>
-              <a:spcBef>
-                <a:spcPts val="500"/>
-              </a:spcBef>
-              <a:spcAft>
-                <a:spcPct val="0"/>
-              </a:spcAft>
-              <a:buFont typeface="Arial" panose="020B0604020202020204" pitchFamily="34" charset="0"/>
-              <a:buChar char="•"/>
-              <a:defRPr>
-                <a:solidFill>
-                  <a:schemeClr val="tx1"/>
-                </a:solidFill>
-                <a:latin typeface="Calibri" panose="020F0502020204030204" pitchFamily="34" charset="0"/>
-              </a:defRPr>
-            </a:lvl9pPr>
-          </a:lstStyle>
-          <a:p>
-            <a:pPr eaLnBrk="1" hangingPunct="1">
-              <a:lnSpc>
-                <a:spcPct val="100000"/>
-              </a:lnSpc>
-              <a:spcBef>
-                <a:spcPct val="0"/>
-              </a:spcBef>
-              <a:buFontTx/>
-              <a:buNone/>
-            </a:pPr>
-            <a:r>
-              <a:rPr lang="en-US" altLang="en-US" sz="4000" dirty="0"/>
-              <a:t>Thank You</a:t>
-            </a:r>
-          </a:p>
-        </p:txBody>
-      </p:sp>
+      </p:pic>
     </p:spTree>
     <p:extLst>
       <p:ext uri="{BB962C8B-B14F-4D97-AF65-F5344CB8AC3E}">
-        <p14:creationId xmlns:p14="http://schemas.microsoft.com/office/powerpoint/2010/main" val="2791261846"/>
+        <p14:creationId xmlns:p14="http://schemas.microsoft.com/office/powerpoint/2010/main" val="1845725964"/>
       </p:ext>
     </p:extLst>
   </p:cSld>
@@ -22690,6 +23155,423 @@
           <a:chExt cx="0" cy="0"/>
         </a:xfrm>
       </p:grpSpPr>
+      <p:pic>
+        <p:nvPicPr>
+          <p:cNvPr id="2" name="Picture 6">
+            <a:extLst>
+              <a:ext uri="{FF2B5EF4-FFF2-40B4-BE49-F238E27FC236}">
+                <a16:creationId xmlns:a16="http://schemas.microsoft.com/office/drawing/2014/main" id="{D79447AF-EBEE-428E-8923-1BB6F5F5D007}"/>
+              </a:ext>
+            </a:extLst>
+          </p:cNvPr>
+          <p:cNvPicPr>
+            <a:picLocks noChangeAspect="1" noChangeArrowheads="1"/>
+          </p:cNvPicPr>
+          <p:nvPr/>
+        </p:nvPicPr>
+        <p:blipFill>
+          <a:blip r:embed="rId2">
+            <a:extLst>
+              <a:ext uri="{28A0092B-C50C-407E-A947-70E740481C1C}">
+                <a14:useLocalDpi xmlns:a14="http://schemas.microsoft.com/office/drawing/2010/main" val="0"/>
+              </a:ext>
+            </a:extLst>
+          </a:blip>
+          <a:srcRect/>
+          <a:stretch>
+            <a:fillRect/>
+          </a:stretch>
+        </p:blipFill>
+        <p:spPr bwMode="auto">
+          <a:xfrm>
+            <a:off x="-100330" y="145793"/>
+            <a:ext cx="5962650" cy="4772025"/>
+          </a:xfrm>
+          <a:prstGeom prst="rect">
+            <a:avLst/>
+          </a:prstGeom>
+          <a:noFill/>
+          <a:extLst>
+            <a:ext uri="{909E8E84-426E-40DD-AFC4-6F175D3DCCD1}">
+              <a14:hiddenFill xmlns:a14="http://schemas.microsoft.com/office/drawing/2010/main">
+                <a:solidFill>
+                  <a:srgbClr val="FFFFFF"/>
+                </a:solidFill>
+              </a14:hiddenFill>
+            </a:ext>
+          </a:extLst>
+        </p:spPr>
+      </p:pic>
+      <p:pic>
+        <p:nvPicPr>
+          <p:cNvPr id="2050" name="Picture 2">
+            <a:extLst>
+              <a:ext uri="{FF2B5EF4-FFF2-40B4-BE49-F238E27FC236}">
+                <a16:creationId xmlns:a16="http://schemas.microsoft.com/office/drawing/2014/main" id="{E2CCAFDB-4A51-46D4-B8C0-A9A8581E9055}"/>
+              </a:ext>
+            </a:extLst>
+          </p:cNvPr>
+          <p:cNvPicPr>
+            <a:picLocks noChangeAspect="1" noChangeArrowheads="1"/>
+          </p:cNvPicPr>
+          <p:nvPr/>
+        </p:nvPicPr>
+        <p:blipFill>
+          <a:blip r:embed="rId3">
+            <a:extLst>
+              <a:ext uri="{28A0092B-C50C-407E-A947-70E740481C1C}">
+                <a14:useLocalDpi xmlns:a14="http://schemas.microsoft.com/office/drawing/2010/main" val="0"/>
+              </a:ext>
+            </a:extLst>
+          </a:blip>
+          <a:srcRect/>
+          <a:stretch>
+            <a:fillRect/>
+          </a:stretch>
+        </p:blipFill>
+        <p:spPr bwMode="auto">
+          <a:xfrm>
+            <a:off x="5634355" y="145793"/>
+            <a:ext cx="5962650" cy="4772025"/>
+          </a:xfrm>
+          <a:prstGeom prst="rect">
+            <a:avLst/>
+          </a:prstGeom>
+          <a:noFill/>
+          <a:extLst>
+            <a:ext uri="{909E8E84-426E-40DD-AFC4-6F175D3DCCD1}">
+              <a14:hiddenFill xmlns:a14="http://schemas.microsoft.com/office/drawing/2010/main">
+                <a:solidFill>
+                  <a:srgbClr val="FFFFFF"/>
+                </a:solidFill>
+              </a14:hiddenFill>
+            </a:ext>
+          </a:extLst>
+        </p:spPr>
+      </p:pic>
+    </p:spTree>
+    <p:extLst>
+      <p:ext uri="{BB962C8B-B14F-4D97-AF65-F5344CB8AC3E}">
+        <p14:creationId xmlns:p14="http://schemas.microsoft.com/office/powerpoint/2010/main" val="523039214"/>
+      </p:ext>
+    </p:extLst>
+  </p:cSld>
+  <p:clrMapOvr>
+    <a:masterClrMapping/>
+  </p:clrMapOvr>
+</p:sld>
+</file>
+
+<file path=ppt/slides/slide31.xml><?xml version="1.0" encoding="utf-8"?>
+<p:sld xmlns:a="http://schemas.openxmlformats.org/drawingml/2006/main" xmlns:r="http://schemas.openxmlformats.org/officeDocument/2006/relationships" xmlns:p="http://schemas.openxmlformats.org/presentationml/2006/main">
+  <p:cSld>
+    <p:spTree>
+      <p:nvGrpSpPr>
+        <p:cNvPr id="1" name=""/>
+        <p:cNvGrpSpPr/>
+        <p:nvPr/>
+      </p:nvGrpSpPr>
+      <p:grpSpPr>
+        <a:xfrm>
+          <a:off x="0" y="0"/>
+          <a:ext cx="0" cy="0"/>
+          <a:chOff x="0" y="0"/>
+          <a:chExt cx="0" cy="0"/>
+        </a:xfrm>
+      </p:grpSpPr>
+      <p:cxnSp>
+        <p:nvCxnSpPr>
+          <p:cNvPr id="4" name="Straight Connector 3">
+            <a:extLst>
+              <a:ext uri="{FF2B5EF4-FFF2-40B4-BE49-F238E27FC236}">
+                <a16:creationId xmlns:a16="http://schemas.microsoft.com/office/drawing/2014/main" id="{AA0F51F3-860C-43CA-87DE-5828DBD4E939}"/>
+              </a:ext>
+            </a:extLst>
+          </p:cNvPr>
+          <p:cNvCxnSpPr/>
+          <p:nvPr/>
+        </p:nvCxnSpPr>
+        <p:spPr>
+          <a:xfrm>
+            <a:off x="1569739" y="644666"/>
+            <a:ext cx="0" cy="690562"/>
+          </a:xfrm>
+          <a:prstGeom prst="line">
+            <a:avLst/>
+          </a:prstGeom>
+          <a:ln w="28575"/>
+        </p:spPr>
+        <p:style>
+          <a:lnRef idx="1">
+            <a:schemeClr val="accent1"/>
+          </a:lnRef>
+          <a:fillRef idx="0">
+            <a:schemeClr val="accent1"/>
+          </a:fillRef>
+          <a:effectRef idx="0">
+            <a:schemeClr val="accent1"/>
+          </a:effectRef>
+          <a:fontRef idx="minor">
+            <a:schemeClr val="tx1"/>
+          </a:fontRef>
+        </p:style>
+      </p:cxnSp>
+      <p:sp>
+        <p:nvSpPr>
+          <p:cNvPr id="6" name="TextBox 3">
+            <a:extLst>
+              <a:ext uri="{FF2B5EF4-FFF2-40B4-BE49-F238E27FC236}">
+                <a16:creationId xmlns:a16="http://schemas.microsoft.com/office/drawing/2014/main" id="{F9A846BF-64EF-4AF8-A119-476064F3EB43}"/>
+              </a:ext>
+            </a:extLst>
+          </p:cNvPr>
+          <p:cNvSpPr txBox="1">
+            <a:spLocks noChangeArrowheads="1"/>
+          </p:cNvSpPr>
+          <p:nvPr/>
+        </p:nvSpPr>
+        <p:spPr bwMode="auto">
+          <a:xfrm>
+            <a:off x="1763414" y="627203"/>
+            <a:ext cx="2318392" cy="707886"/>
+          </a:xfrm>
+          <a:prstGeom prst="rect">
+            <a:avLst/>
+          </a:prstGeom>
+          <a:noFill/>
+          <a:ln>
+            <a:noFill/>
+          </a:ln>
+          <a:extLst>
+            <a:ext uri="{909E8E84-426E-40DD-AFC4-6F175D3DCCD1}">
+              <a14:hiddenFill xmlns:a14="http://schemas.microsoft.com/office/drawing/2010/main">
+                <a:solidFill>
+                  <a:srgbClr val="FFFFFF"/>
+                </a:solidFill>
+              </a14:hiddenFill>
+            </a:ext>
+            <a:ext uri="{91240B29-F687-4F45-9708-019B960494DF}">
+              <a14:hiddenLine xmlns:a14="http://schemas.microsoft.com/office/drawing/2010/main" w="9525">
+                <a:solidFill>
+                  <a:srgbClr val="000000"/>
+                </a:solidFill>
+                <a:miter lim="800000"/>
+                <a:headEnd/>
+                <a:tailEnd/>
+              </a14:hiddenLine>
+            </a:ext>
+          </a:extLst>
+        </p:spPr>
+        <p:txBody>
+          <a:bodyPr wrap="none">
+            <a:spAutoFit/>
+          </a:bodyPr>
+          <a:lstStyle>
+            <a:lvl1pPr>
+              <a:lnSpc>
+                <a:spcPct val="90000"/>
+              </a:lnSpc>
+              <a:spcBef>
+                <a:spcPts val="1000"/>
+              </a:spcBef>
+              <a:buFont typeface="Arial" panose="020B0604020202020204" pitchFamily="34" charset="0"/>
+              <a:buChar char="•"/>
+              <a:defRPr sz="2800">
+                <a:solidFill>
+                  <a:schemeClr val="tx1"/>
+                </a:solidFill>
+                <a:latin typeface="Calibri" panose="020F0502020204030204" pitchFamily="34" charset="0"/>
+              </a:defRPr>
+            </a:lvl1pPr>
+            <a:lvl2pPr marL="742950" indent="-285750">
+              <a:lnSpc>
+                <a:spcPct val="90000"/>
+              </a:lnSpc>
+              <a:spcBef>
+                <a:spcPts val="500"/>
+              </a:spcBef>
+              <a:buFont typeface="Arial" panose="020B0604020202020204" pitchFamily="34" charset="0"/>
+              <a:buChar char="•"/>
+              <a:defRPr sz="2400">
+                <a:solidFill>
+                  <a:schemeClr val="tx1"/>
+                </a:solidFill>
+                <a:latin typeface="Calibri" panose="020F0502020204030204" pitchFamily="34" charset="0"/>
+              </a:defRPr>
+            </a:lvl2pPr>
+            <a:lvl3pPr marL="1143000" indent="-228600">
+              <a:lnSpc>
+                <a:spcPct val="90000"/>
+              </a:lnSpc>
+              <a:spcBef>
+                <a:spcPts val="500"/>
+              </a:spcBef>
+              <a:buFont typeface="Arial" panose="020B0604020202020204" pitchFamily="34" charset="0"/>
+              <a:buChar char="•"/>
+              <a:defRPr sz="2000">
+                <a:solidFill>
+                  <a:schemeClr val="tx1"/>
+                </a:solidFill>
+                <a:latin typeface="Calibri" panose="020F0502020204030204" pitchFamily="34" charset="0"/>
+              </a:defRPr>
+            </a:lvl3pPr>
+            <a:lvl4pPr marL="1600200" indent="-228600">
+              <a:lnSpc>
+                <a:spcPct val="90000"/>
+              </a:lnSpc>
+              <a:spcBef>
+                <a:spcPts val="500"/>
+              </a:spcBef>
+              <a:buFont typeface="Arial" panose="020B0604020202020204" pitchFamily="34" charset="0"/>
+              <a:buChar char="•"/>
+              <a:defRPr>
+                <a:solidFill>
+                  <a:schemeClr val="tx1"/>
+                </a:solidFill>
+                <a:latin typeface="Calibri" panose="020F0502020204030204" pitchFamily="34" charset="0"/>
+              </a:defRPr>
+            </a:lvl4pPr>
+            <a:lvl5pPr marL="2057400" indent="-228600">
+              <a:lnSpc>
+                <a:spcPct val="90000"/>
+              </a:lnSpc>
+              <a:spcBef>
+                <a:spcPts val="500"/>
+              </a:spcBef>
+              <a:buFont typeface="Arial" panose="020B0604020202020204" pitchFamily="34" charset="0"/>
+              <a:buChar char="•"/>
+              <a:defRPr>
+                <a:solidFill>
+                  <a:schemeClr val="tx1"/>
+                </a:solidFill>
+                <a:latin typeface="Calibri" panose="020F0502020204030204" pitchFamily="34" charset="0"/>
+              </a:defRPr>
+            </a:lvl5pPr>
+            <a:lvl6pPr marL="2514600" indent="-228600" eaLnBrk="0" fontAlgn="base" hangingPunct="0">
+              <a:lnSpc>
+                <a:spcPct val="90000"/>
+              </a:lnSpc>
+              <a:spcBef>
+                <a:spcPts val="500"/>
+              </a:spcBef>
+              <a:spcAft>
+                <a:spcPct val="0"/>
+              </a:spcAft>
+              <a:buFont typeface="Arial" panose="020B0604020202020204" pitchFamily="34" charset="0"/>
+              <a:buChar char="•"/>
+              <a:defRPr>
+                <a:solidFill>
+                  <a:schemeClr val="tx1"/>
+                </a:solidFill>
+                <a:latin typeface="Calibri" panose="020F0502020204030204" pitchFamily="34" charset="0"/>
+              </a:defRPr>
+            </a:lvl6pPr>
+            <a:lvl7pPr marL="2971800" indent="-228600" eaLnBrk="0" fontAlgn="base" hangingPunct="0">
+              <a:lnSpc>
+                <a:spcPct val="90000"/>
+              </a:lnSpc>
+              <a:spcBef>
+                <a:spcPts val="500"/>
+              </a:spcBef>
+              <a:spcAft>
+                <a:spcPct val="0"/>
+              </a:spcAft>
+              <a:buFont typeface="Arial" panose="020B0604020202020204" pitchFamily="34" charset="0"/>
+              <a:buChar char="•"/>
+              <a:defRPr>
+                <a:solidFill>
+                  <a:schemeClr val="tx1"/>
+                </a:solidFill>
+                <a:latin typeface="Calibri" panose="020F0502020204030204" pitchFamily="34" charset="0"/>
+              </a:defRPr>
+            </a:lvl7pPr>
+            <a:lvl8pPr marL="3429000" indent="-228600" eaLnBrk="0" fontAlgn="base" hangingPunct="0">
+              <a:lnSpc>
+                <a:spcPct val="90000"/>
+              </a:lnSpc>
+              <a:spcBef>
+                <a:spcPts val="500"/>
+              </a:spcBef>
+              <a:spcAft>
+                <a:spcPct val="0"/>
+              </a:spcAft>
+              <a:buFont typeface="Arial" panose="020B0604020202020204" pitchFamily="34" charset="0"/>
+              <a:buChar char="•"/>
+              <a:defRPr>
+                <a:solidFill>
+                  <a:schemeClr val="tx1"/>
+                </a:solidFill>
+                <a:latin typeface="Calibri" panose="020F0502020204030204" pitchFamily="34" charset="0"/>
+              </a:defRPr>
+            </a:lvl8pPr>
+            <a:lvl9pPr marL="3886200" indent="-228600" eaLnBrk="0" fontAlgn="base" hangingPunct="0">
+              <a:lnSpc>
+                <a:spcPct val="90000"/>
+              </a:lnSpc>
+              <a:spcBef>
+                <a:spcPts val="500"/>
+              </a:spcBef>
+              <a:spcAft>
+                <a:spcPct val="0"/>
+              </a:spcAft>
+              <a:buFont typeface="Arial" panose="020B0604020202020204" pitchFamily="34" charset="0"/>
+              <a:buChar char="•"/>
+              <a:defRPr>
+                <a:solidFill>
+                  <a:schemeClr val="tx1"/>
+                </a:solidFill>
+                <a:latin typeface="Calibri" panose="020F0502020204030204" pitchFamily="34" charset="0"/>
+              </a:defRPr>
+            </a:lvl9pPr>
+          </a:lstStyle>
+          <a:p>
+            <a:pPr eaLnBrk="1" hangingPunct="1">
+              <a:lnSpc>
+                <a:spcPct val="100000"/>
+              </a:lnSpc>
+              <a:spcBef>
+                <a:spcPct val="0"/>
+              </a:spcBef>
+              <a:buFontTx/>
+              <a:buNone/>
+            </a:pPr>
+            <a:r>
+              <a:rPr lang="en-US" altLang="en-US" sz="4000" dirty="0"/>
+              <a:t>Thank You</a:t>
+            </a:r>
+          </a:p>
+        </p:txBody>
+      </p:sp>
+    </p:spTree>
+    <p:extLst>
+      <p:ext uri="{BB962C8B-B14F-4D97-AF65-F5344CB8AC3E}">
+        <p14:creationId xmlns:p14="http://schemas.microsoft.com/office/powerpoint/2010/main" val="2791261846"/>
+      </p:ext>
+    </p:extLst>
+  </p:cSld>
+  <p:clrMapOvr>
+    <a:masterClrMapping/>
+  </p:clrMapOvr>
+</p:sld>
+</file>
+
+<file path=ppt/slides/slide32.xml><?xml version="1.0" encoding="utf-8"?>
+<p:sld xmlns:a="http://schemas.openxmlformats.org/drawingml/2006/main" xmlns:r="http://schemas.openxmlformats.org/officeDocument/2006/relationships" xmlns:p="http://schemas.openxmlformats.org/presentationml/2006/main">
+  <p:cSld>
+    <p:spTree>
+      <p:nvGrpSpPr>
+        <p:cNvPr id="1" name=""/>
+        <p:cNvGrpSpPr/>
+        <p:nvPr/>
+      </p:nvGrpSpPr>
+      <p:grpSpPr>
+        <a:xfrm>
+          <a:off x="0" y="0"/>
+          <a:ext cx="0" cy="0"/>
+          <a:chOff x="0" y="0"/>
+          <a:chExt cx="0" cy="0"/>
+        </a:xfrm>
+      </p:grpSpPr>
       <p:cxnSp>
         <p:nvCxnSpPr>
           <p:cNvPr id="2" name="Straight Connector 1">
@@ -23043,7 +23925,7 @@
 </p:sld>
 </file>
 
-<file path=ppt/slides/slide31.xml><?xml version="1.0" encoding="utf-8"?>
+<file path=ppt/slides/slide33.xml><?xml version="1.0" encoding="utf-8"?>
 <p:sld xmlns:a="http://schemas.openxmlformats.org/drawingml/2006/main" xmlns:r="http://schemas.openxmlformats.org/officeDocument/2006/relationships" xmlns:p="http://schemas.openxmlformats.org/presentationml/2006/main">
   <p:cSld>
     <p:spTree>
